--- a/doc/acl_fiber.pptx
+++ b/doc/acl_fiber.pptx
@@ -5,7 +5,7 @@
     <p:sldMasterId id="2147483648" r:id="rId1"/>
   </p:sldMasterIdLst>
   <p:notesMasterIdLst>
-    <p:notesMasterId r:id="rId24"/>
+    <p:notesMasterId r:id="rId27"/>
   </p:notesMasterIdLst>
   <p:sldIdLst>
     <p:sldId id="256" r:id="rId2"/>
@@ -21,15 +21,18 @@
     <p:sldId id="362" r:id="rId12"/>
     <p:sldId id="363" r:id="rId13"/>
     <p:sldId id="364" r:id="rId14"/>
-    <p:sldId id="354" r:id="rId15"/>
-    <p:sldId id="367" r:id="rId16"/>
-    <p:sldId id="365" r:id="rId17"/>
+    <p:sldId id="371" r:id="rId15"/>
+    <p:sldId id="354" r:id="rId16"/>
+    <p:sldId id="367" r:id="rId17"/>
     <p:sldId id="366" r:id="rId18"/>
-    <p:sldId id="368" r:id="rId19"/>
-    <p:sldId id="369" r:id="rId20"/>
-    <p:sldId id="336" r:id="rId21"/>
-    <p:sldId id="350" r:id="rId22"/>
-    <p:sldId id="271" r:id="rId23"/>
+    <p:sldId id="372" r:id="rId19"/>
+    <p:sldId id="365" r:id="rId20"/>
+    <p:sldId id="368" r:id="rId21"/>
+    <p:sldId id="370" r:id="rId22"/>
+    <p:sldId id="369" r:id="rId23"/>
+    <p:sldId id="336" r:id="rId24"/>
+    <p:sldId id="350" r:id="rId25"/>
+    <p:sldId id="271" r:id="rId26"/>
   </p:sldIdLst>
   <p:sldSz cx="9144000" cy="6858000" type="screen4x3"/>
   <p:notesSz cx="6858000" cy="9144000"/>
@@ -3310,7 +3313,7 @@
             <a:fld id="{22280FE6-A104-468D-880C-8FA3CB8840D3}" type="datetimeFigureOut">
               <a:rPr lang="zh-CN" altLang="en-US" smtClean="0"/>
               <a:pPr/>
-              <a:t>2016/7/17</a:t>
+              <a:t>2016/7/18</a:t>
             </a:fld>
             <a:endParaRPr lang="zh-CN" altLang="en-US"/>
           </a:p>
@@ -3983,7 +3986,7 @@
               <a:pPr>
                 <a:defRPr/>
               </a:pPr>
-              <a:t>2016/7/17</a:t>
+              <a:t>2016/7/18</a:t>
             </a:fld>
             <a:endParaRPr lang="zh-CN" altLang="en-US" sz="1200" dirty="0">
               <a:solidFill>
@@ -4065,7 +4068,7 @@
             <a:fld id="{8C5BEB32-F9B7-4A26-A503-E0A0BBE82DBD}" type="datetimeFigureOut">
               <a:rPr lang="zh-CN" altLang="en-US" smtClean="0"/>
               <a:pPr/>
-              <a:t>2016/7/17</a:t>
+              <a:t>2016/7/18</a:t>
             </a:fld>
             <a:endParaRPr lang="zh-CN" altLang="en-US"/>
           </a:p>
@@ -4155,7 +4158,7 @@
                 <a:tabLst/>
                 <a:defRPr/>
               </a:pPr>
-              <a:t>2016/7/17</a:t>
+              <a:t>2016/7/18</a:t>
             </a:fld>
             <a:endParaRPr kumimoji="0" lang="zh-CN" altLang="en-US" sz="1200" b="0" i="0" u="none" strike="noStrike" kern="1200" cap="none" spc="0" normalizeH="0" baseline="0" noProof="0" dirty="0">
               <a:ln>
@@ -4479,7 +4482,7 @@
                 <a:tabLst/>
                 <a:defRPr/>
               </a:pPr>
-              <a:t>2016/7/17</a:t>
+              <a:t>2016/7/18</a:t>
             </a:fld>
             <a:endParaRPr kumimoji="0" lang="zh-CN" altLang="en-US" sz="1200" b="0" i="0" u="none" strike="noStrike" kern="1200" cap="none" spc="0" normalizeH="0" baseline="0" noProof="0" dirty="0">
               <a:ln>
@@ -5048,7 +5051,7 @@
                 <a:tabLst/>
                 <a:defRPr/>
               </a:pPr>
-              <a:t>2016/7/17</a:t>
+              <a:t>2016/7/18</a:t>
             </a:fld>
             <a:endParaRPr kumimoji="0" lang="zh-CN" altLang="en-US" sz="1200" b="0" i="0" u="none" strike="noStrike" kern="1200" cap="none" spc="0" normalizeH="0" baseline="0" noProof="0" dirty="0">
               <a:ln>
@@ -5600,7 +5603,7 @@
                 <a:tabLst/>
                 <a:defRPr/>
               </a:pPr>
-              <a:t>2016/7/17</a:t>
+              <a:t>2016/7/18</a:t>
             </a:fld>
             <a:endParaRPr kumimoji="0" lang="zh-CN" altLang="en-US" sz="1200" b="0" i="0" u="none" strike="noStrike" kern="1200" cap="none" spc="0" normalizeH="0" baseline="0" noProof="0" dirty="0">
               <a:ln>
@@ -5866,7 +5869,7 @@
             <a:fld id="{8C5BEB32-F9B7-4A26-A503-E0A0BBE82DBD}" type="datetimeFigureOut">
               <a:rPr lang="zh-CN" altLang="en-US" smtClean="0"/>
               <a:pPr/>
-              <a:t>2016/7/17</a:t>
+              <a:t>2016/7/18</a:t>
             </a:fld>
             <a:endParaRPr lang="zh-CN" altLang="en-US"/>
           </a:p>
@@ -6106,7 +6109,7 @@
                 <a:tabLst/>
                 <a:defRPr/>
               </a:pPr>
-              <a:t>2016/7/17</a:t>
+              <a:t>2016/7/18</a:t>
             </a:fld>
             <a:endParaRPr kumimoji="0" lang="zh-CN" altLang="en-US" sz="1200" b="0" i="0" u="none" strike="noStrike" kern="1200" cap="none" spc="0" normalizeH="0" baseline="0" noProof="0" dirty="0">
               <a:ln>
@@ -6292,7 +6295,7 @@
             <a:fld id="{8C5BEB32-F9B7-4A26-A503-E0A0BBE82DBD}" type="datetimeFigureOut">
               <a:rPr lang="zh-CN" altLang="en-US" smtClean="0"/>
               <a:pPr/>
-              <a:t>2016/7/17</a:t>
+              <a:t>2016/7/18</a:t>
             </a:fld>
             <a:endParaRPr lang="zh-CN" altLang="en-US"/>
           </a:p>
@@ -6532,7 +6535,7 @@
                 <a:tabLst/>
                 <a:defRPr/>
               </a:pPr>
-              <a:t>2016/7/17</a:t>
+              <a:t>2016/7/18</a:t>
             </a:fld>
             <a:endParaRPr kumimoji="0" lang="zh-CN" altLang="en-US" sz="1200" b="0" i="0" u="none" strike="noStrike" kern="1200" cap="none" spc="0" normalizeH="0" baseline="0" noProof="0" dirty="0">
               <a:ln>
@@ -6694,7 +6697,7 @@
             <a:fld id="{8C5BEB32-F9B7-4A26-A503-E0A0BBE82DBD}" type="datetimeFigureOut">
               <a:rPr lang="zh-CN" altLang="en-US" smtClean="0"/>
               <a:pPr/>
-              <a:t>2016/7/17</a:t>
+              <a:t>2016/7/18</a:t>
             </a:fld>
             <a:endParaRPr lang="zh-CN" altLang="en-US"/>
           </a:p>
@@ -7035,7 +7038,7 @@
                 <a:tabLst/>
                 <a:defRPr/>
               </a:pPr>
-              <a:t>2016/7/17</a:t>
+              <a:t>2016/7/18</a:t>
             </a:fld>
             <a:endParaRPr kumimoji="0" lang="zh-CN" altLang="en-US" sz="1200" b="0" i="0" u="none" strike="noStrike" kern="1200" cap="none" spc="0" normalizeH="0" baseline="0" noProof="0" dirty="0">
               <a:ln>
@@ -7197,7 +7200,7 @@
             <a:fld id="{8C5BEB32-F9B7-4A26-A503-E0A0BBE82DBD}" type="datetimeFigureOut">
               <a:rPr lang="zh-CN" altLang="en-US" smtClean="0"/>
               <a:pPr/>
-              <a:t>2016/7/17</a:t>
+              <a:t>2016/7/18</a:t>
             </a:fld>
             <a:endParaRPr lang="zh-CN" altLang="en-US"/>
           </a:p>
@@ -7425,7 +7428,7 @@
                 <a:tabLst/>
                 <a:defRPr/>
               </a:pPr>
-              <a:t>2016/7/17</a:t>
+              <a:t>2016/7/18</a:t>
             </a:fld>
             <a:endParaRPr kumimoji="0" lang="zh-CN" altLang="en-US" sz="1200" b="0" i="0" u="none" strike="noStrike" kern="1200" cap="none" spc="0" normalizeH="0" baseline="0" noProof="0" dirty="0">
               <a:ln>
@@ -7730,7 +7733,7 @@
             <a:fld id="{8C5BEB32-F9B7-4A26-A503-E0A0BBE82DBD}" type="datetimeFigureOut">
               <a:rPr lang="zh-CN" altLang="en-US" smtClean="0"/>
               <a:pPr/>
-              <a:t>2016/7/17</a:t>
+              <a:t>2016/7/18</a:t>
             </a:fld>
             <a:endParaRPr lang="zh-CN" altLang="en-US"/>
           </a:p>
@@ -8336,7 +8339,7 @@
               <a:pPr>
                 <a:defRPr/>
               </a:pPr>
-              <a:t>2016/7/17</a:t>
+              <a:t>2016/7/18</a:t>
             </a:fld>
             <a:endParaRPr lang="zh-CN" altLang="en-US" sz="1200" dirty="0">
               <a:solidFill>
@@ -8654,6 +8657,13 @@
   <p:clrMapOvr>
     <a:masterClrMapping/>
   </p:clrMapOvr>
+  <p:timing>
+    <p:tnLst>
+      <p:par>
+        <p:cTn id="1" dur="indefinite" restart="never" nodeType="tmRoot"/>
+      </p:par>
+    </p:tnLst>
+  </p:timing>
 </p:sld>
 </file>
 
@@ -10865,7 +10875,7 @@
         <p:spPr>
           <a:xfrm>
             <a:off x="666173" y="5209001"/>
-            <a:ext cx="7610595" cy="923330"/>
+            <a:ext cx="7610595" cy="830997"/>
           </a:xfrm>
           <a:prstGeom prst="rect">
             <a:avLst/>
@@ -10879,92 +10889,92 @@
           <a:lstStyle/>
           <a:p>
             <a:r>
-              <a:rPr lang="en-US" altLang="zh-CN" dirty="0" smtClean="0"/>
+              <a:rPr lang="en-US" altLang="zh-CN" sz="1600" dirty="0" smtClean="0"/>
               <a:t>1</a:t>
             </a:r>
             <a:r>
-              <a:rPr lang="zh-CN" altLang="en-US" dirty="0" smtClean="0"/>
+              <a:rPr lang="zh-CN" altLang="en-US" sz="1600" dirty="0" smtClean="0"/>
               <a:t>、</a:t>
             </a:r>
             <a:r>
-              <a:rPr lang="en-US" altLang="zh-CN" dirty="0" smtClean="0"/>
+              <a:rPr lang="en-US" altLang="zh-CN" sz="1600" dirty="0" smtClean="0"/>
               <a:t>IO</a:t>
             </a:r>
             <a:r>
-              <a:rPr lang="zh-CN" altLang="en-US" dirty="0" smtClean="0"/>
+              <a:rPr lang="zh-CN" altLang="en-US" sz="1600" dirty="0" smtClean="0"/>
               <a:t>事件协程监控所有的</a:t>
             </a:r>
             <a:r>
-              <a:rPr lang="en-US" altLang="zh-CN" dirty="0" smtClean="0"/>
+              <a:rPr lang="en-US" altLang="zh-CN" sz="1600" dirty="0" smtClean="0"/>
               <a:t>IO</a:t>
             </a:r>
             <a:r>
-              <a:rPr lang="zh-CN" altLang="en-US" dirty="0" smtClean="0"/>
+              <a:rPr lang="zh-CN" altLang="en-US" sz="1600" dirty="0" smtClean="0"/>
               <a:t>事件</a:t>
             </a:r>
-            <a:endParaRPr lang="en-US" altLang="zh-CN" dirty="0" smtClean="0"/>
-          </a:p>
-          <a:p>
-            <a:r>
-              <a:rPr lang="en-US" altLang="zh-CN" dirty="0" smtClean="0"/>
+            <a:endParaRPr lang="en-US" altLang="zh-CN" sz="1600" dirty="0" smtClean="0"/>
+          </a:p>
+          <a:p>
+            <a:r>
+              <a:rPr lang="en-US" altLang="zh-CN" sz="1600" dirty="0" smtClean="0"/>
               <a:t>2</a:t>
             </a:r>
             <a:r>
-              <a:rPr lang="zh-CN" altLang="en-US" dirty="0" smtClean="0"/>
+              <a:rPr lang="zh-CN" altLang="en-US" sz="1600" dirty="0" smtClean="0"/>
               <a:t>、网络协程运行</a:t>
             </a:r>
             <a:r>
-              <a:rPr lang="zh-CN" altLang="en-US" dirty="0"/>
+              <a:rPr lang="zh-CN" altLang="en-US" sz="1600" dirty="0"/>
               <a:t>时</a:t>
             </a:r>
             <a:r>
-              <a:rPr lang="zh-CN" altLang="en-US" dirty="0" smtClean="0"/>
+              <a:rPr lang="zh-CN" altLang="en-US" sz="1600" dirty="0" smtClean="0"/>
               <a:t>遇到</a:t>
             </a:r>
             <a:r>
-              <a:rPr lang="en-US" altLang="zh-CN" dirty="0" smtClean="0"/>
+              <a:rPr lang="en-US" altLang="zh-CN" sz="1600" dirty="0" smtClean="0"/>
               <a:t>IO</a:t>
             </a:r>
             <a:r>
-              <a:rPr lang="zh-CN" altLang="en-US" dirty="0" smtClean="0"/>
+              <a:rPr lang="zh-CN" altLang="en-US" sz="1600" dirty="0" smtClean="0"/>
               <a:t>阻塞，则被挂起，其</a:t>
             </a:r>
             <a:r>
-              <a:rPr lang="en-US" altLang="zh-CN" dirty="0" smtClean="0"/>
+              <a:rPr lang="en-US" altLang="zh-CN" sz="1600" dirty="0" smtClean="0"/>
               <a:t>IO</a:t>
             </a:r>
             <a:r>
-              <a:rPr lang="zh-CN" altLang="en-US" dirty="0" smtClean="0"/>
+              <a:rPr lang="zh-CN" altLang="en-US" sz="1600" dirty="0" smtClean="0"/>
               <a:t>句柄由</a:t>
             </a:r>
             <a:r>
-              <a:rPr lang="en-US" altLang="zh-CN" dirty="0" smtClean="0"/>
+              <a:rPr lang="en-US" altLang="zh-CN" sz="1600" dirty="0" smtClean="0"/>
               <a:t>IO</a:t>
             </a:r>
             <a:r>
-              <a:rPr lang="zh-CN" altLang="en-US" dirty="0" smtClean="0"/>
+              <a:rPr lang="zh-CN" altLang="en-US" sz="1600" dirty="0" smtClean="0"/>
               <a:t>事件协程监控</a:t>
             </a:r>
-            <a:endParaRPr lang="en-US" altLang="zh-CN" dirty="0" smtClean="0"/>
-          </a:p>
-          <a:p>
-            <a:r>
-              <a:rPr lang="en-US" altLang="zh-CN" dirty="0" smtClean="0"/>
+            <a:endParaRPr lang="en-US" altLang="zh-CN" sz="1600" dirty="0" smtClean="0"/>
+          </a:p>
+          <a:p>
+            <a:r>
+              <a:rPr lang="en-US" altLang="zh-CN" sz="1600" dirty="0" smtClean="0"/>
               <a:t>3</a:t>
             </a:r>
             <a:r>
-              <a:rPr lang="zh-CN" altLang="en-US" dirty="0" smtClean="0"/>
+              <a:rPr lang="zh-CN" altLang="en-US" sz="1600" dirty="0" smtClean="0"/>
               <a:t>、</a:t>
             </a:r>
             <a:r>
-              <a:rPr lang="en-US" altLang="zh-CN" dirty="0" smtClean="0"/>
+              <a:rPr lang="en-US" altLang="zh-CN" sz="1600" dirty="0" smtClean="0"/>
               <a:t>IO</a:t>
             </a:r>
             <a:r>
-              <a:rPr lang="zh-CN" altLang="en-US" dirty="0" smtClean="0"/>
+              <a:rPr lang="zh-CN" altLang="en-US" sz="1600" dirty="0" smtClean="0"/>
               <a:t>事件发生时，其绑定的协程被再次唤醒</a:t>
             </a:r>
-            <a:endParaRPr lang="zh-CN" altLang="en-US" dirty="0"/>
+            <a:endParaRPr lang="zh-CN" altLang="en-US" sz="1600" dirty="0"/>
           </a:p>
         </p:txBody>
       </p:sp>
@@ -11446,6 +11456,13 @@
   <p:clrMapOvr>
     <a:masterClrMapping/>
   </p:clrMapOvr>
+  <p:timing>
+    <p:tnLst>
+      <p:par>
+        <p:cTn id="1" dur="indefinite" restart="never" nodeType="tmRoot"/>
+      </p:par>
+    </p:tnLst>
+  </p:timing>
 </p:sld>
 </file>
 
@@ -11483,15 +11500,19 @@
           <a:p>
             <a:r>
               <a:rPr lang="zh-CN" altLang="en-US" dirty="0" smtClean="0"/>
-              <a:t>基于协程的 </a:t>
-            </a:r>
-            <a:r>
-              <a:rPr lang="en-US" altLang="zh-CN" dirty="0" err="1" smtClean="0"/>
-              <a:t>errno</a:t>
+              <a:t>为何要 </a:t>
             </a:r>
             <a:r>
               <a:rPr lang="en-US" altLang="zh-CN" dirty="0" smtClean="0"/>
-              <a:t> --- </a:t>
+              <a:t>HOOK </a:t>
+            </a:r>
+            <a:r>
+              <a:rPr lang="zh-CN" altLang="en-US" dirty="0" smtClean="0"/>
+              <a:t>很多系统</a:t>
+            </a:r>
+            <a:r>
+              <a:rPr lang="en-US" altLang="zh-CN" dirty="0" smtClean="0"/>
+              <a:t>API --- </a:t>
             </a:r>
             <a:r>
               <a:rPr lang="zh-CN" altLang="en-US" sz="2000" dirty="0" smtClean="0"/>
@@ -11517,8 +11538,42 @@
           <a:lstStyle/>
           <a:p>
             <a:r>
+              <a:rPr lang="en-US" altLang="zh-CN" dirty="0" smtClean="0"/>
+              <a:t>1</a:t>
+            </a:r>
+            <a:r>
               <a:rPr lang="zh-CN" altLang="en-US" dirty="0" smtClean="0"/>
-              <a:t>因为每个线程中存在大量协程，当某个协程的</a:t>
+              <a:t>、</a:t>
+            </a:r>
+            <a:r>
+              <a:rPr lang="en-US" altLang="zh-CN" dirty="0" smtClean="0"/>
+              <a:t>poll/select </a:t>
+            </a:r>
+            <a:r>
+              <a:rPr lang="zh-CN" altLang="en-US" dirty="0" smtClean="0"/>
+              <a:t>为网络编程中常用系统 </a:t>
+            </a:r>
+            <a:r>
+              <a:rPr lang="en-US" altLang="zh-CN" dirty="0" smtClean="0"/>
+              <a:t>API</a:t>
+            </a:r>
+          </a:p>
+          <a:p>
+            <a:r>
+              <a:rPr lang="en-US" altLang="zh-CN" dirty="0" smtClean="0"/>
+              <a:t>2</a:t>
+            </a:r>
+            <a:r>
+              <a:rPr lang="zh-CN" altLang="en-US" dirty="0" smtClean="0"/>
+              <a:t>、很多第三方网络库用 </a:t>
+            </a:r>
+            <a:r>
+              <a:rPr lang="en-US" altLang="zh-CN" dirty="0" smtClean="0"/>
+              <a:t>poll/select </a:t>
+            </a:r>
+            <a:r>
+              <a:rPr lang="zh-CN" altLang="en-US" dirty="0" smtClean="0"/>
+              <a:t>模拟</a:t>
             </a:r>
             <a:r>
               <a:rPr lang="en-US" altLang="zh-CN" dirty="0" smtClean="0"/>
@@ -11526,11 +11581,22 @@
             </a:r>
             <a:r>
               <a:rPr lang="zh-CN" altLang="en-US" dirty="0" smtClean="0"/>
-              <a:t>过程出错时，如果实现不同协程之间的 </a:t>
+              <a:t>超时</a:t>
+            </a:r>
+            <a:endParaRPr lang="en-US" altLang="zh-CN" dirty="0" smtClean="0"/>
+          </a:p>
+          <a:p>
+            <a:r>
+              <a:rPr lang="en-US" altLang="zh-CN" dirty="0" smtClean="0"/>
+              <a:t>3</a:t>
+            </a:r>
+            <a:r>
+              <a:rPr lang="zh-CN" altLang="en-US" dirty="0" smtClean="0"/>
+              <a:t>、</a:t>
             </a:r>
             <a:r>
               <a:rPr lang="en-US" altLang="zh-CN" dirty="0" err="1" smtClean="0"/>
-              <a:t>errno</a:t>
+              <a:t>epoll</a:t>
             </a:r>
             <a:r>
               <a:rPr lang="en-US" altLang="zh-CN" dirty="0" smtClean="0"/>
@@ -11538,37 +11604,30 @@
             </a:r>
             <a:r>
               <a:rPr lang="zh-CN" altLang="en-US" dirty="0" smtClean="0"/>
-              <a:t>是相互隔离的？</a:t>
+              <a:t>在 </a:t>
+            </a:r>
+            <a:r>
+              <a:rPr lang="en-US" altLang="zh-CN" dirty="0" smtClean="0"/>
+              <a:t>reactor </a:t>
+            </a:r>
+            <a:r>
+              <a:rPr lang="zh-CN" altLang="en-US" dirty="0" smtClean="0"/>
+              <a:t>类应用（如：聊天）方面比较广泛</a:t>
             </a:r>
             <a:endParaRPr lang="en-US" altLang="zh-CN" dirty="0" smtClean="0"/>
           </a:p>
           <a:p>
-            <a:endParaRPr lang="en-US" altLang="zh-CN" dirty="0"/>
-          </a:p>
-          <a:p>
             <a:r>
               <a:rPr lang="en-US" altLang="zh-CN" dirty="0" smtClean="0"/>
-              <a:t>--- </a:t>
+              <a:t>4</a:t>
             </a:r>
             <a:r>
               <a:rPr lang="zh-CN" altLang="en-US" dirty="0" smtClean="0"/>
-              <a:t>在 </a:t>
-            </a:r>
-            <a:r>
-              <a:rPr lang="en-US" altLang="zh-CN" dirty="0" smtClean="0"/>
-              <a:t>Linux </a:t>
-            </a:r>
-            <a:r>
-              <a:rPr lang="zh-CN" altLang="en-US" dirty="0" smtClean="0"/>
-              <a:t>平台下直接 </a:t>
-            </a:r>
-            <a:r>
-              <a:rPr lang="en-US" altLang="zh-CN" dirty="0"/>
-              <a:t>HOOK __</a:t>
+              <a:t>、</a:t>
             </a:r>
             <a:r>
               <a:rPr lang="en-US" altLang="zh-CN" dirty="0" err="1" smtClean="0"/>
-              <a:t>errno_location</a:t>
+              <a:t>gethostbyname</a:t>
             </a:r>
             <a:r>
               <a:rPr lang="en-US" altLang="zh-CN" dirty="0" smtClean="0"/>
@@ -11576,158 +11635,81 @@
             </a:r>
             <a:r>
               <a:rPr lang="zh-CN" altLang="en-US" dirty="0" smtClean="0"/>
-              <a:t>系统函数</a:t>
+              <a:t>在域名解析方面应用广泛</a:t>
             </a:r>
             <a:endParaRPr lang="en-US" altLang="zh-CN" dirty="0" smtClean="0"/>
           </a:p>
           <a:p>
-            <a:endParaRPr lang="en-US" altLang="zh-CN" dirty="0"/>
-          </a:p>
-          <a:p>
+            <a:r>
+              <a:rPr lang="en-US" altLang="zh-CN" dirty="0" smtClean="0"/>
+              <a:t>5</a:t>
+            </a:r>
             <a:r>
               <a:rPr lang="zh-CN" altLang="en-US" dirty="0" smtClean="0"/>
-              <a:t>参见：</a:t>
-            </a:r>
-            <a:r>
-              <a:rPr lang="en-US" altLang="zh-CN" dirty="0"/>
+              <a:t>、</a:t>
+            </a:r>
+            <a:r>
+              <a:rPr lang="en-US" altLang="zh-CN" dirty="0" smtClean="0"/>
+              <a:t>listen </a:t>
+            </a:r>
+            <a:r>
+              <a:rPr lang="zh-CN" altLang="en-US" dirty="0" smtClean="0"/>
+              <a:t>需要将监听描述字设为非阻塞模式</a:t>
+            </a:r>
+            <a:endParaRPr lang="en-US" altLang="zh-CN" dirty="0" smtClean="0"/>
+          </a:p>
+          <a:p>
+            <a:r>
+              <a:rPr lang="en-US" altLang="zh-CN" dirty="0" smtClean="0"/>
+              <a:t>6</a:t>
+            </a:r>
+            <a:r>
+              <a:rPr lang="zh-CN" altLang="en-US" dirty="0" smtClean="0"/>
+              <a:t>、</a:t>
+            </a:r>
+            <a:r>
+              <a:rPr lang="en-US" altLang="zh-CN" dirty="0" smtClean="0"/>
+              <a:t>connect </a:t>
+            </a:r>
+            <a:r>
+              <a:rPr lang="zh-CN" altLang="en-US" dirty="0" smtClean="0"/>
+              <a:t>需要将连接描述字设为非阻塞模式</a:t>
+            </a:r>
+            <a:endParaRPr lang="en-US" altLang="zh-CN" dirty="0" smtClean="0"/>
+          </a:p>
+          <a:p>
+            <a:r>
+              <a:rPr lang="en-US" altLang="zh-CN" dirty="0" smtClean="0"/>
+              <a:t>7</a:t>
+            </a:r>
+            <a:r>
+              <a:rPr lang="zh-CN" altLang="en-US" dirty="0" smtClean="0"/>
+              <a:t>、</a:t>
+            </a:r>
+            <a:r>
+              <a:rPr lang="en-US" altLang="zh-CN" dirty="0" smtClean="0"/>
+              <a:t>bind/socket/</a:t>
+            </a:r>
+            <a:r>
+              <a:rPr lang="en-US" altLang="zh-CN" dirty="0" err="1" smtClean="0"/>
+              <a:t>socketpair</a:t>
+            </a:r>
+            <a:r>
+              <a:rPr lang="en-US" altLang="zh-CN" dirty="0" smtClean="0"/>
               <a:t>/</a:t>
             </a:r>
             <a:r>
-              <a:rPr lang="en-US" altLang="zh-CN" dirty="0" err="1" smtClean="0"/>
-              <a:t>usr</a:t>
-            </a:r>
-            <a:r>
-              <a:rPr lang="en-US" altLang="zh-CN" dirty="0" smtClean="0"/>
-              <a:t>/include/bits/</a:t>
-            </a:r>
-            <a:r>
-              <a:rPr lang="en-US" altLang="zh-CN" dirty="0" err="1" smtClean="0"/>
-              <a:t>errno.h</a:t>
-            </a:r>
-            <a:endParaRPr lang="en-US" altLang="zh-CN" dirty="0" smtClean="0"/>
-          </a:p>
-          <a:p>
-            <a:endParaRPr lang="en-US" altLang="zh-CN" dirty="0"/>
-          </a:p>
-          <a:p>
-            <a:r>
-              <a:rPr lang="en-US" altLang="zh-CN" sz="1600" b="1" dirty="0"/>
-              <a:t>extern </a:t>
-            </a:r>
-            <a:r>
-              <a:rPr lang="en-US" altLang="zh-CN" sz="1600" b="1" dirty="0" err="1"/>
-              <a:t>int</a:t>
-            </a:r>
-            <a:r>
-              <a:rPr lang="en-US" altLang="zh-CN" sz="1600" b="1" dirty="0"/>
-              <a:t> *__</a:t>
-            </a:r>
-            <a:r>
-              <a:rPr lang="en-US" altLang="zh-CN" sz="1600" b="1" dirty="0" err="1"/>
-              <a:t>errno_location</a:t>
-            </a:r>
-            <a:r>
-              <a:rPr lang="en-US" altLang="zh-CN" sz="1600" b="1" dirty="0"/>
-              <a:t> (void) __THROW __attribute__ ((__</a:t>
-            </a:r>
-            <a:r>
-              <a:rPr lang="en-US" altLang="zh-CN" sz="1600" b="1" dirty="0" err="1"/>
-              <a:t>const</a:t>
-            </a:r>
-            <a:r>
-              <a:rPr lang="en-US" altLang="zh-CN" sz="1600" b="1" dirty="0" smtClean="0"/>
-              <a:t>__));</a:t>
-            </a:r>
-          </a:p>
-          <a:p>
-            <a:r>
-              <a:rPr lang="en-US" altLang="zh-CN" sz="1600" b="1" dirty="0" smtClean="0"/>
-              <a:t>#define </a:t>
-            </a:r>
-            <a:r>
-              <a:rPr lang="en-US" altLang="zh-CN" sz="1600" b="1" dirty="0" err="1"/>
-              <a:t>errno</a:t>
-            </a:r>
-            <a:r>
-              <a:rPr lang="en-US" altLang="zh-CN" sz="1600" b="1" dirty="0"/>
-              <a:t> (*__</a:t>
-            </a:r>
-            <a:r>
-              <a:rPr lang="en-US" altLang="zh-CN" sz="1600" b="1" dirty="0" err="1" smtClean="0"/>
-              <a:t>errno_location</a:t>
-            </a:r>
-            <a:r>
-              <a:rPr lang="en-US" altLang="zh-CN" sz="1600" b="1" dirty="0" smtClean="0"/>
-              <a:t> ())</a:t>
-            </a:r>
-          </a:p>
-          <a:p>
-            <a:endParaRPr lang="en-US" altLang="zh-CN" sz="1600" dirty="0"/>
-          </a:p>
-          <a:p>
-            <a:r>
-              <a:rPr lang="zh-CN" altLang="en-US" sz="1600" dirty="0" smtClean="0"/>
-              <a:t>针对进程内全局变量：</a:t>
-            </a:r>
-            <a:r>
-              <a:rPr lang="en-US" altLang="zh-CN" sz="1600" dirty="0" err="1" smtClean="0"/>
-              <a:t>errno</a:t>
-            </a:r>
-            <a:r>
-              <a:rPr lang="zh-CN" altLang="en-US" sz="1600" dirty="0" smtClean="0"/>
-              <a:t>，操作系统将该变量定义为一个函数指针地址，函数内部会通过线程局部变量方式给每一个线程分配一个 </a:t>
-            </a:r>
-            <a:r>
-              <a:rPr lang="en-US" altLang="zh-CN" sz="1600" dirty="0" smtClean="0"/>
-              <a:t>error </a:t>
-            </a:r>
-            <a:r>
-              <a:rPr lang="zh-CN" altLang="en-US" sz="1600" dirty="0" smtClean="0"/>
-              <a:t>对象</a:t>
-            </a:r>
-            <a:endParaRPr lang="en-US" altLang="zh-CN" sz="1600" dirty="0" smtClean="0"/>
-          </a:p>
-          <a:p>
-            <a:r>
-              <a:rPr lang="zh-CN" altLang="en-US" sz="1600" dirty="0" smtClean="0"/>
-              <a:t>因此，通过 </a:t>
-            </a:r>
-            <a:r>
-              <a:rPr lang="en-US" altLang="zh-CN" sz="1600" dirty="0" smtClean="0"/>
-              <a:t>hook __</a:t>
-            </a:r>
-            <a:r>
-              <a:rPr lang="en-US" altLang="zh-CN" sz="1600" dirty="0" err="1" smtClean="0"/>
-              <a:t>errno_location</a:t>
-            </a:r>
-            <a:r>
-              <a:rPr lang="en-US" altLang="zh-CN" sz="1600" dirty="0" smtClean="0"/>
-              <a:t> </a:t>
-            </a:r>
-            <a:r>
-              <a:rPr lang="zh-CN" altLang="en-US" sz="1600" dirty="0" smtClean="0"/>
-              <a:t>函数，在协程库里给每个协程一个协程局部变量，实现了 </a:t>
-            </a:r>
-            <a:r>
-              <a:rPr lang="en-US" altLang="zh-CN" sz="1600" dirty="0" err="1" smtClean="0"/>
-              <a:t>errno</a:t>
-            </a:r>
-            <a:r>
-              <a:rPr lang="en-US" altLang="zh-CN" sz="1600" dirty="0" smtClean="0"/>
-              <a:t> </a:t>
-            </a:r>
-            <a:r>
-              <a:rPr lang="zh-CN" altLang="en-US" sz="1600" dirty="0" smtClean="0"/>
-              <a:t>全局变量的协程安全性</a:t>
-            </a:r>
-            <a:endParaRPr lang="zh-CN" altLang="en-US" sz="1600" dirty="0"/>
+              <a:rPr lang="zh-CN" altLang="en-US" dirty="0" smtClean="0"/>
+              <a:t>。。。为便于将出错号与协程绑定</a:t>
+            </a:r>
+            <a:endParaRPr lang="zh-CN" altLang="en-US" dirty="0"/>
           </a:p>
         </p:txBody>
       </p:sp>
     </p:spTree>
     <p:extLst>
       <p:ext uri="{BB962C8B-B14F-4D97-AF65-F5344CB8AC3E}">
-        <p14:creationId xmlns:p14="http://schemas.microsoft.com/office/powerpoint/2010/main" val="465318761"/>
+        <p14:creationId xmlns:p14="http://schemas.microsoft.com/office/powerpoint/2010/main" val="2488820698"/>
       </p:ext>
     </p:extLst>
   </p:cSld>
@@ -11778,11 +11760,15 @@
           <a:p>
             <a:r>
               <a:rPr lang="zh-CN" altLang="en-US" dirty="0" smtClean="0"/>
-              <a:t>利用多核 </a:t>
+              <a:t>基于协程的 </a:t>
+            </a:r>
+            <a:r>
+              <a:rPr lang="en-US" altLang="zh-CN" dirty="0" err="1" smtClean="0"/>
+              <a:t>errno</a:t>
             </a:r>
             <a:r>
               <a:rPr lang="en-US" altLang="zh-CN" dirty="0" smtClean="0"/>
-              <a:t>--- </a:t>
+              <a:t> --- </a:t>
             </a:r>
             <a:r>
               <a:rPr lang="zh-CN" altLang="en-US" sz="2000" dirty="0" smtClean="0"/>
@@ -11802,1424 +11788,236 @@
             <p:ph idx="1"/>
           </p:nvPr>
         </p:nvSpPr>
-        <p:spPr>
-          <a:xfrm>
-            <a:off x="428596" y="4941167"/>
-            <a:ext cx="8229600" cy="1250101"/>
-          </a:xfrm>
-        </p:spPr>
+        <p:spPr/>
         <p:txBody>
-          <a:bodyPr>
-            <a:normAutofit fontScale="92500" lnSpcReduction="20000"/>
-          </a:bodyPr>
+          <a:bodyPr/>
           <a:lstStyle/>
           <a:p>
             <a:r>
+              <a:rPr lang="zh-CN" altLang="en-US" dirty="0" smtClean="0"/>
+              <a:t>因为每个线程中存在大量协程，当某个协程的</a:t>
+            </a:r>
+            <a:r>
+              <a:rPr lang="en-US" altLang="zh-CN" dirty="0" smtClean="0"/>
+              <a:t>IO</a:t>
+            </a:r>
+            <a:r>
+              <a:rPr lang="zh-CN" altLang="en-US" dirty="0" smtClean="0"/>
+              <a:t>过程出错时，如果实现不同协程之间的 </a:t>
+            </a:r>
+            <a:r>
+              <a:rPr lang="en-US" altLang="zh-CN" dirty="0" err="1" smtClean="0"/>
+              <a:t>errno</a:t>
+            </a:r>
+            <a:r>
+              <a:rPr lang="en-US" altLang="zh-CN" dirty="0" smtClean="0"/>
+              <a:t> </a:t>
+            </a:r>
+            <a:r>
+              <a:rPr lang="zh-CN" altLang="en-US" dirty="0" smtClean="0"/>
+              <a:t>是相互隔离的？</a:t>
+            </a:r>
+            <a:endParaRPr lang="en-US" altLang="zh-CN" dirty="0" smtClean="0"/>
+          </a:p>
+          <a:p>
+            <a:endParaRPr lang="en-US" altLang="zh-CN" dirty="0"/>
+          </a:p>
+          <a:p>
+            <a:r>
+              <a:rPr lang="en-US" altLang="zh-CN" dirty="0" smtClean="0"/>
+              <a:t>--- </a:t>
+            </a:r>
+            <a:r>
+              <a:rPr lang="zh-CN" altLang="en-US" dirty="0" smtClean="0"/>
+              <a:t>在 </a:t>
+            </a:r>
+            <a:r>
+              <a:rPr lang="en-US" altLang="zh-CN" dirty="0" smtClean="0"/>
+              <a:t>Linux </a:t>
+            </a:r>
+            <a:r>
+              <a:rPr lang="zh-CN" altLang="en-US" dirty="0" smtClean="0"/>
+              <a:t>平台下直接 </a:t>
+            </a:r>
+            <a:r>
+              <a:rPr lang="en-US" altLang="zh-CN" dirty="0"/>
+              <a:t>HOOK __</a:t>
+            </a:r>
+            <a:r>
+              <a:rPr lang="en-US" altLang="zh-CN" dirty="0" err="1" smtClean="0"/>
+              <a:t>errno_location</a:t>
+            </a:r>
+            <a:r>
+              <a:rPr lang="en-US" altLang="zh-CN" dirty="0" smtClean="0"/>
+              <a:t> </a:t>
+            </a:r>
+            <a:r>
+              <a:rPr lang="zh-CN" altLang="en-US" dirty="0" smtClean="0"/>
+              <a:t>系统函数</a:t>
+            </a:r>
+            <a:endParaRPr lang="en-US" altLang="zh-CN" dirty="0" smtClean="0"/>
+          </a:p>
+          <a:p>
+            <a:endParaRPr lang="en-US" altLang="zh-CN" dirty="0"/>
+          </a:p>
+          <a:p>
+            <a:r>
+              <a:rPr lang="zh-CN" altLang="en-US" dirty="0" smtClean="0"/>
+              <a:t>参见：</a:t>
+            </a:r>
+            <a:r>
+              <a:rPr lang="en-US" altLang="zh-CN" dirty="0"/>
+              <a:t>/</a:t>
+            </a:r>
+            <a:r>
+              <a:rPr lang="en-US" altLang="zh-CN" dirty="0" err="1" smtClean="0"/>
+              <a:t>usr</a:t>
+            </a:r>
+            <a:r>
+              <a:rPr lang="en-US" altLang="zh-CN" dirty="0" smtClean="0"/>
+              <a:t>/include/bits/</a:t>
+            </a:r>
+            <a:r>
+              <a:rPr lang="en-US" altLang="zh-CN" dirty="0" err="1" smtClean="0"/>
+              <a:t>errno.h</a:t>
+            </a:r>
+            <a:endParaRPr lang="en-US" altLang="zh-CN" dirty="0" smtClean="0"/>
+          </a:p>
+          <a:p>
+            <a:endParaRPr lang="en-US" altLang="zh-CN" dirty="0"/>
+          </a:p>
+          <a:p>
+            <a:r>
+              <a:rPr lang="en-US" altLang="zh-CN" sz="1600" b="1" dirty="0"/>
+              <a:t>extern </a:t>
+            </a:r>
+            <a:r>
+              <a:rPr lang="en-US" altLang="zh-CN" sz="1600" b="1" dirty="0" err="1"/>
+              <a:t>int</a:t>
+            </a:r>
+            <a:r>
+              <a:rPr lang="en-US" altLang="zh-CN" sz="1600" b="1" dirty="0"/>
+              <a:t> *__</a:t>
+            </a:r>
+            <a:r>
+              <a:rPr lang="en-US" altLang="zh-CN" sz="1600" b="1" dirty="0" err="1"/>
+              <a:t>errno_location</a:t>
+            </a:r>
+            <a:r>
+              <a:rPr lang="en-US" altLang="zh-CN" sz="1600" b="1" dirty="0"/>
+              <a:t> (void) __THROW __attribute__ ((__</a:t>
+            </a:r>
+            <a:r>
+              <a:rPr lang="en-US" altLang="zh-CN" sz="1600" b="1" dirty="0" err="1"/>
+              <a:t>const</a:t>
+            </a:r>
+            <a:r>
+              <a:rPr lang="en-US" altLang="zh-CN" sz="1600" b="1" dirty="0" smtClean="0"/>
+              <a:t>__));</a:t>
+            </a:r>
+          </a:p>
+          <a:p>
+            <a:r>
+              <a:rPr lang="en-US" altLang="zh-CN" sz="1600" b="1" dirty="0" smtClean="0"/>
+              <a:t>#define </a:t>
+            </a:r>
+            <a:r>
+              <a:rPr lang="en-US" altLang="zh-CN" sz="1600" b="1" dirty="0" err="1"/>
+              <a:t>errno</a:t>
+            </a:r>
+            <a:r>
+              <a:rPr lang="en-US" altLang="zh-CN" sz="1600" b="1" dirty="0"/>
+              <a:t> (*__</a:t>
+            </a:r>
+            <a:r>
+              <a:rPr lang="en-US" altLang="zh-CN" sz="1600" b="1" dirty="0" err="1" smtClean="0"/>
+              <a:t>errno_location</a:t>
+            </a:r>
+            <a:r>
+              <a:rPr lang="en-US" altLang="zh-CN" sz="1600" b="1" dirty="0" smtClean="0"/>
+              <a:t> ())</a:t>
+            </a:r>
+          </a:p>
+          <a:p>
+            <a:endParaRPr lang="en-US" altLang="zh-CN" sz="1600" dirty="0"/>
+          </a:p>
+          <a:p>
+            <a:r>
               <a:rPr lang="zh-CN" altLang="en-US" sz="1600" dirty="0" smtClean="0"/>
-              <a:t>每个线程一个独立的协程调度器，通过创建多个线程使用多核</a:t>
+              <a:t>针对进程内全局变量：</a:t>
+            </a:r>
+            <a:r>
+              <a:rPr lang="en-US" altLang="zh-CN" sz="1600" dirty="0" err="1" smtClean="0"/>
+              <a:t>errno</a:t>
+            </a:r>
+            <a:r>
+              <a:rPr lang="zh-CN" altLang="en-US" sz="1600" dirty="0" smtClean="0"/>
+              <a:t>，操作系统将该变量定义为一个函数指针地址，函数内部会通过线程局部变量方式给每一个线程分配一个 </a:t>
+            </a:r>
+            <a:r>
+              <a:rPr lang="en-US" altLang="zh-CN" sz="1600" dirty="0" smtClean="0"/>
+              <a:t>error </a:t>
+            </a:r>
+            <a:r>
+              <a:rPr lang="zh-CN" altLang="en-US" sz="1600" dirty="0" smtClean="0"/>
+              <a:t>对象</a:t>
             </a:r>
             <a:endParaRPr lang="en-US" altLang="zh-CN" sz="1600" dirty="0" smtClean="0"/>
           </a:p>
           <a:p>
             <a:r>
               <a:rPr lang="zh-CN" altLang="en-US" sz="1600" dirty="0" smtClean="0"/>
-              <a:t>使用 </a:t>
+              <a:t>因此，通过 </a:t>
+            </a:r>
+            <a:r>
+              <a:rPr lang="en-US" altLang="zh-CN" sz="1600" dirty="0" smtClean="0"/>
+              <a:t>hook __</a:t>
             </a:r>
             <a:r>
               <a:rPr lang="en-US" altLang="zh-CN" sz="1600" dirty="0" err="1" smtClean="0"/>
-              <a:t>acl</a:t>
+              <a:t>errno_location</a:t>
             </a:r>
             <a:r>
               <a:rPr lang="en-US" altLang="zh-CN" sz="1600" dirty="0" smtClean="0"/>
-              <a:t> master </a:t>
+              <a:t> </a:t>
             </a:r>
             <a:r>
               <a:rPr lang="zh-CN" altLang="en-US" sz="1600" dirty="0" smtClean="0"/>
-              <a:t>服务器框架，创建多进程使用多核，每个进程一个协程调度器</a:t>
-            </a:r>
-            <a:endParaRPr lang="en-US" altLang="zh-CN" sz="1600" dirty="0" smtClean="0"/>
-          </a:p>
-          <a:p>
-            <a:endParaRPr lang="en-US" altLang="zh-CN" sz="1600" dirty="0"/>
-          </a:p>
-          <a:p>
-            <a:r>
-              <a:rPr lang="zh-CN" altLang="en-US" sz="1500" dirty="0" smtClean="0"/>
-              <a:t>多线程示例参见：</a:t>
-            </a:r>
-            <a:r>
-              <a:rPr lang="en-US" altLang="zh-CN" sz="1500" dirty="0" err="1" smtClean="0"/>
-              <a:t>acl</a:t>
-            </a:r>
-            <a:r>
-              <a:rPr lang="en-US" altLang="zh-CN" sz="1500" dirty="0" smtClean="0"/>
-              <a:t>/</a:t>
-            </a:r>
-            <a:r>
-              <a:rPr lang="en-US" altLang="zh-CN" sz="1500" dirty="0" err="1" smtClean="0"/>
-              <a:t>lib_fiber</a:t>
-            </a:r>
-            <a:r>
-              <a:rPr lang="en-US" altLang="zh-CN" sz="1500" dirty="0" smtClean="0"/>
-              <a:t>/samples/</a:t>
-            </a:r>
-            <a:r>
-              <a:rPr lang="en-US" altLang="zh-CN" sz="1500" dirty="0" err="1" smtClean="0"/>
-              <a:t>redis_threads</a:t>
-            </a:r>
-            <a:endParaRPr lang="en-US" altLang="zh-CN" sz="1500" dirty="0" smtClean="0"/>
-          </a:p>
-          <a:p>
-            <a:r>
-              <a:rPr lang="zh-CN" altLang="en-US" sz="1500" dirty="0" smtClean="0"/>
-              <a:t>多进程示例参见：</a:t>
-            </a:r>
-            <a:r>
-              <a:rPr lang="en-US" altLang="zh-CN" sz="1500" dirty="0" err="1"/>
-              <a:t>acl</a:t>
-            </a:r>
-            <a:r>
-              <a:rPr lang="en-US" altLang="zh-CN" sz="1500" dirty="0"/>
-              <a:t>/</a:t>
-            </a:r>
-            <a:r>
-              <a:rPr lang="en-US" altLang="zh-CN" sz="1500" dirty="0" err="1"/>
-              <a:t>lib_fiber</a:t>
-            </a:r>
-            <a:r>
-              <a:rPr lang="en-US" altLang="zh-CN" sz="1500" dirty="0"/>
-              <a:t>/samples/</a:t>
-            </a:r>
-            <a:r>
-              <a:rPr lang="en-US" altLang="zh-CN" sz="1500" dirty="0" err="1"/>
-              <a:t>master_fiber</a:t>
-            </a:r>
-            <a:endParaRPr lang="zh-CN" altLang="en-US" sz="1500" dirty="0"/>
-          </a:p>
-        </p:txBody>
-      </p:sp>
-      <p:sp>
-        <p:nvSpPr>
-          <p:cNvPr id="16" name="椭圆 15"/>
-          <p:cNvSpPr/>
-          <p:nvPr/>
-        </p:nvSpPr>
-        <p:spPr>
-          <a:xfrm>
-            <a:off x="1531888" y="1753280"/>
-            <a:ext cx="1080120" cy="327377"/>
-          </a:xfrm>
-          <a:prstGeom prst="ellipse">
-            <a:avLst/>
-          </a:prstGeom>
-          <a:solidFill>
-            <a:srgbClr val="00B0F0"/>
-          </a:solidFill>
-          <a:ln>
-            <a:noFill/>
-          </a:ln>
-        </p:spPr>
-        <p:style>
-          <a:lnRef idx="2">
-            <a:schemeClr val="accent1">
-              <a:shade val="50000"/>
-            </a:schemeClr>
-          </a:lnRef>
-          <a:fillRef idx="1">
-            <a:schemeClr val="accent1"/>
-          </a:fillRef>
-          <a:effectRef idx="0">
-            <a:schemeClr val="accent1"/>
-          </a:effectRef>
-          <a:fontRef idx="minor">
-            <a:schemeClr val="lt1"/>
-          </a:fontRef>
-        </p:style>
-        <p:txBody>
-          <a:bodyPr rtlCol="0" anchor="ctr"/>
-          <a:lstStyle/>
-          <a:p>
-            <a:pPr algn="ctr"/>
-            <a:r>
-              <a:rPr lang="zh-CN" altLang="en-US" sz="1100" b="1" dirty="0" smtClean="0">
-                <a:solidFill>
-                  <a:schemeClr val="bg1"/>
-                </a:solidFill>
-              </a:rPr>
-              <a:t>创建线程</a:t>
-            </a:r>
-            <a:endParaRPr lang="zh-CN" altLang="en-US" sz="1100" b="1" dirty="0">
-              <a:solidFill>
-                <a:schemeClr val="bg1"/>
-              </a:solidFill>
-            </a:endParaRPr>
-          </a:p>
-        </p:txBody>
-      </p:sp>
-      <p:sp>
-        <p:nvSpPr>
-          <p:cNvPr id="17" name="椭圆 16"/>
-          <p:cNvSpPr/>
-          <p:nvPr/>
-        </p:nvSpPr>
-        <p:spPr>
-          <a:xfrm>
-            <a:off x="2987824" y="1476460"/>
-            <a:ext cx="1080120" cy="327377"/>
-          </a:xfrm>
-          <a:prstGeom prst="ellipse">
-            <a:avLst/>
-          </a:prstGeom>
-          <a:solidFill>
-            <a:srgbClr val="00B050"/>
-          </a:solidFill>
-          <a:ln>
-            <a:noFill/>
-          </a:ln>
-        </p:spPr>
-        <p:style>
-          <a:lnRef idx="2">
-            <a:schemeClr val="accent1">
-              <a:shade val="50000"/>
-            </a:schemeClr>
-          </a:lnRef>
-          <a:fillRef idx="1">
-            <a:schemeClr val="accent1"/>
-          </a:fillRef>
-          <a:effectRef idx="0">
-            <a:schemeClr val="accent1"/>
-          </a:effectRef>
-          <a:fontRef idx="minor">
-            <a:schemeClr val="lt1"/>
-          </a:fontRef>
-        </p:style>
-        <p:txBody>
-          <a:bodyPr rtlCol="0" anchor="ctr"/>
-          <a:lstStyle/>
-          <a:p>
-            <a:pPr algn="ctr"/>
-            <a:r>
-              <a:rPr lang="zh-CN" altLang="en-US" sz="1100" b="1" dirty="0" smtClean="0">
-                <a:solidFill>
-                  <a:schemeClr val="bg1"/>
-                </a:solidFill>
-              </a:rPr>
-              <a:t>创建协程</a:t>
-            </a:r>
-            <a:endParaRPr lang="zh-CN" altLang="en-US" sz="1100" b="1" dirty="0">
-              <a:solidFill>
-                <a:schemeClr val="bg1"/>
-              </a:solidFill>
-            </a:endParaRPr>
-          </a:p>
-        </p:txBody>
-      </p:sp>
-      <p:sp>
-        <p:nvSpPr>
-          <p:cNvPr id="18" name="椭圆 17"/>
-          <p:cNvSpPr/>
-          <p:nvPr/>
-        </p:nvSpPr>
-        <p:spPr>
-          <a:xfrm>
-            <a:off x="2987824" y="2088292"/>
-            <a:ext cx="1080120" cy="327377"/>
-          </a:xfrm>
-          <a:prstGeom prst="ellipse">
-            <a:avLst/>
-          </a:prstGeom>
-          <a:solidFill>
-            <a:srgbClr val="00B050"/>
-          </a:solidFill>
-          <a:ln>
-            <a:noFill/>
-          </a:ln>
-        </p:spPr>
-        <p:style>
-          <a:lnRef idx="2">
-            <a:schemeClr val="accent1">
-              <a:shade val="50000"/>
-            </a:schemeClr>
-          </a:lnRef>
-          <a:fillRef idx="1">
-            <a:schemeClr val="accent1"/>
-          </a:fillRef>
-          <a:effectRef idx="0">
-            <a:schemeClr val="accent1"/>
-          </a:effectRef>
-          <a:fontRef idx="minor">
-            <a:schemeClr val="lt1"/>
-          </a:fontRef>
-        </p:style>
-        <p:txBody>
-          <a:bodyPr rtlCol="0" anchor="ctr"/>
-          <a:lstStyle/>
-          <a:p>
-            <a:pPr algn="ctr"/>
-            <a:r>
-              <a:rPr lang="zh-CN" altLang="en-US" sz="1100" b="1" dirty="0" smtClean="0">
-                <a:solidFill>
-                  <a:schemeClr val="bg1"/>
-                </a:solidFill>
-              </a:rPr>
-              <a:t>创建协程</a:t>
-            </a:r>
-            <a:endParaRPr lang="zh-CN" altLang="en-US" sz="1100" b="1" dirty="0">
-              <a:solidFill>
-                <a:schemeClr val="bg1"/>
-              </a:solidFill>
-            </a:endParaRPr>
-          </a:p>
-        </p:txBody>
-      </p:sp>
-      <p:cxnSp>
-        <p:nvCxnSpPr>
-          <p:cNvPr id="20" name="直接箭头连接符 19"/>
-          <p:cNvCxnSpPr>
-            <a:stCxn id="16" idx="6"/>
-            <a:endCxn id="17" idx="2"/>
-          </p:cNvCxnSpPr>
-          <p:nvPr/>
-        </p:nvCxnSpPr>
-        <p:spPr>
-          <a:xfrm flipV="1">
-            <a:off x="2612008" y="1640149"/>
-            <a:ext cx="375816" cy="276820"/>
-          </a:xfrm>
-          <a:prstGeom prst="straightConnector1">
-            <a:avLst/>
-          </a:prstGeom>
-          <a:ln>
-            <a:tailEnd type="triangle"/>
-          </a:ln>
-        </p:spPr>
-        <p:style>
-          <a:lnRef idx="1">
-            <a:schemeClr val="accent1"/>
-          </a:lnRef>
-          <a:fillRef idx="0">
-            <a:schemeClr val="accent1"/>
-          </a:fillRef>
-          <a:effectRef idx="0">
-            <a:schemeClr val="accent1"/>
-          </a:effectRef>
-          <a:fontRef idx="minor">
-            <a:schemeClr val="tx1"/>
-          </a:fontRef>
-        </p:style>
-      </p:cxnSp>
-      <p:cxnSp>
-        <p:nvCxnSpPr>
-          <p:cNvPr id="22" name="直接箭头连接符 21"/>
-          <p:cNvCxnSpPr>
-            <a:stCxn id="16" idx="6"/>
-            <a:endCxn id="18" idx="2"/>
-          </p:cNvCxnSpPr>
-          <p:nvPr/>
-        </p:nvCxnSpPr>
-        <p:spPr>
-          <a:xfrm>
-            <a:off x="2612008" y="1916969"/>
-            <a:ext cx="375816" cy="335012"/>
-          </a:xfrm>
-          <a:prstGeom prst="straightConnector1">
-            <a:avLst/>
-          </a:prstGeom>
-          <a:ln>
-            <a:tailEnd type="triangle"/>
-          </a:ln>
-        </p:spPr>
-        <p:style>
-          <a:lnRef idx="1">
-            <a:schemeClr val="accent1"/>
-          </a:lnRef>
-          <a:fillRef idx="0">
-            <a:schemeClr val="accent1"/>
-          </a:fillRef>
-          <a:effectRef idx="0">
-            <a:schemeClr val="accent1"/>
-          </a:effectRef>
-          <a:fontRef idx="minor">
-            <a:schemeClr val="tx1"/>
-          </a:fontRef>
-        </p:style>
-      </p:cxnSp>
-      <p:sp>
-        <p:nvSpPr>
-          <p:cNvPr id="23" name="椭圆 22"/>
-          <p:cNvSpPr/>
-          <p:nvPr/>
-        </p:nvSpPr>
-        <p:spPr>
-          <a:xfrm>
-            <a:off x="1547664" y="2988565"/>
-            <a:ext cx="1080120" cy="327377"/>
-          </a:xfrm>
-          <a:prstGeom prst="ellipse">
-            <a:avLst/>
-          </a:prstGeom>
-          <a:solidFill>
-            <a:srgbClr val="00B0F0"/>
-          </a:solidFill>
-          <a:ln>
-            <a:noFill/>
-          </a:ln>
-        </p:spPr>
-        <p:style>
-          <a:lnRef idx="2">
-            <a:schemeClr val="accent1">
-              <a:shade val="50000"/>
-            </a:schemeClr>
-          </a:lnRef>
-          <a:fillRef idx="1">
-            <a:schemeClr val="accent1"/>
-          </a:fillRef>
-          <a:effectRef idx="0">
-            <a:schemeClr val="accent1"/>
-          </a:effectRef>
-          <a:fontRef idx="minor">
-            <a:schemeClr val="lt1"/>
-          </a:fontRef>
-        </p:style>
-        <p:txBody>
-          <a:bodyPr rtlCol="0" anchor="ctr"/>
-          <a:lstStyle/>
-          <a:p>
-            <a:pPr algn="ctr"/>
-            <a:r>
-              <a:rPr lang="zh-CN" altLang="en-US" sz="1100" b="1" dirty="0" smtClean="0">
-                <a:solidFill>
-                  <a:schemeClr val="bg1"/>
-                </a:solidFill>
-              </a:rPr>
-              <a:t>创建线程</a:t>
-            </a:r>
-            <a:endParaRPr lang="zh-CN" altLang="en-US" sz="1100" b="1" dirty="0">
-              <a:solidFill>
-                <a:schemeClr val="bg1"/>
-              </a:solidFill>
-            </a:endParaRPr>
-          </a:p>
-        </p:txBody>
-      </p:sp>
-      <p:sp>
-        <p:nvSpPr>
-          <p:cNvPr id="24" name="椭圆 23"/>
-          <p:cNvSpPr/>
-          <p:nvPr/>
-        </p:nvSpPr>
-        <p:spPr>
-          <a:xfrm>
-            <a:off x="3003600" y="2711745"/>
-            <a:ext cx="1080120" cy="327377"/>
-          </a:xfrm>
-          <a:prstGeom prst="ellipse">
-            <a:avLst/>
-          </a:prstGeom>
-          <a:solidFill>
-            <a:srgbClr val="00B050"/>
-          </a:solidFill>
-          <a:ln>
-            <a:noFill/>
-          </a:ln>
-        </p:spPr>
-        <p:style>
-          <a:lnRef idx="2">
-            <a:schemeClr val="accent1">
-              <a:shade val="50000"/>
-            </a:schemeClr>
-          </a:lnRef>
-          <a:fillRef idx="1">
-            <a:schemeClr val="accent1"/>
-          </a:fillRef>
-          <a:effectRef idx="0">
-            <a:schemeClr val="accent1"/>
-          </a:effectRef>
-          <a:fontRef idx="minor">
-            <a:schemeClr val="lt1"/>
-          </a:fontRef>
-        </p:style>
-        <p:txBody>
-          <a:bodyPr rtlCol="0" anchor="ctr"/>
-          <a:lstStyle/>
-          <a:p>
-            <a:pPr algn="ctr"/>
-            <a:r>
-              <a:rPr lang="zh-CN" altLang="en-US" sz="1100" b="1" dirty="0" smtClean="0">
-                <a:solidFill>
-                  <a:schemeClr val="bg1"/>
-                </a:solidFill>
-              </a:rPr>
-              <a:t>创建协程</a:t>
-            </a:r>
-            <a:endParaRPr lang="zh-CN" altLang="en-US" sz="1100" b="1" dirty="0">
-              <a:solidFill>
-                <a:schemeClr val="bg1"/>
-              </a:solidFill>
-            </a:endParaRPr>
-          </a:p>
-        </p:txBody>
-      </p:sp>
-      <p:sp>
-        <p:nvSpPr>
-          <p:cNvPr id="25" name="椭圆 24"/>
-          <p:cNvSpPr/>
-          <p:nvPr/>
-        </p:nvSpPr>
-        <p:spPr>
-          <a:xfrm>
-            <a:off x="3003600" y="3323577"/>
-            <a:ext cx="1080120" cy="327377"/>
-          </a:xfrm>
-          <a:prstGeom prst="ellipse">
-            <a:avLst/>
-          </a:prstGeom>
-          <a:solidFill>
-            <a:srgbClr val="00B050"/>
-          </a:solidFill>
-          <a:ln>
-            <a:noFill/>
-          </a:ln>
-        </p:spPr>
-        <p:style>
-          <a:lnRef idx="2">
-            <a:schemeClr val="accent1">
-              <a:shade val="50000"/>
-            </a:schemeClr>
-          </a:lnRef>
-          <a:fillRef idx="1">
-            <a:schemeClr val="accent1"/>
-          </a:fillRef>
-          <a:effectRef idx="0">
-            <a:schemeClr val="accent1"/>
-          </a:effectRef>
-          <a:fontRef idx="minor">
-            <a:schemeClr val="lt1"/>
-          </a:fontRef>
-        </p:style>
-        <p:txBody>
-          <a:bodyPr rtlCol="0" anchor="ctr"/>
-          <a:lstStyle/>
-          <a:p>
-            <a:pPr algn="ctr"/>
-            <a:r>
-              <a:rPr lang="zh-CN" altLang="en-US" sz="1100" b="1" dirty="0" smtClean="0">
-                <a:solidFill>
-                  <a:schemeClr val="bg1"/>
-                </a:solidFill>
-              </a:rPr>
-              <a:t>创建协程</a:t>
-            </a:r>
-            <a:endParaRPr lang="zh-CN" altLang="en-US" sz="1100" b="1" dirty="0">
-              <a:solidFill>
-                <a:schemeClr val="bg1"/>
-              </a:solidFill>
-            </a:endParaRPr>
-          </a:p>
-        </p:txBody>
-      </p:sp>
-      <p:cxnSp>
-        <p:nvCxnSpPr>
-          <p:cNvPr id="26" name="直接箭头连接符 25"/>
-          <p:cNvCxnSpPr>
-            <a:stCxn id="23" idx="6"/>
-            <a:endCxn id="24" idx="2"/>
-          </p:cNvCxnSpPr>
-          <p:nvPr/>
-        </p:nvCxnSpPr>
-        <p:spPr>
-          <a:xfrm flipV="1">
-            <a:off x="2627784" y="2875434"/>
-            <a:ext cx="375816" cy="276820"/>
-          </a:xfrm>
-          <a:prstGeom prst="straightConnector1">
-            <a:avLst/>
-          </a:prstGeom>
-          <a:ln>
-            <a:tailEnd type="triangle"/>
-          </a:ln>
-        </p:spPr>
-        <p:style>
-          <a:lnRef idx="1">
-            <a:schemeClr val="accent1"/>
-          </a:lnRef>
-          <a:fillRef idx="0">
-            <a:schemeClr val="accent1"/>
-          </a:fillRef>
-          <a:effectRef idx="0">
-            <a:schemeClr val="accent1"/>
-          </a:effectRef>
-          <a:fontRef idx="minor">
-            <a:schemeClr val="tx1"/>
-          </a:fontRef>
-        </p:style>
-      </p:cxnSp>
-      <p:cxnSp>
-        <p:nvCxnSpPr>
-          <p:cNvPr id="27" name="直接箭头连接符 26"/>
-          <p:cNvCxnSpPr>
-            <a:stCxn id="23" idx="6"/>
-            <a:endCxn id="25" idx="2"/>
-          </p:cNvCxnSpPr>
-          <p:nvPr/>
-        </p:nvCxnSpPr>
-        <p:spPr>
-          <a:xfrm>
-            <a:off x="2627784" y="3152254"/>
-            <a:ext cx="375816" cy="335012"/>
-          </a:xfrm>
-          <a:prstGeom prst="straightConnector1">
-            <a:avLst/>
-          </a:prstGeom>
-          <a:ln>
-            <a:tailEnd type="triangle"/>
-          </a:ln>
-        </p:spPr>
-        <p:style>
-          <a:lnRef idx="1">
-            <a:schemeClr val="accent1"/>
-          </a:lnRef>
-          <a:fillRef idx="0">
-            <a:schemeClr val="accent1"/>
-          </a:fillRef>
-          <a:effectRef idx="0">
-            <a:schemeClr val="accent1"/>
-          </a:effectRef>
-          <a:fontRef idx="minor">
-            <a:schemeClr val="tx1"/>
-          </a:fontRef>
-        </p:style>
-      </p:cxnSp>
-      <p:sp>
-        <p:nvSpPr>
-          <p:cNvPr id="28" name="椭圆 27"/>
-          <p:cNvSpPr/>
-          <p:nvPr/>
-        </p:nvSpPr>
-        <p:spPr>
-          <a:xfrm>
-            <a:off x="539552" y="2410331"/>
-            <a:ext cx="1080120" cy="327377"/>
-          </a:xfrm>
-          <a:prstGeom prst="ellipse">
-            <a:avLst/>
-          </a:prstGeom>
-          <a:solidFill>
-            <a:srgbClr val="0070C0"/>
-          </a:solidFill>
-          <a:ln>
-            <a:noFill/>
-          </a:ln>
-        </p:spPr>
-        <p:style>
-          <a:lnRef idx="2">
-            <a:schemeClr val="accent1">
-              <a:shade val="50000"/>
-            </a:schemeClr>
-          </a:lnRef>
-          <a:fillRef idx="1">
-            <a:schemeClr val="accent1"/>
-          </a:fillRef>
-          <a:effectRef idx="0">
-            <a:schemeClr val="accent1"/>
-          </a:effectRef>
-          <a:fontRef idx="minor">
-            <a:schemeClr val="lt1"/>
-          </a:fontRef>
-        </p:style>
-        <p:txBody>
-          <a:bodyPr rtlCol="0" anchor="ctr"/>
-          <a:lstStyle/>
-          <a:p>
-            <a:pPr algn="ctr"/>
-            <a:r>
-              <a:rPr lang="zh-CN" altLang="en-US" sz="1100" b="1" dirty="0" smtClean="0">
-                <a:solidFill>
-                  <a:schemeClr val="bg1"/>
-                </a:solidFill>
-              </a:rPr>
-              <a:t>创建进程</a:t>
-            </a:r>
-            <a:endParaRPr lang="zh-CN" altLang="en-US" sz="1100" b="1" dirty="0">
-              <a:solidFill>
-                <a:schemeClr val="bg1"/>
-              </a:solidFill>
-            </a:endParaRPr>
-          </a:p>
-        </p:txBody>
-      </p:sp>
-      <p:cxnSp>
-        <p:nvCxnSpPr>
-          <p:cNvPr id="30" name="直接箭头连接符 29"/>
-          <p:cNvCxnSpPr>
-            <a:stCxn id="28" idx="7"/>
-            <a:endCxn id="16" idx="3"/>
-          </p:cNvCxnSpPr>
-          <p:nvPr/>
-        </p:nvCxnSpPr>
-        <p:spPr>
-          <a:xfrm flipV="1">
-            <a:off x="1461492" y="2032714"/>
-            <a:ext cx="228576" cy="425560"/>
-          </a:xfrm>
-          <a:prstGeom prst="straightConnector1">
-            <a:avLst/>
-          </a:prstGeom>
-          <a:ln>
-            <a:tailEnd type="triangle"/>
-          </a:ln>
-        </p:spPr>
-        <p:style>
-          <a:lnRef idx="1">
-            <a:schemeClr val="accent1"/>
-          </a:lnRef>
-          <a:fillRef idx="0">
-            <a:schemeClr val="accent1"/>
-          </a:fillRef>
-          <a:effectRef idx="0">
-            <a:schemeClr val="accent1"/>
-          </a:effectRef>
-          <a:fontRef idx="minor">
-            <a:schemeClr val="tx1"/>
-          </a:fontRef>
-        </p:style>
-      </p:cxnSp>
-      <p:cxnSp>
-        <p:nvCxnSpPr>
-          <p:cNvPr id="32" name="直接箭头连接符 31"/>
-          <p:cNvCxnSpPr>
-            <a:stCxn id="28" idx="5"/>
-            <a:endCxn id="23" idx="1"/>
-          </p:cNvCxnSpPr>
-          <p:nvPr/>
-        </p:nvCxnSpPr>
-        <p:spPr>
-          <a:xfrm>
-            <a:off x="1461492" y="2689765"/>
-            <a:ext cx="244352" cy="346743"/>
-          </a:xfrm>
-          <a:prstGeom prst="straightConnector1">
-            <a:avLst/>
-          </a:prstGeom>
-          <a:ln>
-            <a:tailEnd type="triangle"/>
-          </a:ln>
-        </p:spPr>
-        <p:style>
-          <a:lnRef idx="1">
-            <a:schemeClr val="accent1"/>
-          </a:lnRef>
-          <a:fillRef idx="0">
-            <a:schemeClr val="accent1"/>
-          </a:fillRef>
-          <a:effectRef idx="0">
-            <a:schemeClr val="accent1"/>
-          </a:effectRef>
-          <a:fontRef idx="minor">
-            <a:schemeClr val="tx1"/>
-          </a:fontRef>
-        </p:style>
-      </p:cxnSp>
-      <p:sp>
-        <p:nvSpPr>
-          <p:cNvPr id="33" name="椭圆 32"/>
-          <p:cNvSpPr/>
-          <p:nvPr/>
-        </p:nvSpPr>
-        <p:spPr>
-          <a:xfrm>
-            <a:off x="5988118" y="1835260"/>
-            <a:ext cx="1088385" cy="340092"/>
-          </a:xfrm>
-          <a:prstGeom prst="ellipse">
-            <a:avLst/>
-          </a:prstGeom>
-          <a:solidFill>
-            <a:srgbClr val="00B0F0"/>
-          </a:solidFill>
-          <a:ln>
-            <a:noFill/>
-          </a:ln>
-        </p:spPr>
-        <p:style>
-          <a:lnRef idx="2">
-            <a:schemeClr val="accent1">
-              <a:shade val="50000"/>
-            </a:schemeClr>
-          </a:lnRef>
-          <a:fillRef idx="1">
-            <a:schemeClr val="accent1"/>
-          </a:fillRef>
-          <a:effectRef idx="0">
-            <a:schemeClr val="accent1"/>
-          </a:effectRef>
-          <a:fontRef idx="minor">
-            <a:schemeClr val="lt1"/>
-          </a:fontRef>
-        </p:style>
-        <p:txBody>
-          <a:bodyPr rtlCol="0" anchor="ctr"/>
-          <a:lstStyle/>
-          <a:p>
-            <a:pPr algn="ctr"/>
-            <a:r>
-              <a:rPr lang="zh-CN" altLang="en-US" sz="1100" b="1" dirty="0" smtClean="0">
-                <a:solidFill>
-                  <a:schemeClr val="bg1"/>
-                </a:solidFill>
-              </a:rPr>
-              <a:t>创建进程</a:t>
-            </a:r>
-            <a:endParaRPr lang="zh-CN" altLang="en-US" sz="1100" b="1" dirty="0">
-              <a:solidFill>
-                <a:schemeClr val="bg1"/>
-              </a:solidFill>
-            </a:endParaRPr>
-          </a:p>
-        </p:txBody>
-      </p:sp>
-      <p:sp>
-        <p:nvSpPr>
-          <p:cNvPr id="34" name="椭圆 33"/>
-          <p:cNvSpPr/>
-          <p:nvPr/>
-        </p:nvSpPr>
-        <p:spPr>
-          <a:xfrm>
-            <a:off x="7424706" y="1558440"/>
-            <a:ext cx="1088385" cy="340092"/>
-          </a:xfrm>
-          <a:prstGeom prst="ellipse">
-            <a:avLst/>
-          </a:prstGeom>
-          <a:solidFill>
-            <a:srgbClr val="00B050"/>
-          </a:solidFill>
-          <a:ln>
-            <a:noFill/>
-          </a:ln>
-        </p:spPr>
-        <p:style>
-          <a:lnRef idx="2">
-            <a:schemeClr val="accent1">
-              <a:shade val="50000"/>
-            </a:schemeClr>
-          </a:lnRef>
-          <a:fillRef idx="1">
-            <a:schemeClr val="accent1"/>
-          </a:fillRef>
-          <a:effectRef idx="0">
-            <a:schemeClr val="accent1"/>
-          </a:effectRef>
-          <a:fontRef idx="minor">
-            <a:schemeClr val="lt1"/>
-          </a:fontRef>
-        </p:style>
-        <p:txBody>
-          <a:bodyPr rtlCol="0" anchor="ctr"/>
-          <a:lstStyle/>
-          <a:p>
-            <a:pPr algn="ctr"/>
-            <a:r>
-              <a:rPr lang="zh-CN" altLang="en-US" sz="1100" b="1" dirty="0" smtClean="0">
-                <a:solidFill>
-                  <a:schemeClr val="bg1"/>
-                </a:solidFill>
-              </a:rPr>
-              <a:t>创建协程</a:t>
-            </a:r>
-            <a:endParaRPr lang="zh-CN" altLang="en-US" sz="1100" b="1" dirty="0">
-              <a:solidFill>
-                <a:schemeClr val="bg1"/>
-              </a:solidFill>
-            </a:endParaRPr>
-          </a:p>
-        </p:txBody>
-      </p:sp>
-      <p:sp>
-        <p:nvSpPr>
-          <p:cNvPr id="35" name="椭圆 34"/>
-          <p:cNvSpPr/>
-          <p:nvPr/>
-        </p:nvSpPr>
-        <p:spPr>
-          <a:xfrm>
-            <a:off x="7424706" y="2170272"/>
-            <a:ext cx="1088385" cy="340092"/>
-          </a:xfrm>
-          <a:prstGeom prst="ellipse">
-            <a:avLst/>
-          </a:prstGeom>
-          <a:solidFill>
-            <a:srgbClr val="00B050"/>
-          </a:solidFill>
-          <a:ln>
-            <a:noFill/>
-          </a:ln>
-        </p:spPr>
-        <p:style>
-          <a:lnRef idx="2">
-            <a:schemeClr val="accent1">
-              <a:shade val="50000"/>
-            </a:schemeClr>
-          </a:lnRef>
-          <a:fillRef idx="1">
-            <a:schemeClr val="accent1"/>
-          </a:fillRef>
-          <a:effectRef idx="0">
-            <a:schemeClr val="accent1"/>
-          </a:effectRef>
-          <a:fontRef idx="minor">
-            <a:schemeClr val="lt1"/>
-          </a:fontRef>
-        </p:style>
-        <p:txBody>
-          <a:bodyPr rtlCol="0" anchor="ctr"/>
-          <a:lstStyle/>
-          <a:p>
-            <a:pPr algn="ctr"/>
-            <a:r>
-              <a:rPr lang="zh-CN" altLang="en-US" sz="1100" b="1" dirty="0" smtClean="0">
-                <a:solidFill>
-                  <a:schemeClr val="bg1"/>
-                </a:solidFill>
-              </a:rPr>
-              <a:t>创建协程</a:t>
-            </a:r>
-            <a:endParaRPr lang="zh-CN" altLang="en-US" sz="1100" b="1" dirty="0">
-              <a:solidFill>
-                <a:schemeClr val="bg1"/>
-              </a:solidFill>
-            </a:endParaRPr>
-          </a:p>
-        </p:txBody>
-      </p:sp>
-      <p:cxnSp>
-        <p:nvCxnSpPr>
-          <p:cNvPr id="36" name="直接箭头连接符 35"/>
-          <p:cNvCxnSpPr>
-            <a:stCxn id="33" idx="6"/>
-            <a:endCxn id="34" idx="2"/>
-          </p:cNvCxnSpPr>
-          <p:nvPr/>
-        </p:nvCxnSpPr>
-        <p:spPr>
-          <a:xfrm flipV="1">
-            <a:off x="7076503" y="1728486"/>
-            <a:ext cx="348203" cy="276820"/>
-          </a:xfrm>
-          <a:prstGeom prst="straightConnector1">
-            <a:avLst/>
-          </a:prstGeom>
-          <a:ln>
-            <a:tailEnd type="triangle"/>
-          </a:ln>
-        </p:spPr>
-        <p:style>
-          <a:lnRef idx="1">
-            <a:schemeClr val="accent1"/>
-          </a:lnRef>
-          <a:fillRef idx="0">
-            <a:schemeClr val="accent1"/>
-          </a:fillRef>
-          <a:effectRef idx="0">
-            <a:schemeClr val="accent1"/>
-          </a:effectRef>
-          <a:fontRef idx="minor">
-            <a:schemeClr val="tx1"/>
-          </a:fontRef>
-        </p:style>
-      </p:cxnSp>
-      <p:cxnSp>
-        <p:nvCxnSpPr>
-          <p:cNvPr id="37" name="直接箭头连接符 36"/>
-          <p:cNvCxnSpPr>
-            <a:stCxn id="33" idx="6"/>
-            <a:endCxn id="35" idx="2"/>
-          </p:cNvCxnSpPr>
-          <p:nvPr/>
-        </p:nvCxnSpPr>
-        <p:spPr>
-          <a:xfrm>
-            <a:off x="7076503" y="2005306"/>
-            <a:ext cx="348203" cy="335012"/>
-          </a:xfrm>
-          <a:prstGeom prst="straightConnector1">
-            <a:avLst/>
-          </a:prstGeom>
-          <a:ln>
-            <a:tailEnd type="triangle"/>
-          </a:ln>
-        </p:spPr>
-        <p:style>
-          <a:lnRef idx="1">
-            <a:schemeClr val="accent1"/>
-          </a:lnRef>
-          <a:fillRef idx="0">
-            <a:schemeClr val="accent1"/>
-          </a:fillRef>
-          <a:effectRef idx="0">
-            <a:schemeClr val="accent1"/>
-          </a:effectRef>
-          <a:fontRef idx="minor">
-            <a:schemeClr val="tx1"/>
-          </a:fontRef>
-        </p:style>
-      </p:cxnSp>
-      <p:sp>
-        <p:nvSpPr>
-          <p:cNvPr id="38" name="椭圆 37"/>
-          <p:cNvSpPr/>
-          <p:nvPr/>
-        </p:nvSpPr>
-        <p:spPr>
-          <a:xfrm>
-            <a:off x="6003894" y="3070545"/>
-            <a:ext cx="1088385" cy="340092"/>
-          </a:xfrm>
-          <a:prstGeom prst="ellipse">
-            <a:avLst/>
-          </a:prstGeom>
-          <a:solidFill>
-            <a:srgbClr val="00B0F0"/>
-          </a:solidFill>
-          <a:ln>
-            <a:noFill/>
-          </a:ln>
-        </p:spPr>
-        <p:style>
-          <a:lnRef idx="2">
-            <a:schemeClr val="accent1">
-              <a:shade val="50000"/>
-            </a:schemeClr>
-          </a:lnRef>
-          <a:fillRef idx="1">
-            <a:schemeClr val="accent1"/>
-          </a:fillRef>
-          <a:effectRef idx="0">
-            <a:schemeClr val="accent1"/>
-          </a:effectRef>
-          <a:fontRef idx="minor">
-            <a:schemeClr val="lt1"/>
-          </a:fontRef>
-        </p:style>
-        <p:txBody>
-          <a:bodyPr rtlCol="0" anchor="ctr"/>
-          <a:lstStyle/>
-          <a:p>
-            <a:pPr algn="ctr"/>
-            <a:r>
-              <a:rPr lang="zh-CN" altLang="en-US" sz="1100" b="1" dirty="0" smtClean="0">
-                <a:solidFill>
-                  <a:schemeClr val="bg1"/>
-                </a:solidFill>
-              </a:rPr>
-              <a:t>创建进程</a:t>
-            </a:r>
-            <a:endParaRPr lang="zh-CN" altLang="en-US" sz="1100" b="1" dirty="0">
-              <a:solidFill>
-                <a:schemeClr val="bg1"/>
-              </a:solidFill>
-            </a:endParaRPr>
-          </a:p>
-        </p:txBody>
-      </p:sp>
-      <p:sp>
-        <p:nvSpPr>
-          <p:cNvPr id="39" name="椭圆 38"/>
-          <p:cNvSpPr/>
-          <p:nvPr/>
-        </p:nvSpPr>
-        <p:spPr>
-          <a:xfrm>
-            <a:off x="7440482" y="2793725"/>
-            <a:ext cx="1088385" cy="340092"/>
-          </a:xfrm>
-          <a:prstGeom prst="ellipse">
-            <a:avLst/>
-          </a:prstGeom>
-          <a:solidFill>
-            <a:srgbClr val="00B050"/>
-          </a:solidFill>
-          <a:ln>
-            <a:noFill/>
-          </a:ln>
-        </p:spPr>
-        <p:style>
-          <a:lnRef idx="2">
-            <a:schemeClr val="accent1">
-              <a:shade val="50000"/>
-            </a:schemeClr>
-          </a:lnRef>
-          <a:fillRef idx="1">
-            <a:schemeClr val="accent1"/>
-          </a:fillRef>
-          <a:effectRef idx="0">
-            <a:schemeClr val="accent1"/>
-          </a:effectRef>
-          <a:fontRef idx="minor">
-            <a:schemeClr val="lt1"/>
-          </a:fontRef>
-        </p:style>
-        <p:txBody>
-          <a:bodyPr rtlCol="0" anchor="ctr"/>
-          <a:lstStyle/>
-          <a:p>
-            <a:pPr algn="ctr"/>
-            <a:r>
-              <a:rPr lang="zh-CN" altLang="en-US" sz="1100" b="1" dirty="0" smtClean="0">
-                <a:solidFill>
-                  <a:schemeClr val="bg1"/>
-                </a:solidFill>
-              </a:rPr>
-              <a:t>创建协程</a:t>
-            </a:r>
-            <a:endParaRPr lang="zh-CN" altLang="en-US" sz="1100" b="1" dirty="0">
-              <a:solidFill>
-                <a:schemeClr val="bg1"/>
-              </a:solidFill>
-            </a:endParaRPr>
-          </a:p>
-        </p:txBody>
-      </p:sp>
-      <p:sp>
-        <p:nvSpPr>
-          <p:cNvPr id="40" name="椭圆 39"/>
-          <p:cNvSpPr/>
-          <p:nvPr/>
-        </p:nvSpPr>
-        <p:spPr>
-          <a:xfrm>
-            <a:off x="7440482" y="3405557"/>
-            <a:ext cx="1088385" cy="340092"/>
-          </a:xfrm>
-          <a:prstGeom prst="ellipse">
-            <a:avLst/>
-          </a:prstGeom>
-          <a:solidFill>
-            <a:srgbClr val="00B050"/>
-          </a:solidFill>
-          <a:ln>
-            <a:noFill/>
-          </a:ln>
-        </p:spPr>
-        <p:style>
-          <a:lnRef idx="2">
-            <a:schemeClr val="accent1">
-              <a:shade val="50000"/>
-            </a:schemeClr>
-          </a:lnRef>
-          <a:fillRef idx="1">
-            <a:schemeClr val="accent1"/>
-          </a:fillRef>
-          <a:effectRef idx="0">
-            <a:schemeClr val="accent1"/>
-          </a:effectRef>
-          <a:fontRef idx="minor">
-            <a:schemeClr val="lt1"/>
-          </a:fontRef>
-        </p:style>
-        <p:txBody>
-          <a:bodyPr rtlCol="0" anchor="ctr"/>
-          <a:lstStyle/>
-          <a:p>
-            <a:pPr algn="ctr"/>
-            <a:r>
-              <a:rPr lang="zh-CN" altLang="en-US" sz="1100" b="1" dirty="0" smtClean="0">
-                <a:solidFill>
-                  <a:schemeClr val="bg1"/>
-                </a:solidFill>
-              </a:rPr>
-              <a:t>创建协程</a:t>
-            </a:r>
-            <a:endParaRPr lang="zh-CN" altLang="en-US" sz="1100" b="1" dirty="0">
-              <a:solidFill>
-                <a:schemeClr val="bg1"/>
-              </a:solidFill>
-            </a:endParaRPr>
-          </a:p>
-        </p:txBody>
-      </p:sp>
-      <p:cxnSp>
-        <p:nvCxnSpPr>
-          <p:cNvPr id="41" name="直接箭头连接符 40"/>
-          <p:cNvCxnSpPr>
-            <a:stCxn id="38" idx="6"/>
-            <a:endCxn id="39" idx="2"/>
-          </p:cNvCxnSpPr>
-          <p:nvPr/>
-        </p:nvCxnSpPr>
-        <p:spPr>
-          <a:xfrm flipV="1">
-            <a:off x="7092279" y="2963771"/>
-            <a:ext cx="348203" cy="276820"/>
-          </a:xfrm>
-          <a:prstGeom prst="straightConnector1">
-            <a:avLst/>
-          </a:prstGeom>
-          <a:ln>
-            <a:tailEnd type="triangle"/>
-          </a:ln>
-        </p:spPr>
-        <p:style>
-          <a:lnRef idx="1">
-            <a:schemeClr val="accent1"/>
-          </a:lnRef>
-          <a:fillRef idx="0">
-            <a:schemeClr val="accent1"/>
-          </a:fillRef>
-          <a:effectRef idx="0">
-            <a:schemeClr val="accent1"/>
-          </a:effectRef>
-          <a:fontRef idx="minor">
-            <a:schemeClr val="tx1"/>
-          </a:fontRef>
-        </p:style>
-      </p:cxnSp>
-      <p:cxnSp>
-        <p:nvCxnSpPr>
-          <p:cNvPr id="42" name="直接箭头连接符 41"/>
-          <p:cNvCxnSpPr>
-            <a:stCxn id="38" idx="6"/>
-            <a:endCxn id="40" idx="2"/>
-          </p:cNvCxnSpPr>
-          <p:nvPr/>
-        </p:nvCxnSpPr>
-        <p:spPr>
-          <a:xfrm>
-            <a:off x="7092279" y="3240591"/>
-            <a:ext cx="348203" cy="335012"/>
-          </a:xfrm>
-          <a:prstGeom prst="straightConnector1">
-            <a:avLst/>
-          </a:prstGeom>
-          <a:ln>
-            <a:tailEnd type="triangle"/>
-          </a:ln>
-        </p:spPr>
-        <p:style>
-          <a:lnRef idx="1">
-            <a:schemeClr val="accent1"/>
-          </a:lnRef>
-          <a:fillRef idx="0">
-            <a:schemeClr val="accent1"/>
-          </a:fillRef>
-          <a:effectRef idx="0">
-            <a:schemeClr val="accent1"/>
-          </a:effectRef>
-          <a:fontRef idx="minor">
-            <a:schemeClr val="tx1"/>
-          </a:fontRef>
-        </p:style>
-      </p:cxnSp>
-      <p:sp>
-        <p:nvSpPr>
-          <p:cNvPr id="43" name="椭圆 42"/>
-          <p:cNvSpPr/>
-          <p:nvPr/>
-        </p:nvSpPr>
-        <p:spPr>
-          <a:xfrm>
-            <a:off x="4860032" y="2492311"/>
-            <a:ext cx="1229497" cy="340092"/>
-          </a:xfrm>
-          <a:prstGeom prst="ellipse">
-            <a:avLst/>
-          </a:prstGeom>
-          <a:solidFill>
-            <a:srgbClr val="0070C0"/>
-          </a:solidFill>
-          <a:ln>
-            <a:noFill/>
-          </a:ln>
-        </p:spPr>
-        <p:style>
-          <a:lnRef idx="2">
-            <a:schemeClr val="accent1">
-              <a:shade val="50000"/>
-            </a:schemeClr>
-          </a:lnRef>
-          <a:fillRef idx="1">
-            <a:schemeClr val="accent1"/>
-          </a:fillRef>
-          <a:effectRef idx="0">
-            <a:schemeClr val="accent1"/>
-          </a:effectRef>
-          <a:fontRef idx="minor">
-            <a:schemeClr val="lt1"/>
-          </a:fontRef>
-        </p:style>
-        <p:txBody>
-          <a:bodyPr rtlCol="0" anchor="ctr"/>
-          <a:lstStyle/>
-          <a:p>
-            <a:pPr algn="ctr"/>
-            <a:r>
-              <a:rPr lang="en-US" altLang="zh-CN" sz="1100" b="1" dirty="0" smtClean="0">
-                <a:solidFill>
-                  <a:schemeClr val="bg1"/>
-                </a:solidFill>
-              </a:rPr>
-              <a:t>master</a:t>
-            </a:r>
-            <a:r>
-              <a:rPr lang="zh-CN" altLang="en-US" sz="1100" b="1" dirty="0" smtClean="0">
-                <a:solidFill>
-                  <a:schemeClr val="bg1"/>
-                </a:solidFill>
-              </a:rPr>
-              <a:t>进程</a:t>
-            </a:r>
-            <a:endParaRPr lang="zh-CN" altLang="en-US" sz="1100" b="1" dirty="0">
-              <a:solidFill>
-                <a:schemeClr val="bg1"/>
-              </a:solidFill>
-            </a:endParaRPr>
-          </a:p>
-        </p:txBody>
-      </p:sp>
-      <p:cxnSp>
-        <p:nvCxnSpPr>
-          <p:cNvPr id="44" name="直接箭头连接符 43"/>
-          <p:cNvCxnSpPr>
-            <a:stCxn id="43" idx="7"/>
-            <a:endCxn id="33" idx="3"/>
-          </p:cNvCxnSpPr>
-          <p:nvPr/>
-        </p:nvCxnSpPr>
-        <p:spPr>
-          <a:xfrm flipV="1">
-            <a:off x="5909473" y="2125547"/>
-            <a:ext cx="238035" cy="416569"/>
-          </a:xfrm>
-          <a:prstGeom prst="straightConnector1">
-            <a:avLst/>
-          </a:prstGeom>
-          <a:ln>
-            <a:tailEnd type="triangle"/>
-          </a:ln>
-        </p:spPr>
-        <p:style>
-          <a:lnRef idx="1">
-            <a:schemeClr val="accent1"/>
-          </a:lnRef>
-          <a:fillRef idx="0">
-            <a:schemeClr val="accent1"/>
-          </a:fillRef>
-          <a:effectRef idx="0">
-            <a:schemeClr val="accent1"/>
-          </a:effectRef>
-          <a:fontRef idx="minor">
-            <a:schemeClr val="tx1"/>
-          </a:fontRef>
-        </p:style>
-      </p:cxnSp>
-      <p:cxnSp>
-        <p:nvCxnSpPr>
-          <p:cNvPr id="45" name="直接箭头连接符 44"/>
-          <p:cNvCxnSpPr>
-            <a:stCxn id="43" idx="5"/>
-            <a:endCxn id="38" idx="1"/>
-          </p:cNvCxnSpPr>
-          <p:nvPr/>
-        </p:nvCxnSpPr>
-        <p:spPr>
-          <a:xfrm>
-            <a:off x="5909473" y="2782598"/>
-            <a:ext cx="253811" cy="337752"/>
-          </a:xfrm>
-          <a:prstGeom prst="straightConnector1">
-            <a:avLst/>
-          </a:prstGeom>
-          <a:ln>
-            <a:tailEnd type="triangle"/>
-          </a:ln>
-        </p:spPr>
-        <p:style>
-          <a:lnRef idx="1">
-            <a:schemeClr val="accent1"/>
-          </a:lnRef>
-          <a:fillRef idx="0">
-            <a:schemeClr val="accent1"/>
-          </a:fillRef>
-          <a:effectRef idx="0">
-            <a:schemeClr val="accent1"/>
-          </a:effectRef>
-          <a:fontRef idx="minor">
-            <a:schemeClr val="tx1"/>
-          </a:fontRef>
-        </p:style>
-      </p:cxnSp>
-      <p:sp>
-        <p:nvSpPr>
-          <p:cNvPr id="50" name="文本框 49"/>
-          <p:cNvSpPr txBox="1"/>
-          <p:nvPr/>
-        </p:nvSpPr>
-        <p:spPr>
-          <a:xfrm>
-            <a:off x="2087724" y="4139788"/>
-            <a:ext cx="1167904" cy="369332"/>
-          </a:xfrm>
-          <a:prstGeom prst="rect">
-            <a:avLst/>
-          </a:prstGeom>
-          <a:noFill/>
-        </p:spPr>
-        <p:txBody>
-          <a:bodyPr wrap="square" rtlCol="0">
-            <a:spAutoFit/>
-          </a:bodyPr>
-          <a:lstStyle/>
-          <a:p>
-            <a:r>
-              <a:rPr lang="zh-CN" altLang="en-US" b="1" dirty="0" smtClean="0"/>
-              <a:t>方式一</a:t>
-            </a:r>
-            <a:endParaRPr lang="zh-CN" altLang="en-US" b="1" dirty="0"/>
-          </a:p>
-        </p:txBody>
-      </p:sp>
-      <p:sp>
-        <p:nvSpPr>
-          <p:cNvPr id="51" name="文本框 50"/>
-          <p:cNvSpPr txBox="1"/>
-          <p:nvPr/>
-        </p:nvSpPr>
-        <p:spPr>
-          <a:xfrm>
-            <a:off x="6682428" y="4139788"/>
-            <a:ext cx="1167904" cy="369332"/>
-          </a:xfrm>
-          <a:prstGeom prst="rect">
-            <a:avLst/>
-          </a:prstGeom>
-          <a:noFill/>
-        </p:spPr>
-        <p:txBody>
-          <a:bodyPr wrap="square" rtlCol="0">
-            <a:spAutoFit/>
-          </a:bodyPr>
-          <a:lstStyle/>
-          <a:p>
-            <a:r>
-              <a:rPr lang="zh-CN" altLang="en-US" b="1" dirty="0" smtClean="0"/>
-              <a:t>方式二</a:t>
-            </a:r>
-            <a:endParaRPr lang="zh-CN" altLang="en-US" b="1" dirty="0"/>
+              <a:t>函数，在协程库里给每个协程一个协程局部变量，实现了 </a:t>
+            </a:r>
+            <a:r>
+              <a:rPr lang="en-US" altLang="zh-CN" sz="1600" dirty="0" err="1" smtClean="0"/>
+              <a:t>errno</a:t>
+            </a:r>
+            <a:r>
+              <a:rPr lang="en-US" altLang="zh-CN" sz="1600" dirty="0" smtClean="0"/>
+              <a:t> </a:t>
+            </a:r>
+            <a:r>
+              <a:rPr lang="zh-CN" altLang="en-US" sz="1600" dirty="0" smtClean="0"/>
+              <a:t>全局变量的协程安全性</a:t>
+            </a:r>
+            <a:endParaRPr lang="zh-CN" altLang="en-US" sz="1600" dirty="0"/>
           </a:p>
         </p:txBody>
       </p:sp>
     </p:spTree>
     <p:extLst>
       <p:ext uri="{BB962C8B-B14F-4D97-AF65-F5344CB8AC3E}">
-        <p14:creationId xmlns:p14="http://schemas.microsoft.com/office/powerpoint/2010/main" val="1776261224"/>
+        <p14:creationId xmlns:p14="http://schemas.microsoft.com/office/powerpoint/2010/main" val="465318761"/>
       </p:ext>
     </p:extLst>
   </p:cSld>
   <p:clrMapOvr>
     <a:masterClrMapping/>
   </p:clrMapOvr>
+  <p:timing>
+    <p:tnLst>
+      <p:par>
+        <p:cTn id="1" dur="indefinite" restart="never" nodeType="tmRoot"/>
+      </p:par>
+    </p:tnLst>
+  </p:timing>
 </p:sld>
 </file>
 
@@ -13257,7 +12055,7 @@
           <a:p>
             <a:r>
               <a:rPr lang="zh-CN" altLang="en-US" dirty="0" smtClean="0"/>
-              <a:t>过载保护 </a:t>
+              <a:t>利用多核 </a:t>
             </a:r>
             <a:r>
               <a:rPr lang="en-US" altLang="zh-CN" dirty="0" smtClean="0"/>
@@ -13283,55 +12081,116 @@
         </p:nvSpPr>
         <p:spPr>
           <a:xfrm>
-            <a:off x="457201" y="3302732"/>
-            <a:ext cx="8229600" cy="909228"/>
+            <a:off x="428596" y="4941167"/>
+            <a:ext cx="8229600" cy="1250101"/>
           </a:xfrm>
         </p:spPr>
         <p:txBody>
-          <a:bodyPr/>
+          <a:bodyPr>
+            <a:normAutofit fontScale="92500" lnSpcReduction="20000"/>
+          </a:bodyPr>
           <a:lstStyle/>
           <a:p>
             <a:r>
-              <a:rPr lang="zh-CN" altLang="en-US" dirty="0" smtClean="0"/>
-              <a:t>协程服务模块</a:t>
-            </a:r>
-            <a:r>
-              <a:rPr lang="zh-CN" altLang="en-US" dirty="0"/>
-              <a:t>本身</a:t>
-            </a:r>
-            <a:r>
-              <a:rPr lang="zh-CN" altLang="en-US" dirty="0" smtClean="0"/>
-              <a:t>支持大并发</a:t>
-            </a:r>
-            <a:endParaRPr lang="en-US" altLang="zh-CN" dirty="0" smtClean="0"/>
-          </a:p>
-          <a:p>
-            <a:r>
-              <a:rPr lang="zh-CN" altLang="en-US" b="1" dirty="0" smtClean="0"/>
-              <a:t>协程服务模块连接后端服务时应限制连接数</a:t>
-            </a:r>
-            <a:endParaRPr lang="zh-CN" altLang="en-US" b="1" dirty="0"/>
+              <a:rPr lang="zh-CN" altLang="en-US" sz="1600" dirty="0" smtClean="0"/>
+              <a:t>每个线程一个独立的协程调度器，通过创建多个线程使用多核</a:t>
+            </a:r>
+            <a:endParaRPr lang="en-US" altLang="zh-CN" sz="1600" dirty="0" smtClean="0"/>
+          </a:p>
+          <a:p>
+            <a:r>
+              <a:rPr lang="zh-CN" altLang="en-US" sz="1600" dirty="0" smtClean="0"/>
+              <a:t>使用 </a:t>
+            </a:r>
+            <a:r>
+              <a:rPr lang="en-US" altLang="zh-CN" sz="1600" dirty="0" err="1" smtClean="0"/>
+              <a:t>acl</a:t>
+            </a:r>
+            <a:r>
+              <a:rPr lang="en-US" altLang="zh-CN" sz="1600" dirty="0" smtClean="0"/>
+              <a:t> master </a:t>
+            </a:r>
+            <a:r>
+              <a:rPr lang="zh-CN" altLang="en-US" sz="1600" dirty="0" smtClean="0"/>
+              <a:t>服务器框架，创建多进程使用多核，每个进程一个协程调度器</a:t>
+            </a:r>
+            <a:endParaRPr lang="en-US" altLang="zh-CN" sz="1600" dirty="0" smtClean="0"/>
+          </a:p>
+          <a:p>
+            <a:endParaRPr lang="en-US" altLang="zh-CN" sz="1600" dirty="0"/>
+          </a:p>
+          <a:p>
+            <a:r>
+              <a:rPr lang="zh-CN" altLang="en-US" sz="1500" dirty="0" smtClean="0"/>
+              <a:t>多线程示例参见：</a:t>
+            </a:r>
+            <a:r>
+              <a:rPr lang="en-US" altLang="zh-CN" sz="1500" dirty="0" err="1" smtClean="0"/>
+              <a:t>acl</a:t>
+            </a:r>
+            <a:r>
+              <a:rPr lang="en-US" altLang="zh-CN" sz="1500" dirty="0" smtClean="0"/>
+              <a:t>/</a:t>
+            </a:r>
+            <a:r>
+              <a:rPr lang="en-US" altLang="zh-CN" sz="1500" dirty="0" err="1" smtClean="0"/>
+              <a:t>lib_fiber</a:t>
+            </a:r>
+            <a:r>
+              <a:rPr lang="en-US" altLang="zh-CN" sz="1500" dirty="0" smtClean="0"/>
+              <a:t>/samples/</a:t>
+            </a:r>
+            <a:r>
+              <a:rPr lang="en-US" altLang="zh-CN" sz="1500" dirty="0" err="1" smtClean="0"/>
+              <a:t>redis_threads</a:t>
+            </a:r>
+            <a:endParaRPr lang="en-US" altLang="zh-CN" sz="1500" dirty="0" smtClean="0"/>
+          </a:p>
+          <a:p>
+            <a:r>
+              <a:rPr lang="zh-CN" altLang="en-US" sz="1500" dirty="0" smtClean="0"/>
+              <a:t>多进程示例参见：</a:t>
+            </a:r>
+            <a:r>
+              <a:rPr lang="en-US" altLang="zh-CN" sz="1500" dirty="0" err="1"/>
+              <a:t>acl</a:t>
+            </a:r>
+            <a:r>
+              <a:rPr lang="en-US" altLang="zh-CN" sz="1500" dirty="0"/>
+              <a:t>/</a:t>
+            </a:r>
+            <a:r>
+              <a:rPr lang="en-US" altLang="zh-CN" sz="1500" dirty="0" err="1"/>
+              <a:t>lib_fiber</a:t>
+            </a:r>
+            <a:r>
+              <a:rPr lang="en-US" altLang="zh-CN" sz="1500" dirty="0"/>
+              <a:t>/samples/</a:t>
+            </a:r>
+            <a:r>
+              <a:rPr lang="en-US" altLang="zh-CN" sz="1500" dirty="0" err="1"/>
+              <a:t>master_fiber</a:t>
+            </a:r>
+            <a:endParaRPr lang="zh-CN" altLang="en-US" sz="1500" dirty="0"/>
           </a:p>
         </p:txBody>
       </p:sp>
       <p:sp>
         <p:nvSpPr>
-          <p:cNvPr id="4" name="椭圆 3"/>
+          <p:cNvPr id="16" name="椭圆 15"/>
           <p:cNvSpPr/>
           <p:nvPr/>
         </p:nvSpPr>
         <p:spPr>
           <a:xfrm>
-            <a:off x="827584" y="1313384"/>
-            <a:ext cx="576064" cy="360040"/>
+            <a:off x="1531888" y="1753280"/>
+            <a:ext cx="1080120" cy="327377"/>
           </a:xfrm>
           <a:prstGeom prst="ellipse">
             <a:avLst/>
           </a:prstGeom>
           <a:solidFill>
-            <a:schemeClr val="accent2">
-              <a:lumMod val="75000"/>
-            </a:schemeClr>
+            <a:srgbClr val="00B0F0"/>
           </a:solidFill>
           <a:ln>
             <a:noFill/>
@@ -13359,31 +12218,37 @@
           <a:p>
             <a:pPr algn="ctr"/>
             <a:r>
-              <a:rPr lang="en-US" altLang="zh-CN" dirty="0" smtClean="0"/>
-              <a:t>C</a:t>
-            </a:r>
-            <a:endParaRPr lang="zh-CN" altLang="en-US" dirty="0"/>
+              <a:rPr lang="zh-CN" altLang="en-US" sz="1100" b="1" dirty="0" smtClean="0">
+                <a:solidFill>
+                  <a:schemeClr val="bg1"/>
+                </a:solidFill>
+              </a:rPr>
+              <a:t>创建线程</a:t>
+            </a:r>
+            <a:endParaRPr lang="zh-CN" altLang="en-US" sz="1100" b="1" dirty="0">
+              <a:solidFill>
+                <a:schemeClr val="bg1"/>
+              </a:solidFill>
+            </a:endParaRPr>
           </a:p>
         </p:txBody>
       </p:sp>
       <p:sp>
         <p:nvSpPr>
-          <p:cNvPr id="5" name="椭圆 4"/>
+          <p:cNvPr id="17" name="椭圆 16"/>
           <p:cNvSpPr/>
           <p:nvPr/>
         </p:nvSpPr>
         <p:spPr>
           <a:xfrm>
-            <a:off x="827584" y="1754560"/>
-            <a:ext cx="576064" cy="360040"/>
+            <a:off x="2987824" y="1476460"/>
+            <a:ext cx="1080120" cy="327377"/>
           </a:xfrm>
           <a:prstGeom prst="ellipse">
             <a:avLst/>
           </a:prstGeom>
           <a:solidFill>
-            <a:schemeClr val="accent2">
-              <a:lumMod val="75000"/>
-            </a:schemeClr>
+            <a:srgbClr val="00B050"/>
           </a:solidFill>
           <a:ln>
             <a:noFill/>
@@ -13411,31 +12276,37 @@
           <a:p>
             <a:pPr algn="ctr"/>
             <a:r>
-              <a:rPr lang="en-US" altLang="zh-CN" dirty="0" smtClean="0"/>
-              <a:t>C</a:t>
-            </a:r>
-            <a:endParaRPr lang="zh-CN" altLang="en-US" dirty="0"/>
+              <a:rPr lang="zh-CN" altLang="en-US" sz="1100" b="1" dirty="0" smtClean="0">
+                <a:solidFill>
+                  <a:schemeClr val="bg1"/>
+                </a:solidFill>
+              </a:rPr>
+              <a:t>创建协程</a:t>
+            </a:r>
+            <a:endParaRPr lang="zh-CN" altLang="en-US" sz="1100" b="1" dirty="0">
+              <a:solidFill>
+                <a:schemeClr val="bg1"/>
+              </a:solidFill>
+            </a:endParaRPr>
           </a:p>
         </p:txBody>
       </p:sp>
       <p:sp>
         <p:nvSpPr>
-          <p:cNvPr id="6" name="椭圆 5"/>
+          <p:cNvPr id="18" name="椭圆 17"/>
           <p:cNvSpPr/>
           <p:nvPr/>
         </p:nvSpPr>
         <p:spPr>
           <a:xfrm>
-            <a:off x="827584" y="2195736"/>
-            <a:ext cx="576064" cy="360040"/>
+            <a:off x="2987824" y="2088292"/>
+            <a:ext cx="1080120" cy="327377"/>
           </a:xfrm>
           <a:prstGeom prst="ellipse">
             <a:avLst/>
           </a:prstGeom>
           <a:solidFill>
-            <a:schemeClr val="accent2">
-              <a:lumMod val="75000"/>
-            </a:schemeClr>
+            <a:srgbClr val="00B050"/>
           </a:solidFill>
           <a:ln>
             <a:noFill/>
@@ -13463,31 +12334,109 @@
           <a:p>
             <a:pPr algn="ctr"/>
             <a:r>
-              <a:rPr lang="en-US" altLang="zh-CN" dirty="0" smtClean="0"/>
-              <a:t>C</a:t>
-            </a:r>
-            <a:endParaRPr lang="zh-CN" altLang="en-US" dirty="0"/>
+              <a:rPr lang="zh-CN" altLang="en-US" sz="1100" b="1" dirty="0" smtClean="0">
+                <a:solidFill>
+                  <a:schemeClr val="bg1"/>
+                </a:solidFill>
+              </a:rPr>
+              <a:t>创建协程</a:t>
+            </a:r>
+            <a:endParaRPr lang="zh-CN" altLang="en-US" sz="1100" b="1" dirty="0">
+              <a:solidFill>
+                <a:schemeClr val="bg1"/>
+              </a:solidFill>
+            </a:endParaRPr>
           </a:p>
         </p:txBody>
       </p:sp>
+      <p:cxnSp>
+        <p:nvCxnSpPr>
+          <p:cNvPr id="20" name="直接箭头连接符 19"/>
+          <p:cNvCxnSpPr>
+            <a:stCxn id="16" idx="6"/>
+            <a:endCxn id="17" idx="2"/>
+          </p:cNvCxnSpPr>
+          <p:nvPr/>
+        </p:nvCxnSpPr>
+        <p:spPr>
+          <a:xfrm flipV="1">
+            <a:off x="2612008" y="1640149"/>
+            <a:ext cx="375816" cy="276820"/>
+          </a:xfrm>
+          <a:prstGeom prst="straightConnector1">
+            <a:avLst/>
+          </a:prstGeom>
+          <a:ln>
+            <a:tailEnd type="triangle"/>
+          </a:ln>
+        </p:spPr>
+        <p:style>
+          <a:lnRef idx="1">
+            <a:schemeClr val="accent1"/>
+          </a:lnRef>
+          <a:fillRef idx="0">
+            <a:schemeClr val="accent1"/>
+          </a:fillRef>
+          <a:effectRef idx="0">
+            <a:schemeClr val="accent1"/>
+          </a:effectRef>
+          <a:fontRef idx="minor">
+            <a:schemeClr val="tx1"/>
+          </a:fontRef>
+        </p:style>
+      </p:cxnSp>
+      <p:cxnSp>
+        <p:nvCxnSpPr>
+          <p:cNvPr id="22" name="直接箭头连接符 21"/>
+          <p:cNvCxnSpPr>
+            <a:stCxn id="16" idx="6"/>
+            <a:endCxn id="18" idx="2"/>
+          </p:cNvCxnSpPr>
+          <p:nvPr/>
+        </p:nvCxnSpPr>
+        <p:spPr>
+          <a:xfrm>
+            <a:off x="2612008" y="1916969"/>
+            <a:ext cx="375816" cy="335012"/>
+          </a:xfrm>
+          <a:prstGeom prst="straightConnector1">
+            <a:avLst/>
+          </a:prstGeom>
+          <a:ln>
+            <a:tailEnd type="triangle"/>
+          </a:ln>
+        </p:spPr>
+        <p:style>
+          <a:lnRef idx="1">
+            <a:schemeClr val="accent1"/>
+          </a:lnRef>
+          <a:fillRef idx="0">
+            <a:schemeClr val="accent1"/>
+          </a:fillRef>
+          <a:effectRef idx="0">
+            <a:schemeClr val="accent1"/>
+          </a:effectRef>
+          <a:fontRef idx="minor">
+            <a:schemeClr val="tx1"/>
+          </a:fontRef>
+        </p:style>
+      </p:cxnSp>
       <p:sp>
         <p:nvSpPr>
-          <p:cNvPr id="7" name="椭圆 6"/>
+          <p:cNvPr id="23" name="椭圆 22"/>
           <p:cNvSpPr/>
           <p:nvPr/>
         </p:nvSpPr>
         <p:spPr>
           <a:xfrm>
-            <a:off x="827584" y="2636912"/>
-            <a:ext cx="576064" cy="360040"/>
+            <a:off x="1547664" y="2988565"/>
+            <a:ext cx="1080120" cy="327377"/>
           </a:xfrm>
           <a:prstGeom prst="ellipse">
             <a:avLst/>
           </a:prstGeom>
           <a:solidFill>
-            <a:schemeClr val="accent2">
-              <a:lumMod val="75000"/>
-            </a:schemeClr>
+            <a:srgbClr val="00B0F0"/>
           </a:solidFill>
           <a:ln>
             <a:noFill/>
@@ -13515,25 +12464,33 @@
           <a:p>
             <a:pPr algn="ctr"/>
             <a:r>
-              <a:rPr lang="en-US" altLang="zh-CN" dirty="0" smtClean="0"/>
-              <a:t>C</a:t>
-            </a:r>
-            <a:endParaRPr lang="zh-CN" altLang="en-US" dirty="0"/>
+              <a:rPr lang="zh-CN" altLang="en-US" sz="1100" b="1" dirty="0" smtClean="0">
+                <a:solidFill>
+                  <a:schemeClr val="bg1"/>
+                </a:solidFill>
+              </a:rPr>
+              <a:t>创建线程</a:t>
+            </a:r>
+            <a:endParaRPr lang="zh-CN" altLang="en-US" sz="1100" b="1" dirty="0">
+              <a:solidFill>
+                <a:schemeClr val="bg1"/>
+              </a:solidFill>
+            </a:endParaRPr>
           </a:p>
         </p:txBody>
       </p:sp>
       <p:sp>
         <p:nvSpPr>
-          <p:cNvPr id="9" name="矩形 8"/>
+          <p:cNvPr id="24" name="椭圆 23"/>
           <p:cNvSpPr/>
           <p:nvPr/>
         </p:nvSpPr>
         <p:spPr>
           <a:xfrm>
-            <a:off x="1835696" y="1385392"/>
-            <a:ext cx="792088" cy="288032"/>
-          </a:xfrm>
-          <a:prstGeom prst="rect">
+            <a:off x="3003600" y="2711745"/>
+            <a:ext cx="1080120" cy="327377"/>
+          </a:xfrm>
+          <a:prstGeom prst="ellipse">
             <a:avLst/>
           </a:prstGeom>
           <a:solidFill>
@@ -13565,25 +12522,33 @@
           <a:p>
             <a:pPr algn="ctr"/>
             <a:r>
-              <a:rPr lang="en-US" altLang="zh-CN" sz="1400" dirty="0" smtClean="0"/>
-              <a:t>Fiber</a:t>
-            </a:r>
-            <a:endParaRPr lang="zh-CN" altLang="en-US" sz="1400" dirty="0"/>
+              <a:rPr lang="zh-CN" altLang="en-US" sz="1100" b="1" dirty="0" smtClean="0">
+                <a:solidFill>
+                  <a:schemeClr val="bg1"/>
+                </a:solidFill>
+              </a:rPr>
+              <a:t>创建协程</a:t>
+            </a:r>
+            <a:endParaRPr lang="zh-CN" altLang="en-US" sz="1100" b="1" dirty="0">
+              <a:solidFill>
+                <a:schemeClr val="bg1"/>
+              </a:solidFill>
+            </a:endParaRPr>
           </a:p>
         </p:txBody>
       </p:sp>
       <p:sp>
         <p:nvSpPr>
-          <p:cNvPr id="10" name="矩形 9"/>
+          <p:cNvPr id="25" name="椭圆 24"/>
           <p:cNvSpPr/>
           <p:nvPr/>
         </p:nvSpPr>
         <p:spPr>
           <a:xfrm>
-            <a:off x="1835696" y="1790564"/>
-            <a:ext cx="792088" cy="288032"/>
-          </a:xfrm>
-          <a:prstGeom prst="rect">
+            <a:off x="3003600" y="3323577"/>
+            <a:ext cx="1080120" cy="327377"/>
+          </a:xfrm>
+          <a:prstGeom prst="ellipse">
             <a:avLst/>
           </a:prstGeom>
           <a:solidFill>
@@ -13615,25 +12580,293 @@
           <a:p>
             <a:pPr algn="ctr"/>
             <a:r>
-              <a:rPr lang="en-US" altLang="zh-CN" sz="1400" dirty="0"/>
-              <a:t>Fiber</a:t>
-            </a:r>
-            <a:endParaRPr lang="zh-CN" altLang="en-US" sz="1400" dirty="0"/>
+              <a:rPr lang="zh-CN" altLang="en-US" sz="1100" b="1" dirty="0" smtClean="0">
+                <a:solidFill>
+                  <a:schemeClr val="bg1"/>
+                </a:solidFill>
+              </a:rPr>
+              <a:t>创建协程</a:t>
+            </a:r>
+            <a:endParaRPr lang="zh-CN" altLang="en-US" sz="1100" b="1" dirty="0">
+              <a:solidFill>
+                <a:schemeClr val="bg1"/>
+              </a:solidFill>
+            </a:endParaRPr>
+          </a:p>
+        </p:txBody>
+      </p:sp>
+      <p:cxnSp>
+        <p:nvCxnSpPr>
+          <p:cNvPr id="26" name="直接箭头连接符 25"/>
+          <p:cNvCxnSpPr>
+            <a:stCxn id="23" idx="6"/>
+            <a:endCxn id="24" idx="2"/>
+          </p:cNvCxnSpPr>
+          <p:nvPr/>
+        </p:nvCxnSpPr>
+        <p:spPr>
+          <a:xfrm flipV="1">
+            <a:off x="2627784" y="2875434"/>
+            <a:ext cx="375816" cy="276820"/>
+          </a:xfrm>
+          <a:prstGeom prst="straightConnector1">
+            <a:avLst/>
+          </a:prstGeom>
+          <a:ln>
+            <a:tailEnd type="triangle"/>
+          </a:ln>
+        </p:spPr>
+        <p:style>
+          <a:lnRef idx="1">
+            <a:schemeClr val="accent1"/>
+          </a:lnRef>
+          <a:fillRef idx="0">
+            <a:schemeClr val="accent1"/>
+          </a:fillRef>
+          <a:effectRef idx="0">
+            <a:schemeClr val="accent1"/>
+          </a:effectRef>
+          <a:fontRef idx="minor">
+            <a:schemeClr val="tx1"/>
+          </a:fontRef>
+        </p:style>
+      </p:cxnSp>
+      <p:cxnSp>
+        <p:nvCxnSpPr>
+          <p:cNvPr id="27" name="直接箭头连接符 26"/>
+          <p:cNvCxnSpPr>
+            <a:stCxn id="23" idx="6"/>
+            <a:endCxn id="25" idx="2"/>
+          </p:cNvCxnSpPr>
+          <p:nvPr/>
+        </p:nvCxnSpPr>
+        <p:spPr>
+          <a:xfrm>
+            <a:off x="2627784" y="3152254"/>
+            <a:ext cx="375816" cy="335012"/>
+          </a:xfrm>
+          <a:prstGeom prst="straightConnector1">
+            <a:avLst/>
+          </a:prstGeom>
+          <a:ln>
+            <a:tailEnd type="triangle"/>
+          </a:ln>
+        </p:spPr>
+        <p:style>
+          <a:lnRef idx="1">
+            <a:schemeClr val="accent1"/>
+          </a:lnRef>
+          <a:fillRef idx="0">
+            <a:schemeClr val="accent1"/>
+          </a:fillRef>
+          <a:effectRef idx="0">
+            <a:schemeClr val="accent1"/>
+          </a:effectRef>
+          <a:fontRef idx="minor">
+            <a:schemeClr val="tx1"/>
+          </a:fontRef>
+        </p:style>
+      </p:cxnSp>
+      <p:sp>
+        <p:nvSpPr>
+          <p:cNvPr id="28" name="椭圆 27"/>
+          <p:cNvSpPr/>
+          <p:nvPr/>
+        </p:nvSpPr>
+        <p:spPr>
+          <a:xfrm>
+            <a:off x="539552" y="2410331"/>
+            <a:ext cx="1080120" cy="327377"/>
+          </a:xfrm>
+          <a:prstGeom prst="ellipse">
+            <a:avLst/>
+          </a:prstGeom>
+          <a:solidFill>
+            <a:srgbClr val="0070C0"/>
+          </a:solidFill>
+          <a:ln>
+            <a:noFill/>
+          </a:ln>
+        </p:spPr>
+        <p:style>
+          <a:lnRef idx="2">
+            <a:schemeClr val="accent1">
+              <a:shade val="50000"/>
+            </a:schemeClr>
+          </a:lnRef>
+          <a:fillRef idx="1">
+            <a:schemeClr val="accent1"/>
+          </a:fillRef>
+          <a:effectRef idx="0">
+            <a:schemeClr val="accent1"/>
+          </a:effectRef>
+          <a:fontRef idx="minor">
+            <a:schemeClr val="lt1"/>
+          </a:fontRef>
+        </p:style>
+        <p:txBody>
+          <a:bodyPr rtlCol="0" anchor="ctr"/>
+          <a:lstStyle/>
+          <a:p>
+            <a:pPr algn="ctr"/>
+            <a:r>
+              <a:rPr lang="zh-CN" altLang="en-US" sz="1100" b="1" dirty="0" smtClean="0">
+                <a:solidFill>
+                  <a:schemeClr val="bg1"/>
+                </a:solidFill>
+              </a:rPr>
+              <a:t>创建进程</a:t>
+            </a:r>
+            <a:endParaRPr lang="zh-CN" altLang="en-US" sz="1100" b="1" dirty="0">
+              <a:solidFill>
+                <a:schemeClr val="bg1"/>
+              </a:solidFill>
+            </a:endParaRPr>
+          </a:p>
+        </p:txBody>
+      </p:sp>
+      <p:cxnSp>
+        <p:nvCxnSpPr>
+          <p:cNvPr id="30" name="直接箭头连接符 29"/>
+          <p:cNvCxnSpPr>
+            <a:stCxn id="28" idx="7"/>
+            <a:endCxn id="16" idx="3"/>
+          </p:cNvCxnSpPr>
+          <p:nvPr/>
+        </p:nvCxnSpPr>
+        <p:spPr>
+          <a:xfrm flipV="1">
+            <a:off x="1461492" y="2032714"/>
+            <a:ext cx="228576" cy="425560"/>
+          </a:xfrm>
+          <a:prstGeom prst="straightConnector1">
+            <a:avLst/>
+          </a:prstGeom>
+          <a:ln>
+            <a:tailEnd type="triangle"/>
+          </a:ln>
+        </p:spPr>
+        <p:style>
+          <a:lnRef idx="1">
+            <a:schemeClr val="accent1"/>
+          </a:lnRef>
+          <a:fillRef idx="0">
+            <a:schemeClr val="accent1"/>
+          </a:fillRef>
+          <a:effectRef idx="0">
+            <a:schemeClr val="accent1"/>
+          </a:effectRef>
+          <a:fontRef idx="minor">
+            <a:schemeClr val="tx1"/>
+          </a:fontRef>
+        </p:style>
+      </p:cxnSp>
+      <p:cxnSp>
+        <p:nvCxnSpPr>
+          <p:cNvPr id="32" name="直接箭头连接符 31"/>
+          <p:cNvCxnSpPr>
+            <a:stCxn id="28" idx="5"/>
+            <a:endCxn id="23" idx="1"/>
+          </p:cNvCxnSpPr>
+          <p:nvPr/>
+        </p:nvCxnSpPr>
+        <p:spPr>
+          <a:xfrm>
+            <a:off x="1461492" y="2689765"/>
+            <a:ext cx="244352" cy="346743"/>
+          </a:xfrm>
+          <a:prstGeom prst="straightConnector1">
+            <a:avLst/>
+          </a:prstGeom>
+          <a:ln>
+            <a:tailEnd type="triangle"/>
+          </a:ln>
+        </p:spPr>
+        <p:style>
+          <a:lnRef idx="1">
+            <a:schemeClr val="accent1"/>
+          </a:lnRef>
+          <a:fillRef idx="0">
+            <a:schemeClr val="accent1"/>
+          </a:fillRef>
+          <a:effectRef idx="0">
+            <a:schemeClr val="accent1"/>
+          </a:effectRef>
+          <a:fontRef idx="minor">
+            <a:schemeClr val="tx1"/>
+          </a:fontRef>
+        </p:style>
+      </p:cxnSp>
+      <p:sp>
+        <p:nvSpPr>
+          <p:cNvPr id="33" name="椭圆 32"/>
+          <p:cNvSpPr/>
+          <p:nvPr/>
+        </p:nvSpPr>
+        <p:spPr>
+          <a:xfrm>
+            <a:off x="5988118" y="1835260"/>
+            <a:ext cx="1088385" cy="340092"/>
+          </a:xfrm>
+          <a:prstGeom prst="ellipse">
+            <a:avLst/>
+          </a:prstGeom>
+          <a:solidFill>
+            <a:srgbClr val="00B0F0"/>
+          </a:solidFill>
+          <a:ln>
+            <a:noFill/>
+          </a:ln>
+        </p:spPr>
+        <p:style>
+          <a:lnRef idx="2">
+            <a:schemeClr val="accent1">
+              <a:shade val="50000"/>
+            </a:schemeClr>
+          </a:lnRef>
+          <a:fillRef idx="1">
+            <a:schemeClr val="accent1"/>
+          </a:fillRef>
+          <a:effectRef idx="0">
+            <a:schemeClr val="accent1"/>
+          </a:effectRef>
+          <a:fontRef idx="minor">
+            <a:schemeClr val="lt1"/>
+          </a:fontRef>
+        </p:style>
+        <p:txBody>
+          <a:bodyPr rtlCol="0" anchor="ctr"/>
+          <a:lstStyle/>
+          <a:p>
+            <a:pPr algn="ctr"/>
+            <a:r>
+              <a:rPr lang="zh-CN" altLang="en-US" sz="1100" b="1" dirty="0" smtClean="0">
+                <a:solidFill>
+                  <a:schemeClr val="bg1"/>
+                </a:solidFill>
+              </a:rPr>
+              <a:t>创建进程</a:t>
+            </a:r>
+            <a:endParaRPr lang="zh-CN" altLang="en-US" sz="1100" b="1" dirty="0">
+              <a:solidFill>
+                <a:schemeClr val="bg1"/>
+              </a:solidFill>
+            </a:endParaRPr>
           </a:p>
         </p:txBody>
       </p:sp>
       <p:sp>
         <p:nvSpPr>
-          <p:cNvPr id="11" name="矩形 10"/>
+          <p:cNvPr id="34" name="椭圆 33"/>
           <p:cNvSpPr/>
           <p:nvPr/>
         </p:nvSpPr>
         <p:spPr>
           <a:xfrm>
-            <a:off x="1835696" y="2195736"/>
-            <a:ext cx="792088" cy="288032"/>
-          </a:xfrm>
-          <a:prstGeom prst="rect">
+            <a:off x="7424706" y="1558440"/>
+            <a:ext cx="1088385" cy="340092"/>
+          </a:xfrm>
+          <a:prstGeom prst="ellipse">
             <a:avLst/>
           </a:prstGeom>
           <a:solidFill>
@@ -13665,25 +12898,33 @@
           <a:p>
             <a:pPr algn="ctr"/>
             <a:r>
-              <a:rPr lang="en-US" altLang="zh-CN" sz="1400" dirty="0"/>
-              <a:t>Fiber</a:t>
-            </a:r>
-            <a:endParaRPr lang="zh-CN" altLang="en-US" sz="1400" dirty="0"/>
+              <a:rPr lang="zh-CN" altLang="en-US" sz="1100" b="1" dirty="0" smtClean="0">
+                <a:solidFill>
+                  <a:schemeClr val="bg1"/>
+                </a:solidFill>
+              </a:rPr>
+              <a:t>创建协程</a:t>
+            </a:r>
+            <a:endParaRPr lang="zh-CN" altLang="en-US" sz="1100" b="1" dirty="0">
+              <a:solidFill>
+                <a:schemeClr val="bg1"/>
+              </a:solidFill>
+            </a:endParaRPr>
           </a:p>
         </p:txBody>
       </p:sp>
       <p:sp>
         <p:nvSpPr>
-          <p:cNvPr id="12" name="矩形 11"/>
+          <p:cNvPr id="35" name="椭圆 34"/>
           <p:cNvSpPr/>
           <p:nvPr/>
         </p:nvSpPr>
         <p:spPr>
           <a:xfrm>
-            <a:off x="1835696" y="2602396"/>
-            <a:ext cx="792088" cy="288032"/>
-          </a:xfrm>
-          <a:prstGeom prst="rect">
+            <a:off x="7424706" y="2170272"/>
+            <a:ext cx="1088385" cy="340092"/>
+          </a:xfrm>
+          <a:prstGeom prst="ellipse">
             <a:avLst/>
           </a:prstGeom>
           <a:solidFill>
@@ -13715,33 +12956,112 @@
           <a:p>
             <a:pPr algn="ctr"/>
             <a:r>
-              <a:rPr lang="en-US" altLang="zh-CN" sz="1400" dirty="0"/>
-              <a:t>Fiber</a:t>
-            </a:r>
-            <a:endParaRPr lang="zh-CN" altLang="en-US" sz="1400" dirty="0"/>
+              <a:rPr lang="zh-CN" altLang="en-US" sz="1100" b="1" dirty="0" smtClean="0">
+                <a:solidFill>
+                  <a:schemeClr val="bg1"/>
+                </a:solidFill>
+              </a:rPr>
+              <a:t>创建协程</a:t>
+            </a:r>
+            <a:endParaRPr lang="zh-CN" altLang="en-US" sz="1100" b="1" dirty="0">
+              <a:solidFill>
+                <a:schemeClr val="bg1"/>
+              </a:solidFill>
+            </a:endParaRPr>
           </a:p>
         </p:txBody>
       </p:sp>
+      <p:cxnSp>
+        <p:nvCxnSpPr>
+          <p:cNvPr id="36" name="直接箭头连接符 35"/>
+          <p:cNvCxnSpPr>
+            <a:stCxn id="33" idx="6"/>
+            <a:endCxn id="34" idx="2"/>
+          </p:cNvCxnSpPr>
+          <p:nvPr/>
+        </p:nvCxnSpPr>
+        <p:spPr>
+          <a:xfrm flipV="1">
+            <a:off x="7076503" y="1728486"/>
+            <a:ext cx="348203" cy="276820"/>
+          </a:xfrm>
+          <a:prstGeom prst="straightConnector1">
+            <a:avLst/>
+          </a:prstGeom>
+          <a:ln>
+            <a:tailEnd type="triangle"/>
+          </a:ln>
+        </p:spPr>
+        <p:style>
+          <a:lnRef idx="1">
+            <a:schemeClr val="accent1"/>
+          </a:lnRef>
+          <a:fillRef idx="0">
+            <a:schemeClr val="accent1"/>
+          </a:fillRef>
+          <a:effectRef idx="0">
+            <a:schemeClr val="accent1"/>
+          </a:effectRef>
+          <a:fontRef idx="minor">
+            <a:schemeClr val="tx1"/>
+          </a:fontRef>
+        </p:style>
+      </p:cxnSp>
+      <p:cxnSp>
+        <p:nvCxnSpPr>
+          <p:cNvPr id="37" name="直接箭头连接符 36"/>
+          <p:cNvCxnSpPr>
+            <a:stCxn id="33" idx="6"/>
+            <a:endCxn id="35" idx="2"/>
+          </p:cNvCxnSpPr>
+          <p:nvPr/>
+        </p:nvCxnSpPr>
+        <p:spPr>
+          <a:xfrm>
+            <a:off x="7076503" y="2005306"/>
+            <a:ext cx="348203" cy="335012"/>
+          </a:xfrm>
+          <a:prstGeom prst="straightConnector1">
+            <a:avLst/>
+          </a:prstGeom>
+          <a:ln>
+            <a:tailEnd type="triangle"/>
+          </a:ln>
+        </p:spPr>
+        <p:style>
+          <a:lnRef idx="1">
+            <a:schemeClr val="accent1"/>
+          </a:lnRef>
+          <a:fillRef idx="0">
+            <a:schemeClr val="accent1"/>
+          </a:fillRef>
+          <a:effectRef idx="0">
+            <a:schemeClr val="accent1"/>
+          </a:effectRef>
+          <a:fontRef idx="minor">
+            <a:schemeClr val="tx1"/>
+          </a:fontRef>
+        </p:style>
+      </p:cxnSp>
       <p:sp>
         <p:nvSpPr>
-          <p:cNvPr id="13" name="矩形 12"/>
+          <p:cNvPr id="38" name="椭圆 37"/>
           <p:cNvSpPr/>
           <p:nvPr/>
         </p:nvSpPr>
         <p:spPr>
           <a:xfrm>
-            <a:off x="1763688" y="1313384"/>
-            <a:ext cx="936104" cy="1683568"/>
-          </a:xfrm>
-          <a:prstGeom prst="rect">
+            <a:off x="6003894" y="3070545"/>
+            <a:ext cx="1088385" cy="340092"/>
+          </a:xfrm>
+          <a:prstGeom prst="ellipse">
             <a:avLst/>
           </a:prstGeom>
-          <a:noFill/>
+          <a:solidFill>
+            <a:srgbClr val="00B0F0"/>
+          </a:solidFill>
           <a:ln>
-            <a:solidFill>
-              <a:schemeClr val="tx1"/>
-            </a:solidFill>
-            <a:prstDash val="dashDot"/>
+            <a:noFill/>
           </a:ln>
         </p:spPr>
         <p:style>
@@ -13765,23 +13085,151 @@
           <a:lstStyle/>
           <a:p>
             <a:pPr algn="ctr"/>
-            <a:endParaRPr lang="zh-CN" altLang="en-US"/>
+            <a:r>
+              <a:rPr lang="zh-CN" altLang="en-US" sz="1100" b="1" dirty="0" smtClean="0">
+                <a:solidFill>
+                  <a:schemeClr val="bg1"/>
+                </a:solidFill>
+              </a:rPr>
+              <a:t>创建进程</a:t>
+            </a:r>
+            <a:endParaRPr lang="zh-CN" altLang="en-US" sz="1100" b="1" dirty="0">
+              <a:solidFill>
+                <a:schemeClr val="bg1"/>
+              </a:solidFill>
+            </a:endParaRPr>
+          </a:p>
+        </p:txBody>
+      </p:sp>
+      <p:sp>
+        <p:nvSpPr>
+          <p:cNvPr id="39" name="椭圆 38"/>
+          <p:cNvSpPr/>
+          <p:nvPr/>
+        </p:nvSpPr>
+        <p:spPr>
+          <a:xfrm>
+            <a:off x="7440482" y="2793725"/>
+            <a:ext cx="1088385" cy="340092"/>
+          </a:xfrm>
+          <a:prstGeom prst="ellipse">
+            <a:avLst/>
+          </a:prstGeom>
+          <a:solidFill>
+            <a:srgbClr val="00B050"/>
+          </a:solidFill>
+          <a:ln>
+            <a:noFill/>
+          </a:ln>
+        </p:spPr>
+        <p:style>
+          <a:lnRef idx="2">
+            <a:schemeClr val="accent1">
+              <a:shade val="50000"/>
+            </a:schemeClr>
+          </a:lnRef>
+          <a:fillRef idx="1">
+            <a:schemeClr val="accent1"/>
+          </a:fillRef>
+          <a:effectRef idx="0">
+            <a:schemeClr val="accent1"/>
+          </a:effectRef>
+          <a:fontRef idx="minor">
+            <a:schemeClr val="lt1"/>
+          </a:fontRef>
+        </p:style>
+        <p:txBody>
+          <a:bodyPr rtlCol="0" anchor="ctr"/>
+          <a:lstStyle/>
+          <a:p>
+            <a:pPr algn="ctr"/>
+            <a:r>
+              <a:rPr lang="zh-CN" altLang="en-US" sz="1100" b="1" dirty="0" smtClean="0">
+                <a:solidFill>
+                  <a:schemeClr val="bg1"/>
+                </a:solidFill>
+              </a:rPr>
+              <a:t>创建协程</a:t>
+            </a:r>
+            <a:endParaRPr lang="zh-CN" altLang="en-US" sz="1100" b="1" dirty="0">
+              <a:solidFill>
+                <a:schemeClr val="bg1"/>
+              </a:solidFill>
+            </a:endParaRPr>
+          </a:p>
+        </p:txBody>
+      </p:sp>
+      <p:sp>
+        <p:nvSpPr>
+          <p:cNvPr id="40" name="椭圆 39"/>
+          <p:cNvSpPr/>
+          <p:nvPr/>
+        </p:nvSpPr>
+        <p:spPr>
+          <a:xfrm>
+            <a:off x="7440482" y="3405557"/>
+            <a:ext cx="1088385" cy="340092"/>
+          </a:xfrm>
+          <a:prstGeom prst="ellipse">
+            <a:avLst/>
+          </a:prstGeom>
+          <a:solidFill>
+            <a:srgbClr val="00B050"/>
+          </a:solidFill>
+          <a:ln>
+            <a:noFill/>
+          </a:ln>
+        </p:spPr>
+        <p:style>
+          <a:lnRef idx="2">
+            <a:schemeClr val="accent1">
+              <a:shade val="50000"/>
+            </a:schemeClr>
+          </a:lnRef>
+          <a:fillRef idx="1">
+            <a:schemeClr val="accent1"/>
+          </a:fillRef>
+          <a:effectRef idx="0">
+            <a:schemeClr val="accent1"/>
+          </a:effectRef>
+          <a:fontRef idx="minor">
+            <a:schemeClr val="lt1"/>
+          </a:fontRef>
+        </p:style>
+        <p:txBody>
+          <a:bodyPr rtlCol="0" anchor="ctr"/>
+          <a:lstStyle/>
+          <a:p>
+            <a:pPr algn="ctr"/>
+            <a:r>
+              <a:rPr lang="zh-CN" altLang="en-US" sz="1100" b="1" dirty="0" smtClean="0">
+                <a:solidFill>
+                  <a:schemeClr val="bg1"/>
+                </a:solidFill>
+              </a:rPr>
+              <a:t>创建协程</a:t>
+            </a:r>
+            <a:endParaRPr lang="zh-CN" altLang="en-US" sz="1100" b="1" dirty="0">
+              <a:solidFill>
+                <a:schemeClr val="bg1"/>
+              </a:solidFill>
+            </a:endParaRPr>
           </a:p>
         </p:txBody>
       </p:sp>
       <p:cxnSp>
         <p:nvCxnSpPr>
-          <p:cNvPr id="15" name="直接箭头连接符 14"/>
+          <p:cNvPr id="41" name="直接箭头连接符 40"/>
           <p:cNvCxnSpPr>
-            <a:stCxn id="4" idx="6"/>
-            <a:endCxn id="9" idx="1"/>
+            <a:stCxn id="38" idx="6"/>
+            <a:endCxn id="39" idx="2"/>
           </p:cNvCxnSpPr>
           <p:nvPr/>
         </p:nvCxnSpPr>
         <p:spPr>
-          <a:xfrm>
-            <a:off x="1403648" y="1493404"/>
-            <a:ext cx="432048" cy="36004"/>
+          <a:xfrm flipV="1">
+            <a:off x="7092279" y="2963771"/>
+            <a:ext cx="348203" cy="276820"/>
           </a:xfrm>
           <a:prstGeom prst="straightConnector1">
             <a:avLst/>
@@ -13807,17 +13255,119 @@
       </p:cxnSp>
       <p:cxnSp>
         <p:nvCxnSpPr>
-          <p:cNvPr id="17" name="直接箭头连接符 16"/>
+          <p:cNvPr id="42" name="直接箭头连接符 41"/>
           <p:cNvCxnSpPr>
-            <a:stCxn id="5" idx="6"/>
-            <a:endCxn id="10" idx="1"/>
+            <a:stCxn id="38" idx="6"/>
+            <a:endCxn id="40" idx="2"/>
           </p:cNvCxnSpPr>
           <p:nvPr/>
         </p:nvCxnSpPr>
         <p:spPr>
           <a:xfrm>
-            <a:off x="1403648" y="1934580"/>
-            <a:ext cx="432048" cy="0"/>
+            <a:off x="7092279" y="3240591"/>
+            <a:ext cx="348203" cy="335012"/>
+          </a:xfrm>
+          <a:prstGeom prst="straightConnector1">
+            <a:avLst/>
+          </a:prstGeom>
+          <a:ln>
+            <a:tailEnd type="triangle"/>
+          </a:ln>
+        </p:spPr>
+        <p:style>
+          <a:lnRef idx="1">
+            <a:schemeClr val="accent1"/>
+          </a:lnRef>
+          <a:fillRef idx="0">
+            <a:schemeClr val="accent1"/>
+          </a:fillRef>
+          <a:effectRef idx="0">
+            <a:schemeClr val="accent1"/>
+          </a:effectRef>
+          <a:fontRef idx="minor">
+            <a:schemeClr val="tx1"/>
+          </a:fontRef>
+        </p:style>
+      </p:cxnSp>
+      <p:sp>
+        <p:nvSpPr>
+          <p:cNvPr id="43" name="椭圆 42"/>
+          <p:cNvSpPr/>
+          <p:nvPr/>
+        </p:nvSpPr>
+        <p:spPr>
+          <a:xfrm>
+            <a:off x="4860032" y="2492311"/>
+            <a:ext cx="1229497" cy="340092"/>
+          </a:xfrm>
+          <a:prstGeom prst="ellipse">
+            <a:avLst/>
+          </a:prstGeom>
+          <a:solidFill>
+            <a:srgbClr val="0070C0"/>
+          </a:solidFill>
+          <a:ln>
+            <a:noFill/>
+          </a:ln>
+        </p:spPr>
+        <p:style>
+          <a:lnRef idx="2">
+            <a:schemeClr val="accent1">
+              <a:shade val="50000"/>
+            </a:schemeClr>
+          </a:lnRef>
+          <a:fillRef idx="1">
+            <a:schemeClr val="accent1"/>
+          </a:fillRef>
+          <a:effectRef idx="0">
+            <a:schemeClr val="accent1"/>
+          </a:effectRef>
+          <a:fontRef idx="minor">
+            <a:schemeClr val="lt1"/>
+          </a:fontRef>
+        </p:style>
+        <p:txBody>
+          <a:bodyPr rtlCol="0" anchor="ctr"/>
+          <a:lstStyle/>
+          <a:p>
+            <a:pPr algn="ctr"/>
+            <a:r>
+              <a:rPr lang="en-US" altLang="zh-CN" sz="1100" b="1" dirty="0" smtClean="0">
+                <a:solidFill>
+                  <a:schemeClr val="bg1"/>
+                </a:solidFill>
+              </a:rPr>
+              <a:t>master</a:t>
+            </a:r>
+            <a:r>
+              <a:rPr lang="zh-CN" altLang="en-US" sz="1100" b="1" dirty="0" smtClean="0">
+                <a:solidFill>
+                  <a:schemeClr val="bg1"/>
+                </a:solidFill>
+              </a:rPr>
+              <a:t>进程</a:t>
+            </a:r>
+            <a:endParaRPr lang="zh-CN" altLang="en-US" sz="1100" b="1" dirty="0">
+              <a:solidFill>
+                <a:schemeClr val="bg1"/>
+              </a:solidFill>
+            </a:endParaRPr>
+          </a:p>
+        </p:txBody>
+      </p:sp>
+      <p:cxnSp>
+        <p:nvCxnSpPr>
+          <p:cNvPr id="44" name="直接箭头连接符 43"/>
+          <p:cNvCxnSpPr>
+            <a:stCxn id="43" idx="7"/>
+            <a:endCxn id="33" idx="3"/>
+          </p:cNvCxnSpPr>
+          <p:nvPr/>
+        </p:nvCxnSpPr>
+        <p:spPr>
+          <a:xfrm flipV="1">
+            <a:off x="5909473" y="2125547"/>
+            <a:ext cx="238035" cy="416569"/>
           </a:xfrm>
           <a:prstGeom prst="straightConnector1">
             <a:avLst/>
@@ -13843,53 +13393,17 @@
       </p:cxnSp>
       <p:cxnSp>
         <p:nvCxnSpPr>
-          <p:cNvPr id="19" name="直接箭头连接符 18"/>
+          <p:cNvPr id="45" name="直接箭头连接符 44"/>
           <p:cNvCxnSpPr>
-            <a:stCxn id="6" idx="6"/>
-            <a:endCxn id="11" idx="1"/>
+            <a:stCxn id="43" idx="5"/>
+            <a:endCxn id="38" idx="1"/>
           </p:cNvCxnSpPr>
           <p:nvPr/>
         </p:nvCxnSpPr>
         <p:spPr>
-          <a:xfrm flipV="1">
-            <a:off x="1403648" y="2339752"/>
-            <a:ext cx="432048" cy="36004"/>
-          </a:xfrm>
-          <a:prstGeom prst="straightConnector1">
-            <a:avLst/>
-          </a:prstGeom>
-          <a:ln>
-            <a:tailEnd type="triangle"/>
-          </a:ln>
-        </p:spPr>
-        <p:style>
-          <a:lnRef idx="1">
-            <a:schemeClr val="accent1"/>
-          </a:lnRef>
-          <a:fillRef idx="0">
-            <a:schemeClr val="accent1"/>
-          </a:fillRef>
-          <a:effectRef idx="0">
-            <a:schemeClr val="accent1"/>
-          </a:effectRef>
-          <a:fontRef idx="minor">
-            <a:schemeClr val="tx1"/>
-          </a:fontRef>
-        </p:style>
-      </p:cxnSp>
-      <p:cxnSp>
-        <p:nvCxnSpPr>
-          <p:cNvPr id="21" name="直接箭头连接符 20"/>
-          <p:cNvCxnSpPr>
-            <a:stCxn id="7" idx="6"/>
-            <a:endCxn id="12" idx="1"/>
-          </p:cNvCxnSpPr>
-          <p:nvPr/>
-        </p:nvCxnSpPr>
-        <p:spPr>
-          <a:xfrm flipV="1">
-            <a:off x="1403648" y="2746412"/>
-            <a:ext cx="432048" cy="70520"/>
+          <a:xfrm>
+            <a:off x="5909473" y="2782598"/>
+            <a:ext cx="253811" cy="337752"/>
           </a:xfrm>
           <a:prstGeom prst="straightConnector1">
             <a:avLst/>
@@ -13915,1025 +13429,14 @@
       </p:cxnSp>
       <p:sp>
         <p:nvSpPr>
-          <p:cNvPr id="22" name="圆角矩形 21"/>
-          <p:cNvSpPr/>
-          <p:nvPr/>
-        </p:nvSpPr>
-        <p:spPr>
-          <a:xfrm>
-            <a:off x="3203848" y="1673424"/>
-            <a:ext cx="792088" cy="666328"/>
-          </a:xfrm>
-          <a:prstGeom prst="roundRect">
-            <a:avLst/>
-          </a:prstGeom>
-          <a:solidFill>
-            <a:srgbClr val="0070C0"/>
-          </a:solidFill>
-          <a:ln>
-            <a:noFill/>
-          </a:ln>
-        </p:spPr>
-        <p:style>
-          <a:lnRef idx="2">
-            <a:schemeClr val="accent1">
-              <a:shade val="50000"/>
-            </a:schemeClr>
-          </a:lnRef>
-          <a:fillRef idx="1">
-            <a:schemeClr val="accent1"/>
-          </a:fillRef>
-          <a:effectRef idx="0">
-            <a:schemeClr val="accent1"/>
-          </a:effectRef>
-          <a:fontRef idx="minor">
-            <a:schemeClr val="lt1"/>
-          </a:fontRef>
-        </p:style>
-        <p:txBody>
-          <a:bodyPr rtlCol="0" anchor="ctr"/>
-          <a:lstStyle/>
-          <a:p>
-            <a:pPr algn="ctr"/>
-            <a:r>
-              <a:rPr lang="en-US" altLang="zh-CN" sz="1600" dirty="0" err="1" smtClean="0"/>
-              <a:t>Mysql</a:t>
-            </a:r>
-            <a:endParaRPr lang="zh-CN" altLang="en-US" sz="1600" dirty="0"/>
-          </a:p>
-        </p:txBody>
-      </p:sp>
-      <p:cxnSp>
-        <p:nvCxnSpPr>
-          <p:cNvPr id="24" name="直接箭头连接符 23"/>
-          <p:cNvCxnSpPr>
-            <a:stCxn id="9" idx="3"/>
-            <a:endCxn id="22" idx="1"/>
-          </p:cNvCxnSpPr>
-          <p:nvPr/>
-        </p:nvCxnSpPr>
-        <p:spPr>
-          <a:xfrm>
-            <a:off x="2627784" y="1529408"/>
-            <a:ext cx="576064" cy="477180"/>
-          </a:xfrm>
-          <a:prstGeom prst="straightConnector1">
-            <a:avLst/>
-          </a:prstGeom>
-          <a:ln>
-            <a:tailEnd type="triangle"/>
-          </a:ln>
-        </p:spPr>
-        <p:style>
-          <a:lnRef idx="1">
-            <a:schemeClr val="accent1"/>
-          </a:lnRef>
-          <a:fillRef idx="0">
-            <a:schemeClr val="accent1"/>
-          </a:fillRef>
-          <a:effectRef idx="0">
-            <a:schemeClr val="accent1"/>
-          </a:effectRef>
-          <a:fontRef idx="minor">
-            <a:schemeClr val="tx1"/>
-          </a:fontRef>
-        </p:style>
-      </p:cxnSp>
-      <p:cxnSp>
-        <p:nvCxnSpPr>
-          <p:cNvPr id="26" name="直接箭头连接符 25"/>
-          <p:cNvCxnSpPr>
-            <a:stCxn id="10" idx="3"/>
-            <a:endCxn id="22" idx="1"/>
-          </p:cNvCxnSpPr>
-          <p:nvPr/>
-        </p:nvCxnSpPr>
-        <p:spPr>
-          <a:xfrm>
-            <a:off x="2627784" y="1934580"/>
-            <a:ext cx="576064" cy="72008"/>
-          </a:xfrm>
-          <a:prstGeom prst="straightConnector1">
-            <a:avLst/>
-          </a:prstGeom>
-          <a:ln>
-            <a:tailEnd type="triangle"/>
-          </a:ln>
-        </p:spPr>
-        <p:style>
-          <a:lnRef idx="1">
-            <a:schemeClr val="accent1"/>
-          </a:lnRef>
-          <a:fillRef idx="0">
-            <a:schemeClr val="accent1"/>
-          </a:fillRef>
-          <a:effectRef idx="0">
-            <a:schemeClr val="accent1"/>
-          </a:effectRef>
-          <a:fontRef idx="minor">
-            <a:schemeClr val="tx1"/>
-          </a:fontRef>
-        </p:style>
-      </p:cxnSp>
-      <p:cxnSp>
-        <p:nvCxnSpPr>
-          <p:cNvPr id="28" name="直接箭头连接符 27"/>
-          <p:cNvCxnSpPr>
-            <a:stCxn id="11" idx="3"/>
-            <a:endCxn id="22" idx="1"/>
-          </p:cNvCxnSpPr>
-          <p:nvPr/>
-        </p:nvCxnSpPr>
-        <p:spPr>
-          <a:xfrm flipV="1">
-            <a:off x="2627784" y="2006588"/>
-            <a:ext cx="576064" cy="333164"/>
-          </a:xfrm>
-          <a:prstGeom prst="straightConnector1">
-            <a:avLst/>
-          </a:prstGeom>
-          <a:ln>
-            <a:tailEnd type="triangle"/>
-          </a:ln>
-        </p:spPr>
-        <p:style>
-          <a:lnRef idx="1">
-            <a:schemeClr val="accent1"/>
-          </a:lnRef>
-          <a:fillRef idx="0">
-            <a:schemeClr val="accent1"/>
-          </a:fillRef>
-          <a:effectRef idx="0">
-            <a:schemeClr val="accent1"/>
-          </a:effectRef>
-          <a:fontRef idx="minor">
-            <a:schemeClr val="tx1"/>
-          </a:fontRef>
-        </p:style>
-      </p:cxnSp>
-      <p:cxnSp>
-        <p:nvCxnSpPr>
-          <p:cNvPr id="30" name="直接箭头连接符 29"/>
-          <p:cNvCxnSpPr>
-            <a:stCxn id="12" idx="3"/>
-            <a:endCxn id="22" idx="1"/>
-          </p:cNvCxnSpPr>
-          <p:nvPr/>
-        </p:nvCxnSpPr>
-        <p:spPr>
-          <a:xfrm flipV="1">
-            <a:off x="2627784" y="2006588"/>
-            <a:ext cx="576064" cy="739824"/>
-          </a:xfrm>
-          <a:prstGeom prst="straightConnector1">
-            <a:avLst/>
-          </a:prstGeom>
-          <a:ln>
-            <a:tailEnd type="triangle"/>
-          </a:ln>
-        </p:spPr>
-        <p:style>
-          <a:lnRef idx="1">
-            <a:schemeClr val="accent1"/>
-          </a:lnRef>
-          <a:fillRef idx="0">
-            <a:schemeClr val="accent1"/>
-          </a:fillRef>
-          <a:effectRef idx="0">
-            <a:schemeClr val="accent1"/>
-          </a:effectRef>
-          <a:fontRef idx="minor">
-            <a:schemeClr val="tx1"/>
-          </a:fontRef>
-        </p:style>
-      </p:cxnSp>
-      <p:sp>
-        <p:nvSpPr>
-          <p:cNvPr id="49" name="右箭头 48"/>
-          <p:cNvSpPr/>
-          <p:nvPr/>
-        </p:nvSpPr>
-        <p:spPr>
-          <a:xfrm>
-            <a:off x="4211960" y="1790564"/>
-            <a:ext cx="720080" cy="405172"/>
-          </a:xfrm>
-          <a:prstGeom prst="rightArrow">
-            <a:avLst/>
-          </a:prstGeom>
-          <a:solidFill>
-            <a:srgbClr val="FFFF00"/>
-          </a:solidFill>
-          <a:ln>
-            <a:noFill/>
-          </a:ln>
-        </p:spPr>
-        <p:style>
-          <a:lnRef idx="2">
-            <a:schemeClr val="accent1">
-              <a:shade val="50000"/>
-            </a:schemeClr>
-          </a:lnRef>
-          <a:fillRef idx="1">
-            <a:schemeClr val="accent1"/>
-          </a:fillRef>
-          <a:effectRef idx="0">
-            <a:schemeClr val="accent1"/>
-          </a:effectRef>
-          <a:fontRef idx="minor">
-            <a:schemeClr val="lt1"/>
-          </a:fontRef>
-        </p:style>
-        <p:txBody>
-          <a:bodyPr rtlCol="0" anchor="ctr"/>
-          <a:lstStyle/>
-          <a:p>
-            <a:pPr algn="ctr"/>
-            <a:endParaRPr lang="zh-CN" altLang="en-US"/>
-          </a:p>
-        </p:txBody>
-      </p:sp>
-      <p:sp>
-        <p:nvSpPr>
-          <p:cNvPr id="50" name="椭圆 49"/>
-          <p:cNvSpPr/>
-          <p:nvPr/>
-        </p:nvSpPr>
-        <p:spPr>
-          <a:xfrm>
-            <a:off x="5364088" y="1313384"/>
-            <a:ext cx="576064" cy="360040"/>
-          </a:xfrm>
-          <a:prstGeom prst="ellipse">
-            <a:avLst/>
-          </a:prstGeom>
-          <a:solidFill>
-            <a:schemeClr val="accent2">
-              <a:lumMod val="75000"/>
-            </a:schemeClr>
-          </a:solidFill>
-          <a:ln>
-            <a:noFill/>
-          </a:ln>
-        </p:spPr>
-        <p:style>
-          <a:lnRef idx="2">
-            <a:schemeClr val="accent1">
-              <a:shade val="50000"/>
-            </a:schemeClr>
-          </a:lnRef>
-          <a:fillRef idx="1">
-            <a:schemeClr val="accent1"/>
-          </a:fillRef>
-          <a:effectRef idx="0">
-            <a:schemeClr val="accent1"/>
-          </a:effectRef>
-          <a:fontRef idx="minor">
-            <a:schemeClr val="lt1"/>
-          </a:fontRef>
-        </p:style>
-        <p:txBody>
-          <a:bodyPr rtlCol="0" anchor="ctr"/>
-          <a:lstStyle/>
-          <a:p>
-            <a:pPr algn="ctr"/>
-            <a:r>
-              <a:rPr lang="en-US" altLang="zh-CN" dirty="0" smtClean="0"/>
-              <a:t>C</a:t>
-            </a:r>
-            <a:endParaRPr lang="zh-CN" altLang="en-US" dirty="0"/>
-          </a:p>
-        </p:txBody>
-      </p:sp>
-      <p:sp>
-        <p:nvSpPr>
-          <p:cNvPr id="51" name="椭圆 50"/>
-          <p:cNvSpPr/>
-          <p:nvPr/>
-        </p:nvSpPr>
-        <p:spPr>
-          <a:xfrm>
-            <a:off x="5364088" y="1754560"/>
-            <a:ext cx="576064" cy="360040"/>
-          </a:xfrm>
-          <a:prstGeom prst="ellipse">
-            <a:avLst/>
-          </a:prstGeom>
-          <a:solidFill>
-            <a:schemeClr val="accent2">
-              <a:lumMod val="75000"/>
-            </a:schemeClr>
-          </a:solidFill>
-          <a:ln>
-            <a:noFill/>
-          </a:ln>
-        </p:spPr>
-        <p:style>
-          <a:lnRef idx="2">
-            <a:schemeClr val="accent1">
-              <a:shade val="50000"/>
-            </a:schemeClr>
-          </a:lnRef>
-          <a:fillRef idx="1">
-            <a:schemeClr val="accent1"/>
-          </a:fillRef>
-          <a:effectRef idx="0">
-            <a:schemeClr val="accent1"/>
-          </a:effectRef>
-          <a:fontRef idx="minor">
-            <a:schemeClr val="lt1"/>
-          </a:fontRef>
-        </p:style>
-        <p:txBody>
-          <a:bodyPr rtlCol="0" anchor="ctr"/>
-          <a:lstStyle/>
-          <a:p>
-            <a:pPr algn="ctr"/>
-            <a:r>
-              <a:rPr lang="en-US" altLang="zh-CN" dirty="0" smtClean="0"/>
-              <a:t>C</a:t>
-            </a:r>
-            <a:endParaRPr lang="zh-CN" altLang="en-US" dirty="0"/>
-          </a:p>
-        </p:txBody>
-      </p:sp>
-      <p:sp>
-        <p:nvSpPr>
-          <p:cNvPr id="52" name="椭圆 51"/>
-          <p:cNvSpPr/>
-          <p:nvPr/>
-        </p:nvSpPr>
-        <p:spPr>
-          <a:xfrm>
-            <a:off x="5364088" y="2195736"/>
-            <a:ext cx="576064" cy="360040"/>
-          </a:xfrm>
-          <a:prstGeom prst="ellipse">
-            <a:avLst/>
-          </a:prstGeom>
-          <a:solidFill>
-            <a:schemeClr val="accent2">
-              <a:lumMod val="75000"/>
-            </a:schemeClr>
-          </a:solidFill>
-          <a:ln>
-            <a:noFill/>
-          </a:ln>
-        </p:spPr>
-        <p:style>
-          <a:lnRef idx="2">
-            <a:schemeClr val="accent1">
-              <a:shade val="50000"/>
-            </a:schemeClr>
-          </a:lnRef>
-          <a:fillRef idx="1">
-            <a:schemeClr val="accent1"/>
-          </a:fillRef>
-          <a:effectRef idx="0">
-            <a:schemeClr val="accent1"/>
-          </a:effectRef>
-          <a:fontRef idx="minor">
-            <a:schemeClr val="lt1"/>
-          </a:fontRef>
-        </p:style>
-        <p:txBody>
-          <a:bodyPr rtlCol="0" anchor="ctr"/>
-          <a:lstStyle/>
-          <a:p>
-            <a:pPr algn="ctr"/>
-            <a:r>
-              <a:rPr lang="en-US" altLang="zh-CN" dirty="0" smtClean="0"/>
-              <a:t>C</a:t>
-            </a:r>
-            <a:endParaRPr lang="zh-CN" altLang="en-US" dirty="0"/>
-          </a:p>
-        </p:txBody>
-      </p:sp>
-      <p:sp>
-        <p:nvSpPr>
-          <p:cNvPr id="53" name="椭圆 52"/>
-          <p:cNvSpPr/>
-          <p:nvPr/>
-        </p:nvSpPr>
-        <p:spPr>
-          <a:xfrm>
-            <a:off x="5364088" y="2636912"/>
-            <a:ext cx="576064" cy="360040"/>
-          </a:xfrm>
-          <a:prstGeom prst="ellipse">
-            <a:avLst/>
-          </a:prstGeom>
-          <a:solidFill>
-            <a:schemeClr val="accent2">
-              <a:lumMod val="75000"/>
-            </a:schemeClr>
-          </a:solidFill>
-          <a:ln>
-            <a:noFill/>
-          </a:ln>
-        </p:spPr>
-        <p:style>
-          <a:lnRef idx="2">
-            <a:schemeClr val="accent1">
-              <a:shade val="50000"/>
-            </a:schemeClr>
-          </a:lnRef>
-          <a:fillRef idx="1">
-            <a:schemeClr val="accent1"/>
-          </a:fillRef>
-          <a:effectRef idx="0">
-            <a:schemeClr val="accent1"/>
-          </a:effectRef>
-          <a:fontRef idx="minor">
-            <a:schemeClr val="lt1"/>
-          </a:fontRef>
-        </p:style>
-        <p:txBody>
-          <a:bodyPr rtlCol="0" anchor="ctr"/>
-          <a:lstStyle/>
-          <a:p>
-            <a:pPr algn="ctr"/>
-            <a:r>
-              <a:rPr lang="en-US" altLang="zh-CN" dirty="0" smtClean="0"/>
-              <a:t>C</a:t>
-            </a:r>
-            <a:endParaRPr lang="zh-CN" altLang="en-US" dirty="0"/>
-          </a:p>
-        </p:txBody>
-      </p:sp>
-      <p:sp>
-        <p:nvSpPr>
-          <p:cNvPr id="54" name="矩形 53"/>
-          <p:cNvSpPr/>
-          <p:nvPr/>
-        </p:nvSpPr>
-        <p:spPr>
-          <a:xfrm>
-            <a:off x="6372200" y="1385392"/>
-            <a:ext cx="792088" cy="288032"/>
-          </a:xfrm>
-          <a:prstGeom prst="rect">
-            <a:avLst/>
-          </a:prstGeom>
-          <a:solidFill>
-            <a:srgbClr val="00B050"/>
-          </a:solidFill>
-          <a:ln>
-            <a:noFill/>
-          </a:ln>
-        </p:spPr>
-        <p:style>
-          <a:lnRef idx="2">
-            <a:schemeClr val="accent1">
-              <a:shade val="50000"/>
-            </a:schemeClr>
-          </a:lnRef>
-          <a:fillRef idx="1">
-            <a:schemeClr val="accent1"/>
-          </a:fillRef>
-          <a:effectRef idx="0">
-            <a:schemeClr val="accent1"/>
-          </a:effectRef>
-          <a:fontRef idx="minor">
-            <a:schemeClr val="lt1"/>
-          </a:fontRef>
-        </p:style>
-        <p:txBody>
-          <a:bodyPr rtlCol="0" anchor="ctr"/>
-          <a:lstStyle/>
-          <a:p>
-            <a:pPr algn="ctr"/>
-            <a:r>
-              <a:rPr lang="en-US" altLang="zh-CN" sz="1400" dirty="0" smtClean="0"/>
-              <a:t>Fiber</a:t>
-            </a:r>
-            <a:endParaRPr lang="zh-CN" altLang="en-US" sz="1400" dirty="0"/>
-          </a:p>
-        </p:txBody>
-      </p:sp>
-      <p:sp>
-        <p:nvSpPr>
-          <p:cNvPr id="55" name="矩形 54"/>
-          <p:cNvSpPr/>
-          <p:nvPr/>
-        </p:nvSpPr>
-        <p:spPr>
-          <a:xfrm>
-            <a:off x="6372200" y="1790564"/>
-            <a:ext cx="792088" cy="288032"/>
-          </a:xfrm>
-          <a:prstGeom prst="rect">
-            <a:avLst/>
-          </a:prstGeom>
-          <a:solidFill>
-            <a:srgbClr val="00B050"/>
-          </a:solidFill>
-          <a:ln>
-            <a:noFill/>
-          </a:ln>
-        </p:spPr>
-        <p:style>
-          <a:lnRef idx="2">
-            <a:schemeClr val="accent1">
-              <a:shade val="50000"/>
-            </a:schemeClr>
-          </a:lnRef>
-          <a:fillRef idx="1">
-            <a:schemeClr val="accent1"/>
-          </a:fillRef>
-          <a:effectRef idx="0">
-            <a:schemeClr val="accent1"/>
-          </a:effectRef>
-          <a:fontRef idx="minor">
-            <a:schemeClr val="lt1"/>
-          </a:fontRef>
-        </p:style>
-        <p:txBody>
-          <a:bodyPr rtlCol="0" anchor="ctr"/>
-          <a:lstStyle/>
-          <a:p>
-            <a:pPr algn="ctr"/>
-            <a:r>
-              <a:rPr lang="en-US" altLang="zh-CN" sz="1400" dirty="0"/>
-              <a:t>Fiber</a:t>
-            </a:r>
-            <a:endParaRPr lang="zh-CN" altLang="en-US" sz="1400" dirty="0"/>
-          </a:p>
-        </p:txBody>
-      </p:sp>
-      <p:sp>
-        <p:nvSpPr>
-          <p:cNvPr id="56" name="矩形 55"/>
-          <p:cNvSpPr/>
-          <p:nvPr/>
-        </p:nvSpPr>
-        <p:spPr>
-          <a:xfrm>
-            <a:off x="6372200" y="2195736"/>
-            <a:ext cx="792088" cy="288032"/>
-          </a:xfrm>
-          <a:prstGeom prst="rect">
-            <a:avLst/>
-          </a:prstGeom>
-          <a:solidFill>
-            <a:srgbClr val="00B050"/>
-          </a:solidFill>
-          <a:ln>
-            <a:noFill/>
-          </a:ln>
-        </p:spPr>
-        <p:style>
-          <a:lnRef idx="2">
-            <a:schemeClr val="accent1">
-              <a:shade val="50000"/>
-            </a:schemeClr>
-          </a:lnRef>
-          <a:fillRef idx="1">
-            <a:schemeClr val="accent1"/>
-          </a:fillRef>
-          <a:effectRef idx="0">
-            <a:schemeClr val="accent1"/>
-          </a:effectRef>
-          <a:fontRef idx="minor">
-            <a:schemeClr val="lt1"/>
-          </a:fontRef>
-        </p:style>
-        <p:txBody>
-          <a:bodyPr rtlCol="0" anchor="ctr"/>
-          <a:lstStyle/>
-          <a:p>
-            <a:pPr algn="ctr"/>
-            <a:r>
-              <a:rPr lang="en-US" altLang="zh-CN" sz="1400" dirty="0"/>
-              <a:t>Fiber</a:t>
-            </a:r>
-            <a:endParaRPr lang="zh-CN" altLang="en-US" sz="1400" dirty="0"/>
-          </a:p>
-        </p:txBody>
-      </p:sp>
-      <p:sp>
-        <p:nvSpPr>
-          <p:cNvPr id="57" name="矩形 56"/>
-          <p:cNvSpPr/>
-          <p:nvPr/>
-        </p:nvSpPr>
-        <p:spPr>
-          <a:xfrm>
-            <a:off x="6372200" y="2602396"/>
-            <a:ext cx="792088" cy="288032"/>
-          </a:xfrm>
-          <a:prstGeom prst="rect">
-            <a:avLst/>
-          </a:prstGeom>
-          <a:solidFill>
-            <a:srgbClr val="00B050"/>
-          </a:solidFill>
-          <a:ln>
-            <a:noFill/>
-          </a:ln>
-        </p:spPr>
-        <p:style>
-          <a:lnRef idx="2">
-            <a:schemeClr val="accent1">
-              <a:shade val="50000"/>
-            </a:schemeClr>
-          </a:lnRef>
-          <a:fillRef idx="1">
-            <a:schemeClr val="accent1"/>
-          </a:fillRef>
-          <a:effectRef idx="0">
-            <a:schemeClr val="accent1"/>
-          </a:effectRef>
-          <a:fontRef idx="minor">
-            <a:schemeClr val="lt1"/>
-          </a:fontRef>
-        </p:style>
-        <p:txBody>
-          <a:bodyPr rtlCol="0" anchor="ctr"/>
-          <a:lstStyle/>
-          <a:p>
-            <a:pPr algn="ctr"/>
-            <a:r>
-              <a:rPr lang="en-US" altLang="zh-CN" sz="1400" dirty="0"/>
-              <a:t>Fiber</a:t>
-            </a:r>
-            <a:endParaRPr lang="zh-CN" altLang="en-US" sz="1400" dirty="0"/>
-          </a:p>
-        </p:txBody>
-      </p:sp>
-      <p:sp>
-        <p:nvSpPr>
-          <p:cNvPr id="58" name="矩形 57"/>
-          <p:cNvSpPr/>
-          <p:nvPr/>
-        </p:nvSpPr>
-        <p:spPr>
-          <a:xfrm>
-            <a:off x="6300192" y="1313384"/>
-            <a:ext cx="936104" cy="1683568"/>
-          </a:xfrm>
-          <a:prstGeom prst="rect">
-            <a:avLst/>
-          </a:prstGeom>
-          <a:noFill/>
-          <a:ln>
-            <a:solidFill>
-              <a:schemeClr val="tx1"/>
-            </a:solidFill>
-            <a:prstDash val="dashDot"/>
-          </a:ln>
-        </p:spPr>
-        <p:style>
-          <a:lnRef idx="2">
-            <a:schemeClr val="accent1">
-              <a:shade val="50000"/>
-            </a:schemeClr>
-          </a:lnRef>
-          <a:fillRef idx="1">
-            <a:schemeClr val="accent1"/>
-          </a:fillRef>
-          <a:effectRef idx="0">
-            <a:schemeClr val="accent1"/>
-          </a:effectRef>
-          <a:fontRef idx="minor">
-            <a:schemeClr val="lt1"/>
-          </a:fontRef>
-        </p:style>
-        <p:txBody>
-          <a:bodyPr rtlCol="0" anchor="ctr"/>
-          <a:lstStyle/>
-          <a:p>
-            <a:pPr algn="ctr"/>
-            <a:endParaRPr lang="zh-CN" altLang="en-US"/>
-          </a:p>
-        </p:txBody>
-      </p:sp>
-      <p:cxnSp>
-        <p:nvCxnSpPr>
-          <p:cNvPr id="59" name="直接箭头连接符 58"/>
-          <p:cNvCxnSpPr>
-            <a:stCxn id="50" idx="6"/>
-            <a:endCxn id="54" idx="1"/>
-          </p:cNvCxnSpPr>
-          <p:nvPr/>
-        </p:nvCxnSpPr>
-        <p:spPr>
-          <a:xfrm>
-            <a:off x="5940152" y="1493404"/>
-            <a:ext cx="432048" cy="36004"/>
-          </a:xfrm>
-          <a:prstGeom prst="straightConnector1">
-            <a:avLst/>
-          </a:prstGeom>
-          <a:ln>
-            <a:tailEnd type="triangle"/>
-          </a:ln>
-        </p:spPr>
-        <p:style>
-          <a:lnRef idx="1">
-            <a:schemeClr val="accent1"/>
-          </a:lnRef>
-          <a:fillRef idx="0">
-            <a:schemeClr val="accent1"/>
-          </a:fillRef>
-          <a:effectRef idx="0">
-            <a:schemeClr val="accent1"/>
-          </a:effectRef>
-          <a:fontRef idx="minor">
-            <a:schemeClr val="tx1"/>
-          </a:fontRef>
-        </p:style>
-      </p:cxnSp>
-      <p:cxnSp>
-        <p:nvCxnSpPr>
-          <p:cNvPr id="60" name="直接箭头连接符 59"/>
-          <p:cNvCxnSpPr>
-            <a:stCxn id="51" idx="6"/>
-            <a:endCxn id="55" idx="1"/>
-          </p:cNvCxnSpPr>
-          <p:nvPr/>
-        </p:nvCxnSpPr>
-        <p:spPr>
-          <a:xfrm>
-            <a:off x="5940152" y="1934580"/>
-            <a:ext cx="432048" cy="0"/>
-          </a:xfrm>
-          <a:prstGeom prst="straightConnector1">
-            <a:avLst/>
-          </a:prstGeom>
-          <a:ln>
-            <a:tailEnd type="triangle"/>
-          </a:ln>
-        </p:spPr>
-        <p:style>
-          <a:lnRef idx="1">
-            <a:schemeClr val="accent1"/>
-          </a:lnRef>
-          <a:fillRef idx="0">
-            <a:schemeClr val="accent1"/>
-          </a:fillRef>
-          <a:effectRef idx="0">
-            <a:schemeClr val="accent1"/>
-          </a:effectRef>
-          <a:fontRef idx="minor">
-            <a:schemeClr val="tx1"/>
-          </a:fontRef>
-        </p:style>
-      </p:cxnSp>
-      <p:cxnSp>
-        <p:nvCxnSpPr>
-          <p:cNvPr id="61" name="直接箭头连接符 60"/>
-          <p:cNvCxnSpPr>
-            <a:stCxn id="52" idx="6"/>
-            <a:endCxn id="56" idx="1"/>
-          </p:cNvCxnSpPr>
-          <p:nvPr/>
-        </p:nvCxnSpPr>
-        <p:spPr>
-          <a:xfrm flipV="1">
-            <a:off x="5940152" y="2339752"/>
-            <a:ext cx="432048" cy="36004"/>
-          </a:xfrm>
-          <a:prstGeom prst="straightConnector1">
-            <a:avLst/>
-          </a:prstGeom>
-          <a:ln>
-            <a:tailEnd type="triangle"/>
-          </a:ln>
-        </p:spPr>
-        <p:style>
-          <a:lnRef idx="1">
-            <a:schemeClr val="accent1"/>
-          </a:lnRef>
-          <a:fillRef idx="0">
-            <a:schemeClr val="accent1"/>
-          </a:fillRef>
-          <a:effectRef idx="0">
-            <a:schemeClr val="accent1"/>
-          </a:effectRef>
-          <a:fontRef idx="minor">
-            <a:schemeClr val="tx1"/>
-          </a:fontRef>
-        </p:style>
-      </p:cxnSp>
-      <p:cxnSp>
-        <p:nvCxnSpPr>
-          <p:cNvPr id="62" name="直接箭头连接符 61"/>
-          <p:cNvCxnSpPr>
-            <a:stCxn id="53" idx="6"/>
-            <a:endCxn id="57" idx="1"/>
-          </p:cNvCxnSpPr>
-          <p:nvPr/>
-        </p:nvCxnSpPr>
-        <p:spPr>
-          <a:xfrm flipV="1">
-            <a:off x="5940152" y="2746412"/>
-            <a:ext cx="432048" cy="70520"/>
-          </a:xfrm>
-          <a:prstGeom prst="straightConnector1">
-            <a:avLst/>
-          </a:prstGeom>
-          <a:ln>
-            <a:tailEnd type="triangle"/>
-          </a:ln>
-        </p:spPr>
-        <p:style>
-          <a:lnRef idx="1">
-            <a:schemeClr val="accent1"/>
-          </a:lnRef>
-          <a:fillRef idx="0">
-            <a:schemeClr val="accent1"/>
-          </a:fillRef>
-          <a:effectRef idx="0">
-            <a:schemeClr val="accent1"/>
-          </a:effectRef>
-          <a:fontRef idx="minor">
-            <a:schemeClr val="tx1"/>
-          </a:fontRef>
-        </p:style>
-      </p:cxnSp>
-      <p:sp>
-        <p:nvSpPr>
-          <p:cNvPr id="63" name="圆角矩形 62"/>
-          <p:cNvSpPr/>
-          <p:nvPr/>
-        </p:nvSpPr>
-        <p:spPr>
-          <a:xfrm>
-            <a:off x="7740352" y="1673424"/>
-            <a:ext cx="792088" cy="666328"/>
-          </a:xfrm>
-          <a:prstGeom prst="roundRect">
-            <a:avLst/>
-          </a:prstGeom>
-          <a:solidFill>
-            <a:srgbClr val="0070C0"/>
-          </a:solidFill>
-          <a:ln>
-            <a:noFill/>
-          </a:ln>
-        </p:spPr>
-        <p:style>
-          <a:lnRef idx="2">
-            <a:schemeClr val="accent1">
-              <a:shade val="50000"/>
-            </a:schemeClr>
-          </a:lnRef>
-          <a:fillRef idx="1">
-            <a:schemeClr val="accent1"/>
-          </a:fillRef>
-          <a:effectRef idx="0">
-            <a:schemeClr val="accent1"/>
-          </a:effectRef>
-          <a:fontRef idx="minor">
-            <a:schemeClr val="lt1"/>
-          </a:fontRef>
-        </p:style>
-        <p:txBody>
-          <a:bodyPr rtlCol="0" anchor="ctr"/>
-          <a:lstStyle/>
-          <a:p>
-            <a:pPr algn="ctr"/>
-            <a:r>
-              <a:rPr lang="en-US" altLang="zh-CN" sz="1600" dirty="0" err="1" smtClean="0"/>
-              <a:t>Mysql</a:t>
-            </a:r>
-            <a:endParaRPr lang="zh-CN" altLang="en-US" sz="1600" dirty="0"/>
-          </a:p>
-        </p:txBody>
-      </p:sp>
-      <p:cxnSp>
-        <p:nvCxnSpPr>
-          <p:cNvPr id="65" name="直接箭头连接符 64"/>
-          <p:cNvCxnSpPr>
-            <a:stCxn id="55" idx="3"/>
-            <a:endCxn id="63" idx="1"/>
-          </p:cNvCxnSpPr>
-          <p:nvPr/>
-        </p:nvCxnSpPr>
-        <p:spPr>
-          <a:xfrm>
-            <a:off x="7164288" y="1934580"/>
-            <a:ext cx="576064" cy="72008"/>
-          </a:xfrm>
-          <a:prstGeom prst="straightConnector1">
-            <a:avLst/>
-          </a:prstGeom>
-          <a:ln>
-            <a:tailEnd type="triangle"/>
-          </a:ln>
-        </p:spPr>
-        <p:style>
-          <a:lnRef idx="1">
-            <a:schemeClr val="accent1"/>
-          </a:lnRef>
-          <a:fillRef idx="0">
-            <a:schemeClr val="accent1"/>
-          </a:fillRef>
-          <a:effectRef idx="0">
-            <a:schemeClr val="accent1"/>
-          </a:effectRef>
-          <a:fontRef idx="minor">
-            <a:schemeClr val="tx1"/>
-          </a:fontRef>
-        </p:style>
-      </p:cxnSp>
-      <p:cxnSp>
-        <p:nvCxnSpPr>
-          <p:cNvPr id="66" name="直接箭头连接符 65"/>
-          <p:cNvCxnSpPr>
-            <a:stCxn id="56" idx="3"/>
-            <a:endCxn id="63" idx="1"/>
-          </p:cNvCxnSpPr>
-          <p:nvPr/>
-        </p:nvCxnSpPr>
-        <p:spPr>
-          <a:xfrm flipV="1">
-            <a:off x="7164288" y="2006588"/>
-            <a:ext cx="576064" cy="333164"/>
-          </a:xfrm>
-          <a:prstGeom prst="straightConnector1">
-            <a:avLst/>
-          </a:prstGeom>
-          <a:ln>
-            <a:tailEnd type="triangle"/>
-          </a:ln>
-        </p:spPr>
-        <p:style>
-          <a:lnRef idx="1">
-            <a:schemeClr val="accent1"/>
-          </a:lnRef>
-          <a:fillRef idx="0">
-            <a:schemeClr val="accent1"/>
-          </a:fillRef>
-          <a:effectRef idx="0">
-            <a:schemeClr val="accent1"/>
-          </a:effectRef>
-          <a:fontRef idx="minor">
-            <a:schemeClr val="tx1"/>
-          </a:fontRef>
-        </p:style>
-      </p:cxnSp>
-      <p:sp>
-        <p:nvSpPr>
-          <p:cNvPr id="69" name="云形 68"/>
-          <p:cNvSpPr/>
-          <p:nvPr/>
-        </p:nvSpPr>
-        <p:spPr>
-          <a:xfrm>
-            <a:off x="2699792" y="4283804"/>
-            <a:ext cx="1759025" cy="629816"/>
-          </a:xfrm>
-          <a:prstGeom prst="cloud">
-            <a:avLst/>
-          </a:prstGeom>
-          <a:solidFill>
-            <a:srgbClr val="00B0F0"/>
-          </a:solidFill>
-          <a:ln>
-            <a:noFill/>
-          </a:ln>
-        </p:spPr>
-        <p:style>
-          <a:lnRef idx="2">
-            <a:schemeClr val="accent1">
-              <a:shade val="50000"/>
-            </a:schemeClr>
-          </a:lnRef>
-          <a:fillRef idx="1">
-            <a:schemeClr val="accent1"/>
-          </a:fillRef>
-          <a:effectRef idx="0">
-            <a:schemeClr val="accent1"/>
-          </a:effectRef>
-          <a:fontRef idx="minor">
-            <a:schemeClr val="lt1"/>
-          </a:fontRef>
-        </p:style>
-        <p:txBody>
-          <a:bodyPr rtlCol="0" anchor="ctr"/>
-          <a:lstStyle/>
-          <a:p>
-            <a:pPr algn="ctr"/>
-            <a:r>
-              <a:rPr lang="zh-CN" altLang="en-US" dirty="0" smtClean="0"/>
-              <a:t>如何做到？</a:t>
-            </a:r>
-            <a:endParaRPr lang="zh-CN" altLang="en-US" dirty="0"/>
-          </a:p>
-        </p:txBody>
-      </p:sp>
-      <p:sp>
-        <p:nvSpPr>
-          <p:cNvPr id="70" name="文本框 69"/>
+          <p:cNvPr id="50" name="文本框 49"/>
           <p:cNvSpPr txBox="1"/>
           <p:nvPr/>
         </p:nvSpPr>
         <p:spPr>
           <a:xfrm>
-            <a:off x="2699792" y="5472100"/>
-            <a:ext cx="2592288" cy="369332"/>
+            <a:off x="2087724" y="4139788"/>
+            <a:ext cx="1167904" cy="369332"/>
           </a:xfrm>
           <a:prstGeom prst="rect">
             <a:avLst/>
@@ -14947,75 +13450,23 @@
           <a:lstStyle/>
           <a:p>
             <a:r>
-              <a:rPr lang="zh-CN" altLang="en-US" b="1" dirty="0" smtClean="0">
-                <a:latin typeface="微软雅黑" panose="020B0503020204020204" pitchFamily="34" charset="-122"/>
-                <a:ea typeface="微软雅黑" panose="020B0503020204020204" pitchFamily="34" charset="-122"/>
-              </a:rPr>
-              <a:t>采用协程信号量 </a:t>
-            </a:r>
-            <a:endParaRPr lang="zh-CN" altLang="en-US" b="1" dirty="0">
-              <a:latin typeface="微软雅黑" panose="020B0503020204020204" pitchFamily="34" charset="-122"/>
-              <a:ea typeface="微软雅黑" panose="020B0503020204020204" pitchFamily="34" charset="-122"/>
-            </a:endParaRPr>
+              <a:rPr lang="zh-CN" altLang="en-US" b="1" dirty="0" smtClean="0"/>
+              <a:t>方式一</a:t>
+            </a:r>
+            <a:endParaRPr lang="zh-CN" altLang="en-US" b="1" dirty="0"/>
           </a:p>
         </p:txBody>
       </p:sp>
       <p:sp>
         <p:nvSpPr>
-          <p:cNvPr id="72" name="下箭头 71"/>
-          <p:cNvSpPr/>
-          <p:nvPr/>
-        </p:nvSpPr>
-        <p:spPr>
-          <a:xfrm>
-            <a:off x="3419872" y="4974208"/>
-            <a:ext cx="360040" cy="425884"/>
-          </a:xfrm>
-          <a:prstGeom prst="downArrow">
-            <a:avLst/>
-          </a:prstGeom>
-          <a:solidFill>
-            <a:srgbClr val="92D050"/>
-          </a:solidFill>
-          <a:ln>
-            <a:noFill/>
-          </a:ln>
-        </p:spPr>
-        <p:style>
-          <a:lnRef idx="2">
-            <a:schemeClr val="accent1">
-              <a:shade val="50000"/>
-            </a:schemeClr>
-          </a:lnRef>
-          <a:fillRef idx="1">
-            <a:schemeClr val="accent1"/>
-          </a:fillRef>
-          <a:effectRef idx="0">
-            <a:schemeClr val="accent1"/>
-          </a:effectRef>
-          <a:fontRef idx="minor">
-            <a:schemeClr val="lt1"/>
-          </a:fontRef>
-        </p:style>
-        <p:txBody>
-          <a:bodyPr rtlCol="0" anchor="ctr"/>
-          <a:lstStyle/>
-          <a:p>
-            <a:pPr algn="ctr"/>
-            <a:endParaRPr lang="zh-CN" altLang="en-US"/>
-          </a:p>
-        </p:txBody>
-      </p:sp>
-      <p:sp>
-        <p:nvSpPr>
-          <p:cNvPr id="73" name="文本框 72"/>
+          <p:cNvPr id="51" name="文本框 50"/>
           <p:cNvSpPr txBox="1"/>
           <p:nvPr/>
         </p:nvSpPr>
         <p:spPr>
           <a:xfrm>
-            <a:off x="935596" y="6030580"/>
-            <a:ext cx="4536504" cy="369332"/>
+            <a:off x="6682428" y="4139788"/>
+            <a:ext cx="1167904" cy="369332"/>
           </a:xfrm>
           <a:prstGeom prst="rect">
             <a:avLst/>
@@ -15029,50 +13480,30 @@
           <a:lstStyle/>
           <a:p>
             <a:r>
-              <a:rPr lang="zh-CN" altLang="en-US" sz="1600" b="1" dirty="0" smtClean="0">
-                <a:latin typeface="微软雅黑" panose="020B0503020204020204" pitchFamily="34" charset="-122"/>
-                <a:ea typeface="微软雅黑" panose="020B0503020204020204" pitchFamily="34" charset="-122"/>
-              </a:rPr>
-              <a:t>参见示例</a:t>
-            </a:r>
-            <a:r>
               <a:rPr lang="zh-CN" altLang="en-US" b="1" dirty="0" smtClean="0"/>
-              <a:t>：</a:t>
-            </a:r>
-            <a:r>
-              <a:rPr lang="en-US" altLang="zh-CN" sz="1600" dirty="0" err="1" smtClean="0"/>
-              <a:t>acl</a:t>
-            </a:r>
-            <a:r>
-              <a:rPr lang="en-US" altLang="zh-CN" sz="1600" dirty="0" smtClean="0"/>
-              <a:t>/</a:t>
-            </a:r>
-            <a:r>
-              <a:rPr lang="en-US" altLang="zh-CN" sz="1600" dirty="0" err="1" smtClean="0"/>
-              <a:t>lib_fiber</a:t>
-            </a:r>
-            <a:r>
-              <a:rPr lang="en-US" altLang="zh-CN" sz="1600" dirty="0" smtClean="0"/>
-              <a:t>/samples/</a:t>
-            </a:r>
-            <a:r>
-              <a:rPr lang="en-US" altLang="zh-CN" sz="1600" dirty="0" err="1" smtClean="0"/>
-              <a:t>redis_sem</a:t>
-            </a:r>
-            <a:endParaRPr lang="zh-CN" altLang="en-US" sz="1600" dirty="0"/>
+              <a:t>方式二</a:t>
+            </a:r>
+            <a:endParaRPr lang="zh-CN" altLang="en-US" b="1" dirty="0"/>
           </a:p>
         </p:txBody>
       </p:sp>
     </p:spTree>
     <p:extLst>
       <p:ext uri="{BB962C8B-B14F-4D97-AF65-F5344CB8AC3E}">
-        <p14:creationId xmlns:p14="http://schemas.microsoft.com/office/powerpoint/2010/main" val="724411555"/>
+        <p14:creationId xmlns:p14="http://schemas.microsoft.com/office/powerpoint/2010/main" val="1776261224"/>
       </p:ext>
     </p:extLst>
   </p:cSld>
   <p:clrMapOvr>
     <a:masterClrMapping/>
   </p:clrMapOvr>
+  <p:timing>
+    <p:tnLst>
+      <p:par>
+        <p:cTn id="1" dur="indefinite" restart="never" nodeType="tmRoot"/>
+      </p:par>
+    </p:tnLst>
+  </p:timing>
 </p:sld>
 </file>
 
@@ -15203,6 +13634,13 @@
   <p:clrMapOvr>
     <a:masterClrMapping/>
   </p:clrMapOvr>
+  <p:timing>
+    <p:tnLst>
+      <p:par>
+        <p:cTn id="1" dur="indefinite" restart="never" nodeType="tmRoot"/>
+      </p:par>
+    </p:tnLst>
+  </p:timing>
 </p:sld>
 </file>
 
@@ -15240,7 +13678,7 @@
           <a:p>
             <a:r>
               <a:rPr lang="zh-CN" altLang="en-US" dirty="0" smtClean="0"/>
-              <a:t>协程间通信 </a:t>
+              <a:t>协程挂起与唤醒 </a:t>
             </a:r>
             <a:r>
               <a:rPr lang="en-US" altLang="zh-CN" dirty="0" smtClean="0"/>
@@ -15266,23 +13704,337 @@
         </p:nvSpPr>
         <p:spPr/>
         <p:txBody>
-          <a:bodyPr/>
+          <a:bodyPr>
+            <a:normAutofit fontScale="92500"/>
+          </a:bodyPr>
           <a:lstStyle/>
           <a:p>
-            <a:endParaRPr lang="zh-CN" altLang="en-US"/>
+            <a:r>
+              <a:rPr lang="zh-CN" altLang="en-US" dirty="0" smtClean="0"/>
+              <a:t>一、协程挂起方式</a:t>
+            </a:r>
+            <a:endParaRPr lang="en-US" altLang="zh-CN" dirty="0" smtClean="0"/>
+          </a:p>
+          <a:p>
+            <a:r>
+              <a:rPr lang="en-US" altLang="zh-CN" sz="1800" dirty="0" smtClean="0"/>
+              <a:t>1</a:t>
+            </a:r>
+            <a:r>
+              <a:rPr lang="zh-CN" altLang="en-US" sz="1800" dirty="0" smtClean="0"/>
+              <a:t>、主动让出 </a:t>
+            </a:r>
+            <a:r>
+              <a:rPr lang="en-US" altLang="zh-CN" sz="1800" dirty="0" smtClean="0"/>
+              <a:t>CPU </a:t>
+            </a:r>
+            <a:r>
+              <a:rPr lang="zh-CN" altLang="en-US" sz="1800" dirty="0" smtClean="0"/>
+              <a:t>控制权</a:t>
+            </a:r>
+            <a:endParaRPr lang="en-US" altLang="zh-CN" sz="1800" dirty="0" smtClean="0"/>
+          </a:p>
+          <a:p>
+            <a:r>
+              <a:rPr lang="zh-CN" altLang="en-US" sz="1600" dirty="0" smtClean="0"/>
+              <a:t>当前运行的协程通过调用 </a:t>
+            </a:r>
+            <a:r>
+              <a:rPr lang="en-US" altLang="zh-CN" sz="1600" dirty="0" err="1" smtClean="0"/>
+              <a:t>acl_fiber_yield</a:t>
+            </a:r>
+            <a:r>
+              <a:rPr lang="en-US" altLang="zh-CN" sz="1600" dirty="0" smtClean="0"/>
+              <a:t> </a:t>
+            </a:r>
+            <a:r>
+              <a:rPr lang="zh-CN" altLang="en-US" sz="1600" dirty="0" smtClean="0"/>
+              <a:t>主动让出 </a:t>
+            </a:r>
+            <a:r>
+              <a:rPr lang="en-US" altLang="zh-CN" sz="1600" dirty="0" smtClean="0"/>
+              <a:t>CPU </a:t>
+            </a:r>
+            <a:r>
+              <a:rPr lang="zh-CN" altLang="en-US" sz="1600" dirty="0" smtClean="0"/>
+              <a:t>控制权，协程调度器调用别的协程</a:t>
+            </a:r>
+            <a:endParaRPr lang="en-US" altLang="zh-CN" sz="1600" dirty="0" smtClean="0"/>
+          </a:p>
+          <a:p>
+            <a:r>
+              <a:rPr lang="en-US" altLang="zh-CN" sz="1800" dirty="0" smtClean="0"/>
+              <a:t>2</a:t>
+            </a:r>
+            <a:r>
+              <a:rPr lang="zh-CN" altLang="en-US" sz="1800" dirty="0" smtClean="0"/>
+              <a:t>、指定休眠时间</a:t>
+            </a:r>
+            <a:endParaRPr lang="en-US" altLang="zh-CN" sz="1800" dirty="0" smtClean="0"/>
+          </a:p>
+          <a:p>
+            <a:r>
+              <a:rPr lang="zh-CN" altLang="en-US" sz="1600" dirty="0" smtClean="0"/>
+              <a:t>当前运行的协程通过调用 </a:t>
+            </a:r>
+            <a:r>
+              <a:rPr lang="en-US" altLang="zh-CN" sz="1600" dirty="0" err="1" smtClean="0"/>
+              <a:t>acl_fiber_sleep</a:t>
+            </a:r>
+            <a:r>
+              <a:rPr lang="en-US" altLang="zh-CN" sz="1600" dirty="0" smtClean="0"/>
+              <a:t> </a:t>
+            </a:r>
+            <a:r>
+              <a:rPr lang="zh-CN" altLang="en-US" sz="1600" dirty="0" smtClean="0"/>
+              <a:t>使当前协程休眠指定时间</a:t>
+            </a:r>
+            <a:endParaRPr lang="en-US" altLang="zh-CN" sz="1600" dirty="0" smtClean="0"/>
+          </a:p>
+          <a:p>
+            <a:r>
+              <a:rPr lang="en-US" altLang="zh-CN" sz="1800" dirty="0" smtClean="0"/>
+              <a:t>3</a:t>
+            </a:r>
+            <a:r>
+              <a:rPr lang="zh-CN" altLang="en-US" sz="1800" dirty="0" smtClean="0"/>
+              <a:t>、</a:t>
+            </a:r>
+            <a:r>
+              <a:rPr lang="en-US" altLang="zh-CN" sz="1800" dirty="0" smtClean="0"/>
+              <a:t>IO</a:t>
+            </a:r>
+            <a:r>
+              <a:rPr lang="zh-CN" altLang="en-US" sz="1800" dirty="0" smtClean="0"/>
+              <a:t>阻塞被挂起</a:t>
+            </a:r>
+            <a:endParaRPr lang="en-US" altLang="zh-CN" sz="1800" dirty="0" smtClean="0"/>
+          </a:p>
+          <a:p>
+            <a:r>
+              <a:rPr lang="zh-CN" altLang="en-US" sz="1600" dirty="0" smtClean="0"/>
+              <a:t>当前运行的协程等待</a:t>
+            </a:r>
+            <a:r>
+              <a:rPr lang="en-US" altLang="zh-CN" sz="1600" dirty="0" smtClean="0"/>
+              <a:t>IO</a:t>
+            </a:r>
+            <a:r>
+              <a:rPr lang="zh-CN" altLang="en-US" sz="1600" dirty="0" smtClean="0"/>
+              <a:t>完成时，需要将自身挂起</a:t>
+            </a:r>
+            <a:endParaRPr lang="en-US" altLang="zh-CN" sz="1600" dirty="0" smtClean="0"/>
+          </a:p>
+          <a:p>
+            <a:endParaRPr lang="en-US" altLang="zh-CN" sz="1600" dirty="0" smtClean="0"/>
+          </a:p>
+          <a:p>
+            <a:r>
+              <a:rPr lang="zh-CN" altLang="en-US" dirty="0" smtClean="0"/>
+              <a:t>二、协程唤醒方式</a:t>
+            </a:r>
+            <a:endParaRPr lang="en-US" altLang="zh-CN" dirty="0" smtClean="0"/>
+          </a:p>
+          <a:p>
+            <a:r>
+              <a:rPr lang="en-US" altLang="zh-CN" sz="1800" dirty="0" smtClean="0"/>
+              <a:t>1</a:t>
+            </a:r>
+            <a:r>
+              <a:rPr lang="zh-CN" altLang="en-US" sz="1800" dirty="0" smtClean="0"/>
+              <a:t>、主动 </a:t>
+            </a:r>
+            <a:r>
+              <a:rPr lang="en-US" altLang="zh-CN" sz="1800" dirty="0" smtClean="0"/>
+              <a:t>yield </a:t>
+            </a:r>
+            <a:r>
+              <a:rPr lang="zh-CN" altLang="en-US" sz="1800" dirty="0" smtClean="0"/>
+              <a:t>的协程又重新获得 </a:t>
+            </a:r>
+            <a:r>
+              <a:rPr lang="en-US" altLang="zh-CN" sz="1800" dirty="0" smtClean="0"/>
+              <a:t>CPU </a:t>
+            </a:r>
+            <a:r>
+              <a:rPr lang="zh-CN" altLang="en-US" sz="1800" dirty="0" smtClean="0"/>
+              <a:t>控制权</a:t>
+            </a:r>
+            <a:endParaRPr lang="en-US" altLang="zh-CN" sz="1800" dirty="0" smtClean="0"/>
+          </a:p>
+          <a:p>
+            <a:r>
+              <a:rPr lang="en-US" altLang="zh-CN" sz="1800" dirty="0" smtClean="0"/>
+              <a:t>2</a:t>
+            </a:r>
+            <a:r>
+              <a:rPr lang="zh-CN" altLang="en-US" sz="1800" dirty="0" smtClean="0"/>
+              <a:t>、处于休眠状态的协程时间到达</a:t>
+            </a:r>
+            <a:endParaRPr lang="en-US" altLang="zh-CN" sz="1800" dirty="0" smtClean="0"/>
+          </a:p>
+          <a:p>
+            <a:r>
+              <a:rPr lang="en-US" altLang="zh-CN" sz="1800" dirty="0" smtClean="0"/>
+              <a:t>3</a:t>
+            </a:r>
+            <a:r>
+              <a:rPr lang="zh-CN" altLang="en-US" sz="1800" dirty="0" smtClean="0"/>
+              <a:t>、因</a:t>
+            </a:r>
+            <a:r>
+              <a:rPr lang="en-US" altLang="zh-CN" sz="1800" dirty="0" smtClean="0"/>
+              <a:t>IO</a:t>
+            </a:r>
+            <a:r>
+              <a:rPr lang="zh-CN" altLang="en-US" sz="1800" dirty="0" smtClean="0"/>
+              <a:t>阻塞而被挂起的协程因</a:t>
+            </a:r>
+            <a:r>
+              <a:rPr lang="en-US" altLang="zh-CN" sz="1800" dirty="0" smtClean="0"/>
+              <a:t>IO</a:t>
+            </a:r>
+            <a:r>
+              <a:rPr lang="zh-CN" altLang="en-US" sz="1800" dirty="0" smtClean="0"/>
+              <a:t>准备好而被唤醒</a:t>
+            </a:r>
+            <a:endParaRPr lang="en-US" altLang="zh-CN" sz="1800" dirty="0"/>
+          </a:p>
+          <a:p>
+            <a:endParaRPr lang="en-US" altLang="zh-CN" sz="1800" dirty="0" smtClean="0"/>
+          </a:p>
+          <a:p>
+            <a:r>
+              <a:rPr lang="zh-CN" altLang="en-US" sz="1800" dirty="0" smtClean="0"/>
+              <a:t>示例参考：</a:t>
+            </a:r>
+            <a:endParaRPr lang="en-US" altLang="zh-CN" sz="1800" dirty="0" smtClean="0"/>
+          </a:p>
+          <a:p>
+            <a:r>
+              <a:rPr lang="en-US" altLang="zh-CN" sz="1500" dirty="0" smtClean="0"/>
+              <a:t>1</a:t>
+            </a:r>
+            <a:r>
+              <a:rPr lang="zh-CN" altLang="en-US" sz="1500" dirty="0" smtClean="0"/>
+              <a:t>、</a:t>
+            </a:r>
+            <a:r>
+              <a:rPr lang="en-US" altLang="zh-CN" sz="1500" dirty="0" smtClean="0"/>
+              <a:t>yield </a:t>
+            </a:r>
+            <a:r>
+              <a:rPr lang="zh-CN" altLang="en-US" sz="1500" dirty="0" smtClean="0"/>
+              <a:t>方式：</a:t>
+            </a:r>
+            <a:r>
+              <a:rPr lang="en-US" altLang="zh-CN" sz="1500" dirty="0" err="1" smtClean="0"/>
+              <a:t>acl</a:t>
+            </a:r>
+            <a:r>
+              <a:rPr lang="en-US" altLang="zh-CN" sz="1500" dirty="0" smtClean="0"/>
+              <a:t>/</a:t>
+            </a:r>
+            <a:r>
+              <a:rPr lang="en-US" altLang="zh-CN" sz="1500" dirty="0" err="1" smtClean="0"/>
+              <a:t>lib_fiber</a:t>
+            </a:r>
+            <a:r>
+              <a:rPr lang="en-US" altLang="zh-CN" sz="1500" dirty="0" smtClean="0"/>
+              <a:t>/samples/fiber</a:t>
+            </a:r>
+          </a:p>
+          <a:p>
+            <a:r>
+              <a:rPr lang="en-US" altLang="zh-CN" sz="1500" dirty="0" smtClean="0"/>
+              <a:t>2</a:t>
+            </a:r>
+            <a:r>
+              <a:rPr lang="zh-CN" altLang="en-US" sz="1500" dirty="0" smtClean="0"/>
+              <a:t>、</a:t>
+            </a:r>
+            <a:r>
+              <a:rPr lang="en-US" altLang="zh-CN" sz="1500" dirty="0" smtClean="0"/>
+              <a:t>sleep </a:t>
+            </a:r>
+            <a:r>
+              <a:rPr lang="zh-CN" altLang="en-US" sz="1500" dirty="0" smtClean="0"/>
+              <a:t>方式：</a:t>
+            </a:r>
+            <a:r>
+              <a:rPr lang="en-US" altLang="zh-CN" sz="1500" dirty="0" err="1" smtClean="0"/>
+              <a:t>acl</a:t>
+            </a:r>
+            <a:r>
+              <a:rPr lang="en-US" altLang="zh-CN" sz="1500" dirty="0" smtClean="0"/>
+              <a:t>/</a:t>
+            </a:r>
+            <a:r>
+              <a:rPr lang="en-US" altLang="zh-CN" sz="1500" dirty="0" err="1" smtClean="0"/>
+              <a:t>lib_fiber</a:t>
+            </a:r>
+            <a:r>
+              <a:rPr lang="en-US" altLang="zh-CN" sz="1500" dirty="0" smtClean="0"/>
+              <a:t>/samples/sleep</a:t>
+            </a:r>
+          </a:p>
+          <a:p>
+            <a:r>
+              <a:rPr lang="en-US" altLang="zh-CN" sz="1500" dirty="0" smtClean="0"/>
+              <a:t>3</a:t>
+            </a:r>
+            <a:r>
+              <a:rPr lang="zh-CN" altLang="en-US" sz="1500" dirty="0" smtClean="0"/>
+              <a:t>、</a:t>
+            </a:r>
+            <a:r>
+              <a:rPr lang="en-US" altLang="zh-CN" sz="1500" dirty="0" smtClean="0"/>
+              <a:t>IO </a:t>
+            </a:r>
+            <a:r>
+              <a:rPr lang="zh-CN" altLang="en-US" sz="1500" dirty="0" smtClean="0"/>
+              <a:t>方式：</a:t>
+            </a:r>
+            <a:r>
+              <a:rPr lang="en-US" altLang="zh-CN" sz="1500" dirty="0" err="1"/>
+              <a:t>acl</a:t>
+            </a:r>
+            <a:r>
+              <a:rPr lang="en-US" altLang="zh-CN" sz="1500" dirty="0"/>
+              <a:t>/</a:t>
+            </a:r>
+            <a:r>
+              <a:rPr lang="en-US" altLang="zh-CN" sz="1500" dirty="0" err="1"/>
+              <a:t>lib_fiber</a:t>
+            </a:r>
+            <a:r>
+              <a:rPr lang="en-US" altLang="zh-CN" sz="1500" dirty="0"/>
+              <a:t>/samples/select</a:t>
+            </a:r>
+            <a:endParaRPr lang="en-US" altLang="zh-CN" sz="1500" dirty="0" smtClean="0"/>
+          </a:p>
+          <a:p>
+            <a:endParaRPr lang="zh-CN" altLang="en-US" dirty="0"/>
           </a:p>
         </p:txBody>
       </p:sp>
     </p:spTree>
     <p:extLst>
       <p:ext uri="{BB962C8B-B14F-4D97-AF65-F5344CB8AC3E}">
-        <p14:creationId xmlns:p14="http://schemas.microsoft.com/office/powerpoint/2010/main" val="1199947123"/>
+        <p14:creationId xmlns:p14="http://schemas.microsoft.com/office/powerpoint/2010/main" val="3968761340"/>
       </p:ext>
     </p:extLst>
   </p:cSld>
   <p:clrMapOvr>
     <a:masterClrMapping/>
   </p:clrMapOvr>
+  <p:timing>
+    <p:tnLst>
+      <p:par>
+        <p:cTn id="1" dur="indefinite" restart="never" nodeType="tmRoot"/>
+      </p:par>
+    </p:tnLst>
+  </p:timing>
 </p:sld>
 </file>
 
@@ -15320,7 +14072,7 @@
           <a:p>
             <a:r>
               <a:rPr lang="zh-CN" altLang="en-US" dirty="0" smtClean="0"/>
-              <a:t>线程间通信 </a:t>
+              <a:t>过载保护 </a:t>
             </a:r>
             <a:r>
               <a:rPr lang="en-US" altLang="zh-CN" dirty="0" smtClean="0"/>
@@ -15344,25 +14096,1822 @@
             <p:ph idx="1"/>
           </p:nvPr>
         </p:nvSpPr>
-        <p:spPr/>
+        <p:spPr>
+          <a:xfrm>
+            <a:off x="457201" y="3302732"/>
+            <a:ext cx="8229600" cy="909228"/>
+          </a:xfrm>
+        </p:spPr>
         <p:txBody>
-          <a:bodyPr/>
+          <a:bodyPr>
+            <a:normAutofit/>
+          </a:bodyPr>
           <a:lstStyle/>
           <a:p>
+            <a:r>
+              <a:rPr lang="zh-CN" altLang="en-US" sz="1600" dirty="0" smtClean="0"/>
+              <a:t>协程服务模块</a:t>
+            </a:r>
+            <a:r>
+              <a:rPr lang="zh-CN" altLang="en-US" sz="1600" dirty="0"/>
+              <a:t>本身</a:t>
+            </a:r>
+            <a:r>
+              <a:rPr lang="zh-CN" altLang="en-US" sz="1600" dirty="0" smtClean="0"/>
+              <a:t>支持大并发</a:t>
+            </a:r>
+            <a:endParaRPr lang="en-US" altLang="zh-CN" sz="1600" dirty="0" smtClean="0"/>
+          </a:p>
+          <a:p>
+            <a:r>
+              <a:rPr lang="zh-CN" altLang="en-US" sz="1600" b="1" dirty="0" smtClean="0"/>
+              <a:t>协程服务模块连接后端服务</a:t>
+            </a:r>
+            <a:r>
+              <a:rPr lang="zh-CN" altLang="en-US" sz="1600" b="1" dirty="0" smtClean="0"/>
+              <a:t>时限制</a:t>
+            </a:r>
+            <a:r>
+              <a:rPr lang="zh-CN" altLang="en-US" sz="1600" b="1" dirty="0" smtClean="0"/>
+              <a:t>连接数</a:t>
+            </a:r>
+            <a:endParaRPr lang="zh-CN" altLang="en-US" sz="1600" b="1" dirty="0"/>
+          </a:p>
+        </p:txBody>
+      </p:sp>
+      <p:sp>
+        <p:nvSpPr>
+          <p:cNvPr id="4" name="椭圆 3"/>
+          <p:cNvSpPr/>
+          <p:nvPr/>
+        </p:nvSpPr>
+        <p:spPr>
+          <a:xfrm>
+            <a:off x="827584" y="1313384"/>
+            <a:ext cx="576064" cy="360040"/>
+          </a:xfrm>
+          <a:prstGeom prst="ellipse">
+            <a:avLst/>
+          </a:prstGeom>
+          <a:solidFill>
+            <a:schemeClr val="accent2">
+              <a:lumMod val="75000"/>
+            </a:schemeClr>
+          </a:solidFill>
+          <a:ln>
+            <a:noFill/>
+          </a:ln>
+        </p:spPr>
+        <p:style>
+          <a:lnRef idx="2">
+            <a:schemeClr val="accent1">
+              <a:shade val="50000"/>
+            </a:schemeClr>
+          </a:lnRef>
+          <a:fillRef idx="1">
+            <a:schemeClr val="accent1"/>
+          </a:fillRef>
+          <a:effectRef idx="0">
+            <a:schemeClr val="accent1"/>
+          </a:effectRef>
+          <a:fontRef idx="minor">
+            <a:schemeClr val="lt1"/>
+          </a:fontRef>
+        </p:style>
+        <p:txBody>
+          <a:bodyPr rtlCol="0" anchor="ctr"/>
+          <a:lstStyle/>
+          <a:p>
+            <a:pPr algn="ctr"/>
+            <a:r>
+              <a:rPr lang="en-US" altLang="zh-CN" dirty="0" smtClean="0"/>
+              <a:t>C</a:t>
+            </a:r>
+            <a:endParaRPr lang="zh-CN" altLang="en-US" dirty="0"/>
+          </a:p>
+        </p:txBody>
+      </p:sp>
+      <p:sp>
+        <p:nvSpPr>
+          <p:cNvPr id="5" name="椭圆 4"/>
+          <p:cNvSpPr/>
+          <p:nvPr/>
+        </p:nvSpPr>
+        <p:spPr>
+          <a:xfrm>
+            <a:off x="827584" y="1754560"/>
+            <a:ext cx="576064" cy="360040"/>
+          </a:xfrm>
+          <a:prstGeom prst="ellipse">
+            <a:avLst/>
+          </a:prstGeom>
+          <a:solidFill>
+            <a:schemeClr val="accent2">
+              <a:lumMod val="75000"/>
+            </a:schemeClr>
+          </a:solidFill>
+          <a:ln>
+            <a:noFill/>
+          </a:ln>
+        </p:spPr>
+        <p:style>
+          <a:lnRef idx="2">
+            <a:schemeClr val="accent1">
+              <a:shade val="50000"/>
+            </a:schemeClr>
+          </a:lnRef>
+          <a:fillRef idx="1">
+            <a:schemeClr val="accent1"/>
+          </a:fillRef>
+          <a:effectRef idx="0">
+            <a:schemeClr val="accent1"/>
+          </a:effectRef>
+          <a:fontRef idx="minor">
+            <a:schemeClr val="lt1"/>
+          </a:fontRef>
+        </p:style>
+        <p:txBody>
+          <a:bodyPr rtlCol="0" anchor="ctr"/>
+          <a:lstStyle/>
+          <a:p>
+            <a:pPr algn="ctr"/>
+            <a:r>
+              <a:rPr lang="en-US" altLang="zh-CN" dirty="0" smtClean="0"/>
+              <a:t>C</a:t>
+            </a:r>
+            <a:endParaRPr lang="zh-CN" altLang="en-US" dirty="0"/>
+          </a:p>
+        </p:txBody>
+      </p:sp>
+      <p:sp>
+        <p:nvSpPr>
+          <p:cNvPr id="6" name="椭圆 5"/>
+          <p:cNvSpPr/>
+          <p:nvPr/>
+        </p:nvSpPr>
+        <p:spPr>
+          <a:xfrm>
+            <a:off x="827584" y="2195736"/>
+            <a:ext cx="576064" cy="360040"/>
+          </a:xfrm>
+          <a:prstGeom prst="ellipse">
+            <a:avLst/>
+          </a:prstGeom>
+          <a:solidFill>
+            <a:schemeClr val="accent2">
+              <a:lumMod val="75000"/>
+            </a:schemeClr>
+          </a:solidFill>
+          <a:ln>
+            <a:noFill/>
+          </a:ln>
+        </p:spPr>
+        <p:style>
+          <a:lnRef idx="2">
+            <a:schemeClr val="accent1">
+              <a:shade val="50000"/>
+            </a:schemeClr>
+          </a:lnRef>
+          <a:fillRef idx="1">
+            <a:schemeClr val="accent1"/>
+          </a:fillRef>
+          <a:effectRef idx="0">
+            <a:schemeClr val="accent1"/>
+          </a:effectRef>
+          <a:fontRef idx="minor">
+            <a:schemeClr val="lt1"/>
+          </a:fontRef>
+        </p:style>
+        <p:txBody>
+          <a:bodyPr rtlCol="0" anchor="ctr"/>
+          <a:lstStyle/>
+          <a:p>
+            <a:pPr algn="ctr"/>
+            <a:r>
+              <a:rPr lang="en-US" altLang="zh-CN" dirty="0" smtClean="0"/>
+              <a:t>C</a:t>
+            </a:r>
+            <a:endParaRPr lang="zh-CN" altLang="en-US" dirty="0"/>
+          </a:p>
+        </p:txBody>
+      </p:sp>
+      <p:sp>
+        <p:nvSpPr>
+          <p:cNvPr id="7" name="椭圆 6"/>
+          <p:cNvSpPr/>
+          <p:nvPr/>
+        </p:nvSpPr>
+        <p:spPr>
+          <a:xfrm>
+            <a:off x="827584" y="2636912"/>
+            <a:ext cx="576064" cy="360040"/>
+          </a:xfrm>
+          <a:prstGeom prst="ellipse">
+            <a:avLst/>
+          </a:prstGeom>
+          <a:solidFill>
+            <a:schemeClr val="accent2">
+              <a:lumMod val="75000"/>
+            </a:schemeClr>
+          </a:solidFill>
+          <a:ln>
+            <a:noFill/>
+          </a:ln>
+        </p:spPr>
+        <p:style>
+          <a:lnRef idx="2">
+            <a:schemeClr val="accent1">
+              <a:shade val="50000"/>
+            </a:schemeClr>
+          </a:lnRef>
+          <a:fillRef idx="1">
+            <a:schemeClr val="accent1"/>
+          </a:fillRef>
+          <a:effectRef idx="0">
+            <a:schemeClr val="accent1"/>
+          </a:effectRef>
+          <a:fontRef idx="minor">
+            <a:schemeClr val="lt1"/>
+          </a:fontRef>
+        </p:style>
+        <p:txBody>
+          <a:bodyPr rtlCol="0" anchor="ctr"/>
+          <a:lstStyle/>
+          <a:p>
+            <a:pPr algn="ctr"/>
+            <a:r>
+              <a:rPr lang="en-US" altLang="zh-CN" dirty="0" smtClean="0"/>
+              <a:t>C</a:t>
+            </a:r>
+            <a:endParaRPr lang="zh-CN" altLang="en-US" dirty="0"/>
+          </a:p>
+        </p:txBody>
+      </p:sp>
+      <p:sp>
+        <p:nvSpPr>
+          <p:cNvPr id="9" name="矩形 8"/>
+          <p:cNvSpPr/>
+          <p:nvPr/>
+        </p:nvSpPr>
+        <p:spPr>
+          <a:xfrm>
+            <a:off x="1835696" y="1385392"/>
+            <a:ext cx="792088" cy="288032"/>
+          </a:xfrm>
+          <a:prstGeom prst="rect">
+            <a:avLst/>
+          </a:prstGeom>
+          <a:solidFill>
+            <a:srgbClr val="00B050"/>
+          </a:solidFill>
+          <a:ln>
+            <a:noFill/>
+          </a:ln>
+        </p:spPr>
+        <p:style>
+          <a:lnRef idx="2">
+            <a:schemeClr val="accent1">
+              <a:shade val="50000"/>
+            </a:schemeClr>
+          </a:lnRef>
+          <a:fillRef idx="1">
+            <a:schemeClr val="accent1"/>
+          </a:fillRef>
+          <a:effectRef idx="0">
+            <a:schemeClr val="accent1"/>
+          </a:effectRef>
+          <a:fontRef idx="minor">
+            <a:schemeClr val="lt1"/>
+          </a:fontRef>
+        </p:style>
+        <p:txBody>
+          <a:bodyPr rtlCol="0" anchor="ctr"/>
+          <a:lstStyle/>
+          <a:p>
+            <a:pPr algn="ctr"/>
+            <a:r>
+              <a:rPr lang="en-US" altLang="zh-CN" sz="1400" dirty="0" smtClean="0"/>
+              <a:t>Fiber</a:t>
+            </a:r>
+            <a:endParaRPr lang="zh-CN" altLang="en-US" sz="1400" dirty="0"/>
+          </a:p>
+        </p:txBody>
+      </p:sp>
+      <p:sp>
+        <p:nvSpPr>
+          <p:cNvPr id="10" name="矩形 9"/>
+          <p:cNvSpPr/>
+          <p:nvPr/>
+        </p:nvSpPr>
+        <p:spPr>
+          <a:xfrm>
+            <a:off x="1835696" y="1790564"/>
+            <a:ext cx="792088" cy="288032"/>
+          </a:xfrm>
+          <a:prstGeom prst="rect">
+            <a:avLst/>
+          </a:prstGeom>
+          <a:solidFill>
+            <a:srgbClr val="00B050"/>
+          </a:solidFill>
+          <a:ln>
+            <a:noFill/>
+          </a:ln>
+        </p:spPr>
+        <p:style>
+          <a:lnRef idx="2">
+            <a:schemeClr val="accent1">
+              <a:shade val="50000"/>
+            </a:schemeClr>
+          </a:lnRef>
+          <a:fillRef idx="1">
+            <a:schemeClr val="accent1"/>
+          </a:fillRef>
+          <a:effectRef idx="0">
+            <a:schemeClr val="accent1"/>
+          </a:effectRef>
+          <a:fontRef idx="minor">
+            <a:schemeClr val="lt1"/>
+          </a:fontRef>
+        </p:style>
+        <p:txBody>
+          <a:bodyPr rtlCol="0" anchor="ctr"/>
+          <a:lstStyle/>
+          <a:p>
+            <a:pPr algn="ctr"/>
+            <a:r>
+              <a:rPr lang="en-US" altLang="zh-CN" sz="1400" dirty="0"/>
+              <a:t>Fiber</a:t>
+            </a:r>
+            <a:endParaRPr lang="zh-CN" altLang="en-US" sz="1400" dirty="0"/>
+          </a:p>
+        </p:txBody>
+      </p:sp>
+      <p:sp>
+        <p:nvSpPr>
+          <p:cNvPr id="11" name="矩形 10"/>
+          <p:cNvSpPr/>
+          <p:nvPr/>
+        </p:nvSpPr>
+        <p:spPr>
+          <a:xfrm>
+            <a:off x="1835696" y="2195736"/>
+            <a:ext cx="792088" cy="288032"/>
+          </a:xfrm>
+          <a:prstGeom prst="rect">
+            <a:avLst/>
+          </a:prstGeom>
+          <a:solidFill>
+            <a:srgbClr val="00B050"/>
+          </a:solidFill>
+          <a:ln>
+            <a:noFill/>
+          </a:ln>
+        </p:spPr>
+        <p:style>
+          <a:lnRef idx="2">
+            <a:schemeClr val="accent1">
+              <a:shade val="50000"/>
+            </a:schemeClr>
+          </a:lnRef>
+          <a:fillRef idx="1">
+            <a:schemeClr val="accent1"/>
+          </a:fillRef>
+          <a:effectRef idx="0">
+            <a:schemeClr val="accent1"/>
+          </a:effectRef>
+          <a:fontRef idx="minor">
+            <a:schemeClr val="lt1"/>
+          </a:fontRef>
+        </p:style>
+        <p:txBody>
+          <a:bodyPr rtlCol="0" anchor="ctr"/>
+          <a:lstStyle/>
+          <a:p>
+            <a:pPr algn="ctr"/>
+            <a:r>
+              <a:rPr lang="en-US" altLang="zh-CN" sz="1400" dirty="0"/>
+              <a:t>Fiber</a:t>
+            </a:r>
+            <a:endParaRPr lang="zh-CN" altLang="en-US" sz="1400" dirty="0"/>
+          </a:p>
+        </p:txBody>
+      </p:sp>
+      <p:sp>
+        <p:nvSpPr>
+          <p:cNvPr id="12" name="矩形 11"/>
+          <p:cNvSpPr/>
+          <p:nvPr/>
+        </p:nvSpPr>
+        <p:spPr>
+          <a:xfrm>
+            <a:off x="1835696" y="2602396"/>
+            <a:ext cx="792088" cy="288032"/>
+          </a:xfrm>
+          <a:prstGeom prst="rect">
+            <a:avLst/>
+          </a:prstGeom>
+          <a:solidFill>
+            <a:srgbClr val="00B050"/>
+          </a:solidFill>
+          <a:ln>
+            <a:noFill/>
+          </a:ln>
+        </p:spPr>
+        <p:style>
+          <a:lnRef idx="2">
+            <a:schemeClr val="accent1">
+              <a:shade val="50000"/>
+            </a:schemeClr>
+          </a:lnRef>
+          <a:fillRef idx="1">
+            <a:schemeClr val="accent1"/>
+          </a:fillRef>
+          <a:effectRef idx="0">
+            <a:schemeClr val="accent1"/>
+          </a:effectRef>
+          <a:fontRef idx="minor">
+            <a:schemeClr val="lt1"/>
+          </a:fontRef>
+        </p:style>
+        <p:txBody>
+          <a:bodyPr rtlCol="0" anchor="ctr"/>
+          <a:lstStyle/>
+          <a:p>
+            <a:pPr algn="ctr"/>
+            <a:r>
+              <a:rPr lang="en-US" altLang="zh-CN" sz="1400" dirty="0"/>
+              <a:t>Fiber</a:t>
+            </a:r>
+            <a:endParaRPr lang="zh-CN" altLang="en-US" sz="1400" dirty="0"/>
+          </a:p>
+        </p:txBody>
+      </p:sp>
+      <p:sp>
+        <p:nvSpPr>
+          <p:cNvPr id="13" name="矩形 12"/>
+          <p:cNvSpPr/>
+          <p:nvPr/>
+        </p:nvSpPr>
+        <p:spPr>
+          <a:xfrm>
+            <a:off x="1763688" y="1313384"/>
+            <a:ext cx="936104" cy="1683568"/>
+          </a:xfrm>
+          <a:prstGeom prst="rect">
+            <a:avLst/>
+          </a:prstGeom>
+          <a:noFill/>
+          <a:ln>
+            <a:solidFill>
+              <a:schemeClr val="tx1"/>
+            </a:solidFill>
+            <a:prstDash val="dashDot"/>
+          </a:ln>
+        </p:spPr>
+        <p:style>
+          <a:lnRef idx="2">
+            <a:schemeClr val="accent1">
+              <a:shade val="50000"/>
+            </a:schemeClr>
+          </a:lnRef>
+          <a:fillRef idx="1">
+            <a:schemeClr val="accent1"/>
+          </a:fillRef>
+          <a:effectRef idx="0">
+            <a:schemeClr val="accent1"/>
+          </a:effectRef>
+          <a:fontRef idx="minor">
+            <a:schemeClr val="lt1"/>
+          </a:fontRef>
+        </p:style>
+        <p:txBody>
+          <a:bodyPr rtlCol="0" anchor="ctr"/>
+          <a:lstStyle/>
+          <a:p>
+            <a:pPr algn="ctr"/>
             <a:endParaRPr lang="zh-CN" altLang="en-US"/>
+          </a:p>
+        </p:txBody>
+      </p:sp>
+      <p:cxnSp>
+        <p:nvCxnSpPr>
+          <p:cNvPr id="15" name="直接箭头连接符 14"/>
+          <p:cNvCxnSpPr>
+            <a:stCxn id="4" idx="6"/>
+            <a:endCxn id="9" idx="1"/>
+          </p:cNvCxnSpPr>
+          <p:nvPr/>
+        </p:nvCxnSpPr>
+        <p:spPr>
+          <a:xfrm>
+            <a:off x="1403648" y="1493404"/>
+            <a:ext cx="432048" cy="36004"/>
+          </a:xfrm>
+          <a:prstGeom prst="straightConnector1">
+            <a:avLst/>
+          </a:prstGeom>
+          <a:ln>
+            <a:tailEnd type="triangle"/>
+          </a:ln>
+        </p:spPr>
+        <p:style>
+          <a:lnRef idx="1">
+            <a:schemeClr val="accent1"/>
+          </a:lnRef>
+          <a:fillRef idx="0">
+            <a:schemeClr val="accent1"/>
+          </a:fillRef>
+          <a:effectRef idx="0">
+            <a:schemeClr val="accent1"/>
+          </a:effectRef>
+          <a:fontRef idx="minor">
+            <a:schemeClr val="tx1"/>
+          </a:fontRef>
+        </p:style>
+      </p:cxnSp>
+      <p:cxnSp>
+        <p:nvCxnSpPr>
+          <p:cNvPr id="17" name="直接箭头连接符 16"/>
+          <p:cNvCxnSpPr>
+            <a:stCxn id="5" idx="6"/>
+            <a:endCxn id="10" idx="1"/>
+          </p:cNvCxnSpPr>
+          <p:nvPr/>
+        </p:nvCxnSpPr>
+        <p:spPr>
+          <a:xfrm>
+            <a:off x="1403648" y="1934580"/>
+            <a:ext cx="432048" cy="0"/>
+          </a:xfrm>
+          <a:prstGeom prst="straightConnector1">
+            <a:avLst/>
+          </a:prstGeom>
+          <a:ln>
+            <a:tailEnd type="triangle"/>
+          </a:ln>
+        </p:spPr>
+        <p:style>
+          <a:lnRef idx="1">
+            <a:schemeClr val="accent1"/>
+          </a:lnRef>
+          <a:fillRef idx="0">
+            <a:schemeClr val="accent1"/>
+          </a:fillRef>
+          <a:effectRef idx="0">
+            <a:schemeClr val="accent1"/>
+          </a:effectRef>
+          <a:fontRef idx="minor">
+            <a:schemeClr val="tx1"/>
+          </a:fontRef>
+        </p:style>
+      </p:cxnSp>
+      <p:cxnSp>
+        <p:nvCxnSpPr>
+          <p:cNvPr id="19" name="直接箭头连接符 18"/>
+          <p:cNvCxnSpPr>
+            <a:stCxn id="6" idx="6"/>
+            <a:endCxn id="11" idx="1"/>
+          </p:cNvCxnSpPr>
+          <p:nvPr/>
+        </p:nvCxnSpPr>
+        <p:spPr>
+          <a:xfrm flipV="1">
+            <a:off x="1403648" y="2339752"/>
+            <a:ext cx="432048" cy="36004"/>
+          </a:xfrm>
+          <a:prstGeom prst="straightConnector1">
+            <a:avLst/>
+          </a:prstGeom>
+          <a:ln>
+            <a:tailEnd type="triangle"/>
+          </a:ln>
+        </p:spPr>
+        <p:style>
+          <a:lnRef idx="1">
+            <a:schemeClr val="accent1"/>
+          </a:lnRef>
+          <a:fillRef idx="0">
+            <a:schemeClr val="accent1"/>
+          </a:fillRef>
+          <a:effectRef idx="0">
+            <a:schemeClr val="accent1"/>
+          </a:effectRef>
+          <a:fontRef idx="minor">
+            <a:schemeClr val="tx1"/>
+          </a:fontRef>
+        </p:style>
+      </p:cxnSp>
+      <p:cxnSp>
+        <p:nvCxnSpPr>
+          <p:cNvPr id="21" name="直接箭头连接符 20"/>
+          <p:cNvCxnSpPr>
+            <a:stCxn id="7" idx="6"/>
+            <a:endCxn id="12" idx="1"/>
+          </p:cNvCxnSpPr>
+          <p:nvPr/>
+        </p:nvCxnSpPr>
+        <p:spPr>
+          <a:xfrm flipV="1">
+            <a:off x="1403648" y="2746412"/>
+            <a:ext cx="432048" cy="70520"/>
+          </a:xfrm>
+          <a:prstGeom prst="straightConnector1">
+            <a:avLst/>
+          </a:prstGeom>
+          <a:ln>
+            <a:tailEnd type="triangle"/>
+          </a:ln>
+        </p:spPr>
+        <p:style>
+          <a:lnRef idx="1">
+            <a:schemeClr val="accent1"/>
+          </a:lnRef>
+          <a:fillRef idx="0">
+            <a:schemeClr val="accent1"/>
+          </a:fillRef>
+          <a:effectRef idx="0">
+            <a:schemeClr val="accent1"/>
+          </a:effectRef>
+          <a:fontRef idx="minor">
+            <a:schemeClr val="tx1"/>
+          </a:fontRef>
+        </p:style>
+      </p:cxnSp>
+      <p:sp>
+        <p:nvSpPr>
+          <p:cNvPr id="22" name="圆角矩形 21"/>
+          <p:cNvSpPr/>
+          <p:nvPr/>
+        </p:nvSpPr>
+        <p:spPr>
+          <a:xfrm>
+            <a:off x="3203848" y="1673424"/>
+            <a:ext cx="792088" cy="666328"/>
+          </a:xfrm>
+          <a:prstGeom prst="roundRect">
+            <a:avLst/>
+          </a:prstGeom>
+          <a:solidFill>
+            <a:srgbClr val="0070C0"/>
+          </a:solidFill>
+          <a:ln>
+            <a:noFill/>
+          </a:ln>
+        </p:spPr>
+        <p:style>
+          <a:lnRef idx="2">
+            <a:schemeClr val="accent1">
+              <a:shade val="50000"/>
+            </a:schemeClr>
+          </a:lnRef>
+          <a:fillRef idx="1">
+            <a:schemeClr val="accent1"/>
+          </a:fillRef>
+          <a:effectRef idx="0">
+            <a:schemeClr val="accent1"/>
+          </a:effectRef>
+          <a:fontRef idx="minor">
+            <a:schemeClr val="lt1"/>
+          </a:fontRef>
+        </p:style>
+        <p:txBody>
+          <a:bodyPr rtlCol="0" anchor="ctr"/>
+          <a:lstStyle/>
+          <a:p>
+            <a:pPr algn="ctr"/>
+            <a:r>
+              <a:rPr lang="en-US" altLang="zh-CN" sz="1600" dirty="0" err="1" smtClean="0"/>
+              <a:t>Mysql</a:t>
+            </a:r>
+            <a:endParaRPr lang="zh-CN" altLang="en-US" sz="1600" dirty="0"/>
+          </a:p>
+        </p:txBody>
+      </p:sp>
+      <p:cxnSp>
+        <p:nvCxnSpPr>
+          <p:cNvPr id="24" name="直接箭头连接符 23"/>
+          <p:cNvCxnSpPr>
+            <a:stCxn id="9" idx="3"/>
+            <a:endCxn id="22" idx="1"/>
+          </p:cNvCxnSpPr>
+          <p:nvPr/>
+        </p:nvCxnSpPr>
+        <p:spPr>
+          <a:xfrm>
+            <a:off x="2627784" y="1529408"/>
+            <a:ext cx="576064" cy="477180"/>
+          </a:xfrm>
+          <a:prstGeom prst="straightConnector1">
+            <a:avLst/>
+          </a:prstGeom>
+          <a:ln>
+            <a:tailEnd type="triangle"/>
+          </a:ln>
+        </p:spPr>
+        <p:style>
+          <a:lnRef idx="1">
+            <a:schemeClr val="accent1"/>
+          </a:lnRef>
+          <a:fillRef idx="0">
+            <a:schemeClr val="accent1"/>
+          </a:fillRef>
+          <a:effectRef idx="0">
+            <a:schemeClr val="accent1"/>
+          </a:effectRef>
+          <a:fontRef idx="minor">
+            <a:schemeClr val="tx1"/>
+          </a:fontRef>
+        </p:style>
+      </p:cxnSp>
+      <p:cxnSp>
+        <p:nvCxnSpPr>
+          <p:cNvPr id="26" name="直接箭头连接符 25"/>
+          <p:cNvCxnSpPr>
+            <a:stCxn id="10" idx="3"/>
+            <a:endCxn id="22" idx="1"/>
+          </p:cNvCxnSpPr>
+          <p:nvPr/>
+        </p:nvCxnSpPr>
+        <p:spPr>
+          <a:xfrm>
+            <a:off x="2627784" y="1934580"/>
+            <a:ext cx="576064" cy="72008"/>
+          </a:xfrm>
+          <a:prstGeom prst="straightConnector1">
+            <a:avLst/>
+          </a:prstGeom>
+          <a:ln>
+            <a:tailEnd type="triangle"/>
+          </a:ln>
+        </p:spPr>
+        <p:style>
+          <a:lnRef idx="1">
+            <a:schemeClr val="accent1"/>
+          </a:lnRef>
+          <a:fillRef idx="0">
+            <a:schemeClr val="accent1"/>
+          </a:fillRef>
+          <a:effectRef idx="0">
+            <a:schemeClr val="accent1"/>
+          </a:effectRef>
+          <a:fontRef idx="minor">
+            <a:schemeClr val="tx1"/>
+          </a:fontRef>
+        </p:style>
+      </p:cxnSp>
+      <p:cxnSp>
+        <p:nvCxnSpPr>
+          <p:cNvPr id="28" name="直接箭头连接符 27"/>
+          <p:cNvCxnSpPr>
+            <a:stCxn id="11" idx="3"/>
+            <a:endCxn id="22" idx="1"/>
+          </p:cNvCxnSpPr>
+          <p:nvPr/>
+        </p:nvCxnSpPr>
+        <p:spPr>
+          <a:xfrm flipV="1">
+            <a:off x="2627784" y="2006588"/>
+            <a:ext cx="576064" cy="333164"/>
+          </a:xfrm>
+          <a:prstGeom prst="straightConnector1">
+            <a:avLst/>
+          </a:prstGeom>
+          <a:ln>
+            <a:tailEnd type="triangle"/>
+          </a:ln>
+        </p:spPr>
+        <p:style>
+          <a:lnRef idx="1">
+            <a:schemeClr val="accent1"/>
+          </a:lnRef>
+          <a:fillRef idx="0">
+            <a:schemeClr val="accent1"/>
+          </a:fillRef>
+          <a:effectRef idx="0">
+            <a:schemeClr val="accent1"/>
+          </a:effectRef>
+          <a:fontRef idx="minor">
+            <a:schemeClr val="tx1"/>
+          </a:fontRef>
+        </p:style>
+      </p:cxnSp>
+      <p:cxnSp>
+        <p:nvCxnSpPr>
+          <p:cNvPr id="30" name="直接箭头连接符 29"/>
+          <p:cNvCxnSpPr>
+            <a:stCxn id="12" idx="3"/>
+            <a:endCxn id="22" idx="1"/>
+          </p:cNvCxnSpPr>
+          <p:nvPr/>
+        </p:nvCxnSpPr>
+        <p:spPr>
+          <a:xfrm flipV="1">
+            <a:off x="2627784" y="2006588"/>
+            <a:ext cx="576064" cy="739824"/>
+          </a:xfrm>
+          <a:prstGeom prst="straightConnector1">
+            <a:avLst/>
+          </a:prstGeom>
+          <a:ln>
+            <a:tailEnd type="triangle"/>
+          </a:ln>
+        </p:spPr>
+        <p:style>
+          <a:lnRef idx="1">
+            <a:schemeClr val="accent1"/>
+          </a:lnRef>
+          <a:fillRef idx="0">
+            <a:schemeClr val="accent1"/>
+          </a:fillRef>
+          <a:effectRef idx="0">
+            <a:schemeClr val="accent1"/>
+          </a:effectRef>
+          <a:fontRef idx="minor">
+            <a:schemeClr val="tx1"/>
+          </a:fontRef>
+        </p:style>
+      </p:cxnSp>
+      <p:sp>
+        <p:nvSpPr>
+          <p:cNvPr id="49" name="右箭头 48"/>
+          <p:cNvSpPr/>
+          <p:nvPr/>
+        </p:nvSpPr>
+        <p:spPr>
+          <a:xfrm>
+            <a:off x="4211960" y="1790564"/>
+            <a:ext cx="720080" cy="405172"/>
+          </a:xfrm>
+          <a:prstGeom prst="rightArrow">
+            <a:avLst/>
+          </a:prstGeom>
+          <a:solidFill>
+            <a:srgbClr val="FFFF00"/>
+          </a:solidFill>
+          <a:ln>
+            <a:noFill/>
+          </a:ln>
+        </p:spPr>
+        <p:style>
+          <a:lnRef idx="2">
+            <a:schemeClr val="accent1">
+              <a:shade val="50000"/>
+            </a:schemeClr>
+          </a:lnRef>
+          <a:fillRef idx="1">
+            <a:schemeClr val="accent1"/>
+          </a:fillRef>
+          <a:effectRef idx="0">
+            <a:schemeClr val="accent1"/>
+          </a:effectRef>
+          <a:fontRef idx="minor">
+            <a:schemeClr val="lt1"/>
+          </a:fontRef>
+        </p:style>
+        <p:txBody>
+          <a:bodyPr rtlCol="0" anchor="ctr"/>
+          <a:lstStyle/>
+          <a:p>
+            <a:pPr algn="ctr"/>
+            <a:endParaRPr lang="zh-CN" altLang="en-US"/>
+          </a:p>
+        </p:txBody>
+      </p:sp>
+      <p:sp>
+        <p:nvSpPr>
+          <p:cNvPr id="50" name="椭圆 49"/>
+          <p:cNvSpPr/>
+          <p:nvPr/>
+        </p:nvSpPr>
+        <p:spPr>
+          <a:xfrm>
+            <a:off x="5364088" y="1313384"/>
+            <a:ext cx="576064" cy="360040"/>
+          </a:xfrm>
+          <a:prstGeom prst="ellipse">
+            <a:avLst/>
+          </a:prstGeom>
+          <a:solidFill>
+            <a:schemeClr val="accent2">
+              <a:lumMod val="75000"/>
+            </a:schemeClr>
+          </a:solidFill>
+          <a:ln>
+            <a:noFill/>
+          </a:ln>
+        </p:spPr>
+        <p:style>
+          <a:lnRef idx="2">
+            <a:schemeClr val="accent1">
+              <a:shade val="50000"/>
+            </a:schemeClr>
+          </a:lnRef>
+          <a:fillRef idx="1">
+            <a:schemeClr val="accent1"/>
+          </a:fillRef>
+          <a:effectRef idx="0">
+            <a:schemeClr val="accent1"/>
+          </a:effectRef>
+          <a:fontRef idx="minor">
+            <a:schemeClr val="lt1"/>
+          </a:fontRef>
+        </p:style>
+        <p:txBody>
+          <a:bodyPr rtlCol="0" anchor="ctr"/>
+          <a:lstStyle/>
+          <a:p>
+            <a:pPr algn="ctr"/>
+            <a:r>
+              <a:rPr lang="en-US" altLang="zh-CN" dirty="0" smtClean="0"/>
+              <a:t>C</a:t>
+            </a:r>
+            <a:endParaRPr lang="zh-CN" altLang="en-US" dirty="0"/>
+          </a:p>
+        </p:txBody>
+      </p:sp>
+      <p:sp>
+        <p:nvSpPr>
+          <p:cNvPr id="51" name="椭圆 50"/>
+          <p:cNvSpPr/>
+          <p:nvPr/>
+        </p:nvSpPr>
+        <p:spPr>
+          <a:xfrm>
+            <a:off x="5364088" y="1754560"/>
+            <a:ext cx="576064" cy="360040"/>
+          </a:xfrm>
+          <a:prstGeom prst="ellipse">
+            <a:avLst/>
+          </a:prstGeom>
+          <a:solidFill>
+            <a:schemeClr val="accent2">
+              <a:lumMod val="75000"/>
+            </a:schemeClr>
+          </a:solidFill>
+          <a:ln>
+            <a:noFill/>
+          </a:ln>
+        </p:spPr>
+        <p:style>
+          <a:lnRef idx="2">
+            <a:schemeClr val="accent1">
+              <a:shade val="50000"/>
+            </a:schemeClr>
+          </a:lnRef>
+          <a:fillRef idx="1">
+            <a:schemeClr val="accent1"/>
+          </a:fillRef>
+          <a:effectRef idx="0">
+            <a:schemeClr val="accent1"/>
+          </a:effectRef>
+          <a:fontRef idx="minor">
+            <a:schemeClr val="lt1"/>
+          </a:fontRef>
+        </p:style>
+        <p:txBody>
+          <a:bodyPr rtlCol="0" anchor="ctr"/>
+          <a:lstStyle/>
+          <a:p>
+            <a:pPr algn="ctr"/>
+            <a:r>
+              <a:rPr lang="en-US" altLang="zh-CN" dirty="0" smtClean="0"/>
+              <a:t>C</a:t>
+            </a:r>
+            <a:endParaRPr lang="zh-CN" altLang="en-US" dirty="0"/>
+          </a:p>
+        </p:txBody>
+      </p:sp>
+      <p:sp>
+        <p:nvSpPr>
+          <p:cNvPr id="52" name="椭圆 51"/>
+          <p:cNvSpPr/>
+          <p:nvPr/>
+        </p:nvSpPr>
+        <p:spPr>
+          <a:xfrm>
+            <a:off x="5364088" y="2195736"/>
+            <a:ext cx="576064" cy="360040"/>
+          </a:xfrm>
+          <a:prstGeom prst="ellipse">
+            <a:avLst/>
+          </a:prstGeom>
+          <a:solidFill>
+            <a:schemeClr val="accent2">
+              <a:lumMod val="75000"/>
+            </a:schemeClr>
+          </a:solidFill>
+          <a:ln>
+            <a:noFill/>
+          </a:ln>
+        </p:spPr>
+        <p:style>
+          <a:lnRef idx="2">
+            <a:schemeClr val="accent1">
+              <a:shade val="50000"/>
+            </a:schemeClr>
+          </a:lnRef>
+          <a:fillRef idx="1">
+            <a:schemeClr val="accent1"/>
+          </a:fillRef>
+          <a:effectRef idx="0">
+            <a:schemeClr val="accent1"/>
+          </a:effectRef>
+          <a:fontRef idx="minor">
+            <a:schemeClr val="lt1"/>
+          </a:fontRef>
+        </p:style>
+        <p:txBody>
+          <a:bodyPr rtlCol="0" anchor="ctr"/>
+          <a:lstStyle/>
+          <a:p>
+            <a:pPr algn="ctr"/>
+            <a:r>
+              <a:rPr lang="en-US" altLang="zh-CN" dirty="0" smtClean="0"/>
+              <a:t>C</a:t>
+            </a:r>
+            <a:endParaRPr lang="zh-CN" altLang="en-US" dirty="0"/>
+          </a:p>
+        </p:txBody>
+      </p:sp>
+      <p:sp>
+        <p:nvSpPr>
+          <p:cNvPr id="53" name="椭圆 52"/>
+          <p:cNvSpPr/>
+          <p:nvPr/>
+        </p:nvSpPr>
+        <p:spPr>
+          <a:xfrm>
+            <a:off x="5364088" y="2636912"/>
+            <a:ext cx="576064" cy="360040"/>
+          </a:xfrm>
+          <a:prstGeom prst="ellipse">
+            <a:avLst/>
+          </a:prstGeom>
+          <a:solidFill>
+            <a:schemeClr val="accent2">
+              <a:lumMod val="75000"/>
+            </a:schemeClr>
+          </a:solidFill>
+          <a:ln>
+            <a:noFill/>
+          </a:ln>
+        </p:spPr>
+        <p:style>
+          <a:lnRef idx="2">
+            <a:schemeClr val="accent1">
+              <a:shade val="50000"/>
+            </a:schemeClr>
+          </a:lnRef>
+          <a:fillRef idx="1">
+            <a:schemeClr val="accent1"/>
+          </a:fillRef>
+          <a:effectRef idx="0">
+            <a:schemeClr val="accent1"/>
+          </a:effectRef>
+          <a:fontRef idx="minor">
+            <a:schemeClr val="lt1"/>
+          </a:fontRef>
+        </p:style>
+        <p:txBody>
+          <a:bodyPr rtlCol="0" anchor="ctr"/>
+          <a:lstStyle/>
+          <a:p>
+            <a:pPr algn="ctr"/>
+            <a:r>
+              <a:rPr lang="en-US" altLang="zh-CN" dirty="0" smtClean="0"/>
+              <a:t>C</a:t>
+            </a:r>
+            <a:endParaRPr lang="zh-CN" altLang="en-US" dirty="0"/>
+          </a:p>
+        </p:txBody>
+      </p:sp>
+      <p:sp>
+        <p:nvSpPr>
+          <p:cNvPr id="54" name="矩形 53"/>
+          <p:cNvSpPr/>
+          <p:nvPr/>
+        </p:nvSpPr>
+        <p:spPr>
+          <a:xfrm>
+            <a:off x="6372200" y="1385392"/>
+            <a:ext cx="792088" cy="288032"/>
+          </a:xfrm>
+          <a:prstGeom prst="rect">
+            <a:avLst/>
+          </a:prstGeom>
+          <a:solidFill>
+            <a:srgbClr val="00B050"/>
+          </a:solidFill>
+          <a:ln>
+            <a:noFill/>
+          </a:ln>
+        </p:spPr>
+        <p:style>
+          <a:lnRef idx="2">
+            <a:schemeClr val="accent1">
+              <a:shade val="50000"/>
+            </a:schemeClr>
+          </a:lnRef>
+          <a:fillRef idx="1">
+            <a:schemeClr val="accent1"/>
+          </a:fillRef>
+          <a:effectRef idx="0">
+            <a:schemeClr val="accent1"/>
+          </a:effectRef>
+          <a:fontRef idx="minor">
+            <a:schemeClr val="lt1"/>
+          </a:fontRef>
+        </p:style>
+        <p:txBody>
+          <a:bodyPr rtlCol="0" anchor="ctr"/>
+          <a:lstStyle/>
+          <a:p>
+            <a:pPr algn="ctr"/>
+            <a:r>
+              <a:rPr lang="en-US" altLang="zh-CN" sz="1400" dirty="0" smtClean="0"/>
+              <a:t>Fiber</a:t>
+            </a:r>
+            <a:endParaRPr lang="zh-CN" altLang="en-US" sz="1400" dirty="0"/>
+          </a:p>
+        </p:txBody>
+      </p:sp>
+      <p:sp>
+        <p:nvSpPr>
+          <p:cNvPr id="55" name="矩形 54"/>
+          <p:cNvSpPr/>
+          <p:nvPr/>
+        </p:nvSpPr>
+        <p:spPr>
+          <a:xfrm>
+            <a:off x="6372200" y="1790564"/>
+            <a:ext cx="792088" cy="288032"/>
+          </a:xfrm>
+          <a:prstGeom prst="rect">
+            <a:avLst/>
+          </a:prstGeom>
+          <a:solidFill>
+            <a:srgbClr val="00B050"/>
+          </a:solidFill>
+          <a:ln>
+            <a:noFill/>
+          </a:ln>
+        </p:spPr>
+        <p:style>
+          <a:lnRef idx="2">
+            <a:schemeClr val="accent1">
+              <a:shade val="50000"/>
+            </a:schemeClr>
+          </a:lnRef>
+          <a:fillRef idx="1">
+            <a:schemeClr val="accent1"/>
+          </a:fillRef>
+          <a:effectRef idx="0">
+            <a:schemeClr val="accent1"/>
+          </a:effectRef>
+          <a:fontRef idx="minor">
+            <a:schemeClr val="lt1"/>
+          </a:fontRef>
+        </p:style>
+        <p:txBody>
+          <a:bodyPr rtlCol="0" anchor="ctr"/>
+          <a:lstStyle/>
+          <a:p>
+            <a:pPr algn="ctr"/>
+            <a:r>
+              <a:rPr lang="en-US" altLang="zh-CN" sz="1400" dirty="0"/>
+              <a:t>Fiber</a:t>
+            </a:r>
+            <a:endParaRPr lang="zh-CN" altLang="en-US" sz="1400" dirty="0"/>
+          </a:p>
+        </p:txBody>
+      </p:sp>
+      <p:sp>
+        <p:nvSpPr>
+          <p:cNvPr id="56" name="矩形 55"/>
+          <p:cNvSpPr/>
+          <p:nvPr/>
+        </p:nvSpPr>
+        <p:spPr>
+          <a:xfrm>
+            <a:off x="6372200" y="2195736"/>
+            <a:ext cx="792088" cy="288032"/>
+          </a:xfrm>
+          <a:prstGeom prst="rect">
+            <a:avLst/>
+          </a:prstGeom>
+          <a:solidFill>
+            <a:srgbClr val="00B050"/>
+          </a:solidFill>
+          <a:ln>
+            <a:noFill/>
+          </a:ln>
+        </p:spPr>
+        <p:style>
+          <a:lnRef idx="2">
+            <a:schemeClr val="accent1">
+              <a:shade val="50000"/>
+            </a:schemeClr>
+          </a:lnRef>
+          <a:fillRef idx="1">
+            <a:schemeClr val="accent1"/>
+          </a:fillRef>
+          <a:effectRef idx="0">
+            <a:schemeClr val="accent1"/>
+          </a:effectRef>
+          <a:fontRef idx="minor">
+            <a:schemeClr val="lt1"/>
+          </a:fontRef>
+        </p:style>
+        <p:txBody>
+          <a:bodyPr rtlCol="0" anchor="ctr"/>
+          <a:lstStyle/>
+          <a:p>
+            <a:pPr algn="ctr"/>
+            <a:r>
+              <a:rPr lang="en-US" altLang="zh-CN" sz="1400" dirty="0"/>
+              <a:t>Fiber</a:t>
+            </a:r>
+            <a:endParaRPr lang="zh-CN" altLang="en-US" sz="1400" dirty="0"/>
+          </a:p>
+        </p:txBody>
+      </p:sp>
+      <p:sp>
+        <p:nvSpPr>
+          <p:cNvPr id="57" name="矩形 56"/>
+          <p:cNvSpPr/>
+          <p:nvPr/>
+        </p:nvSpPr>
+        <p:spPr>
+          <a:xfrm>
+            <a:off x="6372200" y="2602396"/>
+            <a:ext cx="792088" cy="288032"/>
+          </a:xfrm>
+          <a:prstGeom prst="rect">
+            <a:avLst/>
+          </a:prstGeom>
+          <a:solidFill>
+            <a:srgbClr val="00B050"/>
+          </a:solidFill>
+          <a:ln>
+            <a:noFill/>
+          </a:ln>
+        </p:spPr>
+        <p:style>
+          <a:lnRef idx="2">
+            <a:schemeClr val="accent1">
+              <a:shade val="50000"/>
+            </a:schemeClr>
+          </a:lnRef>
+          <a:fillRef idx="1">
+            <a:schemeClr val="accent1"/>
+          </a:fillRef>
+          <a:effectRef idx="0">
+            <a:schemeClr val="accent1"/>
+          </a:effectRef>
+          <a:fontRef idx="minor">
+            <a:schemeClr val="lt1"/>
+          </a:fontRef>
+        </p:style>
+        <p:txBody>
+          <a:bodyPr rtlCol="0" anchor="ctr"/>
+          <a:lstStyle/>
+          <a:p>
+            <a:pPr algn="ctr"/>
+            <a:r>
+              <a:rPr lang="en-US" altLang="zh-CN" sz="1400" dirty="0"/>
+              <a:t>Fiber</a:t>
+            </a:r>
+            <a:endParaRPr lang="zh-CN" altLang="en-US" sz="1400" dirty="0"/>
+          </a:p>
+        </p:txBody>
+      </p:sp>
+      <p:sp>
+        <p:nvSpPr>
+          <p:cNvPr id="58" name="矩形 57"/>
+          <p:cNvSpPr/>
+          <p:nvPr/>
+        </p:nvSpPr>
+        <p:spPr>
+          <a:xfrm>
+            <a:off x="6300192" y="1313384"/>
+            <a:ext cx="936104" cy="1683568"/>
+          </a:xfrm>
+          <a:prstGeom prst="rect">
+            <a:avLst/>
+          </a:prstGeom>
+          <a:noFill/>
+          <a:ln>
+            <a:solidFill>
+              <a:schemeClr val="tx1"/>
+            </a:solidFill>
+            <a:prstDash val="dashDot"/>
+          </a:ln>
+        </p:spPr>
+        <p:style>
+          <a:lnRef idx="2">
+            <a:schemeClr val="accent1">
+              <a:shade val="50000"/>
+            </a:schemeClr>
+          </a:lnRef>
+          <a:fillRef idx="1">
+            <a:schemeClr val="accent1"/>
+          </a:fillRef>
+          <a:effectRef idx="0">
+            <a:schemeClr val="accent1"/>
+          </a:effectRef>
+          <a:fontRef idx="minor">
+            <a:schemeClr val="lt1"/>
+          </a:fontRef>
+        </p:style>
+        <p:txBody>
+          <a:bodyPr rtlCol="0" anchor="ctr"/>
+          <a:lstStyle/>
+          <a:p>
+            <a:pPr algn="ctr"/>
+            <a:endParaRPr lang="zh-CN" altLang="en-US"/>
+          </a:p>
+        </p:txBody>
+      </p:sp>
+      <p:cxnSp>
+        <p:nvCxnSpPr>
+          <p:cNvPr id="59" name="直接箭头连接符 58"/>
+          <p:cNvCxnSpPr>
+            <a:stCxn id="50" idx="6"/>
+            <a:endCxn id="54" idx="1"/>
+          </p:cNvCxnSpPr>
+          <p:nvPr/>
+        </p:nvCxnSpPr>
+        <p:spPr>
+          <a:xfrm>
+            <a:off x="5940152" y="1493404"/>
+            <a:ext cx="432048" cy="36004"/>
+          </a:xfrm>
+          <a:prstGeom prst="straightConnector1">
+            <a:avLst/>
+          </a:prstGeom>
+          <a:ln>
+            <a:tailEnd type="triangle"/>
+          </a:ln>
+        </p:spPr>
+        <p:style>
+          <a:lnRef idx="1">
+            <a:schemeClr val="accent1"/>
+          </a:lnRef>
+          <a:fillRef idx="0">
+            <a:schemeClr val="accent1"/>
+          </a:fillRef>
+          <a:effectRef idx="0">
+            <a:schemeClr val="accent1"/>
+          </a:effectRef>
+          <a:fontRef idx="minor">
+            <a:schemeClr val="tx1"/>
+          </a:fontRef>
+        </p:style>
+      </p:cxnSp>
+      <p:cxnSp>
+        <p:nvCxnSpPr>
+          <p:cNvPr id="60" name="直接箭头连接符 59"/>
+          <p:cNvCxnSpPr>
+            <a:stCxn id="51" idx="6"/>
+            <a:endCxn id="55" idx="1"/>
+          </p:cNvCxnSpPr>
+          <p:nvPr/>
+        </p:nvCxnSpPr>
+        <p:spPr>
+          <a:xfrm>
+            <a:off x="5940152" y="1934580"/>
+            <a:ext cx="432048" cy="0"/>
+          </a:xfrm>
+          <a:prstGeom prst="straightConnector1">
+            <a:avLst/>
+          </a:prstGeom>
+          <a:ln>
+            <a:tailEnd type="triangle"/>
+          </a:ln>
+        </p:spPr>
+        <p:style>
+          <a:lnRef idx="1">
+            <a:schemeClr val="accent1"/>
+          </a:lnRef>
+          <a:fillRef idx="0">
+            <a:schemeClr val="accent1"/>
+          </a:fillRef>
+          <a:effectRef idx="0">
+            <a:schemeClr val="accent1"/>
+          </a:effectRef>
+          <a:fontRef idx="minor">
+            <a:schemeClr val="tx1"/>
+          </a:fontRef>
+        </p:style>
+      </p:cxnSp>
+      <p:cxnSp>
+        <p:nvCxnSpPr>
+          <p:cNvPr id="61" name="直接箭头连接符 60"/>
+          <p:cNvCxnSpPr>
+            <a:stCxn id="52" idx="6"/>
+            <a:endCxn id="56" idx="1"/>
+          </p:cNvCxnSpPr>
+          <p:nvPr/>
+        </p:nvCxnSpPr>
+        <p:spPr>
+          <a:xfrm flipV="1">
+            <a:off x="5940152" y="2339752"/>
+            <a:ext cx="432048" cy="36004"/>
+          </a:xfrm>
+          <a:prstGeom prst="straightConnector1">
+            <a:avLst/>
+          </a:prstGeom>
+          <a:ln>
+            <a:tailEnd type="triangle"/>
+          </a:ln>
+        </p:spPr>
+        <p:style>
+          <a:lnRef idx="1">
+            <a:schemeClr val="accent1"/>
+          </a:lnRef>
+          <a:fillRef idx="0">
+            <a:schemeClr val="accent1"/>
+          </a:fillRef>
+          <a:effectRef idx="0">
+            <a:schemeClr val="accent1"/>
+          </a:effectRef>
+          <a:fontRef idx="minor">
+            <a:schemeClr val="tx1"/>
+          </a:fontRef>
+        </p:style>
+      </p:cxnSp>
+      <p:cxnSp>
+        <p:nvCxnSpPr>
+          <p:cNvPr id="62" name="直接箭头连接符 61"/>
+          <p:cNvCxnSpPr>
+            <a:stCxn id="53" idx="6"/>
+            <a:endCxn id="57" idx="1"/>
+          </p:cNvCxnSpPr>
+          <p:nvPr/>
+        </p:nvCxnSpPr>
+        <p:spPr>
+          <a:xfrm flipV="1">
+            <a:off x="5940152" y="2746412"/>
+            <a:ext cx="432048" cy="70520"/>
+          </a:xfrm>
+          <a:prstGeom prst="straightConnector1">
+            <a:avLst/>
+          </a:prstGeom>
+          <a:ln>
+            <a:tailEnd type="triangle"/>
+          </a:ln>
+        </p:spPr>
+        <p:style>
+          <a:lnRef idx="1">
+            <a:schemeClr val="accent1"/>
+          </a:lnRef>
+          <a:fillRef idx="0">
+            <a:schemeClr val="accent1"/>
+          </a:fillRef>
+          <a:effectRef idx="0">
+            <a:schemeClr val="accent1"/>
+          </a:effectRef>
+          <a:fontRef idx="minor">
+            <a:schemeClr val="tx1"/>
+          </a:fontRef>
+        </p:style>
+      </p:cxnSp>
+      <p:sp>
+        <p:nvSpPr>
+          <p:cNvPr id="63" name="圆角矩形 62"/>
+          <p:cNvSpPr/>
+          <p:nvPr/>
+        </p:nvSpPr>
+        <p:spPr>
+          <a:xfrm>
+            <a:off x="7740352" y="1673424"/>
+            <a:ext cx="792088" cy="666328"/>
+          </a:xfrm>
+          <a:prstGeom prst="roundRect">
+            <a:avLst/>
+          </a:prstGeom>
+          <a:solidFill>
+            <a:srgbClr val="0070C0"/>
+          </a:solidFill>
+          <a:ln>
+            <a:noFill/>
+          </a:ln>
+        </p:spPr>
+        <p:style>
+          <a:lnRef idx="2">
+            <a:schemeClr val="accent1">
+              <a:shade val="50000"/>
+            </a:schemeClr>
+          </a:lnRef>
+          <a:fillRef idx="1">
+            <a:schemeClr val="accent1"/>
+          </a:fillRef>
+          <a:effectRef idx="0">
+            <a:schemeClr val="accent1"/>
+          </a:effectRef>
+          <a:fontRef idx="minor">
+            <a:schemeClr val="lt1"/>
+          </a:fontRef>
+        </p:style>
+        <p:txBody>
+          <a:bodyPr rtlCol="0" anchor="ctr"/>
+          <a:lstStyle/>
+          <a:p>
+            <a:pPr algn="ctr"/>
+            <a:r>
+              <a:rPr lang="en-US" altLang="zh-CN" sz="1600" dirty="0" err="1" smtClean="0"/>
+              <a:t>Mysql</a:t>
+            </a:r>
+            <a:endParaRPr lang="zh-CN" altLang="en-US" sz="1600" dirty="0"/>
+          </a:p>
+        </p:txBody>
+      </p:sp>
+      <p:cxnSp>
+        <p:nvCxnSpPr>
+          <p:cNvPr id="65" name="直接箭头连接符 64"/>
+          <p:cNvCxnSpPr>
+            <a:stCxn id="55" idx="3"/>
+            <a:endCxn id="63" idx="1"/>
+          </p:cNvCxnSpPr>
+          <p:nvPr/>
+        </p:nvCxnSpPr>
+        <p:spPr>
+          <a:xfrm>
+            <a:off x="7164288" y="1934580"/>
+            <a:ext cx="576064" cy="72008"/>
+          </a:xfrm>
+          <a:prstGeom prst="straightConnector1">
+            <a:avLst/>
+          </a:prstGeom>
+          <a:ln>
+            <a:tailEnd type="triangle"/>
+          </a:ln>
+        </p:spPr>
+        <p:style>
+          <a:lnRef idx="1">
+            <a:schemeClr val="accent1"/>
+          </a:lnRef>
+          <a:fillRef idx="0">
+            <a:schemeClr val="accent1"/>
+          </a:fillRef>
+          <a:effectRef idx="0">
+            <a:schemeClr val="accent1"/>
+          </a:effectRef>
+          <a:fontRef idx="minor">
+            <a:schemeClr val="tx1"/>
+          </a:fontRef>
+        </p:style>
+      </p:cxnSp>
+      <p:cxnSp>
+        <p:nvCxnSpPr>
+          <p:cNvPr id="66" name="直接箭头连接符 65"/>
+          <p:cNvCxnSpPr>
+            <a:stCxn id="56" idx="3"/>
+            <a:endCxn id="63" idx="1"/>
+          </p:cNvCxnSpPr>
+          <p:nvPr/>
+        </p:nvCxnSpPr>
+        <p:spPr>
+          <a:xfrm flipV="1">
+            <a:off x="7164288" y="2006588"/>
+            <a:ext cx="576064" cy="333164"/>
+          </a:xfrm>
+          <a:prstGeom prst="straightConnector1">
+            <a:avLst/>
+          </a:prstGeom>
+          <a:ln>
+            <a:tailEnd type="triangle"/>
+          </a:ln>
+        </p:spPr>
+        <p:style>
+          <a:lnRef idx="1">
+            <a:schemeClr val="accent1"/>
+          </a:lnRef>
+          <a:fillRef idx="0">
+            <a:schemeClr val="accent1"/>
+          </a:fillRef>
+          <a:effectRef idx="0">
+            <a:schemeClr val="accent1"/>
+          </a:effectRef>
+          <a:fontRef idx="minor">
+            <a:schemeClr val="tx1"/>
+          </a:fontRef>
+        </p:style>
+      </p:cxnSp>
+      <p:sp>
+        <p:nvSpPr>
+          <p:cNvPr id="69" name="云形 68"/>
+          <p:cNvSpPr/>
+          <p:nvPr/>
+        </p:nvSpPr>
+        <p:spPr>
+          <a:xfrm>
+            <a:off x="2699792" y="4283804"/>
+            <a:ext cx="1759025" cy="629816"/>
+          </a:xfrm>
+          <a:prstGeom prst="cloud">
+            <a:avLst/>
+          </a:prstGeom>
+          <a:solidFill>
+            <a:srgbClr val="00B0F0"/>
+          </a:solidFill>
+          <a:ln>
+            <a:noFill/>
+          </a:ln>
+        </p:spPr>
+        <p:style>
+          <a:lnRef idx="2">
+            <a:schemeClr val="accent1">
+              <a:shade val="50000"/>
+            </a:schemeClr>
+          </a:lnRef>
+          <a:fillRef idx="1">
+            <a:schemeClr val="accent1"/>
+          </a:fillRef>
+          <a:effectRef idx="0">
+            <a:schemeClr val="accent1"/>
+          </a:effectRef>
+          <a:fontRef idx="minor">
+            <a:schemeClr val="lt1"/>
+          </a:fontRef>
+        </p:style>
+        <p:txBody>
+          <a:bodyPr rtlCol="0" anchor="ctr"/>
+          <a:lstStyle/>
+          <a:p>
+            <a:pPr algn="ctr"/>
+            <a:r>
+              <a:rPr lang="zh-CN" altLang="en-US" dirty="0" smtClean="0"/>
+              <a:t>如何做到？</a:t>
+            </a:r>
+            <a:endParaRPr lang="zh-CN" altLang="en-US" dirty="0"/>
+          </a:p>
+        </p:txBody>
+      </p:sp>
+      <p:sp>
+        <p:nvSpPr>
+          <p:cNvPr id="70" name="文本框 69"/>
+          <p:cNvSpPr txBox="1"/>
+          <p:nvPr/>
+        </p:nvSpPr>
+        <p:spPr>
+          <a:xfrm>
+            <a:off x="2339752" y="5472100"/>
+            <a:ext cx="2952328" cy="338554"/>
+          </a:xfrm>
+          <a:prstGeom prst="rect">
+            <a:avLst/>
+          </a:prstGeom>
+          <a:noFill/>
+        </p:spPr>
+        <p:txBody>
+          <a:bodyPr wrap="square" rtlCol="0">
+            <a:spAutoFit/>
+          </a:bodyPr>
+          <a:lstStyle/>
+          <a:p>
+            <a:r>
+              <a:rPr lang="zh-CN" altLang="en-US" sz="1600" b="1" dirty="0" smtClean="0">
+                <a:latin typeface="微软雅黑" panose="020B0503020204020204" pitchFamily="34" charset="-122"/>
+                <a:ea typeface="微软雅黑" panose="020B0503020204020204" pitchFamily="34" charset="-122"/>
+              </a:rPr>
+              <a:t>采用协程</a:t>
+            </a:r>
+            <a:r>
+              <a:rPr lang="zh-CN" altLang="en-US" sz="1600" b="1" dirty="0" smtClean="0">
+                <a:latin typeface="微软雅黑" panose="020B0503020204020204" pitchFamily="34" charset="-122"/>
+                <a:ea typeface="微软雅黑" panose="020B0503020204020204" pitchFamily="34" charset="-122"/>
+              </a:rPr>
+              <a:t>信号量保护后端服务 </a:t>
+            </a:r>
+            <a:endParaRPr lang="zh-CN" altLang="en-US" sz="1600" b="1" dirty="0">
+              <a:latin typeface="微软雅黑" panose="020B0503020204020204" pitchFamily="34" charset="-122"/>
+              <a:ea typeface="微软雅黑" panose="020B0503020204020204" pitchFamily="34" charset="-122"/>
+            </a:endParaRPr>
+          </a:p>
+        </p:txBody>
+      </p:sp>
+      <p:sp>
+        <p:nvSpPr>
+          <p:cNvPr id="72" name="下箭头 71"/>
+          <p:cNvSpPr/>
+          <p:nvPr/>
+        </p:nvSpPr>
+        <p:spPr>
+          <a:xfrm>
+            <a:off x="3419872" y="4974208"/>
+            <a:ext cx="360040" cy="425884"/>
+          </a:xfrm>
+          <a:prstGeom prst="downArrow">
+            <a:avLst/>
+          </a:prstGeom>
+          <a:solidFill>
+            <a:srgbClr val="92D050"/>
+          </a:solidFill>
+          <a:ln>
+            <a:noFill/>
+          </a:ln>
+        </p:spPr>
+        <p:style>
+          <a:lnRef idx="2">
+            <a:schemeClr val="accent1">
+              <a:shade val="50000"/>
+            </a:schemeClr>
+          </a:lnRef>
+          <a:fillRef idx="1">
+            <a:schemeClr val="accent1"/>
+          </a:fillRef>
+          <a:effectRef idx="0">
+            <a:schemeClr val="accent1"/>
+          </a:effectRef>
+          <a:fontRef idx="minor">
+            <a:schemeClr val="lt1"/>
+          </a:fontRef>
+        </p:style>
+        <p:txBody>
+          <a:bodyPr rtlCol="0" anchor="ctr"/>
+          <a:lstStyle/>
+          <a:p>
+            <a:pPr algn="ctr"/>
+            <a:endParaRPr lang="zh-CN" altLang="en-US"/>
+          </a:p>
+        </p:txBody>
+      </p:sp>
+      <p:sp>
+        <p:nvSpPr>
+          <p:cNvPr id="73" name="文本框 72"/>
+          <p:cNvSpPr txBox="1"/>
+          <p:nvPr/>
+        </p:nvSpPr>
+        <p:spPr>
+          <a:xfrm>
+            <a:off x="935596" y="6030580"/>
+            <a:ext cx="4536504" cy="369332"/>
+          </a:xfrm>
+          <a:prstGeom prst="rect">
+            <a:avLst/>
+          </a:prstGeom>
+          <a:noFill/>
+        </p:spPr>
+        <p:txBody>
+          <a:bodyPr wrap="square" rtlCol="0">
+            <a:spAutoFit/>
+          </a:bodyPr>
+          <a:lstStyle/>
+          <a:p>
+            <a:r>
+              <a:rPr lang="zh-CN" altLang="en-US" sz="1600" b="1" dirty="0" smtClean="0">
+                <a:latin typeface="微软雅黑" panose="020B0503020204020204" pitchFamily="34" charset="-122"/>
+                <a:ea typeface="微软雅黑" panose="020B0503020204020204" pitchFamily="34" charset="-122"/>
+              </a:rPr>
+              <a:t>参见示例</a:t>
+            </a:r>
+            <a:r>
+              <a:rPr lang="zh-CN" altLang="en-US" b="1" dirty="0" smtClean="0"/>
+              <a:t>：</a:t>
+            </a:r>
+            <a:r>
+              <a:rPr lang="en-US" altLang="zh-CN" sz="1600" dirty="0" err="1" smtClean="0"/>
+              <a:t>acl</a:t>
+            </a:r>
+            <a:r>
+              <a:rPr lang="en-US" altLang="zh-CN" sz="1600" dirty="0" smtClean="0"/>
+              <a:t>/</a:t>
+            </a:r>
+            <a:r>
+              <a:rPr lang="en-US" altLang="zh-CN" sz="1600" dirty="0" err="1" smtClean="0"/>
+              <a:t>lib_fiber</a:t>
+            </a:r>
+            <a:r>
+              <a:rPr lang="en-US" altLang="zh-CN" sz="1600" dirty="0" smtClean="0"/>
+              <a:t>/samples/</a:t>
+            </a:r>
+            <a:r>
+              <a:rPr lang="en-US" altLang="zh-CN" sz="1600" dirty="0" err="1" smtClean="0"/>
+              <a:t>redis_sem</a:t>
+            </a:r>
+            <a:endParaRPr lang="zh-CN" altLang="en-US" sz="1600" dirty="0"/>
           </a:p>
         </p:txBody>
       </p:sp>
     </p:spTree>
     <p:extLst>
       <p:ext uri="{BB962C8B-B14F-4D97-AF65-F5344CB8AC3E}">
-        <p14:creationId xmlns:p14="http://schemas.microsoft.com/office/powerpoint/2010/main" val="1490133852"/>
+        <p14:creationId xmlns:p14="http://schemas.microsoft.com/office/powerpoint/2010/main" val="724411555"/>
       </p:ext>
     </p:extLst>
   </p:cSld>
   <p:clrMapOvr>
     <a:masterClrMapping/>
   </p:clrMapOvr>
+  <p:timing>
+    <p:tnLst>
+      <p:par>
+        <p:cTn id="1" dur="indefinite" restart="never" nodeType="tmRoot"/>
+      </p:par>
+    </p:tnLst>
+  </p:timing>
 </p:sld>
 </file>
 
@@ -15428,7 +15977,28 @@
                 <a:latin typeface="方正舒体" panose="02010601030101010101" pitchFamily="2" charset="-122"/>
                 <a:ea typeface="方正舒体" panose="02010601030101010101" pitchFamily="2" charset="-122"/>
               </a:rPr>
-              <a:t>为什么需要设计一套网络协程库？</a:t>
+              <a:t>为什么</a:t>
+            </a:r>
+            <a:r>
+              <a:rPr lang="zh-CN" altLang="en-US" sz="2400" dirty="0" smtClean="0">
+                <a:latin typeface="方正舒体" panose="02010601030101010101" pitchFamily="2" charset="-122"/>
+                <a:ea typeface="方正舒体" panose="02010601030101010101" pitchFamily="2" charset="-122"/>
+              </a:rPr>
+              <a:t>需要网络协</a:t>
+            </a:r>
+            <a:r>
+              <a:rPr lang="zh-CN" altLang="en-US" sz="2400" dirty="0">
+                <a:latin typeface="方正舒体" panose="02010601030101010101" pitchFamily="2" charset="-122"/>
+                <a:ea typeface="方正舒体" panose="02010601030101010101" pitchFamily="2" charset="-122"/>
+              </a:rPr>
+              <a:t>程</a:t>
+            </a:r>
+            <a:r>
+              <a:rPr lang="zh-CN" altLang="en-US" sz="2400" dirty="0" smtClean="0">
+                <a:latin typeface="方正舒体" panose="02010601030101010101" pitchFamily="2" charset="-122"/>
+                <a:ea typeface="方正舒体" panose="02010601030101010101" pitchFamily="2" charset="-122"/>
+              </a:rPr>
+              <a:t>？</a:t>
             </a:r>
             <a:endParaRPr lang="en-US" altLang="zh-CN" sz="2400" dirty="0" smtClean="0">
               <a:latin typeface="方正舒体" panose="02010601030101010101" pitchFamily="2" charset="-122"/>
@@ -15569,6 +16139,29 @@
             <a:r>
               <a:rPr lang="en-US" altLang="zh-CN" sz="1600" dirty="0" err="1" smtClean="0"/>
               <a:t>Erlang</a:t>
+            </a:r>
+            <a:r>
+              <a:rPr lang="en-US" altLang="zh-CN" sz="1600" dirty="0" smtClean="0"/>
+              <a:t> </a:t>
+            </a:r>
+            <a:r>
+              <a:rPr lang="zh-CN" altLang="en-US" sz="1600" dirty="0" smtClean="0"/>
+              <a:t>语言</a:t>
+            </a:r>
+            <a:endParaRPr lang="en-US" altLang="zh-CN" sz="1600" dirty="0" smtClean="0"/>
+          </a:p>
+          <a:p>
+            <a:r>
+              <a:rPr lang="en-US" altLang="zh-CN" sz="1600" dirty="0" smtClean="0"/>
+              <a:t>4</a:t>
+            </a:r>
+            <a:r>
+              <a:rPr lang="zh-CN" altLang="en-US" sz="1600" dirty="0" smtClean="0"/>
+              <a:t>、</a:t>
+            </a:r>
+            <a:r>
+              <a:rPr lang="en-US" altLang="zh-CN" sz="1600" dirty="0" err="1" smtClean="0"/>
+              <a:t>Lua</a:t>
             </a:r>
             <a:r>
               <a:rPr lang="en-US" altLang="zh-CN" sz="1600" dirty="0" smtClean="0"/>
@@ -15729,15 +16322,23 @@
           <a:p>
             <a:r>
               <a:rPr lang="zh-CN" altLang="en-US" dirty="0" smtClean="0"/>
-              <a:t>应用场景</a:t>
-            </a:r>
-            <a:endParaRPr lang="zh-CN" altLang="en-US" dirty="0"/>
+              <a:t>协程间通信 </a:t>
+            </a:r>
+            <a:r>
+              <a:rPr lang="en-US" altLang="zh-CN" dirty="0" smtClean="0"/>
+              <a:t>--- </a:t>
+            </a:r>
+            <a:r>
+              <a:rPr lang="zh-CN" altLang="en-US" sz="2000" dirty="0" smtClean="0"/>
+              <a:t>设计要点</a:t>
+            </a:r>
+            <a:endParaRPr lang="zh-CN" altLang="en-US" sz="2000" dirty="0"/>
           </a:p>
         </p:txBody>
       </p:sp>
       <p:sp>
         <p:nvSpPr>
-          <p:cNvPr id="5" name="内容占位符 4"/>
+          <p:cNvPr id="3" name="内容占位符 2"/>
           <p:cNvSpPr>
             <a:spLocks noGrp="1"/>
           </p:cNvSpPr>
@@ -15750,14 +16351,136 @@
           <a:bodyPr/>
           <a:lstStyle/>
           <a:p>
-            <a:endParaRPr lang="zh-CN" altLang="en-US" dirty="0"/>
+            <a:r>
+              <a:rPr lang="zh-CN" altLang="en-US" dirty="0" smtClean="0"/>
+              <a:t>协程间为什么需要通信？</a:t>
+            </a:r>
+            <a:endParaRPr lang="en-US" altLang="zh-CN" dirty="0" smtClean="0"/>
+          </a:p>
+          <a:p>
+            <a:r>
+              <a:rPr lang="en-US" altLang="zh-CN" sz="1600" dirty="0" smtClean="0"/>
+              <a:t>1</a:t>
+            </a:r>
+            <a:r>
+              <a:rPr lang="zh-CN" altLang="en-US" sz="1600" dirty="0" smtClean="0"/>
+              <a:t>、业务逻辑的模块化</a:t>
+            </a:r>
+            <a:endParaRPr lang="en-US" altLang="zh-CN" sz="1600" dirty="0" smtClean="0"/>
+          </a:p>
+          <a:p>
+            <a:r>
+              <a:rPr lang="en-US" altLang="zh-CN" sz="1600" dirty="0" smtClean="0"/>
+              <a:t>2</a:t>
+            </a:r>
+            <a:r>
+              <a:rPr lang="zh-CN" altLang="en-US" sz="1600" dirty="0" smtClean="0"/>
+              <a:t>、业务模块的分层设计</a:t>
+            </a:r>
+            <a:endParaRPr lang="en-US" altLang="zh-CN" sz="1600" dirty="0" smtClean="0"/>
+          </a:p>
+          <a:p>
+            <a:r>
+              <a:rPr lang="en-US" altLang="zh-CN" sz="1600" dirty="0" smtClean="0"/>
+              <a:t>3</a:t>
+            </a:r>
+            <a:r>
+              <a:rPr lang="zh-CN" altLang="en-US" sz="1600" dirty="0" smtClean="0"/>
+              <a:t>、团队开发的协作性</a:t>
+            </a:r>
+            <a:endParaRPr lang="en-US" altLang="zh-CN" sz="1600" dirty="0" smtClean="0"/>
+          </a:p>
+          <a:p>
+            <a:endParaRPr lang="en-US" altLang="zh-CN" dirty="0"/>
+          </a:p>
+          <a:p>
+            <a:r>
+              <a:rPr lang="zh-CN" altLang="en-US" dirty="0" smtClean="0"/>
+              <a:t>协程间“通信”的本质：</a:t>
+            </a:r>
+            <a:endParaRPr lang="en-US" altLang="zh-CN" dirty="0" smtClean="0"/>
+          </a:p>
+          <a:p>
+            <a:r>
+              <a:rPr lang="en-US" altLang="zh-CN" sz="1600" dirty="0" smtClean="0"/>
+              <a:t>- </a:t>
+            </a:r>
+            <a:r>
+              <a:rPr lang="zh-CN" altLang="en-US" sz="1600" dirty="0" smtClean="0"/>
+              <a:t>协程间数据的传递通过协程上下文的切换，本质上是协程间的数据交换</a:t>
+            </a:r>
+            <a:endParaRPr lang="en-US" altLang="zh-CN" sz="1600" dirty="0" smtClean="0"/>
+          </a:p>
+          <a:p>
+            <a:endParaRPr lang="en-US" altLang="zh-CN" dirty="0"/>
+          </a:p>
+          <a:p>
+            <a:r>
+              <a:rPr lang="zh-CN" altLang="en-US" dirty="0" smtClean="0"/>
+              <a:t>协程间“通信”的成本：</a:t>
+            </a:r>
+            <a:endParaRPr lang="en-US" altLang="zh-CN" dirty="0" smtClean="0"/>
+          </a:p>
+          <a:p>
+            <a:r>
+              <a:rPr lang="en-US" altLang="zh-CN" sz="1600" dirty="0" smtClean="0"/>
+              <a:t>1</a:t>
+            </a:r>
+            <a:r>
+              <a:rPr lang="zh-CN" altLang="en-US" sz="1600" dirty="0" smtClean="0"/>
+              <a:t>、协程上下文切换</a:t>
+            </a:r>
+            <a:endParaRPr lang="en-US" altLang="zh-CN" sz="1600" dirty="0" smtClean="0"/>
+          </a:p>
+          <a:p>
+            <a:r>
+              <a:rPr lang="en-US" altLang="zh-CN" sz="1600" dirty="0" smtClean="0"/>
+              <a:t>2</a:t>
+            </a:r>
+            <a:r>
+              <a:rPr lang="zh-CN" altLang="en-US" sz="1600" dirty="0" smtClean="0"/>
+              <a:t>、内存分配、释放</a:t>
+            </a:r>
+            <a:endParaRPr lang="en-US" altLang="zh-CN" sz="1600" dirty="0" smtClean="0"/>
+          </a:p>
+          <a:p>
+            <a:r>
+              <a:rPr lang="en-US" altLang="zh-CN" sz="1600" dirty="0" smtClean="0"/>
+              <a:t>3</a:t>
+            </a:r>
+            <a:r>
+              <a:rPr lang="zh-CN" altLang="en-US" sz="1600" dirty="0" smtClean="0"/>
+              <a:t>、数据拷贝</a:t>
+            </a:r>
+            <a:endParaRPr lang="en-US" altLang="zh-CN" sz="1600" dirty="0" smtClean="0"/>
+          </a:p>
+          <a:p>
+            <a:endParaRPr lang="en-US" altLang="zh-CN" dirty="0" smtClean="0"/>
+          </a:p>
+          <a:p>
+            <a:r>
+              <a:rPr lang="zh-CN" altLang="en-US" dirty="0" smtClean="0"/>
+              <a:t>协程间“通信”方式：</a:t>
+            </a:r>
+            <a:endParaRPr lang="en-US" altLang="zh-CN" dirty="0" smtClean="0"/>
+          </a:p>
+          <a:p>
+            <a:r>
+              <a:rPr lang="en-US" altLang="zh-CN" dirty="0" smtClean="0"/>
+              <a:t>- </a:t>
+            </a:r>
+            <a:r>
+              <a:rPr lang="zh-CN" altLang="en-US" sz="1600" dirty="0" smtClean="0"/>
+              <a:t>支持多对多数据交互</a:t>
+            </a:r>
+            <a:endParaRPr lang="zh-CN" altLang="en-US" sz="1600" dirty="0"/>
           </a:p>
         </p:txBody>
       </p:sp>
     </p:spTree>
     <p:extLst>
       <p:ext uri="{BB962C8B-B14F-4D97-AF65-F5344CB8AC3E}">
-        <p14:creationId xmlns:p14="http://schemas.microsoft.com/office/powerpoint/2010/main" val="1080140722"/>
+        <p14:creationId xmlns:p14="http://schemas.microsoft.com/office/powerpoint/2010/main" val="1199947123"/>
       </p:ext>
     </p:extLst>
   </p:cSld>
@@ -15808,9 +16531,17 @@
           <a:p>
             <a:r>
               <a:rPr lang="zh-CN" altLang="en-US" dirty="0" smtClean="0"/>
-              <a:t>注意事项</a:t>
-            </a:r>
-            <a:endParaRPr lang="zh-CN" altLang="en-US" dirty="0"/>
+              <a:t>协程间通信 </a:t>
+            </a:r>
+            <a:r>
+              <a:rPr lang="en-US" altLang="zh-CN" dirty="0" smtClean="0"/>
+              <a:t>--- </a:t>
+            </a:r>
+            <a:r>
+              <a:rPr lang="zh-CN" altLang="en-US" sz="2000" dirty="0" smtClean="0"/>
+              <a:t>设计要点</a:t>
+            </a:r>
+            <a:endParaRPr lang="zh-CN" altLang="en-US" sz="2000" dirty="0"/>
           </a:p>
         </p:txBody>
       </p:sp>
@@ -15824,25 +16555,1041 @@
             <p:ph idx="1"/>
           </p:nvPr>
         </p:nvSpPr>
-        <p:spPr/>
+        <p:spPr>
+          <a:xfrm>
+            <a:off x="428596" y="4407011"/>
+            <a:ext cx="8229600" cy="1784257"/>
+          </a:xfrm>
+        </p:spPr>
         <p:txBody>
-          <a:bodyPr/>
+          <a:bodyPr>
+            <a:normAutofit/>
+          </a:bodyPr>
           <a:lstStyle/>
           <a:p>
-            <a:endParaRPr lang="zh-CN" altLang="en-US"/>
+            <a:r>
+              <a:rPr lang="en-US" altLang="zh-CN" sz="1600" dirty="0" smtClean="0"/>
+              <a:t>- </a:t>
+            </a:r>
+            <a:r>
+              <a:rPr lang="zh-CN" altLang="en-US" sz="1600" dirty="0" smtClean="0"/>
+              <a:t>协程通信管道支持多对多方式</a:t>
+            </a:r>
+            <a:endParaRPr lang="en-US" altLang="zh-CN" sz="1600" dirty="0" smtClean="0"/>
+          </a:p>
+          <a:p>
+            <a:r>
+              <a:rPr lang="en-US" altLang="zh-CN" sz="1600" dirty="0" smtClean="0"/>
+              <a:t>- </a:t>
+            </a:r>
+            <a:r>
+              <a:rPr lang="zh-CN" altLang="en-US" sz="1600" dirty="0" smtClean="0"/>
+              <a:t>协程间通信通过切换协程上下文及数据交换完成</a:t>
+            </a:r>
+            <a:endParaRPr lang="en-US" altLang="zh-CN" sz="1600" dirty="0" smtClean="0"/>
+          </a:p>
+          <a:p>
+            <a:r>
+              <a:rPr lang="en-US" altLang="zh-CN" sz="1600" dirty="0" smtClean="0"/>
+              <a:t>- </a:t>
+            </a:r>
+            <a:r>
+              <a:rPr lang="zh-CN" altLang="en-US" sz="1600" dirty="0" smtClean="0"/>
+              <a:t>协程间通信时的数据交换支持缓冲模式</a:t>
+            </a:r>
+            <a:endParaRPr lang="en-US" altLang="zh-CN" sz="1600" dirty="0" smtClean="0"/>
+          </a:p>
+          <a:p>
+            <a:r>
+              <a:rPr lang="en-US" altLang="zh-CN" sz="1600" dirty="0" smtClean="0"/>
+              <a:t>- </a:t>
+            </a:r>
+            <a:r>
+              <a:rPr lang="zh-CN" altLang="en-US" sz="1600" dirty="0" smtClean="0"/>
+              <a:t>协程间通信时的数据交换采用随机分配方式</a:t>
+            </a:r>
+            <a:endParaRPr lang="zh-CN" altLang="en-US" sz="1600" dirty="0"/>
           </a:p>
         </p:txBody>
       </p:sp>
+      <p:sp>
+        <p:nvSpPr>
+          <p:cNvPr id="6" name="圆角矩形 5"/>
+          <p:cNvSpPr/>
+          <p:nvPr/>
+        </p:nvSpPr>
+        <p:spPr>
+          <a:xfrm>
+            <a:off x="3275856" y="1628800"/>
+            <a:ext cx="1123524" cy="329461"/>
+          </a:xfrm>
+          <a:prstGeom prst="roundRect">
+            <a:avLst/>
+          </a:prstGeom>
+          <a:ln>
+            <a:noFill/>
+          </a:ln>
+        </p:spPr>
+        <p:style>
+          <a:lnRef idx="2">
+            <a:schemeClr val="accent1">
+              <a:shade val="50000"/>
+            </a:schemeClr>
+          </a:lnRef>
+          <a:fillRef idx="1">
+            <a:schemeClr val="accent1"/>
+          </a:fillRef>
+          <a:effectRef idx="0">
+            <a:schemeClr val="accent1"/>
+          </a:effectRef>
+          <a:fontRef idx="minor">
+            <a:schemeClr val="lt1"/>
+          </a:fontRef>
+        </p:style>
+        <p:txBody>
+          <a:bodyPr rtlCol="0" anchor="ctr"/>
+          <a:lstStyle/>
+          <a:p>
+            <a:pPr algn="ctr"/>
+            <a:r>
+              <a:rPr lang="en-US" altLang="zh-CN" dirty="0" smtClean="0"/>
+              <a:t>channel</a:t>
+            </a:r>
+            <a:endParaRPr lang="zh-CN" altLang="en-US" dirty="0"/>
+          </a:p>
+        </p:txBody>
+      </p:sp>
+      <p:sp>
+        <p:nvSpPr>
+          <p:cNvPr id="7" name="椭圆 6"/>
+          <p:cNvSpPr/>
+          <p:nvPr/>
+        </p:nvSpPr>
+        <p:spPr>
+          <a:xfrm>
+            <a:off x="1763688" y="1340768"/>
+            <a:ext cx="1080120" cy="216024"/>
+          </a:xfrm>
+          <a:prstGeom prst="ellipse">
+            <a:avLst/>
+          </a:prstGeom>
+          <a:solidFill>
+            <a:srgbClr val="00B050"/>
+          </a:solidFill>
+          <a:ln>
+            <a:noFill/>
+          </a:ln>
+        </p:spPr>
+        <p:style>
+          <a:lnRef idx="2">
+            <a:schemeClr val="accent1">
+              <a:shade val="50000"/>
+            </a:schemeClr>
+          </a:lnRef>
+          <a:fillRef idx="1">
+            <a:schemeClr val="accent1"/>
+          </a:fillRef>
+          <a:effectRef idx="0">
+            <a:schemeClr val="accent1"/>
+          </a:effectRef>
+          <a:fontRef idx="minor">
+            <a:schemeClr val="lt1"/>
+          </a:fontRef>
+        </p:style>
+        <p:txBody>
+          <a:bodyPr rtlCol="0" anchor="ctr"/>
+          <a:lstStyle/>
+          <a:p>
+            <a:pPr algn="ctr"/>
+            <a:r>
+              <a:rPr lang="en-US" altLang="zh-CN" sz="1100" dirty="0" smtClean="0"/>
+              <a:t>producer</a:t>
+            </a:r>
+            <a:endParaRPr lang="zh-CN" altLang="en-US" sz="1100" dirty="0"/>
+          </a:p>
+        </p:txBody>
+      </p:sp>
+      <p:sp>
+        <p:nvSpPr>
+          <p:cNvPr id="8" name="椭圆 7"/>
+          <p:cNvSpPr/>
+          <p:nvPr/>
+        </p:nvSpPr>
+        <p:spPr>
+          <a:xfrm>
+            <a:off x="1758256" y="1702409"/>
+            <a:ext cx="1080120" cy="182984"/>
+          </a:xfrm>
+          <a:prstGeom prst="ellipse">
+            <a:avLst/>
+          </a:prstGeom>
+          <a:solidFill>
+            <a:srgbClr val="00B050"/>
+          </a:solidFill>
+          <a:ln>
+            <a:noFill/>
+          </a:ln>
+        </p:spPr>
+        <p:style>
+          <a:lnRef idx="2">
+            <a:schemeClr val="accent1">
+              <a:shade val="50000"/>
+            </a:schemeClr>
+          </a:lnRef>
+          <a:fillRef idx="1">
+            <a:schemeClr val="accent1"/>
+          </a:fillRef>
+          <a:effectRef idx="0">
+            <a:schemeClr val="accent1"/>
+          </a:effectRef>
+          <a:fontRef idx="minor">
+            <a:schemeClr val="lt1"/>
+          </a:fontRef>
+        </p:style>
+        <p:txBody>
+          <a:bodyPr rtlCol="0" anchor="ctr"/>
+          <a:lstStyle/>
+          <a:p>
+            <a:pPr algn="ctr"/>
+            <a:r>
+              <a:rPr lang="en-US" altLang="zh-CN" sz="1100" dirty="0" smtClean="0"/>
+              <a:t>producer</a:t>
+            </a:r>
+            <a:endParaRPr lang="zh-CN" altLang="en-US" sz="1100" dirty="0"/>
+          </a:p>
+        </p:txBody>
+      </p:sp>
+      <p:sp>
+        <p:nvSpPr>
+          <p:cNvPr id="9" name="椭圆 8"/>
+          <p:cNvSpPr/>
+          <p:nvPr/>
+        </p:nvSpPr>
+        <p:spPr>
+          <a:xfrm>
+            <a:off x="1758256" y="2031870"/>
+            <a:ext cx="1080120" cy="204186"/>
+          </a:xfrm>
+          <a:prstGeom prst="ellipse">
+            <a:avLst/>
+          </a:prstGeom>
+          <a:solidFill>
+            <a:srgbClr val="00B050"/>
+          </a:solidFill>
+          <a:ln>
+            <a:noFill/>
+          </a:ln>
+        </p:spPr>
+        <p:style>
+          <a:lnRef idx="2">
+            <a:schemeClr val="accent1">
+              <a:shade val="50000"/>
+            </a:schemeClr>
+          </a:lnRef>
+          <a:fillRef idx="1">
+            <a:schemeClr val="accent1"/>
+          </a:fillRef>
+          <a:effectRef idx="0">
+            <a:schemeClr val="accent1"/>
+          </a:effectRef>
+          <a:fontRef idx="minor">
+            <a:schemeClr val="lt1"/>
+          </a:fontRef>
+        </p:style>
+        <p:txBody>
+          <a:bodyPr rtlCol="0" anchor="ctr"/>
+          <a:lstStyle/>
+          <a:p>
+            <a:pPr algn="ctr"/>
+            <a:r>
+              <a:rPr lang="en-US" altLang="zh-CN" sz="1100" dirty="0" smtClean="0"/>
+              <a:t>producer</a:t>
+            </a:r>
+            <a:endParaRPr lang="zh-CN" altLang="en-US" sz="1100" dirty="0"/>
+          </a:p>
+        </p:txBody>
+      </p:sp>
+      <p:cxnSp>
+        <p:nvCxnSpPr>
+          <p:cNvPr id="11" name="直接箭头连接符 10"/>
+          <p:cNvCxnSpPr>
+            <a:stCxn id="7" idx="6"/>
+            <a:endCxn id="6" idx="1"/>
+          </p:cNvCxnSpPr>
+          <p:nvPr/>
+        </p:nvCxnSpPr>
+        <p:spPr>
+          <a:xfrm>
+            <a:off x="2843808" y="1448780"/>
+            <a:ext cx="432048" cy="344751"/>
+          </a:xfrm>
+          <a:prstGeom prst="straightConnector1">
+            <a:avLst/>
+          </a:prstGeom>
+          <a:ln>
+            <a:tailEnd type="triangle"/>
+          </a:ln>
+        </p:spPr>
+        <p:style>
+          <a:lnRef idx="1">
+            <a:schemeClr val="accent1"/>
+          </a:lnRef>
+          <a:fillRef idx="0">
+            <a:schemeClr val="accent1"/>
+          </a:fillRef>
+          <a:effectRef idx="0">
+            <a:schemeClr val="accent1"/>
+          </a:effectRef>
+          <a:fontRef idx="minor">
+            <a:schemeClr val="tx1"/>
+          </a:fontRef>
+        </p:style>
+      </p:cxnSp>
+      <p:cxnSp>
+        <p:nvCxnSpPr>
+          <p:cNvPr id="13" name="直接箭头连接符 12"/>
+          <p:cNvCxnSpPr>
+            <a:stCxn id="8" idx="6"/>
+            <a:endCxn id="6" idx="1"/>
+          </p:cNvCxnSpPr>
+          <p:nvPr/>
+        </p:nvCxnSpPr>
+        <p:spPr>
+          <a:xfrm flipV="1">
+            <a:off x="2838376" y="1793531"/>
+            <a:ext cx="437480" cy="370"/>
+          </a:xfrm>
+          <a:prstGeom prst="straightConnector1">
+            <a:avLst/>
+          </a:prstGeom>
+          <a:ln>
+            <a:tailEnd type="triangle"/>
+          </a:ln>
+        </p:spPr>
+        <p:style>
+          <a:lnRef idx="1">
+            <a:schemeClr val="accent1"/>
+          </a:lnRef>
+          <a:fillRef idx="0">
+            <a:schemeClr val="accent1"/>
+          </a:fillRef>
+          <a:effectRef idx="0">
+            <a:schemeClr val="accent1"/>
+          </a:effectRef>
+          <a:fontRef idx="minor">
+            <a:schemeClr val="tx1"/>
+          </a:fontRef>
+        </p:style>
+      </p:cxnSp>
+      <p:cxnSp>
+        <p:nvCxnSpPr>
+          <p:cNvPr id="15" name="直接箭头连接符 14"/>
+          <p:cNvCxnSpPr>
+            <a:stCxn id="9" idx="6"/>
+            <a:endCxn id="6" idx="1"/>
+          </p:cNvCxnSpPr>
+          <p:nvPr/>
+        </p:nvCxnSpPr>
+        <p:spPr>
+          <a:xfrm flipV="1">
+            <a:off x="2838376" y="1793531"/>
+            <a:ext cx="437480" cy="340432"/>
+          </a:xfrm>
+          <a:prstGeom prst="straightConnector1">
+            <a:avLst/>
+          </a:prstGeom>
+          <a:ln>
+            <a:tailEnd type="triangle"/>
+          </a:ln>
+        </p:spPr>
+        <p:style>
+          <a:lnRef idx="1">
+            <a:schemeClr val="accent1"/>
+          </a:lnRef>
+          <a:fillRef idx="0">
+            <a:schemeClr val="accent1"/>
+          </a:fillRef>
+          <a:effectRef idx="0">
+            <a:schemeClr val="accent1"/>
+          </a:effectRef>
+          <a:fontRef idx="minor">
+            <a:schemeClr val="tx1"/>
+          </a:fontRef>
+        </p:style>
+      </p:cxnSp>
+      <p:sp>
+        <p:nvSpPr>
+          <p:cNvPr id="22" name="椭圆 21"/>
+          <p:cNvSpPr/>
+          <p:nvPr/>
+        </p:nvSpPr>
+        <p:spPr>
+          <a:xfrm>
+            <a:off x="4865464" y="1173716"/>
+            <a:ext cx="1080120" cy="216024"/>
+          </a:xfrm>
+          <a:prstGeom prst="ellipse">
+            <a:avLst/>
+          </a:prstGeom>
+          <a:solidFill>
+            <a:srgbClr val="0070C0"/>
+          </a:solidFill>
+          <a:ln>
+            <a:noFill/>
+          </a:ln>
+        </p:spPr>
+        <p:style>
+          <a:lnRef idx="2">
+            <a:schemeClr val="accent1">
+              <a:shade val="50000"/>
+            </a:schemeClr>
+          </a:lnRef>
+          <a:fillRef idx="1">
+            <a:schemeClr val="accent1"/>
+          </a:fillRef>
+          <a:effectRef idx="0">
+            <a:schemeClr val="accent1"/>
+          </a:effectRef>
+          <a:fontRef idx="minor">
+            <a:schemeClr val="lt1"/>
+          </a:fontRef>
+        </p:style>
+        <p:txBody>
+          <a:bodyPr rtlCol="0" anchor="ctr"/>
+          <a:lstStyle/>
+          <a:p>
+            <a:pPr algn="ctr"/>
+            <a:r>
+              <a:rPr lang="en-US" altLang="zh-CN" sz="1100" dirty="0" smtClean="0"/>
+              <a:t>consumer</a:t>
+            </a:r>
+            <a:endParaRPr lang="zh-CN" altLang="en-US" sz="1100" dirty="0"/>
+          </a:p>
+        </p:txBody>
+      </p:sp>
+      <p:sp>
+        <p:nvSpPr>
+          <p:cNvPr id="23" name="椭圆 22"/>
+          <p:cNvSpPr/>
+          <p:nvPr/>
+        </p:nvSpPr>
+        <p:spPr>
+          <a:xfrm>
+            <a:off x="4860032" y="1535357"/>
+            <a:ext cx="1080120" cy="182984"/>
+          </a:xfrm>
+          <a:prstGeom prst="ellipse">
+            <a:avLst/>
+          </a:prstGeom>
+          <a:solidFill>
+            <a:srgbClr val="0070C0"/>
+          </a:solidFill>
+          <a:ln>
+            <a:noFill/>
+          </a:ln>
+        </p:spPr>
+        <p:style>
+          <a:lnRef idx="2">
+            <a:schemeClr val="accent1">
+              <a:shade val="50000"/>
+            </a:schemeClr>
+          </a:lnRef>
+          <a:fillRef idx="1">
+            <a:schemeClr val="accent1"/>
+          </a:fillRef>
+          <a:effectRef idx="0">
+            <a:schemeClr val="accent1"/>
+          </a:effectRef>
+          <a:fontRef idx="minor">
+            <a:schemeClr val="lt1"/>
+          </a:fontRef>
+        </p:style>
+        <p:txBody>
+          <a:bodyPr rtlCol="0" anchor="ctr"/>
+          <a:lstStyle/>
+          <a:p>
+            <a:pPr algn="ctr"/>
+            <a:r>
+              <a:rPr lang="en-US" altLang="zh-CN" sz="1100" dirty="0"/>
+              <a:t>consumer</a:t>
+            </a:r>
+            <a:endParaRPr lang="zh-CN" altLang="en-US" sz="1100" dirty="0"/>
+          </a:p>
+        </p:txBody>
+      </p:sp>
+      <p:sp>
+        <p:nvSpPr>
+          <p:cNvPr id="24" name="椭圆 23"/>
+          <p:cNvSpPr/>
+          <p:nvPr/>
+        </p:nvSpPr>
+        <p:spPr>
+          <a:xfrm>
+            <a:off x="4860032" y="1864818"/>
+            <a:ext cx="1080120" cy="204186"/>
+          </a:xfrm>
+          <a:prstGeom prst="ellipse">
+            <a:avLst/>
+          </a:prstGeom>
+          <a:solidFill>
+            <a:srgbClr val="0070C0"/>
+          </a:solidFill>
+          <a:ln>
+            <a:noFill/>
+          </a:ln>
+        </p:spPr>
+        <p:style>
+          <a:lnRef idx="2">
+            <a:schemeClr val="accent1">
+              <a:shade val="50000"/>
+            </a:schemeClr>
+          </a:lnRef>
+          <a:fillRef idx="1">
+            <a:schemeClr val="accent1"/>
+          </a:fillRef>
+          <a:effectRef idx="0">
+            <a:schemeClr val="accent1"/>
+          </a:effectRef>
+          <a:fontRef idx="minor">
+            <a:schemeClr val="lt1"/>
+          </a:fontRef>
+        </p:style>
+        <p:txBody>
+          <a:bodyPr rtlCol="0" anchor="ctr"/>
+          <a:lstStyle/>
+          <a:p>
+            <a:pPr algn="ctr"/>
+            <a:r>
+              <a:rPr lang="en-US" altLang="zh-CN" sz="1100" dirty="0"/>
+              <a:t>consumer</a:t>
+            </a:r>
+            <a:endParaRPr lang="zh-CN" altLang="en-US" sz="1100" dirty="0"/>
+          </a:p>
+        </p:txBody>
+      </p:sp>
+      <p:sp>
+        <p:nvSpPr>
+          <p:cNvPr id="25" name="椭圆 24"/>
+          <p:cNvSpPr/>
+          <p:nvPr/>
+        </p:nvSpPr>
+        <p:spPr>
+          <a:xfrm>
+            <a:off x="4869284" y="2216702"/>
+            <a:ext cx="1080120" cy="204186"/>
+          </a:xfrm>
+          <a:prstGeom prst="ellipse">
+            <a:avLst/>
+          </a:prstGeom>
+          <a:solidFill>
+            <a:srgbClr val="0070C0"/>
+          </a:solidFill>
+          <a:ln>
+            <a:noFill/>
+          </a:ln>
+        </p:spPr>
+        <p:style>
+          <a:lnRef idx="2">
+            <a:schemeClr val="accent1">
+              <a:shade val="50000"/>
+            </a:schemeClr>
+          </a:lnRef>
+          <a:fillRef idx="1">
+            <a:schemeClr val="accent1"/>
+          </a:fillRef>
+          <a:effectRef idx="0">
+            <a:schemeClr val="accent1"/>
+          </a:effectRef>
+          <a:fontRef idx="minor">
+            <a:schemeClr val="lt1"/>
+          </a:fontRef>
+        </p:style>
+        <p:txBody>
+          <a:bodyPr rtlCol="0" anchor="ctr"/>
+          <a:lstStyle/>
+          <a:p>
+            <a:pPr algn="ctr"/>
+            <a:r>
+              <a:rPr lang="en-US" altLang="zh-CN" sz="1100" dirty="0"/>
+              <a:t>consumer</a:t>
+            </a:r>
+            <a:endParaRPr lang="zh-CN" altLang="en-US" sz="1100" dirty="0"/>
+          </a:p>
+        </p:txBody>
+      </p:sp>
+      <p:cxnSp>
+        <p:nvCxnSpPr>
+          <p:cNvPr id="27" name="直接箭头连接符 26"/>
+          <p:cNvCxnSpPr>
+            <a:stCxn id="6" idx="3"/>
+            <a:endCxn id="22" idx="2"/>
+          </p:cNvCxnSpPr>
+          <p:nvPr/>
+        </p:nvCxnSpPr>
+        <p:spPr>
+          <a:xfrm flipV="1">
+            <a:off x="4399380" y="1281728"/>
+            <a:ext cx="466084" cy="511803"/>
+          </a:xfrm>
+          <a:prstGeom prst="straightConnector1">
+            <a:avLst/>
+          </a:prstGeom>
+          <a:ln>
+            <a:tailEnd type="triangle"/>
+          </a:ln>
+        </p:spPr>
+        <p:style>
+          <a:lnRef idx="1">
+            <a:schemeClr val="accent1"/>
+          </a:lnRef>
+          <a:fillRef idx="0">
+            <a:schemeClr val="accent1"/>
+          </a:fillRef>
+          <a:effectRef idx="0">
+            <a:schemeClr val="accent1"/>
+          </a:effectRef>
+          <a:fontRef idx="minor">
+            <a:schemeClr val="tx1"/>
+          </a:fontRef>
+        </p:style>
+      </p:cxnSp>
+      <p:cxnSp>
+        <p:nvCxnSpPr>
+          <p:cNvPr id="29" name="直接箭头连接符 28"/>
+          <p:cNvCxnSpPr>
+            <a:stCxn id="6" idx="3"/>
+            <a:endCxn id="23" idx="2"/>
+          </p:cNvCxnSpPr>
+          <p:nvPr/>
+        </p:nvCxnSpPr>
+        <p:spPr>
+          <a:xfrm flipV="1">
+            <a:off x="4399380" y="1626849"/>
+            <a:ext cx="460652" cy="166682"/>
+          </a:xfrm>
+          <a:prstGeom prst="straightConnector1">
+            <a:avLst/>
+          </a:prstGeom>
+          <a:ln>
+            <a:tailEnd type="triangle"/>
+          </a:ln>
+        </p:spPr>
+        <p:style>
+          <a:lnRef idx="1">
+            <a:schemeClr val="accent1"/>
+          </a:lnRef>
+          <a:fillRef idx="0">
+            <a:schemeClr val="accent1"/>
+          </a:fillRef>
+          <a:effectRef idx="0">
+            <a:schemeClr val="accent1"/>
+          </a:effectRef>
+          <a:fontRef idx="minor">
+            <a:schemeClr val="tx1"/>
+          </a:fontRef>
+        </p:style>
+      </p:cxnSp>
+      <p:cxnSp>
+        <p:nvCxnSpPr>
+          <p:cNvPr id="31" name="直接箭头连接符 30"/>
+          <p:cNvCxnSpPr>
+            <a:stCxn id="6" idx="3"/>
+            <a:endCxn id="24" idx="2"/>
+          </p:cNvCxnSpPr>
+          <p:nvPr/>
+        </p:nvCxnSpPr>
+        <p:spPr>
+          <a:xfrm>
+            <a:off x="4399380" y="1793531"/>
+            <a:ext cx="460652" cy="173380"/>
+          </a:xfrm>
+          <a:prstGeom prst="straightConnector1">
+            <a:avLst/>
+          </a:prstGeom>
+          <a:ln>
+            <a:tailEnd type="triangle"/>
+          </a:ln>
+        </p:spPr>
+        <p:style>
+          <a:lnRef idx="1">
+            <a:schemeClr val="accent1"/>
+          </a:lnRef>
+          <a:fillRef idx="0">
+            <a:schemeClr val="accent1"/>
+          </a:fillRef>
+          <a:effectRef idx="0">
+            <a:schemeClr val="accent1"/>
+          </a:effectRef>
+          <a:fontRef idx="minor">
+            <a:schemeClr val="tx1"/>
+          </a:fontRef>
+        </p:style>
+      </p:cxnSp>
+      <p:cxnSp>
+        <p:nvCxnSpPr>
+          <p:cNvPr id="33" name="直接箭头连接符 32"/>
+          <p:cNvCxnSpPr>
+            <a:stCxn id="6" idx="3"/>
+            <a:endCxn id="25" idx="2"/>
+          </p:cNvCxnSpPr>
+          <p:nvPr/>
+        </p:nvCxnSpPr>
+        <p:spPr>
+          <a:xfrm>
+            <a:off x="4399380" y="1793531"/>
+            <a:ext cx="469904" cy="525264"/>
+          </a:xfrm>
+          <a:prstGeom prst="straightConnector1">
+            <a:avLst/>
+          </a:prstGeom>
+          <a:ln>
+            <a:tailEnd type="triangle"/>
+          </a:ln>
+        </p:spPr>
+        <p:style>
+          <a:lnRef idx="1">
+            <a:schemeClr val="accent1"/>
+          </a:lnRef>
+          <a:fillRef idx="0">
+            <a:schemeClr val="accent1"/>
+          </a:fillRef>
+          <a:effectRef idx="0">
+            <a:schemeClr val="accent1"/>
+          </a:effectRef>
+          <a:fontRef idx="minor">
+            <a:schemeClr val="tx1"/>
+          </a:fontRef>
+        </p:style>
+      </p:cxnSp>
+      <p:sp>
+        <p:nvSpPr>
+          <p:cNvPr id="34" name="椭圆 33"/>
+          <p:cNvSpPr/>
+          <p:nvPr/>
+        </p:nvSpPr>
+        <p:spPr>
+          <a:xfrm>
+            <a:off x="3112912" y="2754913"/>
+            <a:ext cx="1449412" cy="864096"/>
+          </a:xfrm>
+          <a:prstGeom prst="ellipse">
+            <a:avLst/>
+          </a:prstGeom>
+          <a:solidFill>
+            <a:srgbClr val="7030A0"/>
+          </a:solidFill>
+          <a:ln>
+            <a:noFill/>
+          </a:ln>
+        </p:spPr>
+        <p:style>
+          <a:lnRef idx="2">
+            <a:schemeClr val="accent1">
+              <a:shade val="50000"/>
+            </a:schemeClr>
+          </a:lnRef>
+          <a:fillRef idx="1">
+            <a:schemeClr val="accent1"/>
+          </a:fillRef>
+          <a:effectRef idx="0">
+            <a:schemeClr val="accent1"/>
+          </a:effectRef>
+          <a:fontRef idx="minor">
+            <a:schemeClr val="lt1"/>
+          </a:fontRef>
+        </p:style>
+        <p:txBody>
+          <a:bodyPr rtlCol="0" anchor="ctr"/>
+          <a:lstStyle/>
+          <a:p>
+            <a:pPr algn="ctr"/>
+            <a:r>
+              <a:rPr lang="zh-CN" altLang="en-US" sz="1200" dirty="0" smtClean="0"/>
+              <a:t>协程调度器</a:t>
+            </a:r>
+            <a:endParaRPr lang="zh-CN" altLang="en-US" sz="1200" dirty="0"/>
+          </a:p>
+        </p:txBody>
+      </p:sp>
+      <p:cxnSp>
+        <p:nvCxnSpPr>
+          <p:cNvPr id="36" name="曲线连接符 35"/>
+          <p:cNvCxnSpPr>
+            <a:stCxn id="34" idx="2"/>
+            <a:endCxn id="7" idx="2"/>
+          </p:cNvCxnSpPr>
+          <p:nvPr/>
+        </p:nvCxnSpPr>
+        <p:spPr>
+          <a:xfrm rot="10800000">
+            <a:off x="1763688" y="1448781"/>
+            <a:ext cx="1349224" cy="1738181"/>
+          </a:xfrm>
+          <a:prstGeom prst="curvedConnector3">
+            <a:avLst>
+              <a:gd name="adj1" fmla="val 162125"/>
+            </a:avLst>
+          </a:prstGeom>
+          <a:ln>
+            <a:tailEnd type="triangle"/>
+          </a:ln>
+        </p:spPr>
+        <p:style>
+          <a:lnRef idx="1">
+            <a:schemeClr val="accent1"/>
+          </a:lnRef>
+          <a:fillRef idx="0">
+            <a:schemeClr val="accent1"/>
+          </a:fillRef>
+          <a:effectRef idx="0">
+            <a:schemeClr val="accent1"/>
+          </a:effectRef>
+          <a:fontRef idx="minor">
+            <a:schemeClr val="tx1"/>
+          </a:fontRef>
+        </p:style>
+      </p:cxnSp>
+      <p:cxnSp>
+        <p:nvCxnSpPr>
+          <p:cNvPr id="39" name="曲线连接符 38"/>
+          <p:cNvCxnSpPr>
+            <a:stCxn id="34" idx="2"/>
+            <a:endCxn id="8" idx="2"/>
+          </p:cNvCxnSpPr>
+          <p:nvPr/>
+        </p:nvCxnSpPr>
+        <p:spPr>
+          <a:xfrm rot="10800000">
+            <a:off x="1758256" y="1793901"/>
+            <a:ext cx="1354656" cy="1393060"/>
+          </a:xfrm>
+          <a:prstGeom prst="curvedConnector3">
+            <a:avLst>
+              <a:gd name="adj1" fmla="val 116875"/>
+            </a:avLst>
+          </a:prstGeom>
+          <a:ln>
+            <a:tailEnd type="triangle"/>
+          </a:ln>
+        </p:spPr>
+        <p:style>
+          <a:lnRef idx="1">
+            <a:schemeClr val="accent1"/>
+          </a:lnRef>
+          <a:fillRef idx="0">
+            <a:schemeClr val="accent1"/>
+          </a:fillRef>
+          <a:effectRef idx="0">
+            <a:schemeClr val="accent1"/>
+          </a:effectRef>
+          <a:fontRef idx="minor">
+            <a:schemeClr val="tx1"/>
+          </a:fontRef>
+        </p:style>
+      </p:cxnSp>
+      <p:cxnSp>
+        <p:nvCxnSpPr>
+          <p:cNvPr id="41" name="曲线连接符 40"/>
+          <p:cNvCxnSpPr>
+            <a:stCxn id="34" idx="2"/>
+            <a:endCxn id="9" idx="4"/>
+          </p:cNvCxnSpPr>
+          <p:nvPr/>
+        </p:nvCxnSpPr>
+        <p:spPr>
+          <a:xfrm rot="10800000">
+            <a:off x="2298316" y="2236057"/>
+            <a:ext cx="814596" cy="950905"/>
+          </a:xfrm>
+          <a:prstGeom prst="curvedConnector2">
+            <a:avLst/>
+          </a:prstGeom>
+          <a:ln>
+            <a:tailEnd type="triangle"/>
+          </a:ln>
+        </p:spPr>
+        <p:style>
+          <a:lnRef idx="1">
+            <a:schemeClr val="accent1"/>
+          </a:lnRef>
+          <a:fillRef idx="0">
+            <a:schemeClr val="accent1"/>
+          </a:fillRef>
+          <a:effectRef idx="0">
+            <a:schemeClr val="accent1"/>
+          </a:effectRef>
+          <a:fontRef idx="minor">
+            <a:schemeClr val="tx1"/>
+          </a:fontRef>
+        </p:style>
+      </p:cxnSp>
+      <p:cxnSp>
+        <p:nvCxnSpPr>
+          <p:cNvPr id="43" name="曲线连接符 42"/>
+          <p:cNvCxnSpPr>
+            <a:stCxn id="34" idx="6"/>
+            <a:endCxn id="22" idx="6"/>
+          </p:cNvCxnSpPr>
+          <p:nvPr/>
+        </p:nvCxnSpPr>
+        <p:spPr>
+          <a:xfrm flipV="1">
+            <a:off x="4562324" y="1281728"/>
+            <a:ext cx="1383260" cy="1905233"/>
+          </a:xfrm>
+          <a:prstGeom prst="curvedConnector3">
+            <a:avLst>
+              <a:gd name="adj1" fmla="val 166105"/>
+            </a:avLst>
+          </a:prstGeom>
+          <a:ln>
+            <a:tailEnd type="triangle"/>
+          </a:ln>
+        </p:spPr>
+        <p:style>
+          <a:lnRef idx="1">
+            <a:schemeClr val="accent1"/>
+          </a:lnRef>
+          <a:fillRef idx="0">
+            <a:schemeClr val="accent1"/>
+          </a:fillRef>
+          <a:effectRef idx="0">
+            <a:schemeClr val="accent1"/>
+          </a:effectRef>
+          <a:fontRef idx="minor">
+            <a:schemeClr val="tx1"/>
+          </a:fontRef>
+        </p:style>
+      </p:cxnSp>
+      <p:cxnSp>
+        <p:nvCxnSpPr>
+          <p:cNvPr id="46" name="曲线连接符 45"/>
+          <p:cNvCxnSpPr>
+            <a:stCxn id="34" idx="6"/>
+            <a:endCxn id="23" idx="6"/>
+          </p:cNvCxnSpPr>
+          <p:nvPr/>
+        </p:nvCxnSpPr>
+        <p:spPr>
+          <a:xfrm flipV="1">
+            <a:off x="4562324" y="1626849"/>
+            <a:ext cx="1377828" cy="1560112"/>
+          </a:xfrm>
+          <a:prstGeom prst="curvedConnector3">
+            <a:avLst>
+              <a:gd name="adj1" fmla="val 147008"/>
+            </a:avLst>
+          </a:prstGeom>
+          <a:ln>
+            <a:tailEnd type="triangle"/>
+          </a:ln>
+        </p:spPr>
+        <p:style>
+          <a:lnRef idx="1">
+            <a:schemeClr val="accent1"/>
+          </a:lnRef>
+          <a:fillRef idx="0">
+            <a:schemeClr val="accent1"/>
+          </a:fillRef>
+          <a:effectRef idx="0">
+            <a:schemeClr val="accent1"/>
+          </a:effectRef>
+          <a:fontRef idx="minor">
+            <a:schemeClr val="tx1"/>
+          </a:fontRef>
+        </p:style>
+      </p:cxnSp>
+      <p:cxnSp>
+        <p:nvCxnSpPr>
+          <p:cNvPr id="49" name="曲线连接符 48"/>
+          <p:cNvCxnSpPr>
+            <a:stCxn id="34" idx="6"/>
+            <a:endCxn id="24" idx="6"/>
+          </p:cNvCxnSpPr>
+          <p:nvPr/>
+        </p:nvCxnSpPr>
+        <p:spPr>
+          <a:xfrm flipV="1">
+            <a:off x="4562324" y="1966911"/>
+            <a:ext cx="1377828" cy="1220050"/>
+          </a:xfrm>
+          <a:prstGeom prst="curvedConnector3">
+            <a:avLst>
+              <a:gd name="adj1" fmla="val 118434"/>
+            </a:avLst>
+          </a:prstGeom>
+          <a:ln>
+            <a:tailEnd type="triangle"/>
+          </a:ln>
+        </p:spPr>
+        <p:style>
+          <a:lnRef idx="1">
+            <a:schemeClr val="accent1"/>
+          </a:lnRef>
+          <a:fillRef idx="0">
+            <a:schemeClr val="accent1"/>
+          </a:fillRef>
+          <a:effectRef idx="0">
+            <a:schemeClr val="accent1"/>
+          </a:effectRef>
+          <a:fontRef idx="minor">
+            <a:schemeClr val="tx1"/>
+          </a:fontRef>
+        </p:style>
+      </p:cxnSp>
+      <p:cxnSp>
+        <p:nvCxnSpPr>
+          <p:cNvPr id="52" name="曲线连接符 51"/>
+          <p:cNvCxnSpPr>
+            <a:stCxn id="34" idx="6"/>
+            <a:endCxn id="25" idx="4"/>
+          </p:cNvCxnSpPr>
+          <p:nvPr/>
+        </p:nvCxnSpPr>
+        <p:spPr>
+          <a:xfrm flipV="1">
+            <a:off x="4562324" y="2420888"/>
+            <a:ext cx="847020" cy="766073"/>
+          </a:xfrm>
+          <a:prstGeom prst="curvedConnector2">
+            <a:avLst/>
+          </a:prstGeom>
+          <a:ln>
+            <a:tailEnd type="triangle"/>
+          </a:ln>
+        </p:spPr>
+        <p:style>
+          <a:lnRef idx="1">
+            <a:schemeClr val="accent1"/>
+          </a:lnRef>
+          <a:fillRef idx="0">
+            <a:schemeClr val="accent1"/>
+          </a:fillRef>
+          <a:effectRef idx="0">
+            <a:schemeClr val="accent1"/>
+          </a:effectRef>
+          <a:fontRef idx="minor">
+            <a:schemeClr val="tx1"/>
+          </a:fontRef>
+        </p:style>
+      </p:cxnSp>
     </p:spTree>
     <p:extLst>
       <p:ext uri="{BB962C8B-B14F-4D97-AF65-F5344CB8AC3E}">
-        <p14:creationId xmlns:p14="http://schemas.microsoft.com/office/powerpoint/2010/main" val="3977930256"/>
+        <p14:creationId xmlns:p14="http://schemas.microsoft.com/office/powerpoint/2010/main" val="3681865729"/>
       </p:ext>
     </p:extLst>
   </p:cSld>
   <p:clrMapOvr>
     <a:masterClrMapping/>
   </p:clrMapOvr>
+  <p:timing>
+    <p:tnLst>
+      <p:par>
+        <p:cTn id="1" dur="indefinite" restart="never" nodeType="tmRoot"/>
+      </p:par>
+    </p:tnLst>
+  </p:timing>
 </p:sld>
 </file>
 
@@ -15863,6 +17610,1152 @@
           <a:chExt cx="0" cy="0"/>
         </a:xfrm>
       </p:grpSpPr>
+      <p:sp>
+        <p:nvSpPr>
+          <p:cNvPr id="2" name="标题 1"/>
+          <p:cNvSpPr>
+            <a:spLocks noGrp="1"/>
+          </p:cNvSpPr>
+          <p:nvPr>
+            <p:ph type="title"/>
+          </p:nvPr>
+        </p:nvSpPr>
+        <p:spPr/>
+        <p:txBody>
+          <a:bodyPr/>
+          <a:lstStyle/>
+          <a:p>
+            <a:r>
+              <a:rPr lang="zh-CN" altLang="en-US" dirty="0" smtClean="0"/>
+              <a:t>线程间通信 </a:t>
+            </a:r>
+            <a:r>
+              <a:rPr lang="en-US" altLang="zh-CN" dirty="0" smtClean="0"/>
+              <a:t>--- </a:t>
+            </a:r>
+            <a:r>
+              <a:rPr lang="zh-CN" altLang="en-US" sz="2000" dirty="0" smtClean="0"/>
+              <a:t>设计要点</a:t>
+            </a:r>
+            <a:endParaRPr lang="zh-CN" altLang="en-US" sz="2000" dirty="0"/>
+          </a:p>
+        </p:txBody>
+      </p:sp>
+      <p:sp>
+        <p:nvSpPr>
+          <p:cNvPr id="3" name="内容占位符 2"/>
+          <p:cNvSpPr>
+            <a:spLocks noGrp="1"/>
+          </p:cNvSpPr>
+          <p:nvPr>
+            <p:ph idx="1"/>
+          </p:nvPr>
+        </p:nvSpPr>
+        <p:spPr>
+          <a:xfrm>
+            <a:off x="428596" y="1047733"/>
+            <a:ext cx="8229600" cy="2381267"/>
+          </a:xfrm>
+        </p:spPr>
+        <p:txBody>
+          <a:bodyPr/>
+          <a:lstStyle/>
+          <a:p>
+            <a:r>
+              <a:rPr lang="zh-CN" altLang="en-US" dirty="0" smtClean="0"/>
+              <a:t>协程模式下为何需要线程间通信？</a:t>
+            </a:r>
+            <a:endParaRPr lang="en-US" altLang="zh-CN" dirty="0" smtClean="0"/>
+          </a:p>
+          <a:p>
+            <a:r>
+              <a:rPr lang="en-US" altLang="zh-CN" sz="1600" dirty="0" smtClean="0"/>
+              <a:t>- </a:t>
+            </a:r>
+            <a:r>
+              <a:rPr lang="zh-CN" altLang="en-US" sz="1600" dirty="0" smtClean="0"/>
+              <a:t>为使用多核，开启多个线程，线程间需要交换数据</a:t>
+            </a:r>
+            <a:endParaRPr lang="en-US" altLang="zh-CN" sz="1600" dirty="0" smtClean="0"/>
+          </a:p>
+          <a:p>
+            <a:r>
+              <a:rPr lang="en-US" altLang="zh-CN" sz="1600" dirty="0" smtClean="0"/>
+              <a:t>- </a:t>
+            </a:r>
+            <a:r>
+              <a:rPr lang="zh-CN" altLang="en-US" sz="1600" dirty="0" smtClean="0"/>
+              <a:t>有些任务需要在线程池里异步完成，结果需要传递给主线程</a:t>
+            </a:r>
+            <a:endParaRPr lang="en-US" altLang="zh-CN" sz="1600" dirty="0" smtClean="0"/>
+          </a:p>
+          <a:p>
+            <a:endParaRPr lang="en-US" altLang="zh-CN" dirty="0"/>
+          </a:p>
+          <a:p>
+            <a:r>
+              <a:rPr lang="zh-CN" altLang="en-US" dirty="0" smtClean="0"/>
+              <a:t>协程模式下线程间的通信方式：</a:t>
+            </a:r>
+            <a:endParaRPr lang="en-US" altLang="zh-CN" dirty="0" smtClean="0"/>
+          </a:p>
+          <a:p>
+            <a:r>
+              <a:rPr lang="en-US" altLang="zh-CN" sz="1600" dirty="0" smtClean="0"/>
+              <a:t>- </a:t>
+            </a:r>
+            <a:r>
+              <a:rPr lang="zh-CN" altLang="en-US" sz="1600" dirty="0" smtClean="0"/>
+              <a:t>无锁消息队列 </a:t>
+            </a:r>
+            <a:r>
+              <a:rPr lang="en-US" altLang="zh-CN" sz="1600" dirty="0" smtClean="0"/>
+              <a:t>+ IO </a:t>
+            </a:r>
+            <a:r>
+              <a:rPr lang="zh-CN" altLang="en-US" sz="1600" dirty="0" smtClean="0"/>
+              <a:t>模式</a:t>
+            </a:r>
+            <a:endParaRPr lang="zh-CN" altLang="en-US" sz="1600" dirty="0"/>
+          </a:p>
+        </p:txBody>
+      </p:sp>
+      <p:sp>
+        <p:nvSpPr>
+          <p:cNvPr id="4" name="矩形 3"/>
+          <p:cNvSpPr/>
+          <p:nvPr/>
+        </p:nvSpPr>
+        <p:spPr>
+          <a:xfrm>
+            <a:off x="3275856" y="3969060"/>
+            <a:ext cx="1368152" cy="360040"/>
+          </a:xfrm>
+          <a:prstGeom prst="rect">
+            <a:avLst/>
+          </a:prstGeom>
+          <a:solidFill>
+            <a:srgbClr val="00B0F0"/>
+          </a:solidFill>
+          <a:ln>
+            <a:noFill/>
+          </a:ln>
+        </p:spPr>
+        <p:style>
+          <a:lnRef idx="2">
+            <a:schemeClr val="accent1">
+              <a:shade val="50000"/>
+            </a:schemeClr>
+          </a:lnRef>
+          <a:fillRef idx="1">
+            <a:schemeClr val="accent1"/>
+          </a:fillRef>
+          <a:effectRef idx="0">
+            <a:schemeClr val="accent1"/>
+          </a:effectRef>
+          <a:fontRef idx="minor">
+            <a:schemeClr val="lt1"/>
+          </a:fontRef>
+        </p:style>
+        <p:txBody>
+          <a:bodyPr rtlCol="0" anchor="ctr"/>
+          <a:lstStyle/>
+          <a:p>
+            <a:pPr algn="ctr"/>
+            <a:r>
+              <a:rPr lang="zh-CN" altLang="en-US" sz="1200" dirty="0" smtClean="0"/>
+              <a:t>无锁队列</a:t>
+            </a:r>
+            <a:endParaRPr lang="zh-CN" altLang="en-US" sz="1200" dirty="0"/>
+          </a:p>
+        </p:txBody>
+      </p:sp>
+      <p:sp>
+        <p:nvSpPr>
+          <p:cNvPr id="5" name="椭圆 4"/>
+          <p:cNvSpPr/>
+          <p:nvPr/>
+        </p:nvSpPr>
+        <p:spPr>
+          <a:xfrm>
+            <a:off x="1331640" y="3429000"/>
+            <a:ext cx="1008112" cy="360040"/>
+          </a:xfrm>
+          <a:prstGeom prst="ellipse">
+            <a:avLst/>
+          </a:prstGeom>
+          <a:solidFill>
+            <a:srgbClr val="00B050"/>
+          </a:solidFill>
+          <a:ln>
+            <a:noFill/>
+          </a:ln>
+        </p:spPr>
+        <p:style>
+          <a:lnRef idx="2">
+            <a:schemeClr val="accent1">
+              <a:shade val="50000"/>
+            </a:schemeClr>
+          </a:lnRef>
+          <a:fillRef idx="1">
+            <a:schemeClr val="accent1"/>
+          </a:fillRef>
+          <a:effectRef idx="0">
+            <a:schemeClr val="accent1"/>
+          </a:effectRef>
+          <a:fontRef idx="minor">
+            <a:schemeClr val="lt1"/>
+          </a:fontRef>
+        </p:style>
+        <p:txBody>
+          <a:bodyPr rtlCol="0" anchor="ctr"/>
+          <a:lstStyle/>
+          <a:p>
+            <a:pPr algn="ctr"/>
+            <a:r>
+              <a:rPr lang="en-US" altLang="zh-CN" sz="1100" dirty="0" smtClean="0"/>
+              <a:t>producer</a:t>
+            </a:r>
+            <a:endParaRPr lang="zh-CN" altLang="en-US" sz="1100" dirty="0"/>
+          </a:p>
+        </p:txBody>
+      </p:sp>
+      <p:sp>
+        <p:nvSpPr>
+          <p:cNvPr id="6" name="椭圆 5"/>
+          <p:cNvSpPr/>
+          <p:nvPr/>
+        </p:nvSpPr>
+        <p:spPr>
+          <a:xfrm>
+            <a:off x="1331640" y="3969060"/>
+            <a:ext cx="1008112" cy="360040"/>
+          </a:xfrm>
+          <a:prstGeom prst="ellipse">
+            <a:avLst/>
+          </a:prstGeom>
+          <a:solidFill>
+            <a:srgbClr val="00B050"/>
+          </a:solidFill>
+          <a:ln>
+            <a:noFill/>
+          </a:ln>
+        </p:spPr>
+        <p:style>
+          <a:lnRef idx="2">
+            <a:schemeClr val="accent1">
+              <a:shade val="50000"/>
+            </a:schemeClr>
+          </a:lnRef>
+          <a:fillRef idx="1">
+            <a:schemeClr val="accent1"/>
+          </a:fillRef>
+          <a:effectRef idx="0">
+            <a:schemeClr val="accent1"/>
+          </a:effectRef>
+          <a:fontRef idx="minor">
+            <a:schemeClr val="lt1"/>
+          </a:fontRef>
+        </p:style>
+        <p:txBody>
+          <a:bodyPr rtlCol="0" anchor="ctr"/>
+          <a:lstStyle/>
+          <a:p>
+            <a:pPr algn="ctr"/>
+            <a:r>
+              <a:rPr lang="en-US" altLang="zh-CN" sz="1100" dirty="0" smtClean="0"/>
+              <a:t>producer</a:t>
+            </a:r>
+            <a:endParaRPr lang="zh-CN" altLang="en-US" sz="1100" dirty="0"/>
+          </a:p>
+        </p:txBody>
+      </p:sp>
+      <p:sp>
+        <p:nvSpPr>
+          <p:cNvPr id="7" name="椭圆 6"/>
+          <p:cNvSpPr/>
+          <p:nvPr/>
+        </p:nvSpPr>
+        <p:spPr>
+          <a:xfrm>
+            <a:off x="1331640" y="4509120"/>
+            <a:ext cx="1008112" cy="360040"/>
+          </a:xfrm>
+          <a:prstGeom prst="ellipse">
+            <a:avLst/>
+          </a:prstGeom>
+          <a:solidFill>
+            <a:srgbClr val="00B050"/>
+          </a:solidFill>
+          <a:ln>
+            <a:noFill/>
+          </a:ln>
+        </p:spPr>
+        <p:style>
+          <a:lnRef idx="2">
+            <a:schemeClr val="accent1">
+              <a:shade val="50000"/>
+            </a:schemeClr>
+          </a:lnRef>
+          <a:fillRef idx="1">
+            <a:schemeClr val="accent1"/>
+          </a:fillRef>
+          <a:effectRef idx="0">
+            <a:schemeClr val="accent1"/>
+          </a:effectRef>
+          <a:fontRef idx="minor">
+            <a:schemeClr val="lt1"/>
+          </a:fontRef>
+        </p:style>
+        <p:txBody>
+          <a:bodyPr rtlCol="0" anchor="ctr"/>
+          <a:lstStyle/>
+          <a:p>
+            <a:pPr algn="ctr"/>
+            <a:r>
+              <a:rPr lang="en-US" altLang="zh-CN" sz="1100" dirty="0" smtClean="0"/>
+              <a:t>producer</a:t>
+            </a:r>
+            <a:endParaRPr lang="zh-CN" altLang="en-US" sz="1100" dirty="0"/>
+          </a:p>
+        </p:txBody>
+      </p:sp>
+      <p:cxnSp>
+        <p:nvCxnSpPr>
+          <p:cNvPr id="13" name="直接箭头连接符 12"/>
+          <p:cNvCxnSpPr>
+            <a:stCxn id="5" idx="6"/>
+            <a:endCxn id="4" idx="1"/>
+          </p:cNvCxnSpPr>
+          <p:nvPr/>
+        </p:nvCxnSpPr>
+        <p:spPr>
+          <a:xfrm>
+            <a:off x="2339752" y="3609020"/>
+            <a:ext cx="936104" cy="540060"/>
+          </a:xfrm>
+          <a:prstGeom prst="straightConnector1">
+            <a:avLst/>
+          </a:prstGeom>
+          <a:ln>
+            <a:tailEnd type="triangle"/>
+          </a:ln>
+        </p:spPr>
+        <p:style>
+          <a:lnRef idx="1">
+            <a:schemeClr val="accent1"/>
+          </a:lnRef>
+          <a:fillRef idx="0">
+            <a:schemeClr val="accent1"/>
+          </a:fillRef>
+          <a:effectRef idx="0">
+            <a:schemeClr val="accent1"/>
+          </a:effectRef>
+          <a:fontRef idx="minor">
+            <a:schemeClr val="tx1"/>
+          </a:fontRef>
+        </p:style>
+      </p:cxnSp>
+      <p:cxnSp>
+        <p:nvCxnSpPr>
+          <p:cNvPr id="15" name="直接箭头连接符 14"/>
+          <p:cNvCxnSpPr>
+            <a:stCxn id="6" idx="6"/>
+            <a:endCxn id="4" idx="1"/>
+          </p:cNvCxnSpPr>
+          <p:nvPr/>
+        </p:nvCxnSpPr>
+        <p:spPr>
+          <a:xfrm>
+            <a:off x="2339752" y="4149080"/>
+            <a:ext cx="936104" cy="0"/>
+          </a:xfrm>
+          <a:prstGeom prst="straightConnector1">
+            <a:avLst/>
+          </a:prstGeom>
+          <a:ln>
+            <a:tailEnd type="triangle"/>
+          </a:ln>
+        </p:spPr>
+        <p:style>
+          <a:lnRef idx="1">
+            <a:schemeClr val="accent1"/>
+          </a:lnRef>
+          <a:fillRef idx="0">
+            <a:schemeClr val="accent1"/>
+          </a:fillRef>
+          <a:effectRef idx="0">
+            <a:schemeClr val="accent1"/>
+          </a:effectRef>
+          <a:fontRef idx="minor">
+            <a:schemeClr val="tx1"/>
+          </a:fontRef>
+        </p:style>
+      </p:cxnSp>
+      <p:cxnSp>
+        <p:nvCxnSpPr>
+          <p:cNvPr id="17" name="直接箭头连接符 16"/>
+          <p:cNvCxnSpPr>
+            <a:stCxn id="7" idx="6"/>
+            <a:endCxn id="4" idx="1"/>
+          </p:cNvCxnSpPr>
+          <p:nvPr/>
+        </p:nvCxnSpPr>
+        <p:spPr>
+          <a:xfrm flipV="1">
+            <a:off x="2339752" y="4149080"/>
+            <a:ext cx="936104" cy="540060"/>
+          </a:xfrm>
+          <a:prstGeom prst="straightConnector1">
+            <a:avLst/>
+          </a:prstGeom>
+          <a:ln>
+            <a:tailEnd type="triangle"/>
+          </a:ln>
+        </p:spPr>
+        <p:style>
+          <a:lnRef idx="1">
+            <a:schemeClr val="accent1"/>
+          </a:lnRef>
+          <a:fillRef idx="0">
+            <a:schemeClr val="accent1"/>
+          </a:fillRef>
+          <a:effectRef idx="0">
+            <a:schemeClr val="accent1"/>
+          </a:effectRef>
+          <a:fontRef idx="minor">
+            <a:schemeClr val="tx1"/>
+          </a:fontRef>
+        </p:style>
+      </p:cxnSp>
+      <p:sp>
+        <p:nvSpPr>
+          <p:cNvPr id="24" name="椭圆 23"/>
+          <p:cNvSpPr/>
+          <p:nvPr/>
+        </p:nvSpPr>
+        <p:spPr>
+          <a:xfrm>
+            <a:off x="5580112" y="3969060"/>
+            <a:ext cx="1080120" cy="360040"/>
+          </a:xfrm>
+          <a:prstGeom prst="ellipse">
+            <a:avLst/>
+          </a:prstGeom>
+          <a:solidFill>
+            <a:schemeClr val="accent4">
+              <a:lumMod val="50000"/>
+              <a:lumOff val="50000"/>
+            </a:schemeClr>
+          </a:solidFill>
+          <a:ln>
+            <a:noFill/>
+          </a:ln>
+        </p:spPr>
+        <p:style>
+          <a:lnRef idx="2">
+            <a:schemeClr val="accent1">
+              <a:shade val="50000"/>
+            </a:schemeClr>
+          </a:lnRef>
+          <a:fillRef idx="1">
+            <a:schemeClr val="accent1"/>
+          </a:fillRef>
+          <a:effectRef idx="0">
+            <a:schemeClr val="accent1"/>
+          </a:effectRef>
+          <a:fontRef idx="minor">
+            <a:schemeClr val="lt1"/>
+          </a:fontRef>
+        </p:style>
+        <p:txBody>
+          <a:bodyPr rtlCol="0" anchor="ctr"/>
+          <a:lstStyle/>
+          <a:p>
+            <a:pPr algn="ctr"/>
+            <a:r>
+              <a:rPr lang="en-US" altLang="zh-CN" sz="1100" dirty="0" smtClean="0"/>
+              <a:t>consumer</a:t>
+            </a:r>
+            <a:endParaRPr lang="zh-CN" altLang="en-US" sz="1100" dirty="0"/>
+          </a:p>
+        </p:txBody>
+      </p:sp>
+      <p:cxnSp>
+        <p:nvCxnSpPr>
+          <p:cNvPr id="26" name="直接箭头连接符 25"/>
+          <p:cNvCxnSpPr>
+            <a:stCxn id="4" idx="3"/>
+            <a:endCxn id="24" idx="2"/>
+          </p:cNvCxnSpPr>
+          <p:nvPr/>
+        </p:nvCxnSpPr>
+        <p:spPr>
+          <a:xfrm>
+            <a:off x="4644008" y="4149080"/>
+            <a:ext cx="936104" cy="0"/>
+          </a:xfrm>
+          <a:prstGeom prst="straightConnector1">
+            <a:avLst/>
+          </a:prstGeom>
+          <a:ln>
+            <a:tailEnd type="triangle"/>
+          </a:ln>
+        </p:spPr>
+        <p:style>
+          <a:lnRef idx="1">
+            <a:schemeClr val="accent1"/>
+          </a:lnRef>
+          <a:fillRef idx="0">
+            <a:schemeClr val="accent1"/>
+          </a:fillRef>
+          <a:effectRef idx="0">
+            <a:schemeClr val="accent1"/>
+          </a:effectRef>
+          <a:fontRef idx="minor">
+            <a:schemeClr val="tx1"/>
+          </a:fontRef>
+        </p:style>
+      </p:cxnSp>
+      <p:sp>
+        <p:nvSpPr>
+          <p:cNvPr id="27" name="矩形 26"/>
+          <p:cNvSpPr/>
+          <p:nvPr/>
+        </p:nvSpPr>
+        <p:spPr>
+          <a:xfrm>
+            <a:off x="3275856" y="4329100"/>
+            <a:ext cx="1368152" cy="180020"/>
+          </a:xfrm>
+          <a:prstGeom prst="rect">
+            <a:avLst/>
+          </a:prstGeom>
+          <a:solidFill>
+            <a:schemeClr val="accent2">
+              <a:lumMod val="75000"/>
+            </a:schemeClr>
+          </a:solidFill>
+          <a:ln>
+            <a:noFill/>
+          </a:ln>
+        </p:spPr>
+        <p:style>
+          <a:lnRef idx="2">
+            <a:schemeClr val="accent1">
+              <a:shade val="50000"/>
+            </a:schemeClr>
+          </a:lnRef>
+          <a:fillRef idx="1">
+            <a:schemeClr val="accent1"/>
+          </a:fillRef>
+          <a:effectRef idx="0">
+            <a:schemeClr val="accent1"/>
+          </a:effectRef>
+          <a:fontRef idx="minor">
+            <a:schemeClr val="lt1"/>
+          </a:fontRef>
+        </p:style>
+        <p:txBody>
+          <a:bodyPr rtlCol="0" anchor="ctr"/>
+          <a:lstStyle/>
+          <a:p>
+            <a:pPr algn="ctr"/>
+            <a:r>
+              <a:rPr lang="en-US" altLang="zh-CN" sz="1200" dirty="0" smtClean="0"/>
+              <a:t>IO</a:t>
+            </a:r>
+            <a:r>
+              <a:rPr lang="zh-CN" altLang="en-US" sz="1200" dirty="0" smtClean="0"/>
+              <a:t>管道</a:t>
+            </a:r>
+            <a:endParaRPr lang="zh-CN" altLang="en-US" sz="1200" dirty="0"/>
+          </a:p>
+        </p:txBody>
+      </p:sp>
+      <p:sp>
+        <p:nvSpPr>
+          <p:cNvPr id="28" name="文本框 27"/>
+          <p:cNvSpPr txBox="1"/>
+          <p:nvPr/>
+        </p:nvSpPr>
+        <p:spPr>
+          <a:xfrm>
+            <a:off x="899592" y="5301208"/>
+            <a:ext cx="7344816" cy="1077218"/>
+          </a:xfrm>
+          <a:prstGeom prst="rect">
+            <a:avLst/>
+          </a:prstGeom>
+          <a:noFill/>
+        </p:spPr>
+        <p:txBody>
+          <a:bodyPr wrap="square" rtlCol="0">
+            <a:spAutoFit/>
+          </a:bodyPr>
+          <a:lstStyle/>
+          <a:p>
+            <a:r>
+              <a:rPr lang="en-US" altLang="zh-CN" sz="1600" dirty="0" smtClean="0"/>
+              <a:t>1</a:t>
+            </a:r>
+            <a:r>
+              <a:rPr lang="zh-CN" altLang="en-US" sz="1600" dirty="0" smtClean="0"/>
+              <a:t>、生产者</a:t>
+            </a:r>
+            <a:r>
+              <a:rPr lang="en-US" altLang="zh-CN" sz="1600" dirty="0" smtClean="0"/>
+              <a:t>/</a:t>
+            </a:r>
+            <a:r>
+              <a:rPr lang="zh-CN" altLang="en-US" sz="1600" dirty="0" smtClean="0"/>
+              <a:t>消费者之间优先通过无锁队列进行数据传递</a:t>
+            </a:r>
+            <a:endParaRPr lang="en-US" altLang="zh-CN" sz="1600" dirty="0" smtClean="0"/>
+          </a:p>
+          <a:p>
+            <a:r>
+              <a:rPr lang="en-US" altLang="zh-CN" sz="1600" dirty="0" smtClean="0"/>
+              <a:t>2</a:t>
+            </a:r>
+            <a:r>
+              <a:rPr lang="zh-CN" altLang="en-US" sz="1600" dirty="0" smtClean="0"/>
+              <a:t>、当生产者无数据时，消费者通过</a:t>
+            </a:r>
+            <a:r>
+              <a:rPr lang="en-US" altLang="zh-CN" sz="1600" dirty="0" smtClean="0"/>
+              <a:t>IO</a:t>
+            </a:r>
+            <a:r>
+              <a:rPr lang="zh-CN" altLang="en-US" sz="1600" dirty="0" smtClean="0"/>
+              <a:t>堵塞</a:t>
+            </a:r>
+            <a:endParaRPr lang="en-US" altLang="zh-CN" sz="1600" dirty="0" smtClean="0"/>
+          </a:p>
+          <a:p>
+            <a:r>
+              <a:rPr lang="en-US" altLang="zh-CN" sz="1600" dirty="0" smtClean="0"/>
+              <a:t>3</a:t>
+            </a:r>
+            <a:r>
+              <a:rPr lang="zh-CN" altLang="en-US" sz="1600" dirty="0" smtClean="0"/>
+              <a:t>、当消费者堵塞在</a:t>
+            </a:r>
+            <a:r>
+              <a:rPr lang="en-US" altLang="zh-CN" sz="1600" dirty="0" smtClean="0"/>
+              <a:t>IO</a:t>
+            </a:r>
+            <a:r>
+              <a:rPr lang="zh-CN" altLang="en-US" sz="1600" dirty="0" smtClean="0"/>
+              <a:t>等待新消息时，生产者若有新消息则通过</a:t>
+            </a:r>
+            <a:r>
+              <a:rPr lang="en-US" altLang="zh-CN" sz="1600" dirty="0" smtClean="0"/>
+              <a:t>IO</a:t>
+            </a:r>
+            <a:r>
+              <a:rPr lang="zh-CN" altLang="en-US" sz="1600" dirty="0" smtClean="0"/>
+              <a:t>通知消费者</a:t>
+            </a:r>
+            <a:endParaRPr lang="en-US" altLang="zh-CN" sz="1600" dirty="0" smtClean="0"/>
+          </a:p>
+          <a:p>
+            <a:r>
+              <a:rPr lang="en-US" altLang="zh-CN" sz="1600" dirty="0" smtClean="0"/>
+              <a:t>4</a:t>
+            </a:r>
+            <a:r>
+              <a:rPr lang="zh-CN" altLang="en-US" sz="1600" dirty="0" smtClean="0"/>
+              <a:t>、无锁队列利用率越高，则处理性能越高</a:t>
+            </a:r>
+            <a:endParaRPr lang="en-US" altLang="zh-CN" sz="1600" dirty="0" smtClean="0"/>
+          </a:p>
+        </p:txBody>
+      </p:sp>
+    </p:spTree>
+    <p:extLst>
+      <p:ext uri="{BB962C8B-B14F-4D97-AF65-F5344CB8AC3E}">
+        <p14:creationId xmlns:p14="http://schemas.microsoft.com/office/powerpoint/2010/main" val="1490133852"/>
+      </p:ext>
+    </p:extLst>
+  </p:cSld>
+  <p:clrMapOvr>
+    <a:masterClrMapping/>
+  </p:clrMapOvr>
+  <p:timing>
+    <p:tnLst>
+      <p:par>
+        <p:cTn id="1" dur="indefinite" restart="never" nodeType="tmRoot"/>
+      </p:par>
+    </p:tnLst>
+  </p:timing>
+</p:sld>
+</file>
+
+<file path=ppt/slides/slide23.xml><?xml version="1.0" encoding="utf-8"?>
+<p:sld xmlns:a="http://schemas.openxmlformats.org/drawingml/2006/main" xmlns:r="http://schemas.openxmlformats.org/officeDocument/2006/relationships" xmlns:p="http://schemas.openxmlformats.org/presentationml/2006/main">
+  <p:cSld>
+    <p:spTree>
+      <p:nvGrpSpPr>
+        <p:cNvPr id="1" name=""/>
+        <p:cNvGrpSpPr/>
+        <p:nvPr/>
+      </p:nvGrpSpPr>
+      <p:grpSpPr>
+        <a:xfrm>
+          <a:off x="0" y="0"/>
+          <a:ext cx="0" cy="0"/>
+          <a:chOff x="0" y="0"/>
+          <a:chExt cx="0" cy="0"/>
+        </a:xfrm>
+      </p:grpSpPr>
+      <p:sp>
+        <p:nvSpPr>
+          <p:cNvPr id="2" name="标题 1"/>
+          <p:cNvSpPr>
+            <a:spLocks noGrp="1"/>
+          </p:cNvSpPr>
+          <p:nvPr>
+            <p:ph type="title"/>
+          </p:nvPr>
+        </p:nvSpPr>
+        <p:spPr/>
+        <p:txBody>
+          <a:bodyPr/>
+          <a:lstStyle/>
+          <a:p>
+            <a:r>
+              <a:rPr lang="zh-CN" altLang="en-US" dirty="0" smtClean="0"/>
+              <a:t>应用场景</a:t>
+            </a:r>
+            <a:endParaRPr lang="zh-CN" altLang="en-US" dirty="0"/>
+          </a:p>
+        </p:txBody>
+      </p:sp>
+      <p:sp>
+        <p:nvSpPr>
+          <p:cNvPr id="5" name="内容占位符 4"/>
+          <p:cNvSpPr>
+            <a:spLocks noGrp="1"/>
+          </p:cNvSpPr>
+          <p:nvPr>
+            <p:ph idx="1"/>
+          </p:nvPr>
+        </p:nvSpPr>
+        <p:spPr/>
+        <p:txBody>
+          <a:bodyPr>
+            <a:normAutofit/>
+          </a:bodyPr>
+          <a:lstStyle/>
+          <a:p>
+            <a:r>
+              <a:rPr lang="zh-CN" altLang="en-US" sz="1600" dirty="0" smtClean="0"/>
+              <a:t>一、问答式应用服务</a:t>
+            </a:r>
+            <a:endParaRPr lang="en-US" altLang="zh-CN" sz="1600" dirty="0" smtClean="0"/>
+          </a:p>
+          <a:p>
+            <a:r>
+              <a:rPr lang="zh-CN" altLang="en-US" sz="1400" dirty="0" smtClean="0"/>
+              <a:t>基于 </a:t>
+            </a:r>
+            <a:r>
+              <a:rPr lang="en-US" altLang="zh-CN" sz="1400" dirty="0" smtClean="0"/>
+              <a:t>HTTP </a:t>
+            </a:r>
+            <a:r>
+              <a:rPr lang="zh-CN" altLang="en-US" sz="1400" dirty="0" smtClean="0"/>
+              <a:t>协议的服务应用，诸如：网站</a:t>
+            </a:r>
+            <a:endParaRPr lang="en-US" altLang="zh-CN" sz="1400" dirty="0" smtClean="0"/>
+          </a:p>
+          <a:p>
+            <a:r>
+              <a:rPr lang="zh-CN" altLang="en-US" sz="1400" dirty="0" smtClean="0"/>
+              <a:t>基于 </a:t>
+            </a:r>
+            <a:r>
+              <a:rPr lang="en-US" altLang="zh-CN" sz="1400" dirty="0" smtClean="0"/>
+              <a:t>SMTP/POP3/IMAP </a:t>
+            </a:r>
+            <a:r>
+              <a:rPr lang="zh-CN" altLang="en-US" sz="1400" dirty="0" smtClean="0"/>
+              <a:t>协议的服务应用</a:t>
+            </a:r>
+            <a:endParaRPr lang="en-US" altLang="zh-CN" sz="1400" dirty="0" smtClean="0"/>
+          </a:p>
+          <a:p>
+            <a:endParaRPr lang="en-US" altLang="zh-CN" sz="1400" dirty="0" smtClean="0"/>
+          </a:p>
+          <a:p>
+            <a:r>
+              <a:rPr lang="zh-CN" altLang="en-US" sz="1600" dirty="0" smtClean="0"/>
+              <a:t>二、生产者 </a:t>
+            </a:r>
+            <a:r>
+              <a:rPr lang="en-US" altLang="zh-CN" sz="1600" dirty="0" smtClean="0"/>
+              <a:t>– </a:t>
+            </a:r>
+            <a:r>
+              <a:rPr lang="zh-CN" altLang="en-US" sz="1600" dirty="0" smtClean="0"/>
+              <a:t>消费者类应用服务</a:t>
+            </a:r>
+            <a:endParaRPr lang="en-US" altLang="zh-CN" sz="1600" dirty="0" smtClean="0"/>
+          </a:p>
+          <a:p>
+            <a:r>
+              <a:rPr lang="zh-CN" altLang="en-US" sz="1400" dirty="0" smtClean="0"/>
+              <a:t>如消息队列类应用</a:t>
+            </a:r>
+            <a:endParaRPr lang="en-US" altLang="zh-CN" sz="1400" dirty="0" smtClean="0"/>
+          </a:p>
+          <a:p>
+            <a:endParaRPr lang="en-US" altLang="zh-CN" sz="1400" dirty="0" smtClean="0"/>
+          </a:p>
+          <a:p>
+            <a:r>
+              <a:rPr lang="zh-CN" altLang="en-US" sz="1600" dirty="0"/>
+              <a:t>三</a:t>
+            </a:r>
+            <a:r>
+              <a:rPr lang="zh-CN" altLang="en-US" sz="1600" dirty="0" smtClean="0"/>
+              <a:t>、</a:t>
+            </a:r>
+            <a:r>
+              <a:rPr lang="en-US" altLang="zh-CN" sz="1600" dirty="0" smtClean="0"/>
+              <a:t>reactor </a:t>
+            </a:r>
+            <a:r>
+              <a:rPr lang="zh-CN" altLang="en-US" sz="1600" dirty="0" smtClean="0"/>
+              <a:t>和 </a:t>
+            </a:r>
+            <a:r>
+              <a:rPr lang="en-US" altLang="zh-CN" sz="1600" dirty="0" err="1" smtClean="0"/>
+              <a:t>proactor</a:t>
+            </a:r>
+            <a:r>
+              <a:rPr lang="en-US" altLang="zh-CN" sz="1600" dirty="0" smtClean="0"/>
+              <a:t> </a:t>
+            </a:r>
+            <a:r>
+              <a:rPr lang="zh-CN" altLang="en-US" sz="1600" dirty="0" smtClean="0"/>
+              <a:t>两种模式的结合</a:t>
+            </a:r>
+            <a:endParaRPr lang="en-US" altLang="zh-CN" sz="1600" dirty="0" smtClean="0"/>
+          </a:p>
+          <a:p>
+            <a:r>
+              <a:rPr lang="zh-CN" altLang="en-US" sz="1400" dirty="0" smtClean="0"/>
+              <a:t>统一的事件引擎监控所有的网络连接，有一个连接就绪时创建协程独立处理</a:t>
+            </a:r>
+            <a:endParaRPr lang="en-US" altLang="zh-CN" sz="1400" dirty="0" smtClean="0"/>
+          </a:p>
+          <a:p>
+            <a:r>
+              <a:rPr lang="zh-CN" altLang="en-US" sz="1400" dirty="0" smtClean="0"/>
+              <a:t>此类应用如聊天服务、游戏服务等无状态的应用服务</a:t>
+            </a:r>
+            <a:endParaRPr lang="en-US" altLang="zh-CN" sz="1400" dirty="0" smtClean="0"/>
+          </a:p>
+          <a:p>
+            <a:endParaRPr lang="en-US" altLang="zh-CN" sz="1400" dirty="0" smtClean="0"/>
+          </a:p>
+          <a:p>
+            <a:r>
+              <a:rPr lang="zh-CN" altLang="en-US" sz="1600" dirty="0"/>
+              <a:t>四</a:t>
+            </a:r>
+            <a:r>
+              <a:rPr lang="zh-CN" altLang="en-US" sz="1600" dirty="0" smtClean="0"/>
+              <a:t>、大并发类应用服务</a:t>
+            </a:r>
+            <a:endParaRPr lang="en-US" altLang="zh-CN" sz="1600" dirty="0" smtClean="0"/>
+          </a:p>
+          <a:p>
+            <a:r>
+              <a:rPr lang="zh-CN" altLang="en-US" sz="1400" dirty="0" smtClean="0"/>
+              <a:t>因为通过协程方式，将上层应用的堵塞式在底层转为非阻塞模式，所以非常容易以较低资源支持大并发类应用</a:t>
+            </a:r>
+            <a:endParaRPr lang="en-US" altLang="zh-CN" sz="1400" dirty="0" smtClean="0"/>
+          </a:p>
+          <a:p>
+            <a:r>
+              <a:rPr lang="zh-CN" altLang="en-US" sz="1400" dirty="0" smtClean="0"/>
+              <a:t>如内网的多数应用服务为提高效率都支持连接池模式，需要服务端支持非常大的并发</a:t>
+            </a:r>
+            <a:endParaRPr lang="en-US" altLang="zh-CN" sz="1400" dirty="0" smtClean="0"/>
+          </a:p>
+          <a:p>
+            <a:endParaRPr lang="en-US" altLang="zh-CN" sz="1400" dirty="0" smtClean="0"/>
+          </a:p>
+          <a:p>
+            <a:r>
+              <a:rPr lang="zh-CN" altLang="en-US" sz="1600" dirty="0"/>
+              <a:t>五</a:t>
+            </a:r>
+            <a:r>
+              <a:rPr lang="zh-CN" altLang="en-US" sz="1600" dirty="0" smtClean="0"/>
+              <a:t>、网络限流</a:t>
+            </a:r>
+            <a:endParaRPr lang="en-US" altLang="zh-CN" sz="1600" dirty="0" smtClean="0"/>
+          </a:p>
+          <a:p>
+            <a:r>
+              <a:rPr lang="zh-CN" altLang="en-US" sz="1400" dirty="0" smtClean="0"/>
+              <a:t>在协程中可以直接 </a:t>
+            </a:r>
+            <a:r>
+              <a:rPr lang="en-US" altLang="zh-CN" sz="1400" dirty="0" smtClean="0"/>
+              <a:t>sleep</a:t>
+            </a:r>
+            <a:r>
+              <a:rPr lang="zh-CN" altLang="en-US" sz="1400" dirty="0" smtClean="0"/>
+              <a:t>，非常容易控制网络流量</a:t>
+            </a:r>
+            <a:endParaRPr lang="en-US" altLang="zh-CN" sz="1400" dirty="0" smtClean="0"/>
+          </a:p>
+          <a:p>
+            <a:endParaRPr lang="en-US" altLang="zh-CN" sz="1600" dirty="0" smtClean="0"/>
+          </a:p>
+          <a:p>
+            <a:endParaRPr lang="en-US" altLang="zh-CN" dirty="0" smtClean="0"/>
+          </a:p>
+          <a:p>
+            <a:endParaRPr lang="zh-CN" altLang="en-US" dirty="0"/>
+          </a:p>
+        </p:txBody>
+      </p:sp>
+    </p:spTree>
+    <p:extLst>
+      <p:ext uri="{BB962C8B-B14F-4D97-AF65-F5344CB8AC3E}">
+        <p14:creationId xmlns:p14="http://schemas.microsoft.com/office/powerpoint/2010/main" val="1080140722"/>
+      </p:ext>
+    </p:extLst>
+  </p:cSld>
+  <p:clrMapOvr>
+    <a:masterClrMapping/>
+  </p:clrMapOvr>
+  <p:timing>
+    <p:tnLst>
+      <p:par>
+        <p:cTn id="1" dur="indefinite" restart="never" nodeType="tmRoot"/>
+      </p:par>
+    </p:tnLst>
+  </p:timing>
+</p:sld>
+</file>
+
+<file path=ppt/slides/slide24.xml><?xml version="1.0" encoding="utf-8"?>
+<p:sld xmlns:a="http://schemas.openxmlformats.org/drawingml/2006/main" xmlns:r="http://schemas.openxmlformats.org/officeDocument/2006/relationships" xmlns:p="http://schemas.openxmlformats.org/presentationml/2006/main">
+  <p:cSld>
+    <p:spTree>
+      <p:nvGrpSpPr>
+        <p:cNvPr id="1" name=""/>
+        <p:cNvGrpSpPr/>
+        <p:nvPr/>
+      </p:nvGrpSpPr>
+      <p:grpSpPr>
+        <a:xfrm>
+          <a:off x="0" y="0"/>
+          <a:ext cx="0" cy="0"/>
+          <a:chOff x="0" y="0"/>
+          <a:chExt cx="0" cy="0"/>
+        </a:xfrm>
+      </p:grpSpPr>
+      <p:sp>
+        <p:nvSpPr>
+          <p:cNvPr id="2" name="标题 1"/>
+          <p:cNvSpPr>
+            <a:spLocks noGrp="1"/>
+          </p:cNvSpPr>
+          <p:nvPr>
+            <p:ph type="title"/>
+          </p:nvPr>
+        </p:nvSpPr>
+        <p:spPr/>
+        <p:txBody>
+          <a:bodyPr/>
+          <a:lstStyle/>
+          <a:p>
+            <a:r>
+              <a:rPr lang="zh-CN" altLang="en-US" dirty="0" smtClean="0"/>
+              <a:t>注意事项</a:t>
+            </a:r>
+            <a:endParaRPr lang="zh-CN" altLang="en-US" dirty="0"/>
+          </a:p>
+        </p:txBody>
+      </p:sp>
+      <p:sp>
+        <p:nvSpPr>
+          <p:cNvPr id="3" name="内容占位符 2"/>
+          <p:cNvSpPr>
+            <a:spLocks noGrp="1"/>
+          </p:cNvSpPr>
+          <p:nvPr>
+            <p:ph idx="1"/>
+          </p:nvPr>
+        </p:nvSpPr>
+        <p:spPr/>
+        <p:txBody>
+          <a:bodyPr/>
+          <a:lstStyle/>
+          <a:p>
+            <a:r>
+              <a:rPr lang="zh-CN" altLang="en-US" dirty="0" smtClean="0"/>
+              <a:t>一、协程运行堆栈空间的合理分配</a:t>
+            </a:r>
+            <a:endParaRPr lang="en-US" altLang="zh-CN" dirty="0" smtClean="0"/>
+          </a:p>
+          <a:p>
+            <a:r>
+              <a:rPr lang="zh-CN" altLang="en-US" sz="1600" dirty="0" smtClean="0"/>
+              <a:t>每个协程都需要分配一定的内存空间用于上下文的切换，如果分配大了则会造成内存浪费，分配小了可能造成意外不可恢复的崩溃</a:t>
+            </a:r>
+            <a:endParaRPr lang="en-US" altLang="zh-CN" sz="1600" dirty="0" smtClean="0"/>
+          </a:p>
+          <a:p>
+            <a:r>
+              <a:rPr lang="zh-CN" altLang="en-US" sz="1600" dirty="0" smtClean="0"/>
+              <a:t>一般情况下，每个协程分配</a:t>
+            </a:r>
+            <a:r>
+              <a:rPr lang="en-US" altLang="zh-CN" sz="1600" dirty="0" smtClean="0"/>
+              <a:t>32</a:t>
+            </a:r>
+            <a:r>
+              <a:rPr lang="en-US" altLang="zh-CN" sz="1600" dirty="0" smtClean="0"/>
+              <a:t>KB ~ 320KB</a:t>
+            </a:r>
+          </a:p>
+          <a:p>
+            <a:endParaRPr lang="en-US" altLang="zh-CN" sz="1600" dirty="0" smtClean="0"/>
+          </a:p>
+          <a:p>
+            <a:r>
+              <a:rPr lang="zh-CN" altLang="en-US" dirty="0" smtClean="0"/>
+              <a:t>二、协程间需要协作，防止有的忙死，有的饿死</a:t>
+            </a:r>
+            <a:endParaRPr lang="en-US" altLang="zh-CN" dirty="0" smtClean="0"/>
+          </a:p>
+          <a:p>
+            <a:r>
+              <a:rPr lang="zh-CN" altLang="en-US" sz="1600" dirty="0" smtClean="0"/>
+              <a:t>当协程长期占用 </a:t>
+            </a:r>
+            <a:r>
+              <a:rPr lang="en-US" altLang="zh-CN" sz="1600" dirty="0" smtClean="0"/>
+              <a:t>CPU </a:t>
+            </a:r>
+            <a:r>
+              <a:rPr lang="zh-CN" altLang="en-US" sz="1600" dirty="0" smtClean="0"/>
+              <a:t>时，应该主动 </a:t>
+            </a:r>
+            <a:r>
+              <a:rPr lang="en-US" altLang="zh-CN" sz="1600" dirty="0" smtClean="0"/>
+              <a:t>yield </a:t>
+            </a:r>
+            <a:r>
+              <a:rPr lang="zh-CN" altLang="en-US" sz="1600" dirty="0" smtClean="0"/>
+              <a:t>让出 </a:t>
+            </a:r>
+            <a:r>
+              <a:rPr lang="en-US" altLang="zh-CN" sz="1600" dirty="0" smtClean="0"/>
+              <a:t>CPU</a:t>
+            </a:r>
+          </a:p>
+          <a:p>
+            <a:endParaRPr lang="en-US" altLang="zh-CN" dirty="0"/>
+          </a:p>
+          <a:p>
+            <a:r>
+              <a:rPr lang="zh-CN" altLang="en-US" dirty="0" smtClean="0"/>
+              <a:t>三、协程内防止有堵塞式操作，以防堵塞当前线程中的所有协程</a:t>
+            </a:r>
+            <a:endParaRPr lang="en-US" altLang="zh-CN" dirty="0" smtClean="0"/>
+          </a:p>
+          <a:p>
+            <a:r>
+              <a:rPr lang="zh-CN" altLang="en-US" sz="1600" dirty="0" smtClean="0"/>
+              <a:t>应通过对业务逻辑模块进行分类，确定不同的协程工作方式，使堵塞操作放在线程池中运行</a:t>
+            </a:r>
+            <a:endParaRPr lang="zh-CN" altLang="en-US" sz="1600" dirty="0"/>
+          </a:p>
+        </p:txBody>
+      </p:sp>
+    </p:spTree>
+    <p:extLst>
+      <p:ext uri="{BB962C8B-B14F-4D97-AF65-F5344CB8AC3E}">
+        <p14:creationId xmlns:p14="http://schemas.microsoft.com/office/powerpoint/2010/main" val="3977930256"/>
+      </p:ext>
+    </p:extLst>
+  </p:cSld>
+  <p:clrMapOvr>
+    <a:masterClrMapping/>
+  </p:clrMapOvr>
+  <p:timing>
+    <p:tnLst>
+      <p:par>
+        <p:cTn id="1" dur="indefinite" restart="never" nodeType="tmRoot"/>
+      </p:par>
+    </p:tnLst>
+  </p:timing>
+</p:sld>
+</file>
+
+<file path=ppt/slides/slide25.xml><?xml version="1.0" encoding="utf-8"?>
+<p:sld xmlns:a="http://schemas.openxmlformats.org/drawingml/2006/main" xmlns:r="http://schemas.openxmlformats.org/officeDocument/2006/relationships" xmlns:p="http://schemas.openxmlformats.org/presentationml/2006/main">
+  <p:cSld>
+    <p:spTree>
+      <p:nvGrpSpPr>
+        <p:cNvPr id="1" name=""/>
+        <p:cNvGrpSpPr/>
+        <p:nvPr/>
+      </p:nvGrpSpPr>
+      <p:grpSpPr>
+        <a:xfrm>
+          <a:off x="0" y="0"/>
+          <a:ext cx="0" cy="0"/>
+          <a:chOff x="0" y="0"/>
+          <a:chExt cx="0" cy="0"/>
+        </a:xfrm>
+      </p:grpSpPr>
+      <p:sp>
+        <p:nvSpPr>
+          <p:cNvPr id="2" name="文本框 1"/>
+          <p:cNvSpPr txBox="1"/>
+          <p:nvPr/>
+        </p:nvSpPr>
+        <p:spPr>
+          <a:xfrm>
+            <a:off x="3347864" y="1340768"/>
+            <a:ext cx="3312368" cy="707886"/>
+          </a:xfrm>
+          <a:prstGeom prst="rect">
+            <a:avLst/>
+          </a:prstGeom>
+          <a:noFill/>
+        </p:spPr>
+        <p:txBody>
+          <a:bodyPr wrap="square" rtlCol="0">
+            <a:spAutoFit/>
+          </a:bodyPr>
+          <a:lstStyle/>
+          <a:p>
+            <a:r>
+              <a:rPr lang="zh-CN" altLang="en-US" sz="4000" dirty="0" smtClean="0">
+                <a:latin typeface="方正舒体" panose="02010601030101010101" pitchFamily="2" charset="-122"/>
+                <a:ea typeface="方正舒体" panose="02010601030101010101" pitchFamily="2" charset="-122"/>
+              </a:rPr>
+              <a:t>无协程不编程</a:t>
+            </a:r>
+            <a:endParaRPr lang="zh-CN" altLang="en-US" sz="4000" dirty="0">
+              <a:latin typeface="方正舒体" panose="02010601030101010101" pitchFamily="2" charset="-122"/>
+              <a:ea typeface="方正舒体" panose="02010601030101010101" pitchFamily="2" charset="-122"/>
+            </a:endParaRPr>
+          </a:p>
+        </p:txBody>
+      </p:sp>
     </p:spTree>
   </p:cSld>
   <p:clrMapOvr>
@@ -17601,6 +20494,13 @@
   <p:clrMapOvr>
     <a:masterClrMapping/>
   </p:clrMapOvr>
+  <p:timing>
+    <p:tnLst>
+      <p:par>
+        <p:cTn id="1" dur="indefinite" restart="never" nodeType="tmRoot"/>
+      </p:par>
+    </p:tnLst>
+  </p:timing>
 </p:sld>
 </file>
 
@@ -17705,6 +20605,13 @@
   <p:clrMapOvr>
     <a:masterClrMapping/>
   </p:clrMapOvr>
+  <p:timing>
+    <p:tnLst>
+      <p:par>
+        <p:cTn id="1" dur="indefinite" restart="never" nodeType="tmRoot"/>
+      </p:par>
+    </p:tnLst>
+  </p:timing>
 </p:sld>
 </file>
 
@@ -17790,6 +20697,13 @@
   <p:clrMapOvr>
     <a:masterClrMapping/>
   </p:clrMapOvr>
+  <p:timing>
+    <p:tnLst>
+      <p:par>
+        <p:cTn id="1" dur="indefinite" restart="never" nodeType="tmRoot"/>
+      </p:par>
+    </p:tnLst>
+  </p:timing>
 </p:sld>
 </file>
 

--- a/doc/acl_fiber.pptx
+++ b/doc/acl_fiber.pptx
@@ -5,7 +5,7 @@
     <p:sldMasterId id="2147483648" r:id="rId1"/>
   </p:sldMasterIdLst>
   <p:notesMasterIdLst>
-    <p:notesMasterId r:id="rId30"/>
+    <p:notesMasterId r:id="rId31"/>
   </p:notesMasterIdLst>
   <p:sldIdLst>
     <p:sldId id="256" r:id="rId2"/>
@@ -35,7 +35,8 @@
     <p:sldId id="373" r:id="rId26"/>
     <p:sldId id="336" r:id="rId27"/>
     <p:sldId id="350" r:id="rId28"/>
-    <p:sldId id="271" r:id="rId29"/>
+    <p:sldId id="376" r:id="rId29"/>
+    <p:sldId id="271" r:id="rId30"/>
   </p:sldIdLst>
   <p:sldSz cx="9144000" cy="6858000" type="screen4x3"/>
   <p:notesSz cx="6858000" cy="9144000"/>
@@ -931,10 +932,18 @@
         <a:lstStyle/>
         <a:p>
           <a:r>
-            <a:rPr lang="zh-CN" altLang="en-US" sz="1600" dirty="0" smtClean="0"/>
+            <a:rPr lang="zh-CN" altLang="en-US" sz="1600" b="1" dirty="0" smtClean="0">
+              <a:solidFill>
+                <a:schemeClr val="tx1"/>
+              </a:solidFill>
+            </a:rPr>
             <a:t>任务</a:t>
           </a:r>
-          <a:endParaRPr lang="zh-CN" altLang="en-US" sz="1600" dirty="0"/>
+          <a:endParaRPr lang="zh-CN" altLang="en-US" sz="1600" b="1" dirty="0">
+            <a:solidFill>
+              <a:schemeClr val="tx1"/>
+            </a:solidFill>
+          </a:endParaRPr>
         </a:p>
       </dgm:t>
     </dgm:pt>
@@ -976,10 +985,18 @@
         <a:lstStyle/>
         <a:p>
           <a:r>
-            <a:rPr lang="zh-CN" altLang="en-US" sz="1600" dirty="0" smtClean="0"/>
+            <a:rPr lang="zh-CN" altLang="en-US" sz="1600" b="1" dirty="0" smtClean="0">
+              <a:solidFill>
+                <a:schemeClr val="tx1"/>
+              </a:solidFill>
+            </a:rPr>
             <a:t>任务</a:t>
           </a:r>
-          <a:endParaRPr lang="zh-CN" altLang="en-US" sz="1600" dirty="0"/>
+          <a:endParaRPr lang="zh-CN" altLang="en-US" sz="1600" b="1" dirty="0">
+            <a:solidFill>
+              <a:schemeClr val="tx1"/>
+            </a:solidFill>
+          </a:endParaRPr>
         </a:p>
       </dgm:t>
     </dgm:pt>
@@ -1021,10 +1038,18 @@
         <a:lstStyle/>
         <a:p>
           <a:r>
-            <a:rPr lang="zh-CN" altLang="en-US" sz="1600" dirty="0" smtClean="0"/>
+            <a:rPr lang="zh-CN" altLang="en-US" sz="1600" b="1" dirty="0" smtClean="0">
+              <a:solidFill>
+                <a:schemeClr val="tx1"/>
+              </a:solidFill>
+            </a:rPr>
             <a:t>任务</a:t>
           </a:r>
-          <a:endParaRPr lang="zh-CN" altLang="en-US" sz="1600" dirty="0"/>
+          <a:endParaRPr lang="zh-CN" altLang="en-US" sz="1600" b="1" dirty="0">
+            <a:solidFill>
+              <a:schemeClr val="tx1"/>
+            </a:solidFill>
+          </a:endParaRPr>
         </a:p>
       </dgm:t>
     </dgm:pt>
@@ -1066,10 +1091,18 @@
         <a:lstStyle/>
         <a:p>
           <a:r>
-            <a:rPr lang="zh-CN" altLang="en-US" sz="1600" dirty="0" smtClean="0"/>
+            <a:rPr lang="zh-CN" altLang="en-US" sz="1600" b="1" dirty="0" smtClean="0">
+              <a:solidFill>
+                <a:schemeClr val="tx1"/>
+              </a:solidFill>
+            </a:rPr>
             <a:t>任务</a:t>
           </a:r>
-          <a:endParaRPr lang="zh-CN" altLang="en-US" sz="1600" dirty="0"/>
+          <a:endParaRPr lang="zh-CN" altLang="en-US" sz="1600" b="1" dirty="0">
+            <a:solidFill>
+              <a:schemeClr val="tx1"/>
+            </a:solidFill>
+          </a:endParaRPr>
         </a:p>
       </dgm:t>
     </dgm:pt>
@@ -1111,10 +1144,18 @@
         <a:lstStyle/>
         <a:p>
           <a:r>
-            <a:rPr lang="zh-CN" altLang="en-US" sz="1600" dirty="0" smtClean="0"/>
+            <a:rPr lang="zh-CN" altLang="en-US" sz="1600" b="1" dirty="0" smtClean="0">
+              <a:solidFill>
+                <a:schemeClr val="tx1"/>
+              </a:solidFill>
+            </a:rPr>
             <a:t>任务</a:t>
           </a:r>
-          <a:endParaRPr lang="zh-CN" altLang="en-US" sz="1600" dirty="0"/>
+          <a:endParaRPr lang="zh-CN" altLang="en-US" sz="1600" b="1" dirty="0">
+            <a:solidFill>
+              <a:schemeClr val="tx1"/>
+            </a:solidFill>
+          </a:endParaRPr>
         </a:p>
       </dgm:t>
     </dgm:pt>
@@ -1362,631 +1403,6 @@
       <dsp:cNvGrpSpPr/>
     </dsp:nvGrpSpPr>
     <dsp:grpSpPr/>
-    <dsp:sp modelId="{4318A6C1-2572-4993-94D0-1212363BA83A}">
-      <dsp:nvSpPr>
-        <dsp:cNvPr id="0" name=""/>
-        <dsp:cNvSpPr/>
-      </dsp:nvSpPr>
-      <dsp:spPr>
-        <a:xfrm>
-          <a:off x="1235281" y="205999"/>
-          <a:ext cx="726813" cy="345952"/>
-        </a:xfrm>
-        <a:prstGeom prst="roundRect">
-          <a:avLst/>
-        </a:prstGeom>
-        <a:solidFill>
-          <a:srgbClr val="00B050"/>
-        </a:solidFill>
-        <a:ln w="25400" cap="flat" cmpd="sng" algn="ctr">
-          <a:solidFill>
-            <a:schemeClr val="lt1">
-              <a:hueOff val="0"/>
-              <a:satOff val="0"/>
-              <a:lumOff val="0"/>
-              <a:alphaOff val="0"/>
-            </a:schemeClr>
-          </a:solidFill>
-          <a:prstDash val="solid"/>
-        </a:ln>
-        <a:effectLst/>
-      </dsp:spPr>
-      <dsp:style>
-        <a:lnRef idx="2">
-          <a:scrgbClr r="0" g="0" b="0"/>
-        </a:lnRef>
-        <a:fillRef idx="1">
-          <a:scrgbClr r="0" g="0" b="0"/>
-        </a:fillRef>
-        <a:effectRef idx="0">
-          <a:scrgbClr r="0" g="0" b="0"/>
-        </a:effectRef>
-        <a:fontRef idx="minor">
-          <a:schemeClr val="lt1"/>
-        </a:fontRef>
-      </dsp:style>
-      <dsp:txBody>
-        <a:bodyPr spcFirstLastPara="0" vert="horz" wrap="square" lIns="60960" tIns="60960" rIns="60960" bIns="60960" numCol="1" spcCol="1270" anchor="ctr" anchorCtr="0">
-          <a:noAutofit/>
-        </a:bodyPr>
-        <a:lstStyle/>
-        <a:p>
-          <a:pPr lvl="0" algn="ctr" defTabSz="711200">
-            <a:lnSpc>
-              <a:spcPct val="90000"/>
-            </a:lnSpc>
-            <a:spcBef>
-              <a:spcPct val="0"/>
-            </a:spcBef>
-            <a:spcAft>
-              <a:spcPct val="35000"/>
-            </a:spcAft>
-          </a:pPr>
-          <a:r>
-            <a:rPr lang="zh-CN" altLang="en-US" sz="1600" kern="1200" dirty="0" smtClean="0"/>
-            <a:t>任务</a:t>
-          </a:r>
-          <a:endParaRPr lang="zh-CN" altLang="en-US" sz="1600" kern="1200" dirty="0"/>
-        </a:p>
-      </dsp:txBody>
-      <dsp:txXfrm>
-        <a:off x="1252169" y="222887"/>
-        <a:ext cx="693037" cy="312176"/>
-      </dsp:txXfrm>
-    </dsp:sp>
-    <dsp:sp modelId="{136F02D7-E849-4C48-A2B3-3843B3D870BD}">
-      <dsp:nvSpPr>
-        <dsp:cNvPr id="0" name=""/>
-        <dsp:cNvSpPr/>
-      </dsp:nvSpPr>
-      <dsp:spPr>
-        <a:xfrm>
-          <a:off x="398441" y="378975"/>
-          <a:ext cx="2400492" cy="2400492"/>
-        </a:xfrm>
-        <a:custGeom>
-          <a:avLst/>
-          <a:gdLst/>
-          <a:ahLst/>
-          <a:cxnLst/>
-          <a:rect l="0" t="0" r="0" b="0"/>
-          <a:pathLst>
-            <a:path>
-              <a:moveTo>
-                <a:pt x="1735862" y="126139"/>
-              </a:moveTo>
-              <a:arcTo wR="1200246" hR="1200246" stAng="17790222" swAng="1669853"/>
-            </a:path>
-          </a:pathLst>
-        </a:custGeom>
-        <a:noFill/>
-        <a:ln w="9525" cap="flat" cmpd="sng" algn="ctr">
-          <a:solidFill>
-            <a:schemeClr val="accent1">
-              <a:hueOff val="0"/>
-              <a:satOff val="0"/>
-              <a:lumOff val="0"/>
-              <a:alphaOff val="0"/>
-            </a:schemeClr>
-          </a:solidFill>
-          <a:prstDash val="solid"/>
-          <a:tailEnd type="arrow"/>
-        </a:ln>
-        <a:effectLst/>
-      </dsp:spPr>
-      <dsp:style>
-        <a:lnRef idx="1">
-          <a:scrgbClr r="0" g="0" b="0"/>
-        </a:lnRef>
-        <a:fillRef idx="0">
-          <a:scrgbClr r="0" g="0" b="0"/>
-        </a:fillRef>
-        <a:effectRef idx="0">
-          <a:scrgbClr r="0" g="0" b="0"/>
-        </a:effectRef>
-        <a:fontRef idx="minor"/>
-      </dsp:style>
-    </dsp:sp>
-    <dsp:sp modelId="{62291539-01BE-45B4-9E1C-2DE7DAF987B3}">
-      <dsp:nvSpPr>
-        <dsp:cNvPr id="0" name=""/>
-        <dsp:cNvSpPr/>
-      </dsp:nvSpPr>
-      <dsp:spPr>
-        <a:xfrm>
-          <a:off x="2390831" y="1038316"/>
-          <a:ext cx="698715" cy="340018"/>
-        </a:xfrm>
-        <a:prstGeom prst="roundRect">
-          <a:avLst/>
-        </a:prstGeom>
-        <a:solidFill>
-          <a:srgbClr val="00B050"/>
-        </a:solidFill>
-        <a:ln w="25400" cap="flat" cmpd="sng" algn="ctr">
-          <a:solidFill>
-            <a:schemeClr val="lt1">
-              <a:hueOff val="0"/>
-              <a:satOff val="0"/>
-              <a:lumOff val="0"/>
-              <a:alphaOff val="0"/>
-            </a:schemeClr>
-          </a:solidFill>
-          <a:prstDash val="solid"/>
-        </a:ln>
-        <a:effectLst/>
-      </dsp:spPr>
-      <dsp:style>
-        <a:lnRef idx="2">
-          <a:scrgbClr r="0" g="0" b="0"/>
-        </a:lnRef>
-        <a:fillRef idx="1">
-          <a:scrgbClr r="0" g="0" b="0"/>
-        </a:fillRef>
-        <a:effectRef idx="0">
-          <a:scrgbClr r="0" g="0" b="0"/>
-        </a:effectRef>
-        <a:fontRef idx="minor">
-          <a:schemeClr val="lt1"/>
-        </a:fontRef>
-      </dsp:style>
-      <dsp:txBody>
-        <a:bodyPr spcFirstLastPara="0" vert="horz" wrap="square" lIns="60960" tIns="60960" rIns="60960" bIns="60960" numCol="1" spcCol="1270" anchor="ctr" anchorCtr="0">
-          <a:noAutofit/>
-        </a:bodyPr>
-        <a:lstStyle/>
-        <a:p>
-          <a:pPr lvl="0" algn="ctr" defTabSz="711200">
-            <a:lnSpc>
-              <a:spcPct val="90000"/>
-            </a:lnSpc>
-            <a:spcBef>
-              <a:spcPct val="0"/>
-            </a:spcBef>
-            <a:spcAft>
-              <a:spcPct val="35000"/>
-            </a:spcAft>
-          </a:pPr>
-          <a:r>
-            <a:rPr lang="zh-CN" altLang="en-US" sz="1600" kern="1200" dirty="0" smtClean="0"/>
-            <a:t>任务</a:t>
-          </a:r>
-          <a:endParaRPr lang="zh-CN" altLang="en-US" sz="1600" kern="1200" dirty="0"/>
-        </a:p>
-      </dsp:txBody>
-      <dsp:txXfrm>
-        <a:off x="2407429" y="1054914"/>
-        <a:ext cx="665519" cy="306822"/>
-      </dsp:txXfrm>
-    </dsp:sp>
-    <dsp:sp modelId="{AB50D32D-AAD6-40F9-B9F6-1278487953A5}">
-      <dsp:nvSpPr>
-        <dsp:cNvPr id="0" name=""/>
-        <dsp:cNvSpPr/>
-      </dsp:nvSpPr>
-      <dsp:spPr>
-        <a:xfrm>
-          <a:off x="398441" y="378975"/>
-          <a:ext cx="2400492" cy="2400492"/>
-        </a:xfrm>
-        <a:custGeom>
-          <a:avLst/>
-          <a:gdLst/>
-          <a:ahLst/>
-          <a:cxnLst/>
-          <a:rect l="0" t="0" r="0" b="0"/>
-          <a:pathLst>
-            <a:path>
-              <a:moveTo>
-                <a:pt x="2400446" y="1210737"/>
-              </a:moveTo>
-              <a:arcTo wR="1200246" hR="1200246" stAng="21630052" swAng="1933487"/>
-            </a:path>
-          </a:pathLst>
-        </a:custGeom>
-        <a:noFill/>
-        <a:ln w="9525" cap="flat" cmpd="sng" algn="ctr">
-          <a:solidFill>
-            <a:schemeClr val="accent1">
-              <a:hueOff val="0"/>
-              <a:satOff val="0"/>
-              <a:lumOff val="0"/>
-              <a:alphaOff val="0"/>
-            </a:schemeClr>
-          </a:solidFill>
-          <a:prstDash val="solid"/>
-          <a:tailEnd type="arrow"/>
-        </a:ln>
-        <a:effectLst/>
-      </dsp:spPr>
-      <dsp:style>
-        <a:lnRef idx="1">
-          <a:scrgbClr r="0" g="0" b="0"/>
-        </a:lnRef>
-        <a:fillRef idx="0">
-          <a:scrgbClr r="0" g="0" b="0"/>
-        </a:fillRef>
-        <a:effectRef idx="0">
-          <a:scrgbClr r="0" g="0" b="0"/>
-        </a:effectRef>
-        <a:fontRef idx="minor"/>
-      </dsp:style>
-    </dsp:sp>
-    <dsp:sp modelId="{2433F726-2681-4691-8A6B-492C1E1FA937}">
-      <dsp:nvSpPr>
-        <dsp:cNvPr id="0" name=""/>
-        <dsp:cNvSpPr/>
-      </dsp:nvSpPr>
-      <dsp:spPr>
-        <a:xfrm>
-          <a:off x="1918541" y="2395663"/>
-          <a:ext cx="771265" cy="309154"/>
-        </a:xfrm>
-        <a:prstGeom prst="roundRect">
-          <a:avLst/>
-        </a:prstGeom>
-        <a:solidFill>
-          <a:srgbClr val="00B050"/>
-        </a:solidFill>
-        <a:ln w="25400" cap="flat" cmpd="sng" algn="ctr">
-          <a:solidFill>
-            <a:schemeClr val="lt1">
-              <a:hueOff val="0"/>
-              <a:satOff val="0"/>
-              <a:lumOff val="0"/>
-              <a:alphaOff val="0"/>
-            </a:schemeClr>
-          </a:solidFill>
-          <a:prstDash val="solid"/>
-        </a:ln>
-        <a:effectLst/>
-      </dsp:spPr>
-      <dsp:style>
-        <a:lnRef idx="2">
-          <a:scrgbClr r="0" g="0" b="0"/>
-        </a:lnRef>
-        <a:fillRef idx="1">
-          <a:scrgbClr r="0" g="0" b="0"/>
-        </a:fillRef>
-        <a:effectRef idx="0">
-          <a:scrgbClr r="0" g="0" b="0"/>
-        </a:effectRef>
-        <a:fontRef idx="minor">
-          <a:schemeClr val="lt1"/>
-        </a:fontRef>
-      </dsp:style>
-      <dsp:txBody>
-        <a:bodyPr spcFirstLastPara="0" vert="horz" wrap="square" lIns="60960" tIns="60960" rIns="60960" bIns="60960" numCol="1" spcCol="1270" anchor="ctr" anchorCtr="0">
-          <a:noAutofit/>
-        </a:bodyPr>
-        <a:lstStyle/>
-        <a:p>
-          <a:pPr lvl="0" algn="ctr" defTabSz="711200">
-            <a:lnSpc>
-              <a:spcPct val="90000"/>
-            </a:lnSpc>
-            <a:spcBef>
-              <a:spcPct val="0"/>
-            </a:spcBef>
-            <a:spcAft>
-              <a:spcPct val="35000"/>
-            </a:spcAft>
-          </a:pPr>
-          <a:r>
-            <a:rPr lang="zh-CN" altLang="en-US" sz="1600" kern="1200" dirty="0" smtClean="0"/>
-            <a:t>任务</a:t>
-          </a:r>
-          <a:endParaRPr lang="zh-CN" altLang="en-US" sz="1600" kern="1200" dirty="0"/>
-        </a:p>
-      </dsp:txBody>
-      <dsp:txXfrm>
-        <a:off x="1933633" y="2410755"/>
-        <a:ext cx="741081" cy="278970"/>
-      </dsp:txXfrm>
-    </dsp:sp>
-    <dsp:sp modelId="{CFAE29CB-D767-4A6C-A158-B5EE8D05A0E8}">
-      <dsp:nvSpPr>
-        <dsp:cNvPr id="0" name=""/>
-        <dsp:cNvSpPr/>
-      </dsp:nvSpPr>
-      <dsp:spPr>
-        <a:xfrm>
-          <a:off x="398441" y="378975"/>
-          <a:ext cx="2400492" cy="2400492"/>
-        </a:xfrm>
-        <a:custGeom>
-          <a:avLst/>
-          <a:gdLst/>
-          <a:ahLst/>
-          <a:cxnLst/>
-          <a:rect l="0" t="0" r="0" b="0"/>
-          <a:pathLst>
-            <a:path>
-              <a:moveTo>
-                <a:pt x="1457111" y="2372683"/>
-              </a:moveTo>
-              <a:arcTo wR="1200246" hR="1200246" stAng="4658552" swAng="1482897"/>
-            </a:path>
-          </a:pathLst>
-        </a:custGeom>
-        <a:noFill/>
-        <a:ln w="9525" cap="flat" cmpd="sng" algn="ctr">
-          <a:solidFill>
-            <a:schemeClr val="accent1">
-              <a:hueOff val="0"/>
-              <a:satOff val="0"/>
-              <a:lumOff val="0"/>
-              <a:alphaOff val="0"/>
-            </a:schemeClr>
-          </a:solidFill>
-          <a:prstDash val="solid"/>
-          <a:tailEnd type="arrow"/>
-        </a:ln>
-        <a:effectLst/>
-      </dsp:spPr>
-      <dsp:style>
-        <a:lnRef idx="1">
-          <a:scrgbClr r="0" g="0" b="0"/>
-        </a:lnRef>
-        <a:fillRef idx="0">
-          <a:scrgbClr r="0" g="0" b="0"/>
-        </a:fillRef>
-        <a:effectRef idx="0">
-          <a:scrgbClr r="0" g="0" b="0"/>
-        </a:effectRef>
-        <a:fontRef idx="minor"/>
-      </dsp:style>
-    </dsp:sp>
-    <dsp:sp modelId="{B259B763-1E27-4D35-807C-E133875ED111}">
-      <dsp:nvSpPr>
-        <dsp:cNvPr id="0" name=""/>
-        <dsp:cNvSpPr/>
-      </dsp:nvSpPr>
-      <dsp:spPr>
-        <a:xfrm>
-          <a:off x="521034" y="2395663"/>
-          <a:ext cx="744331" cy="309154"/>
-        </a:xfrm>
-        <a:prstGeom prst="roundRect">
-          <a:avLst/>
-        </a:prstGeom>
-        <a:solidFill>
-          <a:srgbClr val="00B050"/>
-        </a:solidFill>
-        <a:ln w="25400" cap="flat" cmpd="sng" algn="ctr">
-          <a:solidFill>
-            <a:schemeClr val="lt1">
-              <a:hueOff val="0"/>
-              <a:satOff val="0"/>
-              <a:lumOff val="0"/>
-              <a:alphaOff val="0"/>
-            </a:schemeClr>
-          </a:solidFill>
-          <a:prstDash val="solid"/>
-        </a:ln>
-        <a:effectLst/>
-      </dsp:spPr>
-      <dsp:style>
-        <a:lnRef idx="2">
-          <a:scrgbClr r="0" g="0" b="0"/>
-        </a:lnRef>
-        <a:fillRef idx="1">
-          <a:scrgbClr r="0" g="0" b="0"/>
-        </a:fillRef>
-        <a:effectRef idx="0">
-          <a:scrgbClr r="0" g="0" b="0"/>
-        </a:effectRef>
-        <a:fontRef idx="minor">
-          <a:schemeClr val="lt1"/>
-        </a:fontRef>
-      </dsp:style>
-      <dsp:txBody>
-        <a:bodyPr spcFirstLastPara="0" vert="horz" wrap="square" lIns="60960" tIns="60960" rIns="60960" bIns="60960" numCol="1" spcCol="1270" anchor="ctr" anchorCtr="0">
-          <a:noAutofit/>
-        </a:bodyPr>
-        <a:lstStyle/>
-        <a:p>
-          <a:pPr lvl="0" algn="ctr" defTabSz="711200">
-            <a:lnSpc>
-              <a:spcPct val="90000"/>
-            </a:lnSpc>
-            <a:spcBef>
-              <a:spcPct val="0"/>
-            </a:spcBef>
-            <a:spcAft>
-              <a:spcPct val="35000"/>
-            </a:spcAft>
-          </a:pPr>
-          <a:r>
-            <a:rPr lang="zh-CN" altLang="en-US" sz="1600" kern="1200" dirty="0" smtClean="0"/>
-            <a:t>任务</a:t>
-          </a:r>
-          <a:endParaRPr lang="zh-CN" altLang="en-US" sz="1600" kern="1200" dirty="0"/>
-        </a:p>
-      </dsp:txBody>
-      <dsp:txXfrm>
-        <a:off x="536126" y="2410755"/>
-        <a:ext cx="714147" cy="278970"/>
-      </dsp:txXfrm>
-    </dsp:sp>
-    <dsp:sp modelId="{1C2376CC-CFD1-42EA-8E4C-1DA24AC19921}">
-      <dsp:nvSpPr>
-        <dsp:cNvPr id="0" name=""/>
-        <dsp:cNvSpPr/>
-      </dsp:nvSpPr>
-      <dsp:spPr>
-        <a:xfrm>
-          <a:off x="398441" y="378975"/>
-          <a:ext cx="2400492" cy="2400492"/>
-        </a:xfrm>
-        <a:custGeom>
-          <a:avLst/>
-          <a:gdLst/>
-          <a:ahLst/>
-          <a:cxnLst/>
-          <a:rect l="0" t="0" r="0" b="0"/>
-          <a:pathLst>
-            <a:path>
-              <a:moveTo>
-                <a:pt x="189516" y="1847560"/>
-              </a:moveTo>
-              <a:arcTo wR="1200246" hR="1200246" stAng="8841765" swAng="1952477"/>
-            </a:path>
-          </a:pathLst>
-        </a:custGeom>
-        <a:noFill/>
-        <a:ln w="9525" cap="flat" cmpd="sng" algn="ctr">
-          <a:solidFill>
-            <a:schemeClr val="accent1">
-              <a:hueOff val="0"/>
-              <a:satOff val="0"/>
-              <a:lumOff val="0"/>
-              <a:alphaOff val="0"/>
-            </a:schemeClr>
-          </a:solidFill>
-          <a:prstDash val="solid"/>
-          <a:tailEnd type="arrow"/>
-        </a:ln>
-        <a:effectLst/>
-      </dsp:spPr>
-      <dsp:style>
-        <a:lnRef idx="1">
-          <a:scrgbClr r="0" g="0" b="0"/>
-        </a:lnRef>
-        <a:fillRef idx="0">
-          <a:scrgbClr r="0" g="0" b="0"/>
-        </a:fillRef>
-        <a:effectRef idx="0">
-          <a:scrgbClr r="0" g="0" b="0"/>
-        </a:effectRef>
-        <a:fontRef idx="minor"/>
-      </dsp:style>
-    </dsp:sp>
-    <dsp:sp modelId="{601884C3-5C48-41EC-9A05-2D73CB312932}">
-      <dsp:nvSpPr>
-        <dsp:cNvPr id="0" name=""/>
-        <dsp:cNvSpPr/>
-      </dsp:nvSpPr>
-      <dsp:spPr>
-        <a:xfrm>
-          <a:off x="117724" y="1048496"/>
-          <a:ext cx="678923" cy="319658"/>
-        </a:xfrm>
-        <a:prstGeom prst="roundRect">
-          <a:avLst/>
-        </a:prstGeom>
-        <a:solidFill>
-          <a:srgbClr val="00B050"/>
-        </a:solidFill>
-        <a:ln w="25400" cap="flat" cmpd="sng" algn="ctr">
-          <a:solidFill>
-            <a:schemeClr val="lt1">
-              <a:hueOff val="0"/>
-              <a:satOff val="0"/>
-              <a:lumOff val="0"/>
-              <a:alphaOff val="0"/>
-            </a:schemeClr>
-          </a:solidFill>
-          <a:prstDash val="solid"/>
-        </a:ln>
-        <a:effectLst/>
-      </dsp:spPr>
-      <dsp:style>
-        <a:lnRef idx="2">
-          <a:scrgbClr r="0" g="0" b="0"/>
-        </a:lnRef>
-        <a:fillRef idx="1">
-          <a:scrgbClr r="0" g="0" b="0"/>
-        </a:fillRef>
-        <a:effectRef idx="0">
-          <a:scrgbClr r="0" g="0" b="0"/>
-        </a:effectRef>
-        <a:fontRef idx="minor">
-          <a:schemeClr val="lt1"/>
-        </a:fontRef>
-      </dsp:style>
-      <dsp:txBody>
-        <a:bodyPr spcFirstLastPara="0" vert="horz" wrap="square" lIns="60960" tIns="60960" rIns="60960" bIns="60960" numCol="1" spcCol="1270" anchor="ctr" anchorCtr="0">
-          <a:noAutofit/>
-        </a:bodyPr>
-        <a:lstStyle/>
-        <a:p>
-          <a:pPr lvl="0" algn="ctr" defTabSz="711200">
-            <a:lnSpc>
-              <a:spcPct val="90000"/>
-            </a:lnSpc>
-            <a:spcBef>
-              <a:spcPct val="0"/>
-            </a:spcBef>
-            <a:spcAft>
-              <a:spcPct val="35000"/>
-            </a:spcAft>
-          </a:pPr>
-          <a:r>
-            <a:rPr lang="zh-CN" altLang="en-US" sz="1600" kern="1200" dirty="0" smtClean="0"/>
-            <a:t>任务</a:t>
-          </a:r>
-          <a:endParaRPr lang="zh-CN" altLang="en-US" sz="1600" kern="1200" dirty="0"/>
-        </a:p>
-      </dsp:txBody>
-      <dsp:txXfrm>
-        <a:off x="133328" y="1064100"/>
-        <a:ext cx="647715" cy="288450"/>
-      </dsp:txXfrm>
-    </dsp:sp>
-    <dsp:sp modelId="{9D0F5277-F9ED-4154-B269-F440AEB7AE44}">
-      <dsp:nvSpPr>
-        <dsp:cNvPr id="0" name=""/>
-        <dsp:cNvSpPr/>
-      </dsp:nvSpPr>
-      <dsp:spPr>
-        <a:xfrm>
-          <a:off x="398441" y="378975"/>
-          <a:ext cx="2400492" cy="2400492"/>
-        </a:xfrm>
-        <a:custGeom>
-          <a:avLst/>
-          <a:gdLst/>
-          <a:ahLst/>
-          <a:cxnLst/>
-          <a:rect l="0" t="0" r="0" b="0"/>
-          <a:pathLst>
-            <a:path>
-              <a:moveTo>
-                <a:pt x="219741" y="508002"/>
-              </a:moveTo>
-              <a:arcTo wR="1200246" hR="1200246" stAng="12913343" swAng="1690433"/>
-            </a:path>
-          </a:pathLst>
-        </a:custGeom>
-        <a:noFill/>
-        <a:ln w="9525" cap="flat" cmpd="sng" algn="ctr">
-          <a:solidFill>
-            <a:schemeClr val="accent1">
-              <a:hueOff val="0"/>
-              <a:satOff val="0"/>
-              <a:lumOff val="0"/>
-              <a:alphaOff val="0"/>
-            </a:schemeClr>
-          </a:solidFill>
-          <a:prstDash val="solid"/>
-          <a:tailEnd type="arrow"/>
-        </a:ln>
-        <a:effectLst/>
-      </dsp:spPr>
-      <dsp:style>
-        <a:lnRef idx="1">
-          <a:scrgbClr r="0" g="0" b="0"/>
-        </a:lnRef>
-        <a:fillRef idx="0">
-          <a:scrgbClr r="0" g="0" b="0"/>
-        </a:fillRef>
-        <a:effectRef idx="0">
-          <a:scrgbClr r="0" g="0" b="0"/>
-        </a:effectRef>
-        <a:fontRef idx="minor"/>
-      </dsp:style>
-    </dsp:sp>
   </dsp:spTree>
 </dsp:drawing>
 </file>
@@ -8501,7 +7917,7 @@
               <a:t>实现库举例：</a:t>
             </a:r>
             <a:r>
-              <a:rPr lang="en-US" altLang="zh-CN" sz="1600" dirty="0" err="1" smtClean="0"/>
+              <a:rPr lang="en-US" altLang="zh-CN" sz="1600" b="1" dirty="0" err="1" smtClean="0"/>
               <a:t>libtask</a:t>
             </a:r>
             <a:r>
@@ -8617,7 +8033,7 @@
               <a:t>实现库举例：</a:t>
             </a:r>
             <a:r>
-              <a:rPr lang="en-US" altLang="zh-CN" sz="1600" dirty="0" err="1" smtClean="0"/>
+              <a:rPr lang="en-US" altLang="zh-CN" sz="1600" b="1" dirty="0" err="1" smtClean="0"/>
               <a:t>libmill</a:t>
             </a:r>
             <a:r>
@@ -8802,11 +8218,7 @@
             </a:r>
             <a:r>
               <a:rPr lang="zh-CN" altLang="en-US" sz="1900" dirty="0" smtClean="0"/>
-              <a:t>、指定休眠</a:t>
-            </a:r>
-            <a:r>
-              <a:rPr lang="zh-CN" altLang="en-US" sz="1900" dirty="0" smtClean="0"/>
-              <a:t>时间，主动让出</a:t>
+              <a:t>、指定休眠时间，主动让出</a:t>
             </a:r>
             <a:r>
               <a:rPr lang="en-US" altLang="zh-CN" sz="1900" dirty="0" smtClean="0"/>
@@ -8867,11 +8279,7 @@
             </a:r>
             <a:r>
               <a:rPr lang="zh-CN" altLang="en-US" sz="1500" dirty="0" smtClean="0"/>
-              <a:t>完成时，需要将自身</a:t>
-            </a:r>
-            <a:r>
-              <a:rPr lang="zh-CN" altLang="en-US" sz="1500" dirty="0" smtClean="0"/>
-              <a:t>挂起</a:t>
+              <a:t>完成时，需要将自身挂起</a:t>
             </a:r>
             <a:endParaRPr lang="en-US" altLang="zh-CN" sz="1500" dirty="0" smtClean="0"/>
           </a:p>
@@ -8971,11 +8379,7 @@
             </a:r>
             <a:r>
               <a:rPr lang="zh-CN" altLang="en-US" sz="1900" dirty="0" smtClean="0"/>
-              <a:t>准备好而被</a:t>
-            </a:r>
-            <a:r>
-              <a:rPr lang="zh-CN" altLang="en-US" sz="1900" dirty="0" smtClean="0"/>
-              <a:t>唤醒</a:t>
+              <a:t>准备好而被唤醒</a:t>
             </a:r>
             <a:endParaRPr lang="en-US" altLang="zh-CN" sz="1900" dirty="0" smtClean="0"/>
           </a:p>
@@ -9226,7 +8630,7 @@
           <p:nvPr>
             <p:extLst>
               <p:ext uri="{D42A27DB-BD31-4B8C-83A1-F6EECF244321}">
-                <p14:modId xmlns:p14="http://schemas.microsoft.com/office/powerpoint/2010/main" val="1595644912"/>
+                <p14:modId xmlns:p14="http://schemas.microsoft.com/office/powerpoint/2010/main" val="3255148505"/>
               </p:ext>
             </p:extLst>
           </p:nvPr>
@@ -9284,10 +8688,18 @@
           <a:p>
             <a:pPr algn="ctr"/>
             <a:r>
-              <a:rPr lang="zh-CN" altLang="en-US" sz="1600" dirty="0" smtClean="0"/>
+              <a:rPr lang="zh-CN" altLang="en-US" sz="1600" b="1" dirty="0" smtClean="0">
+                <a:solidFill>
+                  <a:schemeClr val="tx1"/>
+                </a:solidFill>
+              </a:rPr>
               <a:t>任务</a:t>
             </a:r>
-            <a:endParaRPr lang="zh-CN" altLang="en-US" sz="1600" dirty="0"/>
+            <a:endParaRPr lang="zh-CN" altLang="en-US" sz="1600" b="1" dirty="0">
+              <a:solidFill>
+                <a:schemeClr val="tx1"/>
+              </a:solidFill>
+            </a:endParaRPr>
           </a:p>
         </p:txBody>
       </p:sp>
@@ -9334,10 +8746,18 @@
           <a:p>
             <a:pPr algn="ctr"/>
             <a:r>
-              <a:rPr lang="zh-CN" altLang="en-US" sz="1600" dirty="0" smtClean="0"/>
+              <a:rPr lang="zh-CN" altLang="en-US" sz="1600" b="1" dirty="0" smtClean="0">
+                <a:solidFill>
+                  <a:schemeClr val="tx1"/>
+                </a:solidFill>
+              </a:rPr>
               <a:t>任务</a:t>
             </a:r>
-            <a:endParaRPr lang="zh-CN" altLang="en-US" sz="1600" dirty="0"/>
+            <a:endParaRPr lang="zh-CN" altLang="en-US" sz="1600" b="1" dirty="0">
+              <a:solidFill>
+                <a:schemeClr val="tx1"/>
+              </a:solidFill>
+            </a:endParaRPr>
           </a:p>
         </p:txBody>
       </p:sp>
@@ -9384,10 +8804,18 @@
           <a:p>
             <a:pPr algn="ctr"/>
             <a:r>
-              <a:rPr lang="zh-CN" altLang="en-US" sz="1600" dirty="0" smtClean="0"/>
+              <a:rPr lang="zh-CN" altLang="en-US" sz="1600" b="1" dirty="0" smtClean="0">
+                <a:solidFill>
+                  <a:schemeClr val="tx1"/>
+                </a:solidFill>
+              </a:rPr>
               <a:t>任务</a:t>
             </a:r>
-            <a:endParaRPr lang="zh-CN" altLang="en-US" sz="1600" dirty="0"/>
+            <a:endParaRPr lang="zh-CN" altLang="en-US" sz="1600" b="1" dirty="0">
+              <a:solidFill>
+                <a:schemeClr val="tx1"/>
+              </a:solidFill>
+            </a:endParaRPr>
           </a:p>
         </p:txBody>
       </p:sp>
@@ -9434,10 +8862,18 @@
           <a:p>
             <a:pPr algn="ctr"/>
             <a:r>
-              <a:rPr lang="zh-CN" altLang="en-US" sz="1600" dirty="0" smtClean="0"/>
+              <a:rPr lang="zh-CN" altLang="en-US" sz="1600" b="1" dirty="0" smtClean="0">
+                <a:solidFill>
+                  <a:schemeClr val="tx1"/>
+                </a:solidFill>
+              </a:rPr>
               <a:t>任务</a:t>
             </a:r>
-            <a:endParaRPr lang="zh-CN" altLang="en-US" sz="1600" dirty="0"/>
+            <a:endParaRPr lang="zh-CN" altLang="en-US" sz="1600" b="1" dirty="0">
+              <a:solidFill>
+                <a:schemeClr val="tx1"/>
+              </a:solidFill>
+            </a:endParaRPr>
           </a:p>
         </p:txBody>
       </p:sp>
@@ -9484,10 +8920,18 @@
           <a:p>
             <a:pPr algn="ctr"/>
             <a:r>
-              <a:rPr lang="zh-CN" altLang="en-US" sz="1400" dirty="0" smtClean="0"/>
+              <a:rPr lang="zh-CN" altLang="en-US" sz="1400" b="1" dirty="0" smtClean="0">
+                <a:solidFill>
+                  <a:schemeClr val="tx1"/>
+                </a:solidFill>
+              </a:rPr>
               <a:t>调度原点</a:t>
             </a:r>
-            <a:endParaRPr lang="zh-CN" altLang="en-US" sz="1400" dirty="0"/>
+            <a:endParaRPr lang="zh-CN" altLang="en-US" sz="1400" b="1" dirty="0">
+              <a:solidFill>
+                <a:schemeClr val="tx1"/>
+              </a:solidFill>
+            </a:endParaRPr>
           </a:p>
         </p:txBody>
       </p:sp>
@@ -9862,10 +9306,18 @@
           <a:p>
             <a:pPr algn="ctr"/>
             <a:r>
-              <a:rPr lang="zh-CN" altLang="en-US" sz="1400" dirty="0" smtClean="0"/>
+              <a:rPr lang="zh-CN" altLang="en-US" sz="1400" b="1" dirty="0" smtClean="0">
+                <a:solidFill>
+                  <a:schemeClr val="tx1"/>
+                </a:solidFill>
+              </a:rPr>
               <a:t>调度原点</a:t>
             </a:r>
-            <a:endParaRPr lang="zh-CN" altLang="en-US" sz="1400" dirty="0"/>
+            <a:endParaRPr lang="zh-CN" altLang="en-US" sz="1400" b="1" dirty="0">
+              <a:solidFill>
+                <a:schemeClr val="tx1"/>
+              </a:solidFill>
+            </a:endParaRPr>
           </a:p>
         </p:txBody>
       </p:sp>
@@ -11579,8 +11031,8 @@
         </p:blipFill>
         <p:spPr>
           <a:xfrm>
-            <a:off x="3347864" y="1023888"/>
-            <a:ext cx="5534025" cy="5167381"/>
+            <a:off x="3203848" y="1023888"/>
+            <a:ext cx="5678041" cy="5167381"/>
           </a:xfrm>
           <a:prstGeom prst="rect">
             <a:avLst/>
@@ -11698,10 +11150,18 @@
           <a:p>
             <a:pPr algn="ctr"/>
             <a:r>
-              <a:rPr lang="en-US" altLang="zh-CN" sz="1400" dirty="0"/>
+              <a:rPr lang="en-US" altLang="zh-CN" sz="1400" b="1" dirty="0">
+                <a:solidFill>
+                  <a:schemeClr val="tx1"/>
+                </a:solidFill>
+              </a:rPr>
               <a:t>Fiber</a:t>
             </a:r>
-            <a:endParaRPr lang="zh-CN" altLang="en-US" sz="1400" dirty="0"/>
+            <a:endParaRPr lang="zh-CN" altLang="en-US" sz="1400" b="1" dirty="0">
+              <a:solidFill>
+                <a:schemeClr val="tx1"/>
+              </a:solidFill>
+            </a:endParaRPr>
           </a:p>
         </p:txBody>
       </p:sp>
@@ -11820,10 +11280,18 @@
           <a:p>
             <a:pPr algn="ctr"/>
             <a:r>
-              <a:rPr lang="en-US" altLang="zh-CN" sz="1400" dirty="0"/>
+              <a:rPr lang="en-US" altLang="zh-CN" sz="1400" b="1" dirty="0">
+                <a:solidFill>
+                  <a:schemeClr val="tx1"/>
+                </a:solidFill>
+              </a:rPr>
               <a:t>Fiber</a:t>
             </a:r>
-            <a:endParaRPr lang="zh-CN" altLang="en-US" sz="1400" dirty="0"/>
+            <a:endParaRPr lang="zh-CN" altLang="en-US" sz="1400" b="1" dirty="0">
+              <a:solidFill>
+                <a:schemeClr val="tx1"/>
+              </a:solidFill>
+            </a:endParaRPr>
           </a:p>
         </p:txBody>
       </p:sp>
@@ -11909,10 +11377,18 @@
           <a:p>
             <a:pPr algn="ctr"/>
             <a:r>
-              <a:rPr lang="zh-CN" altLang="en-US" sz="1200" dirty="0" smtClean="0"/>
+              <a:rPr lang="zh-CN" altLang="en-US" sz="1200" b="1" dirty="0" smtClean="0">
+                <a:solidFill>
+                  <a:schemeClr val="tx1"/>
+                </a:solidFill>
+              </a:rPr>
               <a:t>是否已加写锁？</a:t>
             </a:r>
-            <a:endParaRPr lang="zh-CN" altLang="en-US" sz="1200" dirty="0"/>
+            <a:endParaRPr lang="zh-CN" altLang="en-US" sz="1200" b="1" dirty="0">
+              <a:solidFill>
+                <a:schemeClr val="tx1"/>
+              </a:solidFill>
+            </a:endParaRPr>
           </a:p>
         </p:txBody>
       </p:sp>
@@ -11997,10 +11473,18 @@
           <a:p>
             <a:pPr algn="ctr"/>
             <a:r>
-              <a:rPr lang="zh-CN" altLang="en-US" sz="1200" dirty="0" smtClean="0"/>
+              <a:rPr lang="zh-CN" altLang="en-US" sz="1200" b="1" dirty="0" smtClean="0">
+                <a:solidFill>
+                  <a:schemeClr val="tx1"/>
+                </a:solidFill>
+              </a:rPr>
               <a:t>入等待队列</a:t>
             </a:r>
-            <a:endParaRPr lang="zh-CN" altLang="en-US" sz="1200" dirty="0"/>
+            <a:endParaRPr lang="zh-CN" altLang="en-US" sz="1200" b="1" dirty="0">
+              <a:solidFill>
+                <a:schemeClr val="tx1"/>
+              </a:solidFill>
+            </a:endParaRPr>
           </a:p>
         </p:txBody>
       </p:sp>
@@ -12047,10 +11531,18 @@
           <a:p>
             <a:pPr algn="ctr"/>
             <a:r>
-              <a:rPr lang="zh-CN" altLang="en-US" sz="1200" dirty="0" smtClean="0"/>
+              <a:rPr lang="zh-CN" altLang="en-US" sz="1200" b="1" dirty="0" smtClean="0">
+                <a:solidFill>
+                  <a:schemeClr val="tx1"/>
+                </a:solidFill>
+              </a:rPr>
               <a:t>否</a:t>
             </a:r>
-            <a:endParaRPr lang="zh-CN" altLang="en-US" sz="1200" dirty="0"/>
+            <a:endParaRPr lang="zh-CN" altLang="en-US" sz="1200" b="1" dirty="0">
+              <a:solidFill>
+                <a:schemeClr val="tx1"/>
+              </a:solidFill>
+            </a:endParaRPr>
           </a:p>
         </p:txBody>
       </p:sp>
@@ -12169,10 +11661,18 @@
           <a:p>
             <a:pPr algn="ctr"/>
             <a:r>
-              <a:rPr lang="zh-CN" altLang="en-US" sz="1200" dirty="0" smtClean="0"/>
+              <a:rPr lang="zh-CN" altLang="en-US" sz="1200" b="1" dirty="0" smtClean="0">
+                <a:solidFill>
+                  <a:schemeClr val="tx1"/>
+                </a:solidFill>
+              </a:rPr>
               <a:t>是</a:t>
             </a:r>
-            <a:endParaRPr lang="zh-CN" altLang="en-US" sz="1200" dirty="0"/>
+            <a:endParaRPr lang="zh-CN" altLang="en-US" sz="1200" b="1" dirty="0">
+              <a:solidFill>
+                <a:schemeClr val="tx1"/>
+              </a:solidFill>
+            </a:endParaRPr>
           </a:p>
         </p:txBody>
       </p:sp>
@@ -12327,24 +11827,24 @@
           <a:p>
             <a:pPr lvl="0" algn="ctr"/>
             <a:r>
-              <a:rPr lang="zh-CN" altLang="en-US" sz="1200" dirty="0">
+              <a:rPr lang="zh-CN" altLang="en-US" sz="1200" b="1" dirty="0">
                 <a:solidFill>
-                  <a:prstClr val="white"/>
+                  <a:schemeClr val="tx1"/>
                 </a:solidFill>
               </a:rPr>
               <a:t>对读写锁加</a:t>
             </a:r>
             <a:r>
-              <a:rPr lang="zh-CN" altLang="en-US" sz="1200" dirty="0" smtClean="0">
+              <a:rPr lang="zh-CN" altLang="en-US" sz="1200" b="1" dirty="0" smtClean="0">
                 <a:solidFill>
-                  <a:prstClr val="white"/>
+                  <a:schemeClr val="tx1"/>
                 </a:solidFill>
               </a:rPr>
               <a:t>读锁</a:t>
             </a:r>
-            <a:endParaRPr lang="zh-CN" altLang="en-US" sz="1200" dirty="0">
+            <a:endParaRPr lang="zh-CN" altLang="en-US" sz="1200" b="1" dirty="0">
               <a:solidFill>
-                <a:prstClr val="white"/>
+                <a:schemeClr val="tx1"/>
               </a:solidFill>
             </a:endParaRPr>
           </a:p>
@@ -12393,16 +11893,16 @@
           <a:p>
             <a:pPr lvl="0" algn="ctr"/>
             <a:r>
-              <a:rPr lang="zh-CN" altLang="en-US" sz="1200" dirty="0" smtClean="0">
+              <a:rPr lang="zh-CN" altLang="en-US" sz="1200" b="1" dirty="0" smtClean="0">
                 <a:solidFill>
-                  <a:prstClr val="white"/>
+                  <a:schemeClr val="tx1"/>
                 </a:solidFill>
               </a:rPr>
-              <a:t>入调度队列</a:t>
-            </a:r>
-            <a:endParaRPr lang="zh-CN" altLang="en-US" sz="1200" dirty="0">
+              <a:t>加锁运行</a:t>
+            </a:r>
+            <a:endParaRPr lang="zh-CN" altLang="en-US" sz="1200" b="1" dirty="0">
               <a:solidFill>
-                <a:prstClr val="white"/>
+                <a:schemeClr val="tx1"/>
               </a:solidFill>
             </a:endParaRPr>
           </a:p>
@@ -12451,24 +11951,24 @@
           <a:p>
             <a:pPr lvl="0" algn="ctr"/>
             <a:r>
-              <a:rPr lang="zh-CN" altLang="en-US" sz="1200" dirty="0">
+              <a:rPr lang="zh-CN" altLang="en-US" sz="1200" b="1" dirty="0">
                 <a:solidFill>
-                  <a:prstClr val="white"/>
+                  <a:schemeClr val="tx1"/>
                 </a:solidFill>
               </a:rPr>
               <a:t>对读写锁</a:t>
             </a:r>
             <a:r>
-              <a:rPr lang="zh-CN" altLang="en-US" sz="1200" dirty="0" smtClean="0">
+              <a:rPr lang="zh-CN" altLang="en-US" sz="1200" b="1" dirty="0" smtClean="0">
                 <a:solidFill>
-                  <a:prstClr val="white"/>
+                  <a:schemeClr val="tx1"/>
                 </a:solidFill>
               </a:rPr>
               <a:t>加写锁</a:t>
             </a:r>
-            <a:endParaRPr lang="zh-CN" altLang="en-US" sz="1200" dirty="0">
+            <a:endParaRPr lang="zh-CN" altLang="en-US" sz="1200" b="1" dirty="0">
               <a:solidFill>
-                <a:prstClr val="white"/>
+                <a:schemeClr val="tx1"/>
               </a:solidFill>
             </a:endParaRPr>
           </a:p>
@@ -12520,10 +12020,18 @@
           <a:p>
             <a:pPr algn="ctr"/>
             <a:r>
-              <a:rPr lang="zh-CN" altLang="en-US" sz="1200" dirty="0" smtClean="0"/>
+              <a:rPr lang="zh-CN" altLang="en-US" sz="1200" b="1" dirty="0" smtClean="0">
+                <a:solidFill>
+                  <a:schemeClr val="tx1"/>
+                </a:solidFill>
+              </a:rPr>
               <a:t>已加读、写锁？</a:t>
             </a:r>
-            <a:endParaRPr lang="zh-CN" altLang="en-US" sz="1200" dirty="0"/>
+            <a:endParaRPr lang="zh-CN" altLang="en-US" sz="1200" b="1" dirty="0">
+              <a:solidFill>
+                <a:schemeClr val="tx1"/>
+              </a:solidFill>
+            </a:endParaRPr>
           </a:p>
         </p:txBody>
       </p:sp>
@@ -12606,10 +12114,18 @@
           <a:p>
             <a:pPr algn="ctr"/>
             <a:r>
-              <a:rPr lang="zh-CN" altLang="en-US" sz="1200" dirty="0" smtClean="0"/>
+              <a:rPr lang="zh-CN" altLang="en-US" sz="1200" b="1" dirty="0" smtClean="0">
+                <a:solidFill>
+                  <a:schemeClr val="tx1"/>
+                </a:solidFill>
+              </a:rPr>
               <a:t>否</a:t>
             </a:r>
-            <a:endParaRPr lang="zh-CN" altLang="en-US" sz="1200" dirty="0"/>
+            <a:endParaRPr lang="zh-CN" altLang="en-US" sz="1200" b="1" dirty="0">
+              <a:solidFill>
+                <a:schemeClr val="tx1"/>
+              </a:solidFill>
+            </a:endParaRPr>
           </a:p>
         </p:txBody>
       </p:sp>
@@ -12728,10 +12244,18 @@
           <a:p>
             <a:pPr algn="ctr"/>
             <a:r>
-              <a:rPr lang="en-US" altLang="zh-CN" sz="1400" dirty="0"/>
+              <a:rPr lang="en-US" altLang="zh-CN" sz="1400" b="1" dirty="0">
+                <a:solidFill>
+                  <a:schemeClr val="tx1"/>
+                </a:solidFill>
+              </a:rPr>
               <a:t>Fiber</a:t>
             </a:r>
-            <a:endParaRPr lang="zh-CN" altLang="en-US" sz="1400" dirty="0"/>
+            <a:endParaRPr lang="zh-CN" altLang="en-US" sz="1400" b="1" dirty="0">
+              <a:solidFill>
+                <a:schemeClr val="tx1"/>
+              </a:solidFill>
+            </a:endParaRPr>
           </a:p>
         </p:txBody>
       </p:sp>
@@ -12778,10 +12302,18 @@
           <a:p>
             <a:pPr algn="ctr"/>
             <a:r>
-              <a:rPr lang="zh-CN" altLang="en-US" sz="1200" dirty="0" smtClean="0"/>
+              <a:rPr lang="zh-CN" altLang="en-US" sz="1200" b="1" dirty="0" smtClean="0">
+                <a:solidFill>
+                  <a:schemeClr val="tx1"/>
+                </a:solidFill>
+              </a:rPr>
               <a:t>是</a:t>
             </a:r>
-            <a:endParaRPr lang="zh-CN" altLang="en-US" sz="1200" dirty="0"/>
+            <a:endParaRPr lang="zh-CN" altLang="en-US" sz="1200" b="1" dirty="0">
+              <a:solidFill>
+                <a:schemeClr val="tx1"/>
+              </a:solidFill>
+            </a:endParaRPr>
           </a:p>
         </p:txBody>
       </p:sp>
@@ -12936,16 +12468,16 @@
           <a:p>
             <a:pPr lvl="0" algn="ctr"/>
             <a:r>
-              <a:rPr lang="zh-CN" altLang="en-US" sz="1200" dirty="0" smtClean="0">
+              <a:rPr lang="zh-CN" altLang="en-US" sz="1200" b="1" dirty="0" smtClean="0">
                 <a:solidFill>
-                  <a:prstClr val="white"/>
+                  <a:schemeClr val="tx1"/>
                 </a:solidFill>
               </a:rPr>
-              <a:t>入调度队列</a:t>
-            </a:r>
-            <a:endParaRPr lang="zh-CN" altLang="en-US" sz="1200" dirty="0">
+              <a:t>加锁运行</a:t>
+            </a:r>
+            <a:endParaRPr lang="zh-CN" altLang="en-US" sz="1200" b="1" dirty="0">
               <a:solidFill>
-                <a:prstClr val="white"/>
+                <a:schemeClr val="tx1"/>
               </a:solidFill>
             </a:endParaRPr>
           </a:p>
@@ -12994,16 +12526,16 @@
           <a:p>
             <a:pPr lvl="0" algn="ctr"/>
             <a:r>
-              <a:rPr lang="zh-CN" altLang="en-US" sz="1200" dirty="0" smtClean="0">
+              <a:rPr lang="zh-CN" altLang="en-US" sz="1200" b="1" dirty="0" smtClean="0">
                 <a:solidFill>
-                  <a:prstClr val="white"/>
+                  <a:schemeClr val="tx1"/>
                 </a:solidFill>
               </a:rPr>
               <a:t>对互斥锁加锁</a:t>
             </a:r>
-            <a:endParaRPr lang="zh-CN" altLang="en-US" sz="1200" dirty="0">
+            <a:endParaRPr lang="zh-CN" altLang="en-US" sz="1200" b="1" dirty="0">
               <a:solidFill>
-                <a:prstClr val="white"/>
+                <a:schemeClr val="tx1"/>
               </a:solidFill>
             </a:endParaRPr>
           </a:p>
@@ -13055,10 +12587,18 @@
           <a:p>
             <a:pPr algn="ctr"/>
             <a:r>
-              <a:rPr lang="zh-CN" altLang="en-US" sz="1200" dirty="0" smtClean="0"/>
+              <a:rPr lang="zh-CN" altLang="en-US" sz="1200" b="1" dirty="0" smtClean="0">
+                <a:solidFill>
+                  <a:schemeClr val="tx1"/>
+                </a:solidFill>
+              </a:rPr>
               <a:t>加锁成功？</a:t>
             </a:r>
-            <a:endParaRPr lang="zh-CN" altLang="en-US" sz="1200" dirty="0"/>
+            <a:endParaRPr lang="zh-CN" altLang="en-US" sz="1200" b="1" dirty="0">
+              <a:solidFill>
+                <a:schemeClr val="tx1"/>
+              </a:solidFill>
+            </a:endParaRPr>
           </a:p>
         </p:txBody>
       </p:sp>
@@ -13105,10 +12645,18 @@
           <a:p>
             <a:pPr algn="ctr"/>
             <a:r>
-              <a:rPr lang="zh-CN" altLang="en-US" sz="1200" dirty="0" smtClean="0"/>
+              <a:rPr lang="zh-CN" altLang="en-US" sz="1200" b="1" dirty="0" smtClean="0">
+                <a:solidFill>
+                  <a:schemeClr val="tx1"/>
+                </a:solidFill>
+              </a:rPr>
               <a:t>是</a:t>
             </a:r>
-            <a:endParaRPr lang="zh-CN" altLang="en-US" sz="1200" dirty="0"/>
+            <a:endParaRPr lang="zh-CN" altLang="en-US" sz="1200" b="1" dirty="0">
+              <a:solidFill>
+                <a:schemeClr val="tx1"/>
+              </a:solidFill>
+            </a:endParaRPr>
           </a:p>
         </p:txBody>
       </p:sp>
@@ -13227,10 +12775,18 @@
           <a:p>
             <a:pPr algn="ctr"/>
             <a:r>
-              <a:rPr lang="zh-CN" altLang="en-US" sz="1200" dirty="0" smtClean="0"/>
+              <a:rPr lang="zh-CN" altLang="en-US" sz="1200" b="1" dirty="0" smtClean="0">
+                <a:solidFill>
+                  <a:schemeClr val="tx1"/>
+                </a:solidFill>
+              </a:rPr>
               <a:t>否</a:t>
             </a:r>
-            <a:endParaRPr lang="zh-CN" altLang="en-US" sz="1200" dirty="0"/>
+            <a:endParaRPr lang="zh-CN" altLang="en-US" sz="1200" b="1" dirty="0">
+              <a:solidFill>
+                <a:schemeClr val="tx1"/>
+              </a:solidFill>
+            </a:endParaRPr>
           </a:p>
         </p:txBody>
       </p:sp>
@@ -13249,6 +12805,136 @@
             <a:ext cx="477054" cy="1"/>
           </a:xfrm>
           <a:prstGeom prst="straightConnector1">
+            <a:avLst/>
+          </a:prstGeom>
+          <a:ln>
+            <a:tailEnd type="triangle"/>
+          </a:ln>
+        </p:spPr>
+        <p:style>
+          <a:lnRef idx="1">
+            <a:schemeClr val="accent1"/>
+          </a:lnRef>
+          <a:fillRef idx="0">
+            <a:schemeClr val="accent1"/>
+          </a:fillRef>
+          <a:effectRef idx="0">
+            <a:schemeClr val="accent1"/>
+          </a:effectRef>
+          <a:fontRef idx="minor">
+            <a:schemeClr val="tx1"/>
+          </a:fontRef>
+        </p:style>
+      </p:cxnSp>
+      <p:sp>
+        <p:nvSpPr>
+          <p:cNvPr id="39" name="圆角矩形 38"/>
+          <p:cNvSpPr/>
+          <p:nvPr/>
+        </p:nvSpPr>
+        <p:spPr>
+          <a:xfrm>
+            <a:off x="7718548" y="3465003"/>
+            <a:ext cx="1152128" cy="360040"/>
+          </a:xfrm>
+          <a:prstGeom prst="roundRect">
+            <a:avLst/>
+          </a:prstGeom>
+          <a:solidFill>
+            <a:srgbClr val="0070C0"/>
+          </a:solidFill>
+          <a:ln>
+            <a:noFill/>
+          </a:ln>
+        </p:spPr>
+        <p:style>
+          <a:lnRef idx="2">
+            <a:schemeClr val="accent1">
+              <a:shade val="50000"/>
+            </a:schemeClr>
+          </a:lnRef>
+          <a:fillRef idx="1">
+            <a:schemeClr val="accent1"/>
+          </a:fillRef>
+          <a:effectRef idx="0">
+            <a:schemeClr val="accent1"/>
+          </a:effectRef>
+          <a:fontRef idx="minor">
+            <a:schemeClr val="lt1"/>
+          </a:fontRef>
+        </p:style>
+        <p:txBody>
+          <a:bodyPr rtlCol="0" anchor="ctr"/>
+          <a:lstStyle/>
+          <a:p>
+            <a:pPr lvl="0" algn="ctr"/>
+            <a:r>
+              <a:rPr lang="zh-CN" altLang="en-US" sz="1200" b="1" dirty="0" smtClean="0">
+                <a:solidFill>
+                  <a:schemeClr val="tx1"/>
+                </a:solidFill>
+              </a:rPr>
+              <a:t>入调度队列</a:t>
+            </a:r>
+            <a:endParaRPr lang="zh-CN" altLang="en-US" sz="1200" b="1" dirty="0">
+              <a:solidFill>
+                <a:schemeClr val="tx1"/>
+              </a:solidFill>
+            </a:endParaRPr>
+          </a:p>
+        </p:txBody>
+      </p:sp>
+      <p:cxnSp>
+        <p:nvCxnSpPr>
+          <p:cNvPr id="5" name="直接箭头连接符 4"/>
+          <p:cNvCxnSpPr>
+            <a:stCxn id="34" idx="6"/>
+            <a:endCxn id="39" idx="1"/>
+          </p:cNvCxnSpPr>
+          <p:nvPr/>
+        </p:nvCxnSpPr>
+        <p:spPr>
+          <a:xfrm flipV="1">
+            <a:off x="7245678" y="3645023"/>
+            <a:ext cx="472870" cy="1541"/>
+          </a:xfrm>
+          <a:prstGeom prst="straightConnector1">
+            <a:avLst/>
+          </a:prstGeom>
+          <a:ln>
+            <a:tailEnd type="triangle"/>
+          </a:ln>
+        </p:spPr>
+        <p:style>
+          <a:lnRef idx="1">
+            <a:schemeClr val="accent1"/>
+          </a:lnRef>
+          <a:fillRef idx="0">
+            <a:schemeClr val="accent1"/>
+          </a:fillRef>
+          <a:effectRef idx="0">
+            <a:schemeClr val="accent1"/>
+          </a:effectRef>
+          <a:fontRef idx="minor">
+            <a:schemeClr val="tx1"/>
+          </a:fontRef>
+        </p:style>
+      </p:cxnSp>
+      <p:cxnSp>
+        <p:nvCxnSpPr>
+          <p:cNvPr id="8" name="肘形连接符 7"/>
+          <p:cNvCxnSpPr>
+            <a:stCxn id="39" idx="2"/>
+            <a:endCxn id="80" idx="3"/>
+          </p:cNvCxnSpPr>
+          <p:nvPr/>
+        </p:nvCxnSpPr>
+        <p:spPr>
+          <a:xfrm rot="5400000">
+            <a:off x="4921139" y="3187874"/>
+            <a:ext cx="2736305" cy="4010643"/>
+          </a:xfrm>
+          <a:prstGeom prst="bentConnector2">
             <a:avLst/>
           </a:prstGeom>
           <a:ln>
@@ -13280,6 +12966,13 @@
   <p:clrMapOvr>
     <a:masterClrMapping/>
   </p:clrMapOvr>
+  <p:timing>
+    <p:tnLst>
+      <p:par>
+        <p:cTn id="1" dur="indefinite" restart="never" nodeType="tmRoot"/>
+      </p:par>
+    </p:tnLst>
+  </p:timing>
 </p:sld>
 </file>
 
@@ -13421,10 +13114,18 @@
           <a:p>
             <a:pPr algn="ctr"/>
             <a:r>
-              <a:rPr lang="en-US" altLang="zh-CN" dirty="0" smtClean="0"/>
+              <a:rPr lang="en-US" altLang="zh-CN" b="1" dirty="0" smtClean="0">
+                <a:solidFill>
+                  <a:schemeClr val="tx1"/>
+                </a:solidFill>
+              </a:rPr>
               <a:t>C</a:t>
             </a:r>
-            <a:endParaRPr lang="zh-CN" altLang="en-US" dirty="0"/>
+            <a:endParaRPr lang="zh-CN" altLang="en-US" b="1" dirty="0">
+              <a:solidFill>
+                <a:schemeClr val="tx1"/>
+              </a:solidFill>
+            </a:endParaRPr>
           </a:p>
         </p:txBody>
       </p:sp>
@@ -13473,10 +13174,18 @@
           <a:p>
             <a:pPr algn="ctr"/>
             <a:r>
-              <a:rPr lang="en-US" altLang="zh-CN" dirty="0" smtClean="0"/>
+              <a:rPr lang="en-US" altLang="zh-CN" b="1" dirty="0" smtClean="0">
+                <a:solidFill>
+                  <a:schemeClr val="tx1"/>
+                </a:solidFill>
+              </a:rPr>
               <a:t>C</a:t>
             </a:r>
-            <a:endParaRPr lang="zh-CN" altLang="en-US" dirty="0"/>
+            <a:endParaRPr lang="zh-CN" altLang="en-US" b="1" dirty="0">
+              <a:solidFill>
+                <a:schemeClr val="tx1"/>
+              </a:solidFill>
+            </a:endParaRPr>
           </a:p>
         </p:txBody>
       </p:sp>
@@ -13525,10 +13234,18 @@
           <a:p>
             <a:pPr algn="ctr"/>
             <a:r>
-              <a:rPr lang="en-US" altLang="zh-CN" dirty="0" smtClean="0"/>
+              <a:rPr lang="en-US" altLang="zh-CN" b="1" dirty="0" smtClean="0">
+                <a:solidFill>
+                  <a:schemeClr val="tx1"/>
+                </a:solidFill>
+              </a:rPr>
               <a:t>C</a:t>
             </a:r>
-            <a:endParaRPr lang="zh-CN" altLang="en-US" dirty="0"/>
+            <a:endParaRPr lang="zh-CN" altLang="en-US" b="1" dirty="0">
+              <a:solidFill>
+                <a:schemeClr val="tx1"/>
+              </a:solidFill>
+            </a:endParaRPr>
           </a:p>
         </p:txBody>
       </p:sp>
@@ -13577,10 +13294,18 @@
           <a:p>
             <a:pPr algn="ctr"/>
             <a:r>
-              <a:rPr lang="en-US" altLang="zh-CN" dirty="0" smtClean="0"/>
+              <a:rPr lang="en-US" altLang="zh-CN" b="1" dirty="0" smtClean="0">
+                <a:solidFill>
+                  <a:schemeClr val="tx1"/>
+                </a:solidFill>
+              </a:rPr>
               <a:t>C</a:t>
             </a:r>
-            <a:endParaRPr lang="zh-CN" altLang="en-US" dirty="0"/>
+            <a:endParaRPr lang="zh-CN" altLang="en-US" b="1" dirty="0">
+              <a:solidFill>
+                <a:schemeClr val="tx1"/>
+              </a:solidFill>
+            </a:endParaRPr>
           </a:p>
         </p:txBody>
       </p:sp>
@@ -13627,10 +13352,18 @@
           <a:p>
             <a:pPr algn="ctr"/>
             <a:r>
-              <a:rPr lang="en-US" altLang="zh-CN" sz="1400" dirty="0" smtClean="0"/>
+              <a:rPr lang="en-US" altLang="zh-CN" sz="1400" b="1" dirty="0" smtClean="0">
+                <a:solidFill>
+                  <a:schemeClr val="tx1"/>
+                </a:solidFill>
+              </a:rPr>
               <a:t>Fiber</a:t>
             </a:r>
-            <a:endParaRPr lang="zh-CN" altLang="en-US" sz="1400" dirty="0"/>
+            <a:endParaRPr lang="zh-CN" altLang="en-US" sz="1400" b="1" dirty="0">
+              <a:solidFill>
+                <a:schemeClr val="tx1"/>
+              </a:solidFill>
+            </a:endParaRPr>
           </a:p>
         </p:txBody>
       </p:sp>
@@ -13677,10 +13410,18 @@
           <a:p>
             <a:pPr algn="ctr"/>
             <a:r>
-              <a:rPr lang="en-US" altLang="zh-CN" sz="1400" dirty="0"/>
+              <a:rPr lang="en-US" altLang="zh-CN" sz="1400" b="1" dirty="0">
+                <a:solidFill>
+                  <a:schemeClr val="tx1"/>
+                </a:solidFill>
+              </a:rPr>
               <a:t>Fiber</a:t>
             </a:r>
-            <a:endParaRPr lang="zh-CN" altLang="en-US" sz="1400" dirty="0"/>
+            <a:endParaRPr lang="zh-CN" altLang="en-US" sz="1400" b="1" dirty="0">
+              <a:solidFill>
+                <a:schemeClr val="tx1"/>
+              </a:solidFill>
+            </a:endParaRPr>
           </a:p>
         </p:txBody>
       </p:sp>
@@ -13727,10 +13468,18 @@
           <a:p>
             <a:pPr algn="ctr"/>
             <a:r>
-              <a:rPr lang="en-US" altLang="zh-CN" sz="1400" dirty="0"/>
+              <a:rPr lang="en-US" altLang="zh-CN" sz="1400" b="1" dirty="0">
+                <a:solidFill>
+                  <a:schemeClr val="tx1"/>
+                </a:solidFill>
+              </a:rPr>
               <a:t>Fiber</a:t>
             </a:r>
-            <a:endParaRPr lang="zh-CN" altLang="en-US" sz="1400" dirty="0"/>
+            <a:endParaRPr lang="zh-CN" altLang="en-US" sz="1400" b="1" dirty="0">
+              <a:solidFill>
+                <a:schemeClr val="tx1"/>
+              </a:solidFill>
+            </a:endParaRPr>
           </a:p>
         </p:txBody>
       </p:sp>
@@ -13777,10 +13526,18 @@
           <a:p>
             <a:pPr algn="ctr"/>
             <a:r>
-              <a:rPr lang="en-US" altLang="zh-CN" sz="1400" dirty="0"/>
+              <a:rPr lang="en-US" altLang="zh-CN" sz="1400" b="1" dirty="0">
+                <a:solidFill>
+                  <a:schemeClr val="tx1"/>
+                </a:solidFill>
+              </a:rPr>
               <a:t>Fiber</a:t>
             </a:r>
-            <a:endParaRPr lang="zh-CN" altLang="en-US" sz="1400" dirty="0"/>
+            <a:endParaRPr lang="zh-CN" altLang="en-US" sz="1400" b="1" dirty="0">
+              <a:solidFill>
+                <a:schemeClr val="tx1"/>
+              </a:solidFill>
+            </a:endParaRPr>
           </a:p>
         </p:txBody>
       </p:sp>
@@ -13827,7 +13584,11 @@
           <a:lstStyle/>
           <a:p>
             <a:pPr algn="ctr"/>
-            <a:endParaRPr lang="zh-CN" altLang="en-US"/>
+            <a:endParaRPr lang="zh-CN" altLang="en-US" b="1">
+              <a:solidFill>
+                <a:schemeClr val="tx1"/>
+              </a:solidFill>
+            </a:endParaRPr>
           </a:p>
         </p:txBody>
       </p:sp>
@@ -14018,10 +13779,18 @@
           <a:p>
             <a:pPr algn="ctr"/>
             <a:r>
-              <a:rPr lang="en-US" altLang="zh-CN" sz="1600" dirty="0" err="1" smtClean="0"/>
+              <a:rPr lang="en-US" altLang="zh-CN" sz="1600" b="1" dirty="0" err="1" smtClean="0">
+                <a:solidFill>
+                  <a:schemeClr val="tx1"/>
+                </a:solidFill>
+              </a:rPr>
               <a:t>Mysql</a:t>
             </a:r>
-            <a:endParaRPr lang="zh-CN" altLang="en-US" sz="1600" dirty="0"/>
+            <a:endParaRPr lang="zh-CN" altLang="en-US" sz="1600" b="1" dirty="0">
+              <a:solidFill>
+                <a:schemeClr val="tx1"/>
+              </a:solidFill>
+            </a:endParaRPr>
           </a:p>
         </p:txBody>
       </p:sp>
@@ -14211,7 +13980,11 @@
           <a:lstStyle/>
           <a:p>
             <a:pPr algn="ctr"/>
-            <a:endParaRPr lang="zh-CN" altLang="en-US"/>
+            <a:endParaRPr lang="zh-CN" altLang="en-US" b="1">
+              <a:solidFill>
+                <a:schemeClr val="tx1"/>
+              </a:solidFill>
+            </a:endParaRPr>
           </a:p>
         </p:txBody>
       </p:sp>
@@ -14260,10 +14033,18 @@
           <a:p>
             <a:pPr algn="ctr"/>
             <a:r>
-              <a:rPr lang="en-US" altLang="zh-CN" dirty="0" smtClean="0"/>
+              <a:rPr lang="en-US" altLang="zh-CN" b="1" dirty="0" smtClean="0">
+                <a:solidFill>
+                  <a:schemeClr val="tx1"/>
+                </a:solidFill>
+              </a:rPr>
               <a:t>C</a:t>
             </a:r>
-            <a:endParaRPr lang="zh-CN" altLang="en-US" dirty="0"/>
+            <a:endParaRPr lang="zh-CN" altLang="en-US" b="1" dirty="0">
+              <a:solidFill>
+                <a:schemeClr val="tx1"/>
+              </a:solidFill>
+            </a:endParaRPr>
           </a:p>
         </p:txBody>
       </p:sp>
@@ -14312,10 +14093,18 @@
           <a:p>
             <a:pPr algn="ctr"/>
             <a:r>
-              <a:rPr lang="en-US" altLang="zh-CN" dirty="0" smtClean="0"/>
+              <a:rPr lang="en-US" altLang="zh-CN" b="1" dirty="0" smtClean="0">
+                <a:solidFill>
+                  <a:schemeClr val="tx1"/>
+                </a:solidFill>
+              </a:rPr>
               <a:t>C</a:t>
             </a:r>
-            <a:endParaRPr lang="zh-CN" altLang="en-US" dirty="0"/>
+            <a:endParaRPr lang="zh-CN" altLang="en-US" b="1" dirty="0">
+              <a:solidFill>
+                <a:schemeClr val="tx1"/>
+              </a:solidFill>
+            </a:endParaRPr>
           </a:p>
         </p:txBody>
       </p:sp>
@@ -14364,10 +14153,18 @@
           <a:p>
             <a:pPr algn="ctr"/>
             <a:r>
-              <a:rPr lang="en-US" altLang="zh-CN" dirty="0" smtClean="0"/>
+              <a:rPr lang="en-US" altLang="zh-CN" b="1" dirty="0" smtClean="0">
+                <a:solidFill>
+                  <a:schemeClr val="tx1"/>
+                </a:solidFill>
+              </a:rPr>
               <a:t>C</a:t>
             </a:r>
-            <a:endParaRPr lang="zh-CN" altLang="en-US" dirty="0"/>
+            <a:endParaRPr lang="zh-CN" altLang="en-US" b="1" dirty="0">
+              <a:solidFill>
+                <a:schemeClr val="tx1"/>
+              </a:solidFill>
+            </a:endParaRPr>
           </a:p>
         </p:txBody>
       </p:sp>
@@ -14416,10 +14213,18 @@
           <a:p>
             <a:pPr algn="ctr"/>
             <a:r>
-              <a:rPr lang="en-US" altLang="zh-CN" dirty="0" smtClean="0"/>
+              <a:rPr lang="en-US" altLang="zh-CN" b="1" dirty="0" smtClean="0">
+                <a:solidFill>
+                  <a:schemeClr val="tx1"/>
+                </a:solidFill>
+              </a:rPr>
               <a:t>C</a:t>
             </a:r>
-            <a:endParaRPr lang="zh-CN" altLang="en-US" dirty="0"/>
+            <a:endParaRPr lang="zh-CN" altLang="en-US" b="1" dirty="0">
+              <a:solidFill>
+                <a:schemeClr val="tx1"/>
+              </a:solidFill>
+            </a:endParaRPr>
           </a:p>
         </p:txBody>
       </p:sp>
@@ -14466,10 +14271,18 @@
           <a:p>
             <a:pPr algn="ctr"/>
             <a:r>
-              <a:rPr lang="en-US" altLang="zh-CN" sz="1400" dirty="0" smtClean="0"/>
+              <a:rPr lang="en-US" altLang="zh-CN" sz="1400" b="1" dirty="0" smtClean="0">
+                <a:solidFill>
+                  <a:schemeClr val="tx1"/>
+                </a:solidFill>
+              </a:rPr>
               <a:t>Fiber</a:t>
             </a:r>
-            <a:endParaRPr lang="zh-CN" altLang="en-US" sz="1400" dirty="0"/>
+            <a:endParaRPr lang="zh-CN" altLang="en-US" sz="1400" b="1" dirty="0">
+              <a:solidFill>
+                <a:schemeClr val="tx1"/>
+              </a:solidFill>
+            </a:endParaRPr>
           </a:p>
         </p:txBody>
       </p:sp>
@@ -14516,10 +14329,18 @@
           <a:p>
             <a:pPr algn="ctr"/>
             <a:r>
-              <a:rPr lang="en-US" altLang="zh-CN" sz="1400" dirty="0"/>
+              <a:rPr lang="en-US" altLang="zh-CN" sz="1400" b="1" dirty="0">
+                <a:solidFill>
+                  <a:schemeClr val="tx1"/>
+                </a:solidFill>
+              </a:rPr>
               <a:t>Fiber</a:t>
             </a:r>
-            <a:endParaRPr lang="zh-CN" altLang="en-US" sz="1400" dirty="0"/>
+            <a:endParaRPr lang="zh-CN" altLang="en-US" sz="1400" b="1" dirty="0">
+              <a:solidFill>
+                <a:schemeClr val="tx1"/>
+              </a:solidFill>
+            </a:endParaRPr>
           </a:p>
         </p:txBody>
       </p:sp>
@@ -14566,10 +14387,18 @@
           <a:p>
             <a:pPr algn="ctr"/>
             <a:r>
-              <a:rPr lang="en-US" altLang="zh-CN" sz="1400" dirty="0"/>
+              <a:rPr lang="en-US" altLang="zh-CN" sz="1400" b="1" dirty="0">
+                <a:solidFill>
+                  <a:schemeClr val="tx1"/>
+                </a:solidFill>
+              </a:rPr>
               <a:t>Fiber</a:t>
             </a:r>
-            <a:endParaRPr lang="zh-CN" altLang="en-US" sz="1400" dirty="0"/>
+            <a:endParaRPr lang="zh-CN" altLang="en-US" sz="1400" b="1" dirty="0">
+              <a:solidFill>
+                <a:schemeClr val="tx1"/>
+              </a:solidFill>
+            </a:endParaRPr>
           </a:p>
         </p:txBody>
       </p:sp>
@@ -14616,10 +14445,18 @@
           <a:p>
             <a:pPr algn="ctr"/>
             <a:r>
-              <a:rPr lang="en-US" altLang="zh-CN" sz="1400" dirty="0"/>
+              <a:rPr lang="en-US" altLang="zh-CN" sz="1400" b="1" dirty="0">
+                <a:solidFill>
+                  <a:schemeClr val="tx1"/>
+                </a:solidFill>
+              </a:rPr>
               <a:t>Fiber</a:t>
             </a:r>
-            <a:endParaRPr lang="zh-CN" altLang="en-US" sz="1400" dirty="0"/>
+            <a:endParaRPr lang="zh-CN" altLang="en-US" sz="1400" b="1" dirty="0">
+              <a:solidFill>
+                <a:schemeClr val="tx1"/>
+              </a:solidFill>
+            </a:endParaRPr>
           </a:p>
         </p:txBody>
       </p:sp>
@@ -14666,7 +14503,11 @@
           <a:lstStyle/>
           <a:p>
             <a:pPr algn="ctr"/>
-            <a:endParaRPr lang="zh-CN" altLang="en-US"/>
+            <a:endParaRPr lang="zh-CN" altLang="en-US" b="1">
+              <a:solidFill>
+                <a:schemeClr val="tx1"/>
+              </a:solidFill>
+            </a:endParaRPr>
           </a:p>
         </p:txBody>
       </p:sp>
@@ -14857,10 +14698,18 @@
           <a:p>
             <a:pPr algn="ctr"/>
             <a:r>
-              <a:rPr lang="en-US" altLang="zh-CN" sz="1600" dirty="0" err="1" smtClean="0"/>
+              <a:rPr lang="en-US" altLang="zh-CN" sz="1600" b="1" dirty="0" err="1" smtClean="0">
+                <a:solidFill>
+                  <a:schemeClr val="tx1"/>
+                </a:solidFill>
+              </a:rPr>
               <a:t>Mysql</a:t>
             </a:r>
-            <a:endParaRPr lang="zh-CN" altLang="en-US" sz="1600" dirty="0"/>
+            <a:endParaRPr lang="zh-CN" altLang="en-US" sz="1600" b="1" dirty="0">
+              <a:solidFill>
+                <a:schemeClr val="tx1"/>
+              </a:solidFill>
+            </a:endParaRPr>
           </a:p>
         </p:txBody>
       </p:sp>
@@ -14979,10 +14828,18 @@
           <a:p>
             <a:pPr algn="ctr"/>
             <a:r>
-              <a:rPr lang="zh-CN" altLang="en-US" dirty="0" smtClean="0"/>
+              <a:rPr lang="zh-CN" altLang="en-US" dirty="0" smtClean="0">
+                <a:solidFill>
+                  <a:schemeClr val="tx1"/>
+                </a:solidFill>
+              </a:rPr>
               <a:t>如何做到？</a:t>
             </a:r>
-            <a:endParaRPr lang="zh-CN" altLang="en-US" dirty="0"/>
+            <a:endParaRPr lang="zh-CN" altLang="en-US" dirty="0">
+              <a:solidFill>
+                <a:schemeClr val="tx1"/>
+              </a:solidFill>
+            </a:endParaRPr>
           </a:p>
         </p:txBody>
       </p:sp>
@@ -15257,10 +15114,18 @@
           <a:p>
             <a:pPr algn="ctr"/>
             <a:r>
-              <a:rPr lang="en-US" altLang="zh-CN" sz="1400" dirty="0"/>
+              <a:rPr lang="en-US" altLang="zh-CN" sz="1400" b="1" dirty="0">
+                <a:solidFill>
+                  <a:schemeClr val="tx1"/>
+                </a:solidFill>
+              </a:rPr>
               <a:t>Fiber</a:t>
             </a:r>
-            <a:endParaRPr lang="zh-CN" altLang="en-US" sz="1400" dirty="0"/>
+            <a:endParaRPr lang="zh-CN" altLang="en-US" sz="1400" b="1" dirty="0">
+              <a:solidFill>
+                <a:schemeClr val="tx1"/>
+              </a:solidFill>
+            </a:endParaRPr>
           </a:p>
         </p:txBody>
       </p:sp>
@@ -15307,10 +15172,18 @@
           <a:p>
             <a:pPr algn="ctr"/>
             <a:r>
-              <a:rPr lang="en-US" altLang="zh-CN" sz="1400" dirty="0"/>
+              <a:rPr lang="en-US" altLang="zh-CN" sz="1400" b="1" dirty="0">
+                <a:solidFill>
+                  <a:schemeClr val="tx1"/>
+                </a:solidFill>
+              </a:rPr>
               <a:t>Fiber</a:t>
             </a:r>
-            <a:endParaRPr lang="zh-CN" altLang="en-US" sz="1400" dirty="0"/>
+            <a:endParaRPr lang="zh-CN" altLang="en-US" sz="1400" b="1" dirty="0">
+              <a:solidFill>
+                <a:schemeClr val="tx1"/>
+              </a:solidFill>
+            </a:endParaRPr>
           </a:p>
         </p:txBody>
       </p:sp>
@@ -15357,10 +15230,18 @@
           <a:p>
             <a:pPr algn="ctr"/>
             <a:r>
-              <a:rPr lang="en-US" altLang="zh-CN" sz="1400" dirty="0"/>
+              <a:rPr lang="en-US" altLang="zh-CN" sz="1400" b="1" dirty="0">
+                <a:solidFill>
+                  <a:schemeClr val="tx1"/>
+                </a:solidFill>
+              </a:rPr>
               <a:t>Fiber</a:t>
             </a:r>
-            <a:endParaRPr lang="zh-CN" altLang="en-US" sz="1400" dirty="0"/>
+            <a:endParaRPr lang="zh-CN" altLang="en-US" sz="1400" b="1" dirty="0">
+              <a:solidFill>
+                <a:schemeClr val="tx1"/>
+              </a:solidFill>
+            </a:endParaRPr>
           </a:p>
         </p:txBody>
       </p:sp>
@@ -15404,10 +15285,18 @@
           <a:p>
             <a:pPr algn="ctr"/>
             <a:r>
-              <a:rPr lang="zh-CN" altLang="en-US" sz="1200" dirty="0" smtClean="0"/>
+              <a:rPr lang="zh-CN" altLang="en-US" sz="1200" b="1" dirty="0" smtClean="0">
+                <a:solidFill>
+                  <a:schemeClr val="tx1"/>
+                </a:solidFill>
+              </a:rPr>
               <a:t>信号量计数器</a:t>
             </a:r>
-            <a:endParaRPr lang="zh-CN" altLang="en-US" sz="1200" dirty="0"/>
+            <a:endParaRPr lang="zh-CN" altLang="en-US" sz="1200" b="1" dirty="0">
+              <a:solidFill>
+                <a:schemeClr val="tx1"/>
+              </a:solidFill>
+            </a:endParaRPr>
           </a:p>
         </p:txBody>
       </p:sp>
@@ -15454,10 +15343,18 @@
           <a:p>
             <a:pPr algn="ctr"/>
             <a:r>
-              <a:rPr lang="en-US" altLang="zh-CN" sz="1400" dirty="0"/>
+              <a:rPr lang="en-US" altLang="zh-CN" sz="1400" b="1" dirty="0">
+                <a:solidFill>
+                  <a:schemeClr val="tx1"/>
+                </a:solidFill>
+              </a:rPr>
               <a:t>Fiber</a:t>
             </a:r>
-            <a:endParaRPr lang="zh-CN" altLang="en-US" sz="1400" dirty="0"/>
+            <a:endParaRPr lang="zh-CN" altLang="en-US" sz="1400" b="1" dirty="0">
+              <a:solidFill>
+                <a:schemeClr val="tx1"/>
+              </a:solidFill>
+            </a:endParaRPr>
           </a:p>
         </p:txBody>
       </p:sp>
@@ -15504,10 +15401,18 @@
           <a:p>
             <a:pPr algn="ctr"/>
             <a:r>
-              <a:rPr lang="en-US" altLang="zh-CN" sz="1400" dirty="0"/>
+              <a:rPr lang="en-US" altLang="zh-CN" sz="1400" b="1" dirty="0">
+                <a:solidFill>
+                  <a:schemeClr val="tx1"/>
+                </a:solidFill>
+              </a:rPr>
               <a:t>Fiber</a:t>
             </a:r>
-            <a:endParaRPr lang="zh-CN" altLang="en-US" sz="1400" dirty="0"/>
+            <a:endParaRPr lang="zh-CN" altLang="en-US" sz="1400" b="1" dirty="0">
+              <a:solidFill>
+                <a:schemeClr val="tx1"/>
+              </a:solidFill>
+            </a:endParaRPr>
           </a:p>
         </p:txBody>
       </p:sp>
@@ -15699,7 +15604,7 @@
         </p:nvSpPr>
         <p:spPr>
           <a:xfrm>
-            <a:off x="3479293" y="1385664"/>
+            <a:off x="3626644" y="1385664"/>
             <a:ext cx="1449412" cy="675184"/>
           </a:xfrm>
           <a:prstGeom prst="ellipse">
@@ -15734,10 +15639,18 @@
           <a:p>
             <a:pPr algn="ctr"/>
             <a:r>
-              <a:rPr lang="zh-CN" altLang="en-US" sz="1200" dirty="0" smtClean="0"/>
+              <a:rPr lang="zh-CN" altLang="en-US" sz="1200" b="1" dirty="0" smtClean="0">
+                <a:solidFill>
+                  <a:schemeClr val="tx1"/>
+                </a:solidFill>
+              </a:rPr>
               <a:t>协程调度器</a:t>
             </a:r>
-            <a:endParaRPr lang="zh-CN" altLang="en-US" sz="1200" dirty="0"/>
+            <a:endParaRPr lang="zh-CN" altLang="en-US" sz="1200" b="1" dirty="0">
+              <a:solidFill>
+                <a:schemeClr val="tx1"/>
+              </a:solidFill>
+            </a:endParaRPr>
           </a:p>
         </p:txBody>
       </p:sp>
@@ -15784,10 +15697,18 @@
           <a:p>
             <a:pPr algn="ctr"/>
             <a:r>
-              <a:rPr lang="en-US" altLang="zh-CN" sz="1400" dirty="0"/>
+              <a:rPr lang="en-US" altLang="zh-CN" sz="1400" b="1" dirty="0">
+                <a:solidFill>
+                  <a:schemeClr val="tx1"/>
+                </a:solidFill>
+              </a:rPr>
               <a:t>Fiber</a:t>
             </a:r>
-            <a:endParaRPr lang="zh-CN" altLang="en-US" sz="1400" dirty="0"/>
+            <a:endParaRPr lang="zh-CN" altLang="en-US" sz="1400" b="1" dirty="0">
+              <a:solidFill>
+                <a:schemeClr val="tx1"/>
+              </a:solidFill>
+            </a:endParaRPr>
           </a:p>
         </p:txBody>
       </p:sp>
@@ -15834,10 +15755,18 @@
           <a:p>
             <a:pPr algn="ctr"/>
             <a:r>
-              <a:rPr lang="en-US" altLang="zh-CN" sz="1400" dirty="0"/>
+              <a:rPr lang="en-US" altLang="zh-CN" sz="1400" b="1" dirty="0">
+                <a:solidFill>
+                  <a:schemeClr val="tx1"/>
+                </a:solidFill>
+              </a:rPr>
               <a:t>Fiber</a:t>
             </a:r>
-            <a:endParaRPr lang="zh-CN" altLang="en-US" sz="1400" dirty="0"/>
+            <a:endParaRPr lang="zh-CN" altLang="en-US" sz="1400" b="1" dirty="0">
+              <a:solidFill>
+                <a:schemeClr val="tx1"/>
+              </a:solidFill>
+            </a:endParaRPr>
           </a:p>
         </p:txBody>
       </p:sp>
@@ -15884,10 +15813,18 @@
           <a:p>
             <a:pPr algn="ctr"/>
             <a:r>
-              <a:rPr lang="en-US" altLang="zh-CN" sz="1400" dirty="0"/>
+              <a:rPr lang="en-US" altLang="zh-CN" sz="1400" b="1" dirty="0">
+                <a:solidFill>
+                  <a:schemeClr val="tx1"/>
+                </a:solidFill>
+              </a:rPr>
               <a:t>Fiber</a:t>
             </a:r>
-            <a:endParaRPr lang="zh-CN" altLang="en-US" sz="1400" dirty="0"/>
+            <a:endParaRPr lang="zh-CN" altLang="en-US" sz="1400" b="1" dirty="0">
+              <a:solidFill>
+                <a:schemeClr val="tx1"/>
+              </a:solidFill>
+            </a:endParaRPr>
           </a:p>
         </p:txBody>
       </p:sp>
@@ -16039,7 +15976,11 @@
           <a:lstStyle/>
           <a:p>
             <a:pPr algn="ctr"/>
-            <a:endParaRPr lang="zh-CN" altLang="en-US"/>
+            <a:endParaRPr lang="zh-CN" altLang="en-US" b="1">
+              <a:solidFill>
+                <a:schemeClr val="tx1"/>
+              </a:solidFill>
+            </a:endParaRPr>
           </a:p>
         </p:txBody>
       </p:sp>
@@ -16083,7 +16024,11 @@
           <a:lstStyle/>
           <a:p>
             <a:pPr algn="ctr"/>
-            <a:endParaRPr lang="zh-CN" altLang="en-US"/>
+            <a:endParaRPr lang="zh-CN" altLang="en-US" b="1">
+              <a:solidFill>
+                <a:schemeClr val="tx1"/>
+              </a:solidFill>
+            </a:endParaRPr>
           </a:p>
         </p:txBody>
       </p:sp>
@@ -16194,10 +16139,18 @@
           <a:p>
             <a:pPr algn="ctr"/>
             <a:r>
-              <a:rPr lang="en-US" altLang="zh-CN" sz="1400" dirty="0"/>
+              <a:rPr lang="en-US" altLang="zh-CN" sz="1400" b="1" dirty="0">
+                <a:solidFill>
+                  <a:schemeClr val="tx1"/>
+                </a:solidFill>
+              </a:rPr>
               <a:t>Fiber</a:t>
             </a:r>
-            <a:endParaRPr lang="zh-CN" altLang="en-US" sz="1400" dirty="0"/>
+            <a:endParaRPr lang="zh-CN" altLang="en-US" sz="1400" b="1" dirty="0">
+              <a:solidFill>
+                <a:schemeClr val="tx1"/>
+              </a:solidFill>
+            </a:endParaRPr>
           </a:p>
         </p:txBody>
       </p:sp>
@@ -16244,14 +16197,26 @@
           <a:p>
             <a:pPr algn="ctr"/>
             <a:r>
-              <a:rPr lang="en-US" altLang="zh-CN" sz="1200" dirty="0" smtClean="0"/>
+              <a:rPr lang="en-US" altLang="zh-CN" sz="1200" b="1" dirty="0" smtClean="0">
+                <a:solidFill>
+                  <a:schemeClr val="tx1"/>
+                </a:solidFill>
+              </a:rPr>
               <a:t>IO</a:t>
             </a:r>
             <a:r>
-              <a:rPr lang="zh-CN" altLang="en-US" sz="1200" dirty="0" smtClean="0"/>
+              <a:rPr lang="zh-CN" altLang="en-US" sz="1200" b="1" dirty="0" smtClean="0">
+                <a:solidFill>
+                  <a:schemeClr val="tx1"/>
+                </a:solidFill>
+              </a:rPr>
               <a:t>事件引擎</a:t>
             </a:r>
-            <a:endParaRPr lang="zh-CN" altLang="en-US" sz="1200" dirty="0"/>
+            <a:endParaRPr lang="zh-CN" altLang="en-US" sz="1200" b="1" dirty="0">
+              <a:solidFill>
+                <a:schemeClr val="tx1"/>
+              </a:solidFill>
+            </a:endParaRPr>
           </a:p>
         </p:txBody>
       </p:sp>
@@ -16441,7 +16406,7 @@
         <p:spPr>
           <a:xfrm flipH="1">
             <a:off x="3095836" y="2060848"/>
-            <a:ext cx="1108163" cy="900331"/>
+            <a:ext cx="1255514" cy="900331"/>
           </a:xfrm>
           <a:prstGeom prst="straightConnector1">
             <a:avLst/>
@@ -16476,8 +16441,8 @@
         </p:nvCxnSpPr>
         <p:spPr>
           <a:xfrm>
-            <a:off x="4203999" y="2060848"/>
-            <a:ext cx="1745400" cy="900331"/>
+            <a:off x="4351350" y="2060848"/>
+            <a:ext cx="1598049" cy="900331"/>
           </a:xfrm>
           <a:prstGeom prst="straightConnector1">
             <a:avLst/>
@@ -16512,8 +16477,8 @@
         </p:nvCxnSpPr>
         <p:spPr>
           <a:xfrm>
-            <a:off x="4203999" y="2060848"/>
-            <a:ext cx="3176314" cy="926477"/>
+            <a:off x="4351350" y="2060848"/>
+            <a:ext cx="3028963" cy="926477"/>
           </a:xfrm>
           <a:prstGeom prst="straightConnector1">
             <a:avLst/>
@@ -16756,14 +16721,14 @@
             <a:r>
               <a:rPr lang="zh-CN" altLang="en-US" sz="1100" b="1" dirty="0" smtClean="0">
                 <a:solidFill>
-                  <a:schemeClr val="bg1"/>
+                  <a:schemeClr val="tx1"/>
                 </a:solidFill>
               </a:rPr>
               <a:t>创建线程</a:t>
             </a:r>
             <a:endParaRPr lang="zh-CN" altLang="en-US" sz="1100" b="1" dirty="0">
               <a:solidFill>
-                <a:schemeClr val="bg1"/>
+                <a:schemeClr val="tx1"/>
               </a:solidFill>
             </a:endParaRPr>
           </a:p>
@@ -16814,14 +16779,14 @@
             <a:r>
               <a:rPr lang="zh-CN" altLang="en-US" sz="1100" b="1" dirty="0" smtClean="0">
                 <a:solidFill>
-                  <a:schemeClr val="bg1"/>
+                  <a:schemeClr val="tx1"/>
                 </a:solidFill>
               </a:rPr>
               <a:t>创建协程</a:t>
             </a:r>
             <a:endParaRPr lang="zh-CN" altLang="en-US" sz="1100" b="1" dirty="0">
               <a:solidFill>
-                <a:schemeClr val="bg1"/>
+                <a:schemeClr val="tx1"/>
               </a:solidFill>
             </a:endParaRPr>
           </a:p>
@@ -16872,14 +16837,14 @@
             <a:r>
               <a:rPr lang="zh-CN" altLang="en-US" sz="1100" b="1" dirty="0" smtClean="0">
                 <a:solidFill>
-                  <a:schemeClr val="bg1"/>
+                  <a:schemeClr val="tx1"/>
                 </a:solidFill>
               </a:rPr>
               <a:t>创建协程</a:t>
             </a:r>
             <a:endParaRPr lang="zh-CN" altLang="en-US" sz="1100" b="1" dirty="0">
               <a:solidFill>
-                <a:schemeClr val="bg1"/>
+                <a:schemeClr val="tx1"/>
               </a:solidFill>
             </a:endParaRPr>
           </a:p>
@@ -17002,14 +16967,14 @@
             <a:r>
               <a:rPr lang="zh-CN" altLang="en-US" sz="1100" b="1" dirty="0" smtClean="0">
                 <a:solidFill>
-                  <a:schemeClr val="bg1"/>
+                  <a:schemeClr val="tx1"/>
                 </a:solidFill>
               </a:rPr>
               <a:t>创建线程</a:t>
             </a:r>
             <a:endParaRPr lang="zh-CN" altLang="en-US" sz="1100" b="1" dirty="0">
               <a:solidFill>
-                <a:schemeClr val="bg1"/>
+                <a:schemeClr val="tx1"/>
               </a:solidFill>
             </a:endParaRPr>
           </a:p>
@@ -17060,14 +17025,14 @@
             <a:r>
               <a:rPr lang="zh-CN" altLang="en-US" sz="1100" b="1" dirty="0" smtClean="0">
                 <a:solidFill>
-                  <a:schemeClr val="bg1"/>
+                  <a:schemeClr val="tx1"/>
                 </a:solidFill>
               </a:rPr>
               <a:t>创建协程</a:t>
             </a:r>
             <a:endParaRPr lang="zh-CN" altLang="en-US" sz="1100" b="1" dirty="0">
               <a:solidFill>
-                <a:schemeClr val="bg1"/>
+                <a:schemeClr val="tx1"/>
               </a:solidFill>
             </a:endParaRPr>
           </a:p>
@@ -17118,14 +17083,14 @@
             <a:r>
               <a:rPr lang="zh-CN" altLang="en-US" sz="1100" b="1" dirty="0" smtClean="0">
                 <a:solidFill>
-                  <a:schemeClr val="bg1"/>
+                  <a:schemeClr val="tx1"/>
                 </a:solidFill>
               </a:rPr>
               <a:t>创建协程</a:t>
             </a:r>
             <a:endParaRPr lang="zh-CN" altLang="en-US" sz="1100" b="1" dirty="0">
               <a:solidFill>
-                <a:schemeClr val="bg1"/>
+                <a:schemeClr val="tx1"/>
               </a:solidFill>
             </a:endParaRPr>
           </a:p>
@@ -17248,14 +17213,14 @@
             <a:r>
               <a:rPr lang="zh-CN" altLang="en-US" sz="1100" b="1" dirty="0" smtClean="0">
                 <a:solidFill>
-                  <a:schemeClr val="bg1"/>
+                  <a:schemeClr val="tx1"/>
                 </a:solidFill>
               </a:rPr>
               <a:t>创建进程</a:t>
             </a:r>
             <a:endParaRPr lang="zh-CN" altLang="en-US" sz="1100" b="1" dirty="0">
               <a:solidFill>
-                <a:schemeClr val="bg1"/>
+                <a:schemeClr val="tx1"/>
               </a:solidFill>
             </a:endParaRPr>
           </a:p>
@@ -17378,14 +17343,14 @@
             <a:r>
               <a:rPr lang="zh-CN" altLang="en-US" sz="1100" b="1" dirty="0" smtClean="0">
                 <a:solidFill>
-                  <a:schemeClr val="bg1"/>
+                  <a:schemeClr val="tx1"/>
                 </a:solidFill>
               </a:rPr>
               <a:t>创建进程</a:t>
             </a:r>
             <a:endParaRPr lang="zh-CN" altLang="en-US" sz="1100" b="1" dirty="0">
               <a:solidFill>
-                <a:schemeClr val="bg1"/>
+                <a:schemeClr val="tx1"/>
               </a:solidFill>
             </a:endParaRPr>
           </a:p>
@@ -17436,14 +17401,14 @@
             <a:r>
               <a:rPr lang="zh-CN" altLang="en-US" sz="1100" b="1" dirty="0" smtClean="0">
                 <a:solidFill>
-                  <a:schemeClr val="bg1"/>
+                  <a:schemeClr val="tx1"/>
                 </a:solidFill>
               </a:rPr>
               <a:t>创建协程</a:t>
             </a:r>
             <a:endParaRPr lang="zh-CN" altLang="en-US" sz="1100" b="1" dirty="0">
               <a:solidFill>
-                <a:schemeClr val="bg1"/>
+                <a:schemeClr val="tx1"/>
               </a:solidFill>
             </a:endParaRPr>
           </a:p>
@@ -17494,14 +17459,14 @@
             <a:r>
               <a:rPr lang="zh-CN" altLang="en-US" sz="1100" b="1" dirty="0" smtClean="0">
                 <a:solidFill>
-                  <a:schemeClr val="bg1"/>
+                  <a:schemeClr val="tx1"/>
                 </a:solidFill>
               </a:rPr>
               <a:t>创建协程</a:t>
             </a:r>
             <a:endParaRPr lang="zh-CN" altLang="en-US" sz="1100" b="1" dirty="0">
               <a:solidFill>
-                <a:schemeClr val="bg1"/>
+                <a:schemeClr val="tx1"/>
               </a:solidFill>
             </a:endParaRPr>
           </a:p>
@@ -17624,14 +17589,14 @@
             <a:r>
               <a:rPr lang="zh-CN" altLang="en-US" sz="1100" b="1" dirty="0" smtClean="0">
                 <a:solidFill>
-                  <a:schemeClr val="bg1"/>
+                  <a:schemeClr val="tx1"/>
                 </a:solidFill>
               </a:rPr>
               <a:t>创建进程</a:t>
             </a:r>
             <a:endParaRPr lang="zh-CN" altLang="en-US" sz="1100" b="1" dirty="0">
               <a:solidFill>
-                <a:schemeClr val="bg1"/>
+                <a:schemeClr val="tx1"/>
               </a:solidFill>
             </a:endParaRPr>
           </a:p>
@@ -17682,14 +17647,14 @@
             <a:r>
               <a:rPr lang="zh-CN" altLang="en-US" sz="1100" b="1" dirty="0" smtClean="0">
                 <a:solidFill>
-                  <a:schemeClr val="bg1"/>
+                  <a:schemeClr val="tx1"/>
                 </a:solidFill>
               </a:rPr>
               <a:t>创建协程</a:t>
             </a:r>
             <a:endParaRPr lang="zh-CN" altLang="en-US" sz="1100" b="1" dirty="0">
               <a:solidFill>
-                <a:schemeClr val="bg1"/>
+                <a:schemeClr val="tx1"/>
               </a:solidFill>
             </a:endParaRPr>
           </a:p>
@@ -17740,14 +17705,14 @@
             <a:r>
               <a:rPr lang="zh-CN" altLang="en-US" sz="1100" b="1" dirty="0" smtClean="0">
                 <a:solidFill>
-                  <a:schemeClr val="bg1"/>
+                  <a:schemeClr val="tx1"/>
                 </a:solidFill>
               </a:rPr>
               <a:t>创建协程</a:t>
             </a:r>
             <a:endParaRPr lang="zh-CN" altLang="en-US" sz="1100" b="1" dirty="0">
               <a:solidFill>
-                <a:schemeClr val="bg1"/>
+                <a:schemeClr val="tx1"/>
               </a:solidFill>
             </a:endParaRPr>
           </a:p>
@@ -17870,7 +17835,7 @@
             <a:r>
               <a:rPr lang="en-US" altLang="zh-CN" sz="1100" b="1" dirty="0" smtClean="0">
                 <a:solidFill>
-                  <a:schemeClr val="bg1"/>
+                  <a:schemeClr val="tx1"/>
                 </a:solidFill>
               </a:rPr>
               <a:t>master</a:t>
@@ -17878,14 +17843,14 @@
             <a:r>
               <a:rPr lang="zh-CN" altLang="en-US" sz="1100" b="1" dirty="0" smtClean="0">
                 <a:solidFill>
-                  <a:schemeClr val="bg1"/>
+                  <a:schemeClr val="tx1"/>
                 </a:solidFill>
               </a:rPr>
               <a:t>进程</a:t>
             </a:r>
             <a:endParaRPr lang="zh-CN" altLang="en-US" sz="1100" b="1" dirty="0">
               <a:solidFill>
-                <a:schemeClr val="bg1"/>
+                <a:schemeClr val="tx1"/>
               </a:solidFill>
             </a:endParaRPr>
           </a:p>
@@ -18773,10 +18738,18 @@
           <a:p>
             <a:pPr algn="ctr"/>
             <a:r>
-              <a:rPr lang="en-US" altLang="zh-CN" dirty="0" smtClean="0"/>
+              <a:rPr lang="en-US" altLang="zh-CN" b="1" dirty="0" smtClean="0">
+                <a:solidFill>
+                  <a:schemeClr val="tx1"/>
+                </a:solidFill>
+              </a:rPr>
               <a:t>channel</a:t>
             </a:r>
-            <a:endParaRPr lang="zh-CN" altLang="en-US" dirty="0"/>
+            <a:endParaRPr lang="zh-CN" altLang="en-US" b="1" dirty="0">
+              <a:solidFill>
+                <a:schemeClr val="tx1"/>
+              </a:solidFill>
+            </a:endParaRPr>
           </a:p>
         </p:txBody>
       </p:sp>
@@ -18823,10 +18796,18 @@
           <a:p>
             <a:pPr algn="ctr"/>
             <a:r>
-              <a:rPr lang="en-US" altLang="zh-CN" sz="1100" dirty="0" smtClean="0"/>
+              <a:rPr lang="en-US" altLang="zh-CN" sz="1100" b="1" dirty="0" smtClean="0">
+                <a:solidFill>
+                  <a:schemeClr val="tx1"/>
+                </a:solidFill>
+              </a:rPr>
               <a:t>producer</a:t>
             </a:r>
-            <a:endParaRPr lang="zh-CN" altLang="en-US" sz="1100" dirty="0"/>
+            <a:endParaRPr lang="zh-CN" altLang="en-US" sz="1100" b="1" dirty="0">
+              <a:solidFill>
+                <a:schemeClr val="tx1"/>
+              </a:solidFill>
+            </a:endParaRPr>
           </a:p>
         </p:txBody>
       </p:sp>
@@ -18873,10 +18854,18 @@
           <a:p>
             <a:pPr algn="ctr"/>
             <a:r>
-              <a:rPr lang="en-US" altLang="zh-CN" sz="1100" dirty="0" smtClean="0"/>
+              <a:rPr lang="en-US" altLang="zh-CN" sz="1100" b="1" dirty="0" smtClean="0">
+                <a:solidFill>
+                  <a:schemeClr val="tx1"/>
+                </a:solidFill>
+              </a:rPr>
               <a:t>producer</a:t>
             </a:r>
-            <a:endParaRPr lang="zh-CN" altLang="en-US" sz="1100" dirty="0"/>
+            <a:endParaRPr lang="zh-CN" altLang="en-US" sz="1100" b="1" dirty="0">
+              <a:solidFill>
+                <a:schemeClr val="tx1"/>
+              </a:solidFill>
+            </a:endParaRPr>
           </a:p>
         </p:txBody>
       </p:sp>
@@ -18923,10 +18912,18 @@
           <a:p>
             <a:pPr algn="ctr"/>
             <a:r>
-              <a:rPr lang="en-US" altLang="zh-CN" sz="1100" dirty="0" smtClean="0"/>
+              <a:rPr lang="en-US" altLang="zh-CN" sz="1100" b="1" dirty="0" smtClean="0">
+                <a:solidFill>
+                  <a:schemeClr val="tx1"/>
+                </a:solidFill>
+              </a:rPr>
               <a:t>producer</a:t>
             </a:r>
-            <a:endParaRPr lang="zh-CN" altLang="en-US" sz="1100" dirty="0"/>
+            <a:endParaRPr lang="zh-CN" altLang="en-US" sz="1100" b="1" dirty="0">
+              <a:solidFill>
+                <a:schemeClr val="tx1"/>
+              </a:solidFill>
+            </a:endParaRPr>
           </a:p>
         </p:txBody>
       </p:sp>
@@ -19081,10 +19078,18 @@
           <a:p>
             <a:pPr algn="ctr"/>
             <a:r>
-              <a:rPr lang="en-US" altLang="zh-CN" sz="1100" dirty="0" smtClean="0"/>
+              <a:rPr lang="en-US" altLang="zh-CN" sz="1100" b="1" dirty="0" smtClean="0">
+                <a:solidFill>
+                  <a:schemeClr val="tx1"/>
+                </a:solidFill>
+              </a:rPr>
               <a:t>consumer</a:t>
             </a:r>
-            <a:endParaRPr lang="zh-CN" altLang="en-US" sz="1100" dirty="0"/>
+            <a:endParaRPr lang="zh-CN" altLang="en-US" sz="1100" b="1" dirty="0">
+              <a:solidFill>
+                <a:schemeClr val="tx1"/>
+              </a:solidFill>
+            </a:endParaRPr>
           </a:p>
         </p:txBody>
       </p:sp>
@@ -19131,10 +19136,18 @@
           <a:p>
             <a:pPr algn="ctr"/>
             <a:r>
-              <a:rPr lang="en-US" altLang="zh-CN" sz="1100" dirty="0"/>
+              <a:rPr lang="en-US" altLang="zh-CN" sz="1100" b="1" dirty="0">
+                <a:solidFill>
+                  <a:schemeClr val="tx1"/>
+                </a:solidFill>
+              </a:rPr>
               <a:t>consumer</a:t>
             </a:r>
-            <a:endParaRPr lang="zh-CN" altLang="en-US" sz="1100" dirty="0"/>
+            <a:endParaRPr lang="zh-CN" altLang="en-US" sz="1100" b="1" dirty="0">
+              <a:solidFill>
+                <a:schemeClr val="tx1"/>
+              </a:solidFill>
+            </a:endParaRPr>
           </a:p>
         </p:txBody>
       </p:sp>
@@ -19181,10 +19194,18 @@
           <a:p>
             <a:pPr algn="ctr"/>
             <a:r>
-              <a:rPr lang="en-US" altLang="zh-CN" sz="1100" dirty="0"/>
+              <a:rPr lang="en-US" altLang="zh-CN" sz="1100" b="1" dirty="0">
+                <a:solidFill>
+                  <a:schemeClr val="tx1"/>
+                </a:solidFill>
+              </a:rPr>
               <a:t>consumer</a:t>
             </a:r>
-            <a:endParaRPr lang="zh-CN" altLang="en-US" sz="1100" dirty="0"/>
+            <a:endParaRPr lang="zh-CN" altLang="en-US" sz="1100" b="1" dirty="0">
+              <a:solidFill>
+                <a:schemeClr val="tx1"/>
+              </a:solidFill>
+            </a:endParaRPr>
           </a:p>
         </p:txBody>
       </p:sp>
@@ -19231,10 +19252,18 @@
           <a:p>
             <a:pPr algn="ctr"/>
             <a:r>
-              <a:rPr lang="en-US" altLang="zh-CN" sz="1100" dirty="0"/>
+              <a:rPr lang="en-US" altLang="zh-CN" sz="1100" b="1" dirty="0">
+                <a:solidFill>
+                  <a:schemeClr val="tx1"/>
+                </a:solidFill>
+              </a:rPr>
               <a:t>consumer</a:t>
             </a:r>
-            <a:endParaRPr lang="zh-CN" altLang="en-US" sz="1100" dirty="0"/>
+            <a:endParaRPr lang="zh-CN" altLang="en-US" sz="1100" b="1" dirty="0">
+              <a:solidFill>
+                <a:schemeClr val="tx1"/>
+              </a:solidFill>
+            </a:endParaRPr>
           </a:p>
         </p:txBody>
       </p:sp>
@@ -19425,10 +19454,18 @@
           <a:p>
             <a:pPr algn="ctr"/>
             <a:r>
-              <a:rPr lang="zh-CN" altLang="en-US" sz="1200" dirty="0" smtClean="0"/>
+              <a:rPr lang="zh-CN" altLang="en-US" sz="1200" b="1" dirty="0" smtClean="0">
+                <a:solidFill>
+                  <a:schemeClr val="tx1"/>
+                </a:solidFill>
+              </a:rPr>
               <a:t>协程调度器</a:t>
             </a:r>
-            <a:endParaRPr lang="zh-CN" altLang="en-US" sz="1200" dirty="0"/>
+            <a:endParaRPr lang="zh-CN" altLang="en-US" sz="1200" b="1" dirty="0">
+              <a:solidFill>
+                <a:schemeClr val="tx1"/>
+              </a:solidFill>
+            </a:endParaRPr>
           </a:p>
         </p:txBody>
       </p:sp>
@@ -19884,10 +19921,18 @@
           <a:p>
             <a:pPr algn="ctr"/>
             <a:r>
-              <a:rPr lang="zh-CN" altLang="en-US" sz="1200" dirty="0" smtClean="0"/>
+              <a:rPr lang="zh-CN" altLang="en-US" sz="1200" b="1" dirty="0" smtClean="0">
+                <a:solidFill>
+                  <a:schemeClr val="tx1"/>
+                </a:solidFill>
+              </a:rPr>
               <a:t>无锁队列</a:t>
             </a:r>
-            <a:endParaRPr lang="zh-CN" altLang="en-US" sz="1200" dirty="0"/>
+            <a:endParaRPr lang="zh-CN" altLang="en-US" sz="1200" b="1" dirty="0">
+              <a:solidFill>
+                <a:schemeClr val="tx1"/>
+              </a:solidFill>
+            </a:endParaRPr>
           </a:p>
         </p:txBody>
       </p:sp>
@@ -19934,10 +19979,18 @@
           <a:p>
             <a:pPr algn="ctr"/>
             <a:r>
-              <a:rPr lang="en-US" altLang="zh-CN" sz="1100" dirty="0" smtClean="0"/>
+              <a:rPr lang="en-US" altLang="zh-CN" sz="1100" b="1" dirty="0" smtClean="0">
+                <a:solidFill>
+                  <a:schemeClr val="tx1"/>
+                </a:solidFill>
+              </a:rPr>
               <a:t>producer</a:t>
             </a:r>
-            <a:endParaRPr lang="zh-CN" altLang="en-US" sz="1100" dirty="0"/>
+            <a:endParaRPr lang="zh-CN" altLang="en-US" sz="1100" b="1" dirty="0">
+              <a:solidFill>
+                <a:schemeClr val="tx1"/>
+              </a:solidFill>
+            </a:endParaRPr>
           </a:p>
         </p:txBody>
       </p:sp>
@@ -19984,10 +20037,18 @@
           <a:p>
             <a:pPr algn="ctr"/>
             <a:r>
-              <a:rPr lang="en-US" altLang="zh-CN" sz="1100" dirty="0" smtClean="0"/>
+              <a:rPr lang="en-US" altLang="zh-CN" sz="1100" b="1" dirty="0" smtClean="0">
+                <a:solidFill>
+                  <a:schemeClr val="tx1"/>
+                </a:solidFill>
+              </a:rPr>
               <a:t>producer</a:t>
             </a:r>
-            <a:endParaRPr lang="zh-CN" altLang="en-US" sz="1100" dirty="0"/>
+            <a:endParaRPr lang="zh-CN" altLang="en-US" sz="1100" b="1" dirty="0">
+              <a:solidFill>
+                <a:schemeClr val="tx1"/>
+              </a:solidFill>
+            </a:endParaRPr>
           </a:p>
         </p:txBody>
       </p:sp>
@@ -20034,10 +20095,18 @@
           <a:p>
             <a:pPr algn="ctr"/>
             <a:r>
-              <a:rPr lang="en-US" altLang="zh-CN" sz="1100" dirty="0" smtClean="0"/>
+              <a:rPr lang="en-US" altLang="zh-CN" sz="1100" b="1" dirty="0" smtClean="0">
+                <a:solidFill>
+                  <a:schemeClr val="tx1"/>
+                </a:solidFill>
+              </a:rPr>
               <a:t>producer</a:t>
             </a:r>
-            <a:endParaRPr lang="zh-CN" altLang="en-US" sz="1100" dirty="0"/>
+            <a:endParaRPr lang="zh-CN" altLang="en-US" sz="1100" b="1" dirty="0">
+              <a:solidFill>
+                <a:schemeClr val="tx1"/>
+              </a:solidFill>
+            </a:endParaRPr>
           </a:p>
         </p:txBody>
       </p:sp>
@@ -20195,10 +20264,18 @@
           <a:p>
             <a:pPr algn="ctr"/>
             <a:r>
-              <a:rPr lang="en-US" altLang="zh-CN" sz="1100" dirty="0" smtClean="0"/>
+              <a:rPr lang="en-US" altLang="zh-CN" sz="1100" b="1" dirty="0" smtClean="0">
+                <a:solidFill>
+                  <a:schemeClr val="tx1"/>
+                </a:solidFill>
+              </a:rPr>
               <a:t>consumer</a:t>
             </a:r>
-            <a:endParaRPr lang="zh-CN" altLang="en-US" sz="1100" dirty="0"/>
+            <a:endParaRPr lang="zh-CN" altLang="en-US" sz="1100" b="1" dirty="0">
+              <a:solidFill>
+                <a:schemeClr val="tx1"/>
+              </a:solidFill>
+            </a:endParaRPr>
           </a:p>
         </p:txBody>
       </p:sp>
@@ -20283,14 +20360,26 @@
           <a:p>
             <a:pPr algn="ctr"/>
             <a:r>
-              <a:rPr lang="en-US" altLang="zh-CN" sz="1200" dirty="0" smtClean="0"/>
+              <a:rPr lang="en-US" altLang="zh-CN" sz="1200" b="1" dirty="0" smtClean="0">
+                <a:solidFill>
+                  <a:schemeClr val="tx1"/>
+                </a:solidFill>
+              </a:rPr>
               <a:t>IO</a:t>
             </a:r>
             <a:r>
-              <a:rPr lang="zh-CN" altLang="en-US" sz="1200" dirty="0" smtClean="0"/>
+              <a:rPr lang="zh-CN" altLang="en-US" sz="1200" b="1" dirty="0" smtClean="0">
+                <a:solidFill>
+                  <a:schemeClr val="tx1"/>
+                </a:solidFill>
+              </a:rPr>
               <a:t>管道</a:t>
             </a:r>
-            <a:endParaRPr lang="zh-CN" altLang="en-US" sz="1200" dirty="0"/>
+            <a:endParaRPr lang="zh-CN" altLang="en-US" sz="1200" b="1" dirty="0">
+              <a:solidFill>
+                <a:schemeClr val="tx1"/>
+              </a:solidFill>
+            </a:endParaRPr>
           </a:p>
         </p:txBody>
       </p:sp>
@@ -20390,6 +20479,142 @@
               <a:t>、无锁队列利用率越高，则处理性能越高</a:t>
             </a:r>
             <a:endParaRPr lang="en-US" altLang="zh-CN" sz="1600" dirty="0" smtClean="0"/>
+          </a:p>
+        </p:txBody>
+      </p:sp>
+      <p:sp>
+        <p:nvSpPr>
+          <p:cNvPr id="8" name="文本框 7"/>
+          <p:cNvSpPr txBox="1"/>
+          <p:nvPr/>
+        </p:nvSpPr>
+        <p:spPr>
+          <a:xfrm>
+            <a:off x="634976" y="3455422"/>
+            <a:ext cx="720080" cy="261610"/>
+          </a:xfrm>
+          <a:prstGeom prst="rect">
+            <a:avLst/>
+          </a:prstGeom>
+          <a:noFill/>
+        </p:spPr>
+        <p:txBody>
+          <a:bodyPr wrap="square" rtlCol="0">
+            <a:spAutoFit/>
+          </a:bodyPr>
+          <a:lstStyle/>
+          <a:p>
+            <a:r>
+              <a:rPr lang="zh-CN" altLang="en-US" sz="1100" b="1" dirty="0" smtClean="0"/>
+              <a:t>线程 </a:t>
+            </a:r>
+            <a:r>
+              <a:rPr lang="en-US" altLang="zh-CN" sz="1100" b="1" dirty="0" smtClean="0"/>
+              <a:t>A</a:t>
+            </a:r>
+            <a:endParaRPr lang="zh-CN" altLang="en-US" sz="1100" b="1" dirty="0"/>
+          </a:p>
+        </p:txBody>
+      </p:sp>
+      <p:sp>
+        <p:nvSpPr>
+          <p:cNvPr id="16" name="文本框 15"/>
+          <p:cNvSpPr txBox="1"/>
+          <p:nvPr/>
+        </p:nvSpPr>
+        <p:spPr>
+          <a:xfrm>
+            <a:off x="626592" y="4026695"/>
+            <a:ext cx="720080" cy="261610"/>
+          </a:xfrm>
+          <a:prstGeom prst="rect">
+            <a:avLst/>
+          </a:prstGeom>
+          <a:noFill/>
+        </p:spPr>
+        <p:txBody>
+          <a:bodyPr wrap="square" rtlCol="0">
+            <a:spAutoFit/>
+          </a:bodyPr>
+          <a:lstStyle/>
+          <a:p>
+            <a:r>
+              <a:rPr lang="zh-CN" altLang="en-US" sz="1100" b="1" dirty="0" smtClean="0"/>
+              <a:t>线程 </a:t>
+            </a:r>
+            <a:r>
+              <a:rPr lang="en-US" altLang="zh-CN" sz="1100" b="1" dirty="0" smtClean="0"/>
+              <a:t>B</a:t>
+            </a:r>
+            <a:endParaRPr lang="zh-CN" altLang="en-US" sz="1100" b="1" dirty="0"/>
+          </a:p>
+        </p:txBody>
+      </p:sp>
+      <p:sp>
+        <p:nvSpPr>
+          <p:cNvPr id="18" name="文本框 17"/>
+          <p:cNvSpPr txBox="1"/>
+          <p:nvPr/>
+        </p:nvSpPr>
+        <p:spPr>
+          <a:xfrm>
+            <a:off x="634976" y="4549936"/>
+            <a:ext cx="720080" cy="261610"/>
+          </a:xfrm>
+          <a:prstGeom prst="rect">
+            <a:avLst/>
+          </a:prstGeom>
+          <a:noFill/>
+        </p:spPr>
+        <p:txBody>
+          <a:bodyPr wrap="square" rtlCol="0">
+            <a:spAutoFit/>
+          </a:bodyPr>
+          <a:lstStyle/>
+          <a:p>
+            <a:r>
+              <a:rPr lang="zh-CN" altLang="en-US" sz="1100" b="1" dirty="0" smtClean="0"/>
+              <a:t>线程 </a:t>
+            </a:r>
+            <a:r>
+              <a:rPr lang="en-US" altLang="zh-CN" sz="1100" b="1" dirty="0" smtClean="0"/>
+              <a:t>C</a:t>
+            </a:r>
+            <a:endParaRPr lang="zh-CN" altLang="en-US" sz="1100" b="1" dirty="0"/>
+          </a:p>
+        </p:txBody>
+      </p:sp>
+      <p:sp>
+        <p:nvSpPr>
+          <p:cNvPr id="19" name="文本框 18"/>
+          <p:cNvSpPr txBox="1"/>
+          <p:nvPr/>
+        </p:nvSpPr>
+        <p:spPr>
+          <a:xfrm>
+            <a:off x="6929388" y="4026695"/>
+            <a:ext cx="720080" cy="261610"/>
+          </a:xfrm>
+          <a:prstGeom prst="rect">
+            <a:avLst/>
+          </a:prstGeom>
+          <a:noFill/>
+        </p:spPr>
+        <p:txBody>
+          <a:bodyPr wrap="square" rtlCol="0">
+            <a:spAutoFit/>
+          </a:bodyPr>
+          <a:lstStyle/>
+          <a:p>
+            <a:r>
+              <a:rPr lang="zh-CN" altLang="en-US" sz="1100" b="1" dirty="0" smtClean="0"/>
+              <a:t>线程 </a:t>
+            </a:r>
+            <a:r>
+              <a:rPr lang="en-US" altLang="zh-CN" sz="1100" b="1" dirty="0" smtClean="0"/>
+              <a:t>D</a:t>
+            </a:r>
+            <a:endParaRPr lang="zh-CN" altLang="en-US" sz="1100" b="1" dirty="0"/>
           </a:p>
         </p:txBody>
       </p:sp>
@@ -22067,6 +22292,115 @@
 </file>
 
 <file path=ppt/slides/slide28.xml><?xml version="1.0" encoding="utf-8"?>
+<p:sld xmlns:a="http://schemas.openxmlformats.org/drawingml/2006/main" xmlns:r="http://schemas.openxmlformats.org/officeDocument/2006/relationships" xmlns:p="http://schemas.openxmlformats.org/presentationml/2006/main">
+  <p:cSld>
+    <p:spTree>
+      <p:nvGrpSpPr>
+        <p:cNvPr id="1" name=""/>
+        <p:cNvGrpSpPr/>
+        <p:nvPr/>
+      </p:nvGrpSpPr>
+      <p:grpSpPr>
+        <a:xfrm>
+          <a:off x="0" y="0"/>
+          <a:ext cx="0" cy="0"/>
+          <a:chOff x="0" y="0"/>
+          <a:chExt cx="0" cy="0"/>
+        </a:xfrm>
+      </p:grpSpPr>
+      <p:sp>
+        <p:nvSpPr>
+          <p:cNvPr id="2" name="标题 1"/>
+          <p:cNvSpPr>
+            <a:spLocks noGrp="1"/>
+          </p:cNvSpPr>
+          <p:nvPr>
+            <p:ph type="title"/>
+          </p:nvPr>
+        </p:nvSpPr>
+        <p:spPr/>
+        <p:txBody>
+          <a:bodyPr/>
+          <a:lstStyle/>
+          <a:p>
+            <a:r>
+              <a:rPr lang="zh-CN" altLang="en-US" dirty="0" smtClean="0"/>
+              <a:t>参考与下载</a:t>
+            </a:r>
+            <a:endParaRPr lang="zh-CN" altLang="en-US" dirty="0"/>
+          </a:p>
+        </p:txBody>
+      </p:sp>
+      <p:sp>
+        <p:nvSpPr>
+          <p:cNvPr id="3" name="内容占位符 2"/>
+          <p:cNvSpPr>
+            <a:spLocks noGrp="1"/>
+          </p:cNvSpPr>
+          <p:nvPr>
+            <p:ph idx="1"/>
+          </p:nvPr>
+        </p:nvSpPr>
+        <p:spPr/>
+        <p:txBody>
+          <a:bodyPr/>
+          <a:lstStyle/>
+          <a:p>
+            <a:r>
+              <a:rPr lang="zh-CN" altLang="en-US" dirty="0" smtClean="0"/>
+              <a:t>国内下载：</a:t>
+            </a:r>
+            <a:r>
+              <a:rPr lang="en-US" altLang="zh-CN" dirty="0"/>
+              <a:t>http://</a:t>
+            </a:r>
+            <a:r>
+              <a:rPr lang="en-US" altLang="zh-CN" dirty="0" smtClean="0"/>
+              <a:t>git.oschina.net/zsxxsz/acl/lib_fiber/</a:t>
+            </a:r>
+          </a:p>
+          <a:p>
+            <a:r>
+              <a:rPr lang="zh-CN" altLang="en-US" dirty="0" smtClean="0"/>
+              <a:t>国外下载：</a:t>
+            </a:r>
+            <a:r>
+              <a:rPr lang="en-US" altLang="zh-CN" dirty="0"/>
+              <a:t>https://</a:t>
+            </a:r>
+            <a:r>
+              <a:rPr lang="en-US" altLang="zh-CN" dirty="0" smtClean="0"/>
+              <a:t>github.com/zhengshuxin/acl/lib_fiber/</a:t>
+            </a:r>
+            <a:endParaRPr lang="en-US" altLang="zh-CN" dirty="0"/>
+          </a:p>
+          <a:p>
+            <a:r>
+              <a:rPr lang="zh-CN" altLang="en-US" dirty="0" smtClean="0"/>
+              <a:t>博客文章：</a:t>
+            </a:r>
+            <a:r>
+              <a:rPr lang="en-US" altLang="zh-CN" dirty="0"/>
+              <a:t>http://zsxxsz.iteye.com/category/360229</a:t>
+            </a:r>
+            <a:endParaRPr lang="zh-CN" altLang="en-US" dirty="0"/>
+          </a:p>
+        </p:txBody>
+      </p:sp>
+    </p:spTree>
+    <p:extLst>
+      <p:ext uri="{BB962C8B-B14F-4D97-AF65-F5344CB8AC3E}">
+        <p14:creationId xmlns:p14="http://schemas.microsoft.com/office/powerpoint/2010/main" val="1045580559"/>
+      </p:ext>
+    </p:extLst>
+  </p:cSld>
+  <p:clrMapOvr>
+    <a:masterClrMapping/>
+  </p:clrMapOvr>
+</p:sld>
+</file>
+
+<file path=ppt/slides/slide29.xml><?xml version="1.0" encoding="utf-8"?>
 <p:sld xmlns:a="http://schemas.openxmlformats.org/drawingml/2006/main" xmlns:r="http://schemas.openxmlformats.org/officeDocument/2006/relationships" xmlns:p="http://schemas.openxmlformats.org/presentationml/2006/main">
   <p:cSld>
     <p:spTree>
@@ -22720,7 +23054,7 @@
         <p:spPr>
           <a:xfrm>
             <a:off x="457201" y="980728"/>
-            <a:ext cx="4258815" cy="5290343"/>
+            <a:ext cx="4618855" cy="5290343"/>
           </a:xfrm>
           <a:prstGeom prst="rect">
             <a:avLst/>

--- a/doc/acl_fiber.pptx
+++ b/doc/acl_fiber.pptx
@@ -5,7 +5,7 @@
     <p:sldMasterId id="2147483648" r:id="rId1"/>
   </p:sldMasterIdLst>
   <p:notesMasterIdLst>
-    <p:notesMasterId r:id="rId31"/>
+    <p:notesMasterId r:id="rId32"/>
   </p:notesMasterIdLst>
   <p:sldIdLst>
     <p:sldId id="256" r:id="rId2"/>
@@ -33,10 +33,11 @@
     <p:sldId id="371" r:id="rId24"/>
     <p:sldId id="354" r:id="rId25"/>
     <p:sldId id="373" r:id="rId26"/>
-    <p:sldId id="336" r:id="rId27"/>
-    <p:sldId id="350" r:id="rId28"/>
-    <p:sldId id="376" r:id="rId29"/>
-    <p:sldId id="271" r:id="rId30"/>
+    <p:sldId id="377" r:id="rId27"/>
+    <p:sldId id="336" r:id="rId28"/>
+    <p:sldId id="350" r:id="rId29"/>
+    <p:sldId id="376" r:id="rId30"/>
+    <p:sldId id="271" r:id="rId31"/>
   </p:sldIdLst>
   <p:sldSz cx="9144000" cy="6858000" type="screen4x3"/>
   <p:notesSz cx="6858000" cy="9144000"/>
@@ -1403,6 +1404,671 @@
       <dsp:cNvGrpSpPr/>
     </dsp:nvGrpSpPr>
     <dsp:grpSpPr/>
+    <dsp:sp modelId="{4318A6C1-2572-4993-94D0-1212363BA83A}">
+      <dsp:nvSpPr>
+        <dsp:cNvPr id="0" name=""/>
+        <dsp:cNvSpPr/>
+      </dsp:nvSpPr>
+      <dsp:spPr>
+        <a:xfrm>
+          <a:off x="1235281" y="205999"/>
+          <a:ext cx="726813" cy="345952"/>
+        </a:xfrm>
+        <a:prstGeom prst="roundRect">
+          <a:avLst/>
+        </a:prstGeom>
+        <a:solidFill>
+          <a:srgbClr val="00B050"/>
+        </a:solidFill>
+        <a:ln w="25400" cap="flat" cmpd="sng" algn="ctr">
+          <a:solidFill>
+            <a:schemeClr val="lt1">
+              <a:hueOff val="0"/>
+              <a:satOff val="0"/>
+              <a:lumOff val="0"/>
+              <a:alphaOff val="0"/>
+            </a:schemeClr>
+          </a:solidFill>
+          <a:prstDash val="solid"/>
+        </a:ln>
+        <a:effectLst/>
+      </dsp:spPr>
+      <dsp:style>
+        <a:lnRef idx="2">
+          <a:scrgbClr r="0" g="0" b="0"/>
+        </a:lnRef>
+        <a:fillRef idx="1">
+          <a:scrgbClr r="0" g="0" b="0"/>
+        </a:fillRef>
+        <a:effectRef idx="0">
+          <a:scrgbClr r="0" g="0" b="0"/>
+        </a:effectRef>
+        <a:fontRef idx="minor">
+          <a:schemeClr val="lt1"/>
+        </a:fontRef>
+      </dsp:style>
+      <dsp:txBody>
+        <a:bodyPr spcFirstLastPara="0" vert="horz" wrap="square" lIns="60960" tIns="60960" rIns="60960" bIns="60960" numCol="1" spcCol="1270" anchor="ctr" anchorCtr="0">
+          <a:noAutofit/>
+        </a:bodyPr>
+        <a:lstStyle/>
+        <a:p>
+          <a:pPr lvl="0" algn="ctr" defTabSz="711200">
+            <a:lnSpc>
+              <a:spcPct val="90000"/>
+            </a:lnSpc>
+            <a:spcBef>
+              <a:spcPct val="0"/>
+            </a:spcBef>
+            <a:spcAft>
+              <a:spcPct val="35000"/>
+            </a:spcAft>
+          </a:pPr>
+          <a:r>
+            <a:rPr lang="zh-CN" altLang="en-US" sz="1600" b="1" kern="1200" dirty="0" smtClean="0">
+              <a:solidFill>
+                <a:schemeClr val="tx1"/>
+              </a:solidFill>
+            </a:rPr>
+            <a:t>任务</a:t>
+          </a:r>
+          <a:endParaRPr lang="zh-CN" altLang="en-US" sz="1600" b="1" kern="1200" dirty="0">
+            <a:solidFill>
+              <a:schemeClr val="tx1"/>
+            </a:solidFill>
+          </a:endParaRPr>
+        </a:p>
+      </dsp:txBody>
+      <dsp:txXfrm>
+        <a:off x="1252169" y="222887"/>
+        <a:ext cx="693037" cy="312176"/>
+      </dsp:txXfrm>
+    </dsp:sp>
+    <dsp:sp modelId="{136F02D7-E849-4C48-A2B3-3843B3D870BD}">
+      <dsp:nvSpPr>
+        <dsp:cNvPr id="0" name=""/>
+        <dsp:cNvSpPr/>
+      </dsp:nvSpPr>
+      <dsp:spPr>
+        <a:xfrm>
+          <a:off x="398441" y="378975"/>
+          <a:ext cx="2400492" cy="2400492"/>
+        </a:xfrm>
+        <a:custGeom>
+          <a:avLst/>
+          <a:gdLst/>
+          <a:ahLst/>
+          <a:cxnLst/>
+          <a:rect l="0" t="0" r="0" b="0"/>
+          <a:pathLst>
+            <a:path>
+              <a:moveTo>
+                <a:pt x="1735862" y="126139"/>
+              </a:moveTo>
+              <a:arcTo wR="1200246" hR="1200246" stAng="17790222" swAng="1669853"/>
+            </a:path>
+          </a:pathLst>
+        </a:custGeom>
+        <a:noFill/>
+        <a:ln w="9525" cap="flat" cmpd="sng" algn="ctr">
+          <a:solidFill>
+            <a:schemeClr val="accent1">
+              <a:hueOff val="0"/>
+              <a:satOff val="0"/>
+              <a:lumOff val="0"/>
+              <a:alphaOff val="0"/>
+            </a:schemeClr>
+          </a:solidFill>
+          <a:prstDash val="solid"/>
+          <a:tailEnd type="arrow"/>
+        </a:ln>
+        <a:effectLst/>
+      </dsp:spPr>
+      <dsp:style>
+        <a:lnRef idx="1">
+          <a:scrgbClr r="0" g="0" b="0"/>
+        </a:lnRef>
+        <a:fillRef idx="0">
+          <a:scrgbClr r="0" g="0" b="0"/>
+        </a:fillRef>
+        <a:effectRef idx="0">
+          <a:scrgbClr r="0" g="0" b="0"/>
+        </a:effectRef>
+        <a:fontRef idx="minor"/>
+      </dsp:style>
+    </dsp:sp>
+    <dsp:sp modelId="{62291539-01BE-45B4-9E1C-2DE7DAF987B3}">
+      <dsp:nvSpPr>
+        <dsp:cNvPr id="0" name=""/>
+        <dsp:cNvSpPr/>
+      </dsp:nvSpPr>
+      <dsp:spPr>
+        <a:xfrm>
+          <a:off x="2390831" y="1038316"/>
+          <a:ext cx="698715" cy="340018"/>
+        </a:xfrm>
+        <a:prstGeom prst="roundRect">
+          <a:avLst/>
+        </a:prstGeom>
+        <a:solidFill>
+          <a:srgbClr val="00B050"/>
+        </a:solidFill>
+        <a:ln w="25400" cap="flat" cmpd="sng" algn="ctr">
+          <a:solidFill>
+            <a:schemeClr val="lt1">
+              <a:hueOff val="0"/>
+              <a:satOff val="0"/>
+              <a:lumOff val="0"/>
+              <a:alphaOff val="0"/>
+            </a:schemeClr>
+          </a:solidFill>
+          <a:prstDash val="solid"/>
+        </a:ln>
+        <a:effectLst/>
+      </dsp:spPr>
+      <dsp:style>
+        <a:lnRef idx="2">
+          <a:scrgbClr r="0" g="0" b="0"/>
+        </a:lnRef>
+        <a:fillRef idx="1">
+          <a:scrgbClr r="0" g="0" b="0"/>
+        </a:fillRef>
+        <a:effectRef idx="0">
+          <a:scrgbClr r="0" g="0" b="0"/>
+        </a:effectRef>
+        <a:fontRef idx="minor">
+          <a:schemeClr val="lt1"/>
+        </a:fontRef>
+      </dsp:style>
+      <dsp:txBody>
+        <a:bodyPr spcFirstLastPara="0" vert="horz" wrap="square" lIns="60960" tIns="60960" rIns="60960" bIns="60960" numCol="1" spcCol="1270" anchor="ctr" anchorCtr="0">
+          <a:noAutofit/>
+        </a:bodyPr>
+        <a:lstStyle/>
+        <a:p>
+          <a:pPr lvl="0" algn="ctr" defTabSz="711200">
+            <a:lnSpc>
+              <a:spcPct val="90000"/>
+            </a:lnSpc>
+            <a:spcBef>
+              <a:spcPct val="0"/>
+            </a:spcBef>
+            <a:spcAft>
+              <a:spcPct val="35000"/>
+            </a:spcAft>
+          </a:pPr>
+          <a:r>
+            <a:rPr lang="zh-CN" altLang="en-US" sz="1600" b="1" kern="1200" dirty="0" smtClean="0">
+              <a:solidFill>
+                <a:schemeClr val="tx1"/>
+              </a:solidFill>
+            </a:rPr>
+            <a:t>任务</a:t>
+          </a:r>
+          <a:endParaRPr lang="zh-CN" altLang="en-US" sz="1600" b="1" kern="1200" dirty="0">
+            <a:solidFill>
+              <a:schemeClr val="tx1"/>
+            </a:solidFill>
+          </a:endParaRPr>
+        </a:p>
+      </dsp:txBody>
+      <dsp:txXfrm>
+        <a:off x="2407429" y="1054914"/>
+        <a:ext cx="665519" cy="306822"/>
+      </dsp:txXfrm>
+    </dsp:sp>
+    <dsp:sp modelId="{AB50D32D-AAD6-40F9-B9F6-1278487953A5}">
+      <dsp:nvSpPr>
+        <dsp:cNvPr id="0" name=""/>
+        <dsp:cNvSpPr/>
+      </dsp:nvSpPr>
+      <dsp:spPr>
+        <a:xfrm>
+          <a:off x="398441" y="378975"/>
+          <a:ext cx="2400492" cy="2400492"/>
+        </a:xfrm>
+        <a:custGeom>
+          <a:avLst/>
+          <a:gdLst/>
+          <a:ahLst/>
+          <a:cxnLst/>
+          <a:rect l="0" t="0" r="0" b="0"/>
+          <a:pathLst>
+            <a:path>
+              <a:moveTo>
+                <a:pt x="2400446" y="1210737"/>
+              </a:moveTo>
+              <a:arcTo wR="1200246" hR="1200246" stAng="21630052" swAng="1933487"/>
+            </a:path>
+          </a:pathLst>
+        </a:custGeom>
+        <a:noFill/>
+        <a:ln w="9525" cap="flat" cmpd="sng" algn="ctr">
+          <a:solidFill>
+            <a:schemeClr val="accent1">
+              <a:hueOff val="0"/>
+              <a:satOff val="0"/>
+              <a:lumOff val="0"/>
+              <a:alphaOff val="0"/>
+            </a:schemeClr>
+          </a:solidFill>
+          <a:prstDash val="solid"/>
+          <a:tailEnd type="arrow"/>
+        </a:ln>
+        <a:effectLst/>
+      </dsp:spPr>
+      <dsp:style>
+        <a:lnRef idx="1">
+          <a:scrgbClr r="0" g="0" b="0"/>
+        </a:lnRef>
+        <a:fillRef idx="0">
+          <a:scrgbClr r="0" g="0" b="0"/>
+        </a:fillRef>
+        <a:effectRef idx="0">
+          <a:scrgbClr r="0" g="0" b="0"/>
+        </a:effectRef>
+        <a:fontRef idx="minor"/>
+      </dsp:style>
+    </dsp:sp>
+    <dsp:sp modelId="{2433F726-2681-4691-8A6B-492C1E1FA937}">
+      <dsp:nvSpPr>
+        <dsp:cNvPr id="0" name=""/>
+        <dsp:cNvSpPr/>
+      </dsp:nvSpPr>
+      <dsp:spPr>
+        <a:xfrm>
+          <a:off x="1918541" y="2395663"/>
+          <a:ext cx="771265" cy="309154"/>
+        </a:xfrm>
+        <a:prstGeom prst="roundRect">
+          <a:avLst/>
+        </a:prstGeom>
+        <a:solidFill>
+          <a:srgbClr val="00B050"/>
+        </a:solidFill>
+        <a:ln w="25400" cap="flat" cmpd="sng" algn="ctr">
+          <a:solidFill>
+            <a:schemeClr val="lt1">
+              <a:hueOff val="0"/>
+              <a:satOff val="0"/>
+              <a:lumOff val="0"/>
+              <a:alphaOff val="0"/>
+            </a:schemeClr>
+          </a:solidFill>
+          <a:prstDash val="solid"/>
+        </a:ln>
+        <a:effectLst/>
+      </dsp:spPr>
+      <dsp:style>
+        <a:lnRef idx="2">
+          <a:scrgbClr r="0" g="0" b="0"/>
+        </a:lnRef>
+        <a:fillRef idx="1">
+          <a:scrgbClr r="0" g="0" b="0"/>
+        </a:fillRef>
+        <a:effectRef idx="0">
+          <a:scrgbClr r="0" g="0" b="0"/>
+        </a:effectRef>
+        <a:fontRef idx="minor">
+          <a:schemeClr val="lt1"/>
+        </a:fontRef>
+      </dsp:style>
+      <dsp:txBody>
+        <a:bodyPr spcFirstLastPara="0" vert="horz" wrap="square" lIns="60960" tIns="60960" rIns="60960" bIns="60960" numCol="1" spcCol="1270" anchor="ctr" anchorCtr="0">
+          <a:noAutofit/>
+        </a:bodyPr>
+        <a:lstStyle/>
+        <a:p>
+          <a:pPr lvl="0" algn="ctr" defTabSz="711200">
+            <a:lnSpc>
+              <a:spcPct val="90000"/>
+            </a:lnSpc>
+            <a:spcBef>
+              <a:spcPct val="0"/>
+            </a:spcBef>
+            <a:spcAft>
+              <a:spcPct val="35000"/>
+            </a:spcAft>
+          </a:pPr>
+          <a:r>
+            <a:rPr lang="zh-CN" altLang="en-US" sz="1600" b="1" kern="1200" dirty="0" smtClean="0">
+              <a:solidFill>
+                <a:schemeClr val="tx1"/>
+              </a:solidFill>
+            </a:rPr>
+            <a:t>任务</a:t>
+          </a:r>
+          <a:endParaRPr lang="zh-CN" altLang="en-US" sz="1600" b="1" kern="1200" dirty="0">
+            <a:solidFill>
+              <a:schemeClr val="tx1"/>
+            </a:solidFill>
+          </a:endParaRPr>
+        </a:p>
+      </dsp:txBody>
+      <dsp:txXfrm>
+        <a:off x="1933633" y="2410755"/>
+        <a:ext cx="741081" cy="278970"/>
+      </dsp:txXfrm>
+    </dsp:sp>
+    <dsp:sp modelId="{CFAE29CB-D767-4A6C-A158-B5EE8D05A0E8}">
+      <dsp:nvSpPr>
+        <dsp:cNvPr id="0" name=""/>
+        <dsp:cNvSpPr/>
+      </dsp:nvSpPr>
+      <dsp:spPr>
+        <a:xfrm>
+          <a:off x="398441" y="378975"/>
+          <a:ext cx="2400492" cy="2400492"/>
+        </a:xfrm>
+        <a:custGeom>
+          <a:avLst/>
+          <a:gdLst/>
+          <a:ahLst/>
+          <a:cxnLst/>
+          <a:rect l="0" t="0" r="0" b="0"/>
+          <a:pathLst>
+            <a:path>
+              <a:moveTo>
+                <a:pt x="1457111" y="2372683"/>
+              </a:moveTo>
+              <a:arcTo wR="1200246" hR="1200246" stAng="4658552" swAng="1482897"/>
+            </a:path>
+          </a:pathLst>
+        </a:custGeom>
+        <a:noFill/>
+        <a:ln w="9525" cap="flat" cmpd="sng" algn="ctr">
+          <a:solidFill>
+            <a:schemeClr val="accent1">
+              <a:hueOff val="0"/>
+              <a:satOff val="0"/>
+              <a:lumOff val="0"/>
+              <a:alphaOff val="0"/>
+            </a:schemeClr>
+          </a:solidFill>
+          <a:prstDash val="solid"/>
+          <a:tailEnd type="arrow"/>
+        </a:ln>
+        <a:effectLst/>
+      </dsp:spPr>
+      <dsp:style>
+        <a:lnRef idx="1">
+          <a:scrgbClr r="0" g="0" b="0"/>
+        </a:lnRef>
+        <a:fillRef idx="0">
+          <a:scrgbClr r="0" g="0" b="0"/>
+        </a:fillRef>
+        <a:effectRef idx="0">
+          <a:scrgbClr r="0" g="0" b="0"/>
+        </a:effectRef>
+        <a:fontRef idx="minor"/>
+      </dsp:style>
+    </dsp:sp>
+    <dsp:sp modelId="{B259B763-1E27-4D35-807C-E133875ED111}">
+      <dsp:nvSpPr>
+        <dsp:cNvPr id="0" name=""/>
+        <dsp:cNvSpPr/>
+      </dsp:nvSpPr>
+      <dsp:spPr>
+        <a:xfrm>
+          <a:off x="521034" y="2395663"/>
+          <a:ext cx="744331" cy="309154"/>
+        </a:xfrm>
+        <a:prstGeom prst="roundRect">
+          <a:avLst/>
+        </a:prstGeom>
+        <a:solidFill>
+          <a:srgbClr val="00B050"/>
+        </a:solidFill>
+        <a:ln w="25400" cap="flat" cmpd="sng" algn="ctr">
+          <a:solidFill>
+            <a:schemeClr val="lt1">
+              <a:hueOff val="0"/>
+              <a:satOff val="0"/>
+              <a:lumOff val="0"/>
+              <a:alphaOff val="0"/>
+            </a:schemeClr>
+          </a:solidFill>
+          <a:prstDash val="solid"/>
+        </a:ln>
+        <a:effectLst/>
+      </dsp:spPr>
+      <dsp:style>
+        <a:lnRef idx="2">
+          <a:scrgbClr r="0" g="0" b="0"/>
+        </a:lnRef>
+        <a:fillRef idx="1">
+          <a:scrgbClr r="0" g="0" b="0"/>
+        </a:fillRef>
+        <a:effectRef idx="0">
+          <a:scrgbClr r="0" g="0" b="0"/>
+        </a:effectRef>
+        <a:fontRef idx="minor">
+          <a:schemeClr val="lt1"/>
+        </a:fontRef>
+      </dsp:style>
+      <dsp:txBody>
+        <a:bodyPr spcFirstLastPara="0" vert="horz" wrap="square" lIns="60960" tIns="60960" rIns="60960" bIns="60960" numCol="1" spcCol="1270" anchor="ctr" anchorCtr="0">
+          <a:noAutofit/>
+        </a:bodyPr>
+        <a:lstStyle/>
+        <a:p>
+          <a:pPr lvl="0" algn="ctr" defTabSz="711200">
+            <a:lnSpc>
+              <a:spcPct val="90000"/>
+            </a:lnSpc>
+            <a:spcBef>
+              <a:spcPct val="0"/>
+            </a:spcBef>
+            <a:spcAft>
+              <a:spcPct val="35000"/>
+            </a:spcAft>
+          </a:pPr>
+          <a:r>
+            <a:rPr lang="zh-CN" altLang="en-US" sz="1600" b="1" kern="1200" dirty="0" smtClean="0">
+              <a:solidFill>
+                <a:schemeClr val="tx1"/>
+              </a:solidFill>
+            </a:rPr>
+            <a:t>任务</a:t>
+          </a:r>
+          <a:endParaRPr lang="zh-CN" altLang="en-US" sz="1600" b="1" kern="1200" dirty="0">
+            <a:solidFill>
+              <a:schemeClr val="tx1"/>
+            </a:solidFill>
+          </a:endParaRPr>
+        </a:p>
+      </dsp:txBody>
+      <dsp:txXfrm>
+        <a:off x="536126" y="2410755"/>
+        <a:ext cx="714147" cy="278970"/>
+      </dsp:txXfrm>
+    </dsp:sp>
+    <dsp:sp modelId="{1C2376CC-CFD1-42EA-8E4C-1DA24AC19921}">
+      <dsp:nvSpPr>
+        <dsp:cNvPr id="0" name=""/>
+        <dsp:cNvSpPr/>
+      </dsp:nvSpPr>
+      <dsp:spPr>
+        <a:xfrm>
+          <a:off x="398441" y="378975"/>
+          <a:ext cx="2400492" cy="2400492"/>
+        </a:xfrm>
+        <a:custGeom>
+          <a:avLst/>
+          <a:gdLst/>
+          <a:ahLst/>
+          <a:cxnLst/>
+          <a:rect l="0" t="0" r="0" b="0"/>
+          <a:pathLst>
+            <a:path>
+              <a:moveTo>
+                <a:pt x="189516" y="1847560"/>
+              </a:moveTo>
+              <a:arcTo wR="1200246" hR="1200246" stAng="8841765" swAng="1952477"/>
+            </a:path>
+          </a:pathLst>
+        </a:custGeom>
+        <a:noFill/>
+        <a:ln w="9525" cap="flat" cmpd="sng" algn="ctr">
+          <a:solidFill>
+            <a:schemeClr val="accent1">
+              <a:hueOff val="0"/>
+              <a:satOff val="0"/>
+              <a:lumOff val="0"/>
+              <a:alphaOff val="0"/>
+            </a:schemeClr>
+          </a:solidFill>
+          <a:prstDash val="solid"/>
+          <a:tailEnd type="arrow"/>
+        </a:ln>
+        <a:effectLst/>
+      </dsp:spPr>
+      <dsp:style>
+        <a:lnRef idx="1">
+          <a:scrgbClr r="0" g="0" b="0"/>
+        </a:lnRef>
+        <a:fillRef idx="0">
+          <a:scrgbClr r="0" g="0" b="0"/>
+        </a:fillRef>
+        <a:effectRef idx="0">
+          <a:scrgbClr r="0" g="0" b="0"/>
+        </a:effectRef>
+        <a:fontRef idx="minor"/>
+      </dsp:style>
+    </dsp:sp>
+    <dsp:sp modelId="{601884C3-5C48-41EC-9A05-2D73CB312932}">
+      <dsp:nvSpPr>
+        <dsp:cNvPr id="0" name=""/>
+        <dsp:cNvSpPr/>
+      </dsp:nvSpPr>
+      <dsp:spPr>
+        <a:xfrm>
+          <a:off x="117724" y="1048496"/>
+          <a:ext cx="678923" cy="319658"/>
+        </a:xfrm>
+        <a:prstGeom prst="roundRect">
+          <a:avLst/>
+        </a:prstGeom>
+        <a:solidFill>
+          <a:srgbClr val="00B050"/>
+        </a:solidFill>
+        <a:ln w="25400" cap="flat" cmpd="sng" algn="ctr">
+          <a:solidFill>
+            <a:schemeClr val="lt1">
+              <a:hueOff val="0"/>
+              <a:satOff val="0"/>
+              <a:lumOff val="0"/>
+              <a:alphaOff val="0"/>
+            </a:schemeClr>
+          </a:solidFill>
+          <a:prstDash val="solid"/>
+        </a:ln>
+        <a:effectLst/>
+      </dsp:spPr>
+      <dsp:style>
+        <a:lnRef idx="2">
+          <a:scrgbClr r="0" g="0" b="0"/>
+        </a:lnRef>
+        <a:fillRef idx="1">
+          <a:scrgbClr r="0" g="0" b="0"/>
+        </a:fillRef>
+        <a:effectRef idx="0">
+          <a:scrgbClr r="0" g="0" b="0"/>
+        </a:effectRef>
+        <a:fontRef idx="minor">
+          <a:schemeClr val="lt1"/>
+        </a:fontRef>
+      </dsp:style>
+      <dsp:txBody>
+        <a:bodyPr spcFirstLastPara="0" vert="horz" wrap="square" lIns="60960" tIns="60960" rIns="60960" bIns="60960" numCol="1" spcCol="1270" anchor="ctr" anchorCtr="0">
+          <a:noAutofit/>
+        </a:bodyPr>
+        <a:lstStyle/>
+        <a:p>
+          <a:pPr lvl="0" algn="ctr" defTabSz="711200">
+            <a:lnSpc>
+              <a:spcPct val="90000"/>
+            </a:lnSpc>
+            <a:spcBef>
+              <a:spcPct val="0"/>
+            </a:spcBef>
+            <a:spcAft>
+              <a:spcPct val="35000"/>
+            </a:spcAft>
+          </a:pPr>
+          <a:r>
+            <a:rPr lang="zh-CN" altLang="en-US" sz="1600" b="1" kern="1200" dirty="0" smtClean="0">
+              <a:solidFill>
+                <a:schemeClr val="tx1"/>
+              </a:solidFill>
+            </a:rPr>
+            <a:t>任务</a:t>
+          </a:r>
+          <a:endParaRPr lang="zh-CN" altLang="en-US" sz="1600" b="1" kern="1200" dirty="0">
+            <a:solidFill>
+              <a:schemeClr val="tx1"/>
+            </a:solidFill>
+          </a:endParaRPr>
+        </a:p>
+      </dsp:txBody>
+      <dsp:txXfrm>
+        <a:off x="133328" y="1064100"/>
+        <a:ext cx="647715" cy="288450"/>
+      </dsp:txXfrm>
+    </dsp:sp>
+    <dsp:sp modelId="{9D0F5277-F9ED-4154-B269-F440AEB7AE44}">
+      <dsp:nvSpPr>
+        <dsp:cNvPr id="0" name=""/>
+        <dsp:cNvSpPr/>
+      </dsp:nvSpPr>
+      <dsp:spPr>
+        <a:xfrm>
+          <a:off x="398441" y="378975"/>
+          <a:ext cx="2400492" cy="2400492"/>
+        </a:xfrm>
+        <a:custGeom>
+          <a:avLst/>
+          <a:gdLst/>
+          <a:ahLst/>
+          <a:cxnLst/>
+          <a:rect l="0" t="0" r="0" b="0"/>
+          <a:pathLst>
+            <a:path>
+              <a:moveTo>
+                <a:pt x="219741" y="508002"/>
+              </a:moveTo>
+              <a:arcTo wR="1200246" hR="1200246" stAng="12913343" swAng="1690433"/>
+            </a:path>
+          </a:pathLst>
+        </a:custGeom>
+        <a:noFill/>
+        <a:ln w="9525" cap="flat" cmpd="sng" algn="ctr">
+          <a:solidFill>
+            <a:schemeClr val="accent1">
+              <a:hueOff val="0"/>
+              <a:satOff val="0"/>
+              <a:lumOff val="0"/>
+              <a:alphaOff val="0"/>
+            </a:schemeClr>
+          </a:solidFill>
+          <a:prstDash val="solid"/>
+          <a:tailEnd type="arrow"/>
+        </a:ln>
+        <a:effectLst/>
+      </dsp:spPr>
+      <dsp:style>
+        <a:lnRef idx="1">
+          <a:scrgbClr r="0" g="0" b="0"/>
+        </a:lnRef>
+        <a:fillRef idx="0">
+          <a:scrgbClr r="0" g="0" b="0"/>
+        </a:fillRef>
+        <a:effectRef idx="0">
+          <a:scrgbClr r="0" g="0" b="0"/>
+        </a:effectRef>
+        <a:fontRef idx="minor"/>
+      </dsp:style>
+    </dsp:sp>
   </dsp:spTree>
 </dsp:drawing>
 </file>
@@ -2732,7 +3398,7 @@
             <a:fld id="{22280FE6-A104-468D-880C-8FA3CB8840D3}" type="datetimeFigureOut">
               <a:rPr lang="zh-CN" altLang="en-US" smtClean="0"/>
               <a:pPr/>
-              <a:t>2016/7/21</a:t>
+              <a:t>2016/7/26</a:t>
             </a:fld>
             <a:endParaRPr lang="zh-CN" altLang="en-US"/>
           </a:p>
@@ -3405,7 +4071,7 @@
               <a:pPr>
                 <a:defRPr/>
               </a:pPr>
-              <a:t>2016/7/21</a:t>
+              <a:t>2016/7/26</a:t>
             </a:fld>
             <a:endParaRPr lang="zh-CN" altLang="en-US" sz="1200" dirty="0">
               <a:solidFill>
@@ -3487,7 +4153,7 @@
             <a:fld id="{8C5BEB32-F9B7-4A26-A503-E0A0BBE82DBD}" type="datetimeFigureOut">
               <a:rPr lang="zh-CN" altLang="en-US" smtClean="0"/>
               <a:pPr/>
-              <a:t>2016/7/21</a:t>
+              <a:t>2016/7/26</a:t>
             </a:fld>
             <a:endParaRPr lang="zh-CN" altLang="en-US"/>
           </a:p>
@@ -3577,7 +4243,7 @@
                 <a:tabLst/>
                 <a:defRPr/>
               </a:pPr>
-              <a:t>2016/7/21</a:t>
+              <a:t>2016/7/26</a:t>
             </a:fld>
             <a:endParaRPr kumimoji="0" lang="zh-CN" altLang="en-US" sz="1200" b="0" i="0" u="none" strike="noStrike" kern="1200" cap="none" spc="0" normalizeH="0" baseline="0" noProof="0" dirty="0">
               <a:ln>
@@ -3901,7 +4567,7 @@
                 <a:tabLst/>
                 <a:defRPr/>
               </a:pPr>
-              <a:t>2016/7/21</a:t>
+              <a:t>2016/7/26</a:t>
             </a:fld>
             <a:endParaRPr kumimoji="0" lang="zh-CN" altLang="en-US" sz="1200" b="0" i="0" u="none" strike="noStrike" kern="1200" cap="none" spc="0" normalizeH="0" baseline="0" noProof="0" dirty="0">
               <a:ln>
@@ -4470,7 +5136,7 @@
                 <a:tabLst/>
                 <a:defRPr/>
               </a:pPr>
-              <a:t>2016/7/21</a:t>
+              <a:t>2016/7/26</a:t>
             </a:fld>
             <a:endParaRPr kumimoji="0" lang="zh-CN" altLang="en-US" sz="1200" b="0" i="0" u="none" strike="noStrike" kern="1200" cap="none" spc="0" normalizeH="0" baseline="0" noProof="0" dirty="0">
               <a:ln>
@@ -5022,7 +5688,7 @@
                 <a:tabLst/>
                 <a:defRPr/>
               </a:pPr>
-              <a:t>2016/7/21</a:t>
+              <a:t>2016/7/26</a:t>
             </a:fld>
             <a:endParaRPr kumimoji="0" lang="zh-CN" altLang="en-US" sz="1200" b="0" i="0" u="none" strike="noStrike" kern="1200" cap="none" spc="0" normalizeH="0" baseline="0" noProof="0" dirty="0">
               <a:ln>
@@ -5288,7 +5954,7 @@
             <a:fld id="{8C5BEB32-F9B7-4A26-A503-E0A0BBE82DBD}" type="datetimeFigureOut">
               <a:rPr lang="zh-CN" altLang="en-US" smtClean="0"/>
               <a:pPr/>
-              <a:t>2016/7/21</a:t>
+              <a:t>2016/7/26</a:t>
             </a:fld>
             <a:endParaRPr lang="zh-CN" altLang="en-US"/>
           </a:p>
@@ -5528,7 +6194,7 @@
                 <a:tabLst/>
                 <a:defRPr/>
               </a:pPr>
-              <a:t>2016/7/21</a:t>
+              <a:t>2016/7/26</a:t>
             </a:fld>
             <a:endParaRPr kumimoji="0" lang="zh-CN" altLang="en-US" sz="1200" b="0" i="0" u="none" strike="noStrike" kern="1200" cap="none" spc="0" normalizeH="0" baseline="0" noProof="0" dirty="0">
               <a:ln>
@@ -5714,7 +6380,7 @@
             <a:fld id="{8C5BEB32-F9B7-4A26-A503-E0A0BBE82DBD}" type="datetimeFigureOut">
               <a:rPr lang="zh-CN" altLang="en-US" smtClean="0"/>
               <a:pPr/>
-              <a:t>2016/7/21</a:t>
+              <a:t>2016/7/26</a:t>
             </a:fld>
             <a:endParaRPr lang="zh-CN" altLang="en-US"/>
           </a:p>
@@ -5954,7 +6620,7 @@
                 <a:tabLst/>
                 <a:defRPr/>
               </a:pPr>
-              <a:t>2016/7/21</a:t>
+              <a:t>2016/7/26</a:t>
             </a:fld>
             <a:endParaRPr kumimoji="0" lang="zh-CN" altLang="en-US" sz="1200" b="0" i="0" u="none" strike="noStrike" kern="1200" cap="none" spc="0" normalizeH="0" baseline="0" noProof="0" dirty="0">
               <a:ln>
@@ -6116,7 +6782,7 @@
             <a:fld id="{8C5BEB32-F9B7-4A26-A503-E0A0BBE82DBD}" type="datetimeFigureOut">
               <a:rPr lang="zh-CN" altLang="en-US" smtClean="0"/>
               <a:pPr/>
-              <a:t>2016/7/21</a:t>
+              <a:t>2016/7/26</a:t>
             </a:fld>
             <a:endParaRPr lang="zh-CN" altLang="en-US"/>
           </a:p>
@@ -6457,7 +7123,7 @@
                 <a:tabLst/>
                 <a:defRPr/>
               </a:pPr>
-              <a:t>2016/7/21</a:t>
+              <a:t>2016/7/26</a:t>
             </a:fld>
             <a:endParaRPr kumimoji="0" lang="zh-CN" altLang="en-US" sz="1200" b="0" i="0" u="none" strike="noStrike" kern="1200" cap="none" spc="0" normalizeH="0" baseline="0" noProof="0" dirty="0">
               <a:ln>
@@ -6619,7 +7285,7 @@
             <a:fld id="{8C5BEB32-F9B7-4A26-A503-E0A0BBE82DBD}" type="datetimeFigureOut">
               <a:rPr lang="zh-CN" altLang="en-US" smtClean="0"/>
               <a:pPr/>
-              <a:t>2016/7/21</a:t>
+              <a:t>2016/7/26</a:t>
             </a:fld>
             <a:endParaRPr lang="zh-CN" altLang="en-US"/>
           </a:p>
@@ -6847,7 +7513,7 @@
                 <a:tabLst/>
                 <a:defRPr/>
               </a:pPr>
-              <a:t>2016/7/21</a:t>
+              <a:t>2016/7/26</a:t>
             </a:fld>
             <a:endParaRPr kumimoji="0" lang="zh-CN" altLang="en-US" sz="1200" b="0" i="0" u="none" strike="noStrike" kern="1200" cap="none" spc="0" normalizeH="0" baseline="0" noProof="0" dirty="0">
               <a:ln>
@@ -7152,7 +7818,7 @@
             <a:fld id="{8C5BEB32-F9B7-4A26-A503-E0A0BBE82DBD}" type="datetimeFigureOut">
               <a:rPr lang="zh-CN" altLang="en-US" smtClean="0"/>
               <a:pPr/>
-              <a:t>2016/7/21</a:t>
+              <a:t>2016/7/26</a:t>
             </a:fld>
             <a:endParaRPr lang="zh-CN" altLang="en-US"/>
           </a:p>
@@ -7758,7 +8424,7 @@
               <a:pPr>
                 <a:defRPr/>
               </a:pPr>
-              <a:t>2016/7/21</a:t>
+              <a:t>2016/7/26</a:t>
             </a:fld>
             <a:endParaRPr lang="zh-CN" altLang="en-US" sz="1200" dirty="0">
               <a:solidFill>
@@ -15951,7 +16617,7 @@
             <a:avLst/>
           </a:prstGeom>
           <a:noFill/>
-          <a:ln>
+          <a:ln w="19050">
             <a:prstDash val="dashDot"/>
           </a:ln>
         </p:spPr>
@@ -15999,7 +16665,7 @@
             <a:avLst/>
           </a:prstGeom>
           <a:noFill/>
-          <a:ln>
+          <a:ln w="19050">
             <a:prstDash val="dashDot"/>
           </a:ln>
         </p:spPr>
@@ -16336,7 +17002,7 @@
         </p:nvSpPr>
         <p:spPr>
           <a:xfrm>
-            <a:off x="7078216" y="4220029"/>
+            <a:off x="6985882" y="4234489"/>
             <a:ext cx="1022176" cy="277746"/>
           </a:xfrm>
           <a:prstGeom prst="rect">
@@ -21918,7 +22584,19 @@
           <a:p>
             <a:r>
               <a:rPr lang="zh-CN" altLang="en-US" dirty="0" smtClean="0"/>
-              <a:t>应用场景</a:t>
+              <a:t>协程与 </a:t>
+            </a:r>
+            <a:r>
+              <a:rPr lang="en-US" altLang="zh-CN" dirty="0" err="1" smtClean="0"/>
+              <a:t>acl_master</a:t>
+            </a:r>
+            <a:r>
+              <a:rPr lang="en-US" altLang="zh-CN" dirty="0" smtClean="0"/>
+              <a:t> </a:t>
+            </a:r>
+            <a:r>
+              <a:rPr lang="zh-CN" altLang="en-US" dirty="0" smtClean="0"/>
+              <a:t>服务框架集成</a:t>
             </a:r>
             <a:endParaRPr lang="zh-CN" altLang="en-US" dirty="0"/>
           </a:p>
@@ -21926,7 +22604,7 @@
       </p:sp>
       <p:sp>
         <p:nvSpPr>
-          <p:cNvPr id="5" name="内容占位符 4"/>
+          <p:cNvPr id="3" name="内容占位符 2"/>
           <p:cNvSpPr>
             <a:spLocks noGrp="1"/>
           </p:cNvSpPr>
@@ -21934,81 +22612,21 @@
             <p:ph idx="1"/>
           </p:nvPr>
         </p:nvSpPr>
-        <p:spPr/>
+        <p:spPr>
+          <a:xfrm>
+            <a:off x="457201" y="4882199"/>
+            <a:ext cx="8229600" cy="1461539"/>
+          </a:xfrm>
+        </p:spPr>
         <p:txBody>
           <a:bodyPr>
-            <a:normAutofit/>
+            <a:normAutofit lnSpcReduction="10000"/>
           </a:bodyPr>
           <a:lstStyle/>
           <a:p>
             <a:r>
-              <a:rPr lang="zh-CN" altLang="en-US" sz="1600" dirty="0" smtClean="0"/>
-              <a:t>一、问答式应用服务</a:t>
-            </a:r>
-            <a:endParaRPr lang="en-US" altLang="zh-CN" sz="1600" dirty="0" smtClean="0"/>
-          </a:p>
-          <a:p>
-            <a:r>
-              <a:rPr lang="zh-CN" altLang="en-US" sz="1400" dirty="0" smtClean="0"/>
-              <a:t>基于 </a:t>
-            </a:r>
-            <a:r>
-              <a:rPr lang="en-US" altLang="zh-CN" sz="1400" dirty="0" smtClean="0"/>
-              <a:t>HTTP </a:t>
-            </a:r>
-            <a:r>
-              <a:rPr lang="zh-CN" altLang="en-US" sz="1400" dirty="0" smtClean="0"/>
-              <a:t>协议的服务应用，诸如：网站</a:t>
-            </a:r>
-            <a:endParaRPr lang="en-US" altLang="zh-CN" sz="1400" dirty="0" smtClean="0"/>
-          </a:p>
-          <a:p>
-            <a:r>
-              <a:rPr lang="zh-CN" altLang="en-US" sz="1400" dirty="0" smtClean="0"/>
-              <a:t>基于 </a:t>
-            </a:r>
-            <a:r>
-              <a:rPr lang="en-US" altLang="zh-CN" sz="1400" dirty="0" smtClean="0"/>
-              <a:t>SMTP/POP3/IMAP </a:t>
-            </a:r>
-            <a:r>
-              <a:rPr lang="zh-CN" altLang="en-US" sz="1400" dirty="0" smtClean="0"/>
-              <a:t>协议的服务应用</a:t>
-            </a:r>
-            <a:endParaRPr lang="en-US" altLang="zh-CN" sz="1400" dirty="0" smtClean="0"/>
-          </a:p>
-          <a:p>
-            <a:endParaRPr lang="en-US" altLang="zh-CN" sz="1400" dirty="0" smtClean="0"/>
-          </a:p>
-          <a:p>
-            <a:r>
-              <a:rPr lang="zh-CN" altLang="en-US" sz="1600" dirty="0" smtClean="0"/>
-              <a:t>二、生产者 </a:t>
-            </a:r>
-            <a:r>
               <a:rPr lang="en-US" altLang="zh-CN" sz="1600" dirty="0" smtClean="0"/>
-              <a:t>– </a:t>
-            </a:r>
-            <a:r>
-              <a:rPr lang="zh-CN" altLang="en-US" sz="1600" dirty="0" smtClean="0"/>
-              <a:t>消费者类应用服务</a:t>
-            </a:r>
-            <a:endParaRPr lang="en-US" altLang="zh-CN" sz="1600" dirty="0" smtClean="0"/>
-          </a:p>
-          <a:p>
-            <a:r>
-              <a:rPr lang="zh-CN" altLang="en-US" sz="1400" dirty="0" smtClean="0"/>
-              <a:t>如消息队列类应用</a:t>
-            </a:r>
-            <a:endParaRPr lang="en-US" altLang="zh-CN" sz="1400" dirty="0" smtClean="0"/>
-          </a:p>
-          <a:p>
-            <a:endParaRPr lang="en-US" altLang="zh-CN" sz="1400" dirty="0" smtClean="0"/>
-          </a:p>
-          <a:p>
-            <a:r>
-              <a:rPr lang="zh-CN" altLang="en-US" sz="1600" dirty="0"/>
-              <a:t>三</a:t>
+              <a:t>1</a:t>
             </a:r>
             <a:r>
               <a:rPr lang="zh-CN" altLang="en-US" sz="1600" dirty="0" smtClean="0"/>
@@ -22016,15 +22634,61 @@
             </a:r>
             <a:r>
               <a:rPr lang="en-US" altLang="zh-CN" sz="1600" dirty="0" smtClean="0"/>
-              <a:t>reactor </a:t>
+              <a:t>TCP</a:t>
             </a:r>
             <a:r>
               <a:rPr lang="zh-CN" altLang="en-US" sz="1600" dirty="0" smtClean="0"/>
-              <a:t>和 </a:t>
+              <a:t>连接派发器与协程进程间采用</a:t>
+            </a:r>
+            <a:r>
+              <a:rPr lang="en-US" altLang="zh-CN" sz="1600" dirty="0" smtClean="0"/>
+              <a:t>UNIX</a:t>
+            </a:r>
+            <a:r>
+              <a:rPr lang="zh-CN" altLang="en-US" sz="1600" dirty="0" smtClean="0"/>
+              <a:t>域套接口连接</a:t>
+            </a:r>
+            <a:endParaRPr lang="en-US" altLang="zh-CN" sz="1600" dirty="0" smtClean="0"/>
+          </a:p>
+          <a:p>
+            <a:r>
+              <a:rPr lang="en-US" altLang="zh-CN" sz="1600" dirty="0" smtClean="0"/>
+              <a:t>2</a:t>
+            </a:r>
+            <a:r>
+              <a:rPr lang="zh-CN" altLang="en-US" sz="1600" dirty="0" smtClean="0"/>
+              <a:t>、客户端连接</a:t>
+            </a:r>
+            <a:r>
+              <a:rPr lang="en-US" altLang="zh-CN" sz="1600" dirty="0" smtClean="0"/>
+              <a:t>TCP</a:t>
+            </a:r>
+            <a:r>
+              <a:rPr lang="zh-CN" altLang="en-US" sz="1600" dirty="0" smtClean="0"/>
+              <a:t>连接派发器，派发器将“连接”通过</a:t>
+            </a:r>
+            <a:r>
+              <a:rPr lang="en-US" altLang="zh-CN" sz="1600" dirty="0" smtClean="0"/>
+              <a:t>UNIX</a:t>
+            </a:r>
+            <a:r>
+              <a:rPr lang="zh-CN" altLang="en-US" sz="1600" dirty="0" smtClean="0"/>
+              <a:t>域套接口传递给协程进程</a:t>
+            </a:r>
+            <a:endParaRPr lang="en-US" altLang="zh-CN" sz="1600" dirty="0" smtClean="0"/>
+          </a:p>
+          <a:p>
+            <a:r>
+              <a:rPr lang="en-US" altLang="zh-CN" sz="1600" dirty="0" smtClean="0"/>
+              <a:t>3</a:t>
+            </a:r>
+            <a:r>
+              <a:rPr lang="zh-CN" altLang="en-US" sz="1600" dirty="0" smtClean="0"/>
+              <a:t>、</a:t>
             </a:r>
             <a:r>
               <a:rPr lang="en-US" altLang="zh-CN" sz="1600" dirty="0" err="1" smtClean="0"/>
-              <a:t>proactor</a:t>
+              <a:t>acl_master</a:t>
             </a:r>
             <a:r>
               <a:rPr lang="en-US" altLang="zh-CN" sz="1600" dirty="0" smtClean="0"/>
@@ -22032,96 +22696,1354 @@
             </a:r>
             <a:r>
               <a:rPr lang="zh-CN" altLang="en-US" sz="1600" dirty="0" smtClean="0"/>
-              <a:t>两种模式的结合</a:t>
+              <a:t>管理</a:t>
+            </a:r>
+            <a:r>
+              <a:rPr lang="en-US" altLang="zh-CN" sz="1600" dirty="0" smtClean="0"/>
+              <a:t>TCP</a:t>
+            </a:r>
+            <a:r>
+              <a:rPr lang="zh-CN" altLang="en-US" sz="1600" dirty="0" smtClean="0"/>
+              <a:t>连接派发器、协程进程池</a:t>
             </a:r>
             <a:endParaRPr lang="en-US" altLang="zh-CN" sz="1600" dirty="0" smtClean="0"/>
           </a:p>
           <a:p>
+            <a:endParaRPr lang="en-US" altLang="zh-CN" sz="1600" dirty="0"/>
+          </a:p>
+          <a:p>
             <a:r>
               <a:rPr lang="zh-CN" altLang="en-US" sz="1400" dirty="0" smtClean="0"/>
-              <a:t>统一的事件引擎监控所有的网络连接，有一个连接就绪时创建协程独立处理</a:t>
-            </a:r>
-            <a:endParaRPr lang="en-US" altLang="zh-CN" sz="1400" dirty="0" smtClean="0"/>
-          </a:p>
-          <a:p>
+              <a:t>关于</a:t>
+            </a:r>
+            <a:r>
+              <a:rPr lang="en-US" altLang="zh-CN" sz="1400" dirty="0" smtClean="0"/>
+              <a:t>TCP</a:t>
+            </a:r>
             <a:r>
               <a:rPr lang="zh-CN" altLang="en-US" sz="1400" dirty="0" smtClean="0"/>
-              <a:t>此类应用如聊天服务、游戏服务等无状态的应用服务</a:t>
-            </a:r>
-            <a:endParaRPr lang="en-US" altLang="zh-CN" sz="1400" dirty="0" smtClean="0"/>
-          </a:p>
-          <a:p>
-            <a:endParaRPr lang="en-US" altLang="zh-CN" sz="1400" dirty="0" smtClean="0"/>
-          </a:p>
-          <a:p>
-            <a:r>
-              <a:rPr lang="zh-CN" altLang="en-US" sz="1600" dirty="0"/>
-              <a:t>四</a:t>
-            </a:r>
-            <a:r>
-              <a:rPr lang="zh-CN" altLang="en-US" sz="1600" dirty="0" smtClean="0"/>
-              <a:t>、大并发类应用服务</a:t>
-            </a:r>
-            <a:endParaRPr lang="en-US" altLang="zh-CN" sz="1600" dirty="0" smtClean="0"/>
-          </a:p>
-          <a:p>
-            <a:r>
-              <a:rPr lang="zh-CN" altLang="en-US" sz="1400" dirty="0" smtClean="0"/>
-              <a:t>因为通过协程方式，将上层应用的堵塞式在底层转为非阻塞模式，所以非常容易以较低资源支持大并发类应用</a:t>
-            </a:r>
-            <a:endParaRPr lang="en-US" altLang="zh-CN" sz="1400" dirty="0" smtClean="0"/>
-          </a:p>
-          <a:p>
-            <a:r>
-              <a:rPr lang="zh-CN" altLang="en-US" sz="1400" dirty="0" smtClean="0"/>
-              <a:t>如内网的多数应用服务为提高效率都支持连接池模式，需要服务端支持非常大的并发</a:t>
-            </a:r>
-            <a:endParaRPr lang="en-US" altLang="zh-CN" sz="1400" dirty="0" smtClean="0"/>
-          </a:p>
-          <a:p>
-            <a:endParaRPr lang="en-US" altLang="zh-CN" sz="1400" dirty="0" smtClean="0"/>
-          </a:p>
-          <a:p>
-            <a:r>
-              <a:rPr lang="zh-CN" altLang="en-US" sz="1600" dirty="0"/>
-              <a:t>五</a:t>
-            </a:r>
-            <a:r>
-              <a:rPr lang="zh-CN" altLang="en-US" sz="1600" dirty="0" smtClean="0"/>
-              <a:t>、网络限流</a:t>
-            </a:r>
-            <a:endParaRPr lang="en-US" altLang="zh-CN" sz="1600" dirty="0" smtClean="0"/>
-          </a:p>
-          <a:p>
-            <a:r>
-              <a:rPr lang="zh-CN" altLang="en-US" sz="1400" dirty="0" smtClean="0"/>
-              <a:t>在协程中可以直接 </a:t>
-            </a:r>
-            <a:r>
-              <a:rPr lang="en-US" altLang="zh-CN" sz="1400" dirty="0" smtClean="0"/>
-              <a:t>sleep</a:t>
-            </a:r>
-            <a:r>
-              <a:rPr lang="zh-CN" altLang="en-US" sz="1400" dirty="0" smtClean="0"/>
-              <a:t>，非常容易控制网络流量</a:t>
-            </a:r>
-            <a:endParaRPr lang="en-US" altLang="zh-CN" sz="1400" dirty="0" smtClean="0"/>
-          </a:p>
-          <a:p>
-            <a:endParaRPr lang="en-US" altLang="zh-CN" sz="1600" dirty="0" smtClean="0"/>
-          </a:p>
-          <a:p>
-            <a:endParaRPr lang="en-US" altLang="zh-CN" dirty="0" smtClean="0"/>
-          </a:p>
-          <a:p>
-            <a:endParaRPr lang="zh-CN" altLang="en-US" dirty="0"/>
+              <a:t>连接派发器，参考：</a:t>
+            </a:r>
+            <a:r>
+              <a:rPr lang="en-US" altLang="zh-CN" sz="1400" dirty="0"/>
+              <a:t>http://zsxxsz.iteye.com/blog/2118752</a:t>
+            </a:r>
+            <a:endParaRPr lang="zh-CN" altLang="en-US" sz="1400" dirty="0"/>
           </a:p>
         </p:txBody>
       </p:sp>
+      <p:sp>
+        <p:nvSpPr>
+          <p:cNvPr id="4" name="圆角矩形 3"/>
+          <p:cNvSpPr/>
+          <p:nvPr/>
+        </p:nvSpPr>
+        <p:spPr>
+          <a:xfrm>
+            <a:off x="4024540" y="4148624"/>
+            <a:ext cx="1368152" cy="360040"/>
+          </a:xfrm>
+          <a:prstGeom prst="roundRect">
+            <a:avLst/>
+          </a:prstGeom>
+          <a:solidFill>
+            <a:srgbClr val="00B050"/>
+          </a:solidFill>
+          <a:ln>
+            <a:noFill/>
+          </a:ln>
+        </p:spPr>
+        <p:style>
+          <a:lnRef idx="2">
+            <a:schemeClr val="accent1">
+              <a:shade val="50000"/>
+            </a:schemeClr>
+          </a:lnRef>
+          <a:fillRef idx="1">
+            <a:schemeClr val="accent1"/>
+          </a:fillRef>
+          <a:effectRef idx="0">
+            <a:schemeClr val="accent1"/>
+          </a:effectRef>
+          <a:fontRef idx="minor">
+            <a:schemeClr val="lt1"/>
+          </a:fontRef>
+        </p:style>
+        <p:txBody>
+          <a:bodyPr rtlCol="0" anchor="ctr"/>
+          <a:lstStyle/>
+          <a:p>
+            <a:pPr algn="ctr"/>
+            <a:r>
+              <a:rPr lang="en-US" altLang="zh-CN" sz="1400" b="1" dirty="0" err="1" smtClean="0">
+                <a:solidFill>
+                  <a:schemeClr val="tx1"/>
+                </a:solidFill>
+              </a:rPr>
+              <a:t>acl_master</a:t>
+            </a:r>
+            <a:endParaRPr lang="zh-CN" altLang="en-US" sz="1400" b="1" dirty="0">
+              <a:solidFill>
+                <a:schemeClr val="tx1"/>
+              </a:solidFill>
+            </a:endParaRPr>
+          </a:p>
+        </p:txBody>
+      </p:sp>
+      <p:sp>
+        <p:nvSpPr>
+          <p:cNvPr id="5" name="圆角矩形 4"/>
+          <p:cNvSpPr/>
+          <p:nvPr/>
+        </p:nvSpPr>
+        <p:spPr>
+          <a:xfrm>
+            <a:off x="3923928" y="1452977"/>
+            <a:ext cx="1368152" cy="360040"/>
+          </a:xfrm>
+          <a:prstGeom prst="roundRect">
+            <a:avLst/>
+          </a:prstGeom>
+          <a:solidFill>
+            <a:srgbClr val="FFFF00"/>
+          </a:solidFill>
+          <a:ln>
+            <a:noFill/>
+          </a:ln>
+        </p:spPr>
+        <p:style>
+          <a:lnRef idx="2">
+            <a:schemeClr val="accent1">
+              <a:shade val="50000"/>
+            </a:schemeClr>
+          </a:lnRef>
+          <a:fillRef idx="1">
+            <a:schemeClr val="accent1"/>
+          </a:fillRef>
+          <a:effectRef idx="0">
+            <a:schemeClr val="accent1"/>
+          </a:effectRef>
+          <a:fontRef idx="minor">
+            <a:schemeClr val="lt1"/>
+          </a:fontRef>
+        </p:style>
+        <p:txBody>
+          <a:bodyPr rtlCol="0" anchor="ctr"/>
+          <a:lstStyle/>
+          <a:p>
+            <a:pPr algn="ctr"/>
+            <a:r>
+              <a:rPr lang="en-US" altLang="zh-CN" sz="1400" b="1" dirty="0" err="1" smtClean="0">
+                <a:solidFill>
+                  <a:schemeClr val="tx1"/>
+                </a:solidFill>
+              </a:rPr>
+              <a:t>Tcp</a:t>
+            </a:r>
+            <a:r>
+              <a:rPr lang="zh-CN" altLang="en-US" sz="1400" b="1" dirty="0" smtClean="0">
+                <a:solidFill>
+                  <a:schemeClr val="tx1"/>
+                </a:solidFill>
+              </a:rPr>
+              <a:t>连接派发器</a:t>
+            </a:r>
+            <a:endParaRPr lang="zh-CN" altLang="en-US" sz="1400" b="1" dirty="0">
+              <a:solidFill>
+                <a:schemeClr val="tx1"/>
+              </a:solidFill>
+            </a:endParaRPr>
+          </a:p>
+        </p:txBody>
+      </p:sp>
+      <p:sp>
+        <p:nvSpPr>
+          <p:cNvPr id="6" name="圆角矩形 5"/>
+          <p:cNvSpPr/>
+          <p:nvPr/>
+        </p:nvSpPr>
+        <p:spPr>
+          <a:xfrm>
+            <a:off x="3923928" y="2930758"/>
+            <a:ext cx="1368152" cy="360040"/>
+          </a:xfrm>
+          <a:prstGeom prst="roundRect">
+            <a:avLst/>
+          </a:prstGeom>
+          <a:solidFill>
+            <a:srgbClr val="0070C0"/>
+          </a:solidFill>
+          <a:ln>
+            <a:noFill/>
+          </a:ln>
+        </p:spPr>
+        <p:style>
+          <a:lnRef idx="2">
+            <a:schemeClr val="accent1">
+              <a:shade val="50000"/>
+            </a:schemeClr>
+          </a:lnRef>
+          <a:fillRef idx="1">
+            <a:schemeClr val="accent1"/>
+          </a:fillRef>
+          <a:effectRef idx="0">
+            <a:schemeClr val="accent1"/>
+          </a:effectRef>
+          <a:fontRef idx="minor">
+            <a:schemeClr val="lt1"/>
+          </a:fontRef>
+        </p:style>
+        <p:txBody>
+          <a:bodyPr rtlCol="0" anchor="ctr"/>
+          <a:lstStyle/>
+          <a:p>
+            <a:pPr algn="ctr"/>
+            <a:r>
+              <a:rPr lang="en-US" altLang="zh-CN" sz="1400" b="1" dirty="0" err="1" smtClean="0">
+                <a:solidFill>
+                  <a:schemeClr val="tx1"/>
+                </a:solidFill>
+              </a:rPr>
+              <a:t>fiber_proc</a:t>
+            </a:r>
+            <a:endParaRPr lang="zh-CN" altLang="en-US" sz="1400" b="1" dirty="0">
+              <a:solidFill>
+                <a:schemeClr val="tx1"/>
+              </a:solidFill>
+            </a:endParaRPr>
+          </a:p>
+        </p:txBody>
+      </p:sp>
+      <p:sp>
+        <p:nvSpPr>
+          <p:cNvPr id="8" name="椭圆 7"/>
+          <p:cNvSpPr/>
+          <p:nvPr/>
+        </p:nvSpPr>
+        <p:spPr>
+          <a:xfrm>
+            <a:off x="1979712" y="1642492"/>
+            <a:ext cx="864096" cy="451037"/>
+          </a:xfrm>
+          <a:prstGeom prst="ellipse">
+            <a:avLst/>
+          </a:prstGeom>
+          <a:solidFill>
+            <a:srgbClr val="92D050"/>
+          </a:solidFill>
+          <a:ln>
+            <a:noFill/>
+          </a:ln>
+        </p:spPr>
+        <p:style>
+          <a:lnRef idx="2">
+            <a:schemeClr val="accent1">
+              <a:shade val="50000"/>
+            </a:schemeClr>
+          </a:lnRef>
+          <a:fillRef idx="1">
+            <a:schemeClr val="accent1"/>
+          </a:fillRef>
+          <a:effectRef idx="0">
+            <a:schemeClr val="accent1"/>
+          </a:effectRef>
+          <a:fontRef idx="minor">
+            <a:schemeClr val="lt1"/>
+          </a:fontRef>
+        </p:style>
+        <p:txBody>
+          <a:bodyPr rtlCol="0" anchor="ctr"/>
+          <a:lstStyle/>
+          <a:p>
+            <a:pPr algn="ctr"/>
+            <a:r>
+              <a:rPr lang="en-US" altLang="zh-CN" sz="1400" b="1" dirty="0" smtClean="0">
+                <a:solidFill>
+                  <a:schemeClr val="tx1"/>
+                </a:solidFill>
+              </a:rPr>
+              <a:t>client</a:t>
+            </a:r>
+            <a:endParaRPr lang="zh-CN" altLang="en-US" sz="1400" b="1" dirty="0">
+              <a:solidFill>
+                <a:schemeClr val="tx1"/>
+              </a:solidFill>
+            </a:endParaRPr>
+          </a:p>
+        </p:txBody>
+      </p:sp>
+      <p:sp>
+        <p:nvSpPr>
+          <p:cNvPr id="9" name="椭圆 8"/>
+          <p:cNvSpPr/>
+          <p:nvPr/>
+        </p:nvSpPr>
+        <p:spPr>
+          <a:xfrm>
+            <a:off x="1979712" y="2326567"/>
+            <a:ext cx="864096" cy="451037"/>
+          </a:xfrm>
+          <a:prstGeom prst="ellipse">
+            <a:avLst/>
+          </a:prstGeom>
+          <a:solidFill>
+            <a:srgbClr val="92D050"/>
+          </a:solidFill>
+          <a:ln>
+            <a:noFill/>
+          </a:ln>
+        </p:spPr>
+        <p:style>
+          <a:lnRef idx="2">
+            <a:schemeClr val="accent1">
+              <a:shade val="50000"/>
+            </a:schemeClr>
+          </a:lnRef>
+          <a:fillRef idx="1">
+            <a:schemeClr val="accent1"/>
+          </a:fillRef>
+          <a:effectRef idx="0">
+            <a:schemeClr val="accent1"/>
+          </a:effectRef>
+          <a:fontRef idx="minor">
+            <a:schemeClr val="lt1"/>
+          </a:fontRef>
+        </p:style>
+        <p:txBody>
+          <a:bodyPr rtlCol="0" anchor="ctr"/>
+          <a:lstStyle/>
+          <a:p>
+            <a:pPr algn="ctr"/>
+            <a:r>
+              <a:rPr lang="en-US" altLang="zh-CN" sz="1400" b="1" dirty="0" smtClean="0">
+                <a:solidFill>
+                  <a:schemeClr val="tx1"/>
+                </a:solidFill>
+              </a:rPr>
+              <a:t>client</a:t>
+            </a:r>
+            <a:endParaRPr lang="zh-CN" altLang="en-US" sz="1400" b="1" dirty="0">
+              <a:solidFill>
+                <a:schemeClr val="tx1"/>
+              </a:solidFill>
+            </a:endParaRPr>
+          </a:p>
+        </p:txBody>
+      </p:sp>
+      <p:sp>
+        <p:nvSpPr>
+          <p:cNvPr id="10" name="椭圆 9"/>
+          <p:cNvSpPr/>
+          <p:nvPr/>
+        </p:nvSpPr>
+        <p:spPr>
+          <a:xfrm>
+            <a:off x="1979712" y="3010642"/>
+            <a:ext cx="864096" cy="451037"/>
+          </a:xfrm>
+          <a:prstGeom prst="ellipse">
+            <a:avLst/>
+          </a:prstGeom>
+          <a:solidFill>
+            <a:srgbClr val="92D050"/>
+          </a:solidFill>
+          <a:ln>
+            <a:noFill/>
+          </a:ln>
+        </p:spPr>
+        <p:style>
+          <a:lnRef idx="2">
+            <a:schemeClr val="accent1">
+              <a:shade val="50000"/>
+            </a:schemeClr>
+          </a:lnRef>
+          <a:fillRef idx="1">
+            <a:schemeClr val="accent1"/>
+          </a:fillRef>
+          <a:effectRef idx="0">
+            <a:schemeClr val="accent1"/>
+          </a:effectRef>
+          <a:fontRef idx="minor">
+            <a:schemeClr val="lt1"/>
+          </a:fontRef>
+        </p:style>
+        <p:txBody>
+          <a:bodyPr rtlCol="0" anchor="ctr"/>
+          <a:lstStyle/>
+          <a:p>
+            <a:pPr algn="ctr"/>
+            <a:r>
+              <a:rPr lang="en-US" altLang="zh-CN" sz="1400" b="1" dirty="0" smtClean="0">
+                <a:solidFill>
+                  <a:schemeClr val="tx1"/>
+                </a:solidFill>
+              </a:rPr>
+              <a:t>client</a:t>
+            </a:r>
+            <a:endParaRPr lang="zh-CN" altLang="en-US" sz="1400" b="1" dirty="0">
+              <a:solidFill>
+                <a:schemeClr val="tx1"/>
+              </a:solidFill>
+            </a:endParaRPr>
+          </a:p>
+        </p:txBody>
+      </p:sp>
+      <p:cxnSp>
+        <p:nvCxnSpPr>
+          <p:cNvPr id="12" name="直接箭头连接符 11"/>
+          <p:cNvCxnSpPr>
+            <a:stCxn id="8" idx="6"/>
+            <a:endCxn id="34" idx="1"/>
+          </p:cNvCxnSpPr>
+          <p:nvPr/>
+        </p:nvCxnSpPr>
+        <p:spPr>
+          <a:xfrm>
+            <a:off x="2843808" y="1868011"/>
+            <a:ext cx="1080120" cy="483459"/>
+          </a:xfrm>
+          <a:prstGeom prst="straightConnector1">
+            <a:avLst/>
+          </a:prstGeom>
+          <a:ln>
+            <a:tailEnd type="triangle"/>
+          </a:ln>
+        </p:spPr>
+        <p:style>
+          <a:lnRef idx="1">
+            <a:schemeClr val="accent1"/>
+          </a:lnRef>
+          <a:fillRef idx="0">
+            <a:schemeClr val="accent1"/>
+          </a:fillRef>
+          <a:effectRef idx="0">
+            <a:schemeClr val="accent1"/>
+          </a:effectRef>
+          <a:fontRef idx="minor">
+            <a:schemeClr val="tx1"/>
+          </a:fontRef>
+        </p:style>
+      </p:cxnSp>
+      <p:cxnSp>
+        <p:nvCxnSpPr>
+          <p:cNvPr id="14" name="直接箭头连接符 13"/>
+          <p:cNvCxnSpPr>
+            <a:stCxn id="9" idx="6"/>
+            <a:endCxn id="34" idx="1"/>
+          </p:cNvCxnSpPr>
+          <p:nvPr/>
+        </p:nvCxnSpPr>
+        <p:spPr>
+          <a:xfrm flipV="1">
+            <a:off x="2843808" y="2351470"/>
+            <a:ext cx="1080120" cy="200616"/>
+          </a:xfrm>
+          <a:prstGeom prst="straightConnector1">
+            <a:avLst/>
+          </a:prstGeom>
+          <a:ln>
+            <a:tailEnd type="triangle"/>
+          </a:ln>
+        </p:spPr>
+        <p:style>
+          <a:lnRef idx="1">
+            <a:schemeClr val="accent1"/>
+          </a:lnRef>
+          <a:fillRef idx="0">
+            <a:schemeClr val="accent1"/>
+          </a:fillRef>
+          <a:effectRef idx="0">
+            <a:schemeClr val="accent1"/>
+          </a:effectRef>
+          <a:fontRef idx="minor">
+            <a:schemeClr val="tx1"/>
+          </a:fontRef>
+        </p:style>
+      </p:cxnSp>
+      <p:cxnSp>
+        <p:nvCxnSpPr>
+          <p:cNvPr id="16" name="直接箭头连接符 15"/>
+          <p:cNvCxnSpPr>
+            <a:stCxn id="10" idx="6"/>
+            <a:endCxn id="6" idx="1"/>
+          </p:cNvCxnSpPr>
+          <p:nvPr/>
+        </p:nvCxnSpPr>
+        <p:spPr>
+          <a:xfrm flipV="1">
+            <a:off x="2843808" y="3110778"/>
+            <a:ext cx="1080120" cy="125383"/>
+          </a:xfrm>
+          <a:prstGeom prst="straightConnector1">
+            <a:avLst/>
+          </a:prstGeom>
+          <a:ln>
+            <a:tailEnd type="triangle"/>
+          </a:ln>
+        </p:spPr>
+        <p:style>
+          <a:lnRef idx="1">
+            <a:schemeClr val="accent1"/>
+          </a:lnRef>
+          <a:fillRef idx="0">
+            <a:schemeClr val="accent1"/>
+          </a:fillRef>
+          <a:effectRef idx="0">
+            <a:schemeClr val="accent1"/>
+          </a:effectRef>
+          <a:fontRef idx="minor">
+            <a:schemeClr val="tx1"/>
+          </a:fontRef>
+        </p:style>
+      </p:cxnSp>
+      <p:sp>
+        <p:nvSpPr>
+          <p:cNvPr id="17" name="椭圆 16"/>
+          <p:cNvSpPr/>
+          <p:nvPr/>
+        </p:nvSpPr>
+        <p:spPr>
+          <a:xfrm>
+            <a:off x="1979712" y="3666236"/>
+            <a:ext cx="864096" cy="451037"/>
+          </a:xfrm>
+          <a:prstGeom prst="ellipse">
+            <a:avLst/>
+          </a:prstGeom>
+          <a:solidFill>
+            <a:srgbClr val="92D050"/>
+          </a:solidFill>
+          <a:ln>
+            <a:noFill/>
+          </a:ln>
+        </p:spPr>
+        <p:style>
+          <a:lnRef idx="2">
+            <a:schemeClr val="accent1">
+              <a:shade val="50000"/>
+            </a:schemeClr>
+          </a:lnRef>
+          <a:fillRef idx="1">
+            <a:schemeClr val="accent1"/>
+          </a:fillRef>
+          <a:effectRef idx="0">
+            <a:schemeClr val="accent1"/>
+          </a:effectRef>
+          <a:fontRef idx="minor">
+            <a:schemeClr val="lt1"/>
+          </a:fontRef>
+        </p:style>
+        <p:txBody>
+          <a:bodyPr rtlCol="0" anchor="ctr"/>
+          <a:lstStyle/>
+          <a:p>
+            <a:pPr algn="ctr"/>
+            <a:r>
+              <a:rPr lang="en-US" altLang="zh-CN" sz="1400" b="1" dirty="0" smtClean="0">
+                <a:solidFill>
+                  <a:schemeClr val="tx1"/>
+                </a:solidFill>
+              </a:rPr>
+              <a:t>client</a:t>
+            </a:r>
+            <a:endParaRPr lang="zh-CN" altLang="en-US" sz="1400" b="1" dirty="0">
+              <a:solidFill>
+                <a:schemeClr val="tx1"/>
+              </a:solidFill>
+            </a:endParaRPr>
+          </a:p>
+        </p:txBody>
+      </p:sp>
+      <p:cxnSp>
+        <p:nvCxnSpPr>
+          <p:cNvPr id="19" name="直接箭头连接符 18"/>
+          <p:cNvCxnSpPr>
+            <a:stCxn id="17" idx="6"/>
+            <a:endCxn id="6" idx="1"/>
+          </p:cNvCxnSpPr>
+          <p:nvPr/>
+        </p:nvCxnSpPr>
+        <p:spPr>
+          <a:xfrm flipV="1">
+            <a:off x="2843808" y="3110778"/>
+            <a:ext cx="1080120" cy="780977"/>
+          </a:xfrm>
+          <a:prstGeom prst="straightConnector1">
+            <a:avLst/>
+          </a:prstGeom>
+          <a:ln>
+            <a:tailEnd type="triangle"/>
+          </a:ln>
+        </p:spPr>
+        <p:style>
+          <a:lnRef idx="1">
+            <a:schemeClr val="accent1"/>
+          </a:lnRef>
+          <a:fillRef idx="0">
+            <a:schemeClr val="accent1"/>
+          </a:fillRef>
+          <a:effectRef idx="0">
+            <a:schemeClr val="accent1"/>
+          </a:effectRef>
+          <a:fontRef idx="minor">
+            <a:schemeClr val="tx1"/>
+          </a:fontRef>
+        </p:style>
+      </p:cxnSp>
+      <p:sp>
+        <p:nvSpPr>
+          <p:cNvPr id="34" name="圆角矩形 33"/>
+          <p:cNvSpPr/>
+          <p:nvPr/>
+        </p:nvSpPr>
+        <p:spPr>
+          <a:xfrm>
+            <a:off x="3923928" y="2171450"/>
+            <a:ext cx="1368152" cy="360040"/>
+          </a:xfrm>
+          <a:prstGeom prst="roundRect">
+            <a:avLst/>
+          </a:prstGeom>
+          <a:solidFill>
+            <a:srgbClr val="0070C0"/>
+          </a:solidFill>
+          <a:ln>
+            <a:noFill/>
+          </a:ln>
+        </p:spPr>
+        <p:style>
+          <a:lnRef idx="2">
+            <a:schemeClr val="accent1">
+              <a:shade val="50000"/>
+            </a:schemeClr>
+          </a:lnRef>
+          <a:fillRef idx="1">
+            <a:schemeClr val="accent1"/>
+          </a:fillRef>
+          <a:effectRef idx="0">
+            <a:schemeClr val="accent1"/>
+          </a:effectRef>
+          <a:fontRef idx="minor">
+            <a:schemeClr val="lt1"/>
+          </a:fontRef>
+        </p:style>
+        <p:txBody>
+          <a:bodyPr rtlCol="0" anchor="ctr"/>
+          <a:lstStyle/>
+          <a:p>
+            <a:pPr algn="ctr"/>
+            <a:r>
+              <a:rPr lang="en-US" altLang="zh-CN" sz="1400" b="1" dirty="0" err="1" smtClean="0">
+                <a:solidFill>
+                  <a:schemeClr val="tx1"/>
+                </a:solidFill>
+              </a:rPr>
+              <a:t>fiber_proc</a:t>
+            </a:r>
+            <a:endParaRPr lang="zh-CN" altLang="en-US" sz="1400" b="1" dirty="0">
+              <a:solidFill>
+                <a:schemeClr val="tx1"/>
+              </a:solidFill>
+            </a:endParaRPr>
+          </a:p>
+        </p:txBody>
+      </p:sp>
+      <p:cxnSp>
+        <p:nvCxnSpPr>
+          <p:cNvPr id="44" name="直接箭头连接符 43"/>
+          <p:cNvCxnSpPr>
+            <a:stCxn id="8" idx="6"/>
+            <a:endCxn id="5" idx="1"/>
+          </p:cNvCxnSpPr>
+          <p:nvPr/>
+        </p:nvCxnSpPr>
+        <p:spPr>
+          <a:xfrm flipV="1">
+            <a:off x="2843808" y="1632997"/>
+            <a:ext cx="1080120" cy="235014"/>
+          </a:xfrm>
+          <a:prstGeom prst="straightConnector1">
+            <a:avLst/>
+          </a:prstGeom>
+          <a:ln>
+            <a:prstDash val="dash"/>
+            <a:tailEnd type="triangle"/>
+          </a:ln>
+        </p:spPr>
+        <p:style>
+          <a:lnRef idx="1">
+            <a:schemeClr val="accent1"/>
+          </a:lnRef>
+          <a:fillRef idx="0">
+            <a:schemeClr val="accent1"/>
+          </a:fillRef>
+          <a:effectRef idx="0">
+            <a:schemeClr val="accent1"/>
+          </a:effectRef>
+          <a:fontRef idx="minor">
+            <a:schemeClr val="tx1"/>
+          </a:fontRef>
+        </p:style>
+      </p:cxnSp>
+      <p:cxnSp>
+        <p:nvCxnSpPr>
+          <p:cNvPr id="47" name="直接箭头连接符 46"/>
+          <p:cNvCxnSpPr>
+            <a:stCxn id="9" idx="6"/>
+            <a:endCxn id="5" idx="1"/>
+          </p:cNvCxnSpPr>
+          <p:nvPr/>
+        </p:nvCxnSpPr>
+        <p:spPr>
+          <a:xfrm flipV="1">
+            <a:off x="2843808" y="1632997"/>
+            <a:ext cx="1080120" cy="919089"/>
+          </a:xfrm>
+          <a:prstGeom prst="straightConnector1">
+            <a:avLst/>
+          </a:prstGeom>
+          <a:ln>
+            <a:prstDash val="dash"/>
+            <a:tailEnd type="triangle"/>
+          </a:ln>
+        </p:spPr>
+        <p:style>
+          <a:lnRef idx="1">
+            <a:schemeClr val="accent1"/>
+          </a:lnRef>
+          <a:fillRef idx="0">
+            <a:schemeClr val="accent1"/>
+          </a:fillRef>
+          <a:effectRef idx="0">
+            <a:schemeClr val="accent1"/>
+          </a:effectRef>
+          <a:fontRef idx="minor">
+            <a:schemeClr val="tx1"/>
+          </a:fontRef>
+        </p:style>
+      </p:cxnSp>
+      <p:cxnSp>
+        <p:nvCxnSpPr>
+          <p:cNvPr id="49" name="直接箭头连接符 48"/>
+          <p:cNvCxnSpPr>
+            <a:stCxn id="10" idx="6"/>
+            <a:endCxn id="5" idx="1"/>
+          </p:cNvCxnSpPr>
+          <p:nvPr/>
+        </p:nvCxnSpPr>
+        <p:spPr>
+          <a:xfrm flipV="1">
+            <a:off x="2843808" y="1632997"/>
+            <a:ext cx="1080120" cy="1603164"/>
+          </a:xfrm>
+          <a:prstGeom prst="straightConnector1">
+            <a:avLst/>
+          </a:prstGeom>
+          <a:ln>
+            <a:prstDash val="dash"/>
+            <a:tailEnd type="triangle"/>
+          </a:ln>
+        </p:spPr>
+        <p:style>
+          <a:lnRef idx="1">
+            <a:schemeClr val="accent1"/>
+          </a:lnRef>
+          <a:fillRef idx="0">
+            <a:schemeClr val="accent1"/>
+          </a:fillRef>
+          <a:effectRef idx="0">
+            <a:schemeClr val="accent1"/>
+          </a:effectRef>
+          <a:fontRef idx="minor">
+            <a:schemeClr val="tx1"/>
+          </a:fontRef>
+        </p:style>
+      </p:cxnSp>
+      <p:cxnSp>
+        <p:nvCxnSpPr>
+          <p:cNvPr id="54" name="直接箭头连接符 53"/>
+          <p:cNvCxnSpPr>
+            <a:stCxn id="17" idx="6"/>
+            <a:endCxn id="5" idx="1"/>
+          </p:cNvCxnSpPr>
+          <p:nvPr/>
+        </p:nvCxnSpPr>
+        <p:spPr>
+          <a:xfrm flipV="1">
+            <a:off x="2843808" y="1632997"/>
+            <a:ext cx="1080120" cy="2258758"/>
+          </a:xfrm>
+          <a:prstGeom prst="straightConnector1">
+            <a:avLst/>
+          </a:prstGeom>
+          <a:ln>
+            <a:prstDash val="dash"/>
+            <a:tailEnd type="triangle"/>
+          </a:ln>
+        </p:spPr>
+        <p:style>
+          <a:lnRef idx="1">
+            <a:schemeClr val="accent1"/>
+          </a:lnRef>
+          <a:fillRef idx="0">
+            <a:schemeClr val="accent1"/>
+          </a:fillRef>
+          <a:effectRef idx="0">
+            <a:schemeClr val="accent1"/>
+          </a:effectRef>
+          <a:fontRef idx="minor">
+            <a:schemeClr val="tx1"/>
+          </a:fontRef>
+        </p:style>
+      </p:cxnSp>
+      <p:sp>
+        <p:nvSpPr>
+          <p:cNvPr id="108" name="圆角矩形 107"/>
+          <p:cNvSpPr/>
+          <p:nvPr/>
+        </p:nvSpPr>
+        <p:spPr>
+          <a:xfrm>
+            <a:off x="6275032" y="1850638"/>
+            <a:ext cx="648072" cy="360040"/>
+          </a:xfrm>
+          <a:prstGeom prst="roundRect">
+            <a:avLst/>
+          </a:prstGeom>
+          <a:solidFill>
+            <a:srgbClr val="00B0F0"/>
+          </a:solidFill>
+          <a:ln>
+            <a:noFill/>
+          </a:ln>
+        </p:spPr>
+        <p:style>
+          <a:lnRef idx="2">
+            <a:schemeClr val="accent1">
+              <a:shade val="50000"/>
+            </a:schemeClr>
+          </a:lnRef>
+          <a:fillRef idx="1">
+            <a:schemeClr val="accent1"/>
+          </a:fillRef>
+          <a:effectRef idx="0">
+            <a:schemeClr val="accent1"/>
+          </a:effectRef>
+          <a:fontRef idx="minor">
+            <a:schemeClr val="lt1"/>
+          </a:fontRef>
+        </p:style>
+        <p:txBody>
+          <a:bodyPr rtlCol="0" anchor="ctr"/>
+          <a:lstStyle/>
+          <a:p>
+            <a:pPr algn="ctr"/>
+            <a:r>
+              <a:rPr lang="en-US" altLang="zh-CN" sz="1400" b="1" dirty="0" smtClean="0">
+                <a:solidFill>
+                  <a:schemeClr val="tx1"/>
+                </a:solidFill>
+              </a:rPr>
+              <a:t>fiber</a:t>
+            </a:r>
+            <a:endParaRPr lang="zh-CN" altLang="en-US" sz="1400" b="1" dirty="0">
+              <a:solidFill>
+                <a:schemeClr val="tx1"/>
+              </a:solidFill>
+            </a:endParaRPr>
+          </a:p>
+        </p:txBody>
+      </p:sp>
+      <p:sp>
+        <p:nvSpPr>
+          <p:cNvPr id="109" name="圆角矩形 108"/>
+          <p:cNvSpPr/>
+          <p:nvPr/>
+        </p:nvSpPr>
+        <p:spPr>
+          <a:xfrm>
+            <a:off x="6275032" y="2282686"/>
+            <a:ext cx="648072" cy="360040"/>
+          </a:xfrm>
+          <a:prstGeom prst="roundRect">
+            <a:avLst/>
+          </a:prstGeom>
+          <a:solidFill>
+            <a:srgbClr val="00B0F0"/>
+          </a:solidFill>
+          <a:ln>
+            <a:noFill/>
+          </a:ln>
+        </p:spPr>
+        <p:style>
+          <a:lnRef idx="2">
+            <a:schemeClr val="accent1">
+              <a:shade val="50000"/>
+            </a:schemeClr>
+          </a:lnRef>
+          <a:fillRef idx="1">
+            <a:schemeClr val="accent1"/>
+          </a:fillRef>
+          <a:effectRef idx="0">
+            <a:schemeClr val="accent1"/>
+          </a:effectRef>
+          <a:fontRef idx="minor">
+            <a:schemeClr val="lt1"/>
+          </a:fontRef>
+        </p:style>
+        <p:txBody>
+          <a:bodyPr rtlCol="0" anchor="ctr"/>
+          <a:lstStyle/>
+          <a:p>
+            <a:pPr algn="ctr"/>
+            <a:r>
+              <a:rPr lang="en-US" altLang="zh-CN" sz="1400" b="1" dirty="0" smtClean="0">
+                <a:solidFill>
+                  <a:schemeClr val="tx1"/>
+                </a:solidFill>
+              </a:rPr>
+              <a:t>fiber</a:t>
+            </a:r>
+            <a:endParaRPr lang="zh-CN" altLang="en-US" sz="1400" b="1" dirty="0">
+              <a:solidFill>
+                <a:schemeClr val="tx1"/>
+              </a:solidFill>
+            </a:endParaRPr>
+          </a:p>
+        </p:txBody>
+      </p:sp>
+      <p:cxnSp>
+        <p:nvCxnSpPr>
+          <p:cNvPr id="111" name="直接箭头连接符 110"/>
+          <p:cNvCxnSpPr>
+            <a:stCxn id="34" idx="3"/>
+            <a:endCxn id="108" idx="1"/>
+          </p:cNvCxnSpPr>
+          <p:nvPr/>
+        </p:nvCxnSpPr>
+        <p:spPr>
+          <a:xfrm flipV="1">
+            <a:off x="5292080" y="2030658"/>
+            <a:ext cx="982952" cy="320812"/>
+          </a:xfrm>
+          <a:prstGeom prst="straightConnector1">
+            <a:avLst/>
+          </a:prstGeom>
+          <a:ln>
+            <a:tailEnd type="triangle"/>
+          </a:ln>
+        </p:spPr>
+        <p:style>
+          <a:lnRef idx="1">
+            <a:schemeClr val="accent1"/>
+          </a:lnRef>
+          <a:fillRef idx="0">
+            <a:schemeClr val="accent1"/>
+          </a:fillRef>
+          <a:effectRef idx="0">
+            <a:schemeClr val="accent1"/>
+          </a:effectRef>
+          <a:fontRef idx="minor">
+            <a:schemeClr val="tx1"/>
+          </a:fontRef>
+        </p:style>
+      </p:cxnSp>
+      <p:cxnSp>
+        <p:nvCxnSpPr>
+          <p:cNvPr id="113" name="直接箭头连接符 112"/>
+          <p:cNvCxnSpPr>
+            <a:stCxn id="34" idx="3"/>
+            <a:endCxn id="109" idx="1"/>
+          </p:cNvCxnSpPr>
+          <p:nvPr/>
+        </p:nvCxnSpPr>
+        <p:spPr>
+          <a:xfrm>
+            <a:off x="5292080" y="2351470"/>
+            <a:ext cx="982952" cy="111236"/>
+          </a:xfrm>
+          <a:prstGeom prst="straightConnector1">
+            <a:avLst/>
+          </a:prstGeom>
+          <a:ln>
+            <a:tailEnd type="triangle"/>
+          </a:ln>
+        </p:spPr>
+        <p:style>
+          <a:lnRef idx="1">
+            <a:schemeClr val="accent1"/>
+          </a:lnRef>
+          <a:fillRef idx="0">
+            <a:schemeClr val="accent1"/>
+          </a:fillRef>
+          <a:effectRef idx="0">
+            <a:schemeClr val="accent1"/>
+          </a:effectRef>
+          <a:fontRef idx="minor">
+            <a:schemeClr val="tx1"/>
+          </a:fontRef>
+        </p:style>
+      </p:cxnSp>
+      <p:sp>
+        <p:nvSpPr>
+          <p:cNvPr id="114" name="圆角矩形 113"/>
+          <p:cNvSpPr/>
+          <p:nvPr/>
+        </p:nvSpPr>
+        <p:spPr>
+          <a:xfrm>
+            <a:off x="6292792" y="2786742"/>
+            <a:ext cx="648072" cy="360040"/>
+          </a:xfrm>
+          <a:prstGeom prst="roundRect">
+            <a:avLst/>
+          </a:prstGeom>
+          <a:solidFill>
+            <a:srgbClr val="00B0F0"/>
+          </a:solidFill>
+          <a:ln>
+            <a:noFill/>
+          </a:ln>
+        </p:spPr>
+        <p:style>
+          <a:lnRef idx="2">
+            <a:schemeClr val="accent1">
+              <a:shade val="50000"/>
+            </a:schemeClr>
+          </a:lnRef>
+          <a:fillRef idx="1">
+            <a:schemeClr val="accent1"/>
+          </a:fillRef>
+          <a:effectRef idx="0">
+            <a:schemeClr val="accent1"/>
+          </a:effectRef>
+          <a:fontRef idx="minor">
+            <a:schemeClr val="lt1"/>
+          </a:fontRef>
+        </p:style>
+        <p:txBody>
+          <a:bodyPr rtlCol="0" anchor="ctr"/>
+          <a:lstStyle/>
+          <a:p>
+            <a:pPr algn="ctr"/>
+            <a:r>
+              <a:rPr lang="en-US" altLang="zh-CN" sz="1400" b="1" dirty="0" smtClean="0">
+                <a:solidFill>
+                  <a:schemeClr val="tx1"/>
+                </a:solidFill>
+              </a:rPr>
+              <a:t>fiber</a:t>
+            </a:r>
+            <a:endParaRPr lang="zh-CN" altLang="en-US" sz="1400" b="1" dirty="0">
+              <a:solidFill>
+                <a:schemeClr val="tx1"/>
+              </a:solidFill>
+            </a:endParaRPr>
+          </a:p>
+        </p:txBody>
+      </p:sp>
+      <p:sp>
+        <p:nvSpPr>
+          <p:cNvPr id="115" name="圆角矩形 114"/>
+          <p:cNvSpPr/>
+          <p:nvPr/>
+        </p:nvSpPr>
+        <p:spPr>
+          <a:xfrm>
+            <a:off x="6292792" y="3218790"/>
+            <a:ext cx="648072" cy="360040"/>
+          </a:xfrm>
+          <a:prstGeom prst="roundRect">
+            <a:avLst/>
+          </a:prstGeom>
+          <a:solidFill>
+            <a:srgbClr val="00B0F0"/>
+          </a:solidFill>
+          <a:ln>
+            <a:noFill/>
+          </a:ln>
+        </p:spPr>
+        <p:style>
+          <a:lnRef idx="2">
+            <a:schemeClr val="accent1">
+              <a:shade val="50000"/>
+            </a:schemeClr>
+          </a:lnRef>
+          <a:fillRef idx="1">
+            <a:schemeClr val="accent1"/>
+          </a:fillRef>
+          <a:effectRef idx="0">
+            <a:schemeClr val="accent1"/>
+          </a:effectRef>
+          <a:fontRef idx="minor">
+            <a:schemeClr val="lt1"/>
+          </a:fontRef>
+        </p:style>
+        <p:txBody>
+          <a:bodyPr rtlCol="0" anchor="ctr"/>
+          <a:lstStyle/>
+          <a:p>
+            <a:pPr algn="ctr"/>
+            <a:r>
+              <a:rPr lang="en-US" altLang="zh-CN" sz="1400" b="1" dirty="0" smtClean="0">
+                <a:solidFill>
+                  <a:schemeClr val="tx1"/>
+                </a:solidFill>
+              </a:rPr>
+              <a:t>fiber</a:t>
+            </a:r>
+            <a:endParaRPr lang="zh-CN" altLang="en-US" sz="1400" b="1" dirty="0">
+              <a:solidFill>
+                <a:schemeClr val="tx1"/>
+              </a:solidFill>
+            </a:endParaRPr>
+          </a:p>
+        </p:txBody>
+      </p:sp>
+      <p:cxnSp>
+        <p:nvCxnSpPr>
+          <p:cNvPr id="116" name="直接箭头连接符 115"/>
+          <p:cNvCxnSpPr>
+            <a:stCxn id="6" idx="3"/>
+            <a:endCxn id="114" idx="1"/>
+          </p:cNvCxnSpPr>
+          <p:nvPr/>
+        </p:nvCxnSpPr>
+        <p:spPr>
+          <a:xfrm flipV="1">
+            <a:off x="5292080" y="2966762"/>
+            <a:ext cx="1000712" cy="144016"/>
+          </a:xfrm>
+          <a:prstGeom prst="straightConnector1">
+            <a:avLst/>
+          </a:prstGeom>
+          <a:ln>
+            <a:tailEnd type="triangle"/>
+          </a:ln>
+        </p:spPr>
+        <p:style>
+          <a:lnRef idx="1">
+            <a:schemeClr val="accent1"/>
+          </a:lnRef>
+          <a:fillRef idx="0">
+            <a:schemeClr val="accent1"/>
+          </a:fillRef>
+          <a:effectRef idx="0">
+            <a:schemeClr val="accent1"/>
+          </a:effectRef>
+          <a:fontRef idx="minor">
+            <a:schemeClr val="tx1"/>
+          </a:fontRef>
+        </p:style>
+      </p:cxnSp>
+      <p:cxnSp>
+        <p:nvCxnSpPr>
+          <p:cNvPr id="117" name="直接箭头连接符 116"/>
+          <p:cNvCxnSpPr>
+            <a:stCxn id="6" idx="3"/>
+            <a:endCxn id="115" idx="1"/>
+          </p:cNvCxnSpPr>
+          <p:nvPr/>
+        </p:nvCxnSpPr>
+        <p:spPr>
+          <a:xfrm>
+            <a:off x="5292080" y="3110778"/>
+            <a:ext cx="1000712" cy="288032"/>
+          </a:xfrm>
+          <a:prstGeom prst="straightConnector1">
+            <a:avLst/>
+          </a:prstGeom>
+          <a:ln>
+            <a:tailEnd type="triangle"/>
+          </a:ln>
+        </p:spPr>
+        <p:style>
+          <a:lnRef idx="1">
+            <a:schemeClr val="accent1"/>
+          </a:lnRef>
+          <a:fillRef idx="0">
+            <a:schemeClr val="accent1"/>
+          </a:fillRef>
+          <a:effectRef idx="0">
+            <a:schemeClr val="accent1"/>
+          </a:effectRef>
+          <a:fontRef idx="minor">
+            <a:schemeClr val="tx1"/>
+          </a:fontRef>
+        </p:style>
+      </p:cxnSp>
+      <p:sp>
+        <p:nvSpPr>
+          <p:cNvPr id="120" name="矩形 119"/>
+          <p:cNvSpPr/>
+          <p:nvPr/>
+        </p:nvSpPr>
+        <p:spPr>
+          <a:xfrm>
+            <a:off x="3700504" y="1268760"/>
+            <a:ext cx="2016224" cy="2216954"/>
+          </a:xfrm>
+          <a:prstGeom prst="rect">
+            <a:avLst/>
+          </a:prstGeom>
+          <a:noFill/>
+          <a:ln>
+            <a:solidFill>
+              <a:srgbClr val="7030A0"/>
+            </a:solidFill>
+            <a:prstDash val="dashDot"/>
+          </a:ln>
+        </p:spPr>
+        <p:style>
+          <a:lnRef idx="2">
+            <a:schemeClr val="accent1">
+              <a:shade val="50000"/>
+            </a:schemeClr>
+          </a:lnRef>
+          <a:fillRef idx="1">
+            <a:schemeClr val="accent1"/>
+          </a:fillRef>
+          <a:effectRef idx="0">
+            <a:schemeClr val="accent1"/>
+          </a:effectRef>
+          <a:fontRef idx="minor">
+            <a:schemeClr val="lt1"/>
+          </a:fontRef>
+        </p:style>
+        <p:txBody>
+          <a:bodyPr rtlCol="0" anchor="ctr"/>
+          <a:lstStyle/>
+          <a:p>
+            <a:pPr algn="ctr"/>
+            <a:endParaRPr lang="zh-CN" altLang="en-US"/>
+          </a:p>
+        </p:txBody>
+      </p:sp>
+      <p:sp>
+        <p:nvSpPr>
+          <p:cNvPr id="121" name="上箭头 120"/>
+          <p:cNvSpPr/>
+          <p:nvPr/>
+        </p:nvSpPr>
+        <p:spPr>
+          <a:xfrm>
+            <a:off x="4528600" y="3595936"/>
+            <a:ext cx="360040" cy="451037"/>
+          </a:xfrm>
+          <a:prstGeom prst="upArrow">
+            <a:avLst/>
+          </a:prstGeom>
+          <a:solidFill>
+            <a:srgbClr val="002060"/>
+          </a:solidFill>
+          <a:ln>
+            <a:noFill/>
+          </a:ln>
+        </p:spPr>
+        <p:style>
+          <a:lnRef idx="2">
+            <a:schemeClr val="accent1">
+              <a:shade val="50000"/>
+            </a:schemeClr>
+          </a:lnRef>
+          <a:fillRef idx="1">
+            <a:schemeClr val="accent1"/>
+          </a:fillRef>
+          <a:effectRef idx="0">
+            <a:schemeClr val="accent1"/>
+          </a:effectRef>
+          <a:fontRef idx="minor">
+            <a:schemeClr val="lt1"/>
+          </a:fontRef>
+        </p:style>
+        <p:txBody>
+          <a:bodyPr rtlCol="0" anchor="ctr"/>
+          <a:lstStyle/>
+          <a:p>
+            <a:pPr algn="ctr"/>
+            <a:endParaRPr lang="zh-CN" altLang="en-US"/>
+          </a:p>
+        </p:txBody>
+      </p:sp>
+      <p:cxnSp>
+        <p:nvCxnSpPr>
+          <p:cNvPr id="123" name="直接箭头连接符 122"/>
+          <p:cNvCxnSpPr>
+            <a:stCxn id="5" idx="2"/>
+            <a:endCxn id="34" idx="0"/>
+          </p:cNvCxnSpPr>
+          <p:nvPr/>
+        </p:nvCxnSpPr>
+        <p:spPr>
+          <a:xfrm>
+            <a:off x="4608004" y="1813017"/>
+            <a:ext cx="0" cy="358433"/>
+          </a:xfrm>
+          <a:prstGeom prst="straightConnector1">
+            <a:avLst/>
+          </a:prstGeom>
+          <a:ln>
+            <a:tailEnd type="triangle"/>
+          </a:ln>
+        </p:spPr>
+        <p:style>
+          <a:lnRef idx="2">
+            <a:schemeClr val="accent3"/>
+          </a:lnRef>
+          <a:fillRef idx="0">
+            <a:schemeClr val="accent3"/>
+          </a:fillRef>
+          <a:effectRef idx="1">
+            <a:schemeClr val="accent3"/>
+          </a:effectRef>
+          <a:fontRef idx="minor">
+            <a:schemeClr val="tx1"/>
+          </a:fontRef>
+        </p:style>
+      </p:cxnSp>
+      <p:cxnSp>
+        <p:nvCxnSpPr>
+          <p:cNvPr id="125" name="肘形连接符 124"/>
+          <p:cNvCxnSpPr>
+            <a:stCxn id="5" idx="3"/>
+            <a:endCxn id="6" idx="0"/>
+          </p:cNvCxnSpPr>
+          <p:nvPr/>
+        </p:nvCxnSpPr>
+        <p:spPr>
+          <a:xfrm flipH="1">
+            <a:off x="4608004" y="1632997"/>
+            <a:ext cx="684076" cy="1297761"/>
+          </a:xfrm>
+          <a:prstGeom prst="bentConnector4">
+            <a:avLst>
+              <a:gd name="adj1" fmla="val -33417"/>
+              <a:gd name="adj2" fmla="val 80423"/>
+            </a:avLst>
+          </a:prstGeom>
+          <a:ln>
+            <a:tailEnd type="triangle"/>
+          </a:ln>
+        </p:spPr>
+        <p:style>
+          <a:lnRef idx="2">
+            <a:schemeClr val="accent3"/>
+          </a:lnRef>
+          <a:fillRef idx="0">
+            <a:schemeClr val="accent3"/>
+          </a:fillRef>
+          <a:effectRef idx="1">
+            <a:schemeClr val="accent3"/>
+          </a:effectRef>
+          <a:fontRef idx="minor">
+            <a:schemeClr val="tx1"/>
+          </a:fontRef>
+        </p:style>
+      </p:cxnSp>
     </p:spTree>
     <p:extLst>
       <p:ext uri="{BB962C8B-B14F-4D97-AF65-F5344CB8AC3E}">
-        <p14:creationId xmlns:p14="http://schemas.microsoft.com/office/powerpoint/2010/main" val="1080140722"/>
+        <p14:creationId xmlns:p14="http://schemas.microsoft.com/office/powerpoint/2010/main" val="2362337726"/>
       </p:ext>
     </p:extLst>
   </p:cSld>
@@ -22172,7 +24094,7 @@
           <a:p>
             <a:r>
               <a:rPr lang="zh-CN" altLang="en-US" dirty="0" smtClean="0"/>
-              <a:t>注意事项</a:t>
+              <a:t>应用场景</a:t>
             </a:r>
             <a:endParaRPr lang="zh-CN" altLang="en-US" dirty="0"/>
           </a:p>
@@ -22180,7 +24102,7 @@
       </p:sp>
       <p:sp>
         <p:nvSpPr>
-          <p:cNvPr id="3" name="内容占位符 2"/>
+          <p:cNvPr id="5" name="内容占位符 4"/>
           <p:cNvSpPr>
             <a:spLocks noGrp="1"/>
           </p:cNvSpPr>
@@ -22190,91 +24112,192 @@
         </p:nvSpPr>
         <p:spPr/>
         <p:txBody>
-          <a:bodyPr/>
+          <a:bodyPr>
+            <a:normAutofit/>
+          </a:bodyPr>
           <a:lstStyle/>
           <a:p>
             <a:r>
-              <a:rPr lang="zh-CN" altLang="en-US" dirty="0" smtClean="0"/>
-              <a:t>一、协程运行堆栈空间的合理分配</a:t>
-            </a:r>
+              <a:rPr lang="zh-CN" altLang="en-US" sz="1600" dirty="0" smtClean="0"/>
+              <a:t>一、问答式应用服务</a:t>
+            </a:r>
+            <a:endParaRPr lang="en-US" altLang="zh-CN" sz="1600" dirty="0" smtClean="0"/>
+          </a:p>
+          <a:p>
+            <a:r>
+              <a:rPr lang="zh-CN" altLang="en-US" sz="1400" dirty="0" smtClean="0"/>
+              <a:t>基于 </a:t>
+            </a:r>
+            <a:r>
+              <a:rPr lang="en-US" altLang="zh-CN" sz="1400" dirty="0" smtClean="0"/>
+              <a:t>HTTP </a:t>
+            </a:r>
+            <a:r>
+              <a:rPr lang="zh-CN" altLang="en-US" sz="1400" dirty="0" smtClean="0"/>
+              <a:t>协议的服务应用，诸如：网站</a:t>
+            </a:r>
+            <a:endParaRPr lang="en-US" altLang="zh-CN" sz="1400" dirty="0" smtClean="0"/>
+          </a:p>
+          <a:p>
+            <a:r>
+              <a:rPr lang="zh-CN" altLang="en-US" sz="1400" dirty="0" smtClean="0"/>
+              <a:t>基于 </a:t>
+            </a:r>
+            <a:r>
+              <a:rPr lang="en-US" altLang="zh-CN" sz="1400" dirty="0" smtClean="0"/>
+              <a:t>SMTP/POP3/IMAP </a:t>
+            </a:r>
+            <a:r>
+              <a:rPr lang="zh-CN" altLang="en-US" sz="1400" dirty="0" smtClean="0"/>
+              <a:t>协议的服务应用</a:t>
+            </a:r>
+            <a:endParaRPr lang="en-US" altLang="zh-CN" sz="1400" dirty="0" smtClean="0"/>
+          </a:p>
+          <a:p>
+            <a:endParaRPr lang="en-US" altLang="zh-CN" sz="1400" dirty="0" smtClean="0"/>
+          </a:p>
+          <a:p>
+            <a:r>
+              <a:rPr lang="zh-CN" altLang="en-US" sz="1600" dirty="0" smtClean="0"/>
+              <a:t>二、生产者 </a:t>
+            </a:r>
+            <a:r>
+              <a:rPr lang="en-US" altLang="zh-CN" sz="1600" dirty="0" smtClean="0"/>
+              <a:t>– </a:t>
+            </a:r>
+            <a:r>
+              <a:rPr lang="zh-CN" altLang="en-US" sz="1600" dirty="0" smtClean="0"/>
+              <a:t>消费者类应用服务</a:t>
+            </a:r>
+            <a:endParaRPr lang="en-US" altLang="zh-CN" sz="1600" dirty="0" smtClean="0"/>
+          </a:p>
+          <a:p>
+            <a:r>
+              <a:rPr lang="zh-CN" altLang="en-US" sz="1400" dirty="0" smtClean="0"/>
+              <a:t>如消息队列类应用</a:t>
+            </a:r>
+            <a:endParaRPr lang="en-US" altLang="zh-CN" sz="1400" dirty="0" smtClean="0"/>
+          </a:p>
+          <a:p>
+            <a:endParaRPr lang="en-US" altLang="zh-CN" sz="1400" dirty="0" smtClean="0"/>
+          </a:p>
+          <a:p>
+            <a:r>
+              <a:rPr lang="zh-CN" altLang="en-US" sz="1600" dirty="0"/>
+              <a:t>三</a:t>
+            </a:r>
+            <a:r>
+              <a:rPr lang="zh-CN" altLang="en-US" sz="1600" dirty="0" smtClean="0"/>
+              <a:t>、</a:t>
+            </a:r>
+            <a:r>
+              <a:rPr lang="en-US" altLang="zh-CN" sz="1600" dirty="0" smtClean="0"/>
+              <a:t>reactor </a:t>
+            </a:r>
+            <a:r>
+              <a:rPr lang="zh-CN" altLang="en-US" sz="1600" dirty="0" smtClean="0"/>
+              <a:t>和 </a:t>
+            </a:r>
+            <a:r>
+              <a:rPr lang="en-US" altLang="zh-CN" sz="1600" dirty="0" err="1" smtClean="0"/>
+              <a:t>proactor</a:t>
+            </a:r>
+            <a:r>
+              <a:rPr lang="en-US" altLang="zh-CN" sz="1600" dirty="0" smtClean="0"/>
+              <a:t> </a:t>
+            </a:r>
+            <a:r>
+              <a:rPr lang="zh-CN" altLang="en-US" sz="1600" dirty="0" smtClean="0"/>
+              <a:t>两种模式的结合</a:t>
+            </a:r>
+            <a:endParaRPr lang="en-US" altLang="zh-CN" sz="1600" dirty="0" smtClean="0"/>
+          </a:p>
+          <a:p>
+            <a:r>
+              <a:rPr lang="zh-CN" altLang="en-US" sz="1400" dirty="0" smtClean="0"/>
+              <a:t>统一的事件引擎监控所有的网络连接，有一个连接就绪时创建协程独立处理</a:t>
+            </a:r>
+            <a:endParaRPr lang="en-US" altLang="zh-CN" sz="1400" dirty="0" smtClean="0"/>
+          </a:p>
+          <a:p>
+            <a:r>
+              <a:rPr lang="zh-CN" altLang="en-US" sz="1400" dirty="0" smtClean="0"/>
+              <a:t>此类应用如聊天服务、游戏服务等无状态的应用服务</a:t>
+            </a:r>
+            <a:endParaRPr lang="en-US" altLang="zh-CN" sz="1400" dirty="0" smtClean="0"/>
+          </a:p>
+          <a:p>
+            <a:endParaRPr lang="en-US" altLang="zh-CN" sz="1400" dirty="0" smtClean="0"/>
+          </a:p>
+          <a:p>
+            <a:r>
+              <a:rPr lang="zh-CN" altLang="en-US" sz="1600" dirty="0"/>
+              <a:t>四</a:t>
+            </a:r>
+            <a:r>
+              <a:rPr lang="zh-CN" altLang="en-US" sz="1600" dirty="0" smtClean="0"/>
+              <a:t>、大并发类应用服务</a:t>
+            </a:r>
+            <a:endParaRPr lang="en-US" altLang="zh-CN" sz="1600" dirty="0" smtClean="0"/>
+          </a:p>
+          <a:p>
+            <a:r>
+              <a:rPr lang="zh-CN" altLang="en-US" sz="1400" dirty="0" smtClean="0"/>
+              <a:t>因为通过协程方式，将上层应用的堵塞式在底层转为非阻塞模式，所以非常容易以较低资源支持大并发类应用</a:t>
+            </a:r>
+            <a:endParaRPr lang="en-US" altLang="zh-CN" sz="1400" dirty="0" smtClean="0"/>
+          </a:p>
+          <a:p>
+            <a:r>
+              <a:rPr lang="zh-CN" altLang="en-US" sz="1400" dirty="0" smtClean="0"/>
+              <a:t>如内网的多数应用服务为提高效率都支持连接池模式，需要服务端支持非常大的并发</a:t>
+            </a:r>
+            <a:endParaRPr lang="en-US" altLang="zh-CN" sz="1400" dirty="0" smtClean="0"/>
+          </a:p>
+          <a:p>
+            <a:endParaRPr lang="en-US" altLang="zh-CN" sz="1400" dirty="0" smtClean="0"/>
+          </a:p>
+          <a:p>
+            <a:r>
+              <a:rPr lang="zh-CN" altLang="en-US" sz="1600" dirty="0"/>
+              <a:t>五</a:t>
+            </a:r>
+            <a:r>
+              <a:rPr lang="zh-CN" altLang="en-US" sz="1600" dirty="0" smtClean="0"/>
+              <a:t>、网络限流</a:t>
+            </a:r>
+            <a:endParaRPr lang="en-US" altLang="zh-CN" sz="1600" dirty="0" smtClean="0"/>
+          </a:p>
+          <a:p>
+            <a:r>
+              <a:rPr lang="zh-CN" altLang="en-US" sz="1400" dirty="0" smtClean="0"/>
+              <a:t>在协程中可以直接 </a:t>
+            </a:r>
+            <a:r>
+              <a:rPr lang="en-US" altLang="zh-CN" sz="1400" dirty="0" smtClean="0"/>
+              <a:t>sleep</a:t>
+            </a:r>
+            <a:r>
+              <a:rPr lang="zh-CN" altLang="en-US" sz="1400" dirty="0" smtClean="0"/>
+              <a:t>，非常容易控制网络流量</a:t>
+            </a:r>
+            <a:endParaRPr lang="en-US" altLang="zh-CN" sz="1400" dirty="0" smtClean="0"/>
+          </a:p>
+          <a:p>
+            <a:endParaRPr lang="en-US" altLang="zh-CN" sz="1600" dirty="0" smtClean="0"/>
+          </a:p>
+          <a:p>
             <a:endParaRPr lang="en-US" altLang="zh-CN" dirty="0" smtClean="0"/>
           </a:p>
           <a:p>
-            <a:r>
-              <a:rPr lang="zh-CN" altLang="en-US" sz="1600" dirty="0" smtClean="0"/>
-              <a:t>每个协程都需要分配一定的内存空间用于上下文的切换，如果分配大了则会造成内存浪费，分配小了可能造成意外不可恢复的崩溃</a:t>
-            </a:r>
-            <a:endParaRPr lang="en-US" altLang="zh-CN" sz="1600" dirty="0" smtClean="0"/>
-          </a:p>
-          <a:p>
-            <a:r>
-              <a:rPr lang="zh-CN" altLang="en-US" sz="1600" dirty="0" smtClean="0"/>
-              <a:t>一般情况下，每个协程分配</a:t>
-            </a:r>
-            <a:r>
-              <a:rPr lang="en-US" altLang="zh-CN" sz="1600" dirty="0" smtClean="0"/>
-              <a:t>32KB ~ 320KB</a:t>
-            </a:r>
-          </a:p>
-          <a:p>
-            <a:endParaRPr lang="en-US" altLang="zh-CN" sz="1600" dirty="0" smtClean="0"/>
-          </a:p>
-          <a:p>
-            <a:r>
-              <a:rPr lang="zh-CN" altLang="en-US" dirty="0" smtClean="0"/>
-              <a:t>二、协程间需要协作，防止有的忙死，有的饿死</a:t>
-            </a:r>
-            <a:endParaRPr lang="en-US" altLang="zh-CN" dirty="0" smtClean="0"/>
-          </a:p>
-          <a:p>
-            <a:r>
-              <a:rPr lang="zh-CN" altLang="en-US" sz="1600" dirty="0" smtClean="0"/>
-              <a:t>当协程长期占用 </a:t>
-            </a:r>
-            <a:r>
-              <a:rPr lang="en-US" altLang="zh-CN" sz="1600" dirty="0" smtClean="0"/>
-              <a:t>CPU </a:t>
-            </a:r>
-            <a:r>
-              <a:rPr lang="zh-CN" altLang="en-US" sz="1600" dirty="0" smtClean="0"/>
-              <a:t>时，应该主动 </a:t>
-            </a:r>
-            <a:r>
-              <a:rPr lang="en-US" altLang="zh-CN" sz="1600" dirty="0" smtClean="0"/>
-              <a:t>yield </a:t>
-            </a:r>
-            <a:r>
-              <a:rPr lang="zh-CN" altLang="en-US" sz="1600" dirty="0" smtClean="0"/>
-              <a:t>让出 </a:t>
-            </a:r>
-            <a:r>
-              <a:rPr lang="en-US" altLang="zh-CN" sz="1600" dirty="0" smtClean="0"/>
-              <a:t>CPU</a:t>
-            </a:r>
-          </a:p>
-          <a:p>
-            <a:endParaRPr lang="en-US" altLang="zh-CN" dirty="0"/>
-          </a:p>
-          <a:p>
-            <a:r>
-              <a:rPr lang="zh-CN" altLang="en-US" dirty="0" smtClean="0"/>
-              <a:t>三、协程内防止有堵塞式操作，以防堵塞当前线程中的所有协程</a:t>
-            </a:r>
-            <a:endParaRPr lang="en-US" altLang="zh-CN" dirty="0" smtClean="0"/>
-          </a:p>
-          <a:p>
-            <a:r>
-              <a:rPr lang="zh-CN" altLang="en-US" sz="1600" dirty="0" smtClean="0"/>
-              <a:t>应通过对业务逻辑模块进行分类，确定不同的协程工作方式，使堵塞操作放在线程池中运行</a:t>
-            </a:r>
-            <a:endParaRPr lang="zh-CN" altLang="en-US" sz="1600" dirty="0"/>
+            <a:endParaRPr lang="zh-CN" altLang="en-US" dirty="0"/>
           </a:p>
         </p:txBody>
       </p:sp>
     </p:spTree>
     <p:extLst>
       <p:ext uri="{BB962C8B-B14F-4D97-AF65-F5344CB8AC3E}">
-        <p14:creationId xmlns:p14="http://schemas.microsoft.com/office/powerpoint/2010/main" val="3977930256"/>
+        <p14:creationId xmlns:p14="http://schemas.microsoft.com/office/powerpoint/2010/main" val="1080140722"/>
       </p:ext>
     </p:extLst>
   </p:cSld>
@@ -22325,7 +24348,7 @@
           <a:p>
             <a:r>
               <a:rPr lang="zh-CN" altLang="en-US" dirty="0" smtClean="0"/>
-              <a:t>参考与下载</a:t>
+              <a:t>注意事项</a:t>
             </a:r>
             <a:endParaRPr lang="zh-CN" altLang="en-US" dirty="0"/>
           </a:p>
@@ -22348,55 +24371,99 @@
           <a:p>
             <a:r>
               <a:rPr lang="zh-CN" altLang="en-US" dirty="0" smtClean="0"/>
-              <a:t>国内下载：</a:t>
-            </a:r>
-            <a:r>
-              <a:rPr lang="en-US" altLang="zh-CN" dirty="0"/>
-              <a:t>http://</a:t>
-            </a:r>
-            <a:r>
-              <a:rPr lang="en-US" altLang="zh-CN" dirty="0" smtClean="0"/>
-              <a:t>git.oschina.net/zsxxsz/acl/lib_fiber/</a:t>
-            </a:r>
+              <a:t>一、协程运行堆栈空间的合理分配</a:t>
+            </a:r>
+            <a:endParaRPr lang="en-US" altLang="zh-CN" dirty="0" smtClean="0"/>
+          </a:p>
+          <a:p>
+            <a:r>
+              <a:rPr lang="zh-CN" altLang="en-US" sz="1600" dirty="0" smtClean="0"/>
+              <a:t>每个协程都需要分配一定的内存空间用于上下文的切换，如果分配大了则会造成内存浪费，分配小了可能造成意外不可恢复的崩溃</a:t>
+            </a:r>
+            <a:endParaRPr lang="en-US" altLang="zh-CN" sz="1600" dirty="0" smtClean="0"/>
+          </a:p>
+          <a:p>
+            <a:r>
+              <a:rPr lang="zh-CN" altLang="en-US" sz="1600" dirty="0" smtClean="0"/>
+              <a:t>一般情况下，每个协程分配</a:t>
+            </a:r>
+            <a:r>
+              <a:rPr lang="en-US" altLang="zh-CN" sz="1600" dirty="0" smtClean="0"/>
+              <a:t>32KB ~ 320KB</a:t>
+            </a:r>
+          </a:p>
+          <a:p>
+            <a:endParaRPr lang="en-US" altLang="zh-CN" sz="1600" dirty="0" smtClean="0"/>
           </a:p>
           <a:p>
             <a:r>
               <a:rPr lang="zh-CN" altLang="en-US" dirty="0" smtClean="0"/>
-              <a:t>国外下载：</a:t>
-            </a:r>
-            <a:r>
-              <a:rPr lang="en-US" altLang="zh-CN" dirty="0"/>
-              <a:t>https://</a:t>
-            </a:r>
-            <a:r>
-              <a:rPr lang="en-US" altLang="zh-CN" dirty="0" smtClean="0"/>
-              <a:t>github.com/zhengshuxin/acl/lib_fiber/</a:t>
-            </a:r>
+              <a:t>二、协程间需要协作，防止有的忙死，有的饿死</a:t>
+            </a:r>
+            <a:endParaRPr lang="en-US" altLang="zh-CN" dirty="0" smtClean="0"/>
+          </a:p>
+          <a:p>
+            <a:r>
+              <a:rPr lang="zh-CN" altLang="en-US" sz="1600" dirty="0" smtClean="0"/>
+              <a:t>当协程长期占用 </a:t>
+            </a:r>
+            <a:r>
+              <a:rPr lang="en-US" altLang="zh-CN" sz="1600" dirty="0" smtClean="0"/>
+              <a:t>CPU </a:t>
+            </a:r>
+            <a:r>
+              <a:rPr lang="zh-CN" altLang="en-US" sz="1600" dirty="0" smtClean="0"/>
+              <a:t>时，应该主动 </a:t>
+            </a:r>
+            <a:r>
+              <a:rPr lang="en-US" altLang="zh-CN" sz="1600" dirty="0" smtClean="0"/>
+              <a:t>yield </a:t>
+            </a:r>
+            <a:r>
+              <a:rPr lang="zh-CN" altLang="en-US" sz="1600" dirty="0" smtClean="0"/>
+              <a:t>让出 </a:t>
+            </a:r>
+            <a:r>
+              <a:rPr lang="en-US" altLang="zh-CN" sz="1600" dirty="0" smtClean="0"/>
+              <a:t>CPU</a:t>
+            </a:r>
+          </a:p>
+          <a:p>
             <a:endParaRPr lang="en-US" altLang="zh-CN" dirty="0"/>
           </a:p>
           <a:p>
             <a:r>
               <a:rPr lang="zh-CN" altLang="en-US" dirty="0" smtClean="0"/>
-              <a:t>博客文章：</a:t>
-            </a:r>
-            <a:r>
-              <a:rPr lang="en-US" altLang="zh-CN" dirty="0"/>
-              <a:t>http://zsxxsz.iteye.com/category/360229</a:t>
-            </a:r>
-            <a:endParaRPr lang="zh-CN" altLang="en-US" dirty="0"/>
+              <a:t>三、协程内防止有堵塞式操作，以防堵塞当前线程中的所有协程</a:t>
+            </a:r>
+            <a:endParaRPr lang="en-US" altLang="zh-CN" dirty="0" smtClean="0"/>
+          </a:p>
+          <a:p>
+            <a:r>
+              <a:rPr lang="zh-CN" altLang="en-US" sz="1600" dirty="0" smtClean="0"/>
+              <a:t>应通过对业务逻辑模块进行分类，确定不同的协程工作方式，使堵塞操作放在线程池中运行</a:t>
+            </a:r>
+            <a:endParaRPr lang="zh-CN" altLang="en-US" sz="1600" dirty="0"/>
           </a:p>
         </p:txBody>
       </p:sp>
     </p:spTree>
     <p:extLst>
       <p:ext uri="{BB962C8B-B14F-4D97-AF65-F5344CB8AC3E}">
-        <p14:creationId xmlns:p14="http://schemas.microsoft.com/office/powerpoint/2010/main" val="1045580559"/>
+        <p14:creationId xmlns:p14="http://schemas.microsoft.com/office/powerpoint/2010/main" val="3977930256"/>
       </p:ext>
     </p:extLst>
   </p:cSld>
   <p:clrMapOvr>
     <a:masterClrMapping/>
   </p:clrMapOvr>
+  <p:timing>
+    <p:tnLst>
+      <p:par>
+        <p:cTn id="1" dur="indefinite" restart="never" nodeType="tmRoot"/>
+      </p:par>
+    </p:tnLst>
+  </p:timing>
 </p:sld>
 </file>
 
@@ -22417,7 +24484,91 @@
           <a:chExt cx="0" cy="0"/>
         </a:xfrm>
       </p:grpSpPr>
+      <p:sp>
+        <p:nvSpPr>
+          <p:cNvPr id="2" name="标题 1"/>
+          <p:cNvSpPr>
+            <a:spLocks noGrp="1"/>
+          </p:cNvSpPr>
+          <p:nvPr>
+            <p:ph type="title"/>
+          </p:nvPr>
+        </p:nvSpPr>
+        <p:spPr/>
+        <p:txBody>
+          <a:bodyPr/>
+          <a:lstStyle/>
+          <a:p>
+            <a:r>
+              <a:rPr lang="zh-CN" altLang="en-US" dirty="0" smtClean="0"/>
+              <a:t>参考与下载</a:t>
+            </a:r>
+            <a:endParaRPr lang="zh-CN" altLang="en-US" dirty="0"/>
+          </a:p>
+        </p:txBody>
+      </p:sp>
+      <p:sp>
+        <p:nvSpPr>
+          <p:cNvPr id="3" name="内容占位符 2"/>
+          <p:cNvSpPr>
+            <a:spLocks noGrp="1"/>
+          </p:cNvSpPr>
+          <p:nvPr>
+            <p:ph idx="1"/>
+          </p:nvPr>
+        </p:nvSpPr>
+        <p:spPr/>
+        <p:txBody>
+          <a:bodyPr/>
+          <a:lstStyle/>
+          <a:p>
+            <a:r>
+              <a:rPr lang="zh-CN" altLang="en-US" dirty="0" smtClean="0"/>
+              <a:t>国内下载：</a:t>
+            </a:r>
+            <a:r>
+              <a:rPr lang="en-US" altLang="zh-CN" dirty="0"/>
+              <a:t>http://</a:t>
+            </a:r>
+            <a:r>
+              <a:rPr lang="en-US" altLang="zh-CN" dirty="0" smtClean="0"/>
+              <a:t>git.oschina.net/zsxxsz/acl/lib_fiber/</a:t>
+            </a:r>
+          </a:p>
+          <a:p>
+            <a:r>
+              <a:rPr lang="zh-CN" altLang="en-US" dirty="0" smtClean="0"/>
+              <a:t>国外下载：</a:t>
+            </a:r>
+            <a:r>
+              <a:rPr lang="en-US" altLang="zh-CN" dirty="0"/>
+              <a:t>https://</a:t>
+            </a:r>
+            <a:r>
+              <a:rPr lang="en-US" altLang="zh-CN" dirty="0" smtClean="0"/>
+              <a:t>github.com/zhengshuxin/acl/lib_fiber/</a:t>
+            </a:r>
+            <a:endParaRPr lang="en-US" altLang="zh-CN" dirty="0"/>
+          </a:p>
+          <a:p>
+            <a:r>
+              <a:rPr lang="zh-CN" altLang="en-US" dirty="0" smtClean="0"/>
+              <a:t>博客文章：</a:t>
+            </a:r>
+            <a:r>
+              <a:rPr lang="en-US" altLang="zh-CN" dirty="0"/>
+              <a:t>http://zsxxsz.iteye.com/category/360229</a:t>
+            </a:r>
+            <a:endParaRPr lang="zh-CN" altLang="en-US" dirty="0"/>
+          </a:p>
+        </p:txBody>
+      </p:sp>
     </p:spTree>
+    <p:extLst>
+      <p:ext uri="{BB962C8B-B14F-4D97-AF65-F5344CB8AC3E}">
+        <p14:creationId xmlns:p14="http://schemas.microsoft.com/office/powerpoint/2010/main" val="1045580559"/>
+      </p:ext>
+    </p:extLst>
   </p:cSld>
   <p:clrMapOvr>
     <a:masterClrMapping/>
@@ -22712,6 +24863,38 @@
         <p14:creationId xmlns:p14="http://schemas.microsoft.com/office/powerpoint/2010/main" val="3517932782"/>
       </p:ext>
     </p:extLst>
+  </p:cSld>
+  <p:clrMapOvr>
+    <a:masterClrMapping/>
+  </p:clrMapOvr>
+  <p:timing>
+    <p:tnLst>
+      <p:par>
+        <p:cTn id="1" dur="indefinite" restart="never" nodeType="tmRoot"/>
+      </p:par>
+    </p:tnLst>
+  </p:timing>
+</p:sld>
+</file>
+
+<file path=ppt/slides/slide30.xml><?xml version="1.0" encoding="utf-8"?>
+<p:sld xmlns:a="http://schemas.openxmlformats.org/drawingml/2006/main" xmlns:r="http://schemas.openxmlformats.org/officeDocument/2006/relationships" xmlns:p="http://schemas.openxmlformats.org/presentationml/2006/main">
+  <p:cSld>
+    <p:spTree>
+      <p:nvGrpSpPr>
+        <p:cNvPr id="1" name=""/>
+        <p:cNvGrpSpPr/>
+        <p:nvPr/>
+      </p:nvGrpSpPr>
+      <p:grpSpPr>
+        <a:xfrm>
+          <a:off x="0" y="0"/>
+          <a:ext cx="0" cy="0"/>
+          <a:chOff x="0" y="0"/>
+          <a:chExt cx="0" cy="0"/>
+        </a:xfrm>
+      </p:grpSpPr>
+    </p:spTree>
   </p:cSld>
   <p:clrMapOvr>
     <a:masterClrMapping/>

--- a/doc/acl_fiber.pptx
+++ b/doc/acl_fiber.pptx
@@ -26,14 +26,14 @@
     <p:sldId id="365" r:id="rId17"/>
     <p:sldId id="374" r:id="rId18"/>
     <p:sldId id="367" r:id="rId19"/>
-    <p:sldId id="368" r:id="rId20"/>
-    <p:sldId id="370" r:id="rId21"/>
-    <p:sldId id="369" r:id="rId22"/>
-    <p:sldId id="364" r:id="rId23"/>
-    <p:sldId id="371" r:id="rId24"/>
-    <p:sldId id="354" r:id="rId25"/>
-    <p:sldId id="373" r:id="rId26"/>
-    <p:sldId id="377" r:id="rId27"/>
+    <p:sldId id="377" r:id="rId20"/>
+    <p:sldId id="368" r:id="rId21"/>
+    <p:sldId id="370" r:id="rId22"/>
+    <p:sldId id="369" r:id="rId23"/>
+    <p:sldId id="364" r:id="rId24"/>
+    <p:sldId id="371" r:id="rId25"/>
+    <p:sldId id="354" r:id="rId26"/>
+    <p:sldId id="373" r:id="rId27"/>
     <p:sldId id="336" r:id="rId28"/>
     <p:sldId id="350" r:id="rId29"/>
     <p:sldId id="376" r:id="rId30"/>
@@ -18708,17 +18708,21 @@
           <a:p>
             <a:r>
               <a:rPr lang="zh-CN" altLang="en-US" dirty="0" smtClean="0"/>
-              <a:t>协程间通信 </a:t>
+              <a:t>协程与 </a:t>
+            </a:r>
+            <a:r>
+              <a:rPr lang="en-US" altLang="zh-CN" dirty="0" err="1" smtClean="0"/>
+              <a:t>acl_master</a:t>
             </a:r>
             <a:r>
               <a:rPr lang="en-US" altLang="zh-CN" dirty="0" smtClean="0"/>
-              <a:t>--- </a:t>
-            </a:r>
-            <a:r>
-              <a:rPr lang="zh-CN" altLang="en-US" sz="2000" dirty="0" smtClean="0"/>
-              <a:t>设计要点</a:t>
-            </a:r>
-            <a:endParaRPr lang="zh-CN" altLang="en-US" sz="2000" dirty="0"/>
+              <a:t> </a:t>
+            </a:r>
+            <a:r>
+              <a:rPr lang="zh-CN" altLang="en-US" dirty="0" smtClean="0"/>
+              <a:t>服务框架集成</a:t>
+            </a:r>
+            <a:endParaRPr lang="zh-CN" altLang="en-US" dirty="0"/>
           </a:p>
         </p:txBody>
       </p:sp>
@@ -18732,17 +18736,17 @@
             <p:ph idx="1"/>
           </p:nvPr>
         </p:nvSpPr>
-        <p:spPr/>
+        <p:spPr>
+          <a:xfrm>
+            <a:off x="457201" y="4882199"/>
+            <a:ext cx="8229600" cy="1461539"/>
+          </a:xfrm>
+        </p:spPr>
         <p:txBody>
-          <a:bodyPr/>
+          <a:bodyPr>
+            <a:normAutofit lnSpcReduction="10000"/>
+          </a:bodyPr>
           <a:lstStyle/>
-          <a:p>
-            <a:r>
-              <a:rPr lang="zh-CN" altLang="en-US" dirty="0" smtClean="0"/>
-              <a:t>协程间为什么需要通信？</a:t>
-            </a:r>
-            <a:endParaRPr lang="en-US" altLang="zh-CN" dirty="0" smtClean="0"/>
-          </a:p>
           <a:p>
             <a:r>
               <a:rPr lang="en-US" altLang="zh-CN" sz="1600" dirty="0" smtClean="0"/>
@@ -18750,7 +18754,23 @@
             </a:r>
             <a:r>
               <a:rPr lang="zh-CN" altLang="en-US" sz="1600" dirty="0" smtClean="0"/>
-              <a:t>、业务逻辑的模块化</a:t>
+              <a:t>、</a:t>
+            </a:r>
+            <a:r>
+              <a:rPr lang="en-US" altLang="zh-CN" sz="1600" dirty="0" smtClean="0"/>
+              <a:t>TCP</a:t>
+            </a:r>
+            <a:r>
+              <a:rPr lang="zh-CN" altLang="en-US" sz="1600" dirty="0" smtClean="0"/>
+              <a:t>连接派发器与协程进程间采用</a:t>
+            </a:r>
+            <a:r>
+              <a:rPr lang="en-US" altLang="zh-CN" sz="1600" dirty="0" smtClean="0"/>
+              <a:t>UNIX</a:t>
+            </a:r>
+            <a:r>
+              <a:rPr lang="zh-CN" altLang="en-US" sz="1600" dirty="0" smtClean="0"/>
+              <a:t>域套接口连接</a:t>
             </a:r>
             <a:endParaRPr lang="en-US" altLang="zh-CN" sz="1600" dirty="0" smtClean="0"/>
           </a:p>
@@ -18761,7 +18781,23 @@
             </a:r>
             <a:r>
               <a:rPr lang="zh-CN" altLang="en-US" sz="1600" dirty="0" smtClean="0"/>
-              <a:t>、业务模块的分层设计</a:t>
+              <a:t>、客户端连接</a:t>
+            </a:r>
+            <a:r>
+              <a:rPr lang="en-US" altLang="zh-CN" sz="1600" dirty="0" smtClean="0"/>
+              <a:t>TCP</a:t>
+            </a:r>
+            <a:r>
+              <a:rPr lang="zh-CN" altLang="en-US" sz="1600" dirty="0" smtClean="0"/>
+              <a:t>连接派发器，派发器将“连接”通过</a:t>
+            </a:r>
+            <a:r>
+              <a:rPr lang="en-US" altLang="zh-CN" sz="1600" dirty="0" smtClean="0"/>
+              <a:t>UNIX</a:t>
+            </a:r>
+            <a:r>
+              <a:rPr lang="zh-CN" altLang="en-US" sz="1600" dirty="0" smtClean="0"/>
+              <a:t>域套接口传递给协程进程</a:t>
             </a:r>
             <a:endParaRPr lang="en-US" altLang="zh-CN" sz="1600" dirty="0" smtClean="0"/>
           </a:p>
@@ -18772,101 +18808,1366 @@
             </a:r>
             <a:r>
               <a:rPr lang="zh-CN" altLang="en-US" sz="1600" dirty="0" smtClean="0"/>
-              <a:t>、团队开发的协作性</a:t>
+              <a:t>、</a:t>
+            </a:r>
+            <a:r>
+              <a:rPr lang="en-US" altLang="zh-CN" sz="1600" dirty="0" err="1" smtClean="0"/>
+              <a:t>acl_master</a:t>
+            </a:r>
+            <a:r>
+              <a:rPr lang="en-US" altLang="zh-CN" sz="1600" dirty="0" smtClean="0"/>
+              <a:t> </a:t>
+            </a:r>
+            <a:r>
+              <a:rPr lang="zh-CN" altLang="en-US" sz="1600" dirty="0" smtClean="0"/>
+              <a:t>管理</a:t>
+            </a:r>
+            <a:r>
+              <a:rPr lang="en-US" altLang="zh-CN" sz="1600" dirty="0" smtClean="0"/>
+              <a:t>TCP</a:t>
+            </a:r>
+            <a:r>
+              <a:rPr lang="zh-CN" altLang="en-US" sz="1600" dirty="0" smtClean="0"/>
+              <a:t>连接派发器、协程进程池</a:t>
             </a:r>
             <a:endParaRPr lang="en-US" altLang="zh-CN" sz="1600" dirty="0" smtClean="0"/>
           </a:p>
           <a:p>
-            <a:endParaRPr lang="en-US" altLang="zh-CN" dirty="0"/>
-          </a:p>
-          <a:p>
-            <a:r>
-              <a:rPr lang="zh-CN" altLang="en-US" dirty="0" smtClean="0"/>
-              <a:t>协程间“通信”的本质：</a:t>
-            </a:r>
-            <a:endParaRPr lang="en-US" altLang="zh-CN" dirty="0" smtClean="0"/>
-          </a:p>
-          <a:p>
-            <a:r>
-              <a:rPr lang="en-US" altLang="zh-CN" sz="1600" dirty="0" smtClean="0"/>
-              <a:t>- </a:t>
-            </a:r>
-            <a:r>
-              <a:rPr lang="zh-CN" altLang="en-US" sz="1600" dirty="0" smtClean="0"/>
-              <a:t>协程间数据的传递通过协程上下文的切换，本质上是协程间的数据交换</a:t>
-            </a:r>
-            <a:endParaRPr lang="en-US" altLang="zh-CN" sz="1600" dirty="0" smtClean="0"/>
-          </a:p>
-          <a:p>
-            <a:endParaRPr lang="en-US" altLang="zh-CN" dirty="0"/>
-          </a:p>
-          <a:p>
-            <a:r>
-              <a:rPr lang="zh-CN" altLang="en-US" dirty="0" smtClean="0"/>
-              <a:t>协程间“通信”的成本：</a:t>
-            </a:r>
-            <a:endParaRPr lang="en-US" altLang="zh-CN" dirty="0" smtClean="0"/>
-          </a:p>
-          <a:p>
-            <a:r>
-              <a:rPr lang="en-US" altLang="zh-CN" sz="1600" dirty="0" smtClean="0"/>
-              <a:t>1</a:t>
-            </a:r>
-            <a:r>
-              <a:rPr lang="zh-CN" altLang="en-US" sz="1600" dirty="0" smtClean="0"/>
-              <a:t>、协程上下文切换</a:t>
-            </a:r>
-            <a:endParaRPr lang="en-US" altLang="zh-CN" sz="1600" dirty="0" smtClean="0"/>
-          </a:p>
-          <a:p>
-            <a:r>
-              <a:rPr lang="en-US" altLang="zh-CN" sz="1600" dirty="0" smtClean="0"/>
-              <a:t>2</a:t>
-            </a:r>
-            <a:r>
-              <a:rPr lang="zh-CN" altLang="en-US" sz="1600" dirty="0" smtClean="0"/>
-              <a:t>、内存分配、释放</a:t>
-            </a:r>
-            <a:endParaRPr lang="en-US" altLang="zh-CN" sz="1600" dirty="0" smtClean="0"/>
-          </a:p>
-          <a:p>
-            <a:r>
-              <a:rPr lang="en-US" altLang="zh-CN" sz="1600" dirty="0" smtClean="0"/>
-              <a:t>3</a:t>
-            </a:r>
-            <a:r>
-              <a:rPr lang="zh-CN" altLang="en-US" sz="1600" dirty="0" smtClean="0"/>
-              <a:t>、数据拷贝</a:t>
-            </a:r>
-            <a:endParaRPr lang="en-US" altLang="zh-CN" sz="1600" dirty="0" smtClean="0"/>
-          </a:p>
-          <a:p>
-            <a:endParaRPr lang="en-US" altLang="zh-CN" dirty="0" smtClean="0"/>
-          </a:p>
-          <a:p>
-            <a:r>
-              <a:rPr lang="zh-CN" altLang="en-US" dirty="0" smtClean="0"/>
-              <a:t>协程间“通信”方式：</a:t>
-            </a:r>
-            <a:endParaRPr lang="en-US" altLang="zh-CN" dirty="0" smtClean="0"/>
-          </a:p>
-          <a:p>
-            <a:r>
-              <a:rPr lang="en-US" altLang="zh-CN" dirty="0" smtClean="0"/>
-              <a:t>- </a:t>
-            </a:r>
-            <a:r>
-              <a:rPr lang="zh-CN" altLang="en-US" sz="1600" dirty="0" smtClean="0"/>
-              <a:t>支持多对多数据交互</a:t>
-            </a:r>
-            <a:endParaRPr lang="zh-CN" altLang="en-US" sz="1600" dirty="0"/>
+            <a:endParaRPr lang="en-US" altLang="zh-CN" sz="1600" dirty="0"/>
+          </a:p>
+          <a:p>
+            <a:r>
+              <a:rPr lang="zh-CN" altLang="en-US" sz="1400" dirty="0" smtClean="0"/>
+              <a:t>关于</a:t>
+            </a:r>
+            <a:r>
+              <a:rPr lang="en-US" altLang="zh-CN" sz="1400" dirty="0" smtClean="0"/>
+              <a:t>TCP</a:t>
+            </a:r>
+            <a:r>
+              <a:rPr lang="zh-CN" altLang="en-US" sz="1400" dirty="0" smtClean="0"/>
+              <a:t>连接派发器，参考：</a:t>
+            </a:r>
+            <a:r>
+              <a:rPr lang="en-US" altLang="zh-CN" sz="1400" dirty="0"/>
+              <a:t>http://zsxxsz.iteye.com/blog/2118752</a:t>
+            </a:r>
+            <a:endParaRPr lang="zh-CN" altLang="en-US" sz="1400" dirty="0"/>
           </a:p>
         </p:txBody>
       </p:sp>
+      <p:sp>
+        <p:nvSpPr>
+          <p:cNvPr id="4" name="圆角矩形 3"/>
+          <p:cNvSpPr/>
+          <p:nvPr/>
+        </p:nvSpPr>
+        <p:spPr>
+          <a:xfrm>
+            <a:off x="4024540" y="4148624"/>
+            <a:ext cx="1368152" cy="360040"/>
+          </a:xfrm>
+          <a:prstGeom prst="roundRect">
+            <a:avLst/>
+          </a:prstGeom>
+          <a:solidFill>
+            <a:srgbClr val="00B050"/>
+          </a:solidFill>
+          <a:ln>
+            <a:noFill/>
+          </a:ln>
+        </p:spPr>
+        <p:style>
+          <a:lnRef idx="2">
+            <a:schemeClr val="accent1">
+              <a:shade val="50000"/>
+            </a:schemeClr>
+          </a:lnRef>
+          <a:fillRef idx="1">
+            <a:schemeClr val="accent1"/>
+          </a:fillRef>
+          <a:effectRef idx="0">
+            <a:schemeClr val="accent1"/>
+          </a:effectRef>
+          <a:fontRef idx="minor">
+            <a:schemeClr val="lt1"/>
+          </a:fontRef>
+        </p:style>
+        <p:txBody>
+          <a:bodyPr rtlCol="0" anchor="ctr"/>
+          <a:lstStyle/>
+          <a:p>
+            <a:pPr algn="ctr"/>
+            <a:r>
+              <a:rPr lang="en-US" altLang="zh-CN" sz="1400" b="1" dirty="0" err="1" smtClean="0">
+                <a:solidFill>
+                  <a:schemeClr val="tx1"/>
+                </a:solidFill>
+              </a:rPr>
+              <a:t>acl_master</a:t>
+            </a:r>
+            <a:endParaRPr lang="zh-CN" altLang="en-US" sz="1400" b="1" dirty="0">
+              <a:solidFill>
+                <a:schemeClr val="tx1"/>
+              </a:solidFill>
+            </a:endParaRPr>
+          </a:p>
+        </p:txBody>
+      </p:sp>
+      <p:sp>
+        <p:nvSpPr>
+          <p:cNvPr id="5" name="圆角矩形 4"/>
+          <p:cNvSpPr/>
+          <p:nvPr/>
+        </p:nvSpPr>
+        <p:spPr>
+          <a:xfrm>
+            <a:off x="3923928" y="1452977"/>
+            <a:ext cx="1368152" cy="360040"/>
+          </a:xfrm>
+          <a:prstGeom prst="roundRect">
+            <a:avLst/>
+          </a:prstGeom>
+          <a:solidFill>
+            <a:srgbClr val="FFFF00"/>
+          </a:solidFill>
+          <a:ln>
+            <a:noFill/>
+          </a:ln>
+        </p:spPr>
+        <p:style>
+          <a:lnRef idx="2">
+            <a:schemeClr val="accent1">
+              <a:shade val="50000"/>
+            </a:schemeClr>
+          </a:lnRef>
+          <a:fillRef idx="1">
+            <a:schemeClr val="accent1"/>
+          </a:fillRef>
+          <a:effectRef idx="0">
+            <a:schemeClr val="accent1"/>
+          </a:effectRef>
+          <a:fontRef idx="minor">
+            <a:schemeClr val="lt1"/>
+          </a:fontRef>
+        </p:style>
+        <p:txBody>
+          <a:bodyPr rtlCol="0" anchor="ctr"/>
+          <a:lstStyle/>
+          <a:p>
+            <a:pPr algn="ctr"/>
+            <a:r>
+              <a:rPr lang="en-US" altLang="zh-CN" sz="1400" b="1" dirty="0" err="1" smtClean="0">
+                <a:solidFill>
+                  <a:schemeClr val="tx1"/>
+                </a:solidFill>
+              </a:rPr>
+              <a:t>Tcp</a:t>
+            </a:r>
+            <a:r>
+              <a:rPr lang="zh-CN" altLang="en-US" sz="1400" b="1" dirty="0" smtClean="0">
+                <a:solidFill>
+                  <a:schemeClr val="tx1"/>
+                </a:solidFill>
+              </a:rPr>
+              <a:t>连接派发器</a:t>
+            </a:r>
+            <a:endParaRPr lang="zh-CN" altLang="en-US" sz="1400" b="1" dirty="0">
+              <a:solidFill>
+                <a:schemeClr val="tx1"/>
+              </a:solidFill>
+            </a:endParaRPr>
+          </a:p>
+        </p:txBody>
+      </p:sp>
+      <p:sp>
+        <p:nvSpPr>
+          <p:cNvPr id="6" name="圆角矩形 5"/>
+          <p:cNvSpPr/>
+          <p:nvPr/>
+        </p:nvSpPr>
+        <p:spPr>
+          <a:xfrm>
+            <a:off x="3923928" y="2930758"/>
+            <a:ext cx="1368152" cy="360040"/>
+          </a:xfrm>
+          <a:prstGeom prst="roundRect">
+            <a:avLst/>
+          </a:prstGeom>
+          <a:solidFill>
+            <a:srgbClr val="0070C0"/>
+          </a:solidFill>
+          <a:ln>
+            <a:noFill/>
+          </a:ln>
+        </p:spPr>
+        <p:style>
+          <a:lnRef idx="2">
+            <a:schemeClr val="accent1">
+              <a:shade val="50000"/>
+            </a:schemeClr>
+          </a:lnRef>
+          <a:fillRef idx="1">
+            <a:schemeClr val="accent1"/>
+          </a:fillRef>
+          <a:effectRef idx="0">
+            <a:schemeClr val="accent1"/>
+          </a:effectRef>
+          <a:fontRef idx="minor">
+            <a:schemeClr val="lt1"/>
+          </a:fontRef>
+        </p:style>
+        <p:txBody>
+          <a:bodyPr rtlCol="0" anchor="ctr"/>
+          <a:lstStyle/>
+          <a:p>
+            <a:pPr algn="ctr"/>
+            <a:r>
+              <a:rPr lang="en-US" altLang="zh-CN" sz="1400" b="1" dirty="0" err="1" smtClean="0">
+                <a:solidFill>
+                  <a:schemeClr val="tx1"/>
+                </a:solidFill>
+              </a:rPr>
+              <a:t>fiber_proc</a:t>
+            </a:r>
+            <a:endParaRPr lang="zh-CN" altLang="en-US" sz="1400" b="1" dirty="0">
+              <a:solidFill>
+                <a:schemeClr val="tx1"/>
+              </a:solidFill>
+            </a:endParaRPr>
+          </a:p>
+        </p:txBody>
+      </p:sp>
+      <p:sp>
+        <p:nvSpPr>
+          <p:cNvPr id="8" name="椭圆 7"/>
+          <p:cNvSpPr/>
+          <p:nvPr/>
+        </p:nvSpPr>
+        <p:spPr>
+          <a:xfrm>
+            <a:off x="1979712" y="1642492"/>
+            <a:ext cx="864096" cy="451037"/>
+          </a:xfrm>
+          <a:prstGeom prst="ellipse">
+            <a:avLst/>
+          </a:prstGeom>
+          <a:solidFill>
+            <a:srgbClr val="92D050"/>
+          </a:solidFill>
+          <a:ln>
+            <a:noFill/>
+          </a:ln>
+        </p:spPr>
+        <p:style>
+          <a:lnRef idx="2">
+            <a:schemeClr val="accent1">
+              <a:shade val="50000"/>
+            </a:schemeClr>
+          </a:lnRef>
+          <a:fillRef idx="1">
+            <a:schemeClr val="accent1"/>
+          </a:fillRef>
+          <a:effectRef idx="0">
+            <a:schemeClr val="accent1"/>
+          </a:effectRef>
+          <a:fontRef idx="minor">
+            <a:schemeClr val="lt1"/>
+          </a:fontRef>
+        </p:style>
+        <p:txBody>
+          <a:bodyPr rtlCol="0" anchor="ctr"/>
+          <a:lstStyle/>
+          <a:p>
+            <a:pPr algn="ctr"/>
+            <a:r>
+              <a:rPr lang="en-US" altLang="zh-CN" sz="1400" b="1" dirty="0" smtClean="0">
+                <a:solidFill>
+                  <a:schemeClr val="tx1"/>
+                </a:solidFill>
+              </a:rPr>
+              <a:t>client</a:t>
+            </a:r>
+            <a:endParaRPr lang="zh-CN" altLang="en-US" sz="1400" b="1" dirty="0">
+              <a:solidFill>
+                <a:schemeClr val="tx1"/>
+              </a:solidFill>
+            </a:endParaRPr>
+          </a:p>
+        </p:txBody>
+      </p:sp>
+      <p:sp>
+        <p:nvSpPr>
+          <p:cNvPr id="9" name="椭圆 8"/>
+          <p:cNvSpPr/>
+          <p:nvPr/>
+        </p:nvSpPr>
+        <p:spPr>
+          <a:xfrm>
+            <a:off x="1979712" y="2326567"/>
+            <a:ext cx="864096" cy="451037"/>
+          </a:xfrm>
+          <a:prstGeom prst="ellipse">
+            <a:avLst/>
+          </a:prstGeom>
+          <a:solidFill>
+            <a:srgbClr val="92D050"/>
+          </a:solidFill>
+          <a:ln>
+            <a:noFill/>
+          </a:ln>
+        </p:spPr>
+        <p:style>
+          <a:lnRef idx="2">
+            <a:schemeClr val="accent1">
+              <a:shade val="50000"/>
+            </a:schemeClr>
+          </a:lnRef>
+          <a:fillRef idx="1">
+            <a:schemeClr val="accent1"/>
+          </a:fillRef>
+          <a:effectRef idx="0">
+            <a:schemeClr val="accent1"/>
+          </a:effectRef>
+          <a:fontRef idx="minor">
+            <a:schemeClr val="lt1"/>
+          </a:fontRef>
+        </p:style>
+        <p:txBody>
+          <a:bodyPr rtlCol="0" anchor="ctr"/>
+          <a:lstStyle/>
+          <a:p>
+            <a:pPr algn="ctr"/>
+            <a:r>
+              <a:rPr lang="en-US" altLang="zh-CN" sz="1400" b="1" dirty="0" smtClean="0">
+                <a:solidFill>
+                  <a:schemeClr val="tx1"/>
+                </a:solidFill>
+              </a:rPr>
+              <a:t>client</a:t>
+            </a:r>
+            <a:endParaRPr lang="zh-CN" altLang="en-US" sz="1400" b="1" dirty="0">
+              <a:solidFill>
+                <a:schemeClr val="tx1"/>
+              </a:solidFill>
+            </a:endParaRPr>
+          </a:p>
+        </p:txBody>
+      </p:sp>
+      <p:sp>
+        <p:nvSpPr>
+          <p:cNvPr id="10" name="椭圆 9"/>
+          <p:cNvSpPr/>
+          <p:nvPr/>
+        </p:nvSpPr>
+        <p:spPr>
+          <a:xfrm>
+            <a:off x="1979712" y="3010642"/>
+            <a:ext cx="864096" cy="451037"/>
+          </a:xfrm>
+          <a:prstGeom prst="ellipse">
+            <a:avLst/>
+          </a:prstGeom>
+          <a:solidFill>
+            <a:srgbClr val="92D050"/>
+          </a:solidFill>
+          <a:ln>
+            <a:noFill/>
+          </a:ln>
+        </p:spPr>
+        <p:style>
+          <a:lnRef idx="2">
+            <a:schemeClr val="accent1">
+              <a:shade val="50000"/>
+            </a:schemeClr>
+          </a:lnRef>
+          <a:fillRef idx="1">
+            <a:schemeClr val="accent1"/>
+          </a:fillRef>
+          <a:effectRef idx="0">
+            <a:schemeClr val="accent1"/>
+          </a:effectRef>
+          <a:fontRef idx="minor">
+            <a:schemeClr val="lt1"/>
+          </a:fontRef>
+        </p:style>
+        <p:txBody>
+          <a:bodyPr rtlCol="0" anchor="ctr"/>
+          <a:lstStyle/>
+          <a:p>
+            <a:pPr algn="ctr"/>
+            <a:r>
+              <a:rPr lang="en-US" altLang="zh-CN" sz="1400" b="1" dirty="0" smtClean="0">
+                <a:solidFill>
+                  <a:schemeClr val="tx1"/>
+                </a:solidFill>
+              </a:rPr>
+              <a:t>client</a:t>
+            </a:r>
+            <a:endParaRPr lang="zh-CN" altLang="en-US" sz="1400" b="1" dirty="0">
+              <a:solidFill>
+                <a:schemeClr val="tx1"/>
+              </a:solidFill>
+            </a:endParaRPr>
+          </a:p>
+        </p:txBody>
+      </p:sp>
+      <p:cxnSp>
+        <p:nvCxnSpPr>
+          <p:cNvPr id="12" name="直接箭头连接符 11"/>
+          <p:cNvCxnSpPr>
+            <a:stCxn id="8" idx="6"/>
+            <a:endCxn id="34" idx="1"/>
+          </p:cNvCxnSpPr>
+          <p:nvPr/>
+        </p:nvCxnSpPr>
+        <p:spPr>
+          <a:xfrm>
+            <a:off x="2843808" y="1868011"/>
+            <a:ext cx="1080120" cy="483459"/>
+          </a:xfrm>
+          <a:prstGeom prst="straightConnector1">
+            <a:avLst/>
+          </a:prstGeom>
+          <a:ln>
+            <a:tailEnd type="triangle"/>
+          </a:ln>
+        </p:spPr>
+        <p:style>
+          <a:lnRef idx="1">
+            <a:schemeClr val="accent1"/>
+          </a:lnRef>
+          <a:fillRef idx="0">
+            <a:schemeClr val="accent1"/>
+          </a:fillRef>
+          <a:effectRef idx="0">
+            <a:schemeClr val="accent1"/>
+          </a:effectRef>
+          <a:fontRef idx="minor">
+            <a:schemeClr val="tx1"/>
+          </a:fontRef>
+        </p:style>
+      </p:cxnSp>
+      <p:cxnSp>
+        <p:nvCxnSpPr>
+          <p:cNvPr id="14" name="直接箭头连接符 13"/>
+          <p:cNvCxnSpPr>
+            <a:stCxn id="9" idx="6"/>
+            <a:endCxn id="34" idx="1"/>
+          </p:cNvCxnSpPr>
+          <p:nvPr/>
+        </p:nvCxnSpPr>
+        <p:spPr>
+          <a:xfrm flipV="1">
+            <a:off x="2843808" y="2351470"/>
+            <a:ext cx="1080120" cy="200616"/>
+          </a:xfrm>
+          <a:prstGeom prst="straightConnector1">
+            <a:avLst/>
+          </a:prstGeom>
+          <a:ln>
+            <a:tailEnd type="triangle"/>
+          </a:ln>
+        </p:spPr>
+        <p:style>
+          <a:lnRef idx="1">
+            <a:schemeClr val="accent1"/>
+          </a:lnRef>
+          <a:fillRef idx="0">
+            <a:schemeClr val="accent1"/>
+          </a:fillRef>
+          <a:effectRef idx="0">
+            <a:schemeClr val="accent1"/>
+          </a:effectRef>
+          <a:fontRef idx="minor">
+            <a:schemeClr val="tx1"/>
+          </a:fontRef>
+        </p:style>
+      </p:cxnSp>
+      <p:cxnSp>
+        <p:nvCxnSpPr>
+          <p:cNvPr id="16" name="直接箭头连接符 15"/>
+          <p:cNvCxnSpPr>
+            <a:stCxn id="10" idx="6"/>
+            <a:endCxn id="6" idx="1"/>
+          </p:cNvCxnSpPr>
+          <p:nvPr/>
+        </p:nvCxnSpPr>
+        <p:spPr>
+          <a:xfrm flipV="1">
+            <a:off x="2843808" y="3110778"/>
+            <a:ext cx="1080120" cy="125383"/>
+          </a:xfrm>
+          <a:prstGeom prst="straightConnector1">
+            <a:avLst/>
+          </a:prstGeom>
+          <a:ln>
+            <a:tailEnd type="triangle"/>
+          </a:ln>
+        </p:spPr>
+        <p:style>
+          <a:lnRef idx="1">
+            <a:schemeClr val="accent1"/>
+          </a:lnRef>
+          <a:fillRef idx="0">
+            <a:schemeClr val="accent1"/>
+          </a:fillRef>
+          <a:effectRef idx="0">
+            <a:schemeClr val="accent1"/>
+          </a:effectRef>
+          <a:fontRef idx="minor">
+            <a:schemeClr val="tx1"/>
+          </a:fontRef>
+        </p:style>
+      </p:cxnSp>
+      <p:sp>
+        <p:nvSpPr>
+          <p:cNvPr id="17" name="椭圆 16"/>
+          <p:cNvSpPr/>
+          <p:nvPr/>
+        </p:nvSpPr>
+        <p:spPr>
+          <a:xfrm>
+            <a:off x="1979712" y="3666236"/>
+            <a:ext cx="864096" cy="451037"/>
+          </a:xfrm>
+          <a:prstGeom prst="ellipse">
+            <a:avLst/>
+          </a:prstGeom>
+          <a:solidFill>
+            <a:srgbClr val="92D050"/>
+          </a:solidFill>
+          <a:ln>
+            <a:noFill/>
+          </a:ln>
+        </p:spPr>
+        <p:style>
+          <a:lnRef idx="2">
+            <a:schemeClr val="accent1">
+              <a:shade val="50000"/>
+            </a:schemeClr>
+          </a:lnRef>
+          <a:fillRef idx="1">
+            <a:schemeClr val="accent1"/>
+          </a:fillRef>
+          <a:effectRef idx="0">
+            <a:schemeClr val="accent1"/>
+          </a:effectRef>
+          <a:fontRef idx="minor">
+            <a:schemeClr val="lt1"/>
+          </a:fontRef>
+        </p:style>
+        <p:txBody>
+          <a:bodyPr rtlCol="0" anchor="ctr"/>
+          <a:lstStyle/>
+          <a:p>
+            <a:pPr algn="ctr"/>
+            <a:r>
+              <a:rPr lang="en-US" altLang="zh-CN" sz="1400" b="1" dirty="0" smtClean="0">
+                <a:solidFill>
+                  <a:schemeClr val="tx1"/>
+                </a:solidFill>
+              </a:rPr>
+              <a:t>client</a:t>
+            </a:r>
+            <a:endParaRPr lang="zh-CN" altLang="en-US" sz="1400" b="1" dirty="0">
+              <a:solidFill>
+                <a:schemeClr val="tx1"/>
+              </a:solidFill>
+            </a:endParaRPr>
+          </a:p>
+        </p:txBody>
+      </p:sp>
+      <p:cxnSp>
+        <p:nvCxnSpPr>
+          <p:cNvPr id="19" name="直接箭头连接符 18"/>
+          <p:cNvCxnSpPr>
+            <a:stCxn id="17" idx="6"/>
+            <a:endCxn id="6" idx="1"/>
+          </p:cNvCxnSpPr>
+          <p:nvPr/>
+        </p:nvCxnSpPr>
+        <p:spPr>
+          <a:xfrm flipV="1">
+            <a:off x="2843808" y="3110778"/>
+            <a:ext cx="1080120" cy="780977"/>
+          </a:xfrm>
+          <a:prstGeom prst="straightConnector1">
+            <a:avLst/>
+          </a:prstGeom>
+          <a:ln>
+            <a:tailEnd type="triangle"/>
+          </a:ln>
+        </p:spPr>
+        <p:style>
+          <a:lnRef idx="1">
+            <a:schemeClr val="accent1"/>
+          </a:lnRef>
+          <a:fillRef idx="0">
+            <a:schemeClr val="accent1"/>
+          </a:fillRef>
+          <a:effectRef idx="0">
+            <a:schemeClr val="accent1"/>
+          </a:effectRef>
+          <a:fontRef idx="minor">
+            <a:schemeClr val="tx1"/>
+          </a:fontRef>
+        </p:style>
+      </p:cxnSp>
+      <p:sp>
+        <p:nvSpPr>
+          <p:cNvPr id="34" name="圆角矩形 33"/>
+          <p:cNvSpPr/>
+          <p:nvPr/>
+        </p:nvSpPr>
+        <p:spPr>
+          <a:xfrm>
+            <a:off x="3923928" y="2171450"/>
+            <a:ext cx="1368152" cy="360040"/>
+          </a:xfrm>
+          <a:prstGeom prst="roundRect">
+            <a:avLst/>
+          </a:prstGeom>
+          <a:solidFill>
+            <a:srgbClr val="0070C0"/>
+          </a:solidFill>
+          <a:ln>
+            <a:noFill/>
+          </a:ln>
+        </p:spPr>
+        <p:style>
+          <a:lnRef idx="2">
+            <a:schemeClr val="accent1">
+              <a:shade val="50000"/>
+            </a:schemeClr>
+          </a:lnRef>
+          <a:fillRef idx="1">
+            <a:schemeClr val="accent1"/>
+          </a:fillRef>
+          <a:effectRef idx="0">
+            <a:schemeClr val="accent1"/>
+          </a:effectRef>
+          <a:fontRef idx="minor">
+            <a:schemeClr val="lt1"/>
+          </a:fontRef>
+        </p:style>
+        <p:txBody>
+          <a:bodyPr rtlCol="0" anchor="ctr"/>
+          <a:lstStyle/>
+          <a:p>
+            <a:pPr algn="ctr"/>
+            <a:r>
+              <a:rPr lang="en-US" altLang="zh-CN" sz="1400" b="1" dirty="0" err="1" smtClean="0">
+                <a:solidFill>
+                  <a:schemeClr val="tx1"/>
+                </a:solidFill>
+              </a:rPr>
+              <a:t>fiber_proc</a:t>
+            </a:r>
+            <a:endParaRPr lang="zh-CN" altLang="en-US" sz="1400" b="1" dirty="0">
+              <a:solidFill>
+                <a:schemeClr val="tx1"/>
+              </a:solidFill>
+            </a:endParaRPr>
+          </a:p>
+        </p:txBody>
+      </p:sp>
+      <p:cxnSp>
+        <p:nvCxnSpPr>
+          <p:cNvPr id="44" name="直接箭头连接符 43"/>
+          <p:cNvCxnSpPr>
+            <a:stCxn id="8" idx="6"/>
+            <a:endCxn id="5" idx="1"/>
+          </p:cNvCxnSpPr>
+          <p:nvPr/>
+        </p:nvCxnSpPr>
+        <p:spPr>
+          <a:xfrm flipV="1">
+            <a:off x="2843808" y="1632997"/>
+            <a:ext cx="1080120" cy="235014"/>
+          </a:xfrm>
+          <a:prstGeom prst="straightConnector1">
+            <a:avLst/>
+          </a:prstGeom>
+          <a:ln>
+            <a:prstDash val="dash"/>
+            <a:tailEnd type="triangle"/>
+          </a:ln>
+        </p:spPr>
+        <p:style>
+          <a:lnRef idx="1">
+            <a:schemeClr val="accent1"/>
+          </a:lnRef>
+          <a:fillRef idx="0">
+            <a:schemeClr val="accent1"/>
+          </a:fillRef>
+          <a:effectRef idx="0">
+            <a:schemeClr val="accent1"/>
+          </a:effectRef>
+          <a:fontRef idx="minor">
+            <a:schemeClr val="tx1"/>
+          </a:fontRef>
+        </p:style>
+      </p:cxnSp>
+      <p:cxnSp>
+        <p:nvCxnSpPr>
+          <p:cNvPr id="47" name="直接箭头连接符 46"/>
+          <p:cNvCxnSpPr>
+            <a:stCxn id="9" idx="6"/>
+            <a:endCxn id="5" idx="1"/>
+          </p:cNvCxnSpPr>
+          <p:nvPr/>
+        </p:nvCxnSpPr>
+        <p:spPr>
+          <a:xfrm flipV="1">
+            <a:off x="2843808" y="1632997"/>
+            <a:ext cx="1080120" cy="919089"/>
+          </a:xfrm>
+          <a:prstGeom prst="straightConnector1">
+            <a:avLst/>
+          </a:prstGeom>
+          <a:ln>
+            <a:prstDash val="dash"/>
+            <a:tailEnd type="triangle"/>
+          </a:ln>
+        </p:spPr>
+        <p:style>
+          <a:lnRef idx="1">
+            <a:schemeClr val="accent1"/>
+          </a:lnRef>
+          <a:fillRef idx="0">
+            <a:schemeClr val="accent1"/>
+          </a:fillRef>
+          <a:effectRef idx="0">
+            <a:schemeClr val="accent1"/>
+          </a:effectRef>
+          <a:fontRef idx="minor">
+            <a:schemeClr val="tx1"/>
+          </a:fontRef>
+        </p:style>
+      </p:cxnSp>
+      <p:cxnSp>
+        <p:nvCxnSpPr>
+          <p:cNvPr id="49" name="直接箭头连接符 48"/>
+          <p:cNvCxnSpPr>
+            <a:stCxn id="10" idx="6"/>
+            <a:endCxn id="5" idx="1"/>
+          </p:cNvCxnSpPr>
+          <p:nvPr/>
+        </p:nvCxnSpPr>
+        <p:spPr>
+          <a:xfrm flipV="1">
+            <a:off x="2843808" y="1632997"/>
+            <a:ext cx="1080120" cy="1603164"/>
+          </a:xfrm>
+          <a:prstGeom prst="straightConnector1">
+            <a:avLst/>
+          </a:prstGeom>
+          <a:ln>
+            <a:prstDash val="dash"/>
+            <a:tailEnd type="triangle"/>
+          </a:ln>
+        </p:spPr>
+        <p:style>
+          <a:lnRef idx="1">
+            <a:schemeClr val="accent1"/>
+          </a:lnRef>
+          <a:fillRef idx="0">
+            <a:schemeClr val="accent1"/>
+          </a:fillRef>
+          <a:effectRef idx="0">
+            <a:schemeClr val="accent1"/>
+          </a:effectRef>
+          <a:fontRef idx="minor">
+            <a:schemeClr val="tx1"/>
+          </a:fontRef>
+        </p:style>
+      </p:cxnSp>
+      <p:cxnSp>
+        <p:nvCxnSpPr>
+          <p:cNvPr id="54" name="直接箭头连接符 53"/>
+          <p:cNvCxnSpPr>
+            <a:stCxn id="17" idx="6"/>
+            <a:endCxn id="5" idx="1"/>
+          </p:cNvCxnSpPr>
+          <p:nvPr/>
+        </p:nvCxnSpPr>
+        <p:spPr>
+          <a:xfrm flipV="1">
+            <a:off x="2843808" y="1632997"/>
+            <a:ext cx="1080120" cy="2258758"/>
+          </a:xfrm>
+          <a:prstGeom prst="straightConnector1">
+            <a:avLst/>
+          </a:prstGeom>
+          <a:ln>
+            <a:prstDash val="dash"/>
+            <a:tailEnd type="triangle"/>
+          </a:ln>
+        </p:spPr>
+        <p:style>
+          <a:lnRef idx="1">
+            <a:schemeClr val="accent1"/>
+          </a:lnRef>
+          <a:fillRef idx="0">
+            <a:schemeClr val="accent1"/>
+          </a:fillRef>
+          <a:effectRef idx="0">
+            <a:schemeClr val="accent1"/>
+          </a:effectRef>
+          <a:fontRef idx="minor">
+            <a:schemeClr val="tx1"/>
+          </a:fontRef>
+        </p:style>
+      </p:cxnSp>
+      <p:sp>
+        <p:nvSpPr>
+          <p:cNvPr id="108" name="圆角矩形 107"/>
+          <p:cNvSpPr/>
+          <p:nvPr/>
+        </p:nvSpPr>
+        <p:spPr>
+          <a:xfrm>
+            <a:off x="6275032" y="1850638"/>
+            <a:ext cx="648072" cy="360040"/>
+          </a:xfrm>
+          <a:prstGeom prst="roundRect">
+            <a:avLst/>
+          </a:prstGeom>
+          <a:solidFill>
+            <a:srgbClr val="00B0F0"/>
+          </a:solidFill>
+          <a:ln>
+            <a:noFill/>
+          </a:ln>
+        </p:spPr>
+        <p:style>
+          <a:lnRef idx="2">
+            <a:schemeClr val="accent1">
+              <a:shade val="50000"/>
+            </a:schemeClr>
+          </a:lnRef>
+          <a:fillRef idx="1">
+            <a:schemeClr val="accent1"/>
+          </a:fillRef>
+          <a:effectRef idx="0">
+            <a:schemeClr val="accent1"/>
+          </a:effectRef>
+          <a:fontRef idx="minor">
+            <a:schemeClr val="lt1"/>
+          </a:fontRef>
+        </p:style>
+        <p:txBody>
+          <a:bodyPr rtlCol="0" anchor="ctr"/>
+          <a:lstStyle/>
+          <a:p>
+            <a:pPr algn="ctr"/>
+            <a:r>
+              <a:rPr lang="en-US" altLang="zh-CN" sz="1400" b="1" dirty="0" smtClean="0">
+                <a:solidFill>
+                  <a:schemeClr val="tx1"/>
+                </a:solidFill>
+              </a:rPr>
+              <a:t>fiber</a:t>
+            </a:r>
+            <a:endParaRPr lang="zh-CN" altLang="en-US" sz="1400" b="1" dirty="0">
+              <a:solidFill>
+                <a:schemeClr val="tx1"/>
+              </a:solidFill>
+            </a:endParaRPr>
+          </a:p>
+        </p:txBody>
+      </p:sp>
+      <p:sp>
+        <p:nvSpPr>
+          <p:cNvPr id="109" name="圆角矩形 108"/>
+          <p:cNvSpPr/>
+          <p:nvPr/>
+        </p:nvSpPr>
+        <p:spPr>
+          <a:xfrm>
+            <a:off x="6275032" y="2282686"/>
+            <a:ext cx="648072" cy="360040"/>
+          </a:xfrm>
+          <a:prstGeom prst="roundRect">
+            <a:avLst/>
+          </a:prstGeom>
+          <a:solidFill>
+            <a:srgbClr val="00B0F0"/>
+          </a:solidFill>
+          <a:ln>
+            <a:noFill/>
+          </a:ln>
+        </p:spPr>
+        <p:style>
+          <a:lnRef idx="2">
+            <a:schemeClr val="accent1">
+              <a:shade val="50000"/>
+            </a:schemeClr>
+          </a:lnRef>
+          <a:fillRef idx="1">
+            <a:schemeClr val="accent1"/>
+          </a:fillRef>
+          <a:effectRef idx="0">
+            <a:schemeClr val="accent1"/>
+          </a:effectRef>
+          <a:fontRef idx="minor">
+            <a:schemeClr val="lt1"/>
+          </a:fontRef>
+        </p:style>
+        <p:txBody>
+          <a:bodyPr rtlCol="0" anchor="ctr"/>
+          <a:lstStyle/>
+          <a:p>
+            <a:pPr algn="ctr"/>
+            <a:r>
+              <a:rPr lang="en-US" altLang="zh-CN" sz="1400" b="1" dirty="0" smtClean="0">
+                <a:solidFill>
+                  <a:schemeClr val="tx1"/>
+                </a:solidFill>
+              </a:rPr>
+              <a:t>fiber</a:t>
+            </a:r>
+            <a:endParaRPr lang="zh-CN" altLang="en-US" sz="1400" b="1" dirty="0">
+              <a:solidFill>
+                <a:schemeClr val="tx1"/>
+              </a:solidFill>
+            </a:endParaRPr>
+          </a:p>
+        </p:txBody>
+      </p:sp>
+      <p:cxnSp>
+        <p:nvCxnSpPr>
+          <p:cNvPr id="111" name="直接箭头连接符 110"/>
+          <p:cNvCxnSpPr>
+            <a:stCxn id="34" idx="3"/>
+            <a:endCxn id="108" idx="1"/>
+          </p:cNvCxnSpPr>
+          <p:nvPr/>
+        </p:nvCxnSpPr>
+        <p:spPr>
+          <a:xfrm flipV="1">
+            <a:off x="5292080" y="2030658"/>
+            <a:ext cx="982952" cy="320812"/>
+          </a:xfrm>
+          <a:prstGeom prst="straightConnector1">
+            <a:avLst/>
+          </a:prstGeom>
+          <a:ln>
+            <a:tailEnd type="triangle"/>
+          </a:ln>
+        </p:spPr>
+        <p:style>
+          <a:lnRef idx="1">
+            <a:schemeClr val="accent1"/>
+          </a:lnRef>
+          <a:fillRef idx="0">
+            <a:schemeClr val="accent1"/>
+          </a:fillRef>
+          <a:effectRef idx="0">
+            <a:schemeClr val="accent1"/>
+          </a:effectRef>
+          <a:fontRef idx="minor">
+            <a:schemeClr val="tx1"/>
+          </a:fontRef>
+        </p:style>
+      </p:cxnSp>
+      <p:cxnSp>
+        <p:nvCxnSpPr>
+          <p:cNvPr id="113" name="直接箭头连接符 112"/>
+          <p:cNvCxnSpPr>
+            <a:stCxn id="34" idx="3"/>
+            <a:endCxn id="109" idx="1"/>
+          </p:cNvCxnSpPr>
+          <p:nvPr/>
+        </p:nvCxnSpPr>
+        <p:spPr>
+          <a:xfrm>
+            <a:off x="5292080" y="2351470"/>
+            <a:ext cx="982952" cy="111236"/>
+          </a:xfrm>
+          <a:prstGeom prst="straightConnector1">
+            <a:avLst/>
+          </a:prstGeom>
+          <a:ln>
+            <a:tailEnd type="triangle"/>
+          </a:ln>
+        </p:spPr>
+        <p:style>
+          <a:lnRef idx="1">
+            <a:schemeClr val="accent1"/>
+          </a:lnRef>
+          <a:fillRef idx="0">
+            <a:schemeClr val="accent1"/>
+          </a:fillRef>
+          <a:effectRef idx="0">
+            <a:schemeClr val="accent1"/>
+          </a:effectRef>
+          <a:fontRef idx="minor">
+            <a:schemeClr val="tx1"/>
+          </a:fontRef>
+        </p:style>
+      </p:cxnSp>
+      <p:sp>
+        <p:nvSpPr>
+          <p:cNvPr id="114" name="圆角矩形 113"/>
+          <p:cNvSpPr/>
+          <p:nvPr/>
+        </p:nvSpPr>
+        <p:spPr>
+          <a:xfrm>
+            <a:off x="6292792" y="2786742"/>
+            <a:ext cx="648072" cy="360040"/>
+          </a:xfrm>
+          <a:prstGeom prst="roundRect">
+            <a:avLst/>
+          </a:prstGeom>
+          <a:solidFill>
+            <a:srgbClr val="00B0F0"/>
+          </a:solidFill>
+          <a:ln>
+            <a:noFill/>
+          </a:ln>
+        </p:spPr>
+        <p:style>
+          <a:lnRef idx="2">
+            <a:schemeClr val="accent1">
+              <a:shade val="50000"/>
+            </a:schemeClr>
+          </a:lnRef>
+          <a:fillRef idx="1">
+            <a:schemeClr val="accent1"/>
+          </a:fillRef>
+          <a:effectRef idx="0">
+            <a:schemeClr val="accent1"/>
+          </a:effectRef>
+          <a:fontRef idx="minor">
+            <a:schemeClr val="lt1"/>
+          </a:fontRef>
+        </p:style>
+        <p:txBody>
+          <a:bodyPr rtlCol="0" anchor="ctr"/>
+          <a:lstStyle/>
+          <a:p>
+            <a:pPr algn="ctr"/>
+            <a:r>
+              <a:rPr lang="en-US" altLang="zh-CN" sz="1400" b="1" dirty="0" smtClean="0">
+                <a:solidFill>
+                  <a:schemeClr val="tx1"/>
+                </a:solidFill>
+              </a:rPr>
+              <a:t>fiber</a:t>
+            </a:r>
+            <a:endParaRPr lang="zh-CN" altLang="en-US" sz="1400" b="1" dirty="0">
+              <a:solidFill>
+                <a:schemeClr val="tx1"/>
+              </a:solidFill>
+            </a:endParaRPr>
+          </a:p>
+        </p:txBody>
+      </p:sp>
+      <p:sp>
+        <p:nvSpPr>
+          <p:cNvPr id="115" name="圆角矩形 114"/>
+          <p:cNvSpPr/>
+          <p:nvPr/>
+        </p:nvSpPr>
+        <p:spPr>
+          <a:xfrm>
+            <a:off x="6292792" y="3218790"/>
+            <a:ext cx="648072" cy="360040"/>
+          </a:xfrm>
+          <a:prstGeom prst="roundRect">
+            <a:avLst/>
+          </a:prstGeom>
+          <a:solidFill>
+            <a:srgbClr val="00B0F0"/>
+          </a:solidFill>
+          <a:ln>
+            <a:noFill/>
+          </a:ln>
+        </p:spPr>
+        <p:style>
+          <a:lnRef idx="2">
+            <a:schemeClr val="accent1">
+              <a:shade val="50000"/>
+            </a:schemeClr>
+          </a:lnRef>
+          <a:fillRef idx="1">
+            <a:schemeClr val="accent1"/>
+          </a:fillRef>
+          <a:effectRef idx="0">
+            <a:schemeClr val="accent1"/>
+          </a:effectRef>
+          <a:fontRef idx="minor">
+            <a:schemeClr val="lt1"/>
+          </a:fontRef>
+        </p:style>
+        <p:txBody>
+          <a:bodyPr rtlCol="0" anchor="ctr"/>
+          <a:lstStyle/>
+          <a:p>
+            <a:pPr algn="ctr"/>
+            <a:r>
+              <a:rPr lang="en-US" altLang="zh-CN" sz="1400" b="1" dirty="0" smtClean="0">
+                <a:solidFill>
+                  <a:schemeClr val="tx1"/>
+                </a:solidFill>
+              </a:rPr>
+              <a:t>fiber</a:t>
+            </a:r>
+            <a:endParaRPr lang="zh-CN" altLang="en-US" sz="1400" b="1" dirty="0">
+              <a:solidFill>
+                <a:schemeClr val="tx1"/>
+              </a:solidFill>
+            </a:endParaRPr>
+          </a:p>
+        </p:txBody>
+      </p:sp>
+      <p:cxnSp>
+        <p:nvCxnSpPr>
+          <p:cNvPr id="116" name="直接箭头连接符 115"/>
+          <p:cNvCxnSpPr>
+            <a:stCxn id="6" idx="3"/>
+            <a:endCxn id="114" idx="1"/>
+          </p:cNvCxnSpPr>
+          <p:nvPr/>
+        </p:nvCxnSpPr>
+        <p:spPr>
+          <a:xfrm flipV="1">
+            <a:off x="5292080" y="2966762"/>
+            <a:ext cx="1000712" cy="144016"/>
+          </a:xfrm>
+          <a:prstGeom prst="straightConnector1">
+            <a:avLst/>
+          </a:prstGeom>
+          <a:ln>
+            <a:tailEnd type="triangle"/>
+          </a:ln>
+        </p:spPr>
+        <p:style>
+          <a:lnRef idx="1">
+            <a:schemeClr val="accent1"/>
+          </a:lnRef>
+          <a:fillRef idx="0">
+            <a:schemeClr val="accent1"/>
+          </a:fillRef>
+          <a:effectRef idx="0">
+            <a:schemeClr val="accent1"/>
+          </a:effectRef>
+          <a:fontRef idx="minor">
+            <a:schemeClr val="tx1"/>
+          </a:fontRef>
+        </p:style>
+      </p:cxnSp>
+      <p:cxnSp>
+        <p:nvCxnSpPr>
+          <p:cNvPr id="117" name="直接箭头连接符 116"/>
+          <p:cNvCxnSpPr>
+            <a:stCxn id="6" idx="3"/>
+            <a:endCxn id="115" idx="1"/>
+          </p:cNvCxnSpPr>
+          <p:nvPr/>
+        </p:nvCxnSpPr>
+        <p:spPr>
+          <a:xfrm>
+            <a:off x="5292080" y="3110778"/>
+            <a:ext cx="1000712" cy="288032"/>
+          </a:xfrm>
+          <a:prstGeom prst="straightConnector1">
+            <a:avLst/>
+          </a:prstGeom>
+          <a:ln>
+            <a:tailEnd type="triangle"/>
+          </a:ln>
+        </p:spPr>
+        <p:style>
+          <a:lnRef idx="1">
+            <a:schemeClr val="accent1"/>
+          </a:lnRef>
+          <a:fillRef idx="0">
+            <a:schemeClr val="accent1"/>
+          </a:fillRef>
+          <a:effectRef idx="0">
+            <a:schemeClr val="accent1"/>
+          </a:effectRef>
+          <a:fontRef idx="minor">
+            <a:schemeClr val="tx1"/>
+          </a:fontRef>
+        </p:style>
+      </p:cxnSp>
+      <p:sp>
+        <p:nvSpPr>
+          <p:cNvPr id="120" name="矩形 119"/>
+          <p:cNvSpPr/>
+          <p:nvPr/>
+        </p:nvSpPr>
+        <p:spPr>
+          <a:xfrm>
+            <a:off x="3700504" y="1268760"/>
+            <a:ext cx="2016224" cy="2216954"/>
+          </a:xfrm>
+          <a:prstGeom prst="rect">
+            <a:avLst/>
+          </a:prstGeom>
+          <a:noFill/>
+          <a:ln>
+            <a:solidFill>
+              <a:srgbClr val="7030A0"/>
+            </a:solidFill>
+            <a:prstDash val="dashDot"/>
+          </a:ln>
+        </p:spPr>
+        <p:style>
+          <a:lnRef idx="2">
+            <a:schemeClr val="accent1">
+              <a:shade val="50000"/>
+            </a:schemeClr>
+          </a:lnRef>
+          <a:fillRef idx="1">
+            <a:schemeClr val="accent1"/>
+          </a:fillRef>
+          <a:effectRef idx="0">
+            <a:schemeClr val="accent1"/>
+          </a:effectRef>
+          <a:fontRef idx="minor">
+            <a:schemeClr val="lt1"/>
+          </a:fontRef>
+        </p:style>
+        <p:txBody>
+          <a:bodyPr rtlCol="0" anchor="ctr"/>
+          <a:lstStyle/>
+          <a:p>
+            <a:pPr algn="ctr"/>
+            <a:endParaRPr lang="zh-CN" altLang="en-US"/>
+          </a:p>
+        </p:txBody>
+      </p:sp>
+      <p:sp>
+        <p:nvSpPr>
+          <p:cNvPr id="121" name="上箭头 120"/>
+          <p:cNvSpPr/>
+          <p:nvPr/>
+        </p:nvSpPr>
+        <p:spPr>
+          <a:xfrm>
+            <a:off x="4528600" y="3595936"/>
+            <a:ext cx="360040" cy="451037"/>
+          </a:xfrm>
+          <a:prstGeom prst="upArrow">
+            <a:avLst/>
+          </a:prstGeom>
+          <a:solidFill>
+            <a:srgbClr val="002060"/>
+          </a:solidFill>
+          <a:ln>
+            <a:noFill/>
+          </a:ln>
+        </p:spPr>
+        <p:style>
+          <a:lnRef idx="2">
+            <a:schemeClr val="accent1">
+              <a:shade val="50000"/>
+            </a:schemeClr>
+          </a:lnRef>
+          <a:fillRef idx="1">
+            <a:schemeClr val="accent1"/>
+          </a:fillRef>
+          <a:effectRef idx="0">
+            <a:schemeClr val="accent1"/>
+          </a:effectRef>
+          <a:fontRef idx="minor">
+            <a:schemeClr val="lt1"/>
+          </a:fontRef>
+        </p:style>
+        <p:txBody>
+          <a:bodyPr rtlCol="0" anchor="ctr"/>
+          <a:lstStyle/>
+          <a:p>
+            <a:pPr algn="ctr"/>
+            <a:endParaRPr lang="zh-CN" altLang="en-US"/>
+          </a:p>
+        </p:txBody>
+      </p:sp>
+      <p:cxnSp>
+        <p:nvCxnSpPr>
+          <p:cNvPr id="123" name="直接箭头连接符 122"/>
+          <p:cNvCxnSpPr>
+            <a:stCxn id="5" idx="2"/>
+            <a:endCxn id="34" idx="0"/>
+          </p:cNvCxnSpPr>
+          <p:nvPr/>
+        </p:nvCxnSpPr>
+        <p:spPr>
+          <a:xfrm>
+            <a:off x="4608004" y="1813017"/>
+            <a:ext cx="0" cy="358433"/>
+          </a:xfrm>
+          <a:prstGeom prst="straightConnector1">
+            <a:avLst/>
+          </a:prstGeom>
+          <a:ln>
+            <a:tailEnd type="triangle"/>
+          </a:ln>
+        </p:spPr>
+        <p:style>
+          <a:lnRef idx="2">
+            <a:schemeClr val="accent3"/>
+          </a:lnRef>
+          <a:fillRef idx="0">
+            <a:schemeClr val="accent3"/>
+          </a:fillRef>
+          <a:effectRef idx="1">
+            <a:schemeClr val="accent3"/>
+          </a:effectRef>
+          <a:fontRef idx="minor">
+            <a:schemeClr val="tx1"/>
+          </a:fontRef>
+        </p:style>
+      </p:cxnSp>
+      <p:cxnSp>
+        <p:nvCxnSpPr>
+          <p:cNvPr id="125" name="肘形连接符 124"/>
+          <p:cNvCxnSpPr>
+            <a:stCxn id="5" idx="3"/>
+            <a:endCxn id="6" idx="0"/>
+          </p:cNvCxnSpPr>
+          <p:nvPr/>
+        </p:nvCxnSpPr>
+        <p:spPr>
+          <a:xfrm flipH="1">
+            <a:off x="4608004" y="1632997"/>
+            <a:ext cx="684076" cy="1297761"/>
+          </a:xfrm>
+          <a:prstGeom prst="bentConnector4">
+            <a:avLst>
+              <a:gd name="adj1" fmla="val -33417"/>
+              <a:gd name="adj2" fmla="val 80423"/>
+            </a:avLst>
+          </a:prstGeom>
+          <a:ln>
+            <a:tailEnd type="triangle"/>
+          </a:ln>
+        </p:spPr>
+        <p:style>
+          <a:lnRef idx="2">
+            <a:schemeClr val="accent3"/>
+          </a:lnRef>
+          <a:fillRef idx="0">
+            <a:schemeClr val="accent3"/>
+          </a:fillRef>
+          <a:effectRef idx="1">
+            <a:schemeClr val="accent3"/>
+          </a:effectRef>
+          <a:fontRef idx="minor">
+            <a:schemeClr val="tx1"/>
+          </a:fontRef>
+        </p:style>
+      </p:cxnSp>
     </p:spTree>
     <p:extLst>
       <p:ext uri="{BB962C8B-B14F-4D97-AF65-F5344CB8AC3E}">
-        <p14:creationId xmlns:p14="http://schemas.microsoft.com/office/powerpoint/2010/main" val="1199947123"/>
+        <p14:creationId xmlns:p14="http://schemas.microsoft.com/office/powerpoint/2010/main" val="2362337726"/>
       </p:ext>
     </p:extLst>
   </p:cSld>
@@ -19307,17 +20608,60 @@
             <p:ph idx="1"/>
           </p:nvPr>
         </p:nvSpPr>
-        <p:spPr>
-          <a:xfrm>
-            <a:off x="428596" y="4407011"/>
-            <a:ext cx="8229600" cy="1784257"/>
-          </a:xfrm>
-        </p:spPr>
+        <p:spPr/>
         <p:txBody>
-          <a:bodyPr>
-            <a:normAutofit/>
-          </a:bodyPr>
+          <a:bodyPr/>
           <a:lstStyle/>
+          <a:p>
+            <a:r>
+              <a:rPr lang="zh-CN" altLang="en-US" dirty="0" smtClean="0"/>
+              <a:t>协程间为什么需要通信？</a:t>
+            </a:r>
+            <a:endParaRPr lang="en-US" altLang="zh-CN" dirty="0" smtClean="0"/>
+          </a:p>
+          <a:p>
+            <a:r>
+              <a:rPr lang="en-US" altLang="zh-CN" sz="1600" dirty="0" smtClean="0"/>
+              <a:t>1</a:t>
+            </a:r>
+            <a:r>
+              <a:rPr lang="zh-CN" altLang="en-US" sz="1600" dirty="0" smtClean="0"/>
+              <a:t>、业务逻辑的模块化</a:t>
+            </a:r>
+            <a:endParaRPr lang="en-US" altLang="zh-CN" sz="1600" dirty="0" smtClean="0"/>
+          </a:p>
+          <a:p>
+            <a:r>
+              <a:rPr lang="en-US" altLang="zh-CN" sz="1600" dirty="0" smtClean="0"/>
+              <a:t>2</a:t>
+            </a:r>
+            <a:r>
+              <a:rPr lang="zh-CN" altLang="en-US" sz="1600" dirty="0" smtClean="0"/>
+              <a:t>、业务模块的分层设计</a:t>
+            </a:r>
+            <a:endParaRPr lang="en-US" altLang="zh-CN" sz="1600" dirty="0" smtClean="0"/>
+          </a:p>
+          <a:p>
+            <a:r>
+              <a:rPr lang="en-US" altLang="zh-CN" sz="1600" dirty="0" smtClean="0"/>
+              <a:t>3</a:t>
+            </a:r>
+            <a:r>
+              <a:rPr lang="zh-CN" altLang="en-US" sz="1600" dirty="0" smtClean="0"/>
+              <a:t>、团队开发的协作性</a:t>
+            </a:r>
+            <a:endParaRPr lang="en-US" altLang="zh-CN" sz="1600" dirty="0" smtClean="0"/>
+          </a:p>
+          <a:p>
+            <a:endParaRPr lang="en-US" altLang="zh-CN" dirty="0"/>
+          </a:p>
+          <a:p>
+            <a:r>
+              <a:rPr lang="zh-CN" altLang="en-US" dirty="0" smtClean="0"/>
+              <a:t>协程间“通信”的本质：</a:t>
+            </a:r>
+            <a:endParaRPr lang="en-US" altLang="zh-CN" dirty="0" smtClean="0"/>
+          </a:p>
           <a:p>
             <a:r>
               <a:rPr lang="en-US" altLang="zh-CN" sz="1600" dirty="0" smtClean="0"/>
@@ -19325,1082 +20669,80 @@
             </a:r>
             <a:r>
               <a:rPr lang="zh-CN" altLang="en-US" sz="1600" dirty="0" smtClean="0"/>
-              <a:t>协程通信管道支持多对多方式</a:t>
+              <a:t>协程间数据的传递通过协程上下文的切换，本质上是协程间的数据交换</a:t>
             </a:r>
             <a:endParaRPr lang="en-US" altLang="zh-CN" sz="1600" dirty="0" smtClean="0"/>
           </a:p>
           <a:p>
+            <a:endParaRPr lang="en-US" altLang="zh-CN" dirty="0"/>
+          </a:p>
+          <a:p>
+            <a:r>
+              <a:rPr lang="zh-CN" altLang="en-US" dirty="0" smtClean="0"/>
+              <a:t>协程间“通信”的成本：</a:t>
+            </a:r>
+            <a:endParaRPr lang="en-US" altLang="zh-CN" dirty="0" smtClean="0"/>
+          </a:p>
+          <a:p>
             <a:r>
               <a:rPr lang="en-US" altLang="zh-CN" sz="1600" dirty="0" smtClean="0"/>
+              <a:t>1</a:t>
+            </a:r>
+            <a:r>
+              <a:rPr lang="zh-CN" altLang="en-US" sz="1600" dirty="0" smtClean="0"/>
+              <a:t>、协程上下文切换</a:t>
+            </a:r>
+            <a:endParaRPr lang="en-US" altLang="zh-CN" sz="1600" dirty="0" smtClean="0"/>
+          </a:p>
+          <a:p>
+            <a:r>
+              <a:rPr lang="en-US" altLang="zh-CN" sz="1600" dirty="0" smtClean="0"/>
+              <a:t>2</a:t>
+            </a:r>
+            <a:r>
+              <a:rPr lang="zh-CN" altLang="en-US" sz="1600" dirty="0" smtClean="0"/>
+              <a:t>、内存分配、释放</a:t>
+            </a:r>
+            <a:endParaRPr lang="en-US" altLang="zh-CN" sz="1600" dirty="0" smtClean="0"/>
+          </a:p>
+          <a:p>
+            <a:r>
+              <a:rPr lang="en-US" altLang="zh-CN" sz="1600" dirty="0" smtClean="0"/>
+              <a:t>3</a:t>
+            </a:r>
+            <a:r>
+              <a:rPr lang="zh-CN" altLang="en-US" sz="1600" dirty="0" smtClean="0"/>
+              <a:t>、数据拷贝</a:t>
+            </a:r>
+            <a:endParaRPr lang="en-US" altLang="zh-CN" sz="1600" dirty="0" smtClean="0"/>
+          </a:p>
+          <a:p>
+            <a:endParaRPr lang="en-US" altLang="zh-CN" dirty="0" smtClean="0"/>
+          </a:p>
+          <a:p>
+            <a:r>
+              <a:rPr lang="zh-CN" altLang="en-US" dirty="0" smtClean="0"/>
+              <a:t>协程间“通信”方式：</a:t>
+            </a:r>
+            <a:endParaRPr lang="en-US" altLang="zh-CN" dirty="0" smtClean="0"/>
+          </a:p>
+          <a:p>
+            <a:r>
+              <a:rPr lang="en-US" altLang="zh-CN" dirty="0" smtClean="0"/>
               <a:t>- </a:t>
             </a:r>
             <a:r>
               <a:rPr lang="zh-CN" altLang="en-US" sz="1600" dirty="0" smtClean="0"/>
-              <a:t>协程间通信通过切换协程上下文及数据交换完成</a:t>
-            </a:r>
-            <a:endParaRPr lang="en-US" altLang="zh-CN" sz="1600" dirty="0" smtClean="0"/>
-          </a:p>
-          <a:p>
-            <a:r>
-              <a:rPr lang="en-US" altLang="zh-CN" sz="1600" dirty="0" smtClean="0"/>
-              <a:t>- </a:t>
-            </a:r>
-            <a:r>
-              <a:rPr lang="zh-CN" altLang="en-US" sz="1600" dirty="0" smtClean="0"/>
-              <a:t>协程间通信时的数据交换支持缓冲模式</a:t>
-            </a:r>
-            <a:endParaRPr lang="en-US" altLang="zh-CN" sz="1600" dirty="0" smtClean="0"/>
-          </a:p>
-          <a:p>
-            <a:r>
-              <a:rPr lang="en-US" altLang="zh-CN" sz="1600" dirty="0" smtClean="0"/>
-              <a:t>- </a:t>
-            </a:r>
-            <a:r>
-              <a:rPr lang="zh-CN" altLang="en-US" sz="1600" dirty="0" smtClean="0"/>
-              <a:t>协程间通信时的数据交换采用随机分配方式</a:t>
+              <a:t>支持多对多数据交互</a:t>
             </a:r>
             <a:endParaRPr lang="zh-CN" altLang="en-US" sz="1600" dirty="0"/>
           </a:p>
         </p:txBody>
       </p:sp>
-      <p:sp>
-        <p:nvSpPr>
-          <p:cNvPr id="6" name="圆角矩形 5"/>
-          <p:cNvSpPr/>
-          <p:nvPr/>
-        </p:nvSpPr>
-        <p:spPr>
-          <a:xfrm>
-            <a:off x="3275856" y="1628800"/>
-            <a:ext cx="1123524" cy="329461"/>
-          </a:xfrm>
-          <a:prstGeom prst="roundRect">
-            <a:avLst/>
-          </a:prstGeom>
-          <a:ln>
-            <a:noFill/>
-          </a:ln>
-        </p:spPr>
-        <p:style>
-          <a:lnRef idx="2">
-            <a:schemeClr val="accent1">
-              <a:shade val="50000"/>
-            </a:schemeClr>
-          </a:lnRef>
-          <a:fillRef idx="1">
-            <a:schemeClr val="accent1"/>
-          </a:fillRef>
-          <a:effectRef idx="0">
-            <a:schemeClr val="accent1"/>
-          </a:effectRef>
-          <a:fontRef idx="minor">
-            <a:schemeClr val="lt1"/>
-          </a:fontRef>
-        </p:style>
-        <p:txBody>
-          <a:bodyPr rtlCol="0" anchor="ctr"/>
-          <a:lstStyle/>
-          <a:p>
-            <a:pPr algn="ctr"/>
-            <a:r>
-              <a:rPr lang="en-US" altLang="zh-CN" b="1" dirty="0" smtClean="0">
-                <a:solidFill>
-                  <a:schemeClr val="tx1"/>
-                </a:solidFill>
-              </a:rPr>
-              <a:t>channel</a:t>
-            </a:r>
-            <a:endParaRPr lang="zh-CN" altLang="en-US" b="1" dirty="0">
-              <a:solidFill>
-                <a:schemeClr val="tx1"/>
-              </a:solidFill>
-            </a:endParaRPr>
-          </a:p>
-        </p:txBody>
-      </p:sp>
-      <p:sp>
-        <p:nvSpPr>
-          <p:cNvPr id="7" name="椭圆 6"/>
-          <p:cNvSpPr/>
-          <p:nvPr/>
-        </p:nvSpPr>
-        <p:spPr>
-          <a:xfrm>
-            <a:off x="1763688" y="1340768"/>
-            <a:ext cx="1080120" cy="216024"/>
-          </a:xfrm>
-          <a:prstGeom prst="ellipse">
-            <a:avLst/>
-          </a:prstGeom>
-          <a:solidFill>
-            <a:srgbClr val="00B050"/>
-          </a:solidFill>
-          <a:ln>
-            <a:noFill/>
-          </a:ln>
-        </p:spPr>
-        <p:style>
-          <a:lnRef idx="2">
-            <a:schemeClr val="accent1">
-              <a:shade val="50000"/>
-            </a:schemeClr>
-          </a:lnRef>
-          <a:fillRef idx="1">
-            <a:schemeClr val="accent1"/>
-          </a:fillRef>
-          <a:effectRef idx="0">
-            <a:schemeClr val="accent1"/>
-          </a:effectRef>
-          <a:fontRef idx="minor">
-            <a:schemeClr val="lt1"/>
-          </a:fontRef>
-        </p:style>
-        <p:txBody>
-          <a:bodyPr rtlCol="0" anchor="ctr"/>
-          <a:lstStyle/>
-          <a:p>
-            <a:pPr algn="ctr"/>
-            <a:r>
-              <a:rPr lang="en-US" altLang="zh-CN" sz="1100" b="1" dirty="0" smtClean="0">
-                <a:solidFill>
-                  <a:schemeClr val="tx1"/>
-                </a:solidFill>
-              </a:rPr>
-              <a:t>producer</a:t>
-            </a:r>
-            <a:endParaRPr lang="zh-CN" altLang="en-US" sz="1100" b="1" dirty="0">
-              <a:solidFill>
-                <a:schemeClr val="tx1"/>
-              </a:solidFill>
-            </a:endParaRPr>
-          </a:p>
-        </p:txBody>
-      </p:sp>
-      <p:sp>
-        <p:nvSpPr>
-          <p:cNvPr id="8" name="椭圆 7"/>
-          <p:cNvSpPr/>
-          <p:nvPr/>
-        </p:nvSpPr>
-        <p:spPr>
-          <a:xfrm>
-            <a:off x="1758256" y="1702409"/>
-            <a:ext cx="1080120" cy="182984"/>
-          </a:xfrm>
-          <a:prstGeom prst="ellipse">
-            <a:avLst/>
-          </a:prstGeom>
-          <a:solidFill>
-            <a:srgbClr val="00B050"/>
-          </a:solidFill>
-          <a:ln>
-            <a:noFill/>
-          </a:ln>
-        </p:spPr>
-        <p:style>
-          <a:lnRef idx="2">
-            <a:schemeClr val="accent1">
-              <a:shade val="50000"/>
-            </a:schemeClr>
-          </a:lnRef>
-          <a:fillRef idx="1">
-            <a:schemeClr val="accent1"/>
-          </a:fillRef>
-          <a:effectRef idx="0">
-            <a:schemeClr val="accent1"/>
-          </a:effectRef>
-          <a:fontRef idx="minor">
-            <a:schemeClr val="lt1"/>
-          </a:fontRef>
-        </p:style>
-        <p:txBody>
-          <a:bodyPr rtlCol="0" anchor="ctr"/>
-          <a:lstStyle/>
-          <a:p>
-            <a:pPr algn="ctr"/>
-            <a:r>
-              <a:rPr lang="en-US" altLang="zh-CN" sz="1100" b="1" dirty="0" smtClean="0">
-                <a:solidFill>
-                  <a:schemeClr val="tx1"/>
-                </a:solidFill>
-              </a:rPr>
-              <a:t>producer</a:t>
-            </a:r>
-            <a:endParaRPr lang="zh-CN" altLang="en-US" sz="1100" b="1" dirty="0">
-              <a:solidFill>
-                <a:schemeClr val="tx1"/>
-              </a:solidFill>
-            </a:endParaRPr>
-          </a:p>
-        </p:txBody>
-      </p:sp>
-      <p:sp>
-        <p:nvSpPr>
-          <p:cNvPr id="9" name="椭圆 8"/>
-          <p:cNvSpPr/>
-          <p:nvPr/>
-        </p:nvSpPr>
-        <p:spPr>
-          <a:xfrm>
-            <a:off x="1758256" y="2031870"/>
-            <a:ext cx="1080120" cy="204186"/>
-          </a:xfrm>
-          <a:prstGeom prst="ellipse">
-            <a:avLst/>
-          </a:prstGeom>
-          <a:solidFill>
-            <a:srgbClr val="00B050"/>
-          </a:solidFill>
-          <a:ln>
-            <a:noFill/>
-          </a:ln>
-        </p:spPr>
-        <p:style>
-          <a:lnRef idx="2">
-            <a:schemeClr val="accent1">
-              <a:shade val="50000"/>
-            </a:schemeClr>
-          </a:lnRef>
-          <a:fillRef idx="1">
-            <a:schemeClr val="accent1"/>
-          </a:fillRef>
-          <a:effectRef idx="0">
-            <a:schemeClr val="accent1"/>
-          </a:effectRef>
-          <a:fontRef idx="minor">
-            <a:schemeClr val="lt1"/>
-          </a:fontRef>
-        </p:style>
-        <p:txBody>
-          <a:bodyPr rtlCol="0" anchor="ctr"/>
-          <a:lstStyle/>
-          <a:p>
-            <a:pPr algn="ctr"/>
-            <a:r>
-              <a:rPr lang="en-US" altLang="zh-CN" sz="1100" b="1" dirty="0" smtClean="0">
-                <a:solidFill>
-                  <a:schemeClr val="tx1"/>
-                </a:solidFill>
-              </a:rPr>
-              <a:t>producer</a:t>
-            </a:r>
-            <a:endParaRPr lang="zh-CN" altLang="en-US" sz="1100" b="1" dirty="0">
-              <a:solidFill>
-                <a:schemeClr val="tx1"/>
-              </a:solidFill>
-            </a:endParaRPr>
-          </a:p>
-        </p:txBody>
-      </p:sp>
-      <p:cxnSp>
-        <p:nvCxnSpPr>
-          <p:cNvPr id="11" name="直接箭头连接符 10"/>
-          <p:cNvCxnSpPr>
-            <a:stCxn id="7" idx="6"/>
-            <a:endCxn id="6" idx="1"/>
-          </p:cNvCxnSpPr>
-          <p:nvPr/>
-        </p:nvCxnSpPr>
-        <p:spPr>
-          <a:xfrm>
-            <a:off x="2843808" y="1448780"/>
-            <a:ext cx="432048" cy="344751"/>
-          </a:xfrm>
-          <a:prstGeom prst="straightConnector1">
-            <a:avLst/>
-          </a:prstGeom>
-          <a:ln>
-            <a:tailEnd type="triangle"/>
-          </a:ln>
-        </p:spPr>
-        <p:style>
-          <a:lnRef idx="1">
-            <a:schemeClr val="accent1"/>
-          </a:lnRef>
-          <a:fillRef idx="0">
-            <a:schemeClr val="accent1"/>
-          </a:fillRef>
-          <a:effectRef idx="0">
-            <a:schemeClr val="accent1"/>
-          </a:effectRef>
-          <a:fontRef idx="minor">
-            <a:schemeClr val="tx1"/>
-          </a:fontRef>
-        </p:style>
-      </p:cxnSp>
-      <p:cxnSp>
-        <p:nvCxnSpPr>
-          <p:cNvPr id="13" name="直接箭头连接符 12"/>
-          <p:cNvCxnSpPr>
-            <a:stCxn id="8" idx="6"/>
-            <a:endCxn id="6" idx="1"/>
-          </p:cNvCxnSpPr>
-          <p:nvPr/>
-        </p:nvCxnSpPr>
-        <p:spPr>
-          <a:xfrm flipV="1">
-            <a:off x="2838376" y="1793531"/>
-            <a:ext cx="437480" cy="370"/>
-          </a:xfrm>
-          <a:prstGeom prst="straightConnector1">
-            <a:avLst/>
-          </a:prstGeom>
-          <a:ln>
-            <a:tailEnd type="triangle"/>
-          </a:ln>
-        </p:spPr>
-        <p:style>
-          <a:lnRef idx="1">
-            <a:schemeClr val="accent1"/>
-          </a:lnRef>
-          <a:fillRef idx="0">
-            <a:schemeClr val="accent1"/>
-          </a:fillRef>
-          <a:effectRef idx="0">
-            <a:schemeClr val="accent1"/>
-          </a:effectRef>
-          <a:fontRef idx="minor">
-            <a:schemeClr val="tx1"/>
-          </a:fontRef>
-        </p:style>
-      </p:cxnSp>
-      <p:cxnSp>
-        <p:nvCxnSpPr>
-          <p:cNvPr id="15" name="直接箭头连接符 14"/>
-          <p:cNvCxnSpPr>
-            <a:stCxn id="9" idx="6"/>
-            <a:endCxn id="6" idx="1"/>
-          </p:cNvCxnSpPr>
-          <p:nvPr/>
-        </p:nvCxnSpPr>
-        <p:spPr>
-          <a:xfrm flipV="1">
-            <a:off x="2838376" y="1793531"/>
-            <a:ext cx="437480" cy="340432"/>
-          </a:xfrm>
-          <a:prstGeom prst="straightConnector1">
-            <a:avLst/>
-          </a:prstGeom>
-          <a:ln>
-            <a:tailEnd type="triangle"/>
-          </a:ln>
-        </p:spPr>
-        <p:style>
-          <a:lnRef idx="1">
-            <a:schemeClr val="accent1"/>
-          </a:lnRef>
-          <a:fillRef idx="0">
-            <a:schemeClr val="accent1"/>
-          </a:fillRef>
-          <a:effectRef idx="0">
-            <a:schemeClr val="accent1"/>
-          </a:effectRef>
-          <a:fontRef idx="minor">
-            <a:schemeClr val="tx1"/>
-          </a:fontRef>
-        </p:style>
-      </p:cxnSp>
-      <p:sp>
-        <p:nvSpPr>
-          <p:cNvPr id="22" name="椭圆 21"/>
-          <p:cNvSpPr/>
-          <p:nvPr/>
-        </p:nvSpPr>
-        <p:spPr>
-          <a:xfrm>
-            <a:off x="4865464" y="1173716"/>
-            <a:ext cx="1080120" cy="216024"/>
-          </a:xfrm>
-          <a:prstGeom prst="ellipse">
-            <a:avLst/>
-          </a:prstGeom>
-          <a:solidFill>
-            <a:srgbClr val="0070C0"/>
-          </a:solidFill>
-          <a:ln>
-            <a:noFill/>
-          </a:ln>
-        </p:spPr>
-        <p:style>
-          <a:lnRef idx="2">
-            <a:schemeClr val="accent1">
-              <a:shade val="50000"/>
-            </a:schemeClr>
-          </a:lnRef>
-          <a:fillRef idx="1">
-            <a:schemeClr val="accent1"/>
-          </a:fillRef>
-          <a:effectRef idx="0">
-            <a:schemeClr val="accent1"/>
-          </a:effectRef>
-          <a:fontRef idx="minor">
-            <a:schemeClr val="lt1"/>
-          </a:fontRef>
-        </p:style>
-        <p:txBody>
-          <a:bodyPr rtlCol="0" anchor="ctr"/>
-          <a:lstStyle/>
-          <a:p>
-            <a:pPr algn="ctr"/>
-            <a:r>
-              <a:rPr lang="en-US" altLang="zh-CN" sz="1100" b="1" dirty="0" smtClean="0">
-                <a:solidFill>
-                  <a:schemeClr val="tx1"/>
-                </a:solidFill>
-              </a:rPr>
-              <a:t>consumer</a:t>
-            </a:r>
-            <a:endParaRPr lang="zh-CN" altLang="en-US" sz="1100" b="1" dirty="0">
-              <a:solidFill>
-                <a:schemeClr val="tx1"/>
-              </a:solidFill>
-            </a:endParaRPr>
-          </a:p>
-        </p:txBody>
-      </p:sp>
-      <p:sp>
-        <p:nvSpPr>
-          <p:cNvPr id="23" name="椭圆 22"/>
-          <p:cNvSpPr/>
-          <p:nvPr/>
-        </p:nvSpPr>
-        <p:spPr>
-          <a:xfrm>
-            <a:off x="4860032" y="1535357"/>
-            <a:ext cx="1080120" cy="182984"/>
-          </a:xfrm>
-          <a:prstGeom prst="ellipse">
-            <a:avLst/>
-          </a:prstGeom>
-          <a:solidFill>
-            <a:srgbClr val="0070C0"/>
-          </a:solidFill>
-          <a:ln>
-            <a:noFill/>
-          </a:ln>
-        </p:spPr>
-        <p:style>
-          <a:lnRef idx="2">
-            <a:schemeClr val="accent1">
-              <a:shade val="50000"/>
-            </a:schemeClr>
-          </a:lnRef>
-          <a:fillRef idx="1">
-            <a:schemeClr val="accent1"/>
-          </a:fillRef>
-          <a:effectRef idx="0">
-            <a:schemeClr val="accent1"/>
-          </a:effectRef>
-          <a:fontRef idx="minor">
-            <a:schemeClr val="lt1"/>
-          </a:fontRef>
-        </p:style>
-        <p:txBody>
-          <a:bodyPr rtlCol="0" anchor="ctr"/>
-          <a:lstStyle/>
-          <a:p>
-            <a:pPr algn="ctr"/>
-            <a:r>
-              <a:rPr lang="en-US" altLang="zh-CN" sz="1100" b="1" dirty="0">
-                <a:solidFill>
-                  <a:schemeClr val="tx1"/>
-                </a:solidFill>
-              </a:rPr>
-              <a:t>consumer</a:t>
-            </a:r>
-            <a:endParaRPr lang="zh-CN" altLang="en-US" sz="1100" b="1" dirty="0">
-              <a:solidFill>
-                <a:schemeClr val="tx1"/>
-              </a:solidFill>
-            </a:endParaRPr>
-          </a:p>
-        </p:txBody>
-      </p:sp>
-      <p:sp>
-        <p:nvSpPr>
-          <p:cNvPr id="24" name="椭圆 23"/>
-          <p:cNvSpPr/>
-          <p:nvPr/>
-        </p:nvSpPr>
-        <p:spPr>
-          <a:xfrm>
-            <a:off x="4860032" y="1864818"/>
-            <a:ext cx="1080120" cy="204186"/>
-          </a:xfrm>
-          <a:prstGeom prst="ellipse">
-            <a:avLst/>
-          </a:prstGeom>
-          <a:solidFill>
-            <a:srgbClr val="0070C0"/>
-          </a:solidFill>
-          <a:ln>
-            <a:noFill/>
-          </a:ln>
-        </p:spPr>
-        <p:style>
-          <a:lnRef idx="2">
-            <a:schemeClr val="accent1">
-              <a:shade val="50000"/>
-            </a:schemeClr>
-          </a:lnRef>
-          <a:fillRef idx="1">
-            <a:schemeClr val="accent1"/>
-          </a:fillRef>
-          <a:effectRef idx="0">
-            <a:schemeClr val="accent1"/>
-          </a:effectRef>
-          <a:fontRef idx="minor">
-            <a:schemeClr val="lt1"/>
-          </a:fontRef>
-        </p:style>
-        <p:txBody>
-          <a:bodyPr rtlCol="0" anchor="ctr"/>
-          <a:lstStyle/>
-          <a:p>
-            <a:pPr algn="ctr"/>
-            <a:r>
-              <a:rPr lang="en-US" altLang="zh-CN" sz="1100" b="1" dirty="0">
-                <a:solidFill>
-                  <a:schemeClr val="tx1"/>
-                </a:solidFill>
-              </a:rPr>
-              <a:t>consumer</a:t>
-            </a:r>
-            <a:endParaRPr lang="zh-CN" altLang="en-US" sz="1100" b="1" dirty="0">
-              <a:solidFill>
-                <a:schemeClr val="tx1"/>
-              </a:solidFill>
-            </a:endParaRPr>
-          </a:p>
-        </p:txBody>
-      </p:sp>
-      <p:sp>
-        <p:nvSpPr>
-          <p:cNvPr id="25" name="椭圆 24"/>
-          <p:cNvSpPr/>
-          <p:nvPr/>
-        </p:nvSpPr>
-        <p:spPr>
-          <a:xfrm>
-            <a:off x="4869284" y="2216702"/>
-            <a:ext cx="1080120" cy="204186"/>
-          </a:xfrm>
-          <a:prstGeom prst="ellipse">
-            <a:avLst/>
-          </a:prstGeom>
-          <a:solidFill>
-            <a:srgbClr val="0070C0"/>
-          </a:solidFill>
-          <a:ln>
-            <a:noFill/>
-          </a:ln>
-        </p:spPr>
-        <p:style>
-          <a:lnRef idx="2">
-            <a:schemeClr val="accent1">
-              <a:shade val="50000"/>
-            </a:schemeClr>
-          </a:lnRef>
-          <a:fillRef idx="1">
-            <a:schemeClr val="accent1"/>
-          </a:fillRef>
-          <a:effectRef idx="0">
-            <a:schemeClr val="accent1"/>
-          </a:effectRef>
-          <a:fontRef idx="minor">
-            <a:schemeClr val="lt1"/>
-          </a:fontRef>
-        </p:style>
-        <p:txBody>
-          <a:bodyPr rtlCol="0" anchor="ctr"/>
-          <a:lstStyle/>
-          <a:p>
-            <a:pPr algn="ctr"/>
-            <a:r>
-              <a:rPr lang="en-US" altLang="zh-CN" sz="1100" b="1" dirty="0">
-                <a:solidFill>
-                  <a:schemeClr val="tx1"/>
-                </a:solidFill>
-              </a:rPr>
-              <a:t>consumer</a:t>
-            </a:r>
-            <a:endParaRPr lang="zh-CN" altLang="en-US" sz="1100" b="1" dirty="0">
-              <a:solidFill>
-                <a:schemeClr val="tx1"/>
-              </a:solidFill>
-            </a:endParaRPr>
-          </a:p>
-        </p:txBody>
-      </p:sp>
-      <p:cxnSp>
-        <p:nvCxnSpPr>
-          <p:cNvPr id="27" name="直接箭头连接符 26"/>
-          <p:cNvCxnSpPr>
-            <a:stCxn id="6" idx="3"/>
-            <a:endCxn id="22" idx="2"/>
-          </p:cNvCxnSpPr>
-          <p:nvPr/>
-        </p:nvCxnSpPr>
-        <p:spPr>
-          <a:xfrm flipV="1">
-            <a:off x="4399380" y="1281728"/>
-            <a:ext cx="466084" cy="511803"/>
-          </a:xfrm>
-          <a:prstGeom prst="straightConnector1">
-            <a:avLst/>
-          </a:prstGeom>
-          <a:ln>
-            <a:tailEnd type="triangle"/>
-          </a:ln>
-        </p:spPr>
-        <p:style>
-          <a:lnRef idx="1">
-            <a:schemeClr val="accent1"/>
-          </a:lnRef>
-          <a:fillRef idx="0">
-            <a:schemeClr val="accent1"/>
-          </a:fillRef>
-          <a:effectRef idx="0">
-            <a:schemeClr val="accent1"/>
-          </a:effectRef>
-          <a:fontRef idx="minor">
-            <a:schemeClr val="tx1"/>
-          </a:fontRef>
-        </p:style>
-      </p:cxnSp>
-      <p:cxnSp>
-        <p:nvCxnSpPr>
-          <p:cNvPr id="29" name="直接箭头连接符 28"/>
-          <p:cNvCxnSpPr>
-            <a:stCxn id="6" idx="3"/>
-            <a:endCxn id="23" idx="2"/>
-          </p:cNvCxnSpPr>
-          <p:nvPr/>
-        </p:nvCxnSpPr>
-        <p:spPr>
-          <a:xfrm flipV="1">
-            <a:off x="4399380" y="1626849"/>
-            <a:ext cx="460652" cy="166682"/>
-          </a:xfrm>
-          <a:prstGeom prst="straightConnector1">
-            <a:avLst/>
-          </a:prstGeom>
-          <a:ln>
-            <a:tailEnd type="triangle"/>
-          </a:ln>
-        </p:spPr>
-        <p:style>
-          <a:lnRef idx="1">
-            <a:schemeClr val="accent1"/>
-          </a:lnRef>
-          <a:fillRef idx="0">
-            <a:schemeClr val="accent1"/>
-          </a:fillRef>
-          <a:effectRef idx="0">
-            <a:schemeClr val="accent1"/>
-          </a:effectRef>
-          <a:fontRef idx="minor">
-            <a:schemeClr val="tx1"/>
-          </a:fontRef>
-        </p:style>
-      </p:cxnSp>
-      <p:cxnSp>
-        <p:nvCxnSpPr>
-          <p:cNvPr id="31" name="直接箭头连接符 30"/>
-          <p:cNvCxnSpPr>
-            <a:stCxn id="6" idx="3"/>
-            <a:endCxn id="24" idx="2"/>
-          </p:cNvCxnSpPr>
-          <p:nvPr/>
-        </p:nvCxnSpPr>
-        <p:spPr>
-          <a:xfrm>
-            <a:off x="4399380" y="1793531"/>
-            <a:ext cx="460652" cy="173380"/>
-          </a:xfrm>
-          <a:prstGeom prst="straightConnector1">
-            <a:avLst/>
-          </a:prstGeom>
-          <a:ln>
-            <a:tailEnd type="triangle"/>
-          </a:ln>
-        </p:spPr>
-        <p:style>
-          <a:lnRef idx="1">
-            <a:schemeClr val="accent1"/>
-          </a:lnRef>
-          <a:fillRef idx="0">
-            <a:schemeClr val="accent1"/>
-          </a:fillRef>
-          <a:effectRef idx="0">
-            <a:schemeClr val="accent1"/>
-          </a:effectRef>
-          <a:fontRef idx="minor">
-            <a:schemeClr val="tx1"/>
-          </a:fontRef>
-        </p:style>
-      </p:cxnSp>
-      <p:cxnSp>
-        <p:nvCxnSpPr>
-          <p:cNvPr id="33" name="直接箭头连接符 32"/>
-          <p:cNvCxnSpPr>
-            <a:stCxn id="6" idx="3"/>
-            <a:endCxn id="25" idx="2"/>
-          </p:cNvCxnSpPr>
-          <p:nvPr/>
-        </p:nvCxnSpPr>
-        <p:spPr>
-          <a:xfrm>
-            <a:off x="4399380" y="1793531"/>
-            <a:ext cx="469904" cy="525264"/>
-          </a:xfrm>
-          <a:prstGeom prst="straightConnector1">
-            <a:avLst/>
-          </a:prstGeom>
-          <a:ln>
-            <a:tailEnd type="triangle"/>
-          </a:ln>
-        </p:spPr>
-        <p:style>
-          <a:lnRef idx="1">
-            <a:schemeClr val="accent1"/>
-          </a:lnRef>
-          <a:fillRef idx="0">
-            <a:schemeClr val="accent1"/>
-          </a:fillRef>
-          <a:effectRef idx="0">
-            <a:schemeClr val="accent1"/>
-          </a:effectRef>
-          <a:fontRef idx="minor">
-            <a:schemeClr val="tx1"/>
-          </a:fontRef>
-        </p:style>
-      </p:cxnSp>
-      <p:sp>
-        <p:nvSpPr>
-          <p:cNvPr id="34" name="椭圆 33"/>
-          <p:cNvSpPr/>
-          <p:nvPr/>
-        </p:nvSpPr>
-        <p:spPr>
-          <a:xfrm>
-            <a:off x="3112912" y="2754913"/>
-            <a:ext cx="1449412" cy="864096"/>
-          </a:xfrm>
-          <a:prstGeom prst="ellipse">
-            <a:avLst/>
-          </a:prstGeom>
-          <a:solidFill>
-            <a:srgbClr val="7030A0"/>
-          </a:solidFill>
-          <a:ln>
-            <a:noFill/>
-          </a:ln>
-        </p:spPr>
-        <p:style>
-          <a:lnRef idx="2">
-            <a:schemeClr val="accent1">
-              <a:shade val="50000"/>
-            </a:schemeClr>
-          </a:lnRef>
-          <a:fillRef idx="1">
-            <a:schemeClr val="accent1"/>
-          </a:fillRef>
-          <a:effectRef idx="0">
-            <a:schemeClr val="accent1"/>
-          </a:effectRef>
-          <a:fontRef idx="minor">
-            <a:schemeClr val="lt1"/>
-          </a:fontRef>
-        </p:style>
-        <p:txBody>
-          <a:bodyPr rtlCol="0" anchor="ctr"/>
-          <a:lstStyle/>
-          <a:p>
-            <a:pPr algn="ctr"/>
-            <a:r>
-              <a:rPr lang="zh-CN" altLang="en-US" sz="1200" b="1" dirty="0" smtClean="0">
-                <a:solidFill>
-                  <a:schemeClr val="tx1"/>
-                </a:solidFill>
-              </a:rPr>
-              <a:t>协程调度器</a:t>
-            </a:r>
-            <a:endParaRPr lang="zh-CN" altLang="en-US" sz="1200" b="1" dirty="0">
-              <a:solidFill>
-                <a:schemeClr val="tx1"/>
-              </a:solidFill>
-            </a:endParaRPr>
-          </a:p>
-        </p:txBody>
-      </p:sp>
-      <p:cxnSp>
-        <p:nvCxnSpPr>
-          <p:cNvPr id="36" name="曲线连接符 35"/>
-          <p:cNvCxnSpPr>
-            <a:stCxn id="34" idx="2"/>
-            <a:endCxn id="7" idx="2"/>
-          </p:cNvCxnSpPr>
-          <p:nvPr/>
-        </p:nvCxnSpPr>
-        <p:spPr>
-          <a:xfrm rot="10800000">
-            <a:off x="1763688" y="1448781"/>
-            <a:ext cx="1349224" cy="1738181"/>
-          </a:xfrm>
-          <a:prstGeom prst="curvedConnector3">
-            <a:avLst>
-              <a:gd name="adj1" fmla="val 162125"/>
-            </a:avLst>
-          </a:prstGeom>
-          <a:ln>
-            <a:tailEnd type="triangle"/>
-          </a:ln>
-        </p:spPr>
-        <p:style>
-          <a:lnRef idx="1">
-            <a:schemeClr val="accent1"/>
-          </a:lnRef>
-          <a:fillRef idx="0">
-            <a:schemeClr val="accent1"/>
-          </a:fillRef>
-          <a:effectRef idx="0">
-            <a:schemeClr val="accent1"/>
-          </a:effectRef>
-          <a:fontRef idx="minor">
-            <a:schemeClr val="tx1"/>
-          </a:fontRef>
-        </p:style>
-      </p:cxnSp>
-      <p:cxnSp>
-        <p:nvCxnSpPr>
-          <p:cNvPr id="39" name="曲线连接符 38"/>
-          <p:cNvCxnSpPr>
-            <a:stCxn id="34" idx="2"/>
-            <a:endCxn id="8" idx="2"/>
-          </p:cNvCxnSpPr>
-          <p:nvPr/>
-        </p:nvCxnSpPr>
-        <p:spPr>
-          <a:xfrm rot="10800000">
-            <a:off x="1758256" y="1793901"/>
-            <a:ext cx="1354656" cy="1393060"/>
-          </a:xfrm>
-          <a:prstGeom prst="curvedConnector3">
-            <a:avLst>
-              <a:gd name="adj1" fmla="val 116875"/>
-            </a:avLst>
-          </a:prstGeom>
-          <a:ln>
-            <a:tailEnd type="triangle"/>
-          </a:ln>
-        </p:spPr>
-        <p:style>
-          <a:lnRef idx="1">
-            <a:schemeClr val="accent1"/>
-          </a:lnRef>
-          <a:fillRef idx="0">
-            <a:schemeClr val="accent1"/>
-          </a:fillRef>
-          <a:effectRef idx="0">
-            <a:schemeClr val="accent1"/>
-          </a:effectRef>
-          <a:fontRef idx="minor">
-            <a:schemeClr val="tx1"/>
-          </a:fontRef>
-        </p:style>
-      </p:cxnSp>
-      <p:cxnSp>
-        <p:nvCxnSpPr>
-          <p:cNvPr id="41" name="曲线连接符 40"/>
-          <p:cNvCxnSpPr>
-            <a:stCxn id="34" idx="2"/>
-            <a:endCxn id="9" idx="4"/>
-          </p:cNvCxnSpPr>
-          <p:nvPr/>
-        </p:nvCxnSpPr>
-        <p:spPr>
-          <a:xfrm rot="10800000">
-            <a:off x="2298316" y="2236057"/>
-            <a:ext cx="814596" cy="950905"/>
-          </a:xfrm>
-          <a:prstGeom prst="curvedConnector2">
-            <a:avLst/>
-          </a:prstGeom>
-          <a:ln>
-            <a:tailEnd type="triangle"/>
-          </a:ln>
-        </p:spPr>
-        <p:style>
-          <a:lnRef idx="1">
-            <a:schemeClr val="accent1"/>
-          </a:lnRef>
-          <a:fillRef idx="0">
-            <a:schemeClr val="accent1"/>
-          </a:fillRef>
-          <a:effectRef idx="0">
-            <a:schemeClr val="accent1"/>
-          </a:effectRef>
-          <a:fontRef idx="minor">
-            <a:schemeClr val="tx1"/>
-          </a:fontRef>
-        </p:style>
-      </p:cxnSp>
-      <p:cxnSp>
-        <p:nvCxnSpPr>
-          <p:cNvPr id="43" name="曲线连接符 42"/>
-          <p:cNvCxnSpPr>
-            <a:stCxn id="34" idx="6"/>
-            <a:endCxn id="22" idx="6"/>
-          </p:cNvCxnSpPr>
-          <p:nvPr/>
-        </p:nvCxnSpPr>
-        <p:spPr>
-          <a:xfrm flipV="1">
-            <a:off x="4562324" y="1281728"/>
-            <a:ext cx="1383260" cy="1905233"/>
-          </a:xfrm>
-          <a:prstGeom prst="curvedConnector3">
-            <a:avLst>
-              <a:gd name="adj1" fmla="val 166105"/>
-            </a:avLst>
-          </a:prstGeom>
-          <a:ln>
-            <a:tailEnd type="triangle"/>
-          </a:ln>
-        </p:spPr>
-        <p:style>
-          <a:lnRef idx="1">
-            <a:schemeClr val="accent1"/>
-          </a:lnRef>
-          <a:fillRef idx="0">
-            <a:schemeClr val="accent1"/>
-          </a:fillRef>
-          <a:effectRef idx="0">
-            <a:schemeClr val="accent1"/>
-          </a:effectRef>
-          <a:fontRef idx="minor">
-            <a:schemeClr val="tx1"/>
-          </a:fontRef>
-        </p:style>
-      </p:cxnSp>
-      <p:cxnSp>
-        <p:nvCxnSpPr>
-          <p:cNvPr id="46" name="曲线连接符 45"/>
-          <p:cNvCxnSpPr>
-            <a:stCxn id="34" idx="6"/>
-            <a:endCxn id="23" idx="6"/>
-          </p:cNvCxnSpPr>
-          <p:nvPr/>
-        </p:nvCxnSpPr>
-        <p:spPr>
-          <a:xfrm flipV="1">
-            <a:off x="4562324" y="1626849"/>
-            <a:ext cx="1377828" cy="1560112"/>
-          </a:xfrm>
-          <a:prstGeom prst="curvedConnector3">
-            <a:avLst>
-              <a:gd name="adj1" fmla="val 147008"/>
-            </a:avLst>
-          </a:prstGeom>
-          <a:ln>
-            <a:tailEnd type="triangle"/>
-          </a:ln>
-        </p:spPr>
-        <p:style>
-          <a:lnRef idx="1">
-            <a:schemeClr val="accent1"/>
-          </a:lnRef>
-          <a:fillRef idx="0">
-            <a:schemeClr val="accent1"/>
-          </a:fillRef>
-          <a:effectRef idx="0">
-            <a:schemeClr val="accent1"/>
-          </a:effectRef>
-          <a:fontRef idx="minor">
-            <a:schemeClr val="tx1"/>
-          </a:fontRef>
-        </p:style>
-      </p:cxnSp>
-      <p:cxnSp>
-        <p:nvCxnSpPr>
-          <p:cNvPr id="49" name="曲线连接符 48"/>
-          <p:cNvCxnSpPr>
-            <a:stCxn id="34" idx="6"/>
-            <a:endCxn id="24" idx="6"/>
-          </p:cNvCxnSpPr>
-          <p:nvPr/>
-        </p:nvCxnSpPr>
-        <p:spPr>
-          <a:xfrm flipV="1">
-            <a:off x="4562324" y="1966911"/>
-            <a:ext cx="1377828" cy="1220050"/>
-          </a:xfrm>
-          <a:prstGeom prst="curvedConnector3">
-            <a:avLst>
-              <a:gd name="adj1" fmla="val 118434"/>
-            </a:avLst>
-          </a:prstGeom>
-          <a:ln>
-            <a:tailEnd type="triangle"/>
-          </a:ln>
-        </p:spPr>
-        <p:style>
-          <a:lnRef idx="1">
-            <a:schemeClr val="accent1"/>
-          </a:lnRef>
-          <a:fillRef idx="0">
-            <a:schemeClr val="accent1"/>
-          </a:fillRef>
-          <a:effectRef idx="0">
-            <a:schemeClr val="accent1"/>
-          </a:effectRef>
-          <a:fontRef idx="minor">
-            <a:schemeClr val="tx1"/>
-          </a:fontRef>
-        </p:style>
-      </p:cxnSp>
-      <p:cxnSp>
-        <p:nvCxnSpPr>
-          <p:cNvPr id="52" name="曲线连接符 51"/>
-          <p:cNvCxnSpPr>
-            <a:stCxn id="34" idx="6"/>
-            <a:endCxn id="25" idx="4"/>
-          </p:cNvCxnSpPr>
-          <p:nvPr/>
-        </p:nvCxnSpPr>
-        <p:spPr>
-          <a:xfrm flipV="1">
-            <a:off x="4562324" y="2420888"/>
-            <a:ext cx="847020" cy="766073"/>
-          </a:xfrm>
-          <a:prstGeom prst="curvedConnector2">
-            <a:avLst/>
-          </a:prstGeom>
-          <a:ln>
-            <a:tailEnd type="triangle"/>
-          </a:ln>
-        </p:spPr>
-        <p:style>
-          <a:lnRef idx="1">
-            <a:schemeClr val="accent1"/>
-          </a:lnRef>
-          <a:fillRef idx="0">
-            <a:schemeClr val="accent1"/>
-          </a:fillRef>
-          <a:effectRef idx="0">
-            <a:schemeClr val="accent1"/>
-          </a:effectRef>
-          <a:fontRef idx="minor">
-            <a:schemeClr val="tx1"/>
-          </a:fontRef>
-        </p:style>
-      </p:cxnSp>
     </p:spTree>
     <p:extLst>
       <p:ext uri="{BB962C8B-B14F-4D97-AF65-F5344CB8AC3E}">
-        <p14:creationId xmlns:p14="http://schemas.microsoft.com/office/powerpoint/2010/main" val="3681865729"/>
+        <p14:creationId xmlns:p14="http://schemas.microsoft.com/office/powerpoint/2010/main" val="1199947123"/>
       </p:ext>
     </p:extLst>
   </p:cSld>
@@ -20451,7 +20793,7 @@
           <a:p>
             <a:r>
               <a:rPr lang="zh-CN" altLang="en-US" dirty="0" smtClean="0"/>
-              <a:t>线程间通信 </a:t>
+              <a:t>协程间通信 </a:t>
             </a:r>
             <a:r>
               <a:rPr lang="en-US" altLang="zh-CN" dirty="0" smtClean="0"/>
@@ -20477,20 +20819,15 @@
         </p:nvSpPr>
         <p:spPr>
           <a:xfrm>
-            <a:off x="428596" y="1047733"/>
-            <a:ext cx="8229600" cy="2381267"/>
+            <a:off x="428596" y="4407011"/>
+            <a:ext cx="8229600" cy="1784257"/>
           </a:xfrm>
         </p:spPr>
         <p:txBody>
-          <a:bodyPr/>
+          <a:bodyPr>
+            <a:normAutofit/>
+          </a:bodyPr>
           <a:lstStyle/>
-          <a:p>
-            <a:r>
-              <a:rPr lang="zh-CN" altLang="en-US" dirty="0" smtClean="0"/>
-              <a:t>协程模式下为何需要线程间通信？</a:t>
-            </a:r>
-            <a:endParaRPr lang="en-US" altLang="zh-CN" dirty="0" smtClean="0"/>
-          </a:p>
           <a:p>
             <a:r>
               <a:rPr lang="en-US" altLang="zh-CN" sz="1600" dirty="0" smtClean="0"/>
@@ -20498,7 +20835,7 @@
             </a:r>
             <a:r>
               <a:rPr lang="zh-CN" altLang="en-US" sz="1600" dirty="0" smtClean="0"/>
-              <a:t>为使用多核，开启多个线程，线程间需要交换数据</a:t>
+              <a:t>协程通信管道支持多对多方式</a:t>
             </a:r>
             <a:endParaRPr lang="en-US" altLang="zh-CN" sz="1600" dirty="0" smtClean="0"/>
           </a:p>
@@ -20509,19 +20846,9 @@
             </a:r>
             <a:r>
               <a:rPr lang="zh-CN" altLang="en-US" sz="1600" dirty="0" smtClean="0"/>
-              <a:t>有些任务需要在线程池里异步完成，结果需要传递给主线程</a:t>
+              <a:t>协程间通信通过切换协程上下文及数据交换完成</a:t>
             </a:r>
             <a:endParaRPr lang="en-US" altLang="zh-CN" sz="1600" dirty="0" smtClean="0"/>
-          </a:p>
-          <a:p>
-            <a:endParaRPr lang="en-US" altLang="zh-CN" dirty="0"/>
-          </a:p>
-          <a:p>
-            <a:r>
-              <a:rPr lang="zh-CN" altLang="en-US" dirty="0" smtClean="0"/>
-              <a:t>协程模式下线程间的通信方式：</a:t>
-            </a:r>
-            <a:endParaRPr lang="en-US" altLang="zh-CN" dirty="0" smtClean="0"/>
           </a:p>
           <a:p>
             <a:r>
@@ -20530,15 +20857,18 @@
             </a:r>
             <a:r>
               <a:rPr lang="zh-CN" altLang="en-US" sz="1600" dirty="0" smtClean="0"/>
-              <a:t>无锁消息队列 </a:t>
-            </a:r>
+              <a:t>协程间通信时的数据交换支持缓冲模式</a:t>
+            </a:r>
+            <a:endParaRPr lang="en-US" altLang="zh-CN" sz="1600" dirty="0" smtClean="0"/>
+          </a:p>
+          <a:p>
             <a:r>
               <a:rPr lang="en-US" altLang="zh-CN" sz="1600" dirty="0" smtClean="0"/>
-              <a:t>+ IO </a:t>
+              <a:t>- </a:t>
             </a:r>
             <a:r>
               <a:rPr lang="zh-CN" altLang="en-US" sz="1600" dirty="0" smtClean="0"/>
-              <a:t>模式</a:t>
+              <a:t>协程间通信时的数据交换采用随机分配方式</a:t>
             </a:r>
             <a:endParaRPr lang="zh-CN" altLang="en-US" sz="1600" dirty="0"/>
           </a:p>
@@ -20546,21 +20876,18 @@
       </p:sp>
       <p:sp>
         <p:nvSpPr>
-          <p:cNvPr id="4" name="矩形 3"/>
+          <p:cNvPr id="6" name="圆角矩形 5"/>
           <p:cNvSpPr/>
           <p:nvPr/>
         </p:nvSpPr>
         <p:spPr>
           <a:xfrm>
-            <a:off x="3275856" y="3969060"/>
-            <a:ext cx="1368152" cy="360040"/>
-          </a:xfrm>
-          <a:prstGeom prst="rect">
-            <a:avLst/>
-          </a:prstGeom>
-          <a:solidFill>
-            <a:srgbClr val="00B0F0"/>
-          </a:solidFill>
+            <a:off x="3275856" y="1628800"/>
+            <a:ext cx="1123524" cy="329461"/>
+          </a:xfrm>
+          <a:prstGeom prst="roundRect">
+            <a:avLst/>
+          </a:prstGeom>
           <a:ln>
             <a:noFill/>
           </a:ln>
@@ -20587,14 +20914,14 @@
           <a:p>
             <a:pPr algn="ctr"/>
             <a:r>
-              <a:rPr lang="zh-CN" altLang="en-US" sz="1200" b="1" dirty="0" smtClean="0">
+              <a:rPr lang="en-US" altLang="zh-CN" b="1" dirty="0" smtClean="0">
                 <a:solidFill>
                   <a:schemeClr val="tx1"/>
                 </a:solidFill>
               </a:rPr>
-              <a:t>无锁队列</a:t>
-            </a:r>
-            <a:endParaRPr lang="zh-CN" altLang="en-US" sz="1200" b="1" dirty="0">
+              <a:t>channel</a:t>
+            </a:r>
+            <a:endParaRPr lang="zh-CN" altLang="en-US" b="1" dirty="0">
               <a:solidFill>
                 <a:schemeClr val="tx1"/>
               </a:solidFill>
@@ -20604,14 +20931,14 @@
       </p:sp>
       <p:sp>
         <p:nvSpPr>
-          <p:cNvPr id="5" name="椭圆 4"/>
+          <p:cNvPr id="7" name="椭圆 6"/>
           <p:cNvSpPr/>
           <p:nvPr/>
         </p:nvSpPr>
         <p:spPr>
           <a:xfrm>
-            <a:off x="1331640" y="3429000"/>
-            <a:ext cx="1008112" cy="360040"/>
+            <a:off x="1763688" y="1340768"/>
+            <a:ext cx="1080120" cy="216024"/>
           </a:xfrm>
           <a:prstGeom prst="ellipse">
             <a:avLst/>
@@ -20662,14 +20989,14 @@
       </p:sp>
       <p:sp>
         <p:nvSpPr>
-          <p:cNvPr id="6" name="椭圆 5"/>
+          <p:cNvPr id="8" name="椭圆 7"/>
           <p:cNvSpPr/>
           <p:nvPr/>
         </p:nvSpPr>
         <p:spPr>
           <a:xfrm>
-            <a:off x="1331640" y="3969060"/>
-            <a:ext cx="1008112" cy="360040"/>
+            <a:off x="1758256" y="1702409"/>
+            <a:ext cx="1080120" cy="182984"/>
           </a:xfrm>
           <a:prstGeom prst="ellipse">
             <a:avLst/>
@@ -20720,14 +21047,14 @@
       </p:sp>
       <p:sp>
         <p:nvSpPr>
-          <p:cNvPr id="7" name="椭圆 6"/>
+          <p:cNvPr id="9" name="椭圆 8"/>
           <p:cNvSpPr/>
           <p:nvPr/>
         </p:nvSpPr>
         <p:spPr>
           <a:xfrm>
-            <a:off x="1331640" y="4509120"/>
-            <a:ext cx="1008112" cy="360040"/>
+            <a:off x="1758256" y="2031870"/>
+            <a:ext cx="1080120" cy="204186"/>
           </a:xfrm>
           <a:prstGeom prst="ellipse">
             <a:avLst/>
@@ -20778,17 +21105,53 @@
       </p:sp>
       <p:cxnSp>
         <p:nvCxnSpPr>
-          <p:cNvPr id="13" name="直接箭头连接符 12"/>
+          <p:cNvPr id="11" name="直接箭头连接符 10"/>
           <p:cNvCxnSpPr>
-            <a:stCxn id="5" idx="6"/>
-            <a:endCxn id="4" idx="1"/>
+            <a:stCxn id="7" idx="6"/>
+            <a:endCxn id="6" idx="1"/>
           </p:cNvCxnSpPr>
           <p:nvPr/>
         </p:nvCxnSpPr>
         <p:spPr>
           <a:xfrm>
-            <a:off x="2339752" y="3609020"/>
-            <a:ext cx="936104" cy="540060"/>
+            <a:off x="2843808" y="1448780"/>
+            <a:ext cx="432048" cy="344751"/>
+          </a:xfrm>
+          <a:prstGeom prst="straightConnector1">
+            <a:avLst/>
+          </a:prstGeom>
+          <a:ln>
+            <a:tailEnd type="triangle"/>
+          </a:ln>
+        </p:spPr>
+        <p:style>
+          <a:lnRef idx="1">
+            <a:schemeClr val="accent1"/>
+          </a:lnRef>
+          <a:fillRef idx="0">
+            <a:schemeClr val="accent1"/>
+          </a:fillRef>
+          <a:effectRef idx="0">
+            <a:schemeClr val="accent1"/>
+          </a:effectRef>
+          <a:fontRef idx="minor">
+            <a:schemeClr val="tx1"/>
+          </a:fontRef>
+        </p:style>
+      </p:cxnSp>
+      <p:cxnSp>
+        <p:nvCxnSpPr>
+          <p:cNvPr id="13" name="直接箭头连接符 12"/>
+          <p:cNvCxnSpPr>
+            <a:stCxn id="8" idx="6"/>
+            <a:endCxn id="6" idx="1"/>
+          </p:cNvCxnSpPr>
+          <p:nvPr/>
+        </p:nvCxnSpPr>
+        <p:spPr>
+          <a:xfrm flipV="1">
+            <a:off x="2838376" y="1793531"/>
+            <a:ext cx="437480" cy="370"/>
           </a:xfrm>
           <a:prstGeom prst="straightConnector1">
             <a:avLst/>
@@ -20816,15 +21179,283 @@
         <p:nvCxnSpPr>
           <p:cNvPr id="15" name="直接箭头连接符 14"/>
           <p:cNvCxnSpPr>
-            <a:stCxn id="6" idx="6"/>
-            <a:endCxn id="4" idx="1"/>
+            <a:stCxn id="9" idx="6"/>
+            <a:endCxn id="6" idx="1"/>
           </p:cNvCxnSpPr>
           <p:nvPr/>
         </p:nvCxnSpPr>
         <p:spPr>
+          <a:xfrm flipV="1">
+            <a:off x="2838376" y="1793531"/>
+            <a:ext cx="437480" cy="340432"/>
+          </a:xfrm>
+          <a:prstGeom prst="straightConnector1">
+            <a:avLst/>
+          </a:prstGeom>
+          <a:ln>
+            <a:tailEnd type="triangle"/>
+          </a:ln>
+        </p:spPr>
+        <p:style>
+          <a:lnRef idx="1">
+            <a:schemeClr val="accent1"/>
+          </a:lnRef>
+          <a:fillRef idx="0">
+            <a:schemeClr val="accent1"/>
+          </a:fillRef>
+          <a:effectRef idx="0">
+            <a:schemeClr val="accent1"/>
+          </a:effectRef>
+          <a:fontRef idx="minor">
+            <a:schemeClr val="tx1"/>
+          </a:fontRef>
+        </p:style>
+      </p:cxnSp>
+      <p:sp>
+        <p:nvSpPr>
+          <p:cNvPr id="22" name="椭圆 21"/>
+          <p:cNvSpPr/>
+          <p:nvPr/>
+        </p:nvSpPr>
+        <p:spPr>
           <a:xfrm>
-            <a:off x="2339752" y="4149080"/>
-            <a:ext cx="936104" cy="0"/>
+            <a:off x="4865464" y="1173716"/>
+            <a:ext cx="1080120" cy="216024"/>
+          </a:xfrm>
+          <a:prstGeom prst="ellipse">
+            <a:avLst/>
+          </a:prstGeom>
+          <a:solidFill>
+            <a:srgbClr val="0070C0"/>
+          </a:solidFill>
+          <a:ln>
+            <a:noFill/>
+          </a:ln>
+        </p:spPr>
+        <p:style>
+          <a:lnRef idx="2">
+            <a:schemeClr val="accent1">
+              <a:shade val="50000"/>
+            </a:schemeClr>
+          </a:lnRef>
+          <a:fillRef idx="1">
+            <a:schemeClr val="accent1"/>
+          </a:fillRef>
+          <a:effectRef idx="0">
+            <a:schemeClr val="accent1"/>
+          </a:effectRef>
+          <a:fontRef idx="minor">
+            <a:schemeClr val="lt1"/>
+          </a:fontRef>
+        </p:style>
+        <p:txBody>
+          <a:bodyPr rtlCol="0" anchor="ctr"/>
+          <a:lstStyle/>
+          <a:p>
+            <a:pPr algn="ctr"/>
+            <a:r>
+              <a:rPr lang="en-US" altLang="zh-CN" sz="1100" b="1" dirty="0" smtClean="0">
+                <a:solidFill>
+                  <a:schemeClr val="tx1"/>
+                </a:solidFill>
+              </a:rPr>
+              <a:t>consumer</a:t>
+            </a:r>
+            <a:endParaRPr lang="zh-CN" altLang="en-US" sz="1100" b="1" dirty="0">
+              <a:solidFill>
+                <a:schemeClr val="tx1"/>
+              </a:solidFill>
+            </a:endParaRPr>
+          </a:p>
+        </p:txBody>
+      </p:sp>
+      <p:sp>
+        <p:nvSpPr>
+          <p:cNvPr id="23" name="椭圆 22"/>
+          <p:cNvSpPr/>
+          <p:nvPr/>
+        </p:nvSpPr>
+        <p:spPr>
+          <a:xfrm>
+            <a:off x="4860032" y="1535357"/>
+            <a:ext cx="1080120" cy="182984"/>
+          </a:xfrm>
+          <a:prstGeom prst="ellipse">
+            <a:avLst/>
+          </a:prstGeom>
+          <a:solidFill>
+            <a:srgbClr val="0070C0"/>
+          </a:solidFill>
+          <a:ln>
+            <a:noFill/>
+          </a:ln>
+        </p:spPr>
+        <p:style>
+          <a:lnRef idx="2">
+            <a:schemeClr val="accent1">
+              <a:shade val="50000"/>
+            </a:schemeClr>
+          </a:lnRef>
+          <a:fillRef idx="1">
+            <a:schemeClr val="accent1"/>
+          </a:fillRef>
+          <a:effectRef idx="0">
+            <a:schemeClr val="accent1"/>
+          </a:effectRef>
+          <a:fontRef idx="minor">
+            <a:schemeClr val="lt1"/>
+          </a:fontRef>
+        </p:style>
+        <p:txBody>
+          <a:bodyPr rtlCol="0" anchor="ctr"/>
+          <a:lstStyle/>
+          <a:p>
+            <a:pPr algn="ctr"/>
+            <a:r>
+              <a:rPr lang="en-US" altLang="zh-CN" sz="1100" b="1" dirty="0">
+                <a:solidFill>
+                  <a:schemeClr val="tx1"/>
+                </a:solidFill>
+              </a:rPr>
+              <a:t>consumer</a:t>
+            </a:r>
+            <a:endParaRPr lang="zh-CN" altLang="en-US" sz="1100" b="1" dirty="0">
+              <a:solidFill>
+                <a:schemeClr val="tx1"/>
+              </a:solidFill>
+            </a:endParaRPr>
+          </a:p>
+        </p:txBody>
+      </p:sp>
+      <p:sp>
+        <p:nvSpPr>
+          <p:cNvPr id="24" name="椭圆 23"/>
+          <p:cNvSpPr/>
+          <p:nvPr/>
+        </p:nvSpPr>
+        <p:spPr>
+          <a:xfrm>
+            <a:off x="4860032" y="1864818"/>
+            <a:ext cx="1080120" cy="204186"/>
+          </a:xfrm>
+          <a:prstGeom prst="ellipse">
+            <a:avLst/>
+          </a:prstGeom>
+          <a:solidFill>
+            <a:srgbClr val="0070C0"/>
+          </a:solidFill>
+          <a:ln>
+            <a:noFill/>
+          </a:ln>
+        </p:spPr>
+        <p:style>
+          <a:lnRef idx="2">
+            <a:schemeClr val="accent1">
+              <a:shade val="50000"/>
+            </a:schemeClr>
+          </a:lnRef>
+          <a:fillRef idx="1">
+            <a:schemeClr val="accent1"/>
+          </a:fillRef>
+          <a:effectRef idx="0">
+            <a:schemeClr val="accent1"/>
+          </a:effectRef>
+          <a:fontRef idx="minor">
+            <a:schemeClr val="lt1"/>
+          </a:fontRef>
+        </p:style>
+        <p:txBody>
+          <a:bodyPr rtlCol="0" anchor="ctr"/>
+          <a:lstStyle/>
+          <a:p>
+            <a:pPr algn="ctr"/>
+            <a:r>
+              <a:rPr lang="en-US" altLang="zh-CN" sz="1100" b="1" dirty="0">
+                <a:solidFill>
+                  <a:schemeClr val="tx1"/>
+                </a:solidFill>
+              </a:rPr>
+              <a:t>consumer</a:t>
+            </a:r>
+            <a:endParaRPr lang="zh-CN" altLang="en-US" sz="1100" b="1" dirty="0">
+              <a:solidFill>
+                <a:schemeClr val="tx1"/>
+              </a:solidFill>
+            </a:endParaRPr>
+          </a:p>
+        </p:txBody>
+      </p:sp>
+      <p:sp>
+        <p:nvSpPr>
+          <p:cNvPr id="25" name="椭圆 24"/>
+          <p:cNvSpPr/>
+          <p:nvPr/>
+        </p:nvSpPr>
+        <p:spPr>
+          <a:xfrm>
+            <a:off x="4869284" y="2216702"/>
+            <a:ext cx="1080120" cy="204186"/>
+          </a:xfrm>
+          <a:prstGeom prst="ellipse">
+            <a:avLst/>
+          </a:prstGeom>
+          <a:solidFill>
+            <a:srgbClr val="0070C0"/>
+          </a:solidFill>
+          <a:ln>
+            <a:noFill/>
+          </a:ln>
+        </p:spPr>
+        <p:style>
+          <a:lnRef idx="2">
+            <a:schemeClr val="accent1">
+              <a:shade val="50000"/>
+            </a:schemeClr>
+          </a:lnRef>
+          <a:fillRef idx="1">
+            <a:schemeClr val="accent1"/>
+          </a:fillRef>
+          <a:effectRef idx="0">
+            <a:schemeClr val="accent1"/>
+          </a:effectRef>
+          <a:fontRef idx="minor">
+            <a:schemeClr val="lt1"/>
+          </a:fontRef>
+        </p:style>
+        <p:txBody>
+          <a:bodyPr rtlCol="0" anchor="ctr"/>
+          <a:lstStyle/>
+          <a:p>
+            <a:pPr algn="ctr"/>
+            <a:r>
+              <a:rPr lang="en-US" altLang="zh-CN" sz="1100" b="1" dirty="0">
+                <a:solidFill>
+                  <a:schemeClr val="tx1"/>
+                </a:solidFill>
+              </a:rPr>
+              <a:t>consumer</a:t>
+            </a:r>
+            <a:endParaRPr lang="zh-CN" altLang="en-US" sz="1100" b="1" dirty="0">
+              <a:solidFill>
+                <a:schemeClr val="tx1"/>
+              </a:solidFill>
+            </a:endParaRPr>
+          </a:p>
+        </p:txBody>
+      </p:sp>
+      <p:cxnSp>
+        <p:nvCxnSpPr>
+          <p:cNvPr id="27" name="直接箭头连接符 26"/>
+          <p:cNvCxnSpPr>
+            <a:stCxn id="6" idx="3"/>
+            <a:endCxn id="22" idx="2"/>
+          </p:cNvCxnSpPr>
+          <p:nvPr/>
+        </p:nvCxnSpPr>
+        <p:spPr>
+          <a:xfrm flipV="1">
+            <a:off x="4399380" y="1281728"/>
+            <a:ext cx="466084" cy="511803"/>
           </a:xfrm>
           <a:prstGeom prst="straightConnector1">
             <a:avLst/>
@@ -20850,17 +21481,89 @@
       </p:cxnSp>
       <p:cxnSp>
         <p:nvCxnSpPr>
-          <p:cNvPr id="17" name="直接箭头连接符 16"/>
+          <p:cNvPr id="29" name="直接箭头连接符 28"/>
           <p:cNvCxnSpPr>
-            <a:stCxn id="7" idx="6"/>
-            <a:endCxn id="4" idx="1"/>
+            <a:stCxn id="6" idx="3"/>
+            <a:endCxn id="23" idx="2"/>
           </p:cNvCxnSpPr>
           <p:nvPr/>
         </p:nvCxnSpPr>
         <p:spPr>
           <a:xfrm flipV="1">
-            <a:off x="2339752" y="4149080"/>
-            <a:ext cx="936104" cy="540060"/>
+            <a:off x="4399380" y="1626849"/>
+            <a:ext cx="460652" cy="166682"/>
+          </a:xfrm>
+          <a:prstGeom prst="straightConnector1">
+            <a:avLst/>
+          </a:prstGeom>
+          <a:ln>
+            <a:tailEnd type="triangle"/>
+          </a:ln>
+        </p:spPr>
+        <p:style>
+          <a:lnRef idx="1">
+            <a:schemeClr val="accent1"/>
+          </a:lnRef>
+          <a:fillRef idx="0">
+            <a:schemeClr val="accent1"/>
+          </a:fillRef>
+          <a:effectRef idx="0">
+            <a:schemeClr val="accent1"/>
+          </a:effectRef>
+          <a:fontRef idx="minor">
+            <a:schemeClr val="tx1"/>
+          </a:fontRef>
+        </p:style>
+      </p:cxnSp>
+      <p:cxnSp>
+        <p:nvCxnSpPr>
+          <p:cNvPr id="31" name="直接箭头连接符 30"/>
+          <p:cNvCxnSpPr>
+            <a:stCxn id="6" idx="3"/>
+            <a:endCxn id="24" idx="2"/>
+          </p:cNvCxnSpPr>
+          <p:nvPr/>
+        </p:nvCxnSpPr>
+        <p:spPr>
+          <a:xfrm>
+            <a:off x="4399380" y="1793531"/>
+            <a:ext cx="460652" cy="173380"/>
+          </a:xfrm>
+          <a:prstGeom prst="straightConnector1">
+            <a:avLst/>
+          </a:prstGeom>
+          <a:ln>
+            <a:tailEnd type="triangle"/>
+          </a:ln>
+        </p:spPr>
+        <p:style>
+          <a:lnRef idx="1">
+            <a:schemeClr val="accent1"/>
+          </a:lnRef>
+          <a:fillRef idx="0">
+            <a:schemeClr val="accent1"/>
+          </a:fillRef>
+          <a:effectRef idx="0">
+            <a:schemeClr val="accent1"/>
+          </a:effectRef>
+          <a:fontRef idx="minor">
+            <a:schemeClr val="tx1"/>
+          </a:fontRef>
+        </p:style>
+      </p:cxnSp>
+      <p:cxnSp>
+        <p:nvCxnSpPr>
+          <p:cNvPr id="33" name="直接箭头连接符 32"/>
+          <p:cNvCxnSpPr>
+            <a:stCxn id="6" idx="3"/>
+            <a:endCxn id="25" idx="2"/>
+          </p:cNvCxnSpPr>
+          <p:nvPr/>
+        </p:nvCxnSpPr>
+        <p:spPr>
+          <a:xfrm>
+            <a:off x="4399380" y="1793531"/>
+            <a:ext cx="469904" cy="525264"/>
           </a:xfrm>
           <a:prstGeom prst="straightConnector1">
             <a:avLst/>
@@ -20886,23 +21589,20 @@
       </p:cxnSp>
       <p:sp>
         <p:nvSpPr>
-          <p:cNvPr id="24" name="椭圆 23"/>
+          <p:cNvPr id="34" name="椭圆 33"/>
           <p:cNvSpPr/>
           <p:nvPr/>
         </p:nvSpPr>
         <p:spPr>
           <a:xfrm>
-            <a:off x="5580112" y="3969060"/>
-            <a:ext cx="1080120" cy="360040"/>
+            <a:off x="3112912" y="2754913"/>
+            <a:ext cx="1449412" cy="864096"/>
           </a:xfrm>
           <a:prstGeom prst="ellipse">
             <a:avLst/>
           </a:prstGeom>
           <a:solidFill>
-            <a:schemeClr val="accent4">
-              <a:lumMod val="50000"/>
-              <a:lumOff val="50000"/>
-            </a:schemeClr>
+            <a:srgbClr val="7030A0"/>
           </a:solidFill>
           <a:ln>
             <a:noFill/>
@@ -20930,14 +21630,14 @@
           <a:p>
             <a:pPr algn="ctr"/>
             <a:r>
-              <a:rPr lang="en-US" altLang="zh-CN" sz="1100" b="1" dirty="0" smtClean="0">
+              <a:rPr lang="zh-CN" altLang="en-US" sz="1200" b="1" dirty="0" smtClean="0">
                 <a:solidFill>
                   <a:schemeClr val="tx1"/>
                 </a:solidFill>
               </a:rPr>
-              <a:t>consumer</a:t>
-            </a:r>
-            <a:endParaRPr lang="zh-CN" altLang="en-US" sz="1100" b="1" dirty="0">
+              <a:t>协程调度器</a:t>
+            </a:r>
+            <a:endParaRPr lang="zh-CN" altLang="en-US" sz="1200" b="1" dirty="0">
               <a:solidFill>
                 <a:schemeClr val="tx1"/>
               </a:solidFill>
@@ -20947,20 +21647,22 @@
       </p:sp>
       <p:cxnSp>
         <p:nvCxnSpPr>
-          <p:cNvPr id="26" name="直接箭头连接符 25"/>
+          <p:cNvPr id="36" name="曲线连接符 35"/>
           <p:cNvCxnSpPr>
-            <a:stCxn id="4" idx="3"/>
-            <a:endCxn id="24" idx="2"/>
+            <a:stCxn id="34" idx="2"/>
+            <a:endCxn id="7" idx="2"/>
           </p:cNvCxnSpPr>
           <p:nvPr/>
         </p:nvCxnSpPr>
         <p:spPr>
-          <a:xfrm>
-            <a:off x="4644008" y="4149080"/>
-            <a:ext cx="936104" cy="0"/>
-          </a:xfrm>
-          <a:prstGeom prst="straightConnector1">
-            <a:avLst/>
+          <a:xfrm rot="10800000">
+            <a:off x="1763688" y="1448781"/>
+            <a:ext cx="1349224" cy="1738181"/>
+          </a:xfrm>
+          <a:prstGeom prst="curvedConnector3">
+            <a:avLst>
+              <a:gd name="adj1" fmla="val 162125"/>
+            </a:avLst>
           </a:prstGeom>
           <a:ln>
             <a:tailEnd type="triangle"/>
@@ -20981,313 +21683,234 @@
           </a:fontRef>
         </p:style>
       </p:cxnSp>
-      <p:sp>
-        <p:nvSpPr>
-          <p:cNvPr id="27" name="矩形 26"/>
-          <p:cNvSpPr/>
+      <p:cxnSp>
+        <p:nvCxnSpPr>
+          <p:cNvPr id="39" name="曲线连接符 38"/>
+          <p:cNvCxnSpPr>
+            <a:stCxn id="34" idx="2"/>
+            <a:endCxn id="8" idx="2"/>
+          </p:cNvCxnSpPr>
           <p:nvPr/>
-        </p:nvSpPr>
-        <p:spPr>
-          <a:xfrm>
-            <a:off x="3275856" y="4329100"/>
-            <a:ext cx="1368152" cy="180020"/>
-          </a:xfrm>
-          <a:prstGeom prst="rect">
-            <a:avLst/>
-          </a:prstGeom>
-          <a:solidFill>
-            <a:schemeClr val="accent2">
-              <a:lumMod val="75000"/>
-            </a:schemeClr>
-          </a:solidFill>
+        </p:nvCxnSpPr>
+        <p:spPr>
+          <a:xfrm rot="10800000">
+            <a:off x="1758256" y="1793901"/>
+            <a:ext cx="1354656" cy="1393060"/>
+          </a:xfrm>
+          <a:prstGeom prst="curvedConnector3">
+            <a:avLst>
+              <a:gd name="adj1" fmla="val 116875"/>
+            </a:avLst>
+          </a:prstGeom>
           <a:ln>
-            <a:noFill/>
+            <a:tailEnd type="triangle"/>
           </a:ln>
         </p:spPr>
         <p:style>
-          <a:lnRef idx="2">
-            <a:schemeClr val="accent1">
-              <a:shade val="50000"/>
-            </a:schemeClr>
+          <a:lnRef idx="1">
+            <a:schemeClr val="accent1"/>
           </a:lnRef>
-          <a:fillRef idx="1">
+          <a:fillRef idx="0">
             <a:schemeClr val="accent1"/>
           </a:fillRef>
           <a:effectRef idx="0">
             <a:schemeClr val="accent1"/>
           </a:effectRef>
           <a:fontRef idx="minor">
-            <a:schemeClr val="lt1"/>
+            <a:schemeClr val="tx1"/>
           </a:fontRef>
         </p:style>
-        <p:txBody>
-          <a:bodyPr rtlCol="0" anchor="ctr"/>
-          <a:lstStyle/>
-          <a:p>
-            <a:pPr algn="ctr"/>
-            <a:r>
-              <a:rPr lang="en-US" altLang="zh-CN" sz="1200" b="1" dirty="0" smtClean="0">
-                <a:solidFill>
-                  <a:schemeClr val="tx1"/>
-                </a:solidFill>
-              </a:rPr>
-              <a:t>IO</a:t>
-            </a:r>
-            <a:r>
-              <a:rPr lang="zh-CN" altLang="en-US" sz="1200" b="1" dirty="0" smtClean="0">
-                <a:solidFill>
-                  <a:schemeClr val="tx1"/>
-                </a:solidFill>
-              </a:rPr>
-              <a:t>管道</a:t>
-            </a:r>
-            <a:endParaRPr lang="zh-CN" altLang="en-US" sz="1200" b="1" dirty="0">
-              <a:solidFill>
-                <a:schemeClr val="tx1"/>
-              </a:solidFill>
-            </a:endParaRPr>
-          </a:p>
-        </p:txBody>
-      </p:sp>
-      <p:sp>
-        <p:nvSpPr>
-          <p:cNvPr id="28" name="文本框 27"/>
-          <p:cNvSpPr txBox="1"/>
+      </p:cxnSp>
+      <p:cxnSp>
+        <p:nvCxnSpPr>
+          <p:cNvPr id="41" name="曲线连接符 40"/>
+          <p:cNvCxnSpPr>
+            <a:stCxn id="34" idx="2"/>
+            <a:endCxn id="9" idx="4"/>
+          </p:cNvCxnSpPr>
           <p:nvPr/>
-        </p:nvSpPr>
-        <p:spPr>
-          <a:xfrm>
-            <a:off x="899592" y="5301208"/>
-            <a:ext cx="7344816" cy="1077218"/>
-          </a:xfrm>
-          <a:prstGeom prst="rect">
-            <a:avLst/>
-          </a:prstGeom>
-          <a:noFill/>
-        </p:spPr>
-        <p:txBody>
-          <a:bodyPr wrap="square" rtlCol="0">
-            <a:spAutoFit/>
-          </a:bodyPr>
-          <a:lstStyle/>
-          <a:p>
-            <a:r>
-              <a:rPr lang="en-US" altLang="zh-CN" sz="1600" dirty="0" smtClean="0"/>
-              <a:t>1</a:t>
-            </a:r>
-            <a:r>
-              <a:rPr lang="zh-CN" altLang="en-US" sz="1600" dirty="0" smtClean="0"/>
-              <a:t>、生产者</a:t>
-            </a:r>
-            <a:r>
-              <a:rPr lang="en-US" altLang="zh-CN" sz="1600" dirty="0" smtClean="0"/>
-              <a:t>/</a:t>
-            </a:r>
-            <a:r>
-              <a:rPr lang="zh-CN" altLang="en-US" sz="1600" dirty="0" smtClean="0"/>
-              <a:t>消费者之间优先通过无锁队列进行数据传递</a:t>
-            </a:r>
-            <a:endParaRPr lang="en-US" altLang="zh-CN" sz="1600" dirty="0" smtClean="0"/>
-          </a:p>
-          <a:p>
-            <a:r>
-              <a:rPr lang="en-US" altLang="zh-CN" sz="1600" dirty="0" smtClean="0"/>
-              <a:t>2</a:t>
-            </a:r>
-            <a:r>
-              <a:rPr lang="zh-CN" altLang="en-US" sz="1600" dirty="0" smtClean="0"/>
-              <a:t>、当生产者无数据时，消费者通过</a:t>
-            </a:r>
-            <a:r>
-              <a:rPr lang="en-US" altLang="zh-CN" sz="1600" dirty="0" smtClean="0"/>
-              <a:t>IO</a:t>
-            </a:r>
-            <a:r>
-              <a:rPr lang="zh-CN" altLang="en-US" sz="1600" dirty="0" smtClean="0"/>
-              <a:t>堵塞</a:t>
-            </a:r>
-            <a:endParaRPr lang="en-US" altLang="zh-CN" sz="1600" dirty="0" smtClean="0"/>
-          </a:p>
-          <a:p>
-            <a:r>
-              <a:rPr lang="en-US" altLang="zh-CN" sz="1600" dirty="0" smtClean="0"/>
-              <a:t>3</a:t>
-            </a:r>
-            <a:r>
-              <a:rPr lang="zh-CN" altLang="en-US" sz="1600" dirty="0" smtClean="0"/>
-              <a:t>、当消费者堵塞在</a:t>
-            </a:r>
-            <a:r>
-              <a:rPr lang="en-US" altLang="zh-CN" sz="1600" dirty="0" smtClean="0"/>
-              <a:t>IO</a:t>
-            </a:r>
-            <a:r>
-              <a:rPr lang="zh-CN" altLang="en-US" sz="1600" dirty="0" smtClean="0"/>
-              <a:t>等待新消息时，生产者若有新消息则通过</a:t>
-            </a:r>
-            <a:r>
-              <a:rPr lang="en-US" altLang="zh-CN" sz="1600" dirty="0" smtClean="0"/>
-              <a:t>IO</a:t>
-            </a:r>
-            <a:r>
-              <a:rPr lang="zh-CN" altLang="en-US" sz="1600" dirty="0" smtClean="0"/>
-              <a:t>通知消费者</a:t>
-            </a:r>
-            <a:endParaRPr lang="en-US" altLang="zh-CN" sz="1600" dirty="0" smtClean="0"/>
-          </a:p>
-          <a:p>
-            <a:r>
-              <a:rPr lang="en-US" altLang="zh-CN" sz="1600" dirty="0" smtClean="0"/>
-              <a:t>4</a:t>
-            </a:r>
-            <a:r>
-              <a:rPr lang="zh-CN" altLang="en-US" sz="1600" dirty="0" smtClean="0"/>
-              <a:t>、无锁队列利用率越高，则处理性能越高</a:t>
-            </a:r>
-            <a:endParaRPr lang="en-US" altLang="zh-CN" sz="1600" dirty="0" smtClean="0"/>
-          </a:p>
-        </p:txBody>
-      </p:sp>
-      <p:sp>
-        <p:nvSpPr>
-          <p:cNvPr id="8" name="文本框 7"/>
-          <p:cNvSpPr txBox="1"/>
+        </p:nvCxnSpPr>
+        <p:spPr>
+          <a:xfrm rot="10800000">
+            <a:off x="2298316" y="2236057"/>
+            <a:ext cx="814596" cy="950905"/>
+          </a:xfrm>
+          <a:prstGeom prst="curvedConnector2">
+            <a:avLst/>
+          </a:prstGeom>
+          <a:ln>
+            <a:tailEnd type="triangle"/>
+          </a:ln>
+        </p:spPr>
+        <p:style>
+          <a:lnRef idx="1">
+            <a:schemeClr val="accent1"/>
+          </a:lnRef>
+          <a:fillRef idx="0">
+            <a:schemeClr val="accent1"/>
+          </a:fillRef>
+          <a:effectRef idx="0">
+            <a:schemeClr val="accent1"/>
+          </a:effectRef>
+          <a:fontRef idx="minor">
+            <a:schemeClr val="tx1"/>
+          </a:fontRef>
+        </p:style>
+      </p:cxnSp>
+      <p:cxnSp>
+        <p:nvCxnSpPr>
+          <p:cNvPr id="43" name="曲线连接符 42"/>
+          <p:cNvCxnSpPr>
+            <a:stCxn id="34" idx="6"/>
+            <a:endCxn id="22" idx="6"/>
+          </p:cNvCxnSpPr>
           <p:nvPr/>
-        </p:nvSpPr>
-        <p:spPr>
-          <a:xfrm>
-            <a:off x="634976" y="3455422"/>
-            <a:ext cx="720080" cy="261610"/>
-          </a:xfrm>
-          <a:prstGeom prst="rect">
-            <a:avLst/>
-          </a:prstGeom>
-          <a:noFill/>
-        </p:spPr>
-        <p:txBody>
-          <a:bodyPr wrap="square" rtlCol="0">
-            <a:spAutoFit/>
-          </a:bodyPr>
-          <a:lstStyle/>
-          <a:p>
-            <a:r>
-              <a:rPr lang="zh-CN" altLang="en-US" sz="1100" b="1" dirty="0" smtClean="0"/>
-              <a:t>线程 </a:t>
-            </a:r>
-            <a:r>
-              <a:rPr lang="en-US" altLang="zh-CN" sz="1100" b="1" dirty="0" smtClean="0"/>
-              <a:t>A</a:t>
-            </a:r>
-            <a:endParaRPr lang="zh-CN" altLang="en-US" sz="1100" b="1" dirty="0"/>
-          </a:p>
-        </p:txBody>
-      </p:sp>
-      <p:sp>
-        <p:nvSpPr>
-          <p:cNvPr id="16" name="文本框 15"/>
-          <p:cNvSpPr txBox="1"/>
+        </p:nvCxnSpPr>
+        <p:spPr>
+          <a:xfrm flipV="1">
+            <a:off x="4562324" y="1281728"/>
+            <a:ext cx="1383260" cy="1905233"/>
+          </a:xfrm>
+          <a:prstGeom prst="curvedConnector3">
+            <a:avLst>
+              <a:gd name="adj1" fmla="val 166105"/>
+            </a:avLst>
+          </a:prstGeom>
+          <a:ln>
+            <a:tailEnd type="triangle"/>
+          </a:ln>
+        </p:spPr>
+        <p:style>
+          <a:lnRef idx="1">
+            <a:schemeClr val="accent1"/>
+          </a:lnRef>
+          <a:fillRef idx="0">
+            <a:schemeClr val="accent1"/>
+          </a:fillRef>
+          <a:effectRef idx="0">
+            <a:schemeClr val="accent1"/>
+          </a:effectRef>
+          <a:fontRef idx="minor">
+            <a:schemeClr val="tx1"/>
+          </a:fontRef>
+        </p:style>
+      </p:cxnSp>
+      <p:cxnSp>
+        <p:nvCxnSpPr>
+          <p:cNvPr id="46" name="曲线连接符 45"/>
+          <p:cNvCxnSpPr>
+            <a:stCxn id="34" idx="6"/>
+            <a:endCxn id="23" idx="6"/>
+          </p:cNvCxnSpPr>
           <p:nvPr/>
-        </p:nvSpPr>
-        <p:spPr>
-          <a:xfrm>
-            <a:off x="626592" y="4026695"/>
-            <a:ext cx="720080" cy="261610"/>
-          </a:xfrm>
-          <a:prstGeom prst="rect">
-            <a:avLst/>
-          </a:prstGeom>
-          <a:noFill/>
-        </p:spPr>
-        <p:txBody>
-          <a:bodyPr wrap="square" rtlCol="0">
-            <a:spAutoFit/>
-          </a:bodyPr>
-          <a:lstStyle/>
-          <a:p>
-            <a:r>
-              <a:rPr lang="zh-CN" altLang="en-US" sz="1100" b="1" dirty="0" smtClean="0"/>
-              <a:t>线程 </a:t>
-            </a:r>
-            <a:r>
-              <a:rPr lang="en-US" altLang="zh-CN" sz="1100" b="1" dirty="0" smtClean="0"/>
-              <a:t>B</a:t>
-            </a:r>
-            <a:endParaRPr lang="zh-CN" altLang="en-US" sz="1100" b="1" dirty="0"/>
-          </a:p>
-        </p:txBody>
-      </p:sp>
-      <p:sp>
-        <p:nvSpPr>
-          <p:cNvPr id="18" name="文本框 17"/>
-          <p:cNvSpPr txBox="1"/>
+        </p:nvCxnSpPr>
+        <p:spPr>
+          <a:xfrm flipV="1">
+            <a:off x="4562324" y="1626849"/>
+            <a:ext cx="1377828" cy="1560112"/>
+          </a:xfrm>
+          <a:prstGeom prst="curvedConnector3">
+            <a:avLst>
+              <a:gd name="adj1" fmla="val 147008"/>
+            </a:avLst>
+          </a:prstGeom>
+          <a:ln>
+            <a:tailEnd type="triangle"/>
+          </a:ln>
+        </p:spPr>
+        <p:style>
+          <a:lnRef idx="1">
+            <a:schemeClr val="accent1"/>
+          </a:lnRef>
+          <a:fillRef idx="0">
+            <a:schemeClr val="accent1"/>
+          </a:fillRef>
+          <a:effectRef idx="0">
+            <a:schemeClr val="accent1"/>
+          </a:effectRef>
+          <a:fontRef idx="minor">
+            <a:schemeClr val="tx1"/>
+          </a:fontRef>
+        </p:style>
+      </p:cxnSp>
+      <p:cxnSp>
+        <p:nvCxnSpPr>
+          <p:cNvPr id="49" name="曲线连接符 48"/>
+          <p:cNvCxnSpPr>
+            <a:stCxn id="34" idx="6"/>
+            <a:endCxn id="24" idx="6"/>
+          </p:cNvCxnSpPr>
           <p:nvPr/>
-        </p:nvSpPr>
-        <p:spPr>
-          <a:xfrm>
-            <a:off x="634976" y="4549936"/>
-            <a:ext cx="720080" cy="261610"/>
-          </a:xfrm>
-          <a:prstGeom prst="rect">
-            <a:avLst/>
-          </a:prstGeom>
-          <a:noFill/>
-        </p:spPr>
-        <p:txBody>
-          <a:bodyPr wrap="square" rtlCol="0">
-            <a:spAutoFit/>
-          </a:bodyPr>
-          <a:lstStyle/>
-          <a:p>
-            <a:r>
-              <a:rPr lang="zh-CN" altLang="en-US" sz="1100" b="1" dirty="0" smtClean="0"/>
-              <a:t>线程 </a:t>
-            </a:r>
-            <a:r>
-              <a:rPr lang="en-US" altLang="zh-CN" sz="1100" b="1" dirty="0" smtClean="0"/>
-              <a:t>C</a:t>
-            </a:r>
-            <a:endParaRPr lang="zh-CN" altLang="en-US" sz="1100" b="1" dirty="0"/>
-          </a:p>
-        </p:txBody>
-      </p:sp>
-      <p:sp>
-        <p:nvSpPr>
-          <p:cNvPr id="19" name="文本框 18"/>
-          <p:cNvSpPr txBox="1"/>
+        </p:nvCxnSpPr>
+        <p:spPr>
+          <a:xfrm flipV="1">
+            <a:off x="4562324" y="1966911"/>
+            <a:ext cx="1377828" cy="1220050"/>
+          </a:xfrm>
+          <a:prstGeom prst="curvedConnector3">
+            <a:avLst>
+              <a:gd name="adj1" fmla="val 118434"/>
+            </a:avLst>
+          </a:prstGeom>
+          <a:ln>
+            <a:tailEnd type="triangle"/>
+          </a:ln>
+        </p:spPr>
+        <p:style>
+          <a:lnRef idx="1">
+            <a:schemeClr val="accent1"/>
+          </a:lnRef>
+          <a:fillRef idx="0">
+            <a:schemeClr val="accent1"/>
+          </a:fillRef>
+          <a:effectRef idx="0">
+            <a:schemeClr val="accent1"/>
+          </a:effectRef>
+          <a:fontRef idx="minor">
+            <a:schemeClr val="tx1"/>
+          </a:fontRef>
+        </p:style>
+      </p:cxnSp>
+      <p:cxnSp>
+        <p:nvCxnSpPr>
+          <p:cNvPr id="52" name="曲线连接符 51"/>
+          <p:cNvCxnSpPr>
+            <a:stCxn id="34" idx="6"/>
+            <a:endCxn id="25" idx="4"/>
+          </p:cNvCxnSpPr>
           <p:nvPr/>
-        </p:nvSpPr>
-        <p:spPr>
-          <a:xfrm>
-            <a:off x="6929388" y="4026695"/>
-            <a:ext cx="720080" cy="261610"/>
-          </a:xfrm>
-          <a:prstGeom prst="rect">
-            <a:avLst/>
-          </a:prstGeom>
-          <a:noFill/>
-        </p:spPr>
-        <p:txBody>
-          <a:bodyPr wrap="square" rtlCol="0">
-            <a:spAutoFit/>
-          </a:bodyPr>
-          <a:lstStyle/>
-          <a:p>
-            <a:r>
-              <a:rPr lang="zh-CN" altLang="en-US" sz="1100" b="1" dirty="0" smtClean="0"/>
-              <a:t>线程 </a:t>
-            </a:r>
-            <a:r>
-              <a:rPr lang="en-US" altLang="zh-CN" sz="1100" b="1" dirty="0" smtClean="0"/>
-              <a:t>D</a:t>
-            </a:r>
-            <a:endParaRPr lang="zh-CN" altLang="en-US" sz="1100" b="1" dirty="0"/>
-          </a:p>
-        </p:txBody>
-      </p:sp>
+        </p:nvCxnSpPr>
+        <p:spPr>
+          <a:xfrm flipV="1">
+            <a:off x="4562324" y="2420888"/>
+            <a:ext cx="847020" cy="766073"/>
+          </a:xfrm>
+          <a:prstGeom prst="curvedConnector2">
+            <a:avLst/>
+          </a:prstGeom>
+          <a:ln>
+            <a:tailEnd type="triangle"/>
+          </a:ln>
+        </p:spPr>
+        <p:style>
+          <a:lnRef idx="1">
+            <a:schemeClr val="accent1"/>
+          </a:lnRef>
+          <a:fillRef idx="0">
+            <a:schemeClr val="accent1"/>
+          </a:fillRef>
+          <a:effectRef idx="0">
+            <a:schemeClr val="accent1"/>
+          </a:effectRef>
+          <a:fontRef idx="minor">
+            <a:schemeClr val="tx1"/>
+          </a:fontRef>
+        </p:style>
+      </p:cxnSp>
     </p:spTree>
     <p:extLst>
       <p:ext uri="{BB962C8B-B14F-4D97-AF65-F5344CB8AC3E}">
-        <p14:creationId xmlns:p14="http://schemas.microsoft.com/office/powerpoint/2010/main" val="1490133852"/>
+        <p14:creationId xmlns:p14="http://schemas.microsoft.com/office/powerpoint/2010/main" val="3681865729"/>
       </p:ext>
     </p:extLst>
   </p:cSld>
@@ -21338,7 +21961,7 @@
           <a:p>
             <a:r>
               <a:rPr lang="zh-CN" altLang="en-US" dirty="0" smtClean="0"/>
-              <a:t>如何与第三方库无缝集成 </a:t>
+              <a:t>线程间通信 </a:t>
             </a:r>
             <a:r>
               <a:rPr lang="en-US" altLang="zh-CN" dirty="0" smtClean="0"/>
@@ -21362,311 +21985,70 @@
             <p:ph idx="1"/>
           </p:nvPr>
         </p:nvSpPr>
-        <p:spPr/>
+        <p:spPr>
+          <a:xfrm>
+            <a:off x="428596" y="1047733"/>
+            <a:ext cx="8229600" cy="2381267"/>
+          </a:xfrm>
+        </p:spPr>
         <p:txBody>
           <a:bodyPr/>
           <a:lstStyle/>
           <a:p>
             <a:r>
-              <a:rPr lang="en-US" altLang="zh-CN" sz="1600" b="1" dirty="0" smtClean="0"/>
-              <a:t>1</a:t>
-            </a:r>
-            <a:r>
-              <a:rPr lang="zh-CN" altLang="en-US" sz="1600" b="1" dirty="0" smtClean="0"/>
-              <a:t>、</a:t>
-            </a:r>
-            <a:r>
-              <a:rPr lang="en-US" altLang="zh-CN" sz="1600" b="1" dirty="0" smtClean="0"/>
-              <a:t>HOOK IO</a:t>
-            </a:r>
-            <a:r>
-              <a:rPr lang="zh-CN" altLang="en-US" sz="1600" b="1" dirty="0" smtClean="0"/>
-              <a:t>相关</a:t>
-            </a:r>
-            <a:r>
-              <a:rPr lang="en-US" altLang="zh-CN" sz="1600" b="1" dirty="0" smtClean="0"/>
-              <a:t>API</a:t>
-            </a:r>
-          </a:p>
-          <a:p>
+              <a:rPr lang="zh-CN" altLang="en-US" dirty="0" smtClean="0"/>
+              <a:t>协程模式下为何需要线程间通信？</a:t>
+            </a:r>
+            <a:endParaRPr lang="en-US" altLang="zh-CN" dirty="0" smtClean="0"/>
+          </a:p>
+          <a:p>
+            <a:r>
+              <a:rPr lang="en-US" altLang="zh-CN" sz="1600" dirty="0" smtClean="0"/>
+              <a:t>- </a:t>
+            </a:r>
             <a:r>
               <a:rPr lang="zh-CN" altLang="en-US" sz="1600" dirty="0" smtClean="0"/>
-              <a:t>读 </a:t>
-            </a:r>
+              <a:t>为使用多核，开启多个线程，线程间需要交换数据</a:t>
+            </a:r>
+            <a:endParaRPr lang="en-US" altLang="zh-CN" sz="1600" dirty="0" smtClean="0"/>
+          </a:p>
+          <a:p>
             <a:r>
               <a:rPr lang="en-US" altLang="zh-CN" sz="1600" dirty="0" smtClean="0"/>
-              <a:t>API</a:t>
+              <a:t>- </a:t>
             </a:r>
             <a:r>
               <a:rPr lang="zh-CN" altLang="en-US" sz="1600" dirty="0" smtClean="0"/>
-              <a:t>：</a:t>
-            </a:r>
+              <a:t>有些任务需要在线程池里异步完成，结果需要传递给主线程</a:t>
+            </a:r>
+            <a:endParaRPr lang="en-US" altLang="zh-CN" sz="1600" dirty="0" smtClean="0"/>
+          </a:p>
+          <a:p>
+            <a:endParaRPr lang="en-US" altLang="zh-CN" dirty="0"/>
+          </a:p>
+          <a:p>
+            <a:r>
+              <a:rPr lang="zh-CN" altLang="en-US" dirty="0" smtClean="0"/>
+              <a:t>协程模式下线程间的通信方式：</a:t>
+            </a:r>
+            <a:endParaRPr lang="en-US" altLang="zh-CN" dirty="0" smtClean="0"/>
+          </a:p>
+          <a:p>
             <a:r>
               <a:rPr lang="en-US" altLang="zh-CN" sz="1600" dirty="0" smtClean="0"/>
-              <a:t>read/</a:t>
-            </a:r>
-            <a:r>
-              <a:rPr lang="en-US" altLang="zh-CN" sz="1600" dirty="0" err="1" smtClean="0"/>
-              <a:t>readv</a:t>
+              <a:t>- </a:t>
+            </a:r>
+            <a:r>
+              <a:rPr lang="zh-CN" altLang="en-US" sz="1600" dirty="0" smtClean="0"/>
+              <a:t>无锁消息队列 </a:t>
             </a:r>
             <a:r>
               <a:rPr lang="en-US" altLang="zh-CN" sz="1600" dirty="0" smtClean="0"/>
-              <a:t>/</a:t>
-            </a:r>
-            <a:r>
-              <a:rPr lang="en-US" altLang="zh-CN" sz="1600" dirty="0" err="1" smtClean="0"/>
-              <a:t>recv</a:t>
-            </a:r>
-            <a:r>
-              <a:rPr lang="en-US" altLang="zh-CN" sz="1600" dirty="0" smtClean="0"/>
-              <a:t>/</a:t>
-            </a:r>
-            <a:r>
-              <a:rPr lang="en-US" altLang="zh-CN" sz="1600" dirty="0" err="1" smtClean="0"/>
-              <a:t>recvfrom</a:t>
-            </a:r>
-            <a:r>
-              <a:rPr lang="en-US" altLang="zh-CN" sz="1600" dirty="0" smtClean="0"/>
-              <a:t>/</a:t>
-            </a:r>
-            <a:r>
-              <a:rPr lang="en-US" altLang="zh-CN" sz="1600" dirty="0" err="1" smtClean="0"/>
-              <a:t>recvmsg</a:t>
-            </a:r>
-            <a:endParaRPr lang="en-US" altLang="zh-CN" sz="1600" dirty="0" smtClean="0"/>
-          </a:p>
-          <a:p>
+              <a:t>+ IO </a:t>
+            </a:r>
             <a:r>
               <a:rPr lang="zh-CN" altLang="en-US" sz="1600" dirty="0" smtClean="0"/>
-              <a:t>写 </a:t>
-            </a:r>
-            <a:r>
-              <a:rPr lang="en-US" altLang="zh-CN" sz="1600" dirty="0" smtClean="0"/>
-              <a:t>API</a:t>
-            </a:r>
-            <a:r>
-              <a:rPr lang="zh-CN" altLang="en-US" sz="1600" dirty="0" smtClean="0"/>
-              <a:t>：</a:t>
-            </a:r>
-            <a:r>
-              <a:rPr lang="en-US" altLang="zh-CN" sz="1600" dirty="0" smtClean="0"/>
-              <a:t>write/</a:t>
-            </a:r>
-            <a:r>
-              <a:rPr lang="en-US" altLang="zh-CN" sz="1600" dirty="0" err="1" smtClean="0"/>
-              <a:t>writev</a:t>
-            </a:r>
-            <a:r>
-              <a:rPr lang="en-US" altLang="zh-CN" sz="1600" dirty="0" smtClean="0"/>
-              <a:t>/send/</a:t>
-            </a:r>
-            <a:r>
-              <a:rPr lang="en-US" altLang="zh-CN" sz="1600" dirty="0" err="1" smtClean="0"/>
-              <a:t>sendto</a:t>
-            </a:r>
-            <a:r>
-              <a:rPr lang="en-US" altLang="zh-CN" sz="1600" dirty="0" smtClean="0"/>
-              <a:t>/</a:t>
-            </a:r>
-            <a:r>
-              <a:rPr lang="en-US" altLang="zh-CN" sz="1600" dirty="0" err="1" smtClean="0"/>
-              <a:t>sendmsg</a:t>
-            </a:r>
-            <a:endParaRPr lang="en-US" altLang="zh-CN" sz="1600" dirty="0" smtClean="0"/>
-          </a:p>
-          <a:p>
-            <a:r>
-              <a:rPr lang="zh-CN" altLang="en-US" sz="1600" dirty="0" smtClean="0"/>
-              <a:t>其它 </a:t>
-            </a:r>
-            <a:r>
-              <a:rPr lang="en-US" altLang="zh-CN" sz="1600" dirty="0" smtClean="0"/>
-              <a:t>API</a:t>
-            </a:r>
-            <a:r>
-              <a:rPr lang="zh-CN" altLang="en-US" sz="1600" dirty="0" smtClean="0"/>
-              <a:t>：</a:t>
-            </a:r>
-            <a:r>
-              <a:rPr lang="en-US" altLang="zh-CN" sz="1600" dirty="0" smtClean="0"/>
-              <a:t>pipe/</a:t>
-            </a:r>
-            <a:r>
-              <a:rPr lang="en-US" altLang="zh-CN" sz="1600" dirty="0" err="1" smtClean="0"/>
-              <a:t>popen</a:t>
-            </a:r>
-            <a:r>
-              <a:rPr lang="en-US" altLang="zh-CN" sz="1600" dirty="0" smtClean="0"/>
-              <a:t>/</a:t>
-            </a:r>
-            <a:r>
-              <a:rPr lang="en-US" altLang="zh-CN" sz="1600" dirty="0" err="1" smtClean="0"/>
-              <a:t>pclose</a:t>
-            </a:r>
-            <a:r>
-              <a:rPr lang="en-US" altLang="zh-CN" sz="1600" dirty="0" smtClean="0"/>
-              <a:t>/open/close/</a:t>
-            </a:r>
-            <a:r>
-              <a:rPr lang="en-US" altLang="zh-CN" sz="1600" dirty="0" err="1" smtClean="0"/>
-              <a:t>fcntl</a:t>
-            </a:r>
-            <a:endParaRPr lang="en-US" altLang="zh-CN" sz="1600" dirty="0" smtClean="0"/>
-          </a:p>
-          <a:p>
-            <a:r>
-              <a:rPr lang="en-US" altLang="zh-CN" sz="1600" b="1" dirty="0" smtClean="0"/>
-              <a:t>2</a:t>
-            </a:r>
-            <a:r>
-              <a:rPr lang="zh-CN" altLang="en-US" sz="1600" b="1" dirty="0" smtClean="0"/>
-              <a:t>、</a:t>
-            </a:r>
-            <a:r>
-              <a:rPr lang="en-US" altLang="zh-CN" sz="1600" b="1" dirty="0" smtClean="0"/>
-              <a:t>HOOK </a:t>
-            </a:r>
-            <a:r>
-              <a:rPr lang="zh-CN" altLang="en-US" sz="1600" b="1" dirty="0" smtClean="0"/>
-              <a:t>网络相关</a:t>
-            </a:r>
-            <a:r>
-              <a:rPr lang="en-US" altLang="zh-CN" sz="1600" b="1" dirty="0" smtClean="0"/>
-              <a:t>API</a:t>
-            </a:r>
-          </a:p>
-          <a:p>
-            <a:r>
-              <a:rPr lang="en-US" altLang="zh-CN" sz="1600" dirty="0" smtClean="0"/>
-              <a:t>socket/</a:t>
-            </a:r>
-            <a:r>
-              <a:rPr lang="en-US" altLang="zh-CN" sz="1600" dirty="0" err="1" smtClean="0"/>
-              <a:t>socketpair</a:t>
-            </a:r>
-            <a:r>
-              <a:rPr lang="en-US" altLang="zh-CN" sz="1600" dirty="0" smtClean="0"/>
-              <a:t>/bind/listen/accept/connect</a:t>
-            </a:r>
-          </a:p>
-          <a:p>
-            <a:r>
-              <a:rPr lang="en-US" altLang="zh-CN" sz="1600" dirty="0" smtClean="0"/>
-              <a:t>poll/select/</a:t>
-            </a:r>
-            <a:r>
-              <a:rPr lang="en-US" altLang="zh-CN" sz="1600" dirty="0" err="1" smtClean="0"/>
-              <a:t>epoll_create</a:t>
-            </a:r>
-            <a:r>
-              <a:rPr lang="en-US" altLang="zh-CN" sz="1600" dirty="0" smtClean="0"/>
-              <a:t>/</a:t>
-            </a:r>
-            <a:r>
-              <a:rPr lang="en-US" altLang="zh-CN" sz="1600" dirty="0" err="1" smtClean="0"/>
-              <a:t>epoll_wait</a:t>
-            </a:r>
-            <a:r>
-              <a:rPr lang="en-US" altLang="zh-CN" sz="1600" dirty="0" smtClean="0"/>
-              <a:t>/</a:t>
-            </a:r>
-            <a:r>
-              <a:rPr lang="en-US" altLang="zh-CN" sz="1600" dirty="0" err="1" smtClean="0"/>
-              <a:t>epoll_ctl</a:t>
-            </a:r>
-            <a:endParaRPr lang="en-US" altLang="zh-CN" sz="1600" dirty="0" smtClean="0"/>
-          </a:p>
-          <a:p>
-            <a:r>
-              <a:rPr lang="en-US" altLang="zh-CN" sz="1600" dirty="0" err="1" smtClean="0"/>
-              <a:t>gethostbyname</a:t>
-            </a:r>
-            <a:r>
-              <a:rPr lang="en-US" altLang="zh-CN" sz="1600" dirty="0" smtClean="0"/>
-              <a:t>/</a:t>
-            </a:r>
-            <a:r>
-              <a:rPr lang="en-US" altLang="zh-CN" sz="1600" dirty="0" err="1" smtClean="0"/>
-              <a:t>gethostbyname_r</a:t>
-            </a:r>
-            <a:endParaRPr lang="en-US" altLang="zh-CN" sz="1600" dirty="0" smtClean="0"/>
-          </a:p>
-          <a:p>
-            <a:endParaRPr lang="en-US" altLang="zh-CN" sz="1600" dirty="0"/>
-          </a:p>
-          <a:p>
-            <a:r>
-              <a:rPr lang="zh-CN" altLang="en-US" sz="1600" b="1" dirty="0" smtClean="0"/>
-              <a:t>通过 </a:t>
-            </a:r>
-            <a:r>
-              <a:rPr lang="en-US" altLang="zh-CN" sz="1600" b="1" dirty="0" smtClean="0"/>
-              <a:t>HOOK </a:t>
-            </a:r>
-            <a:r>
-              <a:rPr lang="zh-CN" altLang="en-US" sz="1600" b="1" dirty="0" smtClean="0"/>
-              <a:t>系统底层 </a:t>
-            </a:r>
-            <a:r>
-              <a:rPr lang="en-US" altLang="zh-CN" sz="1600" b="1" dirty="0" smtClean="0"/>
-              <a:t>API</a:t>
-            </a:r>
-            <a:r>
-              <a:rPr lang="zh-CN" altLang="en-US" sz="1600" b="1" dirty="0" smtClean="0"/>
-              <a:t>，可以实现：</a:t>
-            </a:r>
-            <a:endParaRPr lang="en-US" altLang="zh-CN" sz="1600" b="1" dirty="0" smtClean="0"/>
-          </a:p>
-          <a:p>
-            <a:r>
-              <a:rPr lang="en-US" altLang="zh-CN" sz="1600" dirty="0" smtClean="0"/>
-              <a:t>1</a:t>
-            </a:r>
-            <a:r>
-              <a:rPr lang="zh-CN" altLang="en-US" sz="1600" dirty="0" smtClean="0"/>
-              <a:t>、直接接管第三方库（如：</a:t>
-            </a:r>
-            <a:r>
-              <a:rPr lang="en-US" altLang="zh-CN" sz="1600" dirty="0" err="1" smtClean="0"/>
-              <a:t>mysql</a:t>
-            </a:r>
-            <a:r>
-              <a:rPr lang="en-US" altLang="zh-CN" sz="1600" dirty="0" smtClean="0"/>
-              <a:t>/http/</a:t>
-            </a:r>
-            <a:r>
-              <a:rPr lang="en-US" altLang="zh-CN" sz="1600" dirty="0" err="1" smtClean="0"/>
-              <a:t>redis</a:t>
-            </a:r>
-            <a:r>
-              <a:rPr lang="en-US" altLang="zh-CN" sz="1600" dirty="0" smtClean="0"/>
-              <a:t> </a:t>
-            </a:r>
-            <a:r>
-              <a:rPr lang="zh-CN" altLang="en-US" sz="1600" dirty="0" smtClean="0"/>
-              <a:t>等库）的网络连接及通信过程</a:t>
-            </a:r>
-            <a:endParaRPr lang="en-US" altLang="zh-CN" sz="1600" dirty="0" smtClean="0"/>
-          </a:p>
-          <a:p>
-            <a:r>
-              <a:rPr lang="en-US" altLang="zh-CN" sz="1600" dirty="0" smtClean="0"/>
-              <a:t>2</a:t>
-            </a:r>
-            <a:r>
-              <a:rPr lang="zh-CN" altLang="en-US" sz="1600" dirty="0" smtClean="0"/>
-              <a:t>、直接接管第三方库的域名解析过程</a:t>
-            </a:r>
-            <a:endParaRPr lang="en-US" altLang="zh-CN" sz="1600" dirty="0" smtClean="0"/>
-          </a:p>
-          <a:p>
-            <a:r>
-              <a:rPr lang="en-US" altLang="zh-CN" sz="1600" dirty="0" smtClean="0"/>
-              <a:t>3</a:t>
-            </a:r>
-            <a:r>
-              <a:rPr lang="zh-CN" altLang="en-US" sz="1600" dirty="0" smtClean="0"/>
-              <a:t>、将第三方网络阻塞过程协程化，在协程库底层转化为非阻塞过程</a:t>
+              <a:t>模式</a:t>
             </a:r>
             <a:endParaRPr lang="zh-CN" altLang="en-US" sz="1600" dirty="0"/>
           </a:p>
@@ -21674,14 +22056,519 @@
       </p:sp>
       <p:sp>
         <p:nvSpPr>
-          <p:cNvPr id="5" name="文本框 4"/>
+          <p:cNvPr id="4" name="矩形 3"/>
+          <p:cNvSpPr/>
+          <p:nvPr/>
+        </p:nvSpPr>
+        <p:spPr>
+          <a:xfrm>
+            <a:off x="3275856" y="3969060"/>
+            <a:ext cx="1368152" cy="360040"/>
+          </a:xfrm>
+          <a:prstGeom prst="rect">
+            <a:avLst/>
+          </a:prstGeom>
+          <a:solidFill>
+            <a:srgbClr val="00B0F0"/>
+          </a:solidFill>
+          <a:ln>
+            <a:noFill/>
+          </a:ln>
+        </p:spPr>
+        <p:style>
+          <a:lnRef idx="2">
+            <a:schemeClr val="accent1">
+              <a:shade val="50000"/>
+            </a:schemeClr>
+          </a:lnRef>
+          <a:fillRef idx="1">
+            <a:schemeClr val="accent1"/>
+          </a:fillRef>
+          <a:effectRef idx="0">
+            <a:schemeClr val="accent1"/>
+          </a:effectRef>
+          <a:fontRef idx="minor">
+            <a:schemeClr val="lt1"/>
+          </a:fontRef>
+        </p:style>
+        <p:txBody>
+          <a:bodyPr rtlCol="0" anchor="ctr"/>
+          <a:lstStyle/>
+          <a:p>
+            <a:pPr algn="ctr"/>
+            <a:r>
+              <a:rPr lang="zh-CN" altLang="en-US" sz="1200" b="1" dirty="0" smtClean="0">
+                <a:solidFill>
+                  <a:schemeClr val="tx1"/>
+                </a:solidFill>
+              </a:rPr>
+              <a:t>无锁队列</a:t>
+            </a:r>
+            <a:endParaRPr lang="zh-CN" altLang="en-US" sz="1200" b="1" dirty="0">
+              <a:solidFill>
+                <a:schemeClr val="tx1"/>
+              </a:solidFill>
+            </a:endParaRPr>
+          </a:p>
+        </p:txBody>
+      </p:sp>
+      <p:sp>
+        <p:nvSpPr>
+          <p:cNvPr id="5" name="椭圆 4"/>
+          <p:cNvSpPr/>
+          <p:nvPr/>
+        </p:nvSpPr>
+        <p:spPr>
+          <a:xfrm>
+            <a:off x="1331640" y="3429000"/>
+            <a:ext cx="1008112" cy="360040"/>
+          </a:xfrm>
+          <a:prstGeom prst="ellipse">
+            <a:avLst/>
+          </a:prstGeom>
+          <a:solidFill>
+            <a:srgbClr val="00B050"/>
+          </a:solidFill>
+          <a:ln>
+            <a:noFill/>
+          </a:ln>
+        </p:spPr>
+        <p:style>
+          <a:lnRef idx="2">
+            <a:schemeClr val="accent1">
+              <a:shade val="50000"/>
+            </a:schemeClr>
+          </a:lnRef>
+          <a:fillRef idx="1">
+            <a:schemeClr val="accent1"/>
+          </a:fillRef>
+          <a:effectRef idx="0">
+            <a:schemeClr val="accent1"/>
+          </a:effectRef>
+          <a:fontRef idx="minor">
+            <a:schemeClr val="lt1"/>
+          </a:fontRef>
+        </p:style>
+        <p:txBody>
+          <a:bodyPr rtlCol="0" anchor="ctr"/>
+          <a:lstStyle/>
+          <a:p>
+            <a:pPr algn="ctr"/>
+            <a:r>
+              <a:rPr lang="en-US" altLang="zh-CN" sz="1100" b="1" dirty="0" smtClean="0">
+                <a:solidFill>
+                  <a:schemeClr val="tx1"/>
+                </a:solidFill>
+              </a:rPr>
+              <a:t>producer</a:t>
+            </a:r>
+            <a:endParaRPr lang="zh-CN" altLang="en-US" sz="1100" b="1" dirty="0">
+              <a:solidFill>
+                <a:schemeClr val="tx1"/>
+              </a:solidFill>
+            </a:endParaRPr>
+          </a:p>
+        </p:txBody>
+      </p:sp>
+      <p:sp>
+        <p:nvSpPr>
+          <p:cNvPr id="6" name="椭圆 5"/>
+          <p:cNvSpPr/>
+          <p:nvPr/>
+        </p:nvSpPr>
+        <p:spPr>
+          <a:xfrm>
+            <a:off x="1331640" y="3969060"/>
+            <a:ext cx="1008112" cy="360040"/>
+          </a:xfrm>
+          <a:prstGeom prst="ellipse">
+            <a:avLst/>
+          </a:prstGeom>
+          <a:solidFill>
+            <a:srgbClr val="00B050"/>
+          </a:solidFill>
+          <a:ln>
+            <a:noFill/>
+          </a:ln>
+        </p:spPr>
+        <p:style>
+          <a:lnRef idx="2">
+            <a:schemeClr val="accent1">
+              <a:shade val="50000"/>
+            </a:schemeClr>
+          </a:lnRef>
+          <a:fillRef idx="1">
+            <a:schemeClr val="accent1"/>
+          </a:fillRef>
+          <a:effectRef idx="0">
+            <a:schemeClr val="accent1"/>
+          </a:effectRef>
+          <a:fontRef idx="minor">
+            <a:schemeClr val="lt1"/>
+          </a:fontRef>
+        </p:style>
+        <p:txBody>
+          <a:bodyPr rtlCol="0" anchor="ctr"/>
+          <a:lstStyle/>
+          <a:p>
+            <a:pPr algn="ctr"/>
+            <a:r>
+              <a:rPr lang="en-US" altLang="zh-CN" sz="1100" b="1" dirty="0" smtClean="0">
+                <a:solidFill>
+                  <a:schemeClr val="tx1"/>
+                </a:solidFill>
+              </a:rPr>
+              <a:t>producer</a:t>
+            </a:r>
+            <a:endParaRPr lang="zh-CN" altLang="en-US" sz="1100" b="1" dirty="0">
+              <a:solidFill>
+                <a:schemeClr val="tx1"/>
+              </a:solidFill>
+            </a:endParaRPr>
+          </a:p>
+        </p:txBody>
+      </p:sp>
+      <p:sp>
+        <p:nvSpPr>
+          <p:cNvPr id="7" name="椭圆 6"/>
+          <p:cNvSpPr/>
+          <p:nvPr/>
+        </p:nvSpPr>
+        <p:spPr>
+          <a:xfrm>
+            <a:off x="1331640" y="4509120"/>
+            <a:ext cx="1008112" cy="360040"/>
+          </a:xfrm>
+          <a:prstGeom prst="ellipse">
+            <a:avLst/>
+          </a:prstGeom>
+          <a:solidFill>
+            <a:srgbClr val="00B050"/>
+          </a:solidFill>
+          <a:ln>
+            <a:noFill/>
+          </a:ln>
+        </p:spPr>
+        <p:style>
+          <a:lnRef idx="2">
+            <a:schemeClr val="accent1">
+              <a:shade val="50000"/>
+            </a:schemeClr>
+          </a:lnRef>
+          <a:fillRef idx="1">
+            <a:schemeClr val="accent1"/>
+          </a:fillRef>
+          <a:effectRef idx="0">
+            <a:schemeClr val="accent1"/>
+          </a:effectRef>
+          <a:fontRef idx="minor">
+            <a:schemeClr val="lt1"/>
+          </a:fontRef>
+        </p:style>
+        <p:txBody>
+          <a:bodyPr rtlCol="0" anchor="ctr"/>
+          <a:lstStyle/>
+          <a:p>
+            <a:pPr algn="ctr"/>
+            <a:r>
+              <a:rPr lang="en-US" altLang="zh-CN" sz="1100" b="1" dirty="0" smtClean="0">
+                <a:solidFill>
+                  <a:schemeClr val="tx1"/>
+                </a:solidFill>
+              </a:rPr>
+              <a:t>producer</a:t>
+            </a:r>
+            <a:endParaRPr lang="zh-CN" altLang="en-US" sz="1100" b="1" dirty="0">
+              <a:solidFill>
+                <a:schemeClr val="tx1"/>
+              </a:solidFill>
+            </a:endParaRPr>
+          </a:p>
+        </p:txBody>
+      </p:sp>
+      <p:cxnSp>
+        <p:nvCxnSpPr>
+          <p:cNvPr id="13" name="直接箭头连接符 12"/>
+          <p:cNvCxnSpPr>
+            <a:stCxn id="5" idx="6"/>
+            <a:endCxn id="4" idx="1"/>
+          </p:cNvCxnSpPr>
+          <p:nvPr/>
+        </p:nvCxnSpPr>
+        <p:spPr>
+          <a:xfrm>
+            <a:off x="2339752" y="3609020"/>
+            <a:ext cx="936104" cy="540060"/>
+          </a:xfrm>
+          <a:prstGeom prst="straightConnector1">
+            <a:avLst/>
+          </a:prstGeom>
+          <a:ln>
+            <a:tailEnd type="triangle"/>
+          </a:ln>
+        </p:spPr>
+        <p:style>
+          <a:lnRef idx="1">
+            <a:schemeClr val="accent1"/>
+          </a:lnRef>
+          <a:fillRef idx="0">
+            <a:schemeClr val="accent1"/>
+          </a:fillRef>
+          <a:effectRef idx="0">
+            <a:schemeClr val="accent1"/>
+          </a:effectRef>
+          <a:fontRef idx="minor">
+            <a:schemeClr val="tx1"/>
+          </a:fontRef>
+        </p:style>
+      </p:cxnSp>
+      <p:cxnSp>
+        <p:nvCxnSpPr>
+          <p:cNvPr id="15" name="直接箭头连接符 14"/>
+          <p:cNvCxnSpPr>
+            <a:stCxn id="6" idx="6"/>
+            <a:endCxn id="4" idx="1"/>
+          </p:cNvCxnSpPr>
+          <p:nvPr/>
+        </p:nvCxnSpPr>
+        <p:spPr>
+          <a:xfrm>
+            <a:off x="2339752" y="4149080"/>
+            <a:ext cx="936104" cy="0"/>
+          </a:xfrm>
+          <a:prstGeom prst="straightConnector1">
+            <a:avLst/>
+          </a:prstGeom>
+          <a:ln>
+            <a:tailEnd type="triangle"/>
+          </a:ln>
+        </p:spPr>
+        <p:style>
+          <a:lnRef idx="1">
+            <a:schemeClr val="accent1"/>
+          </a:lnRef>
+          <a:fillRef idx="0">
+            <a:schemeClr val="accent1"/>
+          </a:fillRef>
+          <a:effectRef idx="0">
+            <a:schemeClr val="accent1"/>
+          </a:effectRef>
+          <a:fontRef idx="minor">
+            <a:schemeClr val="tx1"/>
+          </a:fontRef>
+        </p:style>
+      </p:cxnSp>
+      <p:cxnSp>
+        <p:nvCxnSpPr>
+          <p:cNvPr id="17" name="直接箭头连接符 16"/>
+          <p:cNvCxnSpPr>
+            <a:stCxn id="7" idx="6"/>
+            <a:endCxn id="4" idx="1"/>
+          </p:cNvCxnSpPr>
+          <p:nvPr/>
+        </p:nvCxnSpPr>
+        <p:spPr>
+          <a:xfrm flipV="1">
+            <a:off x="2339752" y="4149080"/>
+            <a:ext cx="936104" cy="540060"/>
+          </a:xfrm>
+          <a:prstGeom prst="straightConnector1">
+            <a:avLst/>
+          </a:prstGeom>
+          <a:ln>
+            <a:tailEnd type="triangle"/>
+          </a:ln>
+        </p:spPr>
+        <p:style>
+          <a:lnRef idx="1">
+            <a:schemeClr val="accent1"/>
+          </a:lnRef>
+          <a:fillRef idx="0">
+            <a:schemeClr val="accent1"/>
+          </a:fillRef>
+          <a:effectRef idx="0">
+            <a:schemeClr val="accent1"/>
+          </a:effectRef>
+          <a:fontRef idx="minor">
+            <a:schemeClr val="tx1"/>
+          </a:fontRef>
+        </p:style>
+      </p:cxnSp>
+      <p:sp>
+        <p:nvSpPr>
+          <p:cNvPr id="24" name="椭圆 23"/>
+          <p:cNvSpPr/>
+          <p:nvPr/>
+        </p:nvSpPr>
+        <p:spPr>
+          <a:xfrm>
+            <a:off x="5580112" y="3969060"/>
+            <a:ext cx="1080120" cy="360040"/>
+          </a:xfrm>
+          <a:prstGeom prst="ellipse">
+            <a:avLst/>
+          </a:prstGeom>
+          <a:solidFill>
+            <a:schemeClr val="accent4">
+              <a:lumMod val="50000"/>
+              <a:lumOff val="50000"/>
+            </a:schemeClr>
+          </a:solidFill>
+          <a:ln>
+            <a:noFill/>
+          </a:ln>
+        </p:spPr>
+        <p:style>
+          <a:lnRef idx="2">
+            <a:schemeClr val="accent1">
+              <a:shade val="50000"/>
+            </a:schemeClr>
+          </a:lnRef>
+          <a:fillRef idx="1">
+            <a:schemeClr val="accent1"/>
+          </a:fillRef>
+          <a:effectRef idx="0">
+            <a:schemeClr val="accent1"/>
+          </a:effectRef>
+          <a:fontRef idx="minor">
+            <a:schemeClr val="lt1"/>
+          </a:fontRef>
+        </p:style>
+        <p:txBody>
+          <a:bodyPr rtlCol="0" anchor="ctr"/>
+          <a:lstStyle/>
+          <a:p>
+            <a:pPr algn="ctr"/>
+            <a:r>
+              <a:rPr lang="en-US" altLang="zh-CN" sz="1100" b="1" dirty="0" smtClean="0">
+                <a:solidFill>
+                  <a:schemeClr val="tx1"/>
+                </a:solidFill>
+              </a:rPr>
+              <a:t>consumer</a:t>
+            </a:r>
+            <a:endParaRPr lang="zh-CN" altLang="en-US" sz="1100" b="1" dirty="0">
+              <a:solidFill>
+                <a:schemeClr val="tx1"/>
+              </a:solidFill>
+            </a:endParaRPr>
+          </a:p>
+        </p:txBody>
+      </p:sp>
+      <p:cxnSp>
+        <p:nvCxnSpPr>
+          <p:cNvPr id="26" name="直接箭头连接符 25"/>
+          <p:cNvCxnSpPr>
+            <a:stCxn id="4" idx="3"/>
+            <a:endCxn id="24" idx="2"/>
+          </p:cNvCxnSpPr>
+          <p:nvPr/>
+        </p:nvCxnSpPr>
+        <p:spPr>
+          <a:xfrm>
+            <a:off x="4644008" y="4149080"/>
+            <a:ext cx="936104" cy="0"/>
+          </a:xfrm>
+          <a:prstGeom prst="straightConnector1">
+            <a:avLst/>
+          </a:prstGeom>
+          <a:ln>
+            <a:tailEnd type="triangle"/>
+          </a:ln>
+        </p:spPr>
+        <p:style>
+          <a:lnRef idx="1">
+            <a:schemeClr val="accent1"/>
+          </a:lnRef>
+          <a:fillRef idx="0">
+            <a:schemeClr val="accent1"/>
+          </a:fillRef>
+          <a:effectRef idx="0">
+            <a:schemeClr val="accent1"/>
+          </a:effectRef>
+          <a:fontRef idx="minor">
+            <a:schemeClr val="tx1"/>
+          </a:fontRef>
+        </p:style>
+      </p:cxnSp>
+      <p:sp>
+        <p:nvSpPr>
+          <p:cNvPr id="27" name="矩形 26"/>
+          <p:cNvSpPr/>
+          <p:nvPr/>
+        </p:nvSpPr>
+        <p:spPr>
+          <a:xfrm>
+            <a:off x="3275856" y="4329100"/>
+            <a:ext cx="1368152" cy="180020"/>
+          </a:xfrm>
+          <a:prstGeom prst="rect">
+            <a:avLst/>
+          </a:prstGeom>
+          <a:solidFill>
+            <a:schemeClr val="accent2">
+              <a:lumMod val="75000"/>
+            </a:schemeClr>
+          </a:solidFill>
+          <a:ln>
+            <a:noFill/>
+          </a:ln>
+        </p:spPr>
+        <p:style>
+          <a:lnRef idx="2">
+            <a:schemeClr val="accent1">
+              <a:shade val="50000"/>
+            </a:schemeClr>
+          </a:lnRef>
+          <a:fillRef idx="1">
+            <a:schemeClr val="accent1"/>
+          </a:fillRef>
+          <a:effectRef idx="0">
+            <a:schemeClr val="accent1"/>
+          </a:effectRef>
+          <a:fontRef idx="minor">
+            <a:schemeClr val="lt1"/>
+          </a:fontRef>
+        </p:style>
+        <p:txBody>
+          <a:bodyPr rtlCol="0" anchor="ctr"/>
+          <a:lstStyle/>
+          <a:p>
+            <a:pPr algn="ctr"/>
+            <a:r>
+              <a:rPr lang="en-US" altLang="zh-CN" sz="1200" b="1" dirty="0" smtClean="0">
+                <a:solidFill>
+                  <a:schemeClr val="tx1"/>
+                </a:solidFill>
+              </a:rPr>
+              <a:t>IO</a:t>
+            </a:r>
+            <a:r>
+              <a:rPr lang="zh-CN" altLang="en-US" sz="1200" b="1" dirty="0" smtClean="0">
+                <a:solidFill>
+                  <a:schemeClr val="tx1"/>
+                </a:solidFill>
+              </a:rPr>
+              <a:t>管道</a:t>
+            </a:r>
+            <a:endParaRPr lang="zh-CN" altLang="en-US" sz="1200" b="1" dirty="0">
+              <a:solidFill>
+                <a:schemeClr val="tx1"/>
+              </a:solidFill>
+            </a:endParaRPr>
+          </a:p>
+        </p:txBody>
+      </p:sp>
+      <p:sp>
+        <p:nvSpPr>
+          <p:cNvPr id="28" name="文本框 27"/>
           <p:cNvSpPr txBox="1"/>
           <p:nvPr/>
         </p:nvSpPr>
         <p:spPr>
           <a:xfrm>
-            <a:off x="683568" y="5373216"/>
-            <a:ext cx="6408712" cy="338554"/>
+            <a:off x="899592" y="5301208"/>
+            <a:ext cx="7344816" cy="1077218"/>
           </a:xfrm>
           <a:prstGeom prst="rect">
             <a:avLst/>
@@ -21695,67 +22582,222 @@
           <a:lstStyle/>
           <a:p>
             <a:r>
-              <a:rPr lang="zh-CN" altLang="en-US" sz="1600" b="1" dirty="0" smtClean="0">
-                <a:latin typeface="微软雅黑" panose="020B0503020204020204" pitchFamily="34" charset="-122"/>
-                <a:ea typeface="微软雅黑" panose="020B0503020204020204" pitchFamily="34" charset="-122"/>
-              </a:rPr>
-              <a:t>将</a:t>
-            </a:r>
-            <a:r>
-              <a:rPr lang="en-US" altLang="zh-CN" sz="1600" b="1" dirty="0" err="1" smtClean="0">
-                <a:latin typeface="微软雅黑" panose="020B0503020204020204" pitchFamily="34" charset="-122"/>
-                <a:ea typeface="微软雅黑" panose="020B0503020204020204" pitchFamily="34" charset="-122"/>
-              </a:rPr>
-              <a:t>mysql</a:t>
-            </a:r>
-            <a:r>
-              <a:rPr lang="zh-CN" altLang="en-US" sz="1600" b="1" dirty="0" smtClean="0">
-                <a:latin typeface="微软雅黑" panose="020B0503020204020204" pitchFamily="34" charset="-122"/>
-                <a:ea typeface="微软雅黑" panose="020B0503020204020204" pitchFamily="34" charset="-122"/>
-              </a:rPr>
-              <a:t>库协程化的例子参见</a:t>
-            </a:r>
-            <a:r>
-              <a:rPr lang="zh-CN" altLang="en-US" sz="1600" dirty="0" smtClean="0">
-                <a:latin typeface="微软雅黑" panose="020B0503020204020204" pitchFamily="34" charset="-122"/>
-                <a:ea typeface="微软雅黑" panose="020B0503020204020204" pitchFamily="34" charset="-122"/>
-              </a:rPr>
-              <a:t>：</a:t>
-            </a:r>
-            <a:r>
-              <a:rPr lang="en-US" altLang="zh-CN" sz="1600" dirty="0" err="1" smtClean="0">
-                <a:latin typeface="微软雅黑" panose="020B0503020204020204" pitchFamily="34" charset="-122"/>
-                <a:ea typeface="微软雅黑" panose="020B0503020204020204" pitchFamily="34" charset="-122"/>
-              </a:rPr>
-              <a:t>acl</a:t>
-            </a:r>
-            <a:r>
-              <a:rPr lang="en-US" altLang="zh-CN" sz="1600" dirty="0" smtClean="0">
-                <a:latin typeface="微软雅黑" panose="020B0503020204020204" pitchFamily="34" charset="-122"/>
-                <a:ea typeface="微软雅黑" panose="020B0503020204020204" pitchFamily="34" charset="-122"/>
-              </a:rPr>
+              <a:rPr lang="en-US" altLang="zh-CN" sz="1600" dirty="0" smtClean="0"/>
+              <a:t>1</a:t>
+            </a:r>
+            <a:r>
+              <a:rPr lang="zh-CN" altLang="en-US" sz="1600" dirty="0" smtClean="0"/>
+              <a:t>、生产者</a:t>
+            </a:r>
+            <a:r>
+              <a:rPr lang="en-US" altLang="zh-CN" sz="1600" dirty="0" smtClean="0"/>
               <a:t>/</a:t>
             </a:r>
             <a:r>
-              <a:rPr lang="en-US" altLang="zh-CN" sz="1600" dirty="0" err="1" smtClean="0"/>
-              <a:t>lib_fiber</a:t>
-            </a:r>
+              <a:rPr lang="zh-CN" altLang="en-US" sz="1600" dirty="0" smtClean="0"/>
+              <a:t>消费者之间优先通过无锁队列进行数据传递</a:t>
+            </a:r>
+            <a:endParaRPr lang="en-US" altLang="zh-CN" sz="1600" dirty="0" smtClean="0"/>
+          </a:p>
+          <a:p>
             <a:r>
               <a:rPr lang="en-US" altLang="zh-CN" sz="1600" dirty="0" smtClean="0"/>
-              <a:t>/samples/</a:t>
-            </a:r>
-            <a:r>
-              <a:rPr lang="en-US" altLang="zh-CN" sz="1600" dirty="0" err="1" smtClean="0"/>
-              <a:t>mysql</a:t>
-            </a:r>
-            <a:endParaRPr lang="zh-CN" altLang="en-US" sz="1600" dirty="0"/>
+              <a:t>2</a:t>
+            </a:r>
+            <a:r>
+              <a:rPr lang="zh-CN" altLang="en-US" sz="1600" dirty="0" smtClean="0"/>
+              <a:t>、当生产者无数据时，消费者通过</a:t>
+            </a:r>
+            <a:r>
+              <a:rPr lang="en-US" altLang="zh-CN" sz="1600" dirty="0" smtClean="0"/>
+              <a:t>IO</a:t>
+            </a:r>
+            <a:r>
+              <a:rPr lang="zh-CN" altLang="en-US" sz="1600" dirty="0" smtClean="0"/>
+              <a:t>堵塞</a:t>
+            </a:r>
+            <a:endParaRPr lang="en-US" altLang="zh-CN" sz="1600" dirty="0" smtClean="0"/>
+          </a:p>
+          <a:p>
+            <a:r>
+              <a:rPr lang="en-US" altLang="zh-CN" sz="1600" dirty="0" smtClean="0"/>
+              <a:t>3</a:t>
+            </a:r>
+            <a:r>
+              <a:rPr lang="zh-CN" altLang="en-US" sz="1600" dirty="0" smtClean="0"/>
+              <a:t>、当消费者堵塞在</a:t>
+            </a:r>
+            <a:r>
+              <a:rPr lang="en-US" altLang="zh-CN" sz="1600" dirty="0" smtClean="0"/>
+              <a:t>IO</a:t>
+            </a:r>
+            <a:r>
+              <a:rPr lang="zh-CN" altLang="en-US" sz="1600" dirty="0" smtClean="0"/>
+              <a:t>等待新消息时，生产者若有新消息则通过</a:t>
+            </a:r>
+            <a:r>
+              <a:rPr lang="en-US" altLang="zh-CN" sz="1600" dirty="0" smtClean="0"/>
+              <a:t>IO</a:t>
+            </a:r>
+            <a:r>
+              <a:rPr lang="zh-CN" altLang="en-US" sz="1600" dirty="0" smtClean="0"/>
+              <a:t>通知消费者</a:t>
+            </a:r>
+            <a:endParaRPr lang="en-US" altLang="zh-CN" sz="1600" dirty="0" smtClean="0"/>
+          </a:p>
+          <a:p>
+            <a:r>
+              <a:rPr lang="en-US" altLang="zh-CN" sz="1600" dirty="0" smtClean="0"/>
+              <a:t>4</a:t>
+            </a:r>
+            <a:r>
+              <a:rPr lang="zh-CN" altLang="en-US" sz="1600" dirty="0" smtClean="0"/>
+              <a:t>、无锁队列利用率越高，则处理性能越高</a:t>
+            </a:r>
+            <a:endParaRPr lang="en-US" altLang="zh-CN" sz="1600" dirty="0" smtClean="0"/>
+          </a:p>
+        </p:txBody>
+      </p:sp>
+      <p:sp>
+        <p:nvSpPr>
+          <p:cNvPr id="8" name="文本框 7"/>
+          <p:cNvSpPr txBox="1"/>
+          <p:nvPr/>
+        </p:nvSpPr>
+        <p:spPr>
+          <a:xfrm>
+            <a:off x="634976" y="3455422"/>
+            <a:ext cx="720080" cy="261610"/>
+          </a:xfrm>
+          <a:prstGeom prst="rect">
+            <a:avLst/>
+          </a:prstGeom>
+          <a:noFill/>
+        </p:spPr>
+        <p:txBody>
+          <a:bodyPr wrap="square" rtlCol="0">
+            <a:spAutoFit/>
+          </a:bodyPr>
+          <a:lstStyle/>
+          <a:p>
+            <a:r>
+              <a:rPr lang="zh-CN" altLang="en-US" sz="1100" b="1" dirty="0" smtClean="0"/>
+              <a:t>线程 </a:t>
+            </a:r>
+            <a:r>
+              <a:rPr lang="en-US" altLang="zh-CN" sz="1100" b="1" dirty="0" smtClean="0"/>
+              <a:t>A</a:t>
+            </a:r>
+            <a:endParaRPr lang="zh-CN" altLang="en-US" sz="1100" b="1" dirty="0"/>
+          </a:p>
+        </p:txBody>
+      </p:sp>
+      <p:sp>
+        <p:nvSpPr>
+          <p:cNvPr id="16" name="文本框 15"/>
+          <p:cNvSpPr txBox="1"/>
+          <p:nvPr/>
+        </p:nvSpPr>
+        <p:spPr>
+          <a:xfrm>
+            <a:off x="626592" y="4026695"/>
+            <a:ext cx="720080" cy="261610"/>
+          </a:xfrm>
+          <a:prstGeom prst="rect">
+            <a:avLst/>
+          </a:prstGeom>
+          <a:noFill/>
+        </p:spPr>
+        <p:txBody>
+          <a:bodyPr wrap="square" rtlCol="0">
+            <a:spAutoFit/>
+          </a:bodyPr>
+          <a:lstStyle/>
+          <a:p>
+            <a:r>
+              <a:rPr lang="zh-CN" altLang="en-US" sz="1100" b="1" dirty="0" smtClean="0"/>
+              <a:t>线程 </a:t>
+            </a:r>
+            <a:r>
+              <a:rPr lang="en-US" altLang="zh-CN" sz="1100" b="1" dirty="0" smtClean="0"/>
+              <a:t>B</a:t>
+            </a:r>
+            <a:endParaRPr lang="zh-CN" altLang="en-US" sz="1100" b="1" dirty="0"/>
+          </a:p>
+        </p:txBody>
+      </p:sp>
+      <p:sp>
+        <p:nvSpPr>
+          <p:cNvPr id="18" name="文本框 17"/>
+          <p:cNvSpPr txBox="1"/>
+          <p:nvPr/>
+        </p:nvSpPr>
+        <p:spPr>
+          <a:xfrm>
+            <a:off x="634976" y="4549936"/>
+            <a:ext cx="720080" cy="261610"/>
+          </a:xfrm>
+          <a:prstGeom prst="rect">
+            <a:avLst/>
+          </a:prstGeom>
+          <a:noFill/>
+        </p:spPr>
+        <p:txBody>
+          <a:bodyPr wrap="square" rtlCol="0">
+            <a:spAutoFit/>
+          </a:bodyPr>
+          <a:lstStyle/>
+          <a:p>
+            <a:r>
+              <a:rPr lang="zh-CN" altLang="en-US" sz="1100" b="1" dirty="0" smtClean="0"/>
+              <a:t>线程 </a:t>
+            </a:r>
+            <a:r>
+              <a:rPr lang="en-US" altLang="zh-CN" sz="1100" b="1" dirty="0" smtClean="0"/>
+              <a:t>C</a:t>
+            </a:r>
+            <a:endParaRPr lang="zh-CN" altLang="en-US" sz="1100" b="1" dirty="0"/>
+          </a:p>
+        </p:txBody>
+      </p:sp>
+      <p:sp>
+        <p:nvSpPr>
+          <p:cNvPr id="19" name="文本框 18"/>
+          <p:cNvSpPr txBox="1"/>
+          <p:nvPr/>
+        </p:nvSpPr>
+        <p:spPr>
+          <a:xfrm>
+            <a:off x="6929388" y="4026695"/>
+            <a:ext cx="720080" cy="261610"/>
+          </a:xfrm>
+          <a:prstGeom prst="rect">
+            <a:avLst/>
+          </a:prstGeom>
+          <a:noFill/>
+        </p:spPr>
+        <p:txBody>
+          <a:bodyPr wrap="square" rtlCol="0">
+            <a:spAutoFit/>
+          </a:bodyPr>
+          <a:lstStyle/>
+          <a:p>
+            <a:r>
+              <a:rPr lang="zh-CN" altLang="en-US" sz="1100" b="1" dirty="0" smtClean="0"/>
+              <a:t>线程 </a:t>
+            </a:r>
+            <a:r>
+              <a:rPr lang="en-US" altLang="zh-CN" sz="1100" b="1" dirty="0" smtClean="0"/>
+              <a:t>D</a:t>
+            </a:r>
+            <a:endParaRPr lang="zh-CN" altLang="en-US" sz="1100" b="1" dirty="0"/>
           </a:p>
         </p:txBody>
       </p:sp>
     </p:spTree>
     <p:extLst>
       <p:ext uri="{BB962C8B-B14F-4D97-AF65-F5344CB8AC3E}">
-        <p14:creationId xmlns:p14="http://schemas.microsoft.com/office/powerpoint/2010/main" val="636470633"/>
+        <p14:creationId xmlns:p14="http://schemas.microsoft.com/office/powerpoint/2010/main" val="1490133852"/>
       </p:ext>
     </p:extLst>
   </p:cSld>
@@ -21806,19 +22848,11 @@
           <a:p>
             <a:r>
               <a:rPr lang="zh-CN" altLang="en-US" dirty="0" smtClean="0"/>
-              <a:t>为何要 </a:t>
+              <a:t>如何与第三方库无缝集成 </a:t>
             </a:r>
             <a:r>
               <a:rPr lang="en-US" altLang="zh-CN" dirty="0" smtClean="0"/>
-              <a:t>HOOK </a:t>
-            </a:r>
-            <a:r>
-              <a:rPr lang="zh-CN" altLang="en-US" dirty="0" smtClean="0"/>
-              <a:t>很多系统</a:t>
-            </a:r>
-            <a:r>
-              <a:rPr lang="en-US" altLang="zh-CN" dirty="0" smtClean="0"/>
-              <a:t>API --- </a:t>
+              <a:t>--- </a:t>
             </a:r>
             <a:r>
               <a:rPr lang="zh-CN" altLang="en-US" sz="2000" dirty="0" smtClean="0"/>
@@ -21844,178 +22878,394 @@
           <a:lstStyle/>
           <a:p>
             <a:r>
-              <a:rPr lang="en-US" altLang="zh-CN" dirty="0" smtClean="0"/>
+              <a:rPr lang="en-US" altLang="zh-CN" sz="1600" b="1" dirty="0" smtClean="0"/>
               <a:t>1</a:t>
             </a:r>
             <a:r>
-              <a:rPr lang="zh-CN" altLang="en-US" dirty="0" smtClean="0"/>
+              <a:rPr lang="zh-CN" altLang="en-US" sz="1600" b="1" dirty="0" smtClean="0"/>
               <a:t>、</a:t>
             </a:r>
             <a:r>
-              <a:rPr lang="en-US" altLang="zh-CN" dirty="0" smtClean="0"/>
-              <a:t>poll/select </a:t>
-            </a:r>
-            <a:r>
-              <a:rPr lang="zh-CN" altLang="en-US" dirty="0" smtClean="0"/>
-              <a:t>为网络编程中常用系统 </a:t>
-            </a:r>
-            <a:r>
-              <a:rPr lang="en-US" altLang="zh-CN" dirty="0" smtClean="0"/>
+              <a:rPr lang="en-US" altLang="zh-CN" sz="1600" b="1" dirty="0" smtClean="0"/>
+              <a:t>HOOK IO</a:t>
+            </a:r>
+            <a:r>
+              <a:rPr lang="zh-CN" altLang="en-US" sz="1600" b="1" dirty="0" smtClean="0"/>
+              <a:t>相关</a:t>
+            </a:r>
+            <a:r>
+              <a:rPr lang="en-US" altLang="zh-CN" sz="1600" b="1" dirty="0" smtClean="0"/>
               <a:t>API</a:t>
             </a:r>
           </a:p>
           <a:p>
             <a:r>
-              <a:rPr lang="en-US" altLang="zh-CN" dirty="0" smtClean="0"/>
+              <a:rPr lang="zh-CN" altLang="en-US" sz="1600" dirty="0" smtClean="0"/>
+              <a:t>读 </a:t>
+            </a:r>
+            <a:r>
+              <a:rPr lang="en-US" altLang="zh-CN" sz="1600" dirty="0" smtClean="0"/>
+              <a:t>API</a:t>
+            </a:r>
+            <a:r>
+              <a:rPr lang="zh-CN" altLang="en-US" sz="1600" dirty="0" smtClean="0"/>
+              <a:t>：</a:t>
+            </a:r>
+            <a:r>
+              <a:rPr lang="en-US" altLang="zh-CN" sz="1600" dirty="0" smtClean="0"/>
+              <a:t>read/</a:t>
+            </a:r>
+            <a:r>
+              <a:rPr lang="en-US" altLang="zh-CN" sz="1600" dirty="0" err="1" smtClean="0"/>
+              <a:t>readv</a:t>
+            </a:r>
+            <a:r>
+              <a:rPr lang="en-US" altLang="zh-CN" sz="1600" dirty="0" smtClean="0"/>
+              <a:t>/</a:t>
+            </a:r>
+            <a:r>
+              <a:rPr lang="en-US" altLang="zh-CN" sz="1600" dirty="0" err="1" smtClean="0"/>
+              <a:t>recv</a:t>
+            </a:r>
+            <a:r>
+              <a:rPr lang="en-US" altLang="zh-CN" sz="1600" dirty="0" smtClean="0"/>
+              <a:t>/</a:t>
+            </a:r>
+            <a:r>
+              <a:rPr lang="en-US" altLang="zh-CN" sz="1600" dirty="0" err="1" smtClean="0"/>
+              <a:t>recvfrom</a:t>
+            </a:r>
+            <a:r>
+              <a:rPr lang="en-US" altLang="zh-CN" sz="1600" dirty="0" smtClean="0"/>
+              <a:t>/</a:t>
+            </a:r>
+            <a:r>
+              <a:rPr lang="en-US" altLang="zh-CN" sz="1600" dirty="0" err="1" smtClean="0"/>
+              <a:t>recvmsg</a:t>
+            </a:r>
+            <a:endParaRPr lang="en-US" altLang="zh-CN" sz="1600" dirty="0" smtClean="0"/>
+          </a:p>
+          <a:p>
+            <a:r>
+              <a:rPr lang="zh-CN" altLang="en-US" sz="1600" dirty="0" smtClean="0"/>
+              <a:t>写 </a:t>
+            </a:r>
+            <a:r>
+              <a:rPr lang="en-US" altLang="zh-CN" sz="1600" dirty="0" smtClean="0"/>
+              <a:t>API</a:t>
+            </a:r>
+            <a:r>
+              <a:rPr lang="zh-CN" altLang="en-US" sz="1600" dirty="0" smtClean="0"/>
+              <a:t>：</a:t>
+            </a:r>
+            <a:r>
+              <a:rPr lang="en-US" altLang="zh-CN" sz="1600" dirty="0" smtClean="0"/>
+              <a:t>write/</a:t>
+            </a:r>
+            <a:r>
+              <a:rPr lang="en-US" altLang="zh-CN" sz="1600" dirty="0" err="1" smtClean="0"/>
+              <a:t>writev</a:t>
+            </a:r>
+            <a:r>
+              <a:rPr lang="en-US" altLang="zh-CN" sz="1600" dirty="0" smtClean="0"/>
+              <a:t>/send/</a:t>
+            </a:r>
+            <a:r>
+              <a:rPr lang="en-US" altLang="zh-CN" sz="1600" dirty="0" err="1" smtClean="0"/>
+              <a:t>sendto</a:t>
+            </a:r>
+            <a:r>
+              <a:rPr lang="en-US" altLang="zh-CN" sz="1600" dirty="0" smtClean="0"/>
+              <a:t>/</a:t>
+            </a:r>
+            <a:r>
+              <a:rPr lang="en-US" altLang="zh-CN" sz="1600" dirty="0" err="1" smtClean="0"/>
+              <a:t>sendmsg</a:t>
+            </a:r>
+            <a:endParaRPr lang="en-US" altLang="zh-CN" sz="1600" dirty="0" smtClean="0"/>
+          </a:p>
+          <a:p>
+            <a:r>
+              <a:rPr lang="zh-CN" altLang="en-US" sz="1600" dirty="0" smtClean="0"/>
+              <a:t>其它 </a:t>
+            </a:r>
+            <a:r>
+              <a:rPr lang="en-US" altLang="zh-CN" sz="1600" dirty="0" smtClean="0"/>
+              <a:t>API</a:t>
+            </a:r>
+            <a:r>
+              <a:rPr lang="zh-CN" altLang="en-US" sz="1600" dirty="0" smtClean="0"/>
+              <a:t>：</a:t>
+            </a:r>
+            <a:r>
+              <a:rPr lang="en-US" altLang="zh-CN" sz="1600" dirty="0" smtClean="0"/>
+              <a:t>pipe/</a:t>
+            </a:r>
+            <a:r>
+              <a:rPr lang="en-US" altLang="zh-CN" sz="1600" dirty="0" err="1" smtClean="0"/>
+              <a:t>popen</a:t>
+            </a:r>
+            <a:r>
+              <a:rPr lang="en-US" altLang="zh-CN" sz="1600" dirty="0" smtClean="0"/>
+              <a:t>/</a:t>
+            </a:r>
+            <a:r>
+              <a:rPr lang="en-US" altLang="zh-CN" sz="1600" dirty="0" err="1" smtClean="0"/>
+              <a:t>pclose</a:t>
+            </a:r>
+            <a:r>
+              <a:rPr lang="en-US" altLang="zh-CN" sz="1600" dirty="0" smtClean="0"/>
+              <a:t>/open/close/</a:t>
+            </a:r>
+            <a:r>
+              <a:rPr lang="en-US" altLang="zh-CN" sz="1600" dirty="0" err="1" smtClean="0"/>
+              <a:t>fcntl</a:t>
+            </a:r>
+            <a:endParaRPr lang="en-US" altLang="zh-CN" sz="1600" dirty="0" smtClean="0"/>
+          </a:p>
+          <a:p>
+            <a:r>
+              <a:rPr lang="en-US" altLang="zh-CN" sz="1600" b="1" dirty="0" smtClean="0"/>
               <a:t>2</a:t>
             </a:r>
             <a:r>
-              <a:rPr lang="zh-CN" altLang="en-US" dirty="0" smtClean="0"/>
-              <a:t>、很多第三方网络库用 </a:t>
-            </a:r>
-            <a:r>
-              <a:rPr lang="en-US" altLang="zh-CN" dirty="0" smtClean="0"/>
-              <a:t>poll/select </a:t>
-            </a:r>
-            <a:r>
-              <a:rPr lang="zh-CN" altLang="en-US" dirty="0" smtClean="0"/>
-              <a:t>模拟</a:t>
-            </a:r>
-            <a:r>
-              <a:rPr lang="en-US" altLang="zh-CN" dirty="0" smtClean="0"/>
-              <a:t>IO</a:t>
-            </a:r>
-            <a:r>
-              <a:rPr lang="zh-CN" altLang="en-US" dirty="0" smtClean="0"/>
-              <a:t>超时</a:t>
-            </a:r>
-            <a:endParaRPr lang="en-US" altLang="zh-CN" dirty="0" smtClean="0"/>
-          </a:p>
-          <a:p>
-            <a:r>
-              <a:rPr lang="en-US" altLang="zh-CN" dirty="0" smtClean="0"/>
+              <a:rPr lang="zh-CN" altLang="en-US" sz="1600" b="1" dirty="0" smtClean="0"/>
+              <a:t>、</a:t>
+            </a:r>
+            <a:r>
+              <a:rPr lang="en-US" altLang="zh-CN" sz="1600" b="1" dirty="0" smtClean="0"/>
+              <a:t>HOOK </a:t>
+            </a:r>
+            <a:r>
+              <a:rPr lang="zh-CN" altLang="en-US" sz="1600" b="1" dirty="0" smtClean="0"/>
+              <a:t>网络相关</a:t>
+            </a:r>
+            <a:r>
+              <a:rPr lang="en-US" altLang="zh-CN" sz="1600" b="1" dirty="0" smtClean="0"/>
+              <a:t>API</a:t>
+            </a:r>
+          </a:p>
+          <a:p>
+            <a:r>
+              <a:rPr lang="en-US" altLang="zh-CN" sz="1600" dirty="0" smtClean="0"/>
+              <a:t>socket/</a:t>
+            </a:r>
+            <a:r>
+              <a:rPr lang="en-US" altLang="zh-CN" sz="1600" dirty="0" err="1" smtClean="0"/>
+              <a:t>socketpair</a:t>
+            </a:r>
+            <a:r>
+              <a:rPr lang="en-US" altLang="zh-CN" sz="1600" dirty="0" smtClean="0"/>
+              <a:t>/bind/listen/accept/connect</a:t>
+            </a:r>
+          </a:p>
+          <a:p>
+            <a:r>
+              <a:rPr lang="en-US" altLang="zh-CN" sz="1600" dirty="0" smtClean="0"/>
+              <a:t>poll/select/</a:t>
+            </a:r>
+            <a:r>
+              <a:rPr lang="en-US" altLang="zh-CN" sz="1600" dirty="0" err="1" smtClean="0"/>
+              <a:t>epoll_create</a:t>
+            </a:r>
+            <a:r>
+              <a:rPr lang="en-US" altLang="zh-CN" sz="1600" dirty="0" smtClean="0"/>
+              <a:t>/</a:t>
+            </a:r>
+            <a:r>
+              <a:rPr lang="en-US" altLang="zh-CN" sz="1600" dirty="0" err="1" smtClean="0"/>
+              <a:t>epoll_wait</a:t>
+            </a:r>
+            <a:r>
+              <a:rPr lang="en-US" altLang="zh-CN" sz="1600" dirty="0" smtClean="0"/>
+              <a:t>/</a:t>
+            </a:r>
+            <a:r>
+              <a:rPr lang="en-US" altLang="zh-CN" sz="1600" dirty="0" err="1" smtClean="0"/>
+              <a:t>epoll_ctl</a:t>
+            </a:r>
+            <a:endParaRPr lang="en-US" altLang="zh-CN" sz="1600" dirty="0" smtClean="0"/>
+          </a:p>
+          <a:p>
+            <a:r>
+              <a:rPr lang="en-US" altLang="zh-CN" sz="1600" dirty="0" err="1" smtClean="0"/>
+              <a:t>gethostbyname</a:t>
+            </a:r>
+            <a:r>
+              <a:rPr lang="en-US" altLang="zh-CN" sz="1600" dirty="0" smtClean="0"/>
+              <a:t>/</a:t>
+            </a:r>
+            <a:r>
+              <a:rPr lang="en-US" altLang="zh-CN" sz="1600" dirty="0" err="1" smtClean="0"/>
+              <a:t>gethostbyname_r</a:t>
+            </a:r>
+            <a:endParaRPr lang="en-US" altLang="zh-CN" sz="1600" dirty="0" smtClean="0"/>
+          </a:p>
+          <a:p>
+            <a:endParaRPr lang="en-US" altLang="zh-CN" sz="1600" dirty="0"/>
+          </a:p>
+          <a:p>
+            <a:r>
+              <a:rPr lang="zh-CN" altLang="en-US" sz="1600" b="1" dirty="0" smtClean="0"/>
+              <a:t>通过 </a:t>
+            </a:r>
+            <a:r>
+              <a:rPr lang="en-US" altLang="zh-CN" sz="1600" b="1" dirty="0" smtClean="0"/>
+              <a:t>HOOK </a:t>
+            </a:r>
+            <a:r>
+              <a:rPr lang="zh-CN" altLang="en-US" sz="1600" b="1" dirty="0" smtClean="0"/>
+              <a:t>系统底层 </a:t>
+            </a:r>
+            <a:r>
+              <a:rPr lang="en-US" altLang="zh-CN" sz="1600" b="1" dirty="0" smtClean="0"/>
+              <a:t>API</a:t>
+            </a:r>
+            <a:r>
+              <a:rPr lang="zh-CN" altLang="en-US" sz="1600" b="1" dirty="0" smtClean="0"/>
+              <a:t>，可以实现：</a:t>
+            </a:r>
+            <a:endParaRPr lang="en-US" altLang="zh-CN" sz="1600" b="1" dirty="0" smtClean="0"/>
+          </a:p>
+          <a:p>
+            <a:r>
+              <a:rPr lang="en-US" altLang="zh-CN" sz="1600" dirty="0" smtClean="0"/>
+              <a:t>1</a:t>
+            </a:r>
+            <a:r>
+              <a:rPr lang="zh-CN" altLang="en-US" sz="1600" dirty="0" smtClean="0"/>
+              <a:t>、直接接管第三方库（如：</a:t>
+            </a:r>
+            <a:r>
+              <a:rPr lang="en-US" altLang="zh-CN" sz="1600" dirty="0" err="1" smtClean="0"/>
+              <a:t>mysql</a:t>
+            </a:r>
+            <a:r>
+              <a:rPr lang="en-US" altLang="zh-CN" sz="1600" dirty="0" smtClean="0"/>
+              <a:t>/http/</a:t>
+            </a:r>
+            <a:r>
+              <a:rPr lang="en-US" altLang="zh-CN" sz="1600" dirty="0" err="1" smtClean="0"/>
+              <a:t>redis</a:t>
+            </a:r>
+            <a:r>
+              <a:rPr lang="en-US" altLang="zh-CN" sz="1600" dirty="0" smtClean="0"/>
+              <a:t> </a:t>
+            </a:r>
+            <a:r>
+              <a:rPr lang="zh-CN" altLang="en-US" sz="1600" dirty="0" smtClean="0"/>
+              <a:t>等库）的网络连接及通信过程</a:t>
+            </a:r>
+            <a:endParaRPr lang="en-US" altLang="zh-CN" sz="1600" dirty="0" smtClean="0"/>
+          </a:p>
+          <a:p>
+            <a:r>
+              <a:rPr lang="en-US" altLang="zh-CN" sz="1600" dirty="0" smtClean="0"/>
+              <a:t>2</a:t>
+            </a:r>
+            <a:r>
+              <a:rPr lang="zh-CN" altLang="en-US" sz="1600" dirty="0" smtClean="0"/>
+              <a:t>、直接接管第三方库的域名解析过程</a:t>
+            </a:r>
+            <a:endParaRPr lang="en-US" altLang="zh-CN" sz="1600" dirty="0" smtClean="0"/>
+          </a:p>
+          <a:p>
+            <a:r>
+              <a:rPr lang="en-US" altLang="zh-CN" sz="1600" dirty="0" smtClean="0"/>
               <a:t>3</a:t>
             </a:r>
             <a:r>
-              <a:rPr lang="zh-CN" altLang="en-US" dirty="0" smtClean="0"/>
-              <a:t>、</a:t>
-            </a:r>
-            <a:r>
-              <a:rPr lang="en-US" altLang="zh-CN" dirty="0" err="1" smtClean="0"/>
-              <a:t>epoll</a:t>
-            </a:r>
-            <a:r>
-              <a:rPr lang="en-US" altLang="zh-CN" dirty="0" smtClean="0"/>
-              <a:t> </a:t>
-            </a:r>
-            <a:r>
-              <a:rPr lang="zh-CN" altLang="en-US" dirty="0" smtClean="0"/>
-              <a:t>在 </a:t>
-            </a:r>
-            <a:r>
-              <a:rPr lang="en-US" altLang="zh-CN" dirty="0" smtClean="0"/>
-              <a:t>reactor </a:t>
-            </a:r>
-            <a:r>
-              <a:rPr lang="zh-CN" altLang="en-US" dirty="0" smtClean="0"/>
-              <a:t>类应用（如：聊天）方面比较广泛</a:t>
-            </a:r>
-            <a:endParaRPr lang="en-US" altLang="zh-CN" dirty="0" smtClean="0"/>
-          </a:p>
-          <a:p>
-            <a:r>
-              <a:rPr lang="en-US" altLang="zh-CN" dirty="0" smtClean="0"/>
-              <a:t>4</a:t>
-            </a:r>
-            <a:r>
-              <a:rPr lang="zh-CN" altLang="en-US" dirty="0" smtClean="0"/>
-              <a:t>、</a:t>
-            </a:r>
-            <a:r>
-              <a:rPr lang="en-US" altLang="zh-CN" dirty="0" err="1" smtClean="0"/>
-              <a:t>gethostbyname</a:t>
-            </a:r>
-            <a:r>
-              <a:rPr lang="en-US" altLang="zh-CN" dirty="0" smtClean="0"/>
-              <a:t> </a:t>
-            </a:r>
-            <a:r>
-              <a:rPr lang="zh-CN" altLang="en-US" dirty="0" smtClean="0"/>
-              <a:t>在域名解析方面应用广泛</a:t>
-            </a:r>
-            <a:endParaRPr lang="en-US" altLang="zh-CN" dirty="0" smtClean="0"/>
-          </a:p>
-          <a:p>
-            <a:r>
-              <a:rPr lang="en-US" altLang="zh-CN" dirty="0" smtClean="0"/>
-              <a:t>5</a:t>
-            </a:r>
-            <a:r>
-              <a:rPr lang="zh-CN" altLang="en-US" dirty="0" smtClean="0"/>
-              <a:t>、</a:t>
-            </a:r>
-            <a:r>
-              <a:rPr lang="en-US" altLang="zh-CN" dirty="0" smtClean="0"/>
-              <a:t>listen </a:t>
-            </a:r>
-            <a:r>
-              <a:rPr lang="zh-CN" altLang="en-US" dirty="0" smtClean="0"/>
-              <a:t>需要将监听描述字设为非阻塞模式</a:t>
-            </a:r>
-            <a:endParaRPr lang="en-US" altLang="zh-CN" dirty="0" smtClean="0"/>
-          </a:p>
-          <a:p>
-            <a:r>
-              <a:rPr lang="en-US" altLang="zh-CN" dirty="0" smtClean="0"/>
-              <a:t>6</a:t>
-            </a:r>
-            <a:r>
-              <a:rPr lang="zh-CN" altLang="en-US" dirty="0" smtClean="0"/>
-              <a:t>、</a:t>
-            </a:r>
-            <a:r>
-              <a:rPr lang="en-US" altLang="zh-CN" dirty="0" smtClean="0"/>
-              <a:t>connect </a:t>
-            </a:r>
-            <a:r>
-              <a:rPr lang="zh-CN" altLang="en-US" dirty="0" smtClean="0"/>
-              <a:t>需要将连接描述字设为非阻塞模式</a:t>
-            </a:r>
-            <a:endParaRPr lang="en-US" altLang="zh-CN" dirty="0" smtClean="0"/>
-          </a:p>
-          <a:p>
-            <a:r>
-              <a:rPr lang="en-US" altLang="zh-CN" dirty="0" smtClean="0"/>
-              <a:t>7</a:t>
-            </a:r>
-            <a:r>
-              <a:rPr lang="zh-CN" altLang="en-US" dirty="0" smtClean="0"/>
-              <a:t>、</a:t>
-            </a:r>
-            <a:r>
-              <a:rPr lang="en-US" altLang="zh-CN" dirty="0" smtClean="0"/>
-              <a:t>bind/socket/</a:t>
-            </a:r>
-            <a:r>
-              <a:rPr lang="en-US" altLang="zh-CN" dirty="0" err="1" smtClean="0"/>
-              <a:t>socketpair</a:t>
-            </a:r>
-            <a:r>
-              <a:rPr lang="en-US" altLang="zh-CN" dirty="0" smtClean="0"/>
+              <a:rPr lang="zh-CN" altLang="en-US" sz="1600" dirty="0" smtClean="0"/>
+              <a:t>、将第三方网络阻塞过程协程化，在协程库底层转化为非阻塞过程</a:t>
+            </a:r>
+            <a:endParaRPr lang="zh-CN" altLang="en-US" sz="1600" dirty="0"/>
+          </a:p>
+        </p:txBody>
+      </p:sp>
+      <p:sp>
+        <p:nvSpPr>
+          <p:cNvPr id="5" name="文本框 4"/>
+          <p:cNvSpPr txBox="1"/>
+          <p:nvPr/>
+        </p:nvSpPr>
+        <p:spPr>
+          <a:xfrm>
+            <a:off x="683568" y="5373216"/>
+            <a:ext cx="6408712" cy="338554"/>
+          </a:xfrm>
+          <a:prstGeom prst="rect">
+            <a:avLst/>
+          </a:prstGeom>
+          <a:noFill/>
+        </p:spPr>
+        <p:txBody>
+          <a:bodyPr wrap="square" rtlCol="0">
+            <a:spAutoFit/>
+          </a:bodyPr>
+          <a:lstStyle/>
+          <a:p>
+            <a:r>
+              <a:rPr lang="zh-CN" altLang="en-US" sz="1600" b="1" dirty="0" smtClean="0">
+                <a:latin typeface="微软雅黑" panose="020B0503020204020204" pitchFamily="34" charset="-122"/>
+                <a:ea typeface="微软雅黑" panose="020B0503020204020204" pitchFamily="34" charset="-122"/>
+              </a:rPr>
+              <a:t>将</a:t>
+            </a:r>
+            <a:r>
+              <a:rPr lang="en-US" altLang="zh-CN" sz="1600" b="1" dirty="0" err="1" smtClean="0">
+                <a:latin typeface="微软雅黑" panose="020B0503020204020204" pitchFamily="34" charset="-122"/>
+                <a:ea typeface="微软雅黑" panose="020B0503020204020204" pitchFamily="34" charset="-122"/>
+              </a:rPr>
+              <a:t>mysql</a:t>
+            </a:r>
+            <a:r>
+              <a:rPr lang="zh-CN" altLang="en-US" sz="1600" b="1" dirty="0" smtClean="0">
+                <a:latin typeface="微软雅黑" panose="020B0503020204020204" pitchFamily="34" charset="-122"/>
+                <a:ea typeface="微软雅黑" panose="020B0503020204020204" pitchFamily="34" charset="-122"/>
+              </a:rPr>
+              <a:t>库协程化的例子参见</a:t>
+            </a:r>
+            <a:r>
+              <a:rPr lang="zh-CN" altLang="en-US" sz="1600" dirty="0" smtClean="0">
+                <a:latin typeface="微软雅黑" panose="020B0503020204020204" pitchFamily="34" charset="-122"/>
+                <a:ea typeface="微软雅黑" panose="020B0503020204020204" pitchFamily="34" charset="-122"/>
+              </a:rPr>
+              <a:t>：</a:t>
+            </a:r>
+            <a:r>
+              <a:rPr lang="en-US" altLang="zh-CN" sz="1600" dirty="0" err="1" smtClean="0">
+                <a:latin typeface="微软雅黑" panose="020B0503020204020204" pitchFamily="34" charset="-122"/>
+                <a:ea typeface="微软雅黑" panose="020B0503020204020204" pitchFamily="34" charset="-122"/>
+              </a:rPr>
+              <a:t>acl</a:t>
+            </a:r>
+            <a:r>
+              <a:rPr lang="en-US" altLang="zh-CN" sz="1600" dirty="0" smtClean="0">
+                <a:latin typeface="微软雅黑" panose="020B0503020204020204" pitchFamily="34" charset="-122"/>
+                <a:ea typeface="微软雅黑" panose="020B0503020204020204" pitchFamily="34" charset="-122"/>
+              </a:rPr>
               <a:t>/</a:t>
             </a:r>
             <a:r>
-              <a:rPr lang="zh-CN" altLang="en-US" dirty="0" smtClean="0"/>
-              <a:t>。。。为便于将出错号与协程绑定</a:t>
-            </a:r>
-            <a:endParaRPr lang="zh-CN" altLang="en-US" dirty="0"/>
+              <a:rPr lang="en-US" altLang="zh-CN" sz="1600" dirty="0" err="1" smtClean="0"/>
+              <a:t>lib_fiber</a:t>
+            </a:r>
+            <a:r>
+              <a:rPr lang="en-US" altLang="zh-CN" sz="1600" dirty="0" smtClean="0"/>
+              <a:t>/samples/</a:t>
+            </a:r>
+            <a:r>
+              <a:rPr lang="en-US" altLang="zh-CN" sz="1600" dirty="0" err="1" smtClean="0"/>
+              <a:t>mysql</a:t>
+            </a:r>
+            <a:endParaRPr lang="zh-CN" altLang="en-US" sz="1600" dirty="0"/>
           </a:p>
         </p:txBody>
       </p:sp>
     </p:spTree>
     <p:extLst>
       <p:ext uri="{BB962C8B-B14F-4D97-AF65-F5344CB8AC3E}">
-        <p14:creationId xmlns:p14="http://schemas.microsoft.com/office/powerpoint/2010/main" val="2488820698"/>
+        <p14:creationId xmlns:p14="http://schemas.microsoft.com/office/powerpoint/2010/main" val="636470633"/>
       </p:ext>
     </p:extLst>
   </p:cSld>
@@ -22066,15 +23316,19 @@
           <a:p>
             <a:r>
               <a:rPr lang="zh-CN" altLang="en-US" dirty="0" smtClean="0"/>
-              <a:t>基于协程的 </a:t>
-            </a:r>
-            <a:r>
-              <a:rPr lang="en-US" altLang="zh-CN" dirty="0" err="1" smtClean="0"/>
-              <a:t>errno</a:t>
+              <a:t>为何要 </a:t>
             </a:r>
             <a:r>
               <a:rPr lang="en-US" altLang="zh-CN" dirty="0" smtClean="0"/>
-              <a:t> --- </a:t>
+              <a:t>HOOK </a:t>
+            </a:r>
+            <a:r>
+              <a:rPr lang="zh-CN" altLang="en-US" dirty="0" smtClean="0"/>
+              <a:t>很多系统</a:t>
+            </a:r>
+            <a:r>
+              <a:rPr lang="en-US" altLang="zh-CN" dirty="0" smtClean="0"/>
+              <a:t>API --- </a:t>
             </a:r>
             <a:r>
               <a:rPr lang="zh-CN" altLang="en-US" sz="2000" dirty="0" smtClean="0"/>
@@ -22100,8 +23354,42 @@
           <a:lstStyle/>
           <a:p>
             <a:r>
+              <a:rPr lang="en-US" altLang="zh-CN" dirty="0" smtClean="0"/>
+              <a:t>1</a:t>
+            </a:r>
+            <a:r>
               <a:rPr lang="zh-CN" altLang="en-US" dirty="0" smtClean="0"/>
-              <a:t>因为每个线程中存在大量协程，当某个协程的</a:t>
+              <a:t>、</a:t>
+            </a:r>
+            <a:r>
+              <a:rPr lang="en-US" altLang="zh-CN" dirty="0" smtClean="0"/>
+              <a:t>poll/select </a:t>
+            </a:r>
+            <a:r>
+              <a:rPr lang="zh-CN" altLang="en-US" dirty="0" smtClean="0"/>
+              <a:t>为网络编程中常用系统 </a:t>
+            </a:r>
+            <a:r>
+              <a:rPr lang="en-US" altLang="zh-CN" dirty="0" smtClean="0"/>
+              <a:t>API</a:t>
+            </a:r>
+          </a:p>
+          <a:p>
+            <a:r>
+              <a:rPr lang="en-US" altLang="zh-CN" dirty="0" smtClean="0"/>
+              <a:t>2</a:t>
+            </a:r>
+            <a:r>
+              <a:rPr lang="zh-CN" altLang="en-US" dirty="0" smtClean="0"/>
+              <a:t>、很多第三方网络库用 </a:t>
+            </a:r>
+            <a:r>
+              <a:rPr lang="en-US" altLang="zh-CN" dirty="0" smtClean="0"/>
+              <a:t>poll/select </a:t>
+            </a:r>
+            <a:r>
+              <a:rPr lang="zh-CN" altLang="en-US" dirty="0" smtClean="0"/>
+              <a:t>模拟</a:t>
             </a:r>
             <a:r>
               <a:rPr lang="en-US" altLang="zh-CN" dirty="0" smtClean="0"/>
@@ -22109,11 +23397,22 @@
             </a:r>
             <a:r>
               <a:rPr lang="zh-CN" altLang="en-US" dirty="0" smtClean="0"/>
-              <a:t>过程出错时，如果实现不同协程之间的 </a:t>
+              <a:t>超时</a:t>
+            </a:r>
+            <a:endParaRPr lang="en-US" altLang="zh-CN" dirty="0" smtClean="0"/>
+          </a:p>
+          <a:p>
+            <a:r>
+              <a:rPr lang="en-US" altLang="zh-CN" dirty="0" smtClean="0"/>
+              <a:t>3</a:t>
+            </a:r>
+            <a:r>
+              <a:rPr lang="zh-CN" altLang="en-US" dirty="0" smtClean="0"/>
+              <a:t>、</a:t>
             </a:r>
             <a:r>
               <a:rPr lang="en-US" altLang="zh-CN" dirty="0" err="1" smtClean="0"/>
-              <a:t>errno</a:t>
+              <a:t>epoll</a:t>
             </a:r>
             <a:r>
               <a:rPr lang="en-US" altLang="zh-CN" dirty="0" smtClean="0"/>
@@ -22121,37 +23420,30 @@
             </a:r>
             <a:r>
               <a:rPr lang="zh-CN" altLang="en-US" dirty="0" smtClean="0"/>
-              <a:t>是相互隔离的？</a:t>
+              <a:t>在 </a:t>
+            </a:r>
+            <a:r>
+              <a:rPr lang="en-US" altLang="zh-CN" dirty="0" smtClean="0"/>
+              <a:t>reactor </a:t>
+            </a:r>
+            <a:r>
+              <a:rPr lang="zh-CN" altLang="en-US" dirty="0" smtClean="0"/>
+              <a:t>类应用（如：聊天）方面比较广泛</a:t>
             </a:r>
             <a:endParaRPr lang="en-US" altLang="zh-CN" dirty="0" smtClean="0"/>
           </a:p>
           <a:p>
-            <a:endParaRPr lang="en-US" altLang="zh-CN" dirty="0"/>
-          </a:p>
-          <a:p>
             <a:r>
               <a:rPr lang="en-US" altLang="zh-CN" dirty="0" smtClean="0"/>
-              <a:t>--- </a:t>
+              <a:t>4</a:t>
             </a:r>
             <a:r>
               <a:rPr lang="zh-CN" altLang="en-US" dirty="0" smtClean="0"/>
-              <a:t>在 </a:t>
-            </a:r>
-            <a:r>
-              <a:rPr lang="en-US" altLang="zh-CN" dirty="0" smtClean="0"/>
-              <a:t>Linux </a:t>
-            </a:r>
-            <a:r>
-              <a:rPr lang="zh-CN" altLang="en-US" dirty="0" smtClean="0"/>
-              <a:t>平台下直接 </a:t>
-            </a:r>
-            <a:r>
-              <a:rPr lang="en-US" altLang="zh-CN" dirty="0"/>
-              <a:t>HOOK __</a:t>
+              <a:t>、</a:t>
             </a:r>
             <a:r>
               <a:rPr lang="en-US" altLang="zh-CN" dirty="0" err="1" smtClean="0"/>
-              <a:t>errno_location</a:t>
+              <a:t>gethostbyname</a:t>
             </a:r>
             <a:r>
               <a:rPr lang="en-US" altLang="zh-CN" dirty="0" smtClean="0"/>
@@ -22159,158 +23451,81 @@
             </a:r>
             <a:r>
               <a:rPr lang="zh-CN" altLang="en-US" dirty="0" smtClean="0"/>
-              <a:t>系统函数</a:t>
+              <a:t>在域名解析方面应用广泛</a:t>
             </a:r>
             <a:endParaRPr lang="en-US" altLang="zh-CN" dirty="0" smtClean="0"/>
           </a:p>
           <a:p>
-            <a:endParaRPr lang="en-US" altLang="zh-CN" dirty="0"/>
-          </a:p>
-          <a:p>
+            <a:r>
+              <a:rPr lang="en-US" altLang="zh-CN" dirty="0" smtClean="0"/>
+              <a:t>5</a:t>
+            </a:r>
             <a:r>
               <a:rPr lang="zh-CN" altLang="en-US" dirty="0" smtClean="0"/>
-              <a:t>参见：</a:t>
-            </a:r>
-            <a:r>
-              <a:rPr lang="en-US" altLang="zh-CN" dirty="0"/>
+              <a:t>、</a:t>
+            </a:r>
+            <a:r>
+              <a:rPr lang="en-US" altLang="zh-CN" dirty="0" smtClean="0"/>
+              <a:t>listen </a:t>
+            </a:r>
+            <a:r>
+              <a:rPr lang="zh-CN" altLang="en-US" dirty="0" smtClean="0"/>
+              <a:t>需要将监听描述字设为非阻塞模式</a:t>
+            </a:r>
+            <a:endParaRPr lang="en-US" altLang="zh-CN" dirty="0" smtClean="0"/>
+          </a:p>
+          <a:p>
+            <a:r>
+              <a:rPr lang="en-US" altLang="zh-CN" dirty="0" smtClean="0"/>
+              <a:t>6</a:t>
+            </a:r>
+            <a:r>
+              <a:rPr lang="zh-CN" altLang="en-US" dirty="0" smtClean="0"/>
+              <a:t>、</a:t>
+            </a:r>
+            <a:r>
+              <a:rPr lang="en-US" altLang="zh-CN" dirty="0" smtClean="0"/>
+              <a:t>connect </a:t>
+            </a:r>
+            <a:r>
+              <a:rPr lang="zh-CN" altLang="en-US" dirty="0" smtClean="0"/>
+              <a:t>需要将连接描述字设为非阻塞模式</a:t>
+            </a:r>
+            <a:endParaRPr lang="en-US" altLang="zh-CN" dirty="0" smtClean="0"/>
+          </a:p>
+          <a:p>
+            <a:r>
+              <a:rPr lang="en-US" altLang="zh-CN" dirty="0" smtClean="0"/>
+              <a:t>7</a:t>
+            </a:r>
+            <a:r>
+              <a:rPr lang="zh-CN" altLang="en-US" dirty="0" smtClean="0"/>
+              <a:t>、</a:t>
+            </a:r>
+            <a:r>
+              <a:rPr lang="en-US" altLang="zh-CN" dirty="0" smtClean="0"/>
+              <a:t>bind/socket/</a:t>
+            </a:r>
+            <a:r>
+              <a:rPr lang="en-US" altLang="zh-CN" dirty="0" err="1" smtClean="0"/>
+              <a:t>socketpair</a:t>
+            </a:r>
+            <a:r>
+              <a:rPr lang="en-US" altLang="zh-CN" dirty="0" smtClean="0"/>
               <a:t>/</a:t>
             </a:r>
             <a:r>
-              <a:rPr lang="en-US" altLang="zh-CN" dirty="0" err="1" smtClean="0"/>
-              <a:t>usr</a:t>
-            </a:r>
-            <a:r>
-              <a:rPr lang="en-US" altLang="zh-CN" dirty="0" smtClean="0"/>
-              <a:t>/include/bits/</a:t>
-            </a:r>
-            <a:r>
-              <a:rPr lang="en-US" altLang="zh-CN" dirty="0" err="1" smtClean="0"/>
-              <a:t>errno.h</a:t>
-            </a:r>
-            <a:endParaRPr lang="en-US" altLang="zh-CN" dirty="0" smtClean="0"/>
-          </a:p>
-          <a:p>
-            <a:endParaRPr lang="en-US" altLang="zh-CN" dirty="0"/>
-          </a:p>
-          <a:p>
-            <a:r>
-              <a:rPr lang="en-US" altLang="zh-CN" sz="1600" b="1" dirty="0"/>
-              <a:t>extern </a:t>
-            </a:r>
-            <a:r>
-              <a:rPr lang="en-US" altLang="zh-CN" sz="1600" b="1" dirty="0" err="1"/>
-              <a:t>int</a:t>
-            </a:r>
-            <a:r>
-              <a:rPr lang="en-US" altLang="zh-CN" sz="1600" b="1" dirty="0"/>
-              <a:t> *__</a:t>
-            </a:r>
-            <a:r>
-              <a:rPr lang="en-US" altLang="zh-CN" sz="1600" b="1" dirty="0" err="1"/>
-              <a:t>errno_location</a:t>
-            </a:r>
-            <a:r>
-              <a:rPr lang="en-US" altLang="zh-CN" sz="1600" b="1" dirty="0"/>
-              <a:t> (void) __THROW __attribute__ ((__</a:t>
-            </a:r>
-            <a:r>
-              <a:rPr lang="en-US" altLang="zh-CN" sz="1600" b="1" dirty="0" err="1"/>
-              <a:t>const</a:t>
-            </a:r>
-            <a:r>
-              <a:rPr lang="en-US" altLang="zh-CN" sz="1600" b="1" dirty="0" smtClean="0"/>
-              <a:t>__));</a:t>
-            </a:r>
-          </a:p>
-          <a:p>
-            <a:r>
-              <a:rPr lang="en-US" altLang="zh-CN" sz="1600" b="1" dirty="0" smtClean="0"/>
-              <a:t>#define </a:t>
-            </a:r>
-            <a:r>
-              <a:rPr lang="en-US" altLang="zh-CN" sz="1600" b="1" dirty="0" err="1"/>
-              <a:t>errno</a:t>
-            </a:r>
-            <a:r>
-              <a:rPr lang="en-US" altLang="zh-CN" sz="1600" b="1" dirty="0"/>
-              <a:t> (*__</a:t>
-            </a:r>
-            <a:r>
-              <a:rPr lang="en-US" altLang="zh-CN" sz="1600" b="1" dirty="0" err="1" smtClean="0"/>
-              <a:t>errno_location</a:t>
-            </a:r>
-            <a:r>
-              <a:rPr lang="en-US" altLang="zh-CN" sz="1600" b="1" dirty="0" smtClean="0"/>
-              <a:t> ())</a:t>
-            </a:r>
-          </a:p>
-          <a:p>
-            <a:endParaRPr lang="en-US" altLang="zh-CN" sz="1600" dirty="0"/>
-          </a:p>
-          <a:p>
-            <a:r>
-              <a:rPr lang="zh-CN" altLang="en-US" sz="1600" dirty="0" smtClean="0"/>
-              <a:t>针对进程内全局变量：</a:t>
-            </a:r>
-            <a:r>
-              <a:rPr lang="en-US" altLang="zh-CN" sz="1600" dirty="0" err="1" smtClean="0"/>
-              <a:t>errno</a:t>
-            </a:r>
-            <a:r>
-              <a:rPr lang="zh-CN" altLang="en-US" sz="1600" dirty="0" smtClean="0"/>
-              <a:t>，操作系统将该变量定义为一个函数指针地址，函数内部会通过线程局部变量方式给每一个线程分配一个 </a:t>
-            </a:r>
-            <a:r>
-              <a:rPr lang="en-US" altLang="zh-CN" sz="1600" dirty="0" smtClean="0"/>
-              <a:t>error </a:t>
-            </a:r>
-            <a:r>
-              <a:rPr lang="zh-CN" altLang="en-US" sz="1600" dirty="0" smtClean="0"/>
-              <a:t>对象</a:t>
-            </a:r>
-            <a:endParaRPr lang="en-US" altLang="zh-CN" sz="1600" dirty="0" smtClean="0"/>
-          </a:p>
-          <a:p>
-            <a:r>
-              <a:rPr lang="zh-CN" altLang="en-US" sz="1600" dirty="0" smtClean="0"/>
-              <a:t>因此，通过 </a:t>
-            </a:r>
-            <a:r>
-              <a:rPr lang="en-US" altLang="zh-CN" sz="1600" dirty="0" smtClean="0"/>
-              <a:t>hook __</a:t>
-            </a:r>
-            <a:r>
-              <a:rPr lang="en-US" altLang="zh-CN" sz="1600" dirty="0" err="1" smtClean="0"/>
-              <a:t>errno_location</a:t>
-            </a:r>
-            <a:r>
-              <a:rPr lang="en-US" altLang="zh-CN" sz="1600" dirty="0" smtClean="0"/>
-              <a:t> </a:t>
-            </a:r>
-            <a:r>
-              <a:rPr lang="zh-CN" altLang="en-US" sz="1600" dirty="0" smtClean="0"/>
-              <a:t>函数，在协程库里给每个协程一个协程局部变量，实现了 </a:t>
-            </a:r>
-            <a:r>
-              <a:rPr lang="en-US" altLang="zh-CN" sz="1600" dirty="0" err="1" smtClean="0"/>
-              <a:t>errno</a:t>
-            </a:r>
-            <a:r>
-              <a:rPr lang="en-US" altLang="zh-CN" sz="1600" dirty="0" smtClean="0"/>
-              <a:t> </a:t>
-            </a:r>
-            <a:r>
-              <a:rPr lang="zh-CN" altLang="en-US" sz="1600" dirty="0" smtClean="0"/>
-              <a:t>全局变量的协程安全性</a:t>
-            </a:r>
-            <a:endParaRPr lang="zh-CN" altLang="en-US" sz="1600" dirty="0"/>
+              <a:rPr lang="zh-CN" altLang="en-US" dirty="0" smtClean="0"/>
+              <a:t>。。。为便于将出错号与协程绑定</a:t>
+            </a:r>
+            <a:endParaRPr lang="zh-CN" altLang="en-US" dirty="0"/>
           </a:p>
         </p:txBody>
       </p:sp>
     </p:spTree>
     <p:extLst>
       <p:ext uri="{BB962C8B-B14F-4D97-AF65-F5344CB8AC3E}">
-        <p14:creationId xmlns:p14="http://schemas.microsoft.com/office/powerpoint/2010/main" val="465318761"/>
+        <p14:creationId xmlns:p14="http://schemas.microsoft.com/office/powerpoint/2010/main" val="2488820698"/>
       </p:ext>
     </p:extLst>
   </p:cSld>
@@ -22361,11 +23576,15 @@
           <a:p>
             <a:r>
               <a:rPr lang="zh-CN" altLang="en-US" dirty="0" smtClean="0"/>
-              <a:t>内存检测 </a:t>
+              <a:t>基于协程的 </a:t>
+            </a:r>
+            <a:r>
+              <a:rPr lang="en-US" altLang="zh-CN" dirty="0" err="1" smtClean="0"/>
+              <a:t>errno</a:t>
             </a:r>
             <a:r>
               <a:rPr lang="en-US" altLang="zh-CN" dirty="0" smtClean="0"/>
-              <a:t>--- </a:t>
+              <a:t> --- </a:t>
             </a:r>
             <a:r>
               <a:rPr lang="zh-CN" altLang="en-US" sz="2000" dirty="0" smtClean="0"/>
@@ -22392,11 +23611,19 @@
           <a:p>
             <a:r>
               <a:rPr lang="zh-CN" altLang="en-US" dirty="0" smtClean="0"/>
-              <a:t>配合 </a:t>
+              <a:t>因为每个线程中存在大量协程，当某个协程的</a:t>
+            </a:r>
+            <a:r>
+              <a:rPr lang="en-US" altLang="zh-CN" dirty="0" smtClean="0"/>
+              <a:t>IO</a:t>
+            </a:r>
+            <a:r>
+              <a:rPr lang="zh-CN" altLang="en-US" dirty="0" smtClean="0"/>
+              <a:t>过程出错时，如果实现不同协程之间的 </a:t>
             </a:r>
             <a:r>
               <a:rPr lang="en-US" altLang="zh-CN" dirty="0" err="1" smtClean="0"/>
-              <a:t>valgrind</a:t>
+              <a:t>errno</a:t>
             </a:r>
             <a:r>
               <a:rPr lang="en-US" altLang="zh-CN" dirty="0" smtClean="0"/>
@@ -22404,18 +23631,167 @@
             </a:r>
             <a:r>
               <a:rPr lang="zh-CN" altLang="en-US" dirty="0" smtClean="0"/>
-              <a:t>做内存检测：</a:t>
+              <a:t>是相互隔离的？</a:t>
             </a:r>
             <a:endParaRPr lang="en-US" altLang="zh-CN" dirty="0" smtClean="0"/>
           </a:p>
           <a:p>
+            <a:endParaRPr lang="en-US" altLang="zh-CN" dirty="0"/>
+          </a:p>
+          <a:p>
+            <a:r>
+              <a:rPr lang="en-US" altLang="zh-CN" dirty="0" smtClean="0"/>
+              <a:t>--- </a:t>
+            </a:r>
+            <a:r>
+              <a:rPr lang="zh-CN" altLang="en-US" dirty="0" smtClean="0"/>
+              <a:t>在 </a:t>
+            </a:r>
+            <a:r>
+              <a:rPr lang="en-US" altLang="zh-CN" dirty="0" smtClean="0"/>
+              <a:t>Linux </a:t>
+            </a:r>
+            <a:r>
+              <a:rPr lang="zh-CN" altLang="en-US" dirty="0" smtClean="0"/>
+              <a:t>平台下直接 </a:t>
+            </a:r>
+            <a:r>
+              <a:rPr lang="en-US" altLang="zh-CN" dirty="0"/>
+              <a:t>HOOK __</a:t>
+            </a:r>
+            <a:r>
+              <a:rPr lang="en-US" altLang="zh-CN" dirty="0" err="1" smtClean="0"/>
+              <a:t>errno_location</a:t>
+            </a:r>
+            <a:r>
+              <a:rPr lang="en-US" altLang="zh-CN" dirty="0" smtClean="0"/>
+              <a:t> </a:t>
+            </a:r>
+            <a:r>
+              <a:rPr lang="zh-CN" altLang="en-US" dirty="0" smtClean="0"/>
+              <a:t>系统函数</a:t>
+            </a:r>
+            <a:endParaRPr lang="en-US" altLang="zh-CN" dirty="0" smtClean="0"/>
+          </a:p>
+          <a:p>
+            <a:endParaRPr lang="en-US" altLang="zh-CN" dirty="0"/>
+          </a:p>
+          <a:p>
+            <a:r>
+              <a:rPr lang="zh-CN" altLang="en-US" dirty="0" smtClean="0"/>
+              <a:t>参见：</a:t>
+            </a:r>
+            <a:r>
+              <a:rPr lang="en-US" altLang="zh-CN" dirty="0"/>
+              <a:t>/</a:t>
+            </a:r>
+            <a:r>
+              <a:rPr lang="en-US" altLang="zh-CN" dirty="0" err="1" smtClean="0"/>
+              <a:t>usr</a:t>
+            </a:r>
+            <a:r>
+              <a:rPr lang="en-US" altLang="zh-CN" dirty="0" smtClean="0"/>
+              <a:t>/include/bits/</a:t>
+            </a:r>
+            <a:r>
+              <a:rPr lang="en-US" altLang="zh-CN" dirty="0" err="1" smtClean="0"/>
+              <a:t>errno.h</a:t>
+            </a:r>
+            <a:endParaRPr lang="en-US" altLang="zh-CN" dirty="0" smtClean="0"/>
+          </a:p>
+          <a:p>
+            <a:endParaRPr lang="en-US" altLang="zh-CN" dirty="0"/>
+          </a:p>
+          <a:p>
+            <a:r>
+              <a:rPr lang="en-US" altLang="zh-CN" sz="1600" b="1" dirty="0"/>
+              <a:t>extern </a:t>
+            </a:r>
+            <a:r>
+              <a:rPr lang="en-US" altLang="zh-CN" sz="1600" b="1" dirty="0" err="1"/>
+              <a:t>int</a:t>
+            </a:r>
+            <a:r>
+              <a:rPr lang="en-US" altLang="zh-CN" sz="1600" b="1" dirty="0"/>
+              <a:t> *__</a:t>
+            </a:r>
+            <a:r>
+              <a:rPr lang="en-US" altLang="zh-CN" sz="1600" b="1" dirty="0" err="1"/>
+              <a:t>errno_location</a:t>
+            </a:r>
+            <a:r>
+              <a:rPr lang="en-US" altLang="zh-CN" sz="1600" b="1" dirty="0"/>
+              <a:t> (void) __THROW __attribute__ ((__</a:t>
+            </a:r>
+            <a:r>
+              <a:rPr lang="en-US" altLang="zh-CN" sz="1600" b="1" dirty="0" err="1"/>
+              <a:t>const</a:t>
+            </a:r>
+            <a:r>
+              <a:rPr lang="en-US" altLang="zh-CN" sz="1600" b="1" dirty="0" smtClean="0"/>
+              <a:t>__));</a:t>
+            </a:r>
+          </a:p>
+          <a:p>
+            <a:r>
+              <a:rPr lang="en-US" altLang="zh-CN" sz="1600" b="1" dirty="0" smtClean="0"/>
+              <a:t>#define </a:t>
+            </a:r>
+            <a:r>
+              <a:rPr lang="en-US" altLang="zh-CN" sz="1600" b="1" dirty="0" err="1"/>
+              <a:t>errno</a:t>
+            </a:r>
+            <a:r>
+              <a:rPr lang="en-US" altLang="zh-CN" sz="1600" b="1" dirty="0"/>
+              <a:t> (*__</a:t>
+            </a:r>
+            <a:r>
+              <a:rPr lang="en-US" altLang="zh-CN" sz="1600" b="1" dirty="0" err="1" smtClean="0"/>
+              <a:t>errno_location</a:t>
+            </a:r>
+            <a:r>
+              <a:rPr lang="en-US" altLang="zh-CN" sz="1600" b="1" dirty="0" smtClean="0"/>
+              <a:t> ())</a:t>
+            </a:r>
+          </a:p>
+          <a:p>
+            <a:endParaRPr lang="en-US" altLang="zh-CN" sz="1600" dirty="0"/>
+          </a:p>
+          <a:p>
+            <a:r>
+              <a:rPr lang="zh-CN" altLang="en-US" sz="1600" dirty="0" smtClean="0"/>
+              <a:t>针对进程内全局变量：</a:t>
+            </a:r>
+            <a:r>
+              <a:rPr lang="en-US" altLang="zh-CN" sz="1600" dirty="0" err="1" smtClean="0"/>
+              <a:t>errno</a:t>
+            </a:r>
+            <a:r>
+              <a:rPr lang="zh-CN" altLang="en-US" sz="1600" dirty="0" smtClean="0"/>
+              <a:t>，操作系统将该变量定义为一个函数指针地址，函数内部会通过线程局部变量方式给每一个线程分配一个 </a:t>
+            </a:r>
             <a:r>
               <a:rPr lang="en-US" altLang="zh-CN" sz="1600" dirty="0" smtClean="0"/>
-              <a:t>- </a:t>
+              <a:t>error </a:t>
+            </a:r>
+            <a:r>
+              <a:rPr lang="zh-CN" altLang="en-US" sz="1600" dirty="0" smtClean="0"/>
+              <a:t>对象</a:t>
+            </a:r>
+            <a:endParaRPr lang="en-US" altLang="zh-CN" sz="1600" dirty="0" smtClean="0"/>
+          </a:p>
+          <a:p>
+            <a:r>
+              <a:rPr lang="zh-CN" altLang="en-US" sz="1600" dirty="0" smtClean="0"/>
+              <a:t>因此，通过 </a:t>
+            </a:r>
+            <a:r>
+              <a:rPr lang="en-US" altLang="zh-CN" sz="1600" dirty="0" smtClean="0"/>
+              <a:t>hook __</a:t>
             </a:r>
             <a:r>
               <a:rPr lang="en-US" altLang="zh-CN" sz="1600" dirty="0" err="1" smtClean="0"/>
-              <a:t>valgrind</a:t>
+              <a:t>errno_location</a:t>
             </a:r>
             <a:r>
               <a:rPr lang="en-US" altLang="zh-CN" sz="1600" dirty="0" smtClean="0"/>
@@ -22423,11 +23799,11 @@
             </a:r>
             <a:r>
               <a:rPr lang="zh-CN" altLang="en-US" sz="1600" dirty="0" smtClean="0"/>
-              <a:t>与 </a:t>
+              <a:t>函数，在协程库里给每个协程一个协程局部变量，实现了 </a:t>
             </a:r>
             <a:r>
               <a:rPr lang="en-US" altLang="zh-CN" sz="1600" dirty="0" err="1" smtClean="0"/>
-              <a:t>xxxcontext</a:t>
+              <a:t>errno</a:t>
             </a:r>
             <a:r>
               <a:rPr lang="en-US" altLang="zh-CN" sz="1600" dirty="0" smtClean="0"/>
@@ -22435,96 +23811,7 @@
             </a:r>
             <a:r>
               <a:rPr lang="zh-CN" altLang="en-US" sz="1600" dirty="0" smtClean="0"/>
-              <a:t>的不兼容性</a:t>
-            </a:r>
-            <a:endParaRPr lang="en-US" altLang="zh-CN" sz="1600" dirty="0" smtClean="0"/>
-          </a:p>
-          <a:p>
-            <a:r>
-              <a:rPr lang="en-US" altLang="zh-CN" sz="1600" dirty="0" smtClean="0"/>
-              <a:t>- </a:t>
-            </a:r>
-            <a:r>
-              <a:rPr lang="zh-CN" altLang="en-US" sz="1600" dirty="0" smtClean="0"/>
-              <a:t>需下载 </a:t>
-            </a:r>
-            <a:r>
-              <a:rPr lang="en-US" altLang="zh-CN" sz="1600" dirty="0" err="1" smtClean="0"/>
-              <a:t>valgrind</a:t>
-            </a:r>
-            <a:r>
-              <a:rPr lang="en-US" altLang="zh-CN" sz="1600" dirty="0" smtClean="0"/>
-              <a:t> </a:t>
-            </a:r>
-            <a:r>
-              <a:rPr lang="zh-CN" altLang="en-US" sz="1600" dirty="0" smtClean="0"/>
-              <a:t>开发包，调用 </a:t>
-            </a:r>
-            <a:r>
-              <a:rPr lang="en-US" altLang="zh-CN" sz="1600" dirty="0" smtClean="0"/>
-              <a:t>VALGRIND_STACK_REGISTER</a:t>
-            </a:r>
-            <a:r>
-              <a:rPr lang="zh-CN" altLang="en-US" sz="1600" dirty="0" smtClean="0"/>
-              <a:t>通知</a:t>
-            </a:r>
-            <a:endParaRPr lang="en-US" altLang="zh-CN" sz="1600" dirty="0" smtClean="0"/>
-          </a:p>
-          <a:p>
-            <a:r>
-              <a:rPr lang="en-US" altLang="zh-CN" sz="1600" dirty="0"/>
-              <a:t> </a:t>
-            </a:r>
-            <a:r>
-              <a:rPr lang="en-US" altLang="zh-CN" sz="1600" dirty="0" smtClean="0"/>
-              <a:t> </a:t>
-            </a:r>
-            <a:r>
-              <a:rPr lang="en-US" altLang="zh-CN" sz="1600" dirty="0" err="1" smtClean="0"/>
-              <a:t>valgrind</a:t>
-            </a:r>
-            <a:r>
-              <a:rPr lang="en-US" altLang="zh-CN" sz="1600" dirty="0" smtClean="0"/>
-              <a:t> </a:t>
-            </a:r>
-            <a:r>
-              <a:rPr lang="zh-CN" altLang="en-US" sz="1600" dirty="0" smtClean="0"/>
-              <a:t>跳过检测该内存区域</a:t>
-            </a:r>
-            <a:endParaRPr lang="en-US" altLang="zh-CN" sz="1600" dirty="0" smtClean="0"/>
-          </a:p>
-          <a:p>
-            <a:r>
-              <a:rPr lang="en-US" altLang="zh-CN" sz="1600" dirty="0" smtClean="0"/>
-              <a:t>- </a:t>
-            </a:r>
-            <a:r>
-              <a:rPr lang="zh-CN" altLang="en-US" sz="1600" dirty="0" smtClean="0"/>
-              <a:t>检测时在 </a:t>
-            </a:r>
-            <a:r>
-              <a:rPr lang="en-US" altLang="zh-CN" sz="1600" dirty="0" err="1" smtClean="0"/>
-              <a:t>Makefile</a:t>
-            </a:r>
-            <a:r>
-              <a:rPr lang="en-US" altLang="zh-CN" sz="1600" dirty="0" smtClean="0"/>
-              <a:t> </a:t>
-            </a:r>
-            <a:r>
-              <a:rPr lang="zh-CN" altLang="en-US" sz="1600" dirty="0" smtClean="0"/>
-              <a:t>里打开 </a:t>
-            </a:r>
-            <a:r>
-              <a:rPr lang="en-US" altLang="zh-CN" sz="1600" dirty="0" smtClean="0"/>
-              <a:t>–DUSE_VALGRIND </a:t>
-            </a:r>
-            <a:r>
-              <a:rPr lang="zh-CN" altLang="en-US" sz="1600" dirty="0" smtClean="0"/>
-              <a:t>编译选项，重新编译 </a:t>
-            </a:r>
-            <a:r>
-              <a:rPr lang="en-US" altLang="zh-CN" sz="1600" dirty="0" err="1" smtClean="0"/>
-              <a:t>lib_fiber.a</a:t>
+              <a:t>全局变量的协程安全性</a:t>
             </a:r>
             <a:endParaRPr lang="zh-CN" altLang="en-US" sz="1600" dirty="0"/>
           </a:p>
@@ -22533,7 +23820,7 @@
     </p:spTree>
     <p:extLst>
       <p:ext uri="{BB962C8B-B14F-4D97-AF65-F5344CB8AC3E}">
-        <p14:creationId xmlns:p14="http://schemas.microsoft.com/office/powerpoint/2010/main" val="1567305147"/>
+        <p14:creationId xmlns:p14="http://schemas.microsoft.com/office/powerpoint/2010/main" val="465318761"/>
       </p:ext>
     </p:extLst>
   </p:cSld>
@@ -22584,21 +23871,17 @@
           <a:p>
             <a:r>
               <a:rPr lang="zh-CN" altLang="en-US" dirty="0" smtClean="0"/>
-              <a:t>协程与 </a:t>
-            </a:r>
-            <a:r>
-              <a:rPr lang="en-US" altLang="zh-CN" dirty="0" err="1" smtClean="0"/>
-              <a:t>acl_master</a:t>
+              <a:t>内存检测 </a:t>
             </a:r>
             <a:r>
               <a:rPr lang="en-US" altLang="zh-CN" dirty="0" smtClean="0"/>
-              <a:t> </a:t>
-            </a:r>
-            <a:r>
-              <a:rPr lang="zh-CN" altLang="en-US" dirty="0" smtClean="0"/>
-              <a:t>服务框架集成</a:t>
-            </a:r>
-            <a:endParaRPr lang="zh-CN" altLang="en-US" dirty="0"/>
+              <a:t>--- </a:t>
+            </a:r>
+            <a:r>
+              <a:rPr lang="zh-CN" altLang="en-US" sz="2000" dirty="0" smtClean="0"/>
+              <a:t>设计要点</a:t>
+            </a:r>
+            <a:endParaRPr lang="zh-CN" altLang="en-US" sz="2000" dirty="0"/>
           </a:p>
         </p:txBody>
       </p:sp>
@@ -22612,83 +23895,37 @@
             <p:ph idx="1"/>
           </p:nvPr>
         </p:nvSpPr>
-        <p:spPr>
-          <a:xfrm>
-            <a:off x="457201" y="4882199"/>
-            <a:ext cx="8229600" cy="1461539"/>
-          </a:xfrm>
-        </p:spPr>
+        <p:spPr/>
         <p:txBody>
-          <a:bodyPr>
-            <a:normAutofit lnSpcReduction="10000"/>
-          </a:bodyPr>
+          <a:bodyPr/>
           <a:lstStyle/>
           <a:p>
             <a:r>
+              <a:rPr lang="zh-CN" altLang="en-US" dirty="0" smtClean="0"/>
+              <a:t>配合 </a:t>
+            </a:r>
+            <a:r>
+              <a:rPr lang="en-US" altLang="zh-CN" dirty="0" err="1" smtClean="0"/>
+              <a:t>valgrind</a:t>
+            </a:r>
+            <a:r>
+              <a:rPr lang="en-US" altLang="zh-CN" dirty="0" smtClean="0"/>
+              <a:t> </a:t>
+            </a:r>
+            <a:r>
+              <a:rPr lang="zh-CN" altLang="en-US" dirty="0" smtClean="0"/>
+              <a:t>做内存检测：</a:t>
+            </a:r>
+            <a:endParaRPr lang="en-US" altLang="zh-CN" dirty="0" smtClean="0"/>
+          </a:p>
+          <a:p>
+            <a:r>
               <a:rPr lang="en-US" altLang="zh-CN" sz="1600" dirty="0" smtClean="0"/>
-              <a:t>1</a:t>
-            </a:r>
-            <a:r>
-              <a:rPr lang="zh-CN" altLang="en-US" sz="1600" dirty="0" smtClean="0"/>
-              <a:t>、</a:t>
-            </a:r>
-            <a:r>
-              <a:rPr lang="en-US" altLang="zh-CN" sz="1600" dirty="0" smtClean="0"/>
-              <a:t>TCP</a:t>
-            </a:r>
-            <a:r>
-              <a:rPr lang="zh-CN" altLang="en-US" sz="1600" dirty="0" smtClean="0"/>
-              <a:t>连接派发器与协程进程间采用</a:t>
-            </a:r>
-            <a:r>
-              <a:rPr lang="en-US" altLang="zh-CN" sz="1600" dirty="0" smtClean="0"/>
-              <a:t>UNIX</a:t>
-            </a:r>
-            <a:r>
-              <a:rPr lang="zh-CN" altLang="en-US" sz="1600" dirty="0" smtClean="0"/>
-              <a:t>域套接口连接</a:t>
-            </a:r>
-            <a:endParaRPr lang="en-US" altLang="zh-CN" sz="1600" dirty="0" smtClean="0"/>
-          </a:p>
-          <a:p>
-            <a:r>
-              <a:rPr lang="en-US" altLang="zh-CN" sz="1600" dirty="0" smtClean="0"/>
-              <a:t>2</a:t>
-            </a:r>
-            <a:r>
-              <a:rPr lang="zh-CN" altLang="en-US" sz="1600" dirty="0" smtClean="0"/>
-              <a:t>、客户端连接</a:t>
-            </a:r>
-            <a:r>
-              <a:rPr lang="en-US" altLang="zh-CN" sz="1600" dirty="0" smtClean="0"/>
-              <a:t>TCP</a:t>
-            </a:r>
-            <a:r>
-              <a:rPr lang="zh-CN" altLang="en-US" sz="1600" dirty="0" smtClean="0"/>
-              <a:t>连接派发器，派发器将“连接”通过</a:t>
-            </a:r>
-            <a:r>
-              <a:rPr lang="en-US" altLang="zh-CN" sz="1600" dirty="0" smtClean="0"/>
-              <a:t>UNIX</a:t>
-            </a:r>
-            <a:r>
-              <a:rPr lang="zh-CN" altLang="en-US" sz="1600" dirty="0" smtClean="0"/>
-              <a:t>域套接口传递给协程进程</a:t>
-            </a:r>
-            <a:endParaRPr lang="en-US" altLang="zh-CN" sz="1600" dirty="0" smtClean="0"/>
-          </a:p>
-          <a:p>
-            <a:r>
-              <a:rPr lang="en-US" altLang="zh-CN" sz="1600" dirty="0" smtClean="0"/>
-              <a:t>3</a:t>
-            </a:r>
-            <a:r>
-              <a:rPr lang="zh-CN" altLang="en-US" sz="1600" dirty="0" smtClean="0"/>
-              <a:t>、</a:t>
+              <a:t>- </a:t>
             </a:r>
             <a:r>
               <a:rPr lang="en-US" altLang="zh-CN" sz="1600" dirty="0" err="1" smtClean="0"/>
-              <a:t>acl_master</a:t>
+              <a:t>valgrind</a:t>
             </a:r>
             <a:r>
               <a:rPr lang="en-US" altLang="zh-CN" sz="1600" dirty="0" smtClean="0"/>
@@ -22696,1354 +23933,117 @@
             </a:r>
             <a:r>
               <a:rPr lang="zh-CN" altLang="en-US" sz="1600" dirty="0" smtClean="0"/>
-              <a:t>管理</a:t>
+              <a:t>与 </a:t>
+            </a:r>
+            <a:r>
+              <a:rPr lang="en-US" altLang="zh-CN" sz="1600" dirty="0" err="1" smtClean="0"/>
+              <a:t>xxxcontext</a:t>
             </a:r>
             <a:r>
               <a:rPr lang="en-US" altLang="zh-CN" sz="1600" dirty="0" smtClean="0"/>
-              <a:t>TCP</a:t>
+              <a:t> </a:t>
             </a:r>
             <a:r>
               <a:rPr lang="zh-CN" altLang="en-US" sz="1600" dirty="0" smtClean="0"/>
-              <a:t>连接派发器、协程进程池</a:t>
+              <a:t>的不兼容性</a:t>
             </a:r>
             <a:endParaRPr lang="en-US" altLang="zh-CN" sz="1600" dirty="0" smtClean="0"/>
           </a:p>
           <a:p>
-            <a:endParaRPr lang="en-US" altLang="zh-CN" sz="1600" dirty="0"/>
-          </a:p>
-          <a:p>
-            <a:r>
-              <a:rPr lang="zh-CN" altLang="en-US" sz="1400" dirty="0" smtClean="0"/>
-              <a:t>关于</a:t>
-            </a:r>
-            <a:r>
-              <a:rPr lang="en-US" altLang="zh-CN" sz="1400" dirty="0" smtClean="0"/>
-              <a:t>TCP</a:t>
-            </a:r>
-            <a:r>
-              <a:rPr lang="zh-CN" altLang="en-US" sz="1400" dirty="0" smtClean="0"/>
-              <a:t>连接派发器，参考：</a:t>
-            </a:r>
-            <a:r>
-              <a:rPr lang="en-US" altLang="zh-CN" sz="1400" dirty="0"/>
-              <a:t>http://zsxxsz.iteye.com/blog/2118752</a:t>
-            </a:r>
-            <a:endParaRPr lang="zh-CN" altLang="en-US" sz="1400" dirty="0"/>
+            <a:r>
+              <a:rPr lang="en-US" altLang="zh-CN" sz="1600" dirty="0" smtClean="0"/>
+              <a:t>- </a:t>
+            </a:r>
+            <a:r>
+              <a:rPr lang="zh-CN" altLang="en-US" sz="1600" dirty="0" smtClean="0"/>
+              <a:t>需下载 </a:t>
+            </a:r>
+            <a:r>
+              <a:rPr lang="en-US" altLang="zh-CN" sz="1600" dirty="0" err="1" smtClean="0"/>
+              <a:t>valgrind</a:t>
+            </a:r>
+            <a:r>
+              <a:rPr lang="en-US" altLang="zh-CN" sz="1600" dirty="0" smtClean="0"/>
+              <a:t> </a:t>
+            </a:r>
+            <a:r>
+              <a:rPr lang="zh-CN" altLang="en-US" sz="1600" dirty="0" smtClean="0"/>
+              <a:t>开发包，调用 </a:t>
+            </a:r>
+            <a:r>
+              <a:rPr lang="en-US" altLang="zh-CN" sz="1600" dirty="0" smtClean="0"/>
+              <a:t>VALGRIND_STACK_REGISTER</a:t>
+            </a:r>
+            <a:r>
+              <a:rPr lang="zh-CN" altLang="en-US" sz="1600" dirty="0" smtClean="0"/>
+              <a:t>通知</a:t>
+            </a:r>
+            <a:endParaRPr lang="en-US" altLang="zh-CN" sz="1600" dirty="0" smtClean="0"/>
+          </a:p>
+          <a:p>
+            <a:r>
+              <a:rPr lang="en-US" altLang="zh-CN" sz="1600" dirty="0"/>
+              <a:t> </a:t>
+            </a:r>
+            <a:r>
+              <a:rPr lang="en-US" altLang="zh-CN" sz="1600" dirty="0" smtClean="0"/>
+              <a:t> </a:t>
+            </a:r>
+            <a:r>
+              <a:rPr lang="en-US" altLang="zh-CN" sz="1600" dirty="0" err="1" smtClean="0"/>
+              <a:t>valgrind</a:t>
+            </a:r>
+            <a:r>
+              <a:rPr lang="en-US" altLang="zh-CN" sz="1600" dirty="0" smtClean="0"/>
+              <a:t> </a:t>
+            </a:r>
+            <a:r>
+              <a:rPr lang="zh-CN" altLang="en-US" sz="1600" dirty="0" smtClean="0"/>
+              <a:t>跳过检测该内存区域</a:t>
+            </a:r>
+            <a:endParaRPr lang="en-US" altLang="zh-CN" sz="1600" dirty="0" smtClean="0"/>
+          </a:p>
+          <a:p>
+            <a:r>
+              <a:rPr lang="en-US" altLang="zh-CN" sz="1600" dirty="0" smtClean="0"/>
+              <a:t>- </a:t>
+            </a:r>
+            <a:r>
+              <a:rPr lang="zh-CN" altLang="en-US" sz="1600" dirty="0" smtClean="0"/>
+              <a:t>检测时在 </a:t>
+            </a:r>
+            <a:r>
+              <a:rPr lang="en-US" altLang="zh-CN" sz="1600" dirty="0" err="1" smtClean="0"/>
+              <a:t>Makefile</a:t>
+            </a:r>
+            <a:r>
+              <a:rPr lang="en-US" altLang="zh-CN" sz="1600" dirty="0" smtClean="0"/>
+              <a:t> </a:t>
+            </a:r>
+            <a:r>
+              <a:rPr lang="zh-CN" altLang="en-US" sz="1600" dirty="0" smtClean="0"/>
+              <a:t>里打开 </a:t>
+            </a:r>
+            <a:r>
+              <a:rPr lang="en-US" altLang="zh-CN" sz="1600" dirty="0" smtClean="0"/>
+              <a:t>–DUSE_VALGRIND </a:t>
+            </a:r>
+            <a:r>
+              <a:rPr lang="zh-CN" altLang="en-US" sz="1600" dirty="0" smtClean="0"/>
+              <a:t>编译选项，重新编译 </a:t>
+            </a:r>
+            <a:r>
+              <a:rPr lang="en-US" altLang="zh-CN" sz="1600" dirty="0" err="1" smtClean="0"/>
+              <a:t>lib_fiber.a</a:t>
+            </a:r>
+            <a:endParaRPr lang="zh-CN" altLang="en-US" sz="1600" dirty="0"/>
           </a:p>
         </p:txBody>
       </p:sp>
-      <p:sp>
-        <p:nvSpPr>
-          <p:cNvPr id="4" name="圆角矩形 3"/>
-          <p:cNvSpPr/>
-          <p:nvPr/>
-        </p:nvSpPr>
-        <p:spPr>
-          <a:xfrm>
-            <a:off x="4024540" y="4148624"/>
-            <a:ext cx="1368152" cy="360040"/>
-          </a:xfrm>
-          <a:prstGeom prst="roundRect">
-            <a:avLst/>
-          </a:prstGeom>
-          <a:solidFill>
-            <a:srgbClr val="00B050"/>
-          </a:solidFill>
-          <a:ln>
-            <a:noFill/>
-          </a:ln>
-        </p:spPr>
-        <p:style>
-          <a:lnRef idx="2">
-            <a:schemeClr val="accent1">
-              <a:shade val="50000"/>
-            </a:schemeClr>
-          </a:lnRef>
-          <a:fillRef idx="1">
-            <a:schemeClr val="accent1"/>
-          </a:fillRef>
-          <a:effectRef idx="0">
-            <a:schemeClr val="accent1"/>
-          </a:effectRef>
-          <a:fontRef idx="minor">
-            <a:schemeClr val="lt1"/>
-          </a:fontRef>
-        </p:style>
-        <p:txBody>
-          <a:bodyPr rtlCol="0" anchor="ctr"/>
-          <a:lstStyle/>
-          <a:p>
-            <a:pPr algn="ctr"/>
-            <a:r>
-              <a:rPr lang="en-US" altLang="zh-CN" sz="1400" b="1" dirty="0" err="1" smtClean="0">
-                <a:solidFill>
-                  <a:schemeClr val="tx1"/>
-                </a:solidFill>
-              </a:rPr>
-              <a:t>acl_master</a:t>
-            </a:r>
-            <a:endParaRPr lang="zh-CN" altLang="en-US" sz="1400" b="1" dirty="0">
-              <a:solidFill>
-                <a:schemeClr val="tx1"/>
-              </a:solidFill>
-            </a:endParaRPr>
-          </a:p>
-        </p:txBody>
-      </p:sp>
-      <p:sp>
-        <p:nvSpPr>
-          <p:cNvPr id="5" name="圆角矩形 4"/>
-          <p:cNvSpPr/>
-          <p:nvPr/>
-        </p:nvSpPr>
-        <p:spPr>
-          <a:xfrm>
-            <a:off x="3923928" y="1452977"/>
-            <a:ext cx="1368152" cy="360040"/>
-          </a:xfrm>
-          <a:prstGeom prst="roundRect">
-            <a:avLst/>
-          </a:prstGeom>
-          <a:solidFill>
-            <a:srgbClr val="FFFF00"/>
-          </a:solidFill>
-          <a:ln>
-            <a:noFill/>
-          </a:ln>
-        </p:spPr>
-        <p:style>
-          <a:lnRef idx="2">
-            <a:schemeClr val="accent1">
-              <a:shade val="50000"/>
-            </a:schemeClr>
-          </a:lnRef>
-          <a:fillRef idx="1">
-            <a:schemeClr val="accent1"/>
-          </a:fillRef>
-          <a:effectRef idx="0">
-            <a:schemeClr val="accent1"/>
-          </a:effectRef>
-          <a:fontRef idx="minor">
-            <a:schemeClr val="lt1"/>
-          </a:fontRef>
-        </p:style>
-        <p:txBody>
-          <a:bodyPr rtlCol="0" anchor="ctr"/>
-          <a:lstStyle/>
-          <a:p>
-            <a:pPr algn="ctr"/>
-            <a:r>
-              <a:rPr lang="en-US" altLang="zh-CN" sz="1400" b="1" dirty="0" err="1" smtClean="0">
-                <a:solidFill>
-                  <a:schemeClr val="tx1"/>
-                </a:solidFill>
-              </a:rPr>
-              <a:t>Tcp</a:t>
-            </a:r>
-            <a:r>
-              <a:rPr lang="zh-CN" altLang="en-US" sz="1400" b="1" dirty="0" smtClean="0">
-                <a:solidFill>
-                  <a:schemeClr val="tx1"/>
-                </a:solidFill>
-              </a:rPr>
-              <a:t>连接派发器</a:t>
-            </a:r>
-            <a:endParaRPr lang="zh-CN" altLang="en-US" sz="1400" b="1" dirty="0">
-              <a:solidFill>
-                <a:schemeClr val="tx1"/>
-              </a:solidFill>
-            </a:endParaRPr>
-          </a:p>
-        </p:txBody>
-      </p:sp>
-      <p:sp>
-        <p:nvSpPr>
-          <p:cNvPr id="6" name="圆角矩形 5"/>
-          <p:cNvSpPr/>
-          <p:nvPr/>
-        </p:nvSpPr>
-        <p:spPr>
-          <a:xfrm>
-            <a:off x="3923928" y="2930758"/>
-            <a:ext cx="1368152" cy="360040"/>
-          </a:xfrm>
-          <a:prstGeom prst="roundRect">
-            <a:avLst/>
-          </a:prstGeom>
-          <a:solidFill>
-            <a:srgbClr val="0070C0"/>
-          </a:solidFill>
-          <a:ln>
-            <a:noFill/>
-          </a:ln>
-        </p:spPr>
-        <p:style>
-          <a:lnRef idx="2">
-            <a:schemeClr val="accent1">
-              <a:shade val="50000"/>
-            </a:schemeClr>
-          </a:lnRef>
-          <a:fillRef idx="1">
-            <a:schemeClr val="accent1"/>
-          </a:fillRef>
-          <a:effectRef idx="0">
-            <a:schemeClr val="accent1"/>
-          </a:effectRef>
-          <a:fontRef idx="minor">
-            <a:schemeClr val="lt1"/>
-          </a:fontRef>
-        </p:style>
-        <p:txBody>
-          <a:bodyPr rtlCol="0" anchor="ctr"/>
-          <a:lstStyle/>
-          <a:p>
-            <a:pPr algn="ctr"/>
-            <a:r>
-              <a:rPr lang="en-US" altLang="zh-CN" sz="1400" b="1" dirty="0" err="1" smtClean="0">
-                <a:solidFill>
-                  <a:schemeClr val="tx1"/>
-                </a:solidFill>
-              </a:rPr>
-              <a:t>fiber_proc</a:t>
-            </a:r>
-            <a:endParaRPr lang="zh-CN" altLang="en-US" sz="1400" b="1" dirty="0">
-              <a:solidFill>
-                <a:schemeClr val="tx1"/>
-              </a:solidFill>
-            </a:endParaRPr>
-          </a:p>
-        </p:txBody>
-      </p:sp>
-      <p:sp>
-        <p:nvSpPr>
-          <p:cNvPr id="8" name="椭圆 7"/>
-          <p:cNvSpPr/>
-          <p:nvPr/>
-        </p:nvSpPr>
-        <p:spPr>
-          <a:xfrm>
-            <a:off x="1979712" y="1642492"/>
-            <a:ext cx="864096" cy="451037"/>
-          </a:xfrm>
-          <a:prstGeom prst="ellipse">
-            <a:avLst/>
-          </a:prstGeom>
-          <a:solidFill>
-            <a:srgbClr val="92D050"/>
-          </a:solidFill>
-          <a:ln>
-            <a:noFill/>
-          </a:ln>
-        </p:spPr>
-        <p:style>
-          <a:lnRef idx="2">
-            <a:schemeClr val="accent1">
-              <a:shade val="50000"/>
-            </a:schemeClr>
-          </a:lnRef>
-          <a:fillRef idx="1">
-            <a:schemeClr val="accent1"/>
-          </a:fillRef>
-          <a:effectRef idx="0">
-            <a:schemeClr val="accent1"/>
-          </a:effectRef>
-          <a:fontRef idx="minor">
-            <a:schemeClr val="lt1"/>
-          </a:fontRef>
-        </p:style>
-        <p:txBody>
-          <a:bodyPr rtlCol="0" anchor="ctr"/>
-          <a:lstStyle/>
-          <a:p>
-            <a:pPr algn="ctr"/>
-            <a:r>
-              <a:rPr lang="en-US" altLang="zh-CN" sz="1400" b="1" dirty="0" smtClean="0">
-                <a:solidFill>
-                  <a:schemeClr val="tx1"/>
-                </a:solidFill>
-              </a:rPr>
-              <a:t>client</a:t>
-            </a:r>
-            <a:endParaRPr lang="zh-CN" altLang="en-US" sz="1400" b="1" dirty="0">
-              <a:solidFill>
-                <a:schemeClr val="tx1"/>
-              </a:solidFill>
-            </a:endParaRPr>
-          </a:p>
-        </p:txBody>
-      </p:sp>
-      <p:sp>
-        <p:nvSpPr>
-          <p:cNvPr id="9" name="椭圆 8"/>
-          <p:cNvSpPr/>
-          <p:nvPr/>
-        </p:nvSpPr>
-        <p:spPr>
-          <a:xfrm>
-            <a:off x="1979712" y="2326567"/>
-            <a:ext cx="864096" cy="451037"/>
-          </a:xfrm>
-          <a:prstGeom prst="ellipse">
-            <a:avLst/>
-          </a:prstGeom>
-          <a:solidFill>
-            <a:srgbClr val="92D050"/>
-          </a:solidFill>
-          <a:ln>
-            <a:noFill/>
-          </a:ln>
-        </p:spPr>
-        <p:style>
-          <a:lnRef idx="2">
-            <a:schemeClr val="accent1">
-              <a:shade val="50000"/>
-            </a:schemeClr>
-          </a:lnRef>
-          <a:fillRef idx="1">
-            <a:schemeClr val="accent1"/>
-          </a:fillRef>
-          <a:effectRef idx="0">
-            <a:schemeClr val="accent1"/>
-          </a:effectRef>
-          <a:fontRef idx="minor">
-            <a:schemeClr val="lt1"/>
-          </a:fontRef>
-        </p:style>
-        <p:txBody>
-          <a:bodyPr rtlCol="0" anchor="ctr"/>
-          <a:lstStyle/>
-          <a:p>
-            <a:pPr algn="ctr"/>
-            <a:r>
-              <a:rPr lang="en-US" altLang="zh-CN" sz="1400" b="1" dirty="0" smtClean="0">
-                <a:solidFill>
-                  <a:schemeClr val="tx1"/>
-                </a:solidFill>
-              </a:rPr>
-              <a:t>client</a:t>
-            </a:r>
-            <a:endParaRPr lang="zh-CN" altLang="en-US" sz="1400" b="1" dirty="0">
-              <a:solidFill>
-                <a:schemeClr val="tx1"/>
-              </a:solidFill>
-            </a:endParaRPr>
-          </a:p>
-        </p:txBody>
-      </p:sp>
-      <p:sp>
-        <p:nvSpPr>
-          <p:cNvPr id="10" name="椭圆 9"/>
-          <p:cNvSpPr/>
-          <p:nvPr/>
-        </p:nvSpPr>
-        <p:spPr>
-          <a:xfrm>
-            <a:off x="1979712" y="3010642"/>
-            <a:ext cx="864096" cy="451037"/>
-          </a:xfrm>
-          <a:prstGeom prst="ellipse">
-            <a:avLst/>
-          </a:prstGeom>
-          <a:solidFill>
-            <a:srgbClr val="92D050"/>
-          </a:solidFill>
-          <a:ln>
-            <a:noFill/>
-          </a:ln>
-        </p:spPr>
-        <p:style>
-          <a:lnRef idx="2">
-            <a:schemeClr val="accent1">
-              <a:shade val="50000"/>
-            </a:schemeClr>
-          </a:lnRef>
-          <a:fillRef idx="1">
-            <a:schemeClr val="accent1"/>
-          </a:fillRef>
-          <a:effectRef idx="0">
-            <a:schemeClr val="accent1"/>
-          </a:effectRef>
-          <a:fontRef idx="minor">
-            <a:schemeClr val="lt1"/>
-          </a:fontRef>
-        </p:style>
-        <p:txBody>
-          <a:bodyPr rtlCol="0" anchor="ctr"/>
-          <a:lstStyle/>
-          <a:p>
-            <a:pPr algn="ctr"/>
-            <a:r>
-              <a:rPr lang="en-US" altLang="zh-CN" sz="1400" b="1" dirty="0" smtClean="0">
-                <a:solidFill>
-                  <a:schemeClr val="tx1"/>
-                </a:solidFill>
-              </a:rPr>
-              <a:t>client</a:t>
-            </a:r>
-            <a:endParaRPr lang="zh-CN" altLang="en-US" sz="1400" b="1" dirty="0">
-              <a:solidFill>
-                <a:schemeClr val="tx1"/>
-              </a:solidFill>
-            </a:endParaRPr>
-          </a:p>
-        </p:txBody>
-      </p:sp>
-      <p:cxnSp>
-        <p:nvCxnSpPr>
-          <p:cNvPr id="12" name="直接箭头连接符 11"/>
-          <p:cNvCxnSpPr>
-            <a:stCxn id="8" idx="6"/>
-            <a:endCxn id="34" idx="1"/>
-          </p:cNvCxnSpPr>
-          <p:nvPr/>
-        </p:nvCxnSpPr>
-        <p:spPr>
-          <a:xfrm>
-            <a:off x="2843808" y="1868011"/>
-            <a:ext cx="1080120" cy="483459"/>
-          </a:xfrm>
-          <a:prstGeom prst="straightConnector1">
-            <a:avLst/>
-          </a:prstGeom>
-          <a:ln>
-            <a:tailEnd type="triangle"/>
-          </a:ln>
-        </p:spPr>
-        <p:style>
-          <a:lnRef idx="1">
-            <a:schemeClr val="accent1"/>
-          </a:lnRef>
-          <a:fillRef idx="0">
-            <a:schemeClr val="accent1"/>
-          </a:fillRef>
-          <a:effectRef idx="0">
-            <a:schemeClr val="accent1"/>
-          </a:effectRef>
-          <a:fontRef idx="minor">
-            <a:schemeClr val="tx1"/>
-          </a:fontRef>
-        </p:style>
-      </p:cxnSp>
-      <p:cxnSp>
-        <p:nvCxnSpPr>
-          <p:cNvPr id="14" name="直接箭头连接符 13"/>
-          <p:cNvCxnSpPr>
-            <a:stCxn id="9" idx="6"/>
-            <a:endCxn id="34" idx="1"/>
-          </p:cNvCxnSpPr>
-          <p:nvPr/>
-        </p:nvCxnSpPr>
-        <p:spPr>
-          <a:xfrm flipV="1">
-            <a:off x="2843808" y="2351470"/>
-            <a:ext cx="1080120" cy="200616"/>
-          </a:xfrm>
-          <a:prstGeom prst="straightConnector1">
-            <a:avLst/>
-          </a:prstGeom>
-          <a:ln>
-            <a:tailEnd type="triangle"/>
-          </a:ln>
-        </p:spPr>
-        <p:style>
-          <a:lnRef idx="1">
-            <a:schemeClr val="accent1"/>
-          </a:lnRef>
-          <a:fillRef idx="0">
-            <a:schemeClr val="accent1"/>
-          </a:fillRef>
-          <a:effectRef idx="0">
-            <a:schemeClr val="accent1"/>
-          </a:effectRef>
-          <a:fontRef idx="minor">
-            <a:schemeClr val="tx1"/>
-          </a:fontRef>
-        </p:style>
-      </p:cxnSp>
-      <p:cxnSp>
-        <p:nvCxnSpPr>
-          <p:cNvPr id="16" name="直接箭头连接符 15"/>
-          <p:cNvCxnSpPr>
-            <a:stCxn id="10" idx="6"/>
-            <a:endCxn id="6" idx="1"/>
-          </p:cNvCxnSpPr>
-          <p:nvPr/>
-        </p:nvCxnSpPr>
-        <p:spPr>
-          <a:xfrm flipV="1">
-            <a:off x="2843808" y="3110778"/>
-            <a:ext cx="1080120" cy="125383"/>
-          </a:xfrm>
-          <a:prstGeom prst="straightConnector1">
-            <a:avLst/>
-          </a:prstGeom>
-          <a:ln>
-            <a:tailEnd type="triangle"/>
-          </a:ln>
-        </p:spPr>
-        <p:style>
-          <a:lnRef idx="1">
-            <a:schemeClr val="accent1"/>
-          </a:lnRef>
-          <a:fillRef idx="0">
-            <a:schemeClr val="accent1"/>
-          </a:fillRef>
-          <a:effectRef idx="0">
-            <a:schemeClr val="accent1"/>
-          </a:effectRef>
-          <a:fontRef idx="minor">
-            <a:schemeClr val="tx1"/>
-          </a:fontRef>
-        </p:style>
-      </p:cxnSp>
-      <p:sp>
-        <p:nvSpPr>
-          <p:cNvPr id="17" name="椭圆 16"/>
-          <p:cNvSpPr/>
-          <p:nvPr/>
-        </p:nvSpPr>
-        <p:spPr>
-          <a:xfrm>
-            <a:off x="1979712" y="3666236"/>
-            <a:ext cx="864096" cy="451037"/>
-          </a:xfrm>
-          <a:prstGeom prst="ellipse">
-            <a:avLst/>
-          </a:prstGeom>
-          <a:solidFill>
-            <a:srgbClr val="92D050"/>
-          </a:solidFill>
-          <a:ln>
-            <a:noFill/>
-          </a:ln>
-        </p:spPr>
-        <p:style>
-          <a:lnRef idx="2">
-            <a:schemeClr val="accent1">
-              <a:shade val="50000"/>
-            </a:schemeClr>
-          </a:lnRef>
-          <a:fillRef idx="1">
-            <a:schemeClr val="accent1"/>
-          </a:fillRef>
-          <a:effectRef idx="0">
-            <a:schemeClr val="accent1"/>
-          </a:effectRef>
-          <a:fontRef idx="minor">
-            <a:schemeClr val="lt1"/>
-          </a:fontRef>
-        </p:style>
-        <p:txBody>
-          <a:bodyPr rtlCol="0" anchor="ctr"/>
-          <a:lstStyle/>
-          <a:p>
-            <a:pPr algn="ctr"/>
-            <a:r>
-              <a:rPr lang="en-US" altLang="zh-CN" sz="1400" b="1" dirty="0" smtClean="0">
-                <a:solidFill>
-                  <a:schemeClr val="tx1"/>
-                </a:solidFill>
-              </a:rPr>
-              <a:t>client</a:t>
-            </a:r>
-            <a:endParaRPr lang="zh-CN" altLang="en-US" sz="1400" b="1" dirty="0">
-              <a:solidFill>
-                <a:schemeClr val="tx1"/>
-              </a:solidFill>
-            </a:endParaRPr>
-          </a:p>
-        </p:txBody>
-      </p:sp>
-      <p:cxnSp>
-        <p:nvCxnSpPr>
-          <p:cNvPr id="19" name="直接箭头连接符 18"/>
-          <p:cNvCxnSpPr>
-            <a:stCxn id="17" idx="6"/>
-            <a:endCxn id="6" idx="1"/>
-          </p:cNvCxnSpPr>
-          <p:nvPr/>
-        </p:nvCxnSpPr>
-        <p:spPr>
-          <a:xfrm flipV="1">
-            <a:off x="2843808" y="3110778"/>
-            <a:ext cx="1080120" cy="780977"/>
-          </a:xfrm>
-          <a:prstGeom prst="straightConnector1">
-            <a:avLst/>
-          </a:prstGeom>
-          <a:ln>
-            <a:tailEnd type="triangle"/>
-          </a:ln>
-        </p:spPr>
-        <p:style>
-          <a:lnRef idx="1">
-            <a:schemeClr val="accent1"/>
-          </a:lnRef>
-          <a:fillRef idx="0">
-            <a:schemeClr val="accent1"/>
-          </a:fillRef>
-          <a:effectRef idx="0">
-            <a:schemeClr val="accent1"/>
-          </a:effectRef>
-          <a:fontRef idx="minor">
-            <a:schemeClr val="tx1"/>
-          </a:fontRef>
-        </p:style>
-      </p:cxnSp>
-      <p:sp>
-        <p:nvSpPr>
-          <p:cNvPr id="34" name="圆角矩形 33"/>
-          <p:cNvSpPr/>
-          <p:nvPr/>
-        </p:nvSpPr>
-        <p:spPr>
-          <a:xfrm>
-            <a:off x="3923928" y="2171450"/>
-            <a:ext cx="1368152" cy="360040"/>
-          </a:xfrm>
-          <a:prstGeom prst="roundRect">
-            <a:avLst/>
-          </a:prstGeom>
-          <a:solidFill>
-            <a:srgbClr val="0070C0"/>
-          </a:solidFill>
-          <a:ln>
-            <a:noFill/>
-          </a:ln>
-        </p:spPr>
-        <p:style>
-          <a:lnRef idx="2">
-            <a:schemeClr val="accent1">
-              <a:shade val="50000"/>
-            </a:schemeClr>
-          </a:lnRef>
-          <a:fillRef idx="1">
-            <a:schemeClr val="accent1"/>
-          </a:fillRef>
-          <a:effectRef idx="0">
-            <a:schemeClr val="accent1"/>
-          </a:effectRef>
-          <a:fontRef idx="minor">
-            <a:schemeClr val="lt1"/>
-          </a:fontRef>
-        </p:style>
-        <p:txBody>
-          <a:bodyPr rtlCol="0" anchor="ctr"/>
-          <a:lstStyle/>
-          <a:p>
-            <a:pPr algn="ctr"/>
-            <a:r>
-              <a:rPr lang="en-US" altLang="zh-CN" sz="1400" b="1" dirty="0" err="1" smtClean="0">
-                <a:solidFill>
-                  <a:schemeClr val="tx1"/>
-                </a:solidFill>
-              </a:rPr>
-              <a:t>fiber_proc</a:t>
-            </a:r>
-            <a:endParaRPr lang="zh-CN" altLang="en-US" sz="1400" b="1" dirty="0">
-              <a:solidFill>
-                <a:schemeClr val="tx1"/>
-              </a:solidFill>
-            </a:endParaRPr>
-          </a:p>
-        </p:txBody>
-      </p:sp>
-      <p:cxnSp>
-        <p:nvCxnSpPr>
-          <p:cNvPr id="44" name="直接箭头连接符 43"/>
-          <p:cNvCxnSpPr>
-            <a:stCxn id="8" idx="6"/>
-            <a:endCxn id="5" idx="1"/>
-          </p:cNvCxnSpPr>
-          <p:nvPr/>
-        </p:nvCxnSpPr>
-        <p:spPr>
-          <a:xfrm flipV="1">
-            <a:off x="2843808" y="1632997"/>
-            <a:ext cx="1080120" cy="235014"/>
-          </a:xfrm>
-          <a:prstGeom prst="straightConnector1">
-            <a:avLst/>
-          </a:prstGeom>
-          <a:ln>
-            <a:prstDash val="dash"/>
-            <a:tailEnd type="triangle"/>
-          </a:ln>
-        </p:spPr>
-        <p:style>
-          <a:lnRef idx="1">
-            <a:schemeClr val="accent1"/>
-          </a:lnRef>
-          <a:fillRef idx="0">
-            <a:schemeClr val="accent1"/>
-          </a:fillRef>
-          <a:effectRef idx="0">
-            <a:schemeClr val="accent1"/>
-          </a:effectRef>
-          <a:fontRef idx="minor">
-            <a:schemeClr val="tx1"/>
-          </a:fontRef>
-        </p:style>
-      </p:cxnSp>
-      <p:cxnSp>
-        <p:nvCxnSpPr>
-          <p:cNvPr id="47" name="直接箭头连接符 46"/>
-          <p:cNvCxnSpPr>
-            <a:stCxn id="9" idx="6"/>
-            <a:endCxn id="5" idx="1"/>
-          </p:cNvCxnSpPr>
-          <p:nvPr/>
-        </p:nvCxnSpPr>
-        <p:spPr>
-          <a:xfrm flipV="1">
-            <a:off x="2843808" y="1632997"/>
-            <a:ext cx="1080120" cy="919089"/>
-          </a:xfrm>
-          <a:prstGeom prst="straightConnector1">
-            <a:avLst/>
-          </a:prstGeom>
-          <a:ln>
-            <a:prstDash val="dash"/>
-            <a:tailEnd type="triangle"/>
-          </a:ln>
-        </p:spPr>
-        <p:style>
-          <a:lnRef idx="1">
-            <a:schemeClr val="accent1"/>
-          </a:lnRef>
-          <a:fillRef idx="0">
-            <a:schemeClr val="accent1"/>
-          </a:fillRef>
-          <a:effectRef idx="0">
-            <a:schemeClr val="accent1"/>
-          </a:effectRef>
-          <a:fontRef idx="minor">
-            <a:schemeClr val="tx1"/>
-          </a:fontRef>
-        </p:style>
-      </p:cxnSp>
-      <p:cxnSp>
-        <p:nvCxnSpPr>
-          <p:cNvPr id="49" name="直接箭头连接符 48"/>
-          <p:cNvCxnSpPr>
-            <a:stCxn id="10" idx="6"/>
-            <a:endCxn id="5" idx="1"/>
-          </p:cNvCxnSpPr>
-          <p:nvPr/>
-        </p:nvCxnSpPr>
-        <p:spPr>
-          <a:xfrm flipV="1">
-            <a:off x="2843808" y="1632997"/>
-            <a:ext cx="1080120" cy="1603164"/>
-          </a:xfrm>
-          <a:prstGeom prst="straightConnector1">
-            <a:avLst/>
-          </a:prstGeom>
-          <a:ln>
-            <a:prstDash val="dash"/>
-            <a:tailEnd type="triangle"/>
-          </a:ln>
-        </p:spPr>
-        <p:style>
-          <a:lnRef idx="1">
-            <a:schemeClr val="accent1"/>
-          </a:lnRef>
-          <a:fillRef idx="0">
-            <a:schemeClr val="accent1"/>
-          </a:fillRef>
-          <a:effectRef idx="0">
-            <a:schemeClr val="accent1"/>
-          </a:effectRef>
-          <a:fontRef idx="minor">
-            <a:schemeClr val="tx1"/>
-          </a:fontRef>
-        </p:style>
-      </p:cxnSp>
-      <p:cxnSp>
-        <p:nvCxnSpPr>
-          <p:cNvPr id="54" name="直接箭头连接符 53"/>
-          <p:cNvCxnSpPr>
-            <a:stCxn id="17" idx="6"/>
-            <a:endCxn id="5" idx="1"/>
-          </p:cNvCxnSpPr>
-          <p:nvPr/>
-        </p:nvCxnSpPr>
-        <p:spPr>
-          <a:xfrm flipV="1">
-            <a:off x="2843808" y="1632997"/>
-            <a:ext cx="1080120" cy="2258758"/>
-          </a:xfrm>
-          <a:prstGeom prst="straightConnector1">
-            <a:avLst/>
-          </a:prstGeom>
-          <a:ln>
-            <a:prstDash val="dash"/>
-            <a:tailEnd type="triangle"/>
-          </a:ln>
-        </p:spPr>
-        <p:style>
-          <a:lnRef idx="1">
-            <a:schemeClr val="accent1"/>
-          </a:lnRef>
-          <a:fillRef idx="0">
-            <a:schemeClr val="accent1"/>
-          </a:fillRef>
-          <a:effectRef idx="0">
-            <a:schemeClr val="accent1"/>
-          </a:effectRef>
-          <a:fontRef idx="minor">
-            <a:schemeClr val="tx1"/>
-          </a:fontRef>
-        </p:style>
-      </p:cxnSp>
-      <p:sp>
-        <p:nvSpPr>
-          <p:cNvPr id="108" name="圆角矩形 107"/>
-          <p:cNvSpPr/>
-          <p:nvPr/>
-        </p:nvSpPr>
-        <p:spPr>
-          <a:xfrm>
-            <a:off x="6275032" y="1850638"/>
-            <a:ext cx="648072" cy="360040"/>
-          </a:xfrm>
-          <a:prstGeom prst="roundRect">
-            <a:avLst/>
-          </a:prstGeom>
-          <a:solidFill>
-            <a:srgbClr val="00B0F0"/>
-          </a:solidFill>
-          <a:ln>
-            <a:noFill/>
-          </a:ln>
-        </p:spPr>
-        <p:style>
-          <a:lnRef idx="2">
-            <a:schemeClr val="accent1">
-              <a:shade val="50000"/>
-            </a:schemeClr>
-          </a:lnRef>
-          <a:fillRef idx="1">
-            <a:schemeClr val="accent1"/>
-          </a:fillRef>
-          <a:effectRef idx="0">
-            <a:schemeClr val="accent1"/>
-          </a:effectRef>
-          <a:fontRef idx="minor">
-            <a:schemeClr val="lt1"/>
-          </a:fontRef>
-        </p:style>
-        <p:txBody>
-          <a:bodyPr rtlCol="0" anchor="ctr"/>
-          <a:lstStyle/>
-          <a:p>
-            <a:pPr algn="ctr"/>
-            <a:r>
-              <a:rPr lang="en-US" altLang="zh-CN" sz="1400" b="1" dirty="0" smtClean="0">
-                <a:solidFill>
-                  <a:schemeClr val="tx1"/>
-                </a:solidFill>
-              </a:rPr>
-              <a:t>fiber</a:t>
-            </a:r>
-            <a:endParaRPr lang="zh-CN" altLang="en-US" sz="1400" b="1" dirty="0">
-              <a:solidFill>
-                <a:schemeClr val="tx1"/>
-              </a:solidFill>
-            </a:endParaRPr>
-          </a:p>
-        </p:txBody>
-      </p:sp>
-      <p:sp>
-        <p:nvSpPr>
-          <p:cNvPr id="109" name="圆角矩形 108"/>
-          <p:cNvSpPr/>
-          <p:nvPr/>
-        </p:nvSpPr>
-        <p:spPr>
-          <a:xfrm>
-            <a:off x="6275032" y="2282686"/>
-            <a:ext cx="648072" cy="360040"/>
-          </a:xfrm>
-          <a:prstGeom prst="roundRect">
-            <a:avLst/>
-          </a:prstGeom>
-          <a:solidFill>
-            <a:srgbClr val="00B0F0"/>
-          </a:solidFill>
-          <a:ln>
-            <a:noFill/>
-          </a:ln>
-        </p:spPr>
-        <p:style>
-          <a:lnRef idx="2">
-            <a:schemeClr val="accent1">
-              <a:shade val="50000"/>
-            </a:schemeClr>
-          </a:lnRef>
-          <a:fillRef idx="1">
-            <a:schemeClr val="accent1"/>
-          </a:fillRef>
-          <a:effectRef idx="0">
-            <a:schemeClr val="accent1"/>
-          </a:effectRef>
-          <a:fontRef idx="minor">
-            <a:schemeClr val="lt1"/>
-          </a:fontRef>
-        </p:style>
-        <p:txBody>
-          <a:bodyPr rtlCol="0" anchor="ctr"/>
-          <a:lstStyle/>
-          <a:p>
-            <a:pPr algn="ctr"/>
-            <a:r>
-              <a:rPr lang="en-US" altLang="zh-CN" sz="1400" b="1" dirty="0" smtClean="0">
-                <a:solidFill>
-                  <a:schemeClr val="tx1"/>
-                </a:solidFill>
-              </a:rPr>
-              <a:t>fiber</a:t>
-            </a:r>
-            <a:endParaRPr lang="zh-CN" altLang="en-US" sz="1400" b="1" dirty="0">
-              <a:solidFill>
-                <a:schemeClr val="tx1"/>
-              </a:solidFill>
-            </a:endParaRPr>
-          </a:p>
-        </p:txBody>
-      </p:sp>
-      <p:cxnSp>
-        <p:nvCxnSpPr>
-          <p:cNvPr id="111" name="直接箭头连接符 110"/>
-          <p:cNvCxnSpPr>
-            <a:stCxn id="34" idx="3"/>
-            <a:endCxn id="108" idx="1"/>
-          </p:cNvCxnSpPr>
-          <p:nvPr/>
-        </p:nvCxnSpPr>
-        <p:spPr>
-          <a:xfrm flipV="1">
-            <a:off x="5292080" y="2030658"/>
-            <a:ext cx="982952" cy="320812"/>
-          </a:xfrm>
-          <a:prstGeom prst="straightConnector1">
-            <a:avLst/>
-          </a:prstGeom>
-          <a:ln>
-            <a:tailEnd type="triangle"/>
-          </a:ln>
-        </p:spPr>
-        <p:style>
-          <a:lnRef idx="1">
-            <a:schemeClr val="accent1"/>
-          </a:lnRef>
-          <a:fillRef idx="0">
-            <a:schemeClr val="accent1"/>
-          </a:fillRef>
-          <a:effectRef idx="0">
-            <a:schemeClr val="accent1"/>
-          </a:effectRef>
-          <a:fontRef idx="minor">
-            <a:schemeClr val="tx1"/>
-          </a:fontRef>
-        </p:style>
-      </p:cxnSp>
-      <p:cxnSp>
-        <p:nvCxnSpPr>
-          <p:cNvPr id="113" name="直接箭头连接符 112"/>
-          <p:cNvCxnSpPr>
-            <a:stCxn id="34" idx="3"/>
-            <a:endCxn id="109" idx="1"/>
-          </p:cNvCxnSpPr>
-          <p:nvPr/>
-        </p:nvCxnSpPr>
-        <p:spPr>
-          <a:xfrm>
-            <a:off x="5292080" y="2351470"/>
-            <a:ext cx="982952" cy="111236"/>
-          </a:xfrm>
-          <a:prstGeom prst="straightConnector1">
-            <a:avLst/>
-          </a:prstGeom>
-          <a:ln>
-            <a:tailEnd type="triangle"/>
-          </a:ln>
-        </p:spPr>
-        <p:style>
-          <a:lnRef idx="1">
-            <a:schemeClr val="accent1"/>
-          </a:lnRef>
-          <a:fillRef idx="0">
-            <a:schemeClr val="accent1"/>
-          </a:fillRef>
-          <a:effectRef idx="0">
-            <a:schemeClr val="accent1"/>
-          </a:effectRef>
-          <a:fontRef idx="minor">
-            <a:schemeClr val="tx1"/>
-          </a:fontRef>
-        </p:style>
-      </p:cxnSp>
-      <p:sp>
-        <p:nvSpPr>
-          <p:cNvPr id="114" name="圆角矩形 113"/>
-          <p:cNvSpPr/>
-          <p:nvPr/>
-        </p:nvSpPr>
-        <p:spPr>
-          <a:xfrm>
-            <a:off x="6292792" y="2786742"/>
-            <a:ext cx="648072" cy="360040"/>
-          </a:xfrm>
-          <a:prstGeom prst="roundRect">
-            <a:avLst/>
-          </a:prstGeom>
-          <a:solidFill>
-            <a:srgbClr val="00B0F0"/>
-          </a:solidFill>
-          <a:ln>
-            <a:noFill/>
-          </a:ln>
-        </p:spPr>
-        <p:style>
-          <a:lnRef idx="2">
-            <a:schemeClr val="accent1">
-              <a:shade val="50000"/>
-            </a:schemeClr>
-          </a:lnRef>
-          <a:fillRef idx="1">
-            <a:schemeClr val="accent1"/>
-          </a:fillRef>
-          <a:effectRef idx="0">
-            <a:schemeClr val="accent1"/>
-          </a:effectRef>
-          <a:fontRef idx="minor">
-            <a:schemeClr val="lt1"/>
-          </a:fontRef>
-        </p:style>
-        <p:txBody>
-          <a:bodyPr rtlCol="0" anchor="ctr"/>
-          <a:lstStyle/>
-          <a:p>
-            <a:pPr algn="ctr"/>
-            <a:r>
-              <a:rPr lang="en-US" altLang="zh-CN" sz="1400" b="1" dirty="0" smtClean="0">
-                <a:solidFill>
-                  <a:schemeClr val="tx1"/>
-                </a:solidFill>
-              </a:rPr>
-              <a:t>fiber</a:t>
-            </a:r>
-            <a:endParaRPr lang="zh-CN" altLang="en-US" sz="1400" b="1" dirty="0">
-              <a:solidFill>
-                <a:schemeClr val="tx1"/>
-              </a:solidFill>
-            </a:endParaRPr>
-          </a:p>
-        </p:txBody>
-      </p:sp>
-      <p:sp>
-        <p:nvSpPr>
-          <p:cNvPr id="115" name="圆角矩形 114"/>
-          <p:cNvSpPr/>
-          <p:nvPr/>
-        </p:nvSpPr>
-        <p:spPr>
-          <a:xfrm>
-            <a:off x="6292792" y="3218790"/>
-            <a:ext cx="648072" cy="360040"/>
-          </a:xfrm>
-          <a:prstGeom prst="roundRect">
-            <a:avLst/>
-          </a:prstGeom>
-          <a:solidFill>
-            <a:srgbClr val="00B0F0"/>
-          </a:solidFill>
-          <a:ln>
-            <a:noFill/>
-          </a:ln>
-        </p:spPr>
-        <p:style>
-          <a:lnRef idx="2">
-            <a:schemeClr val="accent1">
-              <a:shade val="50000"/>
-            </a:schemeClr>
-          </a:lnRef>
-          <a:fillRef idx="1">
-            <a:schemeClr val="accent1"/>
-          </a:fillRef>
-          <a:effectRef idx="0">
-            <a:schemeClr val="accent1"/>
-          </a:effectRef>
-          <a:fontRef idx="minor">
-            <a:schemeClr val="lt1"/>
-          </a:fontRef>
-        </p:style>
-        <p:txBody>
-          <a:bodyPr rtlCol="0" anchor="ctr"/>
-          <a:lstStyle/>
-          <a:p>
-            <a:pPr algn="ctr"/>
-            <a:r>
-              <a:rPr lang="en-US" altLang="zh-CN" sz="1400" b="1" dirty="0" smtClean="0">
-                <a:solidFill>
-                  <a:schemeClr val="tx1"/>
-                </a:solidFill>
-              </a:rPr>
-              <a:t>fiber</a:t>
-            </a:r>
-            <a:endParaRPr lang="zh-CN" altLang="en-US" sz="1400" b="1" dirty="0">
-              <a:solidFill>
-                <a:schemeClr val="tx1"/>
-              </a:solidFill>
-            </a:endParaRPr>
-          </a:p>
-        </p:txBody>
-      </p:sp>
-      <p:cxnSp>
-        <p:nvCxnSpPr>
-          <p:cNvPr id="116" name="直接箭头连接符 115"/>
-          <p:cNvCxnSpPr>
-            <a:stCxn id="6" idx="3"/>
-            <a:endCxn id="114" idx="1"/>
-          </p:cNvCxnSpPr>
-          <p:nvPr/>
-        </p:nvCxnSpPr>
-        <p:spPr>
-          <a:xfrm flipV="1">
-            <a:off x="5292080" y="2966762"/>
-            <a:ext cx="1000712" cy="144016"/>
-          </a:xfrm>
-          <a:prstGeom prst="straightConnector1">
-            <a:avLst/>
-          </a:prstGeom>
-          <a:ln>
-            <a:tailEnd type="triangle"/>
-          </a:ln>
-        </p:spPr>
-        <p:style>
-          <a:lnRef idx="1">
-            <a:schemeClr val="accent1"/>
-          </a:lnRef>
-          <a:fillRef idx="0">
-            <a:schemeClr val="accent1"/>
-          </a:fillRef>
-          <a:effectRef idx="0">
-            <a:schemeClr val="accent1"/>
-          </a:effectRef>
-          <a:fontRef idx="minor">
-            <a:schemeClr val="tx1"/>
-          </a:fontRef>
-        </p:style>
-      </p:cxnSp>
-      <p:cxnSp>
-        <p:nvCxnSpPr>
-          <p:cNvPr id="117" name="直接箭头连接符 116"/>
-          <p:cNvCxnSpPr>
-            <a:stCxn id="6" idx="3"/>
-            <a:endCxn id="115" idx="1"/>
-          </p:cNvCxnSpPr>
-          <p:nvPr/>
-        </p:nvCxnSpPr>
-        <p:spPr>
-          <a:xfrm>
-            <a:off x="5292080" y="3110778"/>
-            <a:ext cx="1000712" cy="288032"/>
-          </a:xfrm>
-          <a:prstGeom prst="straightConnector1">
-            <a:avLst/>
-          </a:prstGeom>
-          <a:ln>
-            <a:tailEnd type="triangle"/>
-          </a:ln>
-        </p:spPr>
-        <p:style>
-          <a:lnRef idx="1">
-            <a:schemeClr val="accent1"/>
-          </a:lnRef>
-          <a:fillRef idx="0">
-            <a:schemeClr val="accent1"/>
-          </a:fillRef>
-          <a:effectRef idx="0">
-            <a:schemeClr val="accent1"/>
-          </a:effectRef>
-          <a:fontRef idx="minor">
-            <a:schemeClr val="tx1"/>
-          </a:fontRef>
-        </p:style>
-      </p:cxnSp>
-      <p:sp>
-        <p:nvSpPr>
-          <p:cNvPr id="120" name="矩形 119"/>
-          <p:cNvSpPr/>
-          <p:nvPr/>
-        </p:nvSpPr>
-        <p:spPr>
-          <a:xfrm>
-            <a:off x="3700504" y="1268760"/>
-            <a:ext cx="2016224" cy="2216954"/>
-          </a:xfrm>
-          <a:prstGeom prst="rect">
-            <a:avLst/>
-          </a:prstGeom>
-          <a:noFill/>
-          <a:ln>
-            <a:solidFill>
-              <a:srgbClr val="7030A0"/>
-            </a:solidFill>
-            <a:prstDash val="dashDot"/>
-          </a:ln>
-        </p:spPr>
-        <p:style>
-          <a:lnRef idx="2">
-            <a:schemeClr val="accent1">
-              <a:shade val="50000"/>
-            </a:schemeClr>
-          </a:lnRef>
-          <a:fillRef idx="1">
-            <a:schemeClr val="accent1"/>
-          </a:fillRef>
-          <a:effectRef idx="0">
-            <a:schemeClr val="accent1"/>
-          </a:effectRef>
-          <a:fontRef idx="minor">
-            <a:schemeClr val="lt1"/>
-          </a:fontRef>
-        </p:style>
-        <p:txBody>
-          <a:bodyPr rtlCol="0" anchor="ctr"/>
-          <a:lstStyle/>
-          <a:p>
-            <a:pPr algn="ctr"/>
-            <a:endParaRPr lang="zh-CN" altLang="en-US"/>
-          </a:p>
-        </p:txBody>
-      </p:sp>
-      <p:sp>
-        <p:nvSpPr>
-          <p:cNvPr id="121" name="上箭头 120"/>
-          <p:cNvSpPr/>
-          <p:nvPr/>
-        </p:nvSpPr>
-        <p:spPr>
-          <a:xfrm>
-            <a:off x="4528600" y="3595936"/>
-            <a:ext cx="360040" cy="451037"/>
-          </a:xfrm>
-          <a:prstGeom prst="upArrow">
-            <a:avLst/>
-          </a:prstGeom>
-          <a:solidFill>
-            <a:srgbClr val="002060"/>
-          </a:solidFill>
-          <a:ln>
-            <a:noFill/>
-          </a:ln>
-        </p:spPr>
-        <p:style>
-          <a:lnRef idx="2">
-            <a:schemeClr val="accent1">
-              <a:shade val="50000"/>
-            </a:schemeClr>
-          </a:lnRef>
-          <a:fillRef idx="1">
-            <a:schemeClr val="accent1"/>
-          </a:fillRef>
-          <a:effectRef idx="0">
-            <a:schemeClr val="accent1"/>
-          </a:effectRef>
-          <a:fontRef idx="minor">
-            <a:schemeClr val="lt1"/>
-          </a:fontRef>
-        </p:style>
-        <p:txBody>
-          <a:bodyPr rtlCol="0" anchor="ctr"/>
-          <a:lstStyle/>
-          <a:p>
-            <a:pPr algn="ctr"/>
-            <a:endParaRPr lang="zh-CN" altLang="en-US"/>
-          </a:p>
-        </p:txBody>
-      </p:sp>
-      <p:cxnSp>
-        <p:nvCxnSpPr>
-          <p:cNvPr id="123" name="直接箭头连接符 122"/>
-          <p:cNvCxnSpPr>
-            <a:stCxn id="5" idx="2"/>
-            <a:endCxn id="34" idx="0"/>
-          </p:cNvCxnSpPr>
-          <p:nvPr/>
-        </p:nvCxnSpPr>
-        <p:spPr>
-          <a:xfrm>
-            <a:off x="4608004" y="1813017"/>
-            <a:ext cx="0" cy="358433"/>
-          </a:xfrm>
-          <a:prstGeom prst="straightConnector1">
-            <a:avLst/>
-          </a:prstGeom>
-          <a:ln>
-            <a:tailEnd type="triangle"/>
-          </a:ln>
-        </p:spPr>
-        <p:style>
-          <a:lnRef idx="2">
-            <a:schemeClr val="accent3"/>
-          </a:lnRef>
-          <a:fillRef idx="0">
-            <a:schemeClr val="accent3"/>
-          </a:fillRef>
-          <a:effectRef idx="1">
-            <a:schemeClr val="accent3"/>
-          </a:effectRef>
-          <a:fontRef idx="minor">
-            <a:schemeClr val="tx1"/>
-          </a:fontRef>
-        </p:style>
-      </p:cxnSp>
-      <p:cxnSp>
-        <p:nvCxnSpPr>
-          <p:cNvPr id="125" name="肘形连接符 124"/>
-          <p:cNvCxnSpPr>
-            <a:stCxn id="5" idx="3"/>
-            <a:endCxn id="6" idx="0"/>
-          </p:cNvCxnSpPr>
-          <p:nvPr/>
-        </p:nvCxnSpPr>
-        <p:spPr>
-          <a:xfrm flipH="1">
-            <a:off x="4608004" y="1632997"/>
-            <a:ext cx="684076" cy="1297761"/>
-          </a:xfrm>
-          <a:prstGeom prst="bentConnector4">
-            <a:avLst>
-              <a:gd name="adj1" fmla="val -33417"/>
-              <a:gd name="adj2" fmla="val 80423"/>
-            </a:avLst>
-          </a:prstGeom>
-          <a:ln>
-            <a:tailEnd type="triangle"/>
-          </a:ln>
-        </p:spPr>
-        <p:style>
-          <a:lnRef idx="2">
-            <a:schemeClr val="accent3"/>
-          </a:lnRef>
-          <a:fillRef idx="0">
-            <a:schemeClr val="accent3"/>
-          </a:fillRef>
-          <a:effectRef idx="1">
-            <a:schemeClr val="accent3"/>
-          </a:effectRef>
-          <a:fontRef idx="minor">
-            <a:schemeClr val="tx1"/>
-          </a:fontRef>
-        </p:style>
-      </p:cxnSp>
     </p:spTree>
     <p:extLst>
       <p:ext uri="{BB962C8B-B14F-4D97-AF65-F5344CB8AC3E}">
-        <p14:creationId xmlns:p14="http://schemas.microsoft.com/office/powerpoint/2010/main" val="2362337726"/>
+        <p14:creationId xmlns:p14="http://schemas.microsoft.com/office/powerpoint/2010/main" val="1567305147"/>
       </p:ext>
     </p:extLst>
   </p:cSld>
